--- a/CE_presentation.pptx
+++ b/CE_presentation.pptx
@@ -11,7 +11,7 @@
     <p:sldId id="256" r:id="rId2"/>
     <p:sldId id="257" r:id="rId3"/>
     <p:sldId id="259" r:id="rId4"/>
-    <p:sldId id="258" r:id="rId5"/>
+    <p:sldId id="260" r:id="rId5"/>
   </p:sldIdLst>
   <p:sldSz cx="12192000" cy="6858000"/>
   <p:notesSz cx="6858000" cy="9144000"/>
@@ -5070,7 +5070,7 @@
         </p:blipFill>
         <p:spPr>
           <a:xfrm rot="1221004">
-            <a:off x="9039153" y="3344592"/>
+            <a:off x="8925967" y="3378320"/>
             <a:ext cx="514378" cy="612045"/>
           </a:xfrm>
           <a:prstGeom prst="rect">
@@ -5546,6 +5546,36 @@
           <a:xfrm>
             <a:off x="8017681" y="4275512"/>
             <a:ext cx="981512" cy="981512"/>
+          </a:xfrm>
+          <a:prstGeom prst="rect">
+            <a:avLst/>
+          </a:prstGeom>
+        </p:spPr>
+      </p:pic>
+      <p:pic>
+        <p:nvPicPr>
+          <p:cNvPr id="69" name="Picture 68"/>
+          <p:cNvPicPr>
+            <a:picLocks noChangeAspect="1"/>
+          </p:cNvPicPr>
+          <p:nvPr/>
+        </p:nvPicPr>
+        <p:blipFill>
+          <a:blip r:embed="rId28">
+            <a:extLst>
+              <a:ext uri="{28A0092B-C50C-407E-A947-70E740481C1C}">
+                <a14:useLocalDpi xmlns:a14="http://schemas.microsoft.com/office/drawing/2010/main" val="0"/>
+              </a:ext>
+            </a:extLst>
+          </a:blip>
+          <a:stretch>
+            <a:fillRect/>
+          </a:stretch>
+        </p:blipFill>
+        <p:spPr>
+          <a:xfrm>
+            <a:off x="9755838" y="2938710"/>
+            <a:ext cx="471013" cy="471013"/>
           </a:xfrm>
           <a:prstGeom prst="rect">
             <a:avLst/>
@@ -6055,7 +6085,106 @@
                                           </p:stCondLst>
                                         </p:cTn>
                                         <p:tgtEl>
+                                          <p:spTgt spid="69"/>
+                                        </p:tgtEl>
+                                        <p:attrNameLst>
+                                          <p:attrName>style.visibility</p:attrName>
+                                        </p:attrNameLst>
+                                      </p:cBhvr>
+                                      <p:to>
+                                        <p:strVal val="visible"/>
+                                      </p:to>
+                                    </p:set>
+                                  </p:childTnLst>
+                                </p:cTn>
+                              </p:par>
+                              <p:par>
+                                <p:cTn id="41" presetID="1" presetClass="entr" presetSubtype="0" fill="hold" nodeType="withEffect">
+                                  <p:stCondLst>
+                                    <p:cond delay="0"/>
+                                  </p:stCondLst>
+                                  <p:childTnLst>
+                                    <p:set>
+                                      <p:cBhvr>
+                                        <p:cTn id="42" dur="1" fill="hold">
+                                          <p:stCondLst>
+                                            <p:cond delay="0"/>
+                                          </p:stCondLst>
+                                        </p:cTn>
+                                        <p:tgtEl>
                                           <p:spTgt spid="43"/>
+                                        </p:tgtEl>
+                                        <p:attrNameLst>
+                                          <p:attrName>style.visibility</p:attrName>
+                                        </p:attrNameLst>
+                                      </p:cBhvr>
+                                      <p:to>
+                                        <p:strVal val="visible"/>
+                                      </p:to>
+                                    </p:set>
+                                  </p:childTnLst>
+                                </p:cTn>
+                              </p:par>
+                            </p:childTnLst>
+                          </p:cTn>
+                        </p:par>
+                      </p:childTnLst>
+                    </p:cTn>
+                  </p:par>
+                  <p:par>
+                    <p:cTn id="43" fill="hold">
+                      <p:stCondLst>
+                        <p:cond delay="indefinite"/>
+                      </p:stCondLst>
+                      <p:childTnLst>
+                        <p:par>
+                          <p:cTn id="44" fill="hold">
+                            <p:stCondLst>
+                              <p:cond delay="0"/>
+                            </p:stCondLst>
+                            <p:childTnLst>
+                              <p:par>
+                                <p:cTn id="45" presetID="1" presetClass="entr" presetSubtype="0" fill="hold" nodeType="clickEffect">
+                                  <p:stCondLst>
+                                    <p:cond delay="0"/>
+                                  </p:stCondLst>
+                                  <p:childTnLst>
+                                    <p:set>
+                                      <p:cBhvr>
+                                        <p:cTn id="46" dur="1" fill="hold">
+                                          <p:stCondLst>
+                                            <p:cond delay="0"/>
+                                          </p:stCondLst>
+                                        </p:cTn>
+                                        <p:tgtEl>
+                                          <p:spTgt spid="66"/>
+                                        </p:tgtEl>
+                                        <p:attrNameLst>
+                                          <p:attrName>style.visibility</p:attrName>
+                                        </p:attrNameLst>
+                                      </p:cBhvr>
+                                      <p:to>
+                                        <p:strVal val="visible"/>
+                                      </p:to>
+                                    </p:set>
+                                  </p:childTnLst>
+                                </p:cTn>
+                              </p:par>
+                              <p:par>
+                                <p:cTn id="47" presetID="1" presetClass="entr" presetSubtype="0" fill="hold" nodeType="withEffect">
+                                  <p:stCondLst>
+                                    <p:cond delay="0"/>
+                                  </p:stCondLst>
+                                  <p:childTnLst>
+                                    <p:set>
+                                      <p:cBhvr>
+                                        <p:cTn id="48" dur="1" fill="hold">
+                                          <p:stCondLst>
+                                            <p:cond delay="0"/>
+                                          </p:stCondLst>
+                                        </p:cTn>
+                                        <p:tgtEl>
+                                          <p:spTgt spid="67"/>
                                         </p:tgtEl>
                                         <p:attrNameLst>
                                           <p:attrName>style.visibility</p:attrName>
@@ -6133,7 +6262,7 @@
           <a:p>
             <a:r>
               <a:rPr lang="en-US" dirty="0" smtClean="0"/>
-              <a:t>	</a:t>
+              <a:t>	Apps &amp; Kernels: a divorce</a:t>
             </a:r>
             <a:endParaRPr lang="en-US" dirty="0"/>
           </a:p>
@@ -6149,19 +6278,123 @@
             <p:ph idx="1"/>
           </p:nvPr>
         </p:nvSpPr>
-        <p:spPr/>
-        <p:txBody>
-          <a:bodyPr/>
-          <a:lstStyle/>
-          <a:p>
-            <a:endParaRPr lang="en-US"/>
-          </a:p>
-        </p:txBody>
-      </p:sp>
+        <p:spPr>
+          <a:xfrm>
+            <a:off x="838200" y="1825624"/>
+            <a:ext cx="10515600" cy="4792345"/>
+          </a:xfrm>
+        </p:spPr>
+        <p:txBody>
+          <a:bodyPr>
+            <a:normAutofit/>
+          </a:bodyPr>
+          <a:lstStyle/>
+          <a:p>
+            <a:r>
+              <a:rPr lang="en-US" dirty="0" smtClean="0"/>
+              <a:t>Non-flexible abstractions</a:t>
+            </a:r>
+          </a:p>
+          <a:p>
+            <a:pPr lvl="1"/>
+            <a:r>
+              <a:rPr lang="en-US" dirty="0" smtClean="0"/>
+              <a:t>Frameworks</a:t>
+            </a:r>
+          </a:p>
+          <a:p>
+            <a:pPr lvl="1"/>
+            <a:r>
+              <a:rPr lang="en-US" smtClean="0"/>
+              <a:t>User-level (re-)implementations</a:t>
+            </a:r>
+            <a:endParaRPr lang="en-US" dirty="0" smtClean="0"/>
+          </a:p>
+          <a:p>
+            <a:pPr lvl="1"/>
+            <a:endParaRPr lang="en-US" dirty="0" smtClean="0"/>
+          </a:p>
+          <a:p>
+            <a:r>
+              <a:rPr lang="en-US" dirty="0" smtClean="0"/>
+              <a:t>Non-satisfactory performances</a:t>
+            </a:r>
+          </a:p>
+          <a:p>
+            <a:pPr lvl="1"/>
+            <a:r>
+              <a:rPr lang="en-US" dirty="0" smtClean="0"/>
+              <a:t>Kernel bypasses</a:t>
+            </a:r>
+          </a:p>
+          <a:p>
+            <a:pPr lvl="1"/>
+            <a:endParaRPr lang="en-US" dirty="0"/>
+          </a:p>
+          <a:p>
+            <a:r>
+              <a:rPr lang="en-US" dirty="0" smtClean="0"/>
+              <a:t>Security model evolved</a:t>
+            </a:r>
+          </a:p>
+          <a:p>
+            <a:pPr lvl="1"/>
+            <a:r>
+              <a:rPr lang="en-US" i="1" dirty="0" smtClean="0"/>
+              <a:t>“Don’t trust the Cloud!”</a:t>
+            </a:r>
+          </a:p>
+          <a:p>
+            <a:pPr lvl="1"/>
+            <a:r>
+              <a:rPr lang="en-US" i="1" dirty="0" smtClean="0"/>
+              <a:t>“Pirates are back!”</a:t>
+            </a:r>
+          </a:p>
+          <a:p>
+            <a:pPr lvl="1"/>
+            <a:r>
+              <a:rPr lang="en-US" i="1" dirty="0" smtClean="0"/>
+              <a:t>“Data is better than oil.”</a:t>
+            </a:r>
+            <a:endParaRPr lang="en-US" i="1" dirty="0"/>
+          </a:p>
+        </p:txBody>
+      </p:sp>
+      <p:pic>
+        <p:nvPicPr>
+          <p:cNvPr id="5" name="Picture 4"/>
+          <p:cNvPicPr>
+            <a:picLocks noChangeAspect="1"/>
+          </p:cNvPicPr>
+          <p:nvPr/>
+        </p:nvPicPr>
+        <p:blipFill>
+          <a:blip r:embed="rId2">
+            <a:extLst>
+              <a:ext uri="{28A0092B-C50C-407E-A947-70E740481C1C}">
+                <a14:useLocalDpi xmlns:a14="http://schemas.microsoft.com/office/drawing/2010/main" val="0"/>
+              </a:ext>
+            </a:extLst>
+          </a:blip>
+          <a:stretch>
+            <a:fillRect/>
+          </a:stretch>
+        </p:blipFill>
+        <p:spPr>
+          <a:xfrm>
+            <a:off x="7706360" y="3141980"/>
+            <a:ext cx="2540000" cy="2540000"/>
+          </a:xfrm>
+          <a:prstGeom prst="rect">
+            <a:avLst/>
+          </a:prstGeom>
+        </p:spPr>
+      </p:pic>
     </p:spTree>
     <p:extLst>
       <p:ext uri="{BB962C8B-B14F-4D97-AF65-F5344CB8AC3E}">
-        <p14:creationId xmlns:p14="http://schemas.microsoft.com/office/powerpoint/2010/main" val="1573893076"/>
+        <p14:creationId xmlns:p14="http://schemas.microsoft.com/office/powerpoint/2010/main" val="1513984936"/>
       </p:ext>
     </p:extLst>
   </p:cSld>

--- a/CE_presentation.pptx
+++ b/CE_presentation.pptx
@@ -5,13 +5,17 @@
     <p:sldMasterId id="2147483648" r:id="rId1"/>
   </p:sldMasterIdLst>
   <p:notesMasterIdLst>
-    <p:notesMasterId r:id="rId6"/>
+    <p:notesMasterId r:id="rId10"/>
   </p:notesMasterIdLst>
   <p:sldIdLst>
     <p:sldId id="256" r:id="rId2"/>
     <p:sldId id="257" r:id="rId3"/>
     <p:sldId id="259" r:id="rId4"/>
     <p:sldId id="260" r:id="rId5"/>
+    <p:sldId id="261" r:id="rId6"/>
+    <p:sldId id="262" r:id="rId7"/>
+    <p:sldId id="263" r:id="rId8"/>
+    <p:sldId id="264" r:id="rId9"/>
   </p:sldIdLst>
   <p:sldSz cx="12192000" cy="6858000"/>
   <p:notesSz cx="6858000" cy="9144000"/>
@@ -110,6 +114,11 @@
       </a:defRPr>
     </a:lvl9pPr>
   </p:defaultTextStyle>
+  <p:extLst>
+    <p:ext uri="{EFAFB233-063F-42B5-8137-9DF3F51BA10A}">
+      <p15:sldGuideLst xmlns:p15="http://schemas.microsoft.com/office/powerpoint/2012/main"/>
+    </p:ext>
+  </p:extLst>
 </p:presentation>
 </file>
 
@@ -195,7 +204,7 @@
           <a:p>
             <a:fld id="{79C7D925-ACBC-A942-AEA8-AF2DA2D0E5F6}" type="datetimeFigureOut">
               <a:rPr lang="en-US" smtClean="0"/>
-              <a:t>6/16/17</a:t>
+              <a:t>6/19/17</a:t>
             </a:fld>
             <a:endParaRPr lang="en-US"/>
           </a:p>
@@ -665,7 +674,36 @@
                 <a:ea typeface="+mn-ea"/>
                 <a:cs typeface="+mn-cs"/>
               </a:rPr>
-              <a:t>Put lots of things at the very end.</a:t>
+              <a:t>Put lots of things at the very end</a:t>
+            </a:r>
+            <a:r>
+              <a:rPr lang="en-US" sz="1200" b="0" i="0" kern="1200" baseline="0" dirty="0" smtClean="0">
+                <a:solidFill>
+                  <a:schemeClr val="tx1"/>
+                </a:solidFill>
+                <a:effectLst/>
+                <a:latin typeface="+mn-lt"/>
+                <a:ea typeface="+mn-ea"/>
+                <a:cs typeface="+mn-cs"/>
+              </a:rPr>
+              <a:t>.</a:t>
+            </a:r>
+          </a:p>
+          <a:p>
+            <a:pPr marL="228600" indent="-228600">
+              <a:buAutoNum type="arabicPeriod"/>
+            </a:pPr>
+            <a:r>
+              <a:rPr lang="en-US" sz="1200" b="0" i="0" kern="1200" baseline="0" dirty="0" smtClean="0">
+                <a:solidFill>
+                  <a:schemeClr val="tx1"/>
+                </a:solidFill>
+                <a:effectLst/>
+                <a:latin typeface="+mn-lt"/>
+                <a:ea typeface="+mn-ea"/>
+                <a:cs typeface="+mn-cs"/>
+              </a:rPr>
+              <a:t>Say number of devices that appear, number of things connected to the internet.</a:t>
             </a:r>
             <a:endParaRPr lang="en-US" dirty="0"/>
           </a:p>
@@ -838,7 +876,7 @@
           <a:p>
             <a:fld id="{C474F784-3F61-9E4C-93C7-1B314C5504FC}" type="datetimeFigureOut">
               <a:rPr lang="en-US" smtClean="0"/>
-              <a:t>6/16/17</a:t>
+              <a:t>6/19/17</a:t>
             </a:fld>
             <a:endParaRPr lang="en-US"/>
           </a:p>
@@ -1008,7 +1046,7 @@
           <a:p>
             <a:fld id="{C474F784-3F61-9E4C-93C7-1B314C5504FC}" type="datetimeFigureOut">
               <a:rPr lang="en-US" smtClean="0"/>
-              <a:t>6/16/17</a:t>
+              <a:t>6/19/17</a:t>
             </a:fld>
             <a:endParaRPr lang="en-US"/>
           </a:p>
@@ -1188,7 +1226,7 @@
           <a:p>
             <a:fld id="{C474F784-3F61-9E4C-93C7-1B314C5504FC}" type="datetimeFigureOut">
               <a:rPr lang="en-US" smtClean="0"/>
-              <a:t>6/16/17</a:t>
+              <a:t>6/19/17</a:t>
             </a:fld>
             <a:endParaRPr lang="en-US"/>
           </a:p>
@@ -1363,7 +1401,7 @@
           <a:p>
             <a:fld id="{C474F784-3F61-9E4C-93C7-1B314C5504FC}" type="datetimeFigureOut">
               <a:rPr lang="en-US" smtClean="0"/>
-              <a:t>6/16/17</a:t>
+              <a:t>6/19/17</a:t>
             </a:fld>
             <a:endParaRPr lang="en-US"/>
           </a:p>
@@ -1609,7 +1647,7 @@
           <a:p>
             <a:fld id="{C474F784-3F61-9E4C-93C7-1B314C5504FC}" type="datetimeFigureOut">
               <a:rPr lang="en-US" smtClean="0"/>
-              <a:t>6/16/17</a:t>
+              <a:t>6/19/17</a:t>
             </a:fld>
             <a:endParaRPr lang="en-US"/>
           </a:p>
@@ -1841,7 +1879,7 @@
           <a:p>
             <a:fld id="{C474F784-3F61-9E4C-93C7-1B314C5504FC}" type="datetimeFigureOut">
               <a:rPr lang="en-US" smtClean="0"/>
-              <a:t>6/16/17</a:t>
+              <a:t>6/19/17</a:t>
             </a:fld>
             <a:endParaRPr lang="en-US"/>
           </a:p>
@@ -2208,7 +2246,7 @@
           <a:p>
             <a:fld id="{C474F784-3F61-9E4C-93C7-1B314C5504FC}" type="datetimeFigureOut">
               <a:rPr lang="en-US" smtClean="0"/>
-              <a:t>6/16/17</a:t>
+              <a:t>6/19/17</a:t>
             </a:fld>
             <a:endParaRPr lang="en-US"/>
           </a:p>
@@ -2326,7 +2364,7 @@
           <a:p>
             <a:fld id="{C474F784-3F61-9E4C-93C7-1B314C5504FC}" type="datetimeFigureOut">
               <a:rPr lang="en-US" smtClean="0"/>
-              <a:t>6/16/17</a:t>
+              <a:t>6/19/17</a:t>
             </a:fld>
             <a:endParaRPr lang="en-US"/>
           </a:p>
@@ -2421,7 +2459,7 @@
           <a:p>
             <a:fld id="{C474F784-3F61-9E4C-93C7-1B314C5504FC}" type="datetimeFigureOut">
               <a:rPr lang="en-US" smtClean="0"/>
-              <a:t>6/16/17</a:t>
+              <a:t>6/19/17</a:t>
             </a:fld>
             <a:endParaRPr lang="en-US"/>
           </a:p>
@@ -2698,7 +2736,7 @@
           <a:p>
             <a:fld id="{C474F784-3F61-9E4C-93C7-1B314C5504FC}" type="datetimeFigureOut">
               <a:rPr lang="en-US" smtClean="0"/>
-              <a:t>6/16/17</a:t>
+              <a:t>6/19/17</a:t>
             </a:fld>
             <a:endParaRPr lang="en-US"/>
           </a:p>
@@ -2951,7 +2989,7 @@
           <a:p>
             <a:fld id="{C474F784-3F61-9E4C-93C7-1B314C5504FC}" type="datetimeFigureOut">
               <a:rPr lang="en-US" smtClean="0"/>
-              <a:t>6/16/17</a:t>
+              <a:t>6/19/17</a:t>
             </a:fld>
             <a:endParaRPr lang="en-US"/>
           </a:p>
@@ -3170,7 +3208,7 @@
           <a:p>
             <a:fld id="{C474F784-3F61-9E4C-93C7-1B314C5504FC}" type="datetimeFigureOut">
               <a:rPr lang="en-US" smtClean="0"/>
-              <a:t>6/16/17</a:t>
+              <a:t>6/19/17</a:t>
             </a:fld>
             <a:endParaRPr lang="en-US"/>
           </a:p>
@@ -3649,6 +3687,13 @@
   <p:clrMapOvr>
     <a:masterClrMapping/>
   </p:clrMapOvr>
+  <p:timing>
+    <p:tnLst>
+      <p:par>
+        <p:cTn id="1" dur="indefinite" restart="never" nodeType="tmRoot"/>
+      </p:par>
+    </p:tnLst>
+  </p:timing>
 </p:sld>
 </file>
 
@@ -6262,7 +6307,15 @@
           <a:p>
             <a:r>
               <a:rPr lang="en-US" dirty="0" smtClean="0"/>
-              <a:t>	Apps &amp; Kernels: a divorce</a:t>
+              <a:t>	Apps &amp; Kernels: </a:t>
+            </a:r>
+            <a:r>
+              <a:rPr lang="en-US" dirty="0" smtClean="0"/>
+              <a:t>A </a:t>
+            </a:r>
+            <a:r>
+              <a:rPr lang="en-US" dirty="0" smtClean="0"/>
+              <a:t>divorce</a:t>
             </a:r>
             <a:endParaRPr lang="en-US" dirty="0"/>
           </a:p>
@@ -6305,10 +6358,9 @@
           <a:p>
             <a:pPr lvl="1"/>
             <a:r>
-              <a:rPr lang="en-US" smtClean="0"/>
+              <a:rPr lang="en-US" dirty="0" smtClean="0"/>
               <a:t>User-level (re-)implementations</a:t>
             </a:r>
-            <a:endParaRPr lang="en-US" dirty="0" smtClean="0"/>
           </a:p>
           <a:p>
             <a:pPr lvl="1"/>
@@ -6340,22 +6392,48 @@
           <a:p>
             <a:pPr lvl="1"/>
             <a:r>
+              <a:rPr lang="en-US" i="1" dirty="0"/>
+              <a:t>“Pirates are back</a:t>
+            </a:r>
+            <a:r>
               <a:rPr lang="en-US" i="1" dirty="0" smtClean="0"/>
-              <a:t>“Don’t trust the Cloud!”</a:t>
-            </a:r>
+              <a:t>!”</a:t>
+            </a:r>
+            <a:endParaRPr lang="en-US" i="1" dirty="0" smtClean="0"/>
           </a:p>
           <a:p>
             <a:pPr lvl="1"/>
             <a:r>
               <a:rPr lang="en-US" i="1" dirty="0" smtClean="0"/>
-              <a:t>“Pirates are back!”</a:t>
-            </a:r>
+              <a:t>“</a:t>
+            </a:r>
+            <a:r>
+              <a:rPr lang="en-US" i="1" dirty="0" smtClean="0"/>
+              <a:t>Don’t trust the </a:t>
+            </a:r>
+            <a:r>
+              <a:rPr lang="en-US" i="1" dirty="0" smtClean="0"/>
+              <a:t>Cloud</a:t>
+            </a:r>
+            <a:r>
+              <a:rPr lang="mr-IN" i="1" dirty="0" smtClean="0"/>
+              <a:t>…</a:t>
+            </a:r>
+            <a:r>
+              <a:rPr lang="fr-CH" i="1" dirty="0" smtClean="0"/>
+              <a:t> or ANYTHING</a:t>
+            </a:r>
+            <a:r>
+              <a:rPr lang="en-US" i="1" dirty="0" smtClean="0"/>
+              <a:t>!”</a:t>
+            </a:r>
+            <a:endParaRPr lang="en-US" i="1" dirty="0" smtClean="0"/>
           </a:p>
           <a:p>
             <a:pPr lvl="1"/>
             <a:r>
               <a:rPr lang="en-US" i="1" dirty="0" smtClean="0"/>
-              <a:t>“Data is better than oil.”</a:t>
+              <a:t>“You’re worth less than the data you produce.”</a:t>
             </a:r>
             <a:endParaRPr lang="en-US" i="1" dirty="0"/>
           </a:p>
@@ -6395,6 +6473,1122 @@
     <p:extLst>
       <p:ext uri="{BB962C8B-B14F-4D97-AF65-F5344CB8AC3E}">
         <p14:creationId xmlns:p14="http://schemas.microsoft.com/office/powerpoint/2010/main" val="1513984936"/>
+      </p:ext>
+    </p:extLst>
+  </p:cSld>
+  <p:clrMapOvr>
+    <a:masterClrMapping/>
+  </p:clrMapOvr>
+  <p:timing>
+    <p:tnLst>
+      <p:par>
+        <p:cTn id="1" dur="indefinite" restart="never" nodeType="tmRoot"/>
+      </p:par>
+    </p:tnLst>
+  </p:timing>
+</p:sld>
+</file>
+
+<file path=ppt/slides/slide5.xml><?xml version="1.0" encoding="utf-8"?>
+<p:sld xmlns:a="http://schemas.openxmlformats.org/drawingml/2006/main" xmlns:r="http://schemas.openxmlformats.org/officeDocument/2006/relationships" xmlns:p="http://schemas.openxmlformats.org/presentationml/2006/main">
+  <p:cSld>
+    <p:spTree>
+      <p:nvGrpSpPr>
+        <p:cNvPr id="1" name=""/>
+        <p:cNvGrpSpPr/>
+        <p:nvPr/>
+      </p:nvGrpSpPr>
+      <p:grpSpPr>
+        <a:xfrm>
+          <a:off x="0" y="0"/>
+          <a:ext cx="0" cy="0"/>
+          <a:chOff x="0" y="0"/>
+          <a:chExt cx="0" cy="0"/>
+        </a:xfrm>
+      </p:grpSpPr>
+      <p:sp>
+        <p:nvSpPr>
+          <p:cNvPr id="2" name="Title 1"/>
+          <p:cNvSpPr>
+            <a:spLocks noGrp="1"/>
+          </p:cNvSpPr>
+          <p:nvPr>
+            <p:ph type="title"/>
+          </p:nvPr>
+        </p:nvSpPr>
+        <p:spPr/>
+        <p:txBody>
+          <a:bodyPr/>
+          <a:lstStyle/>
+          <a:p>
+            <a:r>
+              <a:rPr lang="en-US" dirty="0" smtClean="0"/>
+              <a:t>	Desired Features</a:t>
+            </a:r>
+            <a:endParaRPr lang="en-US" dirty="0"/>
+          </a:p>
+        </p:txBody>
+      </p:sp>
+      <p:sp>
+        <p:nvSpPr>
+          <p:cNvPr id="3" name="Content Placeholder 2"/>
+          <p:cNvSpPr>
+            <a:spLocks noGrp="1"/>
+          </p:cNvSpPr>
+          <p:nvPr>
+            <p:ph idx="1"/>
+          </p:nvPr>
+        </p:nvSpPr>
+        <p:spPr/>
+        <p:txBody>
+          <a:bodyPr/>
+          <a:lstStyle/>
+          <a:p>
+            <a:pPr>
+              <a:lnSpc>
+                <a:spcPct val="100000"/>
+              </a:lnSpc>
+              <a:spcBef>
+                <a:spcPts val="0"/>
+              </a:spcBef>
+            </a:pPr>
+            <a:r>
+              <a:rPr lang="en-US" dirty="0" smtClean="0"/>
+              <a:t>Performance</a:t>
+            </a:r>
+          </a:p>
+          <a:p>
+            <a:pPr lvl="1">
+              <a:lnSpc>
+                <a:spcPct val="100000"/>
+              </a:lnSpc>
+              <a:spcBef>
+                <a:spcPts val="0"/>
+              </a:spcBef>
+            </a:pPr>
+            <a:r>
+              <a:rPr lang="en-US" dirty="0" smtClean="0"/>
+              <a:t>For heterogeneous application requirements.</a:t>
+            </a:r>
+          </a:p>
+          <a:p>
+            <a:pPr lvl="1">
+              <a:lnSpc>
+                <a:spcPct val="100000"/>
+              </a:lnSpc>
+              <a:spcBef>
+                <a:spcPts val="0"/>
+              </a:spcBef>
+            </a:pPr>
+            <a:r>
+              <a:rPr lang="en-US" dirty="0" smtClean="0"/>
+              <a:t>For large number of external devices.</a:t>
+            </a:r>
+          </a:p>
+          <a:p>
+            <a:pPr lvl="1">
+              <a:lnSpc>
+                <a:spcPct val="100000"/>
+              </a:lnSpc>
+              <a:spcBef>
+                <a:spcPts val="0"/>
+              </a:spcBef>
+            </a:pPr>
+            <a:endParaRPr lang="en-US" dirty="0"/>
+          </a:p>
+          <a:p>
+            <a:pPr>
+              <a:lnSpc>
+                <a:spcPct val="100000"/>
+              </a:lnSpc>
+              <a:spcBef>
+                <a:spcPts val="0"/>
+              </a:spcBef>
+            </a:pPr>
+            <a:r>
+              <a:rPr lang="en-US" dirty="0" smtClean="0"/>
+              <a:t>Security</a:t>
+            </a:r>
+          </a:p>
+          <a:p>
+            <a:pPr lvl="1">
+              <a:lnSpc>
+                <a:spcPct val="100000"/>
+              </a:lnSpc>
+              <a:spcBef>
+                <a:spcPts val="0"/>
+              </a:spcBef>
+            </a:pPr>
+            <a:r>
+              <a:rPr lang="en-US" dirty="0" smtClean="0"/>
+              <a:t>Confidentiality and Integrity.</a:t>
+            </a:r>
+          </a:p>
+          <a:p>
+            <a:pPr lvl="1">
+              <a:lnSpc>
+                <a:spcPct val="100000"/>
+              </a:lnSpc>
+              <a:spcBef>
+                <a:spcPts val="0"/>
+              </a:spcBef>
+            </a:pPr>
+            <a:r>
+              <a:rPr lang="en-US" dirty="0" smtClean="0"/>
+              <a:t>Bi-directional mistrust between host/guest.</a:t>
+            </a:r>
+          </a:p>
+          <a:p>
+            <a:pPr lvl="1">
+              <a:lnSpc>
+                <a:spcPct val="100000"/>
+              </a:lnSpc>
+              <a:spcBef>
+                <a:spcPts val="0"/>
+              </a:spcBef>
+            </a:pPr>
+            <a:endParaRPr lang="en-US" dirty="0"/>
+          </a:p>
+          <a:p>
+            <a:pPr marL="0" indent="0">
+              <a:lnSpc>
+                <a:spcPct val="100000"/>
+              </a:lnSpc>
+              <a:spcBef>
+                <a:spcPts val="0"/>
+              </a:spcBef>
+              <a:buNone/>
+            </a:pPr>
+            <a:r>
+              <a:rPr lang="en-US" i="1" dirty="0" smtClean="0"/>
+              <a:t>Re-define respective roles of kernels and applications.</a:t>
+            </a:r>
+          </a:p>
+        </p:txBody>
+      </p:sp>
+    </p:spTree>
+    <p:extLst>
+      <p:ext uri="{BB962C8B-B14F-4D97-AF65-F5344CB8AC3E}">
+        <p14:creationId xmlns:p14="http://schemas.microsoft.com/office/powerpoint/2010/main" val="1963956225"/>
+      </p:ext>
+    </p:extLst>
+  </p:cSld>
+  <p:clrMapOvr>
+    <a:masterClrMapping/>
+  </p:clrMapOvr>
+  <p:timing>
+    <p:tnLst>
+      <p:par>
+        <p:cTn id="1" dur="indefinite" restart="never" nodeType="tmRoot"/>
+      </p:par>
+    </p:tnLst>
+  </p:timing>
+</p:sld>
+</file>
+
+<file path=ppt/slides/slide6.xml><?xml version="1.0" encoding="utf-8"?>
+<p:sld xmlns:a="http://schemas.openxmlformats.org/drawingml/2006/main" xmlns:r="http://schemas.openxmlformats.org/officeDocument/2006/relationships" xmlns:p="http://schemas.openxmlformats.org/presentationml/2006/main">
+  <p:cSld>
+    <p:spTree>
+      <p:nvGrpSpPr>
+        <p:cNvPr id="1" name=""/>
+        <p:cNvGrpSpPr/>
+        <p:nvPr/>
+      </p:nvGrpSpPr>
+      <p:grpSpPr>
+        <a:xfrm>
+          <a:off x="0" y="0"/>
+          <a:ext cx="0" cy="0"/>
+          <a:chOff x="0" y="0"/>
+          <a:chExt cx="0" cy="0"/>
+        </a:xfrm>
+      </p:grpSpPr>
+      <p:sp>
+        <p:nvSpPr>
+          <p:cNvPr id="2" name="Title 1"/>
+          <p:cNvSpPr>
+            <a:spLocks noGrp="1"/>
+          </p:cNvSpPr>
+          <p:nvPr>
+            <p:ph type="title"/>
+          </p:nvPr>
+        </p:nvSpPr>
+        <p:spPr/>
+        <p:txBody>
+          <a:bodyPr/>
+          <a:lstStyle/>
+          <a:p>
+            <a:r>
+              <a:rPr lang="en-US" dirty="0" smtClean="0"/>
+              <a:t>	Haven &amp; Intel SGX</a:t>
+            </a:r>
+            <a:endParaRPr lang="en-US" dirty="0"/>
+          </a:p>
+        </p:txBody>
+      </p:sp>
+      <p:sp>
+        <p:nvSpPr>
+          <p:cNvPr id="3" name="Content Placeholder 2"/>
+          <p:cNvSpPr>
+            <a:spLocks noGrp="1"/>
+          </p:cNvSpPr>
+          <p:nvPr>
+            <p:ph idx="1"/>
+          </p:nvPr>
+        </p:nvSpPr>
+        <p:spPr>
+          <a:xfrm>
+            <a:off x="838200" y="1654175"/>
+            <a:ext cx="10515600" cy="4351338"/>
+          </a:xfrm>
+        </p:spPr>
+        <p:txBody>
+          <a:bodyPr/>
+          <a:lstStyle/>
+          <a:p>
+            <a:pPr marL="0" marR="0" lvl="0" indent="0" defTabSz="914400" eaLnBrk="1" fontAlgn="auto" latinLnBrk="0" hangingPunct="1">
+              <a:lnSpc>
+                <a:spcPct val="100000"/>
+              </a:lnSpc>
+              <a:spcBef>
+                <a:spcPts val="0"/>
+              </a:spcBef>
+              <a:spcAft>
+                <a:spcPts val="0"/>
+              </a:spcAft>
+              <a:buClrTx/>
+              <a:buSzTx/>
+              <a:buFontTx/>
+              <a:buNone/>
+              <a:tabLst/>
+              <a:defRPr/>
+            </a:pPr>
+            <a:r>
+              <a:rPr lang="en-US" i="1" dirty="0" smtClean="0"/>
+              <a:t>Why do people use Cloud services: IaaS, SaaS, PaaS, </a:t>
+            </a:r>
+            <a:r>
+              <a:rPr lang="en-US" i="1" dirty="0" err="1" smtClean="0"/>
+              <a:t>WaaS</a:t>
+            </a:r>
+            <a:r>
+              <a:rPr lang="en-US" i="1" dirty="0" smtClean="0"/>
+              <a:t> </a:t>
+            </a:r>
+            <a:r>
+              <a:rPr lang="en-US" i="1" dirty="0" err="1" smtClean="0"/>
+              <a:t>AaaP</a:t>
+            </a:r>
+            <a:r>
+              <a:rPr lang="en-US" i="1" dirty="0" smtClean="0"/>
+              <a:t>*?</a:t>
+            </a:r>
+            <a:endParaRPr lang="en-US" dirty="0" smtClean="0"/>
+          </a:p>
+          <a:p>
+            <a:pPr>
+              <a:lnSpc>
+                <a:spcPct val="100000"/>
+              </a:lnSpc>
+              <a:spcBef>
+                <a:spcPts val="0"/>
+              </a:spcBef>
+            </a:pPr>
+            <a:endParaRPr lang="en-US" dirty="0" smtClean="0"/>
+          </a:p>
+          <a:p>
+            <a:pPr>
+              <a:lnSpc>
+                <a:spcPct val="100000"/>
+              </a:lnSpc>
+              <a:spcBef>
+                <a:spcPts val="0"/>
+              </a:spcBef>
+            </a:pPr>
+            <a:r>
+              <a:rPr lang="en-US" dirty="0" smtClean="0"/>
+              <a:t>Fast deployment</a:t>
+            </a:r>
+          </a:p>
+          <a:p>
+            <a:pPr>
+              <a:lnSpc>
+                <a:spcPct val="100000"/>
+              </a:lnSpc>
+              <a:spcBef>
+                <a:spcPts val="0"/>
+              </a:spcBef>
+            </a:pPr>
+            <a:r>
+              <a:rPr lang="en-US" dirty="0" smtClean="0"/>
+              <a:t>Low start-up cost</a:t>
+            </a:r>
+          </a:p>
+          <a:p>
+            <a:pPr>
+              <a:lnSpc>
+                <a:spcPct val="100000"/>
+              </a:lnSpc>
+              <a:spcBef>
+                <a:spcPts val="0"/>
+              </a:spcBef>
+            </a:pPr>
+            <a:r>
+              <a:rPr lang="en-US" dirty="0" smtClean="0"/>
+              <a:t>Pay-per-use</a:t>
+            </a:r>
+          </a:p>
+          <a:p>
+            <a:pPr>
+              <a:lnSpc>
+                <a:spcPct val="100000"/>
+              </a:lnSpc>
+              <a:spcBef>
+                <a:spcPts val="0"/>
+              </a:spcBef>
+            </a:pPr>
+            <a:r>
+              <a:rPr lang="en-US" dirty="0" smtClean="0"/>
+              <a:t>Adapt resources to load</a:t>
+            </a:r>
+          </a:p>
+          <a:p>
+            <a:pPr>
+              <a:lnSpc>
+                <a:spcPct val="100000"/>
+              </a:lnSpc>
+              <a:spcBef>
+                <a:spcPts val="0"/>
+              </a:spcBef>
+            </a:pPr>
+            <a:r>
+              <a:rPr lang="en-US" dirty="0" smtClean="0"/>
+              <a:t>Sounds fancy (like Big data, Machine learning, </a:t>
+            </a:r>
+            <a:r>
+              <a:rPr lang="en-US" dirty="0" err="1" smtClean="0"/>
+              <a:t>IoT</a:t>
+            </a:r>
+            <a:r>
+              <a:rPr lang="en-US" dirty="0" smtClean="0"/>
+              <a:t>, etc.)</a:t>
+            </a:r>
+            <a:endParaRPr lang="en-US" dirty="0"/>
+          </a:p>
+        </p:txBody>
+      </p:sp>
+      <p:sp>
+        <p:nvSpPr>
+          <p:cNvPr id="4" name="TextBox 3"/>
+          <p:cNvSpPr txBox="1"/>
+          <p:nvPr/>
+        </p:nvSpPr>
+        <p:spPr>
+          <a:xfrm>
+            <a:off x="857250" y="6355080"/>
+            <a:ext cx="2240280" cy="369332"/>
+          </a:xfrm>
+          <a:prstGeom prst="rect">
+            <a:avLst/>
+          </a:prstGeom>
+          <a:noFill/>
+        </p:spPr>
+        <p:txBody>
+          <a:bodyPr wrap="square" rtlCol="0">
+            <a:spAutoFit/>
+          </a:bodyPr>
+          <a:lstStyle/>
+          <a:p>
+            <a:r>
+              <a:rPr lang="en-US" dirty="0" smtClean="0"/>
+              <a:t>*This one is made up.</a:t>
+            </a:r>
+            <a:endParaRPr lang="en-US" dirty="0"/>
+          </a:p>
+        </p:txBody>
+      </p:sp>
+    </p:spTree>
+    <p:extLst>
+      <p:ext uri="{BB962C8B-B14F-4D97-AF65-F5344CB8AC3E}">
+        <p14:creationId xmlns:p14="http://schemas.microsoft.com/office/powerpoint/2010/main" val="1676130107"/>
+      </p:ext>
+    </p:extLst>
+  </p:cSld>
+  <p:clrMapOvr>
+    <a:masterClrMapping/>
+  </p:clrMapOvr>
+  <p:timing>
+    <p:tnLst>
+      <p:par>
+        <p:cTn id="1" dur="indefinite" restart="never" nodeType="tmRoot"/>
+      </p:par>
+    </p:tnLst>
+  </p:timing>
+</p:sld>
+</file>
+
+<file path=ppt/slides/slide7.xml><?xml version="1.0" encoding="utf-8"?>
+<p:sld xmlns:a="http://schemas.openxmlformats.org/drawingml/2006/main" xmlns:r="http://schemas.openxmlformats.org/officeDocument/2006/relationships" xmlns:p="http://schemas.openxmlformats.org/presentationml/2006/main">
+  <p:cSld>
+    <p:spTree>
+      <p:nvGrpSpPr>
+        <p:cNvPr id="1" name=""/>
+        <p:cNvGrpSpPr/>
+        <p:nvPr/>
+      </p:nvGrpSpPr>
+      <p:grpSpPr>
+        <a:xfrm>
+          <a:off x="0" y="0"/>
+          <a:ext cx="0" cy="0"/>
+          <a:chOff x="0" y="0"/>
+          <a:chExt cx="0" cy="0"/>
+        </a:xfrm>
+      </p:grpSpPr>
+      <p:sp>
+        <p:nvSpPr>
+          <p:cNvPr id="2" name="Title 1"/>
+          <p:cNvSpPr>
+            <a:spLocks noGrp="1"/>
+          </p:cNvSpPr>
+          <p:nvPr>
+            <p:ph type="title"/>
+          </p:nvPr>
+        </p:nvSpPr>
+        <p:spPr/>
+        <p:txBody>
+          <a:bodyPr/>
+          <a:lstStyle/>
+          <a:p>
+            <a:r>
+              <a:rPr lang="en-US" dirty="0" smtClean="0"/>
+              <a:t>	How it works</a:t>
+            </a:r>
+            <a:endParaRPr lang="en-US" dirty="0"/>
+          </a:p>
+        </p:txBody>
+      </p:sp>
+      <p:sp>
+        <p:nvSpPr>
+          <p:cNvPr id="3" name="Content Placeholder 2"/>
+          <p:cNvSpPr>
+            <a:spLocks noGrp="1"/>
+          </p:cNvSpPr>
+          <p:nvPr>
+            <p:ph sz="half" idx="1"/>
+          </p:nvPr>
+        </p:nvSpPr>
+        <p:spPr/>
+        <p:txBody>
+          <a:bodyPr/>
+          <a:lstStyle/>
+          <a:p>
+            <a:r>
+              <a:rPr lang="en-US" i="1" dirty="0" smtClean="0"/>
+              <a:t>“You have to share!”</a:t>
+            </a:r>
+          </a:p>
+          <a:p>
+            <a:pPr lvl="1"/>
+            <a:r>
+              <a:rPr lang="en-US" dirty="0" smtClean="0"/>
+              <a:t>Co-locating Apps.</a:t>
+            </a:r>
+          </a:p>
+          <a:p>
+            <a:pPr lvl="1"/>
+            <a:endParaRPr lang="en-US" dirty="0"/>
+          </a:p>
+          <a:p>
+            <a:r>
+              <a:rPr lang="en-US" dirty="0" smtClean="0"/>
+              <a:t>“</a:t>
+            </a:r>
+            <a:r>
+              <a:rPr lang="en-US" i="1" dirty="0" smtClean="0"/>
+              <a:t>Wrap it!</a:t>
+            </a:r>
+            <a:r>
+              <a:rPr lang="en-US" dirty="0" smtClean="0"/>
+              <a:t>”</a:t>
+            </a:r>
+          </a:p>
+          <a:p>
+            <a:pPr lvl="1"/>
+            <a:r>
+              <a:rPr lang="en-US" dirty="0" smtClean="0"/>
+              <a:t>Containers, VMs, etc.</a:t>
+            </a:r>
+          </a:p>
+          <a:p>
+            <a:pPr lvl="1"/>
+            <a:endParaRPr lang="en-US" dirty="0"/>
+          </a:p>
+          <a:p>
+            <a:r>
+              <a:rPr lang="en-US" dirty="0" smtClean="0"/>
+              <a:t>“</a:t>
+            </a:r>
+            <a:r>
+              <a:rPr lang="en-US" i="1" dirty="0"/>
+              <a:t>I won’t look</a:t>
+            </a:r>
+            <a:r>
+              <a:rPr lang="mr-IN" i="1" dirty="0"/>
+              <a:t>…</a:t>
+            </a:r>
+            <a:r>
+              <a:rPr lang="fr-CH" i="1" dirty="0"/>
+              <a:t> I </a:t>
+            </a:r>
+            <a:r>
+              <a:rPr lang="fr-CH" i="1" dirty="0" smtClean="0"/>
+              <a:t>promise</a:t>
+            </a:r>
+            <a:r>
+              <a:rPr lang="en-US" dirty="0" smtClean="0"/>
+              <a:t>”</a:t>
+            </a:r>
+          </a:p>
+          <a:p>
+            <a:pPr lvl="1"/>
+            <a:r>
+              <a:rPr lang="en-US" dirty="0" smtClean="0"/>
+              <a:t>CSP is privileged</a:t>
+            </a:r>
+            <a:endParaRPr lang="en-US" dirty="0"/>
+          </a:p>
+        </p:txBody>
+      </p:sp>
+      <p:sp>
+        <p:nvSpPr>
+          <p:cNvPr id="4" name="Content Placeholder 3"/>
+          <p:cNvSpPr>
+            <a:spLocks noGrp="1"/>
+          </p:cNvSpPr>
+          <p:nvPr>
+            <p:ph sz="half" idx="2"/>
+          </p:nvPr>
+        </p:nvSpPr>
+        <p:spPr/>
+        <p:txBody>
+          <a:bodyPr/>
+          <a:lstStyle/>
+          <a:p>
+            <a:r>
+              <a:rPr lang="en-US" dirty="0" smtClean="0">
+                <a:solidFill>
+                  <a:schemeClr val="accent2"/>
+                </a:solidFill>
+              </a:rPr>
+              <a:t>Corrupted/malevolent host</a:t>
+            </a:r>
+          </a:p>
+          <a:p>
+            <a:endParaRPr lang="en-US" dirty="0"/>
+          </a:p>
+          <a:p>
+            <a:r>
+              <a:rPr lang="en-US" i="1" dirty="0" smtClean="0">
+                <a:solidFill>
+                  <a:schemeClr val="accent2"/>
+                </a:solidFill>
+              </a:rPr>
+              <a:t>“Solve the rebus”</a:t>
+            </a:r>
+            <a:endParaRPr lang="en-US" i="1" dirty="0">
+              <a:solidFill>
+                <a:schemeClr val="accent2"/>
+              </a:solidFill>
+            </a:endParaRPr>
+          </a:p>
+        </p:txBody>
+      </p:sp>
+      <p:pic>
+        <p:nvPicPr>
+          <p:cNvPr id="8" name="Picture 7"/>
+          <p:cNvPicPr>
+            <a:picLocks noChangeAspect="1"/>
+          </p:cNvPicPr>
+          <p:nvPr/>
+        </p:nvPicPr>
+        <p:blipFill>
+          <a:blip r:embed="rId2">
+            <a:extLst>
+              <a:ext uri="{28A0092B-C50C-407E-A947-70E740481C1C}">
+                <a14:useLocalDpi xmlns:a14="http://schemas.microsoft.com/office/drawing/2010/main" val="0"/>
+              </a:ext>
+            </a:extLst>
+          </a:blip>
+          <a:stretch>
+            <a:fillRect/>
+          </a:stretch>
+        </p:blipFill>
+        <p:spPr>
+          <a:xfrm>
+            <a:off x="6172200" y="3863340"/>
+            <a:ext cx="1319472" cy="1319472"/>
+          </a:xfrm>
+          <a:prstGeom prst="rect">
+            <a:avLst/>
+          </a:prstGeom>
+        </p:spPr>
+      </p:pic>
+      <p:pic>
+        <p:nvPicPr>
+          <p:cNvPr id="9" name="Picture 8"/>
+          <p:cNvPicPr>
+            <a:picLocks noChangeAspect="1"/>
+          </p:cNvPicPr>
+          <p:nvPr/>
+        </p:nvPicPr>
+        <p:blipFill>
+          <a:blip r:embed="rId3">
+            <a:extLst>
+              <a:ext uri="{28A0092B-C50C-407E-A947-70E740481C1C}">
+                <a14:useLocalDpi xmlns:a14="http://schemas.microsoft.com/office/drawing/2010/main" val="0"/>
+              </a:ext>
+            </a:extLst>
+          </a:blip>
+          <a:stretch>
+            <a:fillRect/>
+          </a:stretch>
+        </p:blipFill>
+        <p:spPr>
+          <a:xfrm>
+            <a:off x="7491672" y="3998090"/>
+            <a:ext cx="1111388" cy="1111388"/>
+          </a:xfrm>
+          <a:prstGeom prst="rect">
+            <a:avLst/>
+          </a:prstGeom>
+        </p:spPr>
+      </p:pic>
+      <p:pic>
+        <p:nvPicPr>
+          <p:cNvPr id="10" name="Picture 9"/>
+          <p:cNvPicPr>
+            <a:picLocks noChangeAspect="1"/>
+          </p:cNvPicPr>
+          <p:nvPr/>
+        </p:nvPicPr>
+        <p:blipFill>
+          <a:blip r:embed="rId4">
+            <a:extLst>
+              <a:ext uri="{28A0092B-C50C-407E-A947-70E740481C1C}">
+                <a14:useLocalDpi xmlns:a14="http://schemas.microsoft.com/office/drawing/2010/main" val="0"/>
+              </a:ext>
+            </a:extLst>
+          </a:blip>
+          <a:stretch>
+            <a:fillRect/>
+          </a:stretch>
+        </p:blipFill>
+        <p:spPr>
+          <a:xfrm>
+            <a:off x="8603060" y="4069190"/>
+            <a:ext cx="994767" cy="907772"/>
+          </a:xfrm>
+          <a:prstGeom prst="rect">
+            <a:avLst/>
+          </a:prstGeom>
+        </p:spPr>
+      </p:pic>
+    </p:spTree>
+    <p:extLst>
+      <p:ext uri="{BB962C8B-B14F-4D97-AF65-F5344CB8AC3E}">
+        <p14:creationId xmlns:p14="http://schemas.microsoft.com/office/powerpoint/2010/main" val="744257271"/>
+      </p:ext>
+    </p:extLst>
+  </p:cSld>
+  <p:clrMapOvr>
+    <a:masterClrMapping/>
+  </p:clrMapOvr>
+  <p:timing>
+    <p:tnLst>
+      <p:par>
+        <p:cTn id="1" dur="indefinite" restart="never" nodeType="tmRoot">
+          <p:childTnLst>
+            <p:seq concurrent="1" nextAc="seek">
+              <p:cTn id="2" dur="indefinite" nodeType="mainSeq">
+                <p:childTnLst>
+                  <p:par>
+                    <p:cTn id="3" fill="hold">
+                      <p:stCondLst>
+                        <p:cond delay="indefinite"/>
+                      </p:stCondLst>
+                      <p:childTnLst>
+                        <p:par>
+                          <p:cTn id="4" fill="hold">
+                            <p:stCondLst>
+                              <p:cond delay="0"/>
+                            </p:stCondLst>
+                            <p:childTnLst>
+                              <p:par>
+                                <p:cTn id="5" presetID="1" presetClass="entr" presetSubtype="0" fill="hold" grpId="0" nodeType="clickEffect">
+                                  <p:stCondLst>
+                                    <p:cond delay="0"/>
+                                  </p:stCondLst>
+                                  <p:childTnLst>
+                                    <p:set>
+                                      <p:cBhvr>
+                                        <p:cTn id="6" dur="1" fill="hold">
+                                          <p:stCondLst>
+                                            <p:cond delay="0"/>
+                                          </p:stCondLst>
+                                        </p:cTn>
+                                        <p:tgtEl>
+                                          <p:spTgt spid="4">
+                                            <p:txEl>
+                                              <p:pRg st="0" end="0"/>
+                                            </p:txEl>
+                                          </p:spTgt>
+                                        </p:tgtEl>
+                                        <p:attrNameLst>
+                                          <p:attrName>style.visibility</p:attrName>
+                                        </p:attrNameLst>
+                                      </p:cBhvr>
+                                      <p:to>
+                                        <p:strVal val="visible"/>
+                                      </p:to>
+                                    </p:set>
+                                  </p:childTnLst>
+                                </p:cTn>
+                              </p:par>
+                            </p:childTnLst>
+                          </p:cTn>
+                        </p:par>
+                      </p:childTnLst>
+                    </p:cTn>
+                  </p:par>
+                  <p:par>
+                    <p:cTn id="7" fill="hold">
+                      <p:stCondLst>
+                        <p:cond delay="indefinite"/>
+                      </p:stCondLst>
+                      <p:childTnLst>
+                        <p:par>
+                          <p:cTn id="8" fill="hold">
+                            <p:stCondLst>
+                              <p:cond delay="0"/>
+                            </p:stCondLst>
+                            <p:childTnLst>
+                              <p:par>
+                                <p:cTn id="9" presetID="1" presetClass="entr" presetSubtype="0" fill="hold" grpId="0" nodeType="clickEffect">
+                                  <p:stCondLst>
+                                    <p:cond delay="0"/>
+                                  </p:stCondLst>
+                                  <p:childTnLst>
+                                    <p:set>
+                                      <p:cBhvr>
+                                        <p:cTn id="10" dur="1" fill="hold">
+                                          <p:stCondLst>
+                                            <p:cond delay="0"/>
+                                          </p:stCondLst>
+                                        </p:cTn>
+                                        <p:tgtEl>
+                                          <p:spTgt spid="4">
+                                            <p:txEl>
+                                              <p:pRg st="2" end="2"/>
+                                            </p:txEl>
+                                          </p:spTgt>
+                                        </p:tgtEl>
+                                        <p:attrNameLst>
+                                          <p:attrName>style.visibility</p:attrName>
+                                        </p:attrNameLst>
+                                      </p:cBhvr>
+                                      <p:to>
+                                        <p:strVal val="visible"/>
+                                      </p:to>
+                                    </p:set>
+                                  </p:childTnLst>
+                                </p:cTn>
+                              </p:par>
+                              <p:par>
+                                <p:cTn id="11" presetID="1" presetClass="entr" presetSubtype="0" fill="hold" nodeType="withEffect">
+                                  <p:stCondLst>
+                                    <p:cond delay="0"/>
+                                  </p:stCondLst>
+                                  <p:childTnLst>
+                                    <p:set>
+                                      <p:cBhvr>
+                                        <p:cTn id="12" dur="1" fill="hold">
+                                          <p:stCondLst>
+                                            <p:cond delay="0"/>
+                                          </p:stCondLst>
+                                        </p:cTn>
+                                        <p:tgtEl>
+                                          <p:spTgt spid="8"/>
+                                        </p:tgtEl>
+                                        <p:attrNameLst>
+                                          <p:attrName>style.visibility</p:attrName>
+                                        </p:attrNameLst>
+                                      </p:cBhvr>
+                                      <p:to>
+                                        <p:strVal val="visible"/>
+                                      </p:to>
+                                    </p:set>
+                                  </p:childTnLst>
+                                </p:cTn>
+                              </p:par>
+                              <p:par>
+                                <p:cTn id="13" presetID="1" presetClass="entr" presetSubtype="0" fill="hold" nodeType="withEffect">
+                                  <p:stCondLst>
+                                    <p:cond delay="0"/>
+                                  </p:stCondLst>
+                                  <p:childTnLst>
+                                    <p:set>
+                                      <p:cBhvr>
+                                        <p:cTn id="14" dur="1" fill="hold">
+                                          <p:stCondLst>
+                                            <p:cond delay="0"/>
+                                          </p:stCondLst>
+                                        </p:cTn>
+                                        <p:tgtEl>
+                                          <p:spTgt spid="9"/>
+                                        </p:tgtEl>
+                                        <p:attrNameLst>
+                                          <p:attrName>style.visibility</p:attrName>
+                                        </p:attrNameLst>
+                                      </p:cBhvr>
+                                      <p:to>
+                                        <p:strVal val="visible"/>
+                                      </p:to>
+                                    </p:set>
+                                  </p:childTnLst>
+                                </p:cTn>
+                              </p:par>
+                              <p:par>
+                                <p:cTn id="15" presetID="1" presetClass="entr" presetSubtype="0" fill="hold" nodeType="withEffect">
+                                  <p:stCondLst>
+                                    <p:cond delay="0"/>
+                                  </p:stCondLst>
+                                  <p:childTnLst>
+                                    <p:set>
+                                      <p:cBhvr>
+                                        <p:cTn id="16" dur="1" fill="hold">
+                                          <p:stCondLst>
+                                            <p:cond delay="0"/>
+                                          </p:stCondLst>
+                                        </p:cTn>
+                                        <p:tgtEl>
+                                          <p:spTgt spid="10"/>
+                                        </p:tgtEl>
+                                        <p:attrNameLst>
+                                          <p:attrName>style.visibility</p:attrName>
+                                        </p:attrNameLst>
+                                      </p:cBhvr>
+                                      <p:to>
+                                        <p:strVal val="visible"/>
+                                      </p:to>
+                                    </p:set>
+                                  </p:childTnLst>
+                                </p:cTn>
+                              </p:par>
+                            </p:childTnLst>
+                          </p:cTn>
+                        </p:par>
+                      </p:childTnLst>
+                    </p:cTn>
+                  </p:par>
+                </p:childTnLst>
+              </p:cTn>
+              <p:prevCondLst>
+                <p:cond evt="onPrev" delay="0">
+                  <p:tgtEl>
+                    <p:sldTgt/>
+                  </p:tgtEl>
+                </p:cond>
+              </p:prevCondLst>
+              <p:nextCondLst>
+                <p:cond evt="onNext" delay="0">
+                  <p:tgtEl>
+                    <p:sldTgt/>
+                  </p:tgtEl>
+                </p:cond>
+              </p:nextCondLst>
+            </p:seq>
+          </p:childTnLst>
+        </p:cTn>
+      </p:par>
+    </p:tnLst>
+    <p:bldLst>
+      <p:bldP spid="4" grpId="0" build="p"/>
+    </p:bldLst>
+  </p:timing>
+</p:sld>
+</file>
+
+<file path=ppt/slides/slide8.xml><?xml version="1.0" encoding="utf-8"?>
+<p:sld xmlns:a="http://schemas.openxmlformats.org/drawingml/2006/main" xmlns:r="http://schemas.openxmlformats.org/officeDocument/2006/relationships" xmlns:p="http://schemas.openxmlformats.org/presentationml/2006/main">
+  <p:cSld>
+    <p:spTree>
+      <p:nvGrpSpPr>
+        <p:cNvPr id="1" name=""/>
+        <p:cNvGrpSpPr/>
+        <p:nvPr/>
+      </p:nvGrpSpPr>
+      <p:grpSpPr>
+        <a:xfrm>
+          <a:off x="0" y="0"/>
+          <a:ext cx="0" cy="0"/>
+          <a:chOff x="0" y="0"/>
+          <a:chExt cx="0" cy="0"/>
+        </a:xfrm>
+      </p:grpSpPr>
+      <p:sp>
+        <p:nvSpPr>
+          <p:cNvPr id="2" name="Title 1"/>
+          <p:cNvSpPr>
+            <a:spLocks noGrp="1"/>
+          </p:cNvSpPr>
+          <p:nvPr>
+            <p:ph type="title"/>
+          </p:nvPr>
+        </p:nvSpPr>
+        <p:spPr/>
+        <p:txBody>
+          <a:bodyPr/>
+          <a:lstStyle/>
+          <a:p>
+            <a:r>
+              <a:rPr lang="en-US" dirty="0" smtClean="0"/>
+              <a:t>	Haven </a:t>
+            </a:r>
+            <a:r>
+              <a:rPr lang="en-US" sz="2400" dirty="0" smtClean="0"/>
+              <a:t>- Thanks Microsoft.</a:t>
+            </a:r>
+            <a:endParaRPr lang="en-US" dirty="0"/>
+          </a:p>
+        </p:txBody>
+      </p:sp>
+      <p:sp>
+        <p:nvSpPr>
+          <p:cNvPr id="3" name="Content Placeholder 2"/>
+          <p:cNvSpPr>
+            <a:spLocks noGrp="1"/>
+          </p:cNvSpPr>
+          <p:nvPr>
+            <p:ph idx="1"/>
+          </p:nvPr>
+        </p:nvSpPr>
+        <p:spPr/>
+        <p:txBody>
+          <a:bodyPr/>
+          <a:lstStyle/>
+          <a:p>
+            <a:r>
+              <a:rPr lang="en-US" dirty="0" smtClean="0"/>
+              <a:t>Unmodified legacy applications</a:t>
+            </a:r>
+          </a:p>
+          <a:p>
+            <a:endParaRPr lang="en-US" dirty="0"/>
+          </a:p>
+          <a:p>
+            <a:r>
+              <a:rPr lang="en-US" dirty="0" smtClean="0"/>
+              <a:t>Shielded execution</a:t>
+            </a:r>
+          </a:p>
+          <a:p>
+            <a:pPr lvl="1"/>
+            <a:r>
+              <a:rPr lang="en-US" dirty="0" smtClean="0"/>
+              <a:t>Confidentiality</a:t>
+            </a:r>
+          </a:p>
+          <a:p>
+            <a:pPr lvl="1"/>
+            <a:r>
+              <a:rPr lang="en-US" dirty="0" smtClean="0"/>
+              <a:t>Integrity</a:t>
+            </a:r>
+          </a:p>
+          <a:p>
+            <a:pPr lvl="1"/>
+            <a:endParaRPr lang="en-US" dirty="0"/>
+          </a:p>
+          <a:p>
+            <a:r>
+              <a:rPr lang="en-US" dirty="0" smtClean="0"/>
+              <a:t>Leverages Intel SGX</a:t>
+            </a:r>
+          </a:p>
+          <a:p>
+            <a:pPr lvl="1"/>
+            <a:r>
+              <a:rPr lang="en-US" dirty="0" smtClean="0"/>
+              <a:t>Provides feedback.</a:t>
+            </a:r>
+            <a:endParaRPr lang="en-US" dirty="0"/>
+          </a:p>
+        </p:txBody>
+      </p:sp>
+      <p:pic>
+        <p:nvPicPr>
+          <p:cNvPr id="4" name="Picture 3"/>
+          <p:cNvPicPr>
+            <a:picLocks noChangeAspect="1"/>
+          </p:cNvPicPr>
+          <p:nvPr/>
+        </p:nvPicPr>
+        <p:blipFill>
+          <a:blip r:embed="rId2">
+            <a:extLst>
+              <a:ext uri="{28A0092B-C50C-407E-A947-70E740481C1C}">
+                <a14:useLocalDpi xmlns:a14="http://schemas.microsoft.com/office/drawing/2010/main" val="0"/>
+              </a:ext>
+            </a:extLst>
+          </a:blip>
+          <a:stretch>
+            <a:fillRect/>
+          </a:stretch>
+        </p:blipFill>
+        <p:spPr>
+          <a:xfrm>
+            <a:off x="6625039" y="1342800"/>
+            <a:ext cx="5254395" cy="5254395"/>
+          </a:xfrm>
+          <a:prstGeom prst="rect">
+            <a:avLst/>
+          </a:prstGeom>
+        </p:spPr>
+      </p:pic>
+      <p:pic>
+        <p:nvPicPr>
+          <p:cNvPr id="5" name="Picture 4"/>
+          <p:cNvPicPr>
+            <a:picLocks noChangeAspect="1"/>
+          </p:cNvPicPr>
+          <p:nvPr/>
+        </p:nvPicPr>
+        <p:blipFill>
+          <a:blip r:embed="rId3">
+            <a:extLst>
+              <a:ext uri="{28A0092B-C50C-407E-A947-70E740481C1C}">
+                <a14:useLocalDpi xmlns:a14="http://schemas.microsoft.com/office/drawing/2010/main" val="0"/>
+              </a:ext>
+            </a:extLst>
+          </a:blip>
+          <a:stretch>
+            <a:fillRect/>
+          </a:stretch>
+        </p:blipFill>
+        <p:spPr>
+          <a:xfrm>
+            <a:off x="7663819" y="2797797"/>
+            <a:ext cx="3176833" cy="1172200"/>
+          </a:xfrm>
+          <a:prstGeom prst="rect">
+            <a:avLst/>
+          </a:prstGeom>
+        </p:spPr>
+      </p:pic>
+    </p:spTree>
+    <p:extLst>
+      <p:ext uri="{BB962C8B-B14F-4D97-AF65-F5344CB8AC3E}">
+        <p14:creationId xmlns:p14="http://schemas.microsoft.com/office/powerpoint/2010/main" val="2087482652"/>
       </p:ext>
     </p:extLst>
   </p:cSld>

--- a/CE_presentation.pptx
+++ b/CE_presentation.pptx
@@ -5,7 +5,7 @@
     <p:sldMasterId id="2147483648" r:id="rId1"/>
   </p:sldMasterIdLst>
   <p:notesMasterIdLst>
-    <p:notesMasterId r:id="rId10"/>
+    <p:notesMasterId r:id="rId18"/>
   </p:notesMasterIdLst>
   <p:sldIdLst>
     <p:sldId id="256" r:id="rId2"/>
@@ -13,9 +13,17 @@
     <p:sldId id="259" r:id="rId4"/>
     <p:sldId id="260" r:id="rId5"/>
     <p:sldId id="261" r:id="rId6"/>
-    <p:sldId id="262" r:id="rId7"/>
-    <p:sldId id="263" r:id="rId8"/>
-    <p:sldId id="264" r:id="rId9"/>
+    <p:sldId id="266" r:id="rId7"/>
+    <p:sldId id="267" r:id="rId8"/>
+    <p:sldId id="268" r:id="rId9"/>
+    <p:sldId id="272" r:id="rId10"/>
+    <p:sldId id="269" r:id="rId11"/>
+    <p:sldId id="270" r:id="rId12"/>
+    <p:sldId id="271" r:id="rId13"/>
+    <p:sldId id="262" r:id="rId14"/>
+    <p:sldId id="263" r:id="rId15"/>
+    <p:sldId id="264" r:id="rId16"/>
+    <p:sldId id="265" r:id="rId17"/>
   </p:sldIdLst>
   <p:sldSz cx="12192000" cy="6858000"/>
   <p:notesSz cx="6858000" cy="9144000"/>
@@ -204,7 +212,7 @@
           <a:p>
             <a:fld id="{79C7D925-ACBC-A942-AEA8-AF2DA2D0E5F6}" type="datetimeFigureOut">
               <a:rPr lang="en-US" smtClean="0"/>
-              <a:t>6/19/17</a:t>
+              <a:t>6/21/17</a:t>
             </a:fld>
             <a:endParaRPr lang="en-US"/>
           </a:p>
@@ -674,19 +682,7 @@
                 <a:ea typeface="+mn-ea"/>
                 <a:cs typeface="+mn-cs"/>
               </a:rPr>
-              <a:t>Put lots of things at the very end</a:t>
-            </a:r>
-            <a:r>
-              <a:rPr lang="en-US" sz="1200" b="0" i="0" kern="1200" baseline="0" dirty="0" smtClean="0">
-                <a:solidFill>
-                  <a:schemeClr val="tx1"/>
-                </a:solidFill>
-                <a:effectLst/>
-                <a:latin typeface="+mn-lt"/>
-                <a:ea typeface="+mn-ea"/>
-                <a:cs typeface="+mn-cs"/>
-              </a:rPr>
-              <a:t>.</a:t>
+              <a:t>Put lots of things at the very end.</a:t>
             </a:r>
           </a:p>
           <a:p>
@@ -876,7 +872,7 @@
           <a:p>
             <a:fld id="{C474F784-3F61-9E4C-93C7-1B314C5504FC}" type="datetimeFigureOut">
               <a:rPr lang="en-US" smtClean="0"/>
-              <a:t>6/19/17</a:t>
+              <a:t>6/21/17</a:t>
             </a:fld>
             <a:endParaRPr lang="en-US"/>
           </a:p>
@@ -1046,7 +1042,7 @@
           <a:p>
             <a:fld id="{C474F784-3F61-9E4C-93C7-1B314C5504FC}" type="datetimeFigureOut">
               <a:rPr lang="en-US" smtClean="0"/>
-              <a:t>6/19/17</a:t>
+              <a:t>6/21/17</a:t>
             </a:fld>
             <a:endParaRPr lang="en-US"/>
           </a:p>
@@ -1226,7 +1222,7 @@
           <a:p>
             <a:fld id="{C474F784-3F61-9E4C-93C7-1B314C5504FC}" type="datetimeFigureOut">
               <a:rPr lang="en-US" smtClean="0"/>
-              <a:t>6/19/17</a:t>
+              <a:t>6/21/17</a:t>
             </a:fld>
             <a:endParaRPr lang="en-US"/>
           </a:p>
@@ -1401,7 +1397,7 @@
           <a:p>
             <a:fld id="{C474F784-3F61-9E4C-93C7-1B314C5504FC}" type="datetimeFigureOut">
               <a:rPr lang="en-US" smtClean="0"/>
-              <a:t>6/19/17</a:t>
+              <a:t>6/21/17</a:t>
             </a:fld>
             <a:endParaRPr lang="en-US"/>
           </a:p>
@@ -1647,7 +1643,7 @@
           <a:p>
             <a:fld id="{C474F784-3F61-9E4C-93C7-1B314C5504FC}" type="datetimeFigureOut">
               <a:rPr lang="en-US" smtClean="0"/>
-              <a:t>6/19/17</a:t>
+              <a:t>6/21/17</a:t>
             </a:fld>
             <a:endParaRPr lang="en-US"/>
           </a:p>
@@ -1879,7 +1875,7 @@
           <a:p>
             <a:fld id="{C474F784-3F61-9E4C-93C7-1B314C5504FC}" type="datetimeFigureOut">
               <a:rPr lang="en-US" smtClean="0"/>
-              <a:t>6/19/17</a:t>
+              <a:t>6/21/17</a:t>
             </a:fld>
             <a:endParaRPr lang="en-US"/>
           </a:p>
@@ -2246,7 +2242,7 @@
           <a:p>
             <a:fld id="{C474F784-3F61-9E4C-93C7-1B314C5504FC}" type="datetimeFigureOut">
               <a:rPr lang="en-US" smtClean="0"/>
-              <a:t>6/19/17</a:t>
+              <a:t>6/21/17</a:t>
             </a:fld>
             <a:endParaRPr lang="en-US"/>
           </a:p>
@@ -2364,7 +2360,7 @@
           <a:p>
             <a:fld id="{C474F784-3F61-9E4C-93C7-1B314C5504FC}" type="datetimeFigureOut">
               <a:rPr lang="en-US" smtClean="0"/>
-              <a:t>6/19/17</a:t>
+              <a:t>6/21/17</a:t>
             </a:fld>
             <a:endParaRPr lang="en-US"/>
           </a:p>
@@ -2459,7 +2455,7 @@
           <a:p>
             <a:fld id="{C474F784-3F61-9E4C-93C7-1B314C5504FC}" type="datetimeFigureOut">
               <a:rPr lang="en-US" smtClean="0"/>
-              <a:t>6/19/17</a:t>
+              <a:t>6/21/17</a:t>
             </a:fld>
             <a:endParaRPr lang="en-US"/>
           </a:p>
@@ -2736,7 +2732,7 @@
           <a:p>
             <a:fld id="{C474F784-3F61-9E4C-93C7-1B314C5504FC}" type="datetimeFigureOut">
               <a:rPr lang="en-US" smtClean="0"/>
-              <a:t>6/19/17</a:t>
+              <a:t>6/21/17</a:t>
             </a:fld>
             <a:endParaRPr lang="en-US"/>
           </a:p>
@@ -2989,7 +2985,7 @@
           <a:p>
             <a:fld id="{C474F784-3F61-9E4C-93C7-1B314C5504FC}" type="datetimeFigureOut">
               <a:rPr lang="en-US" smtClean="0"/>
-              <a:t>6/19/17</a:t>
+              <a:t>6/21/17</a:t>
             </a:fld>
             <a:endParaRPr lang="en-US"/>
           </a:p>
@@ -3208,7 +3204,7 @@
           <a:p>
             <a:fld id="{C474F784-3F61-9E4C-93C7-1B314C5504FC}" type="datetimeFigureOut">
               <a:rPr lang="en-US" smtClean="0"/>
-              <a:t>6/19/17</a:t>
+              <a:t>6/21/17</a:t>
             </a:fld>
             <a:endParaRPr lang="en-US"/>
           </a:p>
@@ -3640,7 +3636,7 @@
           <a:p>
             <a:r>
               <a:rPr lang="en-US" dirty="0" smtClean="0"/>
-              <a:t>Modern Kernel Design</a:t>
+              <a:t>OS Design When the OS Cannot Be Trusted</a:t>
             </a:r>
             <a:endParaRPr lang="en-US" dirty="0"/>
           </a:p>
@@ -3673,10 +3669,46 @@
               <a:rPr lang="en-US" dirty="0" smtClean="0"/>
               <a:t> Candidacy Exam</a:t>
             </a:r>
+          </a:p>
+          <a:p>
+            <a:r>
+              <a:rPr lang="en-US" dirty="0" smtClean="0"/>
+              <a:t>29.06.2017</a:t>
+            </a:r>
             <a:endParaRPr lang="en-US" dirty="0"/>
           </a:p>
         </p:txBody>
       </p:sp>
+      <p:pic>
+        <p:nvPicPr>
+          <p:cNvPr id="4" name="Picture 3"/>
+          <p:cNvPicPr>
+            <a:picLocks noChangeAspect="1"/>
+          </p:cNvPicPr>
+          <p:nvPr/>
+        </p:nvPicPr>
+        <p:blipFill>
+          <a:blip r:embed="rId2">
+            <a:extLst>
+              <a:ext uri="{28A0092B-C50C-407E-A947-70E740481C1C}">
+                <a14:useLocalDpi xmlns:a14="http://schemas.microsoft.com/office/drawing/2010/main" val="0"/>
+              </a:ext>
+            </a:extLst>
+          </a:blip>
+          <a:stretch>
+            <a:fillRect/>
+          </a:stretch>
+        </p:blipFill>
+        <p:spPr>
+          <a:xfrm>
+            <a:off x="5055870" y="4644390"/>
+            <a:ext cx="2080260" cy="998525"/>
+          </a:xfrm>
+          <a:prstGeom prst="rect">
+            <a:avLst/>
+          </a:prstGeom>
+        </p:spPr>
+      </p:pic>
     </p:spTree>
     <p:extLst>
       <p:ext uri="{BB962C8B-B14F-4D97-AF65-F5344CB8AC3E}">
@@ -3693,6 +3725,1847 @@
         <p:cTn id="1" dur="indefinite" restart="never" nodeType="tmRoot"/>
       </p:par>
     </p:tnLst>
+  </p:timing>
+</p:sld>
+</file>
+
+<file path=ppt/slides/slide10.xml><?xml version="1.0" encoding="utf-8"?>
+<p:sld xmlns:a="http://schemas.openxmlformats.org/drawingml/2006/main" xmlns:r="http://schemas.openxmlformats.org/officeDocument/2006/relationships" xmlns:p="http://schemas.openxmlformats.org/presentationml/2006/main">
+  <p:cSld>
+    <p:spTree>
+      <p:nvGrpSpPr>
+        <p:cNvPr id="1" name=""/>
+        <p:cNvGrpSpPr/>
+        <p:nvPr/>
+      </p:nvGrpSpPr>
+      <p:grpSpPr>
+        <a:xfrm>
+          <a:off x="0" y="0"/>
+          <a:ext cx="0" cy="0"/>
+          <a:chOff x="0" y="0"/>
+          <a:chExt cx="0" cy="0"/>
+        </a:xfrm>
+      </p:grpSpPr>
+      <p:sp>
+        <p:nvSpPr>
+          <p:cNvPr id="2" name="Title 1"/>
+          <p:cNvSpPr>
+            <a:spLocks noGrp="1"/>
+          </p:cNvSpPr>
+          <p:nvPr>
+            <p:ph type="title"/>
+          </p:nvPr>
+        </p:nvSpPr>
+        <p:spPr/>
+        <p:txBody>
+          <a:bodyPr/>
+          <a:lstStyle/>
+          <a:p>
+            <a:r>
+              <a:rPr lang="en-US" dirty="0" smtClean="0"/>
+              <a:t>	</a:t>
+            </a:r>
+            <a:r>
+              <a:rPr lang="en-US" dirty="0" err="1" smtClean="0"/>
+              <a:t>Exokernel</a:t>
+            </a:r>
+            <a:r>
+              <a:rPr lang="en-US" dirty="0" smtClean="0"/>
+              <a:t> Design</a:t>
+            </a:r>
+            <a:endParaRPr lang="en-US" dirty="0"/>
+          </a:p>
+        </p:txBody>
+      </p:sp>
+      <p:sp>
+        <p:nvSpPr>
+          <p:cNvPr id="3" name="Text Placeholder 2"/>
+          <p:cNvSpPr>
+            <a:spLocks noGrp="1"/>
+          </p:cNvSpPr>
+          <p:nvPr>
+            <p:ph type="body" idx="1"/>
+          </p:nvPr>
+        </p:nvSpPr>
+        <p:spPr>
+          <a:xfrm>
+            <a:off x="839788" y="1349693"/>
+            <a:ext cx="5157787" cy="823912"/>
+          </a:xfrm>
+        </p:spPr>
+        <p:txBody>
+          <a:bodyPr/>
+          <a:lstStyle/>
+          <a:p>
+            <a:r>
+              <a:rPr lang="en-US" dirty="0" smtClean="0"/>
+              <a:t>Principle</a:t>
+            </a:r>
+            <a:endParaRPr lang="en-US" dirty="0"/>
+          </a:p>
+        </p:txBody>
+      </p:sp>
+      <p:sp>
+        <p:nvSpPr>
+          <p:cNvPr id="4" name="Content Placeholder 3"/>
+          <p:cNvSpPr>
+            <a:spLocks noGrp="1"/>
+          </p:cNvSpPr>
+          <p:nvPr>
+            <p:ph sz="half" idx="2"/>
+          </p:nvPr>
+        </p:nvSpPr>
+        <p:spPr>
+          <a:xfrm>
+            <a:off x="839788" y="2173605"/>
+            <a:ext cx="5157787" cy="3895725"/>
+          </a:xfrm>
+        </p:spPr>
+        <p:txBody>
+          <a:bodyPr>
+            <a:normAutofit/>
+          </a:bodyPr>
+          <a:lstStyle/>
+          <a:p>
+            <a:r>
+              <a:rPr lang="en-US" dirty="0" smtClean="0"/>
+              <a:t>End-to-End</a:t>
+            </a:r>
+          </a:p>
+          <a:p>
+            <a:endParaRPr lang="en-US" dirty="0" smtClean="0"/>
+          </a:p>
+          <a:p>
+            <a:r>
+              <a:rPr lang="en-US" dirty="0" smtClean="0"/>
+              <a:t>Sep. protection &amp; mechanisms</a:t>
+            </a:r>
+          </a:p>
+          <a:p>
+            <a:endParaRPr lang="en-US" dirty="0"/>
+          </a:p>
+          <a:p>
+            <a:r>
+              <a:rPr lang="en-US" dirty="0" smtClean="0"/>
+              <a:t>Avoid management</a:t>
+            </a:r>
+            <a:endParaRPr lang="en-US" dirty="0"/>
+          </a:p>
+        </p:txBody>
+      </p:sp>
+      <p:sp>
+        <p:nvSpPr>
+          <p:cNvPr id="5" name="Text Placeholder 4"/>
+          <p:cNvSpPr>
+            <a:spLocks noGrp="1"/>
+          </p:cNvSpPr>
+          <p:nvPr>
+            <p:ph type="body" sz="quarter" idx="3"/>
+          </p:nvPr>
+        </p:nvSpPr>
+        <p:spPr>
+          <a:xfrm>
+            <a:off x="6172200" y="1349693"/>
+            <a:ext cx="5183188" cy="823912"/>
+          </a:xfrm>
+        </p:spPr>
+        <p:txBody>
+          <a:bodyPr/>
+          <a:lstStyle/>
+          <a:p>
+            <a:r>
+              <a:rPr lang="en-US" dirty="0" smtClean="0"/>
+              <a:t>Translates to</a:t>
+            </a:r>
+            <a:r>
+              <a:rPr lang="mr-IN" dirty="0" smtClean="0"/>
+              <a:t>…</a:t>
+            </a:r>
+            <a:endParaRPr lang="en-US" dirty="0"/>
+          </a:p>
+        </p:txBody>
+      </p:sp>
+      <p:sp>
+        <p:nvSpPr>
+          <p:cNvPr id="6" name="Content Placeholder 5"/>
+          <p:cNvSpPr>
+            <a:spLocks noGrp="1"/>
+          </p:cNvSpPr>
+          <p:nvPr>
+            <p:ph sz="quarter" idx="4"/>
+          </p:nvPr>
+        </p:nvSpPr>
+        <p:spPr>
+          <a:xfrm>
+            <a:off x="6172200" y="2173605"/>
+            <a:ext cx="5852160" cy="3632835"/>
+          </a:xfrm>
+        </p:spPr>
+        <p:txBody>
+          <a:bodyPr/>
+          <a:lstStyle/>
+          <a:p>
+            <a:r>
+              <a:rPr lang="en-US" dirty="0" smtClean="0"/>
+              <a:t>App-level physical resource </a:t>
+            </a:r>
+            <a:r>
+              <a:rPr lang="en-US" dirty="0" err="1" smtClean="0"/>
+              <a:t>mgmt</a:t>
+            </a:r>
+            <a:endParaRPr lang="en-US" dirty="0" smtClean="0"/>
+          </a:p>
+          <a:p>
+            <a:endParaRPr lang="en-US" dirty="0" smtClean="0"/>
+          </a:p>
+          <a:p>
+            <a:r>
+              <a:rPr lang="en-US" dirty="0" smtClean="0"/>
+              <a:t>Securely expose all hardware</a:t>
+            </a:r>
+          </a:p>
+          <a:p>
+            <a:endParaRPr lang="en-US" dirty="0" smtClean="0"/>
+          </a:p>
+          <a:p>
+            <a:r>
+              <a:rPr lang="en-US" dirty="0" smtClean="0"/>
+              <a:t>Use physical names</a:t>
+            </a:r>
+            <a:endParaRPr lang="en-US" dirty="0"/>
+          </a:p>
+        </p:txBody>
+      </p:sp>
+    </p:spTree>
+    <p:extLst>
+      <p:ext uri="{BB962C8B-B14F-4D97-AF65-F5344CB8AC3E}">
+        <p14:creationId xmlns:p14="http://schemas.microsoft.com/office/powerpoint/2010/main" val="621910512"/>
+      </p:ext>
+    </p:extLst>
+  </p:cSld>
+  <p:clrMapOvr>
+    <a:masterClrMapping/>
+  </p:clrMapOvr>
+  <p:timing>
+    <p:tnLst>
+      <p:par>
+        <p:cTn id="1" dur="indefinite" restart="never" nodeType="tmRoot"/>
+      </p:par>
+    </p:tnLst>
+  </p:timing>
+</p:sld>
+</file>
+
+<file path=ppt/slides/slide11.xml><?xml version="1.0" encoding="utf-8"?>
+<p:sld xmlns:a="http://schemas.openxmlformats.org/drawingml/2006/main" xmlns:r="http://schemas.openxmlformats.org/officeDocument/2006/relationships" xmlns:p="http://schemas.openxmlformats.org/presentationml/2006/main">
+  <p:cSld>
+    <p:spTree>
+      <p:nvGrpSpPr>
+        <p:cNvPr id="1" name=""/>
+        <p:cNvGrpSpPr/>
+        <p:nvPr/>
+      </p:nvGrpSpPr>
+      <p:grpSpPr>
+        <a:xfrm>
+          <a:off x="0" y="0"/>
+          <a:ext cx="0" cy="0"/>
+          <a:chOff x="0" y="0"/>
+          <a:chExt cx="0" cy="0"/>
+        </a:xfrm>
+      </p:grpSpPr>
+      <p:sp>
+        <p:nvSpPr>
+          <p:cNvPr id="2" name="Title 1"/>
+          <p:cNvSpPr>
+            <a:spLocks noGrp="1"/>
+          </p:cNvSpPr>
+          <p:nvPr>
+            <p:ph type="title"/>
+          </p:nvPr>
+        </p:nvSpPr>
+        <p:spPr/>
+        <p:txBody>
+          <a:bodyPr/>
+          <a:lstStyle/>
+          <a:p>
+            <a:r>
+              <a:rPr lang="en-US" dirty="0" smtClean="0"/>
+              <a:t>	</a:t>
+            </a:r>
+            <a:r>
+              <a:rPr lang="en-US" dirty="0" err="1" smtClean="0"/>
+              <a:t>Exokernel</a:t>
+            </a:r>
+            <a:r>
+              <a:rPr lang="en-US" dirty="0" smtClean="0"/>
+              <a:t> Mechanisms</a:t>
+            </a:r>
+            <a:endParaRPr lang="en-US" dirty="0"/>
+          </a:p>
+        </p:txBody>
+      </p:sp>
+      <p:sp>
+        <p:nvSpPr>
+          <p:cNvPr id="3" name="Content Placeholder 2"/>
+          <p:cNvSpPr>
+            <a:spLocks noGrp="1"/>
+          </p:cNvSpPr>
+          <p:nvPr>
+            <p:ph sz="half" idx="1"/>
+          </p:nvPr>
+        </p:nvSpPr>
+        <p:spPr>
+          <a:xfrm>
+            <a:off x="838200" y="1825625"/>
+            <a:ext cx="5181600" cy="2060575"/>
+          </a:xfrm>
+        </p:spPr>
+        <p:txBody>
+          <a:bodyPr/>
+          <a:lstStyle/>
+          <a:p>
+            <a:r>
+              <a:rPr lang="en-US" dirty="0" smtClean="0"/>
+              <a:t>Secure Bindings</a:t>
+            </a:r>
+          </a:p>
+          <a:p>
+            <a:pPr lvl="1"/>
+            <a:r>
+              <a:rPr lang="en-US" dirty="0" smtClean="0"/>
+              <a:t>Hardware.</a:t>
+            </a:r>
+          </a:p>
+          <a:p>
+            <a:pPr lvl="1"/>
+            <a:r>
+              <a:rPr lang="en-US" dirty="0" smtClean="0"/>
+              <a:t>Software.</a:t>
+            </a:r>
+          </a:p>
+          <a:p>
+            <a:pPr lvl="1"/>
+            <a:r>
+              <a:rPr lang="en-US" dirty="0" smtClean="0"/>
+              <a:t>Code Download.</a:t>
+            </a:r>
+          </a:p>
+          <a:p>
+            <a:pPr lvl="1"/>
+            <a:endParaRPr lang="en-US" dirty="0"/>
+          </a:p>
+          <a:p>
+            <a:endParaRPr lang="en-US" dirty="0"/>
+          </a:p>
+        </p:txBody>
+      </p:sp>
+      <p:sp>
+        <p:nvSpPr>
+          <p:cNvPr id="6" name="Content Placeholder 5"/>
+          <p:cNvSpPr>
+            <a:spLocks noGrp="1"/>
+          </p:cNvSpPr>
+          <p:nvPr>
+            <p:ph sz="half" idx="2"/>
+          </p:nvPr>
+        </p:nvSpPr>
+        <p:spPr>
+          <a:xfrm>
+            <a:off x="6172200" y="1825625"/>
+            <a:ext cx="5181600" cy="1683385"/>
+          </a:xfrm>
+        </p:spPr>
+        <p:txBody>
+          <a:bodyPr/>
+          <a:lstStyle/>
+          <a:p>
+            <a:r>
+              <a:rPr lang="en-US" dirty="0"/>
+              <a:t>Access time checks</a:t>
+            </a:r>
+          </a:p>
+          <a:p>
+            <a:endParaRPr lang="en-US" dirty="0"/>
+          </a:p>
+          <a:p>
+            <a:r>
+              <a:rPr lang="en-US" dirty="0"/>
+              <a:t>Revocation </a:t>
+            </a:r>
+            <a:r>
+              <a:rPr lang="en-US" dirty="0" smtClean="0"/>
+              <a:t>protocol</a:t>
+            </a:r>
+            <a:endParaRPr lang="en-US" dirty="0"/>
+          </a:p>
+        </p:txBody>
+      </p:sp>
+      <p:pic>
+        <p:nvPicPr>
+          <p:cNvPr id="5" name="Picture 4"/>
+          <p:cNvPicPr>
+            <a:picLocks noChangeAspect="1"/>
+          </p:cNvPicPr>
+          <p:nvPr/>
+        </p:nvPicPr>
+        <p:blipFill>
+          <a:blip r:embed="rId2">
+            <a:extLst>
+              <a:ext uri="{28A0092B-C50C-407E-A947-70E740481C1C}">
+                <a14:useLocalDpi xmlns:a14="http://schemas.microsoft.com/office/drawing/2010/main" val="0"/>
+              </a:ext>
+            </a:extLst>
+          </a:blip>
+          <a:stretch>
+            <a:fillRect/>
+          </a:stretch>
+        </p:blipFill>
+        <p:spPr>
+          <a:xfrm>
+            <a:off x="1192530" y="3794761"/>
+            <a:ext cx="8749426" cy="2403120"/>
+          </a:xfrm>
+          <a:prstGeom prst="rect">
+            <a:avLst/>
+          </a:prstGeom>
+        </p:spPr>
+      </p:pic>
+    </p:spTree>
+    <p:extLst>
+      <p:ext uri="{BB962C8B-B14F-4D97-AF65-F5344CB8AC3E}">
+        <p14:creationId xmlns:p14="http://schemas.microsoft.com/office/powerpoint/2010/main" val="973012335"/>
+      </p:ext>
+    </p:extLst>
+  </p:cSld>
+  <p:clrMapOvr>
+    <a:masterClrMapping/>
+  </p:clrMapOvr>
+  <p:timing>
+    <p:tnLst>
+      <p:par>
+        <p:cTn id="1" dur="indefinite" restart="never" nodeType="tmRoot"/>
+      </p:par>
+    </p:tnLst>
+  </p:timing>
+</p:sld>
+</file>
+
+<file path=ppt/slides/slide12.xml><?xml version="1.0" encoding="utf-8"?>
+<p:sld xmlns:a="http://schemas.openxmlformats.org/drawingml/2006/main" xmlns:r="http://schemas.openxmlformats.org/officeDocument/2006/relationships" xmlns:p="http://schemas.openxmlformats.org/presentationml/2006/main">
+  <p:cSld>
+    <p:spTree>
+      <p:nvGrpSpPr>
+        <p:cNvPr id="1" name=""/>
+        <p:cNvGrpSpPr/>
+        <p:nvPr/>
+      </p:nvGrpSpPr>
+      <p:grpSpPr>
+        <a:xfrm>
+          <a:off x="0" y="0"/>
+          <a:ext cx="0" cy="0"/>
+          <a:chOff x="0" y="0"/>
+          <a:chExt cx="0" cy="0"/>
+        </a:xfrm>
+      </p:grpSpPr>
+      <p:sp>
+        <p:nvSpPr>
+          <p:cNvPr id="2" name="Title 1"/>
+          <p:cNvSpPr>
+            <a:spLocks noGrp="1"/>
+          </p:cNvSpPr>
+          <p:nvPr>
+            <p:ph type="title"/>
+          </p:nvPr>
+        </p:nvSpPr>
+        <p:spPr/>
+        <p:txBody>
+          <a:bodyPr/>
+          <a:lstStyle/>
+          <a:p>
+            <a:r>
+              <a:rPr lang="en-US" dirty="0" smtClean="0"/>
+              <a:t>	</a:t>
+            </a:r>
+            <a:r>
+              <a:rPr lang="en-US" dirty="0" err="1" smtClean="0"/>
+              <a:t>Exokernel</a:t>
+            </a:r>
+            <a:r>
+              <a:rPr lang="en-US" dirty="0" smtClean="0"/>
+              <a:t> Performance</a:t>
+            </a:r>
+            <a:endParaRPr lang="en-US" dirty="0"/>
+          </a:p>
+        </p:txBody>
+      </p:sp>
+      <p:sp>
+        <p:nvSpPr>
+          <p:cNvPr id="3" name="Content Placeholder 2"/>
+          <p:cNvSpPr>
+            <a:spLocks noGrp="1"/>
+          </p:cNvSpPr>
+          <p:nvPr>
+            <p:ph idx="1"/>
+          </p:nvPr>
+        </p:nvSpPr>
+        <p:spPr/>
+        <p:txBody>
+          <a:bodyPr/>
+          <a:lstStyle/>
+          <a:p>
+            <a:endParaRPr lang="en-US"/>
+          </a:p>
+        </p:txBody>
+      </p:sp>
+    </p:spTree>
+    <p:extLst>
+      <p:ext uri="{BB962C8B-B14F-4D97-AF65-F5344CB8AC3E}">
+        <p14:creationId xmlns:p14="http://schemas.microsoft.com/office/powerpoint/2010/main" val="1999685181"/>
+      </p:ext>
+    </p:extLst>
+  </p:cSld>
+  <p:clrMapOvr>
+    <a:masterClrMapping/>
+  </p:clrMapOvr>
+  <p:timing>
+    <p:tnLst>
+      <p:par>
+        <p:cTn id="1" dur="indefinite" restart="never" nodeType="tmRoot"/>
+      </p:par>
+    </p:tnLst>
+  </p:timing>
+</p:sld>
+</file>
+
+<file path=ppt/slides/slide13.xml><?xml version="1.0" encoding="utf-8"?>
+<p:sld xmlns:a="http://schemas.openxmlformats.org/drawingml/2006/main" xmlns:r="http://schemas.openxmlformats.org/officeDocument/2006/relationships" xmlns:p="http://schemas.openxmlformats.org/presentationml/2006/main">
+  <p:cSld>
+    <p:spTree>
+      <p:nvGrpSpPr>
+        <p:cNvPr id="1" name=""/>
+        <p:cNvGrpSpPr/>
+        <p:nvPr/>
+      </p:nvGrpSpPr>
+      <p:grpSpPr>
+        <a:xfrm>
+          <a:off x="0" y="0"/>
+          <a:ext cx="0" cy="0"/>
+          <a:chOff x="0" y="0"/>
+          <a:chExt cx="0" cy="0"/>
+        </a:xfrm>
+      </p:grpSpPr>
+      <p:sp>
+        <p:nvSpPr>
+          <p:cNvPr id="2" name="Title 1"/>
+          <p:cNvSpPr>
+            <a:spLocks noGrp="1"/>
+          </p:cNvSpPr>
+          <p:nvPr>
+            <p:ph type="title"/>
+          </p:nvPr>
+        </p:nvSpPr>
+        <p:spPr/>
+        <p:txBody>
+          <a:bodyPr/>
+          <a:lstStyle/>
+          <a:p>
+            <a:r>
+              <a:rPr lang="en-US" dirty="0" smtClean="0"/>
+              <a:t>	Haven &amp; Intel SGX</a:t>
+            </a:r>
+            <a:endParaRPr lang="en-US" dirty="0"/>
+          </a:p>
+        </p:txBody>
+      </p:sp>
+      <p:sp>
+        <p:nvSpPr>
+          <p:cNvPr id="3" name="Content Placeholder 2"/>
+          <p:cNvSpPr>
+            <a:spLocks noGrp="1"/>
+          </p:cNvSpPr>
+          <p:nvPr>
+            <p:ph idx="1"/>
+          </p:nvPr>
+        </p:nvSpPr>
+        <p:spPr>
+          <a:xfrm>
+            <a:off x="838200" y="1654175"/>
+            <a:ext cx="10515600" cy="4351338"/>
+          </a:xfrm>
+        </p:spPr>
+        <p:txBody>
+          <a:bodyPr/>
+          <a:lstStyle/>
+          <a:p>
+            <a:pPr marL="0" marR="0" lvl="0" indent="0" defTabSz="914400" eaLnBrk="1" fontAlgn="auto" latinLnBrk="0" hangingPunct="1">
+              <a:lnSpc>
+                <a:spcPct val="100000"/>
+              </a:lnSpc>
+              <a:spcBef>
+                <a:spcPts val="0"/>
+              </a:spcBef>
+              <a:spcAft>
+                <a:spcPts val="0"/>
+              </a:spcAft>
+              <a:buClrTx/>
+              <a:buSzTx/>
+              <a:buFontTx/>
+              <a:buNone/>
+              <a:tabLst/>
+              <a:defRPr/>
+            </a:pPr>
+            <a:r>
+              <a:rPr lang="en-US" i="1" dirty="0" smtClean="0"/>
+              <a:t>Why do people use Cloud services: IaaS, SaaS, PaaS, </a:t>
+            </a:r>
+            <a:r>
+              <a:rPr lang="en-US" i="1" dirty="0" err="1" smtClean="0"/>
+              <a:t>WaaS</a:t>
+            </a:r>
+            <a:r>
+              <a:rPr lang="en-US" i="1" dirty="0" smtClean="0"/>
+              <a:t> </a:t>
+            </a:r>
+            <a:r>
+              <a:rPr lang="en-US" i="1" dirty="0" err="1" smtClean="0"/>
+              <a:t>AaaP</a:t>
+            </a:r>
+            <a:r>
+              <a:rPr lang="en-US" i="1" dirty="0" smtClean="0"/>
+              <a:t>*?</a:t>
+            </a:r>
+            <a:endParaRPr lang="en-US" dirty="0" smtClean="0"/>
+          </a:p>
+          <a:p>
+            <a:pPr>
+              <a:lnSpc>
+                <a:spcPct val="100000"/>
+              </a:lnSpc>
+              <a:spcBef>
+                <a:spcPts val="0"/>
+              </a:spcBef>
+            </a:pPr>
+            <a:endParaRPr lang="en-US" dirty="0" smtClean="0"/>
+          </a:p>
+          <a:p>
+            <a:pPr>
+              <a:lnSpc>
+                <a:spcPct val="100000"/>
+              </a:lnSpc>
+              <a:spcBef>
+                <a:spcPts val="0"/>
+              </a:spcBef>
+            </a:pPr>
+            <a:r>
+              <a:rPr lang="en-US" dirty="0" smtClean="0"/>
+              <a:t>Fast deployment</a:t>
+            </a:r>
+          </a:p>
+          <a:p>
+            <a:pPr>
+              <a:lnSpc>
+                <a:spcPct val="100000"/>
+              </a:lnSpc>
+              <a:spcBef>
+                <a:spcPts val="0"/>
+              </a:spcBef>
+            </a:pPr>
+            <a:r>
+              <a:rPr lang="en-US" dirty="0" smtClean="0"/>
+              <a:t>Low start-up cost</a:t>
+            </a:r>
+          </a:p>
+          <a:p>
+            <a:pPr>
+              <a:lnSpc>
+                <a:spcPct val="100000"/>
+              </a:lnSpc>
+              <a:spcBef>
+                <a:spcPts val="0"/>
+              </a:spcBef>
+            </a:pPr>
+            <a:r>
+              <a:rPr lang="en-US" dirty="0" smtClean="0"/>
+              <a:t>Pay-per-use</a:t>
+            </a:r>
+          </a:p>
+          <a:p>
+            <a:pPr>
+              <a:lnSpc>
+                <a:spcPct val="100000"/>
+              </a:lnSpc>
+              <a:spcBef>
+                <a:spcPts val="0"/>
+              </a:spcBef>
+            </a:pPr>
+            <a:r>
+              <a:rPr lang="en-US" dirty="0" smtClean="0"/>
+              <a:t>Adapt resources to load</a:t>
+            </a:r>
+          </a:p>
+          <a:p>
+            <a:pPr>
+              <a:lnSpc>
+                <a:spcPct val="100000"/>
+              </a:lnSpc>
+              <a:spcBef>
+                <a:spcPts val="0"/>
+              </a:spcBef>
+            </a:pPr>
+            <a:r>
+              <a:rPr lang="en-US" dirty="0" smtClean="0"/>
+              <a:t>Sounds fancy (like Big data, Machine learning, </a:t>
+            </a:r>
+            <a:r>
+              <a:rPr lang="en-US" dirty="0" err="1" smtClean="0"/>
+              <a:t>IoT</a:t>
+            </a:r>
+            <a:r>
+              <a:rPr lang="en-US" dirty="0" smtClean="0"/>
+              <a:t>, etc.)</a:t>
+            </a:r>
+            <a:endParaRPr lang="en-US" dirty="0"/>
+          </a:p>
+        </p:txBody>
+      </p:sp>
+      <p:sp>
+        <p:nvSpPr>
+          <p:cNvPr id="4" name="TextBox 3"/>
+          <p:cNvSpPr txBox="1"/>
+          <p:nvPr/>
+        </p:nvSpPr>
+        <p:spPr>
+          <a:xfrm>
+            <a:off x="857250" y="6355080"/>
+            <a:ext cx="2240280" cy="369332"/>
+          </a:xfrm>
+          <a:prstGeom prst="rect">
+            <a:avLst/>
+          </a:prstGeom>
+          <a:noFill/>
+        </p:spPr>
+        <p:txBody>
+          <a:bodyPr wrap="square" rtlCol="0">
+            <a:spAutoFit/>
+          </a:bodyPr>
+          <a:lstStyle/>
+          <a:p>
+            <a:r>
+              <a:rPr lang="en-US" dirty="0" smtClean="0"/>
+              <a:t>*This one is made up.</a:t>
+            </a:r>
+            <a:endParaRPr lang="en-US" dirty="0"/>
+          </a:p>
+        </p:txBody>
+      </p:sp>
+    </p:spTree>
+    <p:extLst>
+      <p:ext uri="{BB962C8B-B14F-4D97-AF65-F5344CB8AC3E}">
+        <p14:creationId xmlns:p14="http://schemas.microsoft.com/office/powerpoint/2010/main" val="1676130107"/>
+      </p:ext>
+    </p:extLst>
+  </p:cSld>
+  <p:clrMapOvr>
+    <a:masterClrMapping/>
+  </p:clrMapOvr>
+  <p:timing>
+    <p:tnLst>
+      <p:par>
+        <p:cTn id="1" dur="indefinite" restart="never" nodeType="tmRoot"/>
+      </p:par>
+    </p:tnLst>
+  </p:timing>
+</p:sld>
+</file>
+
+<file path=ppt/slides/slide14.xml><?xml version="1.0" encoding="utf-8"?>
+<p:sld xmlns:a="http://schemas.openxmlformats.org/drawingml/2006/main" xmlns:r="http://schemas.openxmlformats.org/officeDocument/2006/relationships" xmlns:p="http://schemas.openxmlformats.org/presentationml/2006/main">
+  <p:cSld>
+    <p:spTree>
+      <p:nvGrpSpPr>
+        <p:cNvPr id="1" name=""/>
+        <p:cNvGrpSpPr/>
+        <p:nvPr/>
+      </p:nvGrpSpPr>
+      <p:grpSpPr>
+        <a:xfrm>
+          <a:off x="0" y="0"/>
+          <a:ext cx="0" cy="0"/>
+          <a:chOff x="0" y="0"/>
+          <a:chExt cx="0" cy="0"/>
+        </a:xfrm>
+      </p:grpSpPr>
+      <p:sp>
+        <p:nvSpPr>
+          <p:cNvPr id="2" name="Title 1"/>
+          <p:cNvSpPr>
+            <a:spLocks noGrp="1"/>
+          </p:cNvSpPr>
+          <p:nvPr>
+            <p:ph type="title"/>
+          </p:nvPr>
+        </p:nvSpPr>
+        <p:spPr/>
+        <p:txBody>
+          <a:bodyPr/>
+          <a:lstStyle/>
+          <a:p>
+            <a:r>
+              <a:rPr lang="en-US" dirty="0" smtClean="0"/>
+              <a:t>	How it works</a:t>
+            </a:r>
+            <a:endParaRPr lang="en-US" dirty="0"/>
+          </a:p>
+        </p:txBody>
+      </p:sp>
+      <p:sp>
+        <p:nvSpPr>
+          <p:cNvPr id="3" name="Content Placeholder 2"/>
+          <p:cNvSpPr>
+            <a:spLocks noGrp="1"/>
+          </p:cNvSpPr>
+          <p:nvPr>
+            <p:ph sz="half" idx="1"/>
+          </p:nvPr>
+        </p:nvSpPr>
+        <p:spPr/>
+        <p:txBody>
+          <a:bodyPr/>
+          <a:lstStyle/>
+          <a:p>
+            <a:r>
+              <a:rPr lang="en-US" i="1" dirty="0" smtClean="0"/>
+              <a:t>“You have to share!”</a:t>
+            </a:r>
+          </a:p>
+          <a:p>
+            <a:pPr lvl="1"/>
+            <a:r>
+              <a:rPr lang="en-US" dirty="0" smtClean="0"/>
+              <a:t>Co-locating Apps.</a:t>
+            </a:r>
+          </a:p>
+          <a:p>
+            <a:pPr lvl="1"/>
+            <a:endParaRPr lang="en-US" dirty="0"/>
+          </a:p>
+          <a:p>
+            <a:r>
+              <a:rPr lang="en-US" dirty="0" smtClean="0"/>
+              <a:t>“</a:t>
+            </a:r>
+            <a:r>
+              <a:rPr lang="en-US" i="1" dirty="0" smtClean="0"/>
+              <a:t>Wrap it!</a:t>
+            </a:r>
+            <a:r>
+              <a:rPr lang="en-US" dirty="0" smtClean="0"/>
+              <a:t>”</a:t>
+            </a:r>
+          </a:p>
+          <a:p>
+            <a:pPr lvl="1"/>
+            <a:r>
+              <a:rPr lang="en-US" dirty="0" smtClean="0"/>
+              <a:t>Containers, VMs, etc.</a:t>
+            </a:r>
+          </a:p>
+          <a:p>
+            <a:pPr lvl="1"/>
+            <a:endParaRPr lang="en-US" dirty="0"/>
+          </a:p>
+          <a:p>
+            <a:r>
+              <a:rPr lang="en-US" dirty="0" smtClean="0"/>
+              <a:t>“</a:t>
+            </a:r>
+            <a:r>
+              <a:rPr lang="en-US" i="1" dirty="0"/>
+              <a:t>I won’t look</a:t>
+            </a:r>
+            <a:r>
+              <a:rPr lang="mr-IN" i="1" dirty="0"/>
+              <a:t>…</a:t>
+            </a:r>
+            <a:r>
+              <a:rPr lang="fr-CH" i="1" dirty="0"/>
+              <a:t> I </a:t>
+            </a:r>
+            <a:r>
+              <a:rPr lang="fr-CH" i="1" dirty="0" smtClean="0"/>
+              <a:t>promise</a:t>
+            </a:r>
+            <a:r>
+              <a:rPr lang="en-US" dirty="0" smtClean="0"/>
+              <a:t>”</a:t>
+            </a:r>
+          </a:p>
+          <a:p>
+            <a:pPr lvl="1"/>
+            <a:r>
+              <a:rPr lang="en-US" dirty="0" smtClean="0"/>
+              <a:t>CSP is privileged</a:t>
+            </a:r>
+            <a:endParaRPr lang="en-US" dirty="0"/>
+          </a:p>
+        </p:txBody>
+      </p:sp>
+      <p:sp>
+        <p:nvSpPr>
+          <p:cNvPr id="4" name="Content Placeholder 3"/>
+          <p:cNvSpPr>
+            <a:spLocks noGrp="1"/>
+          </p:cNvSpPr>
+          <p:nvPr>
+            <p:ph sz="half" idx="2"/>
+          </p:nvPr>
+        </p:nvSpPr>
+        <p:spPr/>
+        <p:txBody>
+          <a:bodyPr/>
+          <a:lstStyle/>
+          <a:p>
+            <a:r>
+              <a:rPr lang="en-US" dirty="0" smtClean="0">
+                <a:solidFill>
+                  <a:schemeClr val="accent2"/>
+                </a:solidFill>
+              </a:rPr>
+              <a:t>Corrupted/malevolent host</a:t>
+            </a:r>
+          </a:p>
+          <a:p>
+            <a:endParaRPr lang="en-US" dirty="0"/>
+          </a:p>
+          <a:p>
+            <a:r>
+              <a:rPr lang="en-US" i="1" dirty="0" smtClean="0">
+                <a:solidFill>
+                  <a:schemeClr val="accent2"/>
+                </a:solidFill>
+              </a:rPr>
+              <a:t>“Solve the rebus”</a:t>
+            </a:r>
+            <a:endParaRPr lang="en-US" i="1" dirty="0">
+              <a:solidFill>
+                <a:schemeClr val="accent2"/>
+              </a:solidFill>
+            </a:endParaRPr>
+          </a:p>
+        </p:txBody>
+      </p:sp>
+      <p:pic>
+        <p:nvPicPr>
+          <p:cNvPr id="8" name="Picture 7"/>
+          <p:cNvPicPr>
+            <a:picLocks noChangeAspect="1"/>
+          </p:cNvPicPr>
+          <p:nvPr/>
+        </p:nvPicPr>
+        <p:blipFill>
+          <a:blip r:embed="rId2">
+            <a:extLst>
+              <a:ext uri="{28A0092B-C50C-407E-A947-70E740481C1C}">
+                <a14:useLocalDpi xmlns:a14="http://schemas.microsoft.com/office/drawing/2010/main" val="0"/>
+              </a:ext>
+            </a:extLst>
+          </a:blip>
+          <a:stretch>
+            <a:fillRect/>
+          </a:stretch>
+        </p:blipFill>
+        <p:spPr>
+          <a:xfrm>
+            <a:off x="6172200" y="3863340"/>
+            <a:ext cx="1319472" cy="1319472"/>
+          </a:xfrm>
+          <a:prstGeom prst="rect">
+            <a:avLst/>
+          </a:prstGeom>
+        </p:spPr>
+      </p:pic>
+      <p:pic>
+        <p:nvPicPr>
+          <p:cNvPr id="9" name="Picture 8"/>
+          <p:cNvPicPr>
+            <a:picLocks noChangeAspect="1"/>
+          </p:cNvPicPr>
+          <p:nvPr/>
+        </p:nvPicPr>
+        <p:blipFill>
+          <a:blip r:embed="rId3">
+            <a:extLst>
+              <a:ext uri="{28A0092B-C50C-407E-A947-70E740481C1C}">
+                <a14:useLocalDpi xmlns:a14="http://schemas.microsoft.com/office/drawing/2010/main" val="0"/>
+              </a:ext>
+            </a:extLst>
+          </a:blip>
+          <a:stretch>
+            <a:fillRect/>
+          </a:stretch>
+        </p:blipFill>
+        <p:spPr>
+          <a:xfrm>
+            <a:off x="7491672" y="3998090"/>
+            <a:ext cx="1111388" cy="1111388"/>
+          </a:xfrm>
+          <a:prstGeom prst="rect">
+            <a:avLst/>
+          </a:prstGeom>
+        </p:spPr>
+      </p:pic>
+      <p:pic>
+        <p:nvPicPr>
+          <p:cNvPr id="10" name="Picture 9"/>
+          <p:cNvPicPr>
+            <a:picLocks noChangeAspect="1"/>
+          </p:cNvPicPr>
+          <p:nvPr/>
+        </p:nvPicPr>
+        <p:blipFill>
+          <a:blip r:embed="rId4">
+            <a:extLst>
+              <a:ext uri="{28A0092B-C50C-407E-A947-70E740481C1C}">
+                <a14:useLocalDpi xmlns:a14="http://schemas.microsoft.com/office/drawing/2010/main" val="0"/>
+              </a:ext>
+            </a:extLst>
+          </a:blip>
+          <a:stretch>
+            <a:fillRect/>
+          </a:stretch>
+        </p:blipFill>
+        <p:spPr>
+          <a:xfrm>
+            <a:off x="8603060" y="4069190"/>
+            <a:ext cx="994767" cy="907772"/>
+          </a:xfrm>
+          <a:prstGeom prst="rect">
+            <a:avLst/>
+          </a:prstGeom>
+        </p:spPr>
+      </p:pic>
+    </p:spTree>
+    <p:extLst>
+      <p:ext uri="{BB962C8B-B14F-4D97-AF65-F5344CB8AC3E}">
+        <p14:creationId xmlns:p14="http://schemas.microsoft.com/office/powerpoint/2010/main" val="744257271"/>
+      </p:ext>
+    </p:extLst>
+  </p:cSld>
+  <p:clrMapOvr>
+    <a:masterClrMapping/>
+  </p:clrMapOvr>
+  <p:timing>
+    <p:tnLst>
+      <p:par>
+        <p:cTn id="1" dur="indefinite" restart="never" nodeType="tmRoot">
+          <p:childTnLst>
+            <p:seq concurrent="1" nextAc="seek">
+              <p:cTn id="2" dur="indefinite" nodeType="mainSeq">
+                <p:childTnLst>
+                  <p:par>
+                    <p:cTn id="3" fill="hold">
+                      <p:stCondLst>
+                        <p:cond delay="indefinite"/>
+                      </p:stCondLst>
+                      <p:childTnLst>
+                        <p:par>
+                          <p:cTn id="4" fill="hold">
+                            <p:stCondLst>
+                              <p:cond delay="0"/>
+                            </p:stCondLst>
+                            <p:childTnLst>
+                              <p:par>
+                                <p:cTn id="5" presetID="1" presetClass="entr" presetSubtype="0" fill="hold" grpId="0" nodeType="clickEffect">
+                                  <p:stCondLst>
+                                    <p:cond delay="0"/>
+                                  </p:stCondLst>
+                                  <p:childTnLst>
+                                    <p:set>
+                                      <p:cBhvr>
+                                        <p:cTn id="6" dur="1" fill="hold">
+                                          <p:stCondLst>
+                                            <p:cond delay="0"/>
+                                          </p:stCondLst>
+                                        </p:cTn>
+                                        <p:tgtEl>
+                                          <p:spTgt spid="4">
+                                            <p:txEl>
+                                              <p:pRg st="0" end="0"/>
+                                            </p:txEl>
+                                          </p:spTgt>
+                                        </p:tgtEl>
+                                        <p:attrNameLst>
+                                          <p:attrName>style.visibility</p:attrName>
+                                        </p:attrNameLst>
+                                      </p:cBhvr>
+                                      <p:to>
+                                        <p:strVal val="visible"/>
+                                      </p:to>
+                                    </p:set>
+                                  </p:childTnLst>
+                                </p:cTn>
+                              </p:par>
+                            </p:childTnLst>
+                          </p:cTn>
+                        </p:par>
+                      </p:childTnLst>
+                    </p:cTn>
+                  </p:par>
+                  <p:par>
+                    <p:cTn id="7" fill="hold">
+                      <p:stCondLst>
+                        <p:cond delay="indefinite"/>
+                      </p:stCondLst>
+                      <p:childTnLst>
+                        <p:par>
+                          <p:cTn id="8" fill="hold">
+                            <p:stCondLst>
+                              <p:cond delay="0"/>
+                            </p:stCondLst>
+                            <p:childTnLst>
+                              <p:par>
+                                <p:cTn id="9" presetID="1" presetClass="entr" presetSubtype="0" fill="hold" grpId="0" nodeType="clickEffect">
+                                  <p:stCondLst>
+                                    <p:cond delay="0"/>
+                                  </p:stCondLst>
+                                  <p:childTnLst>
+                                    <p:set>
+                                      <p:cBhvr>
+                                        <p:cTn id="10" dur="1" fill="hold">
+                                          <p:stCondLst>
+                                            <p:cond delay="0"/>
+                                          </p:stCondLst>
+                                        </p:cTn>
+                                        <p:tgtEl>
+                                          <p:spTgt spid="4">
+                                            <p:txEl>
+                                              <p:pRg st="2" end="2"/>
+                                            </p:txEl>
+                                          </p:spTgt>
+                                        </p:tgtEl>
+                                        <p:attrNameLst>
+                                          <p:attrName>style.visibility</p:attrName>
+                                        </p:attrNameLst>
+                                      </p:cBhvr>
+                                      <p:to>
+                                        <p:strVal val="visible"/>
+                                      </p:to>
+                                    </p:set>
+                                  </p:childTnLst>
+                                </p:cTn>
+                              </p:par>
+                              <p:par>
+                                <p:cTn id="11" presetID="1" presetClass="entr" presetSubtype="0" fill="hold" nodeType="withEffect">
+                                  <p:stCondLst>
+                                    <p:cond delay="0"/>
+                                  </p:stCondLst>
+                                  <p:childTnLst>
+                                    <p:set>
+                                      <p:cBhvr>
+                                        <p:cTn id="12" dur="1" fill="hold">
+                                          <p:stCondLst>
+                                            <p:cond delay="0"/>
+                                          </p:stCondLst>
+                                        </p:cTn>
+                                        <p:tgtEl>
+                                          <p:spTgt spid="8"/>
+                                        </p:tgtEl>
+                                        <p:attrNameLst>
+                                          <p:attrName>style.visibility</p:attrName>
+                                        </p:attrNameLst>
+                                      </p:cBhvr>
+                                      <p:to>
+                                        <p:strVal val="visible"/>
+                                      </p:to>
+                                    </p:set>
+                                  </p:childTnLst>
+                                </p:cTn>
+                              </p:par>
+                              <p:par>
+                                <p:cTn id="13" presetID="1" presetClass="entr" presetSubtype="0" fill="hold" nodeType="withEffect">
+                                  <p:stCondLst>
+                                    <p:cond delay="0"/>
+                                  </p:stCondLst>
+                                  <p:childTnLst>
+                                    <p:set>
+                                      <p:cBhvr>
+                                        <p:cTn id="14" dur="1" fill="hold">
+                                          <p:stCondLst>
+                                            <p:cond delay="0"/>
+                                          </p:stCondLst>
+                                        </p:cTn>
+                                        <p:tgtEl>
+                                          <p:spTgt spid="9"/>
+                                        </p:tgtEl>
+                                        <p:attrNameLst>
+                                          <p:attrName>style.visibility</p:attrName>
+                                        </p:attrNameLst>
+                                      </p:cBhvr>
+                                      <p:to>
+                                        <p:strVal val="visible"/>
+                                      </p:to>
+                                    </p:set>
+                                  </p:childTnLst>
+                                </p:cTn>
+                              </p:par>
+                              <p:par>
+                                <p:cTn id="15" presetID="1" presetClass="entr" presetSubtype="0" fill="hold" nodeType="withEffect">
+                                  <p:stCondLst>
+                                    <p:cond delay="0"/>
+                                  </p:stCondLst>
+                                  <p:childTnLst>
+                                    <p:set>
+                                      <p:cBhvr>
+                                        <p:cTn id="16" dur="1" fill="hold">
+                                          <p:stCondLst>
+                                            <p:cond delay="0"/>
+                                          </p:stCondLst>
+                                        </p:cTn>
+                                        <p:tgtEl>
+                                          <p:spTgt spid="10"/>
+                                        </p:tgtEl>
+                                        <p:attrNameLst>
+                                          <p:attrName>style.visibility</p:attrName>
+                                        </p:attrNameLst>
+                                      </p:cBhvr>
+                                      <p:to>
+                                        <p:strVal val="visible"/>
+                                      </p:to>
+                                    </p:set>
+                                  </p:childTnLst>
+                                </p:cTn>
+                              </p:par>
+                            </p:childTnLst>
+                          </p:cTn>
+                        </p:par>
+                      </p:childTnLst>
+                    </p:cTn>
+                  </p:par>
+                </p:childTnLst>
+              </p:cTn>
+              <p:prevCondLst>
+                <p:cond evt="onPrev" delay="0">
+                  <p:tgtEl>
+                    <p:sldTgt/>
+                  </p:tgtEl>
+                </p:cond>
+              </p:prevCondLst>
+              <p:nextCondLst>
+                <p:cond evt="onNext" delay="0">
+                  <p:tgtEl>
+                    <p:sldTgt/>
+                  </p:tgtEl>
+                </p:cond>
+              </p:nextCondLst>
+            </p:seq>
+          </p:childTnLst>
+        </p:cTn>
+      </p:par>
+    </p:tnLst>
+    <p:bldLst>
+      <p:bldP spid="4" grpId="0" build="p"/>
+    </p:bldLst>
+  </p:timing>
+</p:sld>
+</file>
+
+<file path=ppt/slides/slide15.xml><?xml version="1.0" encoding="utf-8"?>
+<p:sld xmlns:a="http://schemas.openxmlformats.org/drawingml/2006/main" xmlns:r="http://schemas.openxmlformats.org/officeDocument/2006/relationships" xmlns:p="http://schemas.openxmlformats.org/presentationml/2006/main">
+  <p:cSld>
+    <p:spTree>
+      <p:nvGrpSpPr>
+        <p:cNvPr id="1" name=""/>
+        <p:cNvGrpSpPr/>
+        <p:nvPr/>
+      </p:nvGrpSpPr>
+      <p:grpSpPr>
+        <a:xfrm>
+          <a:off x="0" y="0"/>
+          <a:ext cx="0" cy="0"/>
+          <a:chOff x="0" y="0"/>
+          <a:chExt cx="0" cy="0"/>
+        </a:xfrm>
+      </p:grpSpPr>
+      <p:sp>
+        <p:nvSpPr>
+          <p:cNvPr id="2" name="Title 1"/>
+          <p:cNvSpPr>
+            <a:spLocks noGrp="1"/>
+          </p:cNvSpPr>
+          <p:nvPr>
+            <p:ph type="title"/>
+          </p:nvPr>
+        </p:nvSpPr>
+        <p:spPr/>
+        <p:txBody>
+          <a:bodyPr/>
+          <a:lstStyle/>
+          <a:p>
+            <a:r>
+              <a:rPr lang="en-US" dirty="0" smtClean="0"/>
+              <a:t>	Haven </a:t>
+            </a:r>
+            <a:r>
+              <a:rPr lang="en-US" sz="2400" dirty="0" smtClean="0"/>
+              <a:t>- Thanks Microsoft.</a:t>
+            </a:r>
+            <a:endParaRPr lang="en-US" dirty="0"/>
+          </a:p>
+        </p:txBody>
+      </p:sp>
+      <p:sp>
+        <p:nvSpPr>
+          <p:cNvPr id="3" name="Content Placeholder 2"/>
+          <p:cNvSpPr>
+            <a:spLocks noGrp="1"/>
+          </p:cNvSpPr>
+          <p:nvPr>
+            <p:ph idx="1"/>
+          </p:nvPr>
+        </p:nvSpPr>
+        <p:spPr/>
+        <p:txBody>
+          <a:bodyPr/>
+          <a:lstStyle/>
+          <a:p>
+            <a:r>
+              <a:rPr lang="en-US" dirty="0" smtClean="0"/>
+              <a:t>Unmodified legacy applications</a:t>
+            </a:r>
+          </a:p>
+          <a:p>
+            <a:endParaRPr lang="en-US" dirty="0"/>
+          </a:p>
+          <a:p>
+            <a:r>
+              <a:rPr lang="en-US" dirty="0" smtClean="0"/>
+              <a:t>Shielded execution</a:t>
+            </a:r>
+          </a:p>
+          <a:p>
+            <a:pPr lvl="1"/>
+            <a:r>
+              <a:rPr lang="en-US" dirty="0" smtClean="0"/>
+              <a:t>Confidentiality</a:t>
+            </a:r>
+          </a:p>
+          <a:p>
+            <a:pPr lvl="1"/>
+            <a:r>
+              <a:rPr lang="en-US" dirty="0" smtClean="0"/>
+              <a:t>Integrity</a:t>
+            </a:r>
+          </a:p>
+          <a:p>
+            <a:pPr lvl="1"/>
+            <a:endParaRPr lang="en-US" dirty="0"/>
+          </a:p>
+          <a:p>
+            <a:r>
+              <a:rPr lang="en-US" dirty="0" smtClean="0"/>
+              <a:t>Leverages Intel SGX</a:t>
+            </a:r>
+          </a:p>
+          <a:p>
+            <a:pPr lvl="1"/>
+            <a:r>
+              <a:rPr lang="en-US" dirty="0" smtClean="0"/>
+              <a:t>Provides feedback.</a:t>
+            </a:r>
+            <a:endParaRPr lang="en-US" dirty="0"/>
+          </a:p>
+        </p:txBody>
+      </p:sp>
+      <p:pic>
+        <p:nvPicPr>
+          <p:cNvPr id="4" name="Picture 3"/>
+          <p:cNvPicPr>
+            <a:picLocks noChangeAspect="1"/>
+          </p:cNvPicPr>
+          <p:nvPr/>
+        </p:nvPicPr>
+        <p:blipFill>
+          <a:blip r:embed="rId2">
+            <a:extLst>
+              <a:ext uri="{28A0092B-C50C-407E-A947-70E740481C1C}">
+                <a14:useLocalDpi xmlns:a14="http://schemas.microsoft.com/office/drawing/2010/main" val="0"/>
+              </a:ext>
+            </a:extLst>
+          </a:blip>
+          <a:stretch>
+            <a:fillRect/>
+          </a:stretch>
+        </p:blipFill>
+        <p:spPr>
+          <a:xfrm>
+            <a:off x="6625039" y="1342800"/>
+            <a:ext cx="5254395" cy="5254395"/>
+          </a:xfrm>
+          <a:prstGeom prst="rect">
+            <a:avLst/>
+          </a:prstGeom>
+        </p:spPr>
+      </p:pic>
+      <p:pic>
+        <p:nvPicPr>
+          <p:cNvPr id="5" name="Picture 4"/>
+          <p:cNvPicPr>
+            <a:picLocks noChangeAspect="1"/>
+          </p:cNvPicPr>
+          <p:nvPr/>
+        </p:nvPicPr>
+        <p:blipFill>
+          <a:blip r:embed="rId3">
+            <a:extLst>
+              <a:ext uri="{28A0092B-C50C-407E-A947-70E740481C1C}">
+                <a14:useLocalDpi xmlns:a14="http://schemas.microsoft.com/office/drawing/2010/main" val="0"/>
+              </a:ext>
+            </a:extLst>
+          </a:blip>
+          <a:stretch>
+            <a:fillRect/>
+          </a:stretch>
+        </p:blipFill>
+        <p:spPr>
+          <a:xfrm>
+            <a:off x="7663819" y="2797797"/>
+            <a:ext cx="3176833" cy="1172200"/>
+          </a:xfrm>
+          <a:prstGeom prst="rect">
+            <a:avLst/>
+          </a:prstGeom>
+        </p:spPr>
+      </p:pic>
+    </p:spTree>
+    <p:extLst>
+      <p:ext uri="{BB962C8B-B14F-4D97-AF65-F5344CB8AC3E}">
+        <p14:creationId xmlns:p14="http://schemas.microsoft.com/office/powerpoint/2010/main" val="2087482652"/>
+      </p:ext>
+    </p:extLst>
+  </p:cSld>
+  <p:clrMapOvr>
+    <a:masterClrMapping/>
+  </p:clrMapOvr>
+  <p:timing>
+    <p:tnLst>
+      <p:par>
+        <p:cTn id="1" dur="indefinite" restart="never" nodeType="tmRoot"/>
+      </p:par>
+    </p:tnLst>
+  </p:timing>
+</p:sld>
+</file>
+
+<file path=ppt/slides/slide16.xml><?xml version="1.0" encoding="utf-8"?>
+<p:sld xmlns:a="http://schemas.openxmlformats.org/drawingml/2006/main" xmlns:r="http://schemas.openxmlformats.org/officeDocument/2006/relationships" xmlns:p="http://schemas.openxmlformats.org/presentationml/2006/main">
+  <p:cSld>
+    <p:spTree>
+      <p:nvGrpSpPr>
+        <p:cNvPr id="1" name=""/>
+        <p:cNvGrpSpPr/>
+        <p:nvPr/>
+      </p:nvGrpSpPr>
+      <p:grpSpPr>
+        <a:xfrm>
+          <a:off x="0" y="0"/>
+          <a:ext cx="0" cy="0"/>
+          <a:chOff x="0" y="0"/>
+          <a:chExt cx="0" cy="0"/>
+        </a:xfrm>
+      </p:grpSpPr>
+      <p:sp>
+        <p:nvSpPr>
+          <p:cNvPr id="2" name="Title 1"/>
+          <p:cNvSpPr>
+            <a:spLocks noGrp="1"/>
+          </p:cNvSpPr>
+          <p:nvPr>
+            <p:ph type="title"/>
+          </p:nvPr>
+        </p:nvSpPr>
+        <p:spPr/>
+        <p:txBody>
+          <a:bodyPr/>
+          <a:lstStyle/>
+          <a:p>
+            <a:r>
+              <a:rPr lang="en-US" smtClean="0"/>
+              <a:t>	Intel Software Guard Extension (SGX)</a:t>
+            </a:r>
+            <a:endParaRPr lang="en-US"/>
+          </a:p>
+        </p:txBody>
+      </p:sp>
+      <p:sp>
+        <p:nvSpPr>
+          <p:cNvPr id="3" name="Content Placeholder 2"/>
+          <p:cNvSpPr>
+            <a:spLocks noGrp="1"/>
+          </p:cNvSpPr>
+          <p:nvPr>
+            <p:ph sz="half" idx="1"/>
+          </p:nvPr>
+        </p:nvSpPr>
+        <p:spPr>
+          <a:xfrm>
+            <a:off x="838200" y="1825624"/>
+            <a:ext cx="5181600" cy="4678045"/>
+          </a:xfrm>
+        </p:spPr>
+        <p:txBody>
+          <a:bodyPr>
+            <a:normAutofit/>
+          </a:bodyPr>
+          <a:lstStyle/>
+          <a:p>
+            <a:r>
+              <a:rPr lang="en-US" dirty="0" smtClean="0"/>
+              <a:t>Enclaves</a:t>
+            </a:r>
+          </a:p>
+          <a:p>
+            <a:pPr lvl="1"/>
+            <a:r>
+              <a:rPr lang="en-US" dirty="0" smtClean="0"/>
+              <a:t>Portion of user address space.</a:t>
+            </a:r>
+          </a:p>
+          <a:p>
+            <a:pPr lvl="1"/>
+            <a:r>
+              <a:rPr lang="en-US" dirty="0" smtClean="0"/>
+              <a:t>Protected against modification…</a:t>
+            </a:r>
+          </a:p>
+          <a:p>
+            <a:pPr lvl="1"/>
+            <a:r>
+              <a:rPr lang="en-US" dirty="0" smtClean="0"/>
+              <a:t>… even from privileged code!</a:t>
+            </a:r>
+          </a:p>
+          <a:p>
+            <a:pPr lvl="1"/>
+            <a:endParaRPr lang="en-US" dirty="0"/>
+          </a:p>
+          <a:p>
+            <a:r>
+              <a:rPr lang="en-US" dirty="0" smtClean="0"/>
+              <a:t>CPU in enclave mode</a:t>
+            </a:r>
+          </a:p>
+          <a:p>
+            <a:pPr lvl="1"/>
+            <a:r>
+              <a:rPr lang="en-US" dirty="0" smtClean="0"/>
+              <a:t>EPC.</a:t>
+            </a:r>
+          </a:p>
+          <a:p>
+            <a:pPr lvl="1"/>
+            <a:r>
+              <a:rPr lang="en-US" dirty="0" smtClean="0"/>
+              <a:t>Encrypted traffic to DRAM.</a:t>
+            </a:r>
+          </a:p>
+          <a:p>
+            <a:endParaRPr lang="en-US" dirty="0"/>
+          </a:p>
+          <a:p>
+            <a:r>
+              <a:rPr lang="en-US" dirty="0" smtClean="0"/>
+              <a:t>Attestation mechanism</a:t>
+            </a:r>
+            <a:endParaRPr lang="en-US" dirty="0"/>
+          </a:p>
+        </p:txBody>
+      </p:sp>
+      <p:sp>
+        <p:nvSpPr>
+          <p:cNvPr id="4" name="Content Placeholder 3"/>
+          <p:cNvSpPr>
+            <a:spLocks noGrp="1"/>
+          </p:cNvSpPr>
+          <p:nvPr>
+            <p:ph sz="half" idx="2"/>
+          </p:nvPr>
+        </p:nvSpPr>
+        <p:spPr/>
+        <p:txBody>
+          <a:bodyPr>
+            <a:normAutofit/>
+          </a:bodyPr>
+          <a:lstStyle/>
+          <a:p>
+            <a:r>
+              <a:rPr lang="en-US" dirty="0" smtClean="0">
+                <a:solidFill>
+                  <a:schemeClr val="accent2"/>
+                </a:solidFill>
+              </a:rPr>
+              <a:t>App must know about SGX</a:t>
+            </a:r>
+          </a:p>
+          <a:p>
+            <a:endParaRPr lang="en-US" dirty="0">
+              <a:solidFill>
+                <a:schemeClr val="accent2"/>
+              </a:solidFill>
+            </a:endParaRPr>
+          </a:p>
+          <a:p>
+            <a:r>
+              <a:rPr lang="en-US" dirty="0" smtClean="0">
+                <a:solidFill>
+                  <a:schemeClr val="accent2"/>
+                </a:solidFill>
+              </a:rPr>
+              <a:t>Before loading nothing </a:t>
+            </a:r>
+            <a:r>
+              <a:rPr lang="en-US" smtClean="0">
+                <a:solidFill>
+                  <a:schemeClr val="accent2"/>
+                </a:solidFill>
+              </a:rPr>
+              <a:t>is safe</a:t>
+            </a:r>
+            <a:endParaRPr lang="en-US" dirty="0" smtClean="0">
+              <a:solidFill>
+                <a:schemeClr val="accent2"/>
+              </a:solidFill>
+            </a:endParaRPr>
+          </a:p>
+          <a:p>
+            <a:endParaRPr lang="en-US" dirty="0">
+              <a:solidFill>
+                <a:schemeClr val="accent2"/>
+              </a:solidFill>
+            </a:endParaRPr>
+          </a:p>
+          <a:p>
+            <a:r>
+              <a:rPr lang="en-US" smtClean="0">
+                <a:solidFill>
+                  <a:schemeClr val="accent2"/>
+                </a:solidFill>
+              </a:rPr>
+              <a:t>Iago attacks</a:t>
+            </a:r>
+            <a:endParaRPr lang="en-US" dirty="0" smtClean="0">
+              <a:solidFill>
+                <a:schemeClr val="accent2"/>
+              </a:solidFill>
+            </a:endParaRPr>
+          </a:p>
+          <a:p>
+            <a:endParaRPr lang="en-US" dirty="0">
+              <a:solidFill>
+                <a:schemeClr val="accent2"/>
+              </a:solidFill>
+            </a:endParaRPr>
+          </a:p>
+          <a:p>
+            <a:r>
+              <a:rPr lang="en-US" dirty="0" err="1" smtClean="0">
+                <a:solidFill>
+                  <a:schemeClr val="accent2"/>
+                </a:solidFill>
+              </a:rPr>
+              <a:t>DoS</a:t>
+            </a:r>
+            <a:endParaRPr lang="en-US" dirty="0">
+              <a:solidFill>
+                <a:schemeClr val="accent2"/>
+              </a:solidFill>
+            </a:endParaRPr>
+          </a:p>
+        </p:txBody>
+      </p:sp>
+    </p:spTree>
+    <p:extLst>
+      <p:ext uri="{BB962C8B-B14F-4D97-AF65-F5344CB8AC3E}">
+        <p14:creationId xmlns:p14="http://schemas.microsoft.com/office/powerpoint/2010/main" val="609785440"/>
+      </p:ext>
+    </p:extLst>
+  </p:cSld>
+  <p:clrMapOvr>
+    <a:masterClrMapping/>
+  </p:clrMapOvr>
+  <p:timing>
+    <p:tnLst>
+      <p:par>
+        <p:cTn id="1" dur="indefinite" restart="never" nodeType="tmRoot">
+          <p:childTnLst>
+            <p:seq concurrent="1" nextAc="seek">
+              <p:cTn id="2" dur="indefinite" nodeType="mainSeq">
+                <p:childTnLst>
+                  <p:par>
+                    <p:cTn id="3" fill="hold">
+                      <p:stCondLst>
+                        <p:cond delay="indefinite"/>
+                      </p:stCondLst>
+                      <p:childTnLst>
+                        <p:par>
+                          <p:cTn id="4" fill="hold">
+                            <p:stCondLst>
+                              <p:cond delay="0"/>
+                            </p:stCondLst>
+                            <p:childTnLst>
+                              <p:par>
+                                <p:cTn id="5" presetID="1" presetClass="entr" presetSubtype="0" fill="hold" grpId="0" nodeType="clickEffect">
+                                  <p:stCondLst>
+                                    <p:cond delay="0"/>
+                                  </p:stCondLst>
+                                  <p:childTnLst>
+                                    <p:set>
+                                      <p:cBhvr>
+                                        <p:cTn id="6" dur="1" fill="hold">
+                                          <p:stCondLst>
+                                            <p:cond delay="0"/>
+                                          </p:stCondLst>
+                                        </p:cTn>
+                                        <p:tgtEl>
+                                          <p:spTgt spid="4">
+                                            <p:txEl>
+                                              <p:pRg st="0" end="0"/>
+                                            </p:txEl>
+                                          </p:spTgt>
+                                        </p:tgtEl>
+                                        <p:attrNameLst>
+                                          <p:attrName>style.visibility</p:attrName>
+                                        </p:attrNameLst>
+                                      </p:cBhvr>
+                                      <p:to>
+                                        <p:strVal val="visible"/>
+                                      </p:to>
+                                    </p:set>
+                                  </p:childTnLst>
+                                </p:cTn>
+                              </p:par>
+                              <p:par>
+                                <p:cTn id="7" presetID="1" presetClass="entr" presetSubtype="0" fill="hold" grpId="0" nodeType="withEffect">
+                                  <p:stCondLst>
+                                    <p:cond delay="0"/>
+                                  </p:stCondLst>
+                                  <p:childTnLst>
+                                    <p:set>
+                                      <p:cBhvr>
+                                        <p:cTn id="8" dur="1" fill="hold">
+                                          <p:stCondLst>
+                                            <p:cond delay="0"/>
+                                          </p:stCondLst>
+                                        </p:cTn>
+                                        <p:tgtEl>
+                                          <p:spTgt spid="4">
+                                            <p:txEl>
+                                              <p:pRg st="2" end="2"/>
+                                            </p:txEl>
+                                          </p:spTgt>
+                                        </p:tgtEl>
+                                        <p:attrNameLst>
+                                          <p:attrName>style.visibility</p:attrName>
+                                        </p:attrNameLst>
+                                      </p:cBhvr>
+                                      <p:to>
+                                        <p:strVal val="visible"/>
+                                      </p:to>
+                                    </p:set>
+                                  </p:childTnLst>
+                                </p:cTn>
+                              </p:par>
+                              <p:par>
+                                <p:cTn id="9" presetID="1" presetClass="entr" presetSubtype="0" fill="hold" grpId="0" nodeType="withEffect">
+                                  <p:stCondLst>
+                                    <p:cond delay="0"/>
+                                  </p:stCondLst>
+                                  <p:childTnLst>
+                                    <p:set>
+                                      <p:cBhvr>
+                                        <p:cTn id="10" dur="1" fill="hold">
+                                          <p:stCondLst>
+                                            <p:cond delay="0"/>
+                                          </p:stCondLst>
+                                        </p:cTn>
+                                        <p:tgtEl>
+                                          <p:spTgt spid="4">
+                                            <p:txEl>
+                                              <p:pRg st="4" end="4"/>
+                                            </p:txEl>
+                                          </p:spTgt>
+                                        </p:tgtEl>
+                                        <p:attrNameLst>
+                                          <p:attrName>style.visibility</p:attrName>
+                                        </p:attrNameLst>
+                                      </p:cBhvr>
+                                      <p:to>
+                                        <p:strVal val="visible"/>
+                                      </p:to>
+                                    </p:set>
+                                  </p:childTnLst>
+                                </p:cTn>
+                              </p:par>
+                              <p:par>
+                                <p:cTn id="11" presetID="1" presetClass="entr" presetSubtype="0" fill="hold" grpId="0" nodeType="withEffect">
+                                  <p:stCondLst>
+                                    <p:cond delay="0"/>
+                                  </p:stCondLst>
+                                  <p:childTnLst>
+                                    <p:set>
+                                      <p:cBhvr>
+                                        <p:cTn id="12" dur="1" fill="hold">
+                                          <p:stCondLst>
+                                            <p:cond delay="0"/>
+                                          </p:stCondLst>
+                                        </p:cTn>
+                                        <p:tgtEl>
+                                          <p:spTgt spid="4">
+                                            <p:txEl>
+                                              <p:pRg st="6" end="6"/>
+                                            </p:txEl>
+                                          </p:spTgt>
+                                        </p:tgtEl>
+                                        <p:attrNameLst>
+                                          <p:attrName>style.visibility</p:attrName>
+                                        </p:attrNameLst>
+                                      </p:cBhvr>
+                                      <p:to>
+                                        <p:strVal val="visible"/>
+                                      </p:to>
+                                    </p:set>
+                                  </p:childTnLst>
+                                </p:cTn>
+                              </p:par>
+                            </p:childTnLst>
+                          </p:cTn>
+                        </p:par>
+                      </p:childTnLst>
+                    </p:cTn>
+                  </p:par>
+                </p:childTnLst>
+              </p:cTn>
+              <p:prevCondLst>
+                <p:cond evt="onPrev" delay="0">
+                  <p:tgtEl>
+                    <p:sldTgt/>
+                  </p:tgtEl>
+                </p:cond>
+              </p:prevCondLst>
+              <p:nextCondLst>
+                <p:cond evt="onNext" delay="0">
+                  <p:tgtEl>
+                    <p:sldTgt/>
+                  </p:tgtEl>
+                </p:cond>
+              </p:nextCondLst>
+            </p:seq>
+          </p:childTnLst>
+        </p:cTn>
+      </p:par>
+    </p:tnLst>
+    <p:bldLst>
+      <p:bldP spid="4" grpId="0" uiExpand="1" build="p"/>
+    </p:bldLst>
   </p:timing>
 </p:sld>
 </file>
@@ -3765,13 +5638,6 @@
             </a:r>
           </a:p>
           <a:p>
-            <a:pPr lvl="1"/>
-            <a:r>
-              <a:rPr lang="en-US" i="1" dirty="0" smtClean="0"/>
-              <a:t>“What’s wrong with the world today?”</a:t>
-            </a:r>
-          </a:p>
-          <a:p>
             <a:r>
               <a:rPr lang="en-US" dirty="0" smtClean="0"/>
               <a:t>Challenges</a:t>
@@ -3779,43 +5645,22 @@
           </a:p>
           <a:p>
             <a:r>
+              <a:rPr lang="en-US" dirty="0" err="1" smtClean="0"/>
+              <a:t>Exokernel</a:t>
+            </a:r>
+            <a:endParaRPr lang="en-US" dirty="0"/>
+          </a:p>
+          <a:p>
+            <a:r>
+              <a:rPr lang="en-US" dirty="0" err="1" smtClean="0"/>
+              <a:t>Unikernel</a:t>
+            </a:r>
+            <a:endParaRPr lang="en-US" dirty="0" smtClean="0"/>
+          </a:p>
+          <a:p>
+            <a:r>
               <a:rPr lang="en-US" dirty="0" smtClean="0"/>
               <a:t>Haven</a:t>
-            </a:r>
-          </a:p>
-          <a:p>
-            <a:pPr lvl="1"/>
-            <a:r>
-              <a:rPr lang="en-US" dirty="0" smtClean="0"/>
-              <a:t>confidentiality in the Cloud</a:t>
-            </a:r>
-          </a:p>
-          <a:p>
-            <a:r>
-              <a:rPr lang="en-US" dirty="0" err="1" smtClean="0"/>
-              <a:t>Exokernel</a:t>
-            </a:r>
-            <a:endParaRPr lang="en-US" dirty="0"/>
-          </a:p>
-          <a:p>
-            <a:pPr lvl="1"/>
-            <a:r>
-              <a:rPr lang="en-US" dirty="0" smtClean="0"/>
-              <a:t>performance</a:t>
-            </a:r>
-          </a:p>
-          <a:p>
-            <a:r>
-              <a:rPr lang="en-US" dirty="0" err="1" smtClean="0"/>
-              <a:t>Unikernel</a:t>
-            </a:r>
-            <a:endParaRPr lang="en-US" dirty="0" smtClean="0"/>
-          </a:p>
-          <a:p>
-            <a:pPr lvl="1"/>
-            <a:r>
-              <a:rPr lang="en-US" dirty="0" smtClean="0"/>
-              <a:t>modern tools and deployment</a:t>
             </a:r>
           </a:p>
           <a:p>
@@ -6307,15 +8152,7 @@
           <a:p>
             <a:r>
               <a:rPr lang="en-US" dirty="0" smtClean="0"/>
-              <a:t>	Apps &amp; Kernels: </a:t>
-            </a:r>
-            <a:r>
-              <a:rPr lang="en-US" dirty="0" smtClean="0"/>
-              <a:t>A </a:t>
-            </a:r>
-            <a:r>
-              <a:rPr lang="en-US" dirty="0" smtClean="0"/>
-              <a:t>divorce</a:t>
+              <a:t>	Apps &amp; OS: A Divorce</a:t>
             </a:r>
             <a:endParaRPr lang="en-US" dirty="0"/>
           </a:p>
@@ -6352,14 +8189,14 @@
             <a:pPr lvl="1"/>
             <a:r>
               <a:rPr lang="en-US" dirty="0" smtClean="0"/>
-              <a:t>Frameworks</a:t>
+              <a:t>Frameworks.</a:t>
             </a:r>
           </a:p>
           <a:p>
             <a:pPr lvl="1"/>
             <a:r>
               <a:rPr lang="en-US" dirty="0" smtClean="0"/>
-              <a:t>User-level (re-)implementations</a:t>
+              <a:t>User-level (re-)implementations.</a:t>
             </a:r>
           </a:p>
           <a:p>
@@ -6376,7 +8213,7 @@
             <a:pPr lvl="1"/>
             <a:r>
               <a:rPr lang="en-US" dirty="0" smtClean="0"/>
-              <a:t>Kernel bypasses</a:t>
+              <a:t>Kernel bypasses.</a:t>
             </a:r>
           </a:p>
           <a:p>
@@ -6399,21 +8236,12 @@
               <a:rPr lang="en-US" i="1" dirty="0" smtClean="0"/>
               <a:t>!”</a:t>
             </a:r>
-            <a:endParaRPr lang="en-US" i="1" dirty="0" smtClean="0"/>
           </a:p>
           <a:p>
             <a:pPr lvl="1"/>
             <a:r>
               <a:rPr lang="en-US" i="1" dirty="0" smtClean="0"/>
-              <a:t>“</a:t>
-            </a:r>
-            <a:r>
-              <a:rPr lang="en-US" i="1" dirty="0" smtClean="0"/>
-              <a:t>Don’t trust the </a:t>
-            </a:r>
-            <a:r>
-              <a:rPr lang="en-US" i="1" dirty="0" smtClean="0"/>
-              <a:t>Cloud</a:t>
+              <a:t>“Don’t trust the Cloud</a:t>
             </a:r>
             <a:r>
               <a:rPr lang="mr-IN" i="1" dirty="0" smtClean="0"/>
@@ -6427,7 +8255,6 @@
               <a:rPr lang="en-US" i="1" dirty="0" smtClean="0"/>
               <a:t>!”</a:t>
             </a:r>
-            <a:endParaRPr lang="en-US" i="1" dirty="0" smtClean="0"/>
           </a:p>
           <a:p>
             <a:pPr lvl="1"/>
@@ -6544,124 +8371,155 @@
           <a:bodyPr/>
           <a:lstStyle/>
           <a:p>
-            <a:pPr>
+            <a:pPr marL="514350" marR="0" lvl="0" indent="-514350" defTabSz="914400" eaLnBrk="1" fontAlgn="auto" latinLnBrk="0" hangingPunct="1">
               <a:lnSpc>
                 <a:spcPct val="100000"/>
               </a:lnSpc>
               <a:spcBef>
                 <a:spcPts val="0"/>
               </a:spcBef>
+              <a:spcAft>
+                <a:spcPts val="0"/>
+              </a:spcAft>
+              <a:buClrTx/>
+              <a:buSzTx/>
+              <a:buFont typeface="+mj-lt"/>
+              <a:buNone/>
+              <a:tabLst/>
+              <a:defRPr/>
             </a:pPr>
             <a:r>
-              <a:rPr lang="en-US" dirty="0" smtClean="0"/>
-              <a:t>Performance</a:t>
-            </a:r>
-          </a:p>
-          <a:p>
-            <a:pPr lvl="1">
+              <a:rPr lang="en-US" i="1" dirty="0" smtClean="0"/>
+              <a:t>What do we really want from a modern kernel?</a:t>
+            </a:r>
+          </a:p>
+          <a:p>
+            <a:pPr marL="514350" marR="0" lvl="0" indent="-514350" defTabSz="914400" eaLnBrk="1" fontAlgn="auto" latinLnBrk="0" hangingPunct="1">
               <a:lnSpc>
                 <a:spcPct val="100000"/>
               </a:lnSpc>
               <a:spcBef>
                 <a:spcPts val="0"/>
               </a:spcBef>
+              <a:spcAft>
+                <a:spcPts val="0"/>
+              </a:spcAft>
+              <a:buClrTx/>
+              <a:buSzTx/>
+              <a:buFont typeface="+mj-lt"/>
+              <a:buNone/>
+              <a:tabLst/>
+              <a:defRPr/>
             </a:pPr>
-            <a:r>
-              <a:rPr lang="en-US" dirty="0" smtClean="0"/>
-              <a:t>For heterogeneous application requirements.</a:t>
-            </a:r>
-          </a:p>
-          <a:p>
-            <a:pPr lvl="1">
+            <a:endParaRPr lang="en-US" i="1" dirty="0" smtClean="0"/>
+          </a:p>
+          <a:p>
+            <a:pPr marL="514350" marR="0" lvl="0" indent="-514350" defTabSz="914400" eaLnBrk="1" fontAlgn="auto" latinLnBrk="0" hangingPunct="1">
               <a:lnSpc>
                 <a:spcPct val="100000"/>
               </a:lnSpc>
               <a:spcBef>
                 <a:spcPts val="0"/>
               </a:spcBef>
+              <a:spcAft>
+                <a:spcPts val="0"/>
+              </a:spcAft>
+              <a:buClrTx/>
+              <a:buSzTx/>
+              <a:buFont typeface="+mj-lt"/>
+              <a:buAutoNum type="arabicPeriod"/>
+              <a:tabLst/>
+              <a:defRPr/>
             </a:pPr>
             <a:r>
               <a:rPr lang="en-US" dirty="0" smtClean="0"/>
-              <a:t>For large number of external devices.</a:t>
-            </a:r>
-          </a:p>
-          <a:p>
-            <a:pPr lvl="1">
+              <a:t>Performance for heterogeneous applications.</a:t>
+            </a:r>
+          </a:p>
+          <a:p>
+            <a:pPr marL="514350" marR="0" lvl="0" indent="-514350" defTabSz="914400" eaLnBrk="1" fontAlgn="auto" latinLnBrk="0" hangingPunct="1">
               <a:lnSpc>
                 <a:spcPct val="100000"/>
               </a:lnSpc>
               <a:spcBef>
                 <a:spcPts val="0"/>
               </a:spcBef>
+              <a:spcAft>
+                <a:spcPts val="0"/>
+              </a:spcAft>
+              <a:buClrTx/>
+              <a:buSzTx/>
+              <a:buFont typeface="+mj-lt"/>
+              <a:buAutoNum type="arabicPeriod"/>
+              <a:tabLst/>
+              <a:defRPr/>
             </a:pPr>
-            <a:endParaRPr lang="en-US" dirty="0"/>
-          </a:p>
-          <a:p>
-            <a:pPr>
+            <a:endParaRPr lang="en-US" dirty="0" smtClean="0"/>
+          </a:p>
+          <a:p>
+            <a:pPr marL="514350" marR="0" lvl="0" indent="-514350" defTabSz="914400" eaLnBrk="1" fontAlgn="auto" latinLnBrk="0" hangingPunct="1">
               <a:lnSpc>
                 <a:spcPct val="100000"/>
               </a:lnSpc>
               <a:spcBef>
                 <a:spcPts val="0"/>
               </a:spcBef>
+              <a:spcAft>
+                <a:spcPts val="0"/>
+              </a:spcAft>
+              <a:buClrTx/>
+              <a:buSzTx/>
+              <a:buFont typeface="+mj-lt"/>
+              <a:buAutoNum type="arabicPeriod"/>
+              <a:tabLst/>
+              <a:defRPr/>
             </a:pPr>
             <a:r>
               <a:rPr lang="en-US" dirty="0" smtClean="0"/>
-              <a:t>Security</a:t>
-            </a:r>
-          </a:p>
-          <a:p>
-            <a:pPr lvl="1">
+              <a:t>Ease of deployment, e.g., for Cloud platforms.</a:t>
+            </a:r>
+          </a:p>
+          <a:p>
+            <a:pPr marL="514350" marR="0" lvl="0" indent="-514350" defTabSz="914400" eaLnBrk="1" fontAlgn="auto" latinLnBrk="0" hangingPunct="1">
               <a:lnSpc>
                 <a:spcPct val="100000"/>
               </a:lnSpc>
               <a:spcBef>
                 <a:spcPts val="0"/>
               </a:spcBef>
+              <a:spcAft>
+                <a:spcPts val="0"/>
+              </a:spcAft>
+              <a:buClrTx/>
+              <a:buSzTx/>
+              <a:buFont typeface="+mj-lt"/>
+              <a:buAutoNum type="arabicPeriod"/>
+              <a:tabLst/>
+              <a:defRPr/>
             </a:pPr>
-            <a:r>
-              <a:rPr lang="en-US" dirty="0" smtClean="0"/>
-              <a:t>Confidentiality and Integrity.</a:t>
-            </a:r>
-          </a:p>
-          <a:p>
-            <a:pPr lvl="1">
+            <a:endParaRPr lang="en-US" dirty="0" smtClean="0"/>
+          </a:p>
+          <a:p>
+            <a:pPr marL="514350" marR="0" lvl="0" indent="-514350" defTabSz="914400" eaLnBrk="1" fontAlgn="auto" latinLnBrk="0" hangingPunct="1">
               <a:lnSpc>
                 <a:spcPct val="100000"/>
               </a:lnSpc>
               <a:spcBef>
                 <a:spcPts val="0"/>
               </a:spcBef>
+              <a:spcAft>
+                <a:spcPts val="0"/>
+              </a:spcAft>
+              <a:buClrTx/>
+              <a:buSzTx/>
+              <a:buFont typeface="+mj-lt"/>
+              <a:buAutoNum type="arabicPeriod"/>
+              <a:tabLst/>
+              <a:defRPr/>
             </a:pPr>
             <a:r>
               <a:rPr lang="en-US" dirty="0" smtClean="0"/>
-              <a:t>Bi-directional mistrust between host/guest.</a:t>
-            </a:r>
-          </a:p>
-          <a:p>
-            <a:pPr lvl="1">
-              <a:lnSpc>
-                <a:spcPct val="100000"/>
-              </a:lnSpc>
-              <a:spcBef>
-                <a:spcPts val="0"/>
-              </a:spcBef>
-            </a:pPr>
-            <a:endParaRPr lang="en-US" dirty="0"/>
-          </a:p>
-          <a:p>
-            <a:pPr marL="0" indent="0">
-              <a:lnSpc>
-                <a:spcPct val="100000"/>
-              </a:lnSpc>
-              <a:spcBef>
-                <a:spcPts val="0"/>
-              </a:spcBef>
-              <a:buNone/>
-            </a:pPr>
-            <a:r>
-              <a:rPr lang="en-US" i="1" dirty="0" smtClean="0"/>
-              <a:t>Re-define respective roles of kernels and applications.</a:t>
+              <a:t>Support modern security model, e.g., bi-directional isolation.</a:t>
             </a:r>
           </a:p>
         </p:txBody>
@@ -6719,159 +8577,121 @@
           <a:lstStyle/>
           <a:p>
             <a:r>
+              <a:rPr lang="en-US" dirty="0"/>
+              <a:t>	How can we achieve this?</a:t>
+            </a:r>
+          </a:p>
+        </p:txBody>
+      </p:sp>
+      <p:sp>
+        <p:nvSpPr>
+          <p:cNvPr id="3" name="Content Placeholder 2"/>
+          <p:cNvSpPr>
+            <a:spLocks noGrp="1"/>
+          </p:cNvSpPr>
+          <p:nvPr>
+            <p:ph sz="half" idx="1"/>
+          </p:nvPr>
+        </p:nvSpPr>
+        <p:spPr>
+          <a:xfrm>
+            <a:off x="838200" y="2948939"/>
+            <a:ext cx="5181600" cy="3228023"/>
+          </a:xfrm>
+        </p:spPr>
+        <p:txBody>
+          <a:bodyPr/>
+          <a:lstStyle/>
+          <a:p>
+            <a:pPr marL="514350" indent="-514350">
+              <a:buFont typeface="+mj-lt"/>
+              <a:buAutoNum type="arabicPeriod"/>
+            </a:pPr>
+            <a:r>
               <a:rPr lang="en-US" dirty="0" smtClean="0"/>
-              <a:t>	Haven &amp; Intel SGX</a:t>
-            </a:r>
+              <a:t>Performance</a:t>
+            </a:r>
+          </a:p>
+          <a:p>
+            <a:pPr marL="514350" indent="-514350">
+              <a:buFont typeface="+mj-lt"/>
+              <a:buAutoNum type="arabicPeriod"/>
+            </a:pPr>
             <a:endParaRPr lang="en-US" dirty="0"/>
           </a:p>
-        </p:txBody>
-      </p:sp>
-      <p:sp>
-        <p:nvSpPr>
-          <p:cNvPr id="3" name="Content Placeholder 2"/>
-          <p:cNvSpPr>
-            <a:spLocks noGrp="1"/>
-          </p:cNvSpPr>
-          <p:nvPr>
-            <p:ph idx="1"/>
+          <a:p>
+            <a:pPr marL="514350" indent="-514350">
+              <a:buFont typeface="+mj-lt"/>
+              <a:buAutoNum type="arabicPeriod"/>
+            </a:pPr>
+            <a:r>
+              <a:rPr lang="en-US" dirty="0" smtClean="0"/>
+              <a:t>Deployment</a:t>
+            </a:r>
+          </a:p>
+          <a:p>
+            <a:pPr marL="514350" indent="-514350">
+              <a:buFont typeface="+mj-lt"/>
+              <a:buAutoNum type="arabicPeriod"/>
+            </a:pPr>
+            <a:endParaRPr lang="en-US" dirty="0"/>
+          </a:p>
+          <a:p>
+            <a:pPr marL="514350" indent="-514350">
+              <a:buFont typeface="+mj-lt"/>
+              <a:buAutoNum type="arabicPeriod"/>
+            </a:pPr>
+            <a:r>
+              <a:rPr lang="en-US" dirty="0" smtClean="0"/>
+              <a:t>Security</a:t>
+            </a:r>
+            <a:endParaRPr lang="en-US" dirty="0"/>
+          </a:p>
+        </p:txBody>
+      </p:sp>
+      <p:sp>
+        <p:nvSpPr>
+          <p:cNvPr id="4" name="Content Placeholder 3"/>
+          <p:cNvSpPr>
+            <a:spLocks noGrp="1"/>
+          </p:cNvSpPr>
+          <p:nvPr>
+            <p:ph sz="half" idx="2"/>
           </p:nvPr>
         </p:nvSpPr>
         <p:spPr>
           <a:xfrm>
-            <a:off x="838200" y="1654175"/>
-            <a:ext cx="10515600" cy="4351338"/>
+            <a:off x="6172200" y="2948939"/>
+            <a:ext cx="5181600" cy="3228024"/>
           </a:xfrm>
         </p:spPr>
         <p:txBody>
           <a:bodyPr/>
           <a:lstStyle/>
           <a:p>
-            <a:pPr marL="0" marR="0" lvl="0" indent="0" defTabSz="914400" eaLnBrk="1" fontAlgn="auto" latinLnBrk="0" hangingPunct="1">
-              <a:lnSpc>
-                <a:spcPct val="100000"/>
-              </a:lnSpc>
-              <a:spcBef>
-                <a:spcPts val="0"/>
-              </a:spcBef>
-              <a:spcAft>
-                <a:spcPts val="0"/>
-              </a:spcAft>
-              <a:buClrTx/>
-              <a:buSzTx/>
-              <a:buFontTx/>
-              <a:buNone/>
-              <a:tabLst/>
-              <a:defRPr/>
-            </a:pPr>
-            <a:r>
-              <a:rPr lang="en-US" i="1" dirty="0" smtClean="0"/>
-              <a:t>Why do people use Cloud services: IaaS, SaaS, PaaS, </a:t>
-            </a:r>
-            <a:r>
-              <a:rPr lang="en-US" i="1" dirty="0" err="1" smtClean="0"/>
-              <a:t>WaaS</a:t>
-            </a:r>
-            <a:r>
-              <a:rPr lang="en-US" i="1" dirty="0" smtClean="0"/>
-              <a:t> </a:t>
-            </a:r>
-            <a:r>
-              <a:rPr lang="en-US" i="1" dirty="0" err="1" smtClean="0"/>
-              <a:t>AaaP</a:t>
-            </a:r>
-            <a:r>
-              <a:rPr lang="en-US" i="1" dirty="0" smtClean="0"/>
-              <a:t>*?</a:t>
+            <a:r>
+              <a:rPr lang="en-US" dirty="0" err="1" smtClean="0"/>
+              <a:t>Exokernel</a:t>
             </a:r>
             <a:endParaRPr lang="en-US" dirty="0" smtClean="0"/>
           </a:p>
           <a:p>
-            <a:pPr>
-              <a:lnSpc>
-                <a:spcPct val="100000"/>
-              </a:lnSpc>
-              <a:spcBef>
-                <a:spcPts val="0"/>
-              </a:spcBef>
-            </a:pPr>
+            <a:endParaRPr lang="en-US" dirty="0"/>
+          </a:p>
+          <a:p>
+            <a:r>
+              <a:rPr lang="en-US" dirty="0" err="1" smtClean="0"/>
+              <a:t>Unikernel</a:t>
+            </a:r>
             <a:endParaRPr lang="en-US" dirty="0" smtClean="0"/>
           </a:p>
           <a:p>
-            <a:pPr>
-              <a:lnSpc>
-                <a:spcPct val="100000"/>
-              </a:lnSpc>
-              <a:spcBef>
-                <a:spcPts val="0"/>
-              </a:spcBef>
-            </a:pPr>
+            <a:endParaRPr lang="en-US" dirty="0"/>
+          </a:p>
+          <a:p>
             <a:r>
               <a:rPr lang="en-US" dirty="0" smtClean="0"/>
-              <a:t>Fast deployment</a:t>
-            </a:r>
-          </a:p>
-          <a:p>
-            <a:pPr>
-              <a:lnSpc>
-                <a:spcPct val="100000"/>
-              </a:lnSpc>
-              <a:spcBef>
-                <a:spcPts val="0"/>
-              </a:spcBef>
-            </a:pPr>
-            <a:r>
-              <a:rPr lang="en-US" dirty="0" smtClean="0"/>
-              <a:t>Low start-up cost</a:t>
-            </a:r>
-          </a:p>
-          <a:p>
-            <a:pPr>
-              <a:lnSpc>
-                <a:spcPct val="100000"/>
-              </a:lnSpc>
-              <a:spcBef>
-                <a:spcPts val="0"/>
-              </a:spcBef>
-            </a:pPr>
-            <a:r>
-              <a:rPr lang="en-US" dirty="0" smtClean="0"/>
-              <a:t>Pay-per-use</a:t>
-            </a:r>
-          </a:p>
-          <a:p>
-            <a:pPr>
-              <a:lnSpc>
-                <a:spcPct val="100000"/>
-              </a:lnSpc>
-              <a:spcBef>
-                <a:spcPts val="0"/>
-              </a:spcBef>
-            </a:pPr>
-            <a:r>
-              <a:rPr lang="en-US" dirty="0" smtClean="0"/>
-              <a:t>Adapt resources to load</a:t>
-            </a:r>
-          </a:p>
-          <a:p>
-            <a:pPr>
-              <a:lnSpc>
-                <a:spcPct val="100000"/>
-              </a:lnSpc>
-              <a:spcBef>
-                <a:spcPts val="0"/>
-              </a:spcBef>
-            </a:pPr>
-            <a:r>
-              <a:rPr lang="en-US" dirty="0" smtClean="0"/>
-              <a:t>Sounds fancy (like Big data, Machine learning, </a:t>
-            </a:r>
-            <a:r>
-              <a:rPr lang="en-US" dirty="0" err="1" smtClean="0"/>
-              <a:t>IoT</a:t>
-            </a:r>
-            <a:r>
-              <a:rPr lang="en-US" dirty="0" smtClean="0"/>
-              <a:t>, etc.)</a:t>
+              <a:t>Haven</a:t>
             </a:r>
             <a:endParaRPr lang="en-US" dirty="0"/>
           </a:p>
@@ -6879,14 +8699,14 @@
       </p:sp>
       <p:sp>
         <p:nvSpPr>
-          <p:cNvPr id="4" name="TextBox 3"/>
+          <p:cNvPr id="5" name="TextBox 4"/>
           <p:cNvSpPr txBox="1"/>
           <p:nvPr/>
         </p:nvSpPr>
         <p:spPr>
           <a:xfrm>
-            <a:off x="857250" y="6355080"/>
-            <a:ext cx="2240280" cy="369332"/>
+            <a:off x="937260" y="1520190"/>
+            <a:ext cx="10416540" cy="954107"/>
           </a:xfrm>
           <a:prstGeom prst="rect">
             <a:avLst/>
@@ -6900,303 +8720,49 @@
           <a:lstStyle/>
           <a:p>
             <a:r>
-              <a:rPr lang="en-US" dirty="0" smtClean="0"/>
-              <a:t>*This one is made up.</a:t>
-            </a:r>
-            <a:endParaRPr lang="en-US" dirty="0"/>
+              <a:rPr lang="en-US" sz="2800" u="sng" dirty="0" smtClean="0">
+                <a:solidFill>
+                  <a:schemeClr val="accent3">
+                    <a:lumMod val="75000"/>
+                  </a:schemeClr>
+                </a:solidFill>
+              </a:rPr>
+              <a:t>Claim:</a:t>
+            </a:r>
+            <a:r>
+              <a:rPr lang="en-US" sz="2800" dirty="0" smtClean="0">
+                <a:solidFill>
+                  <a:schemeClr val="accent3">
+                    <a:lumMod val="75000"/>
+                  </a:schemeClr>
+                </a:solidFill>
+              </a:rPr>
+              <a:t> </a:t>
+            </a:r>
+            <a:r>
+              <a:rPr lang="en-US" sz="2800" i="1" dirty="0" smtClean="0">
+                <a:solidFill>
+                  <a:schemeClr val="accent3">
+                    <a:lumMod val="75000"/>
+                  </a:schemeClr>
+                </a:solidFill>
+              </a:rPr>
+              <a:t>All three requirements can be satisfied with a common set of design principles!</a:t>
+            </a:r>
+            <a:endParaRPr lang="en-US" sz="2800" dirty="0">
+              <a:solidFill>
+                <a:schemeClr val="accent3">
+                  <a:lumMod val="75000"/>
+                </a:schemeClr>
+              </a:solidFill>
+            </a:endParaRPr>
           </a:p>
         </p:txBody>
       </p:sp>
     </p:spTree>
     <p:extLst>
       <p:ext uri="{BB962C8B-B14F-4D97-AF65-F5344CB8AC3E}">
-        <p14:creationId xmlns:p14="http://schemas.microsoft.com/office/powerpoint/2010/main" val="1676130107"/>
-      </p:ext>
-    </p:extLst>
-  </p:cSld>
-  <p:clrMapOvr>
-    <a:masterClrMapping/>
-  </p:clrMapOvr>
-  <p:timing>
-    <p:tnLst>
-      <p:par>
-        <p:cTn id="1" dur="indefinite" restart="never" nodeType="tmRoot"/>
-      </p:par>
-    </p:tnLst>
-  </p:timing>
-</p:sld>
-</file>
-
-<file path=ppt/slides/slide7.xml><?xml version="1.0" encoding="utf-8"?>
-<p:sld xmlns:a="http://schemas.openxmlformats.org/drawingml/2006/main" xmlns:r="http://schemas.openxmlformats.org/officeDocument/2006/relationships" xmlns:p="http://schemas.openxmlformats.org/presentationml/2006/main">
-  <p:cSld>
-    <p:spTree>
-      <p:nvGrpSpPr>
-        <p:cNvPr id="1" name=""/>
-        <p:cNvGrpSpPr/>
-        <p:nvPr/>
-      </p:nvGrpSpPr>
-      <p:grpSpPr>
-        <a:xfrm>
-          <a:off x="0" y="0"/>
-          <a:ext cx="0" cy="0"/>
-          <a:chOff x="0" y="0"/>
-          <a:chExt cx="0" cy="0"/>
-        </a:xfrm>
-      </p:grpSpPr>
-      <p:sp>
-        <p:nvSpPr>
-          <p:cNvPr id="2" name="Title 1"/>
-          <p:cNvSpPr>
-            <a:spLocks noGrp="1"/>
-          </p:cNvSpPr>
-          <p:nvPr>
-            <p:ph type="title"/>
-          </p:nvPr>
-        </p:nvSpPr>
-        <p:spPr/>
-        <p:txBody>
-          <a:bodyPr/>
-          <a:lstStyle/>
-          <a:p>
-            <a:r>
-              <a:rPr lang="en-US" dirty="0" smtClean="0"/>
-              <a:t>	How it works</a:t>
-            </a:r>
-            <a:endParaRPr lang="en-US" dirty="0"/>
-          </a:p>
-        </p:txBody>
-      </p:sp>
-      <p:sp>
-        <p:nvSpPr>
-          <p:cNvPr id="3" name="Content Placeholder 2"/>
-          <p:cNvSpPr>
-            <a:spLocks noGrp="1"/>
-          </p:cNvSpPr>
-          <p:nvPr>
-            <p:ph sz="half" idx="1"/>
-          </p:nvPr>
-        </p:nvSpPr>
-        <p:spPr/>
-        <p:txBody>
-          <a:bodyPr/>
-          <a:lstStyle/>
-          <a:p>
-            <a:r>
-              <a:rPr lang="en-US" i="1" dirty="0" smtClean="0"/>
-              <a:t>“You have to share!”</a:t>
-            </a:r>
-          </a:p>
-          <a:p>
-            <a:pPr lvl="1"/>
-            <a:r>
-              <a:rPr lang="en-US" dirty="0" smtClean="0"/>
-              <a:t>Co-locating Apps.</a:t>
-            </a:r>
-          </a:p>
-          <a:p>
-            <a:pPr lvl="1"/>
-            <a:endParaRPr lang="en-US" dirty="0"/>
-          </a:p>
-          <a:p>
-            <a:r>
-              <a:rPr lang="en-US" dirty="0" smtClean="0"/>
-              <a:t>“</a:t>
-            </a:r>
-            <a:r>
-              <a:rPr lang="en-US" i="1" dirty="0" smtClean="0"/>
-              <a:t>Wrap it!</a:t>
-            </a:r>
-            <a:r>
-              <a:rPr lang="en-US" dirty="0" smtClean="0"/>
-              <a:t>”</a:t>
-            </a:r>
-          </a:p>
-          <a:p>
-            <a:pPr lvl="1"/>
-            <a:r>
-              <a:rPr lang="en-US" dirty="0" smtClean="0"/>
-              <a:t>Containers, VMs, etc.</a:t>
-            </a:r>
-          </a:p>
-          <a:p>
-            <a:pPr lvl="1"/>
-            <a:endParaRPr lang="en-US" dirty="0"/>
-          </a:p>
-          <a:p>
-            <a:r>
-              <a:rPr lang="en-US" dirty="0" smtClean="0"/>
-              <a:t>“</a:t>
-            </a:r>
-            <a:r>
-              <a:rPr lang="en-US" i="1" dirty="0"/>
-              <a:t>I won’t look</a:t>
-            </a:r>
-            <a:r>
-              <a:rPr lang="mr-IN" i="1" dirty="0"/>
-              <a:t>…</a:t>
-            </a:r>
-            <a:r>
-              <a:rPr lang="fr-CH" i="1" dirty="0"/>
-              <a:t> I </a:t>
-            </a:r>
-            <a:r>
-              <a:rPr lang="fr-CH" i="1" dirty="0" smtClean="0"/>
-              <a:t>promise</a:t>
-            </a:r>
-            <a:r>
-              <a:rPr lang="en-US" dirty="0" smtClean="0"/>
-              <a:t>”</a:t>
-            </a:r>
-          </a:p>
-          <a:p>
-            <a:pPr lvl="1"/>
-            <a:r>
-              <a:rPr lang="en-US" dirty="0" smtClean="0"/>
-              <a:t>CSP is privileged</a:t>
-            </a:r>
-            <a:endParaRPr lang="en-US" dirty="0"/>
-          </a:p>
-        </p:txBody>
-      </p:sp>
-      <p:sp>
-        <p:nvSpPr>
-          <p:cNvPr id="4" name="Content Placeholder 3"/>
-          <p:cNvSpPr>
-            <a:spLocks noGrp="1"/>
-          </p:cNvSpPr>
-          <p:nvPr>
-            <p:ph sz="half" idx="2"/>
-          </p:nvPr>
-        </p:nvSpPr>
-        <p:spPr/>
-        <p:txBody>
-          <a:bodyPr/>
-          <a:lstStyle/>
-          <a:p>
-            <a:r>
-              <a:rPr lang="en-US" dirty="0" smtClean="0">
-                <a:solidFill>
-                  <a:schemeClr val="accent2"/>
-                </a:solidFill>
-              </a:rPr>
-              <a:t>Corrupted/malevolent host</a:t>
-            </a:r>
-          </a:p>
-          <a:p>
-            <a:endParaRPr lang="en-US" dirty="0"/>
-          </a:p>
-          <a:p>
-            <a:r>
-              <a:rPr lang="en-US" i="1" dirty="0" smtClean="0">
-                <a:solidFill>
-                  <a:schemeClr val="accent2"/>
-                </a:solidFill>
-              </a:rPr>
-              <a:t>“Solve the rebus”</a:t>
-            </a:r>
-            <a:endParaRPr lang="en-US" i="1" dirty="0">
-              <a:solidFill>
-                <a:schemeClr val="accent2"/>
-              </a:solidFill>
-            </a:endParaRPr>
-          </a:p>
-        </p:txBody>
-      </p:sp>
-      <p:pic>
-        <p:nvPicPr>
-          <p:cNvPr id="8" name="Picture 7"/>
-          <p:cNvPicPr>
-            <a:picLocks noChangeAspect="1"/>
-          </p:cNvPicPr>
-          <p:nvPr/>
-        </p:nvPicPr>
-        <p:blipFill>
-          <a:blip r:embed="rId2">
-            <a:extLst>
-              <a:ext uri="{28A0092B-C50C-407E-A947-70E740481C1C}">
-                <a14:useLocalDpi xmlns:a14="http://schemas.microsoft.com/office/drawing/2010/main" val="0"/>
-              </a:ext>
-            </a:extLst>
-          </a:blip>
-          <a:stretch>
-            <a:fillRect/>
-          </a:stretch>
-        </p:blipFill>
-        <p:spPr>
-          <a:xfrm>
-            <a:off x="6172200" y="3863340"/>
-            <a:ext cx="1319472" cy="1319472"/>
-          </a:xfrm>
-          <a:prstGeom prst="rect">
-            <a:avLst/>
-          </a:prstGeom>
-        </p:spPr>
-      </p:pic>
-      <p:pic>
-        <p:nvPicPr>
-          <p:cNvPr id="9" name="Picture 8"/>
-          <p:cNvPicPr>
-            <a:picLocks noChangeAspect="1"/>
-          </p:cNvPicPr>
-          <p:nvPr/>
-        </p:nvPicPr>
-        <p:blipFill>
-          <a:blip r:embed="rId3">
-            <a:extLst>
-              <a:ext uri="{28A0092B-C50C-407E-A947-70E740481C1C}">
-                <a14:useLocalDpi xmlns:a14="http://schemas.microsoft.com/office/drawing/2010/main" val="0"/>
-              </a:ext>
-            </a:extLst>
-          </a:blip>
-          <a:stretch>
-            <a:fillRect/>
-          </a:stretch>
-        </p:blipFill>
-        <p:spPr>
-          <a:xfrm>
-            <a:off x="7491672" y="3998090"/>
-            <a:ext cx="1111388" cy="1111388"/>
-          </a:xfrm>
-          <a:prstGeom prst="rect">
-            <a:avLst/>
-          </a:prstGeom>
-        </p:spPr>
-      </p:pic>
-      <p:pic>
-        <p:nvPicPr>
-          <p:cNvPr id="10" name="Picture 9"/>
-          <p:cNvPicPr>
-            <a:picLocks noChangeAspect="1"/>
-          </p:cNvPicPr>
-          <p:nvPr/>
-        </p:nvPicPr>
-        <p:blipFill>
-          <a:blip r:embed="rId4">
-            <a:extLst>
-              <a:ext uri="{28A0092B-C50C-407E-A947-70E740481C1C}">
-                <a14:useLocalDpi xmlns:a14="http://schemas.microsoft.com/office/drawing/2010/main" val="0"/>
-              </a:ext>
-            </a:extLst>
-          </a:blip>
-          <a:stretch>
-            <a:fillRect/>
-          </a:stretch>
-        </p:blipFill>
-        <p:spPr>
-          <a:xfrm>
-            <a:off x="8603060" y="4069190"/>
-            <a:ext cx="994767" cy="907772"/>
-          </a:xfrm>
-          <a:prstGeom prst="rect">
-            <a:avLst/>
-          </a:prstGeom>
-        </p:spPr>
-      </p:pic>
-    </p:spTree>
-    <p:extLst>
-      <p:ext uri="{BB962C8B-B14F-4D97-AF65-F5344CB8AC3E}">
-        <p14:creationId xmlns:p14="http://schemas.microsoft.com/office/powerpoint/2010/main" val="744257271"/>
+        <p14:creationId xmlns:p14="http://schemas.microsoft.com/office/powerpoint/2010/main" val="1319390853"/>
       </p:ext>
     </p:extLst>
   </p:cSld>
@@ -7303,35 +8869,26 @@
                                   </p:childTnLst>
                                 </p:cTn>
                               </p:par>
+                            </p:childTnLst>
+                          </p:cTn>
+                        </p:par>
+                      </p:childTnLst>
+                    </p:cTn>
+                  </p:par>
+                  <p:par>
+                    <p:cTn id="11" fill="hold">
+                      <p:stCondLst>
+                        <p:cond delay="indefinite"/>
+                      </p:stCondLst>
+                      <p:childTnLst>
+                        <p:par>
+                          <p:cTn id="12" fill="hold">
+                            <p:stCondLst>
+                              <p:cond delay="0"/>
+                            </p:stCondLst>
+                            <p:childTnLst>
                               <p:par>
-                                <p:cTn id="11" presetID="1" presetClass="entr" presetSubtype="0" fill="hold" nodeType="withEffect">
-                                  <p:stCondLst>
-                                    <p:cond delay="0"/>
-                                  </p:stCondLst>
-                                  <p:childTnLst>
-                                    <p:set>
-                                      <p:cBhvr>
-                                        <p:cTn id="12" dur="1" fill="hold">
-                                          <p:stCondLst>
-                                            <p:cond delay="0"/>
-                                          </p:stCondLst>
-                                        </p:cTn>
-                                        <p:tgtEl>
-                                          <p:spTgt spid="8"/>
-                                        </p:tgtEl>
-                                        <p:attrNameLst>
-                                          <p:attrName>style.visibility</p:attrName>
-                                        </p:attrNameLst>
-                                      </p:cBhvr>
-                                      <p:to>
-                                        <p:strVal val="visible"/>
-                                      </p:to>
-                                    </p:set>
-                                  </p:childTnLst>
-                                </p:cTn>
-                              </p:par>
-                              <p:par>
-                                <p:cTn id="13" presetID="1" presetClass="entr" presetSubtype="0" fill="hold" nodeType="withEffect">
+                                <p:cTn id="13" presetID="1" presetClass="entr" presetSubtype="0" fill="hold" grpId="0" nodeType="clickEffect">
                                   <p:stCondLst>
                                     <p:cond delay="0"/>
                                   </p:stCondLst>
@@ -7344,34 +8901,11 @@
                                           </p:stCondLst>
                                         </p:cTn>
                                         <p:tgtEl>
-                                          <p:spTgt spid="9"/>
-                                        </p:tgtEl>
-                                        <p:attrNameLst>
-                                          <p:attrName>style.visibility</p:attrName>
-                                        </p:attrNameLst>
-                                      </p:cBhvr>
-                                      <p:to>
-                                        <p:strVal val="visible"/>
-                                      </p:to>
-                                    </p:set>
-                                  </p:childTnLst>
-                                </p:cTn>
-                              </p:par>
-                              <p:par>
-                                <p:cTn id="15" presetID="1" presetClass="entr" presetSubtype="0" fill="hold" nodeType="withEffect">
-                                  <p:stCondLst>
-                                    <p:cond delay="0"/>
-                                  </p:stCondLst>
-                                  <p:childTnLst>
-                                    <p:set>
-                                      <p:cBhvr>
-                                        <p:cTn id="16" dur="1" fill="hold">
-                                          <p:stCondLst>
-                                            <p:cond delay="0"/>
-                                          </p:stCondLst>
-                                        </p:cTn>
-                                        <p:tgtEl>
-                                          <p:spTgt spid="10"/>
+                                          <p:spTgt spid="4">
+                                            <p:txEl>
+                                              <p:pRg st="4" end="4"/>
+                                            </p:txEl>
+                                          </p:spTgt>
                                         </p:tgtEl>
                                         <p:attrNameLst>
                                           <p:attrName>style.visibility</p:attrName>
@@ -7412,8 +8946,97 @@
       </p:par>
     </p:tnLst>
     <p:bldLst>
-      <p:bldP spid="4" grpId="0" build="p"/>
+      <p:bldP spid="4" grpId="0" uiExpand="1" build="p"/>
     </p:bldLst>
+  </p:timing>
+</p:sld>
+</file>
+
+<file path=ppt/slides/slide7.xml><?xml version="1.0" encoding="utf-8"?>
+<p:sld xmlns:a="http://schemas.openxmlformats.org/drawingml/2006/main" xmlns:r="http://schemas.openxmlformats.org/officeDocument/2006/relationships" xmlns:p="http://schemas.openxmlformats.org/presentationml/2006/main">
+  <p:cSld>
+    <p:spTree>
+      <p:nvGrpSpPr>
+        <p:cNvPr id="1" name=""/>
+        <p:cNvGrpSpPr/>
+        <p:nvPr/>
+      </p:nvGrpSpPr>
+      <p:grpSpPr>
+        <a:xfrm>
+          <a:off x="0" y="0"/>
+          <a:ext cx="0" cy="0"/>
+          <a:chOff x="0" y="0"/>
+          <a:chExt cx="0" cy="0"/>
+        </a:xfrm>
+      </p:grpSpPr>
+      <p:sp>
+        <p:nvSpPr>
+          <p:cNvPr id="2" name="Title 1"/>
+          <p:cNvSpPr>
+            <a:spLocks noGrp="1"/>
+          </p:cNvSpPr>
+          <p:nvPr>
+            <p:ph type="title"/>
+          </p:nvPr>
+        </p:nvSpPr>
+        <p:spPr/>
+        <p:txBody>
+          <a:bodyPr/>
+          <a:lstStyle/>
+          <a:p>
+            <a:pPr algn="ctr"/>
+            <a:r>
+              <a:rPr lang="en-US" dirty="0" err="1" smtClean="0"/>
+              <a:t>Exokernel</a:t>
+            </a:r>
+            <a:r>
+              <a:rPr lang="en-US" dirty="0" smtClean="0"/>
+              <a:t> &amp; Performance</a:t>
+            </a:r>
+            <a:endParaRPr lang="en-US" dirty="0"/>
+          </a:p>
+        </p:txBody>
+      </p:sp>
+      <p:sp>
+        <p:nvSpPr>
+          <p:cNvPr id="3" name="Text Placeholder 2"/>
+          <p:cNvSpPr>
+            <a:spLocks noGrp="1"/>
+          </p:cNvSpPr>
+          <p:nvPr>
+            <p:ph type="body" idx="1"/>
+          </p:nvPr>
+        </p:nvSpPr>
+        <p:spPr/>
+        <p:txBody>
+          <a:bodyPr/>
+          <a:lstStyle/>
+          <a:p>
+            <a:pPr algn="ctr"/>
+            <a:r>
+              <a:rPr lang="en-US" i="1" dirty="0" smtClean="0"/>
+              <a:t>End-to-End, Separation of protection &amp; mechanisms</a:t>
+            </a:r>
+            <a:endParaRPr lang="en-US" i="1" dirty="0"/>
+          </a:p>
+        </p:txBody>
+      </p:sp>
+    </p:spTree>
+    <p:extLst>
+      <p:ext uri="{BB962C8B-B14F-4D97-AF65-F5344CB8AC3E}">
+        <p14:creationId xmlns:p14="http://schemas.microsoft.com/office/powerpoint/2010/main" val="498387115"/>
+      </p:ext>
+    </p:extLst>
+  </p:cSld>
+  <p:clrMapOvr>
+    <a:masterClrMapping/>
+  </p:clrMapOvr>
+  <p:timing>
+    <p:tnLst>
+      <p:par>
+        <p:cTn id="1" dur="indefinite" restart="never" nodeType="tmRoot"/>
+      </p:par>
+    </p:tnLst>
   </p:timing>
 </p:sld>
 </file>
@@ -7435,96 +9058,6 @@
           <a:chExt cx="0" cy="0"/>
         </a:xfrm>
       </p:grpSpPr>
-      <p:sp>
-        <p:nvSpPr>
-          <p:cNvPr id="2" name="Title 1"/>
-          <p:cNvSpPr>
-            <a:spLocks noGrp="1"/>
-          </p:cNvSpPr>
-          <p:nvPr>
-            <p:ph type="title"/>
-          </p:nvPr>
-        </p:nvSpPr>
-        <p:spPr/>
-        <p:txBody>
-          <a:bodyPr/>
-          <a:lstStyle/>
-          <a:p>
-            <a:r>
-              <a:rPr lang="en-US" dirty="0" smtClean="0"/>
-              <a:t>	Haven </a:t>
-            </a:r>
-            <a:r>
-              <a:rPr lang="en-US" sz="2400" dirty="0" smtClean="0"/>
-              <a:t>- Thanks Microsoft.</a:t>
-            </a:r>
-            <a:endParaRPr lang="en-US" dirty="0"/>
-          </a:p>
-        </p:txBody>
-      </p:sp>
-      <p:sp>
-        <p:nvSpPr>
-          <p:cNvPr id="3" name="Content Placeholder 2"/>
-          <p:cNvSpPr>
-            <a:spLocks noGrp="1"/>
-          </p:cNvSpPr>
-          <p:nvPr>
-            <p:ph idx="1"/>
-          </p:nvPr>
-        </p:nvSpPr>
-        <p:spPr/>
-        <p:txBody>
-          <a:bodyPr/>
-          <a:lstStyle/>
-          <a:p>
-            <a:r>
-              <a:rPr lang="en-US" dirty="0" smtClean="0"/>
-              <a:t>Unmodified legacy applications</a:t>
-            </a:r>
-          </a:p>
-          <a:p>
-            <a:endParaRPr lang="en-US" dirty="0"/>
-          </a:p>
-          <a:p>
-            <a:r>
-              <a:rPr lang="en-US" dirty="0" smtClean="0"/>
-              <a:t>Shielded execution</a:t>
-            </a:r>
-          </a:p>
-          <a:p>
-            <a:pPr lvl="1"/>
-            <a:r>
-              <a:rPr lang="en-US" dirty="0" smtClean="0"/>
-              <a:t>Confidentiality</a:t>
-            </a:r>
-          </a:p>
-          <a:p>
-            <a:pPr lvl="1"/>
-            <a:r>
-              <a:rPr lang="en-US" dirty="0" smtClean="0"/>
-              <a:t>Integrity</a:t>
-            </a:r>
-          </a:p>
-          <a:p>
-            <a:pPr lvl="1"/>
-            <a:endParaRPr lang="en-US" dirty="0"/>
-          </a:p>
-          <a:p>
-            <a:r>
-              <a:rPr lang="en-US" dirty="0" smtClean="0"/>
-              <a:t>Leverages Intel SGX</a:t>
-            </a:r>
-          </a:p>
-          <a:p>
-            <a:pPr lvl="1"/>
-            <a:r>
-              <a:rPr lang="en-US" dirty="0" smtClean="0"/>
-              <a:t>Provides feedback.</a:t>
-            </a:r>
-            <a:endParaRPr lang="en-US" dirty="0"/>
-          </a:p>
-        </p:txBody>
-      </p:sp>
       <p:pic>
         <p:nvPicPr>
           <p:cNvPr id="4" name="Picture 3"/>
@@ -7547,8 +9080,8 @@
         </p:blipFill>
         <p:spPr>
           <a:xfrm>
-            <a:off x="6625039" y="1342800"/>
-            <a:ext cx="5254395" cy="5254395"/>
+            <a:off x="7607300" y="3509804"/>
+            <a:ext cx="3765550" cy="2824163"/>
           </a:xfrm>
           <a:prstGeom prst="rect">
             <a:avLst/>
@@ -7577,18 +9110,199 @@
         </p:blipFill>
         <p:spPr>
           <a:xfrm>
-            <a:off x="7663819" y="2797797"/>
-            <a:ext cx="3176833" cy="1172200"/>
+            <a:off x="6929754" y="5379628"/>
+            <a:ext cx="5120642" cy="1280160"/>
           </a:xfrm>
           <a:prstGeom prst="rect">
             <a:avLst/>
           </a:prstGeom>
         </p:spPr>
       </p:pic>
+      <p:sp>
+        <p:nvSpPr>
+          <p:cNvPr id="2" name="Title 1"/>
+          <p:cNvSpPr>
+            <a:spLocks noGrp="1"/>
+          </p:cNvSpPr>
+          <p:nvPr>
+            <p:ph type="title"/>
+          </p:nvPr>
+        </p:nvSpPr>
+        <p:spPr/>
+        <p:txBody>
+          <a:bodyPr/>
+          <a:lstStyle/>
+          <a:p>
+            <a:r>
+              <a:rPr lang="en-US" dirty="0" smtClean="0"/>
+              <a:t>	Motivation</a:t>
+            </a:r>
+            <a:endParaRPr lang="en-US" dirty="0"/>
+          </a:p>
+        </p:txBody>
+      </p:sp>
+      <p:sp>
+        <p:nvSpPr>
+          <p:cNvPr id="3" name="Content Placeholder 2"/>
+          <p:cNvSpPr>
+            <a:spLocks noGrp="1"/>
+          </p:cNvSpPr>
+          <p:nvPr>
+            <p:ph idx="1"/>
+          </p:nvPr>
+        </p:nvSpPr>
+        <p:spPr/>
+        <p:txBody>
+          <a:bodyPr/>
+          <a:lstStyle/>
+          <a:p>
+            <a:pPr marL="0" marR="0" lvl="0" indent="0" defTabSz="914400" eaLnBrk="1" fontAlgn="auto" latinLnBrk="0" hangingPunct="1">
+              <a:lnSpc>
+                <a:spcPct val="100000"/>
+              </a:lnSpc>
+              <a:spcBef>
+                <a:spcPts val="0"/>
+              </a:spcBef>
+              <a:spcAft>
+                <a:spcPts val="0"/>
+              </a:spcAft>
+              <a:buClrTx/>
+              <a:buSzTx/>
+              <a:buFontTx/>
+              <a:buNone/>
+              <a:tabLst/>
+              <a:defRPr/>
+            </a:pPr>
+            <a:r>
+              <a:rPr lang="en-US" u="sng" dirty="0" smtClean="0"/>
+              <a:t>Problem</a:t>
+            </a:r>
+            <a:r>
+              <a:rPr lang="en-US" dirty="0" smtClean="0"/>
+              <a:t>: </a:t>
+            </a:r>
+            <a:r>
+              <a:rPr lang="en-US" i="1" dirty="0" smtClean="0"/>
+              <a:t>No single, fixed, implementation for high-level abstractions can provide best performance for ALL applications.</a:t>
+            </a:r>
+          </a:p>
+          <a:p>
+            <a:pPr marL="0" marR="0" lvl="0" indent="0" defTabSz="914400" eaLnBrk="1" fontAlgn="auto" latinLnBrk="0" hangingPunct="1">
+              <a:lnSpc>
+                <a:spcPct val="100000"/>
+              </a:lnSpc>
+              <a:spcBef>
+                <a:spcPts val="0"/>
+              </a:spcBef>
+              <a:spcAft>
+                <a:spcPts val="0"/>
+              </a:spcAft>
+              <a:buClrTx/>
+              <a:buSzTx/>
+              <a:buFontTx/>
+              <a:buNone/>
+              <a:tabLst/>
+              <a:defRPr/>
+            </a:pPr>
+            <a:endParaRPr lang="en-US" i="1" u="sng" dirty="0"/>
+          </a:p>
+          <a:p>
+            <a:pPr marL="0" marR="0" lvl="0" indent="0" algn="ctr" defTabSz="914400" eaLnBrk="1" fontAlgn="auto" latinLnBrk="0" hangingPunct="1">
+              <a:lnSpc>
+                <a:spcPct val="100000"/>
+              </a:lnSpc>
+              <a:spcBef>
+                <a:spcPts val="0"/>
+              </a:spcBef>
+              <a:spcAft>
+                <a:spcPts val="0"/>
+              </a:spcAft>
+              <a:buClrTx/>
+              <a:buSzTx/>
+              <a:buFontTx/>
+              <a:buNone/>
+              <a:tabLst/>
+              <a:defRPr/>
+            </a:pPr>
+            <a:r>
+              <a:rPr lang="en-US" sz="4400" dirty="0" smtClean="0"/>
+              <a:t>So, what can we do now?</a:t>
+            </a:r>
+          </a:p>
+          <a:p>
+            <a:pPr marL="0" marR="0" lvl="0" indent="0" defTabSz="914400" eaLnBrk="1" fontAlgn="auto" latinLnBrk="0" hangingPunct="1">
+              <a:lnSpc>
+                <a:spcPct val="100000"/>
+              </a:lnSpc>
+              <a:spcBef>
+                <a:spcPts val="0"/>
+              </a:spcBef>
+              <a:spcAft>
+                <a:spcPts val="0"/>
+              </a:spcAft>
+              <a:buClrTx/>
+              <a:buSzTx/>
+              <a:buFontTx/>
+              <a:buNone/>
+              <a:tabLst/>
+              <a:defRPr/>
+            </a:pPr>
+            <a:endParaRPr lang="en-US" u="sng" dirty="0" smtClean="0"/>
+          </a:p>
+          <a:p>
+            <a:pPr marL="0" marR="0" lvl="0" indent="0" defTabSz="914400" eaLnBrk="1" fontAlgn="auto" latinLnBrk="0" hangingPunct="1">
+              <a:lnSpc>
+                <a:spcPct val="100000"/>
+              </a:lnSpc>
+              <a:spcBef>
+                <a:spcPts val="0"/>
+              </a:spcBef>
+              <a:spcAft>
+                <a:spcPts val="0"/>
+              </a:spcAft>
+              <a:buClrTx/>
+              <a:buSzTx/>
+              <a:buFontTx/>
+              <a:buNone/>
+              <a:tabLst/>
+              <a:defRPr/>
+            </a:pPr>
+            <a:endParaRPr lang="en-US" u="sng" dirty="0" smtClean="0"/>
+          </a:p>
+          <a:p>
+            <a:pPr marL="0" marR="0" lvl="0" indent="0" defTabSz="914400" eaLnBrk="1" fontAlgn="auto" latinLnBrk="0" hangingPunct="1">
+              <a:lnSpc>
+                <a:spcPct val="100000"/>
+              </a:lnSpc>
+              <a:spcBef>
+                <a:spcPts val="0"/>
+              </a:spcBef>
+              <a:spcAft>
+                <a:spcPts val="0"/>
+              </a:spcAft>
+              <a:buClrTx/>
+              <a:buSzTx/>
+              <a:buFontTx/>
+              <a:buNone/>
+              <a:tabLst/>
+              <a:defRPr/>
+            </a:pPr>
+            <a:r>
+              <a:rPr lang="en-US" u="sng" dirty="0" smtClean="0"/>
+              <a:t>Answer</a:t>
+            </a:r>
+            <a:r>
+              <a:rPr lang="en-US" dirty="0" smtClean="0"/>
+              <a:t>: Surrender! Just don’t try to do it!</a:t>
+            </a:r>
+            <a:endParaRPr lang="en-US" u="sng" dirty="0"/>
+          </a:p>
+        </p:txBody>
+      </p:sp>
     </p:spTree>
     <p:extLst>
       <p:ext uri="{BB962C8B-B14F-4D97-AF65-F5344CB8AC3E}">
-        <p14:creationId xmlns:p14="http://schemas.microsoft.com/office/powerpoint/2010/main" val="2087482652"/>
+        <p14:creationId xmlns:p14="http://schemas.microsoft.com/office/powerpoint/2010/main" val="1773656462"/>
       </p:ext>
     </p:extLst>
   </p:cSld>
@@ -7598,7 +9312,333 @@
   <p:timing>
     <p:tnLst>
       <p:par>
-        <p:cTn id="1" dur="indefinite" restart="never" nodeType="tmRoot"/>
+        <p:cTn id="1" dur="indefinite" restart="never" nodeType="tmRoot">
+          <p:childTnLst>
+            <p:seq concurrent="1" nextAc="seek">
+              <p:cTn id="2" dur="indefinite" nodeType="mainSeq">
+                <p:childTnLst>
+                  <p:par>
+                    <p:cTn id="3" fill="hold">
+                      <p:stCondLst>
+                        <p:cond delay="indefinite"/>
+                      </p:stCondLst>
+                      <p:childTnLst>
+                        <p:par>
+                          <p:cTn id="4" fill="hold">
+                            <p:stCondLst>
+                              <p:cond delay="0"/>
+                            </p:stCondLst>
+                            <p:childTnLst>
+                              <p:par>
+                                <p:cTn id="5" presetID="1" presetClass="entr" presetSubtype="0" fill="hold" nodeType="clickEffect">
+                                  <p:stCondLst>
+                                    <p:cond delay="0"/>
+                                  </p:stCondLst>
+                                  <p:childTnLst>
+                                    <p:set>
+                                      <p:cBhvr>
+                                        <p:cTn id="6" dur="1" fill="hold">
+                                          <p:stCondLst>
+                                            <p:cond delay="0"/>
+                                          </p:stCondLst>
+                                        </p:cTn>
+                                        <p:tgtEl>
+                                          <p:spTgt spid="4"/>
+                                        </p:tgtEl>
+                                        <p:attrNameLst>
+                                          <p:attrName>style.visibility</p:attrName>
+                                        </p:attrNameLst>
+                                      </p:cBhvr>
+                                      <p:to>
+                                        <p:strVal val="visible"/>
+                                      </p:to>
+                                    </p:set>
+                                  </p:childTnLst>
+                                </p:cTn>
+                              </p:par>
+                              <p:par>
+                                <p:cTn id="7" presetID="1" presetClass="entr" presetSubtype="0" fill="hold" nodeType="withEffect">
+                                  <p:stCondLst>
+                                    <p:cond delay="0"/>
+                                  </p:stCondLst>
+                                  <p:childTnLst>
+                                    <p:set>
+                                      <p:cBhvr>
+                                        <p:cTn id="8" dur="1" fill="hold">
+                                          <p:stCondLst>
+                                            <p:cond delay="0"/>
+                                          </p:stCondLst>
+                                        </p:cTn>
+                                        <p:tgtEl>
+                                          <p:spTgt spid="3">
+                                            <p:txEl>
+                                              <p:pRg st="5" end="5"/>
+                                            </p:txEl>
+                                          </p:spTgt>
+                                        </p:tgtEl>
+                                        <p:attrNameLst>
+                                          <p:attrName>style.visibility</p:attrName>
+                                        </p:attrNameLst>
+                                      </p:cBhvr>
+                                      <p:to>
+                                        <p:strVal val="visible"/>
+                                      </p:to>
+                                    </p:set>
+                                  </p:childTnLst>
+                                </p:cTn>
+                              </p:par>
+                              <p:par>
+                                <p:cTn id="9" presetID="1" presetClass="entr" presetSubtype="0" fill="hold" nodeType="withEffect">
+                                  <p:stCondLst>
+                                    <p:cond delay="0"/>
+                                  </p:stCondLst>
+                                  <p:childTnLst>
+                                    <p:set>
+                                      <p:cBhvr>
+                                        <p:cTn id="10" dur="1" fill="hold">
+                                          <p:stCondLst>
+                                            <p:cond delay="0"/>
+                                          </p:stCondLst>
+                                        </p:cTn>
+                                        <p:tgtEl>
+                                          <p:spTgt spid="5"/>
+                                        </p:tgtEl>
+                                        <p:attrNameLst>
+                                          <p:attrName>style.visibility</p:attrName>
+                                        </p:attrNameLst>
+                                      </p:cBhvr>
+                                      <p:to>
+                                        <p:strVal val="visible"/>
+                                      </p:to>
+                                    </p:set>
+                                  </p:childTnLst>
+                                </p:cTn>
+                              </p:par>
+                            </p:childTnLst>
+                          </p:cTn>
+                        </p:par>
+                      </p:childTnLst>
+                    </p:cTn>
+                  </p:par>
+                </p:childTnLst>
+              </p:cTn>
+              <p:prevCondLst>
+                <p:cond evt="onPrev" delay="0">
+                  <p:tgtEl>
+                    <p:sldTgt/>
+                  </p:tgtEl>
+                </p:cond>
+              </p:prevCondLst>
+              <p:nextCondLst>
+                <p:cond evt="onNext" delay="0">
+                  <p:tgtEl>
+                    <p:sldTgt/>
+                  </p:tgtEl>
+                </p:cond>
+              </p:nextCondLst>
+            </p:seq>
+          </p:childTnLst>
+        </p:cTn>
+      </p:par>
+    </p:tnLst>
+  </p:timing>
+</p:sld>
+</file>
+
+<file path=ppt/slides/slide9.xml><?xml version="1.0" encoding="utf-8"?>
+<p:sld xmlns:a="http://schemas.openxmlformats.org/drawingml/2006/main" xmlns:r="http://schemas.openxmlformats.org/officeDocument/2006/relationships" xmlns:p="http://schemas.openxmlformats.org/presentationml/2006/main">
+  <p:cSld>
+    <p:spTree>
+      <p:nvGrpSpPr>
+        <p:cNvPr id="1" name=""/>
+        <p:cNvGrpSpPr/>
+        <p:nvPr/>
+      </p:nvGrpSpPr>
+      <p:grpSpPr>
+        <a:xfrm>
+          <a:off x="0" y="0"/>
+          <a:ext cx="0" cy="0"/>
+          <a:chOff x="0" y="0"/>
+          <a:chExt cx="0" cy="0"/>
+        </a:xfrm>
+      </p:grpSpPr>
+      <p:sp>
+        <p:nvSpPr>
+          <p:cNvPr id="2" name="Title 1"/>
+          <p:cNvSpPr>
+            <a:spLocks noGrp="1"/>
+          </p:cNvSpPr>
+          <p:nvPr>
+            <p:ph type="title"/>
+          </p:nvPr>
+        </p:nvSpPr>
+        <p:spPr/>
+        <p:txBody>
+          <a:bodyPr/>
+          <a:lstStyle/>
+          <a:p>
+            <a:r>
+              <a:rPr lang="en-US" dirty="0" smtClean="0"/>
+              <a:t>	</a:t>
+            </a:r>
+            <a:r>
+              <a:rPr lang="en-US" dirty="0" err="1" smtClean="0"/>
+              <a:t>Exokernel</a:t>
+            </a:r>
+            <a:r>
+              <a:rPr lang="en-US" dirty="0"/>
+              <a:t> </a:t>
+            </a:r>
+            <a:r>
+              <a:rPr lang="en-US" dirty="0" smtClean="0"/>
+              <a:t>Architecture</a:t>
+            </a:r>
+            <a:endParaRPr lang="en-US" dirty="0"/>
+          </a:p>
+        </p:txBody>
+      </p:sp>
+      <p:pic>
+        <p:nvPicPr>
+          <p:cNvPr id="5" name="Picture 4"/>
+          <p:cNvPicPr>
+            <a:picLocks noChangeAspect="1"/>
+          </p:cNvPicPr>
+          <p:nvPr/>
+        </p:nvPicPr>
+        <p:blipFill>
+          <a:blip r:embed="rId2">
+            <a:extLst>
+              <a:ext uri="{28A0092B-C50C-407E-A947-70E740481C1C}">
+                <a14:useLocalDpi xmlns:a14="http://schemas.microsoft.com/office/drawing/2010/main" val="0"/>
+              </a:ext>
+            </a:extLst>
+          </a:blip>
+          <a:stretch>
+            <a:fillRect/>
+          </a:stretch>
+        </p:blipFill>
+        <p:spPr>
+          <a:xfrm>
+            <a:off x="1008380" y="1610360"/>
+            <a:ext cx="3432048" cy="5035296"/>
+          </a:xfrm>
+          <a:prstGeom prst="rect">
+            <a:avLst/>
+          </a:prstGeom>
+        </p:spPr>
+      </p:pic>
+      <p:pic>
+        <p:nvPicPr>
+          <p:cNvPr id="6" name="Picture 5"/>
+          <p:cNvPicPr>
+            <a:picLocks noChangeAspect="1"/>
+          </p:cNvPicPr>
+          <p:nvPr/>
+        </p:nvPicPr>
+        <p:blipFill>
+          <a:blip r:embed="rId3">
+            <a:extLst>
+              <a:ext uri="{28A0092B-C50C-407E-A947-70E740481C1C}">
+                <a14:useLocalDpi xmlns:a14="http://schemas.microsoft.com/office/drawing/2010/main" val="0"/>
+              </a:ext>
+            </a:extLst>
+          </a:blip>
+          <a:stretch>
+            <a:fillRect/>
+          </a:stretch>
+        </p:blipFill>
+        <p:spPr>
+          <a:xfrm>
+            <a:off x="6342380" y="1610360"/>
+            <a:ext cx="3529584" cy="5035296"/>
+          </a:xfrm>
+          <a:prstGeom prst="rect">
+            <a:avLst/>
+          </a:prstGeom>
+        </p:spPr>
+      </p:pic>
+    </p:spTree>
+    <p:extLst>
+      <p:ext uri="{BB962C8B-B14F-4D97-AF65-F5344CB8AC3E}">
+        <p14:creationId xmlns:p14="http://schemas.microsoft.com/office/powerpoint/2010/main" val="697650945"/>
+      </p:ext>
+    </p:extLst>
+  </p:cSld>
+  <p:clrMapOvr>
+    <a:masterClrMapping/>
+  </p:clrMapOvr>
+  <p:timing>
+    <p:tnLst>
+      <p:par>
+        <p:cTn id="1" dur="indefinite" restart="never" nodeType="tmRoot">
+          <p:childTnLst>
+            <p:seq concurrent="1" nextAc="seek">
+              <p:cTn id="2" dur="indefinite" nodeType="mainSeq">
+                <p:childTnLst>
+                  <p:par>
+                    <p:cTn id="3" fill="hold">
+                      <p:stCondLst>
+                        <p:cond delay="indefinite"/>
+                      </p:stCondLst>
+                      <p:childTnLst>
+                        <p:par>
+                          <p:cTn id="4" fill="hold">
+                            <p:stCondLst>
+                              <p:cond delay="0"/>
+                            </p:stCondLst>
+                            <p:childTnLst>
+                              <p:par>
+                                <p:cTn id="5" presetID="1" presetClass="entr" presetSubtype="0" fill="hold" nodeType="clickEffect">
+                                  <p:stCondLst>
+                                    <p:cond delay="0"/>
+                                  </p:stCondLst>
+                                  <p:childTnLst>
+                                    <p:set>
+                                      <p:cBhvr>
+                                        <p:cTn id="6" dur="1" fill="hold">
+                                          <p:stCondLst>
+                                            <p:cond delay="0"/>
+                                          </p:stCondLst>
+                                        </p:cTn>
+                                        <p:tgtEl>
+                                          <p:spTgt spid="6"/>
+                                        </p:tgtEl>
+                                        <p:attrNameLst>
+                                          <p:attrName>style.visibility</p:attrName>
+                                        </p:attrNameLst>
+                                      </p:cBhvr>
+                                      <p:to>
+                                        <p:strVal val="visible"/>
+                                      </p:to>
+                                    </p:set>
+                                  </p:childTnLst>
+                                </p:cTn>
+                              </p:par>
+                            </p:childTnLst>
+                          </p:cTn>
+                        </p:par>
+                      </p:childTnLst>
+                    </p:cTn>
+                  </p:par>
+                </p:childTnLst>
+              </p:cTn>
+              <p:prevCondLst>
+                <p:cond evt="onPrev" delay="0">
+                  <p:tgtEl>
+                    <p:sldTgt/>
+                  </p:tgtEl>
+                </p:cond>
+              </p:prevCondLst>
+              <p:nextCondLst>
+                <p:cond evt="onNext" delay="0">
+                  <p:tgtEl>
+                    <p:sldTgt/>
+                  </p:tgtEl>
+                </p:cond>
+              </p:nextCondLst>
+            </p:seq>
+          </p:childTnLst>
+        </p:cTn>
       </p:par>
     </p:tnLst>
   </p:timing>

--- a/CE_presentation.pptx
+++ b/CE_presentation.pptx
@@ -16,8 +16,8 @@
     <p:sldId id="266" r:id="rId7"/>
     <p:sldId id="267" r:id="rId8"/>
     <p:sldId id="268" r:id="rId9"/>
-    <p:sldId id="272" r:id="rId10"/>
-    <p:sldId id="269" r:id="rId11"/>
+    <p:sldId id="269" r:id="rId10"/>
+    <p:sldId id="272" r:id="rId11"/>
     <p:sldId id="270" r:id="rId12"/>
     <p:sldId id="271" r:id="rId13"/>
     <p:sldId id="262" r:id="rId14"/>
@@ -212,7 +212,7 @@
           <a:p>
             <a:fld id="{79C7D925-ACBC-A942-AEA8-AF2DA2D0E5F6}" type="datetimeFigureOut">
               <a:rPr lang="en-US" smtClean="0"/>
-              <a:t>6/21/17</a:t>
+              <a:t>6/22/17</a:t>
             </a:fld>
             <a:endParaRPr lang="en-US"/>
           </a:p>
@@ -872,7 +872,7 @@
           <a:p>
             <a:fld id="{C474F784-3F61-9E4C-93C7-1B314C5504FC}" type="datetimeFigureOut">
               <a:rPr lang="en-US" smtClean="0"/>
-              <a:t>6/21/17</a:t>
+              <a:t>6/22/17</a:t>
             </a:fld>
             <a:endParaRPr lang="en-US"/>
           </a:p>
@@ -1042,7 +1042,7 @@
           <a:p>
             <a:fld id="{C474F784-3F61-9E4C-93C7-1B314C5504FC}" type="datetimeFigureOut">
               <a:rPr lang="en-US" smtClean="0"/>
-              <a:t>6/21/17</a:t>
+              <a:t>6/22/17</a:t>
             </a:fld>
             <a:endParaRPr lang="en-US"/>
           </a:p>
@@ -1222,7 +1222,7 @@
           <a:p>
             <a:fld id="{C474F784-3F61-9E4C-93C7-1B314C5504FC}" type="datetimeFigureOut">
               <a:rPr lang="en-US" smtClean="0"/>
-              <a:t>6/21/17</a:t>
+              <a:t>6/22/17</a:t>
             </a:fld>
             <a:endParaRPr lang="en-US"/>
           </a:p>
@@ -1397,7 +1397,7 @@
           <a:p>
             <a:fld id="{C474F784-3F61-9E4C-93C7-1B314C5504FC}" type="datetimeFigureOut">
               <a:rPr lang="en-US" smtClean="0"/>
-              <a:t>6/21/17</a:t>
+              <a:t>6/22/17</a:t>
             </a:fld>
             <a:endParaRPr lang="en-US"/>
           </a:p>
@@ -1643,7 +1643,7 @@
           <a:p>
             <a:fld id="{C474F784-3F61-9E4C-93C7-1B314C5504FC}" type="datetimeFigureOut">
               <a:rPr lang="en-US" smtClean="0"/>
-              <a:t>6/21/17</a:t>
+              <a:t>6/22/17</a:t>
             </a:fld>
             <a:endParaRPr lang="en-US"/>
           </a:p>
@@ -1875,7 +1875,7 @@
           <a:p>
             <a:fld id="{C474F784-3F61-9E4C-93C7-1B314C5504FC}" type="datetimeFigureOut">
               <a:rPr lang="en-US" smtClean="0"/>
-              <a:t>6/21/17</a:t>
+              <a:t>6/22/17</a:t>
             </a:fld>
             <a:endParaRPr lang="en-US"/>
           </a:p>
@@ -2242,7 +2242,7 @@
           <a:p>
             <a:fld id="{C474F784-3F61-9E4C-93C7-1B314C5504FC}" type="datetimeFigureOut">
               <a:rPr lang="en-US" smtClean="0"/>
-              <a:t>6/21/17</a:t>
+              <a:t>6/22/17</a:t>
             </a:fld>
             <a:endParaRPr lang="en-US"/>
           </a:p>
@@ -2360,7 +2360,7 @@
           <a:p>
             <a:fld id="{C474F784-3F61-9E4C-93C7-1B314C5504FC}" type="datetimeFigureOut">
               <a:rPr lang="en-US" smtClean="0"/>
-              <a:t>6/21/17</a:t>
+              <a:t>6/22/17</a:t>
             </a:fld>
             <a:endParaRPr lang="en-US"/>
           </a:p>
@@ -2455,7 +2455,7 @@
           <a:p>
             <a:fld id="{C474F784-3F61-9E4C-93C7-1B314C5504FC}" type="datetimeFigureOut">
               <a:rPr lang="en-US" smtClean="0"/>
-              <a:t>6/21/17</a:t>
+              <a:t>6/22/17</a:t>
             </a:fld>
             <a:endParaRPr lang="en-US"/>
           </a:p>
@@ -2732,7 +2732,7 @@
           <a:p>
             <a:fld id="{C474F784-3F61-9E4C-93C7-1B314C5504FC}" type="datetimeFigureOut">
               <a:rPr lang="en-US" smtClean="0"/>
-              <a:t>6/21/17</a:t>
+              <a:t>6/22/17</a:t>
             </a:fld>
             <a:endParaRPr lang="en-US"/>
           </a:p>
@@ -2985,7 +2985,7 @@
           <a:p>
             <a:fld id="{C474F784-3F61-9E4C-93C7-1B314C5504FC}" type="datetimeFigureOut">
               <a:rPr lang="en-US" smtClean="0"/>
-              <a:t>6/21/17</a:t>
+              <a:t>6/22/17</a:t>
             </a:fld>
             <a:endParaRPr lang="en-US"/>
           </a:p>
@@ -3204,7 +3204,7 @@
           <a:p>
             <a:fld id="{C474F784-3F61-9E4C-93C7-1B314C5504FC}" type="datetimeFigureOut">
               <a:rPr lang="en-US" smtClean="0"/>
-              <a:t>6/21/17</a:t>
+              <a:t>6/22/17</a:t>
             </a:fld>
             <a:endParaRPr lang="en-US"/>
           </a:p>
@@ -3770,176 +3770,81 @@
               <a:t>Exokernel</a:t>
             </a:r>
             <a:r>
+              <a:rPr lang="en-US" dirty="0"/>
+              <a:t> </a:t>
+            </a:r>
+            <a:r>
               <a:rPr lang="en-US" dirty="0" smtClean="0"/>
-              <a:t> Design</a:t>
+              <a:t>Architecture</a:t>
             </a:r>
             <a:endParaRPr lang="en-US" dirty="0"/>
           </a:p>
         </p:txBody>
       </p:sp>
-      <p:sp>
-        <p:nvSpPr>
-          <p:cNvPr id="3" name="Text Placeholder 2"/>
-          <p:cNvSpPr>
-            <a:spLocks noGrp="1"/>
-          </p:cNvSpPr>
-          <p:nvPr>
-            <p:ph type="body" idx="1"/>
-          </p:nvPr>
-        </p:nvSpPr>
+      <p:pic>
+        <p:nvPicPr>
+          <p:cNvPr id="5" name="Picture 4"/>
+          <p:cNvPicPr>
+            <a:picLocks noChangeAspect="1"/>
+          </p:cNvPicPr>
+          <p:nvPr/>
+        </p:nvPicPr>
+        <p:blipFill>
+          <a:blip r:embed="rId2">
+            <a:extLst>
+              <a:ext uri="{28A0092B-C50C-407E-A947-70E740481C1C}">
+                <a14:useLocalDpi xmlns:a14="http://schemas.microsoft.com/office/drawing/2010/main" val="0"/>
+              </a:ext>
+            </a:extLst>
+          </a:blip>
+          <a:stretch>
+            <a:fillRect/>
+          </a:stretch>
+        </p:blipFill>
         <p:spPr>
           <a:xfrm>
-            <a:off x="839788" y="1349693"/>
-            <a:ext cx="5157787" cy="823912"/>
-          </a:xfrm>
-        </p:spPr>
-        <p:txBody>
-          <a:bodyPr/>
-          <a:lstStyle/>
-          <a:p>
-            <a:r>
-              <a:rPr lang="en-US" dirty="0" smtClean="0"/>
-              <a:t>Principle</a:t>
-            </a:r>
-            <a:endParaRPr lang="en-US" dirty="0"/>
-          </a:p>
-        </p:txBody>
-      </p:sp>
-      <p:sp>
-        <p:nvSpPr>
-          <p:cNvPr id="4" name="Content Placeholder 3"/>
-          <p:cNvSpPr>
-            <a:spLocks noGrp="1"/>
-          </p:cNvSpPr>
-          <p:nvPr>
-            <p:ph sz="half" idx="2"/>
-          </p:nvPr>
-        </p:nvSpPr>
+            <a:off x="1008380" y="1610360"/>
+            <a:ext cx="3432048" cy="5035296"/>
+          </a:xfrm>
+          <a:prstGeom prst="rect">
+            <a:avLst/>
+          </a:prstGeom>
+        </p:spPr>
+      </p:pic>
+      <p:pic>
+        <p:nvPicPr>
+          <p:cNvPr id="6" name="Picture 5"/>
+          <p:cNvPicPr>
+            <a:picLocks noChangeAspect="1"/>
+          </p:cNvPicPr>
+          <p:nvPr/>
+        </p:nvPicPr>
+        <p:blipFill>
+          <a:blip r:embed="rId3">
+            <a:extLst>
+              <a:ext uri="{28A0092B-C50C-407E-A947-70E740481C1C}">
+                <a14:useLocalDpi xmlns:a14="http://schemas.microsoft.com/office/drawing/2010/main" val="0"/>
+              </a:ext>
+            </a:extLst>
+          </a:blip>
+          <a:stretch>
+            <a:fillRect/>
+          </a:stretch>
+        </p:blipFill>
         <p:spPr>
           <a:xfrm>
-            <a:off x="839788" y="2173605"/>
-            <a:ext cx="5157787" cy="3895725"/>
-          </a:xfrm>
-        </p:spPr>
-        <p:txBody>
-          <a:bodyPr>
-            <a:normAutofit/>
-          </a:bodyPr>
-          <a:lstStyle/>
-          <a:p>
-            <a:r>
-              <a:rPr lang="en-US" dirty="0" smtClean="0"/>
-              <a:t>End-to-End</a:t>
-            </a:r>
-          </a:p>
-          <a:p>
-            <a:endParaRPr lang="en-US" dirty="0" smtClean="0"/>
-          </a:p>
-          <a:p>
-            <a:r>
-              <a:rPr lang="en-US" dirty="0" smtClean="0"/>
-              <a:t>Sep. protection &amp; mechanisms</a:t>
-            </a:r>
-          </a:p>
-          <a:p>
-            <a:endParaRPr lang="en-US" dirty="0"/>
-          </a:p>
-          <a:p>
-            <a:r>
-              <a:rPr lang="en-US" dirty="0" smtClean="0"/>
-              <a:t>Avoid management</a:t>
-            </a:r>
-            <a:endParaRPr lang="en-US" dirty="0"/>
-          </a:p>
-        </p:txBody>
-      </p:sp>
-      <p:sp>
-        <p:nvSpPr>
-          <p:cNvPr id="5" name="Text Placeholder 4"/>
-          <p:cNvSpPr>
-            <a:spLocks noGrp="1"/>
-          </p:cNvSpPr>
-          <p:nvPr>
-            <p:ph type="body" sz="quarter" idx="3"/>
-          </p:nvPr>
-        </p:nvSpPr>
-        <p:spPr>
-          <a:xfrm>
-            <a:off x="6172200" y="1349693"/>
-            <a:ext cx="5183188" cy="823912"/>
-          </a:xfrm>
-        </p:spPr>
-        <p:txBody>
-          <a:bodyPr/>
-          <a:lstStyle/>
-          <a:p>
-            <a:r>
-              <a:rPr lang="en-US" dirty="0" smtClean="0"/>
-              <a:t>Translates to</a:t>
-            </a:r>
-            <a:r>
-              <a:rPr lang="mr-IN" dirty="0" smtClean="0"/>
-              <a:t>…</a:t>
-            </a:r>
-            <a:endParaRPr lang="en-US" dirty="0"/>
-          </a:p>
-        </p:txBody>
-      </p:sp>
-      <p:sp>
-        <p:nvSpPr>
-          <p:cNvPr id="6" name="Content Placeholder 5"/>
-          <p:cNvSpPr>
-            <a:spLocks noGrp="1"/>
-          </p:cNvSpPr>
-          <p:nvPr>
-            <p:ph sz="quarter" idx="4"/>
-          </p:nvPr>
-        </p:nvSpPr>
-        <p:spPr>
-          <a:xfrm>
-            <a:off x="6172200" y="2173605"/>
-            <a:ext cx="5852160" cy="3632835"/>
-          </a:xfrm>
-        </p:spPr>
-        <p:txBody>
-          <a:bodyPr/>
-          <a:lstStyle/>
-          <a:p>
-            <a:r>
-              <a:rPr lang="en-US" dirty="0" smtClean="0"/>
-              <a:t>App-level physical resource </a:t>
-            </a:r>
-            <a:r>
-              <a:rPr lang="en-US" dirty="0" err="1" smtClean="0"/>
-              <a:t>mgmt</a:t>
-            </a:r>
-            <a:endParaRPr lang="en-US" dirty="0" smtClean="0"/>
-          </a:p>
-          <a:p>
-            <a:endParaRPr lang="en-US" dirty="0" smtClean="0"/>
-          </a:p>
-          <a:p>
-            <a:r>
-              <a:rPr lang="en-US" dirty="0" smtClean="0"/>
-              <a:t>Securely expose all hardware</a:t>
-            </a:r>
-          </a:p>
-          <a:p>
-            <a:endParaRPr lang="en-US" dirty="0" smtClean="0"/>
-          </a:p>
-          <a:p>
-            <a:r>
-              <a:rPr lang="en-US" dirty="0" smtClean="0"/>
-              <a:t>Use physical names</a:t>
-            </a:r>
-            <a:endParaRPr lang="en-US" dirty="0"/>
-          </a:p>
-        </p:txBody>
-      </p:sp>
+            <a:off x="6342380" y="1610360"/>
+            <a:ext cx="3529584" cy="5035296"/>
+          </a:xfrm>
+          <a:prstGeom prst="rect">
+            <a:avLst/>
+          </a:prstGeom>
+        </p:spPr>
+      </p:pic>
     </p:spTree>
     <p:extLst>
       <p:ext uri="{BB962C8B-B14F-4D97-AF65-F5344CB8AC3E}">
-        <p14:creationId xmlns:p14="http://schemas.microsoft.com/office/powerpoint/2010/main" val="621910512"/>
+        <p14:creationId xmlns:p14="http://schemas.microsoft.com/office/powerpoint/2010/main" val="697650945"/>
       </p:ext>
     </p:extLst>
   </p:cSld>
@@ -3949,7 +3854,75 @@
   <p:timing>
     <p:tnLst>
       <p:par>
-        <p:cTn id="1" dur="indefinite" restart="never" nodeType="tmRoot"/>
+        <p:cTn id="1" dur="indefinite" restart="never" nodeType="tmRoot">
+          <p:childTnLst>
+            <p:seq concurrent="1" nextAc="seek">
+              <p:cTn id="2" dur="indefinite" nodeType="mainSeq">
+                <p:childTnLst>
+                  <p:par>
+                    <p:cTn id="3" fill="hold">
+                      <p:stCondLst>
+                        <p:cond delay="indefinite"/>
+                      </p:stCondLst>
+                      <p:childTnLst>
+                        <p:par>
+                          <p:cTn id="4" fill="hold">
+                            <p:stCondLst>
+                              <p:cond delay="0"/>
+                            </p:stCondLst>
+                            <p:childTnLst>
+                              <p:par>
+                                <p:cTn id="5" presetID="1" presetClass="entr" presetSubtype="0" fill="hold" nodeType="clickEffect">
+                                  <p:stCondLst>
+                                    <p:cond delay="0"/>
+                                  </p:stCondLst>
+                                  <p:childTnLst>
+                                    <p:set>
+                                      <p:cBhvr>
+                                        <p:cTn id="6" dur="1" fill="hold">
+                                          <p:stCondLst>
+                                            <p:cond delay="0"/>
+                                          </p:stCondLst>
+                                        </p:cTn>
+                                        <p:tgtEl>
+                                          <p:spTgt spid="6"/>
+                                        </p:tgtEl>
+                                        <p:attrNameLst>
+                                          <p:attrName>style.visibility</p:attrName>
+                                        </p:attrNameLst>
+                                      </p:cBhvr>
+                                      <p:to>
+                                        <p:strVal val="visible"/>
+                                      </p:to>
+                                    </p:set>
+                                  </p:childTnLst>
+                                </p:cTn>
+                              </p:par>
+                            </p:childTnLst>
+                          </p:cTn>
+                        </p:par>
+                      </p:childTnLst>
+                    </p:cTn>
+                  </p:par>
+                </p:childTnLst>
+              </p:cTn>
+              <p:prevCondLst>
+                <p:cond evt="onPrev" delay="0">
+                  <p:tgtEl>
+                    <p:sldTgt/>
+                  </p:tgtEl>
+                </p:cond>
+              </p:prevCondLst>
+              <p:nextCondLst>
+                <p:cond evt="onNext" delay="0">
+                  <p:tgtEl>
+                    <p:sldTgt/>
+                  </p:tgtEl>
+                </p:cond>
+              </p:nextCondLst>
+            </p:seq>
+          </p:childTnLst>
+        </p:cTn>
       </p:par>
     </p:tnLst>
   </p:timing>
@@ -4122,7 +4095,7 @@
         </p:blipFill>
         <p:spPr>
           <a:xfrm>
-            <a:off x="1192530" y="3794761"/>
+            <a:off x="838200" y="3991027"/>
             <a:ext cx="8749426" cy="2403120"/>
           </a:xfrm>
           <a:prstGeom prst="rect">
@@ -4192,7 +4165,11 @@
             </a:r>
             <a:r>
               <a:rPr lang="en-US" dirty="0" smtClean="0"/>
-              <a:t> Performance</a:t>
+              <a:t> </a:t>
+            </a:r>
+            <a:r>
+              <a:rPr lang="en-US" dirty="0" smtClean="0"/>
+              <a:t>Discussion</a:t>
             </a:r>
             <a:endParaRPr lang="en-US" dirty="0"/>
           </a:p>
@@ -4200,12 +4177,12 @@
       </p:sp>
       <p:sp>
         <p:nvSpPr>
-          <p:cNvPr id="3" name="Content Placeholder 2"/>
-          <p:cNvSpPr>
-            <a:spLocks noGrp="1"/>
-          </p:cNvSpPr>
-          <p:nvPr>
-            <p:ph idx="1"/>
+          <p:cNvPr id="15" name="Text Placeholder 14"/>
+          <p:cNvSpPr>
+            <a:spLocks noGrp="1"/>
+          </p:cNvSpPr>
+          <p:nvPr>
+            <p:ph type="body" idx="1"/>
           </p:nvPr>
         </p:nvSpPr>
         <p:spPr/>
@@ -4213,10 +4190,150 @@
           <a:bodyPr/>
           <a:lstStyle/>
           <a:p>
-            <a:endParaRPr lang="en-US"/>
-          </a:p>
-        </p:txBody>
-      </p:sp>
+            <a:r>
+              <a:rPr lang="en-US" dirty="0" smtClean="0"/>
+              <a:t>Good</a:t>
+            </a:r>
+            <a:endParaRPr lang="en-US" dirty="0"/>
+          </a:p>
+        </p:txBody>
+      </p:sp>
+      <p:sp>
+        <p:nvSpPr>
+          <p:cNvPr id="10" name="Content Placeholder 9"/>
+          <p:cNvSpPr>
+            <a:spLocks noGrp="1"/>
+          </p:cNvSpPr>
+          <p:nvPr>
+            <p:ph sz="half" idx="2"/>
+          </p:nvPr>
+        </p:nvSpPr>
+        <p:spPr/>
+        <p:txBody>
+          <a:bodyPr/>
+          <a:lstStyle/>
+          <a:p>
+            <a:r>
+              <a:rPr lang="en-US" dirty="0" smtClean="0"/>
+              <a:t>Efficient.</a:t>
+            </a:r>
+          </a:p>
+          <a:p>
+            <a:endParaRPr lang="en-US" dirty="0"/>
+          </a:p>
+          <a:p>
+            <a:r>
+              <a:rPr lang="en-US" dirty="0" smtClean="0"/>
+              <a:t>Clear separation between host/guest.</a:t>
+            </a:r>
+          </a:p>
+          <a:p>
+            <a:endParaRPr lang="en-US" dirty="0"/>
+          </a:p>
+          <a:p>
+            <a:r>
+              <a:rPr lang="en-US" dirty="0" smtClean="0"/>
+              <a:t>Close to cloud logic.</a:t>
+            </a:r>
+            <a:endParaRPr lang="en-US" dirty="0"/>
+          </a:p>
+        </p:txBody>
+      </p:sp>
+      <p:sp>
+        <p:nvSpPr>
+          <p:cNvPr id="16" name="Text Placeholder 15"/>
+          <p:cNvSpPr>
+            <a:spLocks noGrp="1"/>
+          </p:cNvSpPr>
+          <p:nvPr>
+            <p:ph type="body" sz="quarter" idx="3"/>
+          </p:nvPr>
+        </p:nvSpPr>
+        <p:spPr/>
+        <p:txBody>
+          <a:bodyPr/>
+          <a:lstStyle/>
+          <a:p>
+            <a:r>
+              <a:rPr lang="en-US" dirty="0" smtClean="0"/>
+              <a:t>But</a:t>
+            </a:r>
+            <a:r>
+              <a:rPr lang="mr-IN" dirty="0" smtClean="0"/>
+              <a:t>…</a:t>
+            </a:r>
+            <a:endParaRPr lang="en-US" dirty="0"/>
+          </a:p>
+        </p:txBody>
+      </p:sp>
+      <p:sp>
+        <p:nvSpPr>
+          <p:cNvPr id="11" name="Content Placeholder 10"/>
+          <p:cNvSpPr>
+            <a:spLocks noGrp="1"/>
+          </p:cNvSpPr>
+          <p:nvPr>
+            <p:ph sz="quarter" idx="4"/>
+          </p:nvPr>
+        </p:nvSpPr>
+        <p:spPr/>
+        <p:txBody>
+          <a:bodyPr/>
+          <a:lstStyle/>
+          <a:p>
+            <a:r>
+              <a:rPr lang="en-US" dirty="0" smtClean="0"/>
+              <a:t>Heterogeneous hardware makes it unpractical.</a:t>
+            </a:r>
+          </a:p>
+          <a:p>
+            <a:endParaRPr lang="en-US" dirty="0"/>
+          </a:p>
+          <a:p>
+            <a:pPr marL="0" indent="0" algn="ctr">
+              <a:buNone/>
+            </a:pPr>
+            <a:r>
+              <a:rPr lang="en-US" sz="4400" b="1" dirty="0" smtClean="0">
+                <a:solidFill>
+                  <a:schemeClr val="accent2"/>
+                </a:solidFill>
+              </a:rPr>
+              <a:t>Virtualization!</a:t>
+            </a:r>
+          </a:p>
+        </p:txBody>
+      </p:sp>
+      <p:pic>
+        <p:nvPicPr>
+          <p:cNvPr id="17" name="Picture 16"/>
+          <p:cNvPicPr>
+            <a:picLocks noChangeAspect="1"/>
+          </p:cNvPicPr>
+          <p:nvPr/>
+        </p:nvPicPr>
+        <p:blipFill>
+          <a:blip r:embed="rId2">
+            <a:extLst>
+              <a:ext uri="{28A0092B-C50C-407E-A947-70E740481C1C}">
+                <a14:useLocalDpi xmlns:a14="http://schemas.microsoft.com/office/drawing/2010/main" val="0"/>
+              </a:ext>
+            </a:extLst>
+          </a:blip>
+          <a:stretch>
+            <a:fillRect/>
+          </a:stretch>
+        </p:blipFill>
+        <p:spPr>
+          <a:xfrm>
+            <a:off x="6710680" y="4636923"/>
+            <a:ext cx="3084830" cy="2221077"/>
+          </a:xfrm>
+          <a:prstGeom prst="rect">
+            <a:avLst/>
+          </a:prstGeom>
+        </p:spPr>
+      </p:pic>
     </p:spTree>
     <p:extLst>
       <p:ext uri="{BB962C8B-B14F-4D97-AF65-F5344CB8AC3E}">
@@ -4230,9 +4347,165 @@
   <p:timing>
     <p:tnLst>
       <p:par>
-        <p:cTn id="1" dur="indefinite" restart="never" nodeType="tmRoot"/>
+        <p:cTn id="1" dur="indefinite" restart="never" nodeType="tmRoot">
+          <p:childTnLst>
+            <p:seq concurrent="1" nextAc="seek">
+              <p:cTn id="2" dur="indefinite" nodeType="mainSeq">
+                <p:childTnLst>
+                  <p:par>
+                    <p:cTn id="3" fill="hold">
+                      <p:stCondLst>
+                        <p:cond delay="indefinite"/>
+                      </p:stCondLst>
+                      <p:childTnLst>
+                        <p:par>
+                          <p:cTn id="4" fill="hold">
+                            <p:stCondLst>
+                              <p:cond delay="0"/>
+                            </p:stCondLst>
+                            <p:childTnLst>
+                              <p:par>
+                                <p:cTn id="5" presetID="1" presetClass="entr" presetSubtype="0" fill="hold" grpId="0" nodeType="clickEffect">
+                                  <p:stCondLst>
+                                    <p:cond delay="0"/>
+                                  </p:stCondLst>
+                                  <p:childTnLst>
+                                    <p:set>
+                                      <p:cBhvr>
+                                        <p:cTn id="6" dur="1" fill="hold">
+                                          <p:stCondLst>
+                                            <p:cond delay="0"/>
+                                          </p:stCondLst>
+                                        </p:cTn>
+                                        <p:tgtEl>
+                                          <p:spTgt spid="16">
+                                            <p:txEl>
+                                              <p:pRg st="0" end="0"/>
+                                            </p:txEl>
+                                          </p:spTgt>
+                                        </p:tgtEl>
+                                        <p:attrNameLst>
+                                          <p:attrName>style.visibility</p:attrName>
+                                        </p:attrNameLst>
+                                      </p:cBhvr>
+                                      <p:to>
+                                        <p:strVal val="visible"/>
+                                      </p:to>
+                                    </p:set>
+                                  </p:childTnLst>
+                                </p:cTn>
+                              </p:par>
+                              <p:par>
+                                <p:cTn id="7" presetID="1" presetClass="entr" presetSubtype="0" fill="hold" grpId="0" nodeType="withEffect">
+                                  <p:stCondLst>
+                                    <p:cond delay="0"/>
+                                  </p:stCondLst>
+                                  <p:childTnLst>
+                                    <p:set>
+                                      <p:cBhvr>
+                                        <p:cTn id="8" dur="1" fill="hold">
+                                          <p:stCondLst>
+                                            <p:cond delay="0"/>
+                                          </p:stCondLst>
+                                        </p:cTn>
+                                        <p:tgtEl>
+                                          <p:spTgt spid="11">
+                                            <p:txEl>
+                                              <p:pRg st="0" end="0"/>
+                                            </p:txEl>
+                                          </p:spTgt>
+                                        </p:tgtEl>
+                                        <p:attrNameLst>
+                                          <p:attrName>style.visibility</p:attrName>
+                                        </p:attrNameLst>
+                                      </p:cBhvr>
+                                      <p:to>
+                                        <p:strVal val="visible"/>
+                                      </p:to>
+                                    </p:set>
+                                  </p:childTnLst>
+                                </p:cTn>
+                              </p:par>
+                            </p:childTnLst>
+                          </p:cTn>
+                        </p:par>
+                      </p:childTnLst>
+                    </p:cTn>
+                  </p:par>
+                  <p:par>
+                    <p:cTn id="9" fill="hold">
+                      <p:stCondLst>
+                        <p:cond delay="indefinite"/>
+                      </p:stCondLst>
+                      <p:childTnLst>
+                        <p:par>
+                          <p:cTn id="10" fill="hold">
+                            <p:stCondLst>
+                              <p:cond delay="0"/>
+                            </p:stCondLst>
+                            <p:childTnLst>
+                              <p:par>
+                                <p:cTn id="11" presetID="1" presetClass="entr" presetSubtype="0" fill="hold" grpId="0" nodeType="clickEffect">
+                                  <p:stCondLst>
+                                    <p:cond delay="0"/>
+                                  </p:stCondLst>
+                                  <p:childTnLst>
+                                    <p:set>
+                                      <p:cBhvr>
+                                        <p:cTn id="12" dur="1" fill="hold">
+                                          <p:stCondLst>
+                                            <p:cond delay="0"/>
+                                          </p:stCondLst>
+                                        </p:cTn>
+                                        <p:tgtEl>
+                                          <p:spTgt spid="11">
+                                            <p:txEl>
+                                              <p:pRg st="2" end="2"/>
+                                            </p:txEl>
+                                          </p:spTgt>
+                                        </p:tgtEl>
+                                        <p:attrNameLst>
+                                          <p:attrName>style.visibility</p:attrName>
+                                        </p:attrNameLst>
+                                      </p:cBhvr>
+                                      <p:to>
+                                        <p:strVal val="visible"/>
+                                      </p:to>
+                                    </p:set>
+                                  </p:childTnLst>
+                                </p:cTn>
+                              </p:par>
+                            </p:childTnLst>
+                          </p:cTn>
+                        </p:par>
+                      </p:childTnLst>
+                    </p:cTn>
+                  </p:par>
+                </p:childTnLst>
+              </p:cTn>
+              <p:prevCondLst>
+                <p:cond evt="onPrev" delay="0">
+                  <p:tgtEl>
+                    <p:sldTgt/>
+                  </p:tgtEl>
+                </p:cond>
+              </p:prevCondLst>
+              <p:nextCondLst>
+                <p:cond evt="onNext" delay="0">
+                  <p:tgtEl>
+                    <p:sldTgt/>
+                  </p:tgtEl>
+                </p:cond>
+              </p:nextCondLst>
+            </p:seq>
+          </p:childTnLst>
+        </p:cTn>
       </p:par>
     </p:tnLst>
+    <p:bldLst>
+      <p:bldP spid="16" grpId="0" build="p"/>
+      <p:bldP spid="11" grpId="0" build="p"/>
+    </p:bldLst>
   </p:timing>
 </p:sld>
 </file>
@@ -9015,7 +9288,18 @@
             <a:pPr algn="ctr"/>
             <a:r>
               <a:rPr lang="en-US" i="1" dirty="0" smtClean="0"/>
-              <a:t>End-to-End, Separation of protection &amp; mechanisms</a:t>
+              <a:t>End-to-End, Separation of protection &amp; </a:t>
+            </a:r>
+            <a:r>
+              <a:rPr lang="en-US" i="1" dirty="0" smtClean="0"/>
+              <a:t>management</a:t>
+            </a:r>
+          </a:p>
+          <a:p>
+            <a:pPr algn="ctr"/>
+            <a:r>
+              <a:rPr lang="en-US" i="1" dirty="0" smtClean="0"/>
+              <a:t>Separation of policies &amp; mechanisms</a:t>
             </a:r>
             <a:endParaRPr lang="en-US" i="1" dirty="0"/>
           </a:p>
@@ -9486,81 +9770,207 @@
               <a:t>Exokernel</a:t>
             </a:r>
             <a:r>
-              <a:rPr lang="en-US" dirty="0"/>
-              <a:t> </a:t>
-            </a:r>
-            <a:r>
               <a:rPr lang="en-US" dirty="0" smtClean="0"/>
-              <a:t>Architecture</a:t>
+              <a:t> Design</a:t>
             </a:r>
             <a:endParaRPr lang="en-US" dirty="0"/>
           </a:p>
         </p:txBody>
       </p:sp>
-      <p:pic>
-        <p:nvPicPr>
-          <p:cNvPr id="5" name="Picture 4"/>
-          <p:cNvPicPr>
-            <a:picLocks noChangeAspect="1"/>
-          </p:cNvPicPr>
-          <p:nvPr/>
-        </p:nvPicPr>
-        <p:blipFill>
-          <a:blip r:embed="rId2">
-            <a:extLst>
-              <a:ext uri="{28A0092B-C50C-407E-A947-70E740481C1C}">
-                <a14:useLocalDpi xmlns:a14="http://schemas.microsoft.com/office/drawing/2010/main" val="0"/>
-              </a:ext>
-            </a:extLst>
-          </a:blip>
-          <a:stretch>
-            <a:fillRect/>
-          </a:stretch>
-        </p:blipFill>
+      <p:sp>
+        <p:nvSpPr>
+          <p:cNvPr id="3" name="Text Placeholder 2"/>
+          <p:cNvSpPr>
+            <a:spLocks noGrp="1"/>
+          </p:cNvSpPr>
+          <p:nvPr>
+            <p:ph type="body" idx="1"/>
+          </p:nvPr>
+        </p:nvSpPr>
         <p:spPr>
           <a:xfrm>
-            <a:off x="1008380" y="1610360"/>
-            <a:ext cx="3432048" cy="5035296"/>
-          </a:xfrm>
-          <a:prstGeom prst="rect">
-            <a:avLst/>
-          </a:prstGeom>
-        </p:spPr>
-      </p:pic>
-      <p:pic>
-        <p:nvPicPr>
-          <p:cNvPr id="6" name="Picture 5"/>
-          <p:cNvPicPr>
-            <a:picLocks noChangeAspect="1"/>
-          </p:cNvPicPr>
-          <p:nvPr/>
-        </p:nvPicPr>
-        <p:blipFill>
-          <a:blip r:embed="rId3">
-            <a:extLst>
-              <a:ext uri="{28A0092B-C50C-407E-A947-70E740481C1C}">
-                <a14:useLocalDpi xmlns:a14="http://schemas.microsoft.com/office/drawing/2010/main" val="0"/>
-              </a:ext>
-            </a:extLst>
-          </a:blip>
-          <a:stretch>
-            <a:fillRect/>
-          </a:stretch>
-        </p:blipFill>
+            <a:off x="839788" y="1349693"/>
+            <a:ext cx="5157787" cy="823912"/>
+          </a:xfrm>
+        </p:spPr>
+        <p:txBody>
+          <a:bodyPr/>
+          <a:lstStyle/>
+          <a:p>
+            <a:r>
+              <a:rPr lang="en-US" dirty="0" smtClean="0"/>
+              <a:t>Principle</a:t>
+            </a:r>
+            <a:endParaRPr lang="en-US" dirty="0"/>
+          </a:p>
+        </p:txBody>
+      </p:sp>
+      <p:sp>
+        <p:nvSpPr>
+          <p:cNvPr id="4" name="Content Placeholder 3"/>
+          <p:cNvSpPr>
+            <a:spLocks noGrp="1"/>
+          </p:cNvSpPr>
+          <p:nvPr>
+            <p:ph sz="half" idx="2"/>
+          </p:nvPr>
+        </p:nvSpPr>
         <p:spPr>
           <a:xfrm>
-            <a:off x="6342380" y="1610360"/>
-            <a:ext cx="3529584" cy="5035296"/>
-          </a:xfrm>
-          <a:prstGeom prst="rect">
-            <a:avLst/>
-          </a:prstGeom>
-        </p:spPr>
-      </p:pic>
+            <a:off x="839788" y="2173605"/>
+            <a:ext cx="5157787" cy="3895725"/>
+          </a:xfrm>
+        </p:spPr>
+        <p:txBody>
+          <a:bodyPr>
+            <a:normAutofit/>
+          </a:bodyPr>
+          <a:lstStyle/>
+          <a:p>
+            <a:r>
+              <a:rPr lang="en-US" dirty="0" smtClean="0"/>
+              <a:t>End-to-End</a:t>
+            </a:r>
+          </a:p>
+          <a:p>
+            <a:endParaRPr lang="en-US" dirty="0" smtClean="0"/>
+          </a:p>
+          <a:p>
+            <a:r>
+              <a:rPr lang="en-US" dirty="0" smtClean="0"/>
+              <a:t>Sep. protection &amp; </a:t>
+            </a:r>
+            <a:r>
+              <a:rPr lang="en-US" dirty="0" smtClean="0"/>
+              <a:t>management</a:t>
+            </a:r>
+            <a:endParaRPr lang="en-US" dirty="0" smtClean="0"/>
+          </a:p>
+          <a:p>
+            <a:endParaRPr lang="en-US" dirty="0"/>
+          </a:p>
+          <a:p>
+            <a:r>
+              <a:rPr lang="en-US" dirty="0" smtClean="0"/>
+              <a:t>Avoid </a:t>
+            </a:r>
+            <a:r>
+              <a:rPr lang="en-US" dirty="0" smtClean="0"/>
+              <a:t>management</a:t>
+            </a:r>
+          </a:p>
+          <a:p>
+            <a:endParaRPr lang="en-US" dirty="0"/>
+          </a:p>
+          <a:p>
+            <a:r>
+              <a:rPr lang="en-US" dirty="0" smtClean="0"/>
+              <a:t>Sep. policies &amp; mechanisms</a:t>
+            </a:r>
+            <a:endParaRPr lang="en-US" dirty="0"/>
+          </a:p>
+        </p:txBody>
+      </p:sp>
+      <p:sp>
+        <p:nvSpPr>
+          <p:cNvPr id="5" name="Text Placeholder 4"/>
+          <p:cNvSpPr>
+            <a:spLocks noGrp="1"/>
+          </p:cNvSpPr>
+          <p:nvPr>
+            <p:ph type="body" sz="quarter" idx="3"/>
+          </p:nvPr>
+        </p:nvSpPr>
+        <p:spPr>
+          <a:xfrm>
+            <a:off x="6172200" y="1349693"/>
+            <a:ext cx="5183188" cy="823912"/>
+          </a:xfrm>
+        </p:spPr>
+        <p:txBody>
+          <a:bodyPr/>
+          <a:lstStyle/>
+          <a:p>
+            <a:r>
+              <a:rPr lang="en-US" dirty="0" smtClean="0"/>
+              <a:t>Translates to</a:t>
+            </a:r>
+            <a:r>
+              <a:rPr lang="mr-IN" dirty="0" smtClean="0"/>
+              <a:t>…</a:t>
+            </a:r>
+            <a:endParaRPr lang="en-US" dirty="0"/>
+          </a:p>
+        </p:txBody>
+      </p:sp>
+      <p:sp>
+        <p:nvSpPr>
+          <p:cNvPr id="6" name="Content Placeholder 5"/>
+          <p:cNvSpPr>
+            <a:spLocks noGrp="1"/>
+          </p:cNvSpPr>
+          <p:nvPr>
+            <p:ph sz="quarter" idx="4"/>
+          </p:nvPr>
+        </p:nvSpPr>
+        <p:spPr>
+          <a:xfrm>
+            <a:off x="6172200" y="2173605"/>
+            <a:ext cx="5852160" cy="3632835"/>
+          </a:xfrm>
+        </p:spPr>
+        <p:txBody>
+          <a:bodyPr/>
+          <a:lstStyle/>
+          <a:p>
+            <a:r>
+              <a:rPr lang="en-US" dirty="0" smtClean="0"/>
+              <a:t>App-level physical resource </a:t>
+            </a:r>
+            <a:r>
+              <a:rPr lang="en-US" dirty="0" err="1" smtClean="0"/>
+              <a:t>mgmt</a:t>
+            </a:r>
+            <a:endParaRPr lang="en-US" dirty="0" smtClean="0"/>
+          </a:p>
+          <a:p>
+            <a:endParaRPr lang="en-US" dirty="0" smtClean="0"/>
+          </a:p>
+          <a:p>
+            <a:r>
+              <a:rPr lang="en-US" dirty="0" smtClean="0"/>
+              <a:t>Securely expose all hardware</a:t>
+            </a:r>
+          </a:p>
+          <a:p>
+            <a:endParaRPr lang="en-US" dirty="0" smtClean="0"/>
+          </a:p>
+          <a:p>
+            <a:r>
+              <a:rPr lang="en-US" dirty="0" smtClean="0"/>
+              <a:t>Use physical </a:t>
+            </a:r>
+            <a:r>
+              <a:rPr lang="en-US" dirty="0" smtClean="0"/>
+              <a:t>names</a:t>
+            </a:r>
+          </a:p>
+          <a:p>
+            <a:endParaRPr lang="en-US" dirty="0"/>
+          </a:p>
+          <a:p>
+            <a:r>
+              <a:rPr lang="en-US" dirty="0" smtClean="0"/>
+              <a:t>Secure bindings mechanisms</a:t>
+            </a:r>
+            <a:endParaRPr lang="en-US" dirty="0"/>
+          </a:p>
+        </p:txBody>
+      </p:sp>
     </p:spTree>
     <p:extLst>
       <p:ext uri="{BB962C8B-B14F-4D97-AF65-F5344CB8AC3E}">
-        <p14:creationId xmlns:p14="http://schemas.microsoft.com/office/powerpoint/2010/main" val="697650945"/>
+        <p14:creationId xmlns:p14="http://schemas.microsoft.com/office/powerpoint/2010/main" val="621910512"/>
       </p:ext>
     </p:extLst>
   </p:cSld>
@@ -9570,75 +9980,7 @@
   <p:timing>
     <p:tnLst>
       <p:par>
-        <p:cTn id="1" dur="indefinite" restart="never" nodeType="tmRoot">
-          <p:childTnLst>
-            <p:seq concurrent="1" nextAc="seek">
-              <p:cTn id="2" dur="indefinite" nodeType="mainSeq">
-                <p:childTnLst>
-                  <p:par>
-                    <p:cTn id="3" fill="hold">
-                      <p:stCondLst>
-                        <p:cond delay="indefinite"/>
-                      </p:stCondLst>
-                      <p:childTnLst>
-                        <p:par>
-                          <p:cTn id="4" fill="hold">
-                            <p:stCondLst>
-                              <p:cond delay="0"/>
-                            </p:stCondLst>
-                            <p:childTnLst>
-                              <p:par>
-                                <p:cTn id="5" presetID="1" presetClass="entr" presetSubtype="0" fill="hold" nodeType="clickEffect">
-                                  <p:stCondLst>
-                                    <p:cond delay="0"/>
-                                  </p:stCondLst>
-                                  <p:childTnLst>
-                                    <p:set>
-                                      <p:cBhvr>
-                                        <p:cTn id="6" dur="1" fill="hold">
-                                          <p:stCondLst>
-                                            <p:cond delay="0"/>
-                                          </p:stCondLst>
-                                        </p:cTn>
-                                        <p:tgtEl>
-                                          <p:spTgt spid="6"/>
-                                        </p:tgtEl>
-                                        <p:attrNameLst>
-                                          <p:attrName>style.visibility</p:attrName>
-                                        </p:attrNameLst>
-                                      </p:cBhvr>
-                                      <p:to>
-                                        <p:strVal val="visible"/>
-                                      </p:to>
-                                    </p:set>
-                                  </p:childTnLst>
-                                </p:cTn>
-                              </p:par>
-                            </p:childTnLst>
-                          </p:cTn>
-                        </p:par>
-                      </p:childTnLst>
-                    </p:cTn>
-                  </p:par>
-                </p:childTnLst>
-              </p:cTn>
-              <p:prevCondLst>
-                <p:cond evt="onPrev" delay="0">
-                  <p:tgtEl>
-                    <p:sldTgt/>
-                  </p:tgtEl>
-                </p:cond>
-              </p:prevCondLst>
-              <p:nextCondLst>
-                <p:cond evt="onNext" delay="0">
-                  <p:tgtEl>
-                    <p:sldTgt/>
-                  </p:tgtEl>
-                </p:cond>
-              </p:nextCondLst>
-            </p:seq>
-          </p:childTnLst>
-        </p:cTn>
+        <p:cTn id="1" dur="indefinite" restart="never" nodeType="tmRoot"/>
       </p:par>
     </p:tnLst>
   </p:timing>

--- a/CE_presentation.pptx
+++ b/CE_presentation.pptx
@@ -5,7 +5,7 @@
     <p:sldMasterId id="2147483648" r:id="rId1"/>
   </p:sldMasterIdLst>
   <p:notesMasterIdLst>
-    <p:notesMasterId r:id="rId18"/>
+    <p:notesMasterId r:id="rId20"/>
   </p:notesMasterIdLst>
   <p:sldIdLst>
     <p:sldId id="256" r:id="rId2"/>
@@ -20,10 +20,12 @@
     <p:sldId id="272" r:id="rId11"/>
     <p:sldId id="270" r:id="rId12"/>
     <p:sldId id="271" r:id="rId13"/>
-    <p:sldId id="262" r:id="rId14"/>
-    <p:sldId id="263" r:id="rId15"/>
-    <p:sldId id="264" r:id="rId16"/>
-    <p:sldId id="265" r:id="rId17"/>
+    <p:sldId id="273" r:id="rId14"/>
+    <p:sldId id="274" r:id="rId15"/>
+    <p:sldId id="262" r:id="rId16"/>
+    <p:sldId id="263" r:id="rId17"/>
+    <p:sldId id="264" r:id="rId18"/>
+    <p:sldId id="265" r:id="rId19"/>
   </p:sldIdLst>
   <p:sldSz cx="12192000" cy="6858000"/>
   <p:notesSz cx="6858000" cy="9144000"/>
@@ -732,6 +734,178 @@
     <p:extLst>
       <p:ext uri="{BB962C8B-B14F-4D97-AF65-F5344CB8AC3E}">
         <p14:creationId xmlns:p14="http://schemas.microsoft.com/office/powerpoint/2010/main" val="171911821"/>
+      </p:ext>
+    </p:extLst>
+  </p:cSld>
+  <p:clrMapOvr>
+    <a:masterClrMapping/>
+  </p:clrMapOvr>
+</p:notes>
+</file>
+
+<file path=ppt/notesSlides/notesSlide2.xml><?xml version="1.0" encoding="utf-8"?>
+<p:notes xmlns:a="http://schemas.openxmlformats.org/drawingml/2006/main" xmlns:r="http://schemas.openxmlformats.org/officeDocument/2006/relationships" xmlns:p="http://schemas.openxmlformats.org/presentationml/2006/main">
+  <p:cSld>
+    <p:spTree>
+      <p:nvGrpSpPr>
+        <p:cNvPr id="1" name=""/>
+        <p:cNvGrpSpPr/>
+        <p:nvPr/>
+      </p:nvGrpSpPr>
+      <p:grpSpPr>
+        <a:xfrm>
+          <a:off x="0" y="0"/>
+          <a:ext cx="0" cy="0"/>
+          <a:chOff x="0" y="0"/>
+          <a:chExt cx="0" cy="0"/>
+        </a:xfrm>
+      </p:grpSpPr>
+      <p:sp>
+        <p:nvSpPr>
+          <p:cNvPr id="2" name="Slide Image Placeholder 1"/>
+          <p:cNvSpPr>
+            <a:spLocks noGrp="1" noRot="1" noChangeAspect="1"/>
+          </p:cNvSpPr>
+          <p:nvPr>
+            <p:ph type="sldImg"/>
+          </p:nvPr>
+        </p:nvSpPr>
+        <p:spPr/>
+      </p:sp>
+      <p:sp>
+        <p:nvSpPr>
+          <p:cNvPr id="3" name="Notes Placeholder 2"/>
+          <p:cNvSpPr>
+            <a:spLocks noGrp="1"/>
+          </p:cNvSpPr>
+          <p:nvPr>
+            <p:ph type="body" idx="1"/>
+          </p:nvPr>
+        </p:nvSpPr>
+        <p:spPr/>
+        <p:txBody>
+          <a:bodyPr/>
+          <a:lstStyle/>
+          <a:p>
+            <a:r>
+              <a:rPr lang="en-US" dirty="0" smtClean="0"/>
+              <a:t>Say library operating system</a:t>
+            </a:r>
+            <a:endParaRPr lang="en-US" dirty="0"/>
+          </a:p>
+        </p:txBody>
+      </p:sp>
+      <p:sp>
+        <p:nvSpPr>
+          <p:cNvPr id="4" name="Slide Number Placeholder 3"/>
+          <p:cNvSpPr>
+            <a:spLocks noGrp="1"/>
+          </p:cNvSpPr>
+          <p:nvPr>
+            <p:ph type="sldNum" sz="quarter" idx="10"/>
+          </p:nvPr>
+        </p:nvSpPr>
+        <p:spPr/>
+        <p:txBody>
+          <a:bodyPr/>
+          <a:lstStyle/>
+          <a:p>
+            <a:fld id="{5818C058-0722-5846-9CCC-2E4F26A67B17}" type="slidenum">
+              <a:rPr lang="en-US" smtClean="0"/>
+              <a:t>9</a:t>
+            </a:fld>
+            <a:endParaRPr lang="en-US"/>
+          </a:p>
+        </p:txBody>
+      </p:sp>
+    </p:spTree>
+    <p:extLst>
+      <p:ext uri="{BB962C8B-B14F-4D97-AF65-F5344CB8AC3E}">
+        <p14:creationId xmlns:p14="http://schemas.microsoft.com/office/powerpoint/2010/main" val="1051480980"/>
+      </p:ext>
+    </p:extLst>
+  </p:cSld>
+  <p:clrMapOvr>
+    <a:masterClrMapping/>
+  </p:clrMapOvr>
+</p:notes>
+</file>
+
+<file path=ppt/notesSlides/notesSlide3.xml><?xml version="1.0" encoding="utf-8"?>
+<p:notes xmlns:a="http://schemas.openxmlformats.org/drawingml/2006/main" xmlns:r="http://schemas.openxmlformats.org/officeDocument/2006/relationships" xmlns:p="http://schemas.openxmlformats.org/presentationml/2006/main">
+  <p:cSld>
+    <p:spTree>
+      <p:nvGrpSpPr>
+        <p:cNvPr id="1" name=""/>
+        <p:cNvGrpSpPr/>
+        <p:nvPr/>
+      </p:nvGrpSpPr>
+      <p:grpSpPr>
+        <a:xfrm>
+          <a:off x="0" y="0"/>
+          <a:ext cx="0" cy="0"/>
+          <a:chOff x="0" y="0"/>
+          <a:chExt cx="0" cy="0"/>
+        </a:xfrm>
+      </p:grpSpPr>
+      <p:sp>
+        <p:nvSpPr>
+          <p:cNvPr id="2" name="Slide Image Placeholder 1"/>
+          <p:cNvSpPr>
+            <a:spLocks noGrp="1" noRot="1" noChangeAspect="1"/>
+          </p:cNvSpPr>
+          <p:nvPr>
+            <p:ph type="sldImg"/>
+          </p:nvPr>
+        </p:nvSpPr>
+        <p:spPr/>
+      </p:sp>
+      <p:sp>
+        <p:nvSpPr>
+          <p:cNvPr id="3" name="Notes Placeholder 2"/>
+          <p:cNvSpPr>
+            <a:spLocks noGrp="1"/>
+          </p:cNvSpPr>
+          <p:nvPr>
+            <p:ph type="body" idx="1"/>
+          </p:nvPr>
+        </p:nvSpPr>
+        <p:spPr/>
+        <p:txBody>
+          <a:bodyPr/>
+          <a:lstStyle/>
+          <a:p>
+            <a:endParaRPr lang="en-US"/>
+          </a:p>
+        </p:txBody>
+      </p:sp>
+      <p:sp>
+        <p:nvSpPr>
+          <p:cNvPr id="4" name="Slide Number Placeholder 3"/>
+          <p:cNvSpPr>
+            <a:spLocks noGrp="1"/>
+          </p:cNvSpPr>
+          <p:nvPr>
+            <p:ph type="sldNum" sz="quarter" idx="10"/>
+          </p:nvPr>
+        </p:nvSpPr>
+        <p:spPr/>
+        <p:txBody>
+          <a:bodyPr/>
+          <a:lstStyle/>
+          <a:p>
+            <a:fld id="{5818C058-0722-5846-9CCC-2E4F26A67B17}" type="slidenum">
+              <a:rPr lang="en-US" smtClean="0"/>
+              <a:t>14</a:t>
+            </a:fld>
+            <a:endParaRPr lang="en-US"/>
+          </a:p>
+        </p:txBody>
+      </p:sp>
+    </p:spTree>
+    <p:extLst>
+      <p:ext uri="{BB962C8B-B14F-4D97-AF65-F5344CB8AC3E}">
+        <p14:creationId xmlns:p14="http://schemas.microsoft.com/office/powerpoint/2010/main" val="104376177"/>
       </p:ext>
     </p:extLst>
   </p:cSld>
@@ -4542,6 +4716,254 @@
           <a:bodyPr/>
           <a:lstStyle/>
           <a:p>
+            <a:pPr algn="ctr"/>
+            <a:r>
+              <a:rPr lang="en-US" dirty="0" err="1" smtClean="0"/>
+              <a:t>Unikernels</a:t>
+            </a:r>
+            <a:r>
+              <a:rPr lang="en-US" dirty="0" smtClean="0"/>
+              <a:t> &amp; The Cloud</a:t>
+            </a:r>
+            <a:endParaRPr lang="en-US" dirty="0"/>
+          </a:p>
+        </p:txBody>
+      </p:sp>
+      <p:sp>
+        <p:nvSpPr>
+          <p:cNvPr id="3" name="Text Placeholder 2"/>
+          <p:cNvSpPr>
+            <a:spLocks noGrp="1"/>
+          </p:cNvSpPr>
+          <p:nvPr>
+            <p:ph type="body" idx="1"/>
+          </p:nvPr>
+        </p:nvSpPr>
+        <p:spPr/>
+        <p:txBody>
+          <a:bodyPr/>
+          <a:lstStyle/>
+          <a:p>
+            <a:pPr algn="ctr"/>
+            <a:r>
+              <a:rPr lang="en-US" dirty="0" smtClean="0"/>
+              <a:t>Library operating system, Virtualization, High-level programming languages</a:t>
+            </a:r>
+            <a:endParaRPr lang="en-US" dirty="0"/>
+          </a:p>
+        </p:txBody>
+      </p:sp>
+    </p:spTree>
+    <p:extLst>
+      <p:ext uri="{BB962C8B-B14F-4D97-AF65-F5344CB8AC3E}">
+        <p14:creationId xmlns:p14="http://schemas.microsoft.com/office/powerpoint/2010/main" val="2091336666"/>
+      </p:ext>
+    </p:extLst>
+  </p:cSld>
+  <p:clrMapOvr>
+    <a:masterClrMapping/>
+  </p:clrMapOvr>
+  <p:timing>
+    <p:tnLst>
+      <p:par>
+        <p:cTn id="1" dur="indefinite" restart="never" nodeType="tmRoot"/>
+      </p:par>
+    </p:tnLst>
+  </p:timing>
+</p:sld>
+</file>
+
+<file path=ppt/slides/slide14.xml><?xml version="1.0" encoding="utf-8"?>
+<p:sld xmlns:a="http://schemas.openxmlformats.org/drawingml/2006/main" xmlns:r="http://schemas.openxmlformats.org/officeDocument/2006/relationships" xmlns:p="http://schemas.openxmlformats.org/presentationml/2006/main">
+  <p:cSld>
+    <p:spTree>
+      <p:nvGrpSpPr>
+        <p:cNvPr id="1" name=""/>
+        <p:cNvGrpSpPr/>
+        <p:nvPr/>
+      </p:nvGrpSpPr>
+      <p:grpSpPr>
+        <a:xfrm>
+          <a:off x="0" y="0"/>
+          <a:ext cx="0" cy="0"/>
+          <a:chOff x="0" y="0"/>
+          <a:chExt cx="0" cy="0"/>
+        </a:xfrm>
+      </p:grpSpPr>
+      <p:sp>
+        <p:nvSpPr>
+          <p:cNvPr id="2" name="Title 1"/>
+          <p:cNvSpPr>
+            <a:spLocks noGrp="1"/>
+          </p:cNvSpPr>
+          <p:nvPr>
+            <p:ph type="title"/>
+          </p:nvPr>
+        </p:nvSpPr>
+        <p:spPr/>
+        <p:txBody>
+          <a:bodyPr/>
+          <a:lstStyle/>
+          <a:p>
+            <a:r>
+              <a:rPr lang="en-US" dirty="0" smtClean="0"/>
+              <a:t>	Motivation</a:t>
+            </a:r>
+            <a:endParaRPr lang="en-US" dirty="0"/>
+          </a:p>
+        </p:txBody>
+      </p:sp>
+      <p:sp>
+        <p:nvSpPr>
+          <p:cNvPr id="3" name="Content Placeholder 2"/>
+          <p:cNvSpPr>
+            <a:spLocks noGrp="1"/>
+          </p:cNvSpPr>
+          <p:nvPr>
+            <p:ph idx="1"/>
+          </p:nvPr>
+        </p:nvSpPr>
+        <p:spPr/>
+        <p:txBody>
+          <a:bodyPr/>
+          <a:lstStyle/>
+          <a:p>
+            <a:pPr marL="0" indent="0">
+              <a:buNone/>
+            </a:pPr>
+            <a:r>
+              <a:rPr lang="en-US" u="sng" dirty="0" smtClean="0"/>
+              <a:t>Problem</a:t>
+            </a:r>
+            <a:r>
+              <a:rPr lang="en-US" dirty="0" smtClean="0"/>
+              <a:t>: </a:t>
+            </a:r>
+            <a:r>
+              <a:rPr lang="en-US" i="1" dirty="0" smtClean="0"/>
+              <a:t>Single-purpose</a:t>
+            </a:r>
+            <a:r>
+              <a:rPr lang="en-US" dirty="0" smtClean="0"/>
+              <a:t> </a:t>
+            </a:r>
+            <a:r>
+              <a:rPr lang="en-US" i="1" dirty="0" smtClean="0"/>
+              <a:t>VMs deployed in the cloud are not specialized!</a:t>
+            </a:r>
+          </a:p>
+          <a:p>
+            <a:endParaRPr lang="en-US" i="1" dirty="0" smtClean="0"/>
+          </a:p>
+          <a:p>
+            <a:r>
+              <a:rPr lang="en-US" dirty="0" smtClean="0"/>
+              <a:t>Ad-hoc configuration.</a:t>
+            </a:r>
+          </a:p>
+          <a:p>
+            <a:endParaRPr lang="en-US" dirty="0"/>
+          </a:p>
+          <a:p>
+            <a:r>
+              <a:rPr lang="en-US" dirty="0" smtClean="0"/>
+              <a:t>Consumes too many resources.</a:t>
+            </a:r>
+          </a:p>
+          <a:p>
+            <a:endParaRPr lang="en-US" dirty="0" smtClean="0"/>
+          </a:p>
+          <a:p>
+            <a:r>
+              <a:rPr lang="en-US" dirty="0" smtClean="0"/>
+              <a:t>Large attack surface.</a:t>
+            </a:r>
+            <a:endParaRPr lang="en-US" dirty="0"/>
+          </a:p>
+        </p:txBody>
+      </p:sp>
+      <p:pic>
+        <p:nvPicPr>
+          <p:cNvPr id="9" name="Picture 8"/>
+          <p:cNvPicPr>
+            <a:picLocks noChangeAspect="1"/>
+          </p:cNvPicPr>
+          <p:nvPr/>
+        </p:nvPicPr>
+        <p:blipFill>
+          <a:blip r:embed="rId3">
+            <a:extLst>
+              <a:ext uri="{28A0092B-C50C-407E-A947-70E740481C1C}">
+                <a14:useLocalDpi xmlns:a14="http://schemas.microsoft.com/office/drawing/2010/main" val="0"/>
+              </a:ext>
+            </a:extLst>
+          </a:blip>
+          <a:stretch>
+            <a:fillRect/>
+          </a:stretch>
+        </p:blipFill>
+        <p:spPr>
+          <a:xfrm>
+            <a:off x="7705090" y="3389313"/>
+            <a:ext cx="2787650" cy="2787650"/>
+          </a:xfrm>
+          <a:prstGeom prst="rect">
+            <a:avLst/>
+          </a:prstGeom>
+        </p:spPr>
+      </p:pic>
+    </p:spTree>
+    <p:extLst>
+      <p:ext uri="{BB962C8B-B14F-4D97-AF65-F5344CB8AC3E}">
+        <p14:creationId xmlns:p14="http://schemas.microsoft.com/office/powerpoint/2010/main" val="1032780786"/>
+      </p:ext>
+    </p:extLst>
+  </p:cSld>
+  <p:clrMapOvr>
+    <a:masterClrMapping/>
+  </p:clrMapOvr>
+  <p:timing>
+    <p:tnLst>
+      <p:par>
+        <p:cTn id="1" dur="indefinite" restart="never" nodeType="tmRoot"/>
+      </p:par>
+    </p:tnLst>
+  </p:timing>
+</p:sld>
+</file>
+
+<file path=ppt/slides/slide15.xml><?xml version="1.0" encoding="utf-8"?>
+<p:sld xmlns:a="http://schemas.openxmlformats.org/drawingml/2006/main" xmlns:r="http://schemas.openxmlformats.org/officeDocument/2006/relationships" xmlns:p="http://schemas.openxmlformats.org/presentationml/2006/main">
+  <p:cSld>
+    <p:spTree>
+      <p:nvGrpSpPr>
+        <p:cNvPr id="1" name=""/>
+        <p:cNvGrpSpPr/>
+        <p:nvPr/>
+      </p:nvGrpSpPr>
+      <p:grpSpPr>
+        <a:xfrm>
+          <a:off x="0" y="0"/>
+          <a:ext cx="0" cy="0"/>
+          <a:chOff x="0" y="0"/>
+          <a:chExt cx="0" cy="0"/>
+        </a:xfrm>
+      </p:grpSpPr>
+      <p:sp>
+        <p:nvSpPr>
+          <p:cNvPr id="2" name="Title 1"/>
+          <p:cNvSpPr>
+            <a:spLocks noGrp="1"/>
+          </p:cNvSpPr>
+          <p:nvPr>
+            <p:ph type="title"/>
+          </p:nvPr>
+        </p:nvSpPr>
+        <p:spPr/>
+        <p:txBody>
+          <a:bodyPr/>
+          <a:lstStyle/>
+          <a:p>
             <a:r>
               <a:rPr lang="en-US" dirty="0" smtClean="0"/>
               <a:t>	Haven &amp; Intel SGX</a:t>
@@ -4751,7 +5173,7 @@
 </p:sld>
 </file>
 
-<file path=ppt/slides/slide14.xml><?xml version="1.0" encoding="utf-8"?>
+<file path=ppt/slides/slide16.xml><?xml version="1.0" encoding="utf-8"?>
 <p:sld xmlns:a="http://schemas.openxmlformats.org/drawingml/2006/main" xmlns:r="http://schemas.openxmlformats.org/officeDocument/2006/relationships" xmlns:p="http://schemas.openxmlformats.org/presentationml/2006/main">
   <p:cSld>
     <p:spTree>
@@ -5242,7 +5664,7 @@
 </p:sld>
 </file>
 
-<file path=ppt/slides/slide15.xml><?xml version="1.0" encoding="utf-8"?>
+<file path=ppt/slides/slide17.xml><?xml version="1.0" encoding="utf-8"?>
 <p:sld xmlns:a="http://schemas.openxmlformats.org/drawingml/2006/main" xmlns:r="http://schemas.openxmlformats.org/officeDocument/2006/relationships" xmlns:p="http://schemas.openxmlformats.org/presentationml/2006/main">
   <p:cSld>
     <p:spTree>
@@ -5429,7 +5851,7 @@
 </p:sld>
 </file>
 
-<file path=ppt/slides/slide16.xml><?xml version="1.0" encoding="utf-8"?>
+<file path=ppt/slides/slide18.xml><?xml version="1.0" encoding="utf-8"?>
 <p:sld xmlns:a="http://schemas.openxmlformats.org/drawingml/2006/main" xmlns:r="http://schemas.openxmlformats.org/officeDocument/2006/relationships" xmlns:p="http://schemas.openxmlformats.org/presentationml/2006/main">
   <p:cSld>
     <p:spTree>

--- a/CE_presentation.pptx
+++ b/CE_presentation.pptx
@@ -5,21 +5,31 @@
     <p:sldMasterId id="2147483648" r:id="rId1"/>
   </p:sldMasterIdLst>
   <p:notesMasterIdLst>
-    <p:notesMasterId r:id="rId14"/>
+    <p:notesMasterId r:id="rId24"/>
   </p:notesMasterIdLst>
   <p:sldIdLst>
     <p:sldId id="256" r:id="rId2"/>
     <p:sldId id="257" r:id="rId3"/>
     <p:sldId id="258" r:id="rId4"/>
-    <p:sldId id="262" r:id="rId5"/>
-    <p:sldId id="259" r:id="rId6"/>
-    <p:sldId id="260" r:id="rId7"/>
-    <p:sldId id="263" r:id="rId8"/>
-    <p:sldId id="261" r:id="rId9"/>
-    <p:sldId id="264" r:id="rId10"/>
-    <p:sldId id="265" r:id="rId11"/>
-    <p:sldId id="266" r:id="rId12"/>
-    <p:sldId id="267" r:id="rId13"/>
+    <p:sldId id="275" r:id="rId5"/>
+    <p:sldId id="262" r:id="rId6"/>
+    <p:sldId id="259" r:id="rId7"/>
+    <p:sldId id="260" r:id="rId8"/>
+    <p:sldId id="276" r:id="rId9"/>
+    <p:sldId id="263" r:id="rId10"/>
+    <p:sldId id="261" r:id="rId11"/>
+    <p:sldId id="264" r:id="rId12"/>
+    <p:sldId id="265" r:id="rId13"/>
+    <p:sldId id="277" r:id="rId14"/>
+    <p:sldId id="266" r:id="rId15"/>
+    <p:sldId id="267" r:id="rId16"/>
+    <p:sldId id="268" r:id="rId17"/>
+    <p:sldId id="269" r:id="rId18"/>
+    <p:sldId id="270" r:id="rId19"/>
+    <p:sldId id="271" r:id="rId20"/>
+    <p:sldId id="272" r:id="rId21"/>
+    <p:sldId id="273" r:id="rId22"/>
+    <p:sldId id="274" r:id="rId23"/>
   </p:sldIdLst>
   <p:sldSz cx="12192000" cy="6858000"/>
   <p:notesSz cx="6858000" cy="9144000"/>
@@ -469,6 +479,2135 @@
     </a:lvl9pPr>
   </p:notesStyle>
 </p:notesMaster>
+</file>
+
+<file path=ppt/notesSlides/notesSlide1.xml><?xml version="1.0" encoding="utf-8"?>
+<p:notes xmlns:a="http://schemas.openxmlformats.org/drawingml/2006/main" xmlns:r="http://schemas.openxmlformats.org/officeDocument/2006/relationships" xmlns:p="http://schemas.openxmlformats.org/presentationml/2006/main">
+  <p:cSld>
+    <p:spTree>
+      <p:nvGrpSpPr>
+        <p:cNvPr id="1" name=""/>
+        <p:cNvGrpSpPr/>
+        <p:nvPr/>
+      </p:nvGrpSpPr>
+      <p:grpSpPr>
+        <a:xfrm>
+          <a:off x="0" y="0"/>
+          <a:ext cx="0" cy="0"/>
+          <a:chOff x="0" y="0"/>
+          <a:chExt cx="0" cy="0"/>
+        </a:xfrm>
+      </p:grpSpPr>
+      <p:sp>
+        <p:nvSpPr>
+          <p:cNvPr id="2" name="Slide Image Placeholder 1"/>
+          <p:cNvSpPr>
+            <a:spLocks noGrp="1" noRot="1" noChangeAspect="1"/>
+          </p:cNvSpPr>
+          <p:nvPr>
+            <p:ph type="sldImg"/>
+          </p:nvPr>
+        </p:nvSpPr>
+        <p:spPr/>
+      </p:sp>
+      <p:sp>
+        <p:nvSpPr>
+          <p:cNvPr id="3" name="Notes Placeholder 2"/>
+          <p:cNvSpPr>
+            <a:spLocks noGrp="1"/>
+          </p:cNvSpPr>
+          <p:nvPr>
+            <p:ph type="body" idx="1"/>
+          </p:nvPr>
+        </p:nvSpPr>
+        <p:spPr/>
+        <p:txBody>
+          <a:bodyPr/>
+          <a:lstStyle/>
+          <a:p>
+            <a:r>
+              <a:rPr lang="en-US" dirty="0" smtClean="0"/>
+              <a:t>Hi,</a:t>
+            </a:r>
+            <a:r>
+              <a:rPr lang="en-US" baseline="0" dirty="0" smtClean="0"/>
+              <a:t> and thank you for assisting to my second dry-run.</a:t>
+            </a:r>
+          </a:p>
+          <a:p>
+            <a:r>
+              <a:rPr lang="en-US" baseline="0" dirty="0" smtClean="0"/>
+              <a:t>Today I’ll talk about how the Library Operating System design can be leveraged to answer modern concerns in terms of performance &amp; security in cloud deployments.</a:t>
+            </a:r>
+            <a:endParaRPr lang="en-US" dirty="0"/>
+          </a:p>
+        </p:txBody>
+      </p:sp>
+      <p:sp>
+        <p:nvSpPr>
+          <p:cNvPr id="4" name="Slide Number Placeholder 3"/>
+          <p:cNvSpPr>
+            <a:spLocks noGrp="1"/>
+          </p:cNvSpPr>
+          <p:nvPr>
+            <p:ph type="sldNum" sz="quarter" idx="10"/>
+          </p:nvPr>
+        </p:nvSpPr>
+        <p:spPr/>
+        <p:txBody>
+          <a:bodyPr/>
+          <a:lstStyle/>
+          <a:p>
+            <a:fld id="{69E8AC4D-76AB-F049-B583-F6A359C4EA1A}" type="slidenum">
+              <a:rPr lang="en-US" smtClean="0"/>
+              <a:t>1</a:t>
+            </a:fld>
+            <a:endParaRPr lang="en-US"/>
+          </a:p>
+        </p:txBody>
+      </p:sp>
+    </p:spTree>
+    <p:extLst>
+      <p:ext uri="{BB962C8B-B14F-4D97-AF65-F5344CB8AC3E}">
+        <p14:creationId xmlns:p14="http://schemas.microsoft.com/office/powerpoint/2010/main" val="4540719"/>
+      </p:ext>
+    </p:extLst>
+  </p:cSld>
+  <p:clrMapOvr>
+    <a:masterClrMapping/>
+  </p:clrMapOvr>
+</p:notes>
+</file>
+
+<file path=ppt/notesSlides/notesSlide10.xml><?xml version="1.0" encoding="utf-8"?>
+<p:notes xmlns:a="http://schemas.openxmlformats.org/drawingml/2006/main" xmlns:r="http://schemas.openxmlformats.org/officeDocument/2006/relationships" xmlns:p="http://schemas.openxmlformats.org/presentationml/2006/main">
+  <p:cSld>
+    <p:spTree>
+      <p:nvGrpSpPr>
+        <p:cNvPr id="1" name=""/>
+        <p:cNvGrpSpPr/>
+        <p:nvPr/>
+      </p:nvGrpSpPr>
+      <p:grpSpPr>
+        <a:xfrm>
+          <a:off x="0" y="0"/>
+          <a:ext cx="0" cy="0"/>
+          <a:chOff x="0" y="0"/>
+          <a:chExt cx="0" cy="0"/>
+        </a:xfrm>
+      </p:grpSpPr>
+      <p:sp>
+        <p:nvSpPr>
+          <p:cNvPr id="2" name="Slide Image Placeholder 1"/>
+          <p:cNvSpPr>
+            <a:spLocks noGrp="1" noRot="1" noChangeAspect="1"/>
+          </p:cNvSpPr>
+          <p:nvPr>
+            <p:ph type="sldImg"/>
+          </p:nvPr>
+        </p:nvSpPr>
+        <p:spPr/>
+      </p:sp>
+      <p:sp>
+        <p:nvSpPr>
+          <p:cNvPr id="3" name="Notes Placeholder 2"/>
+          <p:cNvSpPr>
+            <a:spLocks noGrp="1"/>
+          </p:cNvSpPr>
+          <p:nvPr>
+            <p:ph type="body" idx="1"/>
+          </p:nvPr>
+        </p:nvSpPr>
+        <p:spPr/>
+        <p:txBody>
+          <a:bodyPr/>
+          <a:lstStyle/>
+          <a:p>
+            <a:r>
+              <a:rPr lang="en-US" dirty="0" smtClean="0"/>
+              <a:t>Traditionally</a:t>
+            </a:r>
+            <a:r>
+              <a:rPr lang="en-US" baseline="0" dirty="0" smtClean="0"/>
+              <a:t> applications are deployed in the Cloud as virtual machines.</a:t>
+            </a:r>
+          </a:p>
+          <a:p>
+            <a:r>
+              <a:rPr lang="en-US" baseline="0" dirty="0" smtClean="0"/>
+              <a:t>The VM packs an entire OS, e.g., Linux or Windows, and runs </a:t>
+            </a:r>
+            <a:r>
+              <a:rPr lang="en-US" baseline="0" dirty="0" err="1" smtClean="0"/>
+              <a:t>unmodiifed</a:t>
+            </a:r>
+            <a:r>
+              <a:rPr lang="en-US" baseline="0" dirty="0" smtClean="0"/>
+              <a:t> application processes, which, in most cases, is on application supported by smaller services.</a:t>
+            </a:r>
+          </a:p>
+          <a:p>
+            <a:r>
+              <a:rPr lang="en-US" baseline="0" dirty="0" smtClean="0"/>
+              <a:t>A VM in the cloud is a single purpose appliance.</a:t>
+            </a:r>
+          </a:p>
+          <a:p>
+            <a:r>
+              <a:rPr lang="en-US" baseline="0" dirty="0" smtClean="0"/>
+              <a:t>This way to deploy applications actually presents several disadvantages.</a:t>
+            </a:r>
+          </a:p>
+          <a:p>
+            <a:r>
+              <a:rPr lang="en-US" baseline="0" dirty="0" smtClean="0"/>
+              <a:t>First, scripts are used as glue code between different services that need to </a:t>
+            </a:r>
+            <a:r>
+              <a:rPr lang="en-US" baseline="0" dirty="0" err="1" smtClean="0"/>
+              <a:t>colaborate</a:t>
+            </a:r>
+            <a:r>
+              <a:rPr lang="en-US" baseline="0" dirty="0" smtClean="0"/>
+              <a:t>.</a:t>
+            </a:r>
+          </a:p>
+          <a:p>
+            <a:r>
+              <a:rPr lang="en-US" baseline="0" dirty="0" smtClean="0"/>
+              <a:t>Second, he VM is not specialized, it still packs un-used services, which increases the size of the image deployed, hence requiring more resources to be hosted.</a:t>
+            </a:r>
+          </a:p>
+          <a:p>
+            <a:r>
+              <a:rPr lang="en-US" baseline="0" dirty="0" smtClean="0"/>
+              <a:t>But also increases the attack surface exposed by the application ! Default services my be used to subvert the application, and removing all such services is actually hard in commodity operating system.</a:t>
+            </a:r>
+          </a:p>
+          <a:p>
+            <a:endParaRPr lang="en-US" baseline="0" dirty="0" smtClean="0"/>
+          </a:p>
+          <a:p>
+            <a:r>
+              <a:rPr lang="en-US" baseline="0" dirty="0" smtClean="0"/>
+              <a:t>The solution proposed by the </a:t>
+            </a:r>
+            <a:r>
+              <a:rPr lang="en-US" baseline="0" dirty="0" err="1" smtClean="0"/>
+              <a:t>unikernel</a:t>
+            </a:r>
+            <a:r>
+              <a:rPr lang="en-US" baseline="0" dirty="0" smtClean="0"/>
+              <a:t> is to deploy a fully specialized standalone sealed kernel that runs on top of a hypervisor! </a:t>
+            </a:r>
+          </a:p>
+          <a:p>
+            <a:r>
+              <a:rPr lang="en-US" baseline="0" dirty="0" smtClean="0"/>
+              <a:t>It eschews backward compatibility  and requires to </a:t>
+            </a:r>
+            <a:r>
+              <a:rPr lang="en-US" baseline="0" dirty="0" err="1" smtClean="0"/>
+              <a:t>reimplement</a:t>
+            </a:r>
+            <a:r>
+              <a:rPr lang="en-US" baseline="0" dirty="0" smtClean="0"/>
+              <a:t> the entire application and the services required by the application in the same high-level language.</a:t>
+            </a:r>
+          </a:p>
+          <a:p>
+            <a:r>
+              <a:rPr lang="en-US" baseline="0" dirty="0" smtClean="0"/>
+              <a:t>This allows to use the same static analysis &amp; verification tools on the entire stack, optimize the whole system at once.</a:t>
+            </a:r>
+          </a:p>
+        </p:txBody>
+      </p:sp>
+      <p:sp>
+        <p:nvSpPr>
+          <p:cNvPr id="4" name="Slide Number Placeholder 3"/>
+          <p:cNvSpPr>
+            <a:spLocks noGrp="1"/>
+          </p:cNvSpPr>
+          <p:nvPr>
+            <p:ph type="sldNum" sz="quarter" idx="10"/>
+          </p:nvPr>
+        </p:nvSpPr>
+        <p:spPr/>
+        <p:txBody>
+          <a:bodyPr/>
+          <a:lstStyle/>
+          <a:p>
+            <a:fld id="{69E8AC4D-76AB-F049-B583-F6A359C4EA1A}" type="slidenum">
+              <a:rPr lang="en-US" smtClean="0"/>
+              <a:t>10</a:t>
+            </a:fld>
+            <a:endParaRPr lang="en-US"/>
+          </a:p>
+        </p:txBody>
+      </p:sp>
+    </p:spTree>
+    <p:extLst>
+      <p:ext uri="{BB962C8B-B14F-4D97-AF65-F5344CB8AC3E}">
+        <p14:creationId xmlns:p14="http://schemas.microsoft.com/office/powerpoint/2010/main" val="2061002363"/>
+      </p:ext>
+    </p:extLst>
+  </p:cSld>
+  <p:clrMapOvr>
+    <a:masterClrMapping/>
+  </p:clrMapOvr>
+</p:notes>
+</file>
+
+<file path=ppt/notesSlides/notesSlide11.xml><?xml version="1.0" encoding="utf-8"?>
+<p:notes xmlns:a="http://schemas.openxmlformats.org/drawingml/2006/main" xmlns:r="http://schemas.openxmlformats.org/officeDocument/2006/relationships" xmlns:p="http://schemas.openxmlformats.org/presentationml/2006/main">
+  <p:cSld>
+    <p:spTree>
+      <p:nvGrpSpPr>
+        <p:cNvPr id="1" name=""/>
+        <p:cNvGrpSpPr/>
+        <p:nvPr/>
+      </p:nvGrpSpPr>
+      <p:grpSpPr>
+        <a:xfrm>
+          <a:off x="0" y="0"/>
+          <a:ext cx="0" cy="0"/>
+          <a:chOff x="0" y="0"/>
+          <a:chExt cx="0" cy="0"/>
+        </a:xfrm>
+      </p:grpSpPr>
+      <p:sp>
+        <p:nvSpPr>
+          <p:cNvPr id="2" name="Slide Image Placeholder 1"/>
+          <p:cNvSpPr>
+            <a:spLocks noGrp="1" noRot="1" noChangeAspect="1"/>
+          </p:cNvSpPr>
+          <p:nvPr>
+            <p:ph type="sldImg"/>
+          </p:nvPr>
+        </p:nvSpPr>
+        <p:spPr/>
+      </p:sp>
+      <p:sp>
+        <p:nvSpPr>
+          <p:cNvPr id="3" name="Notes Placeholder 2"/>
+          <p:cNvSpPr>
+            <a:spLocks noGrp="1"/>
+          </p:cNvSpPr>
+          <p:nvPr>
+            <p:ph type="body" idx="1"/>
+          </p:nvPr>
+        </p:nvSpPr>
+        <p:spPr/>
+        <p:txBody>
+          <a:bodyPr/>
+          <a:lstStyle/>
+          <a:p>
+            <a:r>
+              <a:rPr lang="en-US" dirty="0" smtClean="0"/>
+              <a:t>Let’s consider an example.</a:t>
+            </a:r>
+          </a:p>
+          <a:p>
+            <a:r>
+              <a:rPr lang="en-US" dirty="0" smtClean="0"/>
+              <a:t>Here</a:t>
+            </a:r>
+            <a:r>
+              <a:rPr lang="en-US" baseline="0" dirty="0" smtClean="0"/>
+              <a:t> we have a standard </a:t>
+            </a:r>
+            <a:r>
+              <a:rPr lang="en-US" baseline="0" dirty="0" err="1" smtClean="0"/>
+              <a:t>deyploment</a:t>
+            </a:r>
+            <a:r>
+              <a:rPr lang="en-US" baseline="0" dirty="0" smtClean="0"/>
+              <a:t>.</a:t>
+            </a:r>
+          </a:p>
+          <a:p>
+            <a:r>
+              <a:rPr lang="en-US" baseline="0" dirty="0" smtClean="0"/>
+              <a:t>We have a guest OS that runs on top of the hypervisor.</a:t>
+            </a:r>
+          </a:p>
+          <a:p>
+            <a:r>
+              <a:rPr lang="en-US" baseline="0" dirty="0" smtClean="0"/>
+              <a:t>Different services are run in different processes and glued together using a configuration script.</a:t>
+            </a:r>
+          </a:p>
+          <a:p>
+            <a:endParaRPr lang="en-US" baseline="0" dirty="0" smtClean="0"/>
+          </a:p>
+          <a:p>
+            <a:r>
+              <a:rPr lang="en-US" baseline="0" dirty="0" smtClean="0"/>
+              <a:t>If we now look at the approach taken by </a:t>
+            </a:r>
+            <a:r>
+              <a:rPr lang="en-US" baseline="0" dirty="0" err="1" smtClean="0"/>
+              <a:t>Unikernel</a:t>
+            </a:r>
+            <a:r>
+              <a:rPr lang="en-US" baseline="0" dirty="0" smtClean="0"/>
+              <a:t>, the application and library operating system are compiled at once, fully specialized, and execute in a runtime directly on-top of the hypervisor.</a:t>
+            </a:r>
+          </a:p>
+          <a:p>
+            <a:pPr marL="0" marR="0" indent="0" algn="l" defTabSz="914400" rtl="0" eaLnBrk="1" fontAlgn="auto" latinLnBrk="0" hangingPunct="1">
+              <a:lnSpc>
+                <a:spcPct val="100000"/>
+              </a:lnSpc>
+              <a:spcBef>
+                <a:spcPts val="0"/>
+              </a:spcBef>
+              <a:spcAft>
+                <a:spcPts val="0"/>
+              </a:spcAft>
+              <a:buClrTx/>
+              <a:buSzTx/>
+              <a:buFontTx/>
+              <a:buNone/>
+              <a:tabLst/>
+              <a:defRPr/>
+            </a:pPr>
+            <a:r>
+              <a:rPr lang="en-US" baseline="0" dirty="0" smtClean="0"/>
+              <a:t>Static configuration is by the compiler by simply linking the necessary libraries to the application, hence removing the need for configuration scripts.</a:t>
+            </a:r>
+            <a:endParaRPr lang="en-US" baseline="0" dirty="0" smtClean="0"/>
+          </a:p>
+          <a:p>
+            <a:r>
+              <a:rPr lang="en-US" baseline="0" dirty="0" smtClean="0"/>
+              <a:t>Since the entire stack is compiled at once, unused portions of code are pruned away and the whole system benefits from compiler optimizations.</a:t>
+            </a:r>
+          </a:p>
+        </p:txBody>
+      </p:sp>
+      <p:sp>
+        <p:nvSpPr>
+          <p:cNvPr id="4" name="Slide Number Placeholder 3"/>
+          <p:cNvSpPr>
+            <a:spLocks noGrp="1"/>
+          </p:cNvSpPr>
+          <p:nvPr>
+            <p:ph type="sldNum" sz="quarter" idx="10"/>
+          </p:nvPr>
+        </p:nvSpPr>
+        <p:spPr/>
+        <p:txBody>
+          <a:bodyPr/>
+          <a:lstStyle/>
+          <a:p>
+            <a:fld id="{69E8AC4D-76AB-F049-B583-F6A359C4EA1A}" type="slidenum">
+              <a:rPr lang="en-US" smtClean="0"/>
+              <a:t>11</a:t>
+            </a:fld>
+            <a:endParaRPr lang="en-US"/>
+          </a:p>
+        </p:txBody>
+      </p:sp>
+    </p:spTree>
+    <p:extLst>
+      <p:ext uri="{BB962C8B-B14F-4D97-AF65-F5344CB8AC3E}">
+        <p14:creationId xmlns:p14="http://schemas.microsoft.com/office/powerpoint/2010/main" val="1619720425"/>
+      </p:ext>
+    </p:extLst>
+  </p:cSld>
+  <p:clrMapOvr>
+    <a:masterClrMapping/>
+  </p:clrMapOvr>
+</p:notes>
+</file>
+
+<file path=ppt/notesSlides/notesSlide12.xml><?xml version="1.0" encoding="utf-8"?>
+<p:notes xmlns:a="http://schemas.openxmlformats.org/drawingml/2006/main" xmlns:r="http://schemas.openxmlformats.org/officeDocument/2006/relationships" xmlns:p="http://schemas.openxmlformats.org/presentationml/2006/main">
+  <p:cSld>
+    <p:spTree>
+      <p:nvGrpSpPr>
+        <p:cNvPr id="1" name=""/>
+        <p:cNvGrpSpPr/>
+        <p:nvPr/>
+      </p:nvGrpSpPr>
+      <p:grpSpPr>
+        <a:xfrm>
+          <a:off x="0" y="0"/>
+          <a:ext cx="0" cy="0"/>
+          <a:chOff x="0" y="0"/>
+          <a:chExt cx="0" cy="0"/>
+        </a:xfrm>
+      </p:grpSpPr>
+      <p:sp>
+        <p:nvSpPr>
+          <p:cNvPr id="2" name="Slide Image Placeholder 1"/>
+          <p:cNvSpPr>
+            <a:spLocks noGrp="1" noRot="1" noChangeAspect="1"/>
+          </p:cNvSpPr>
+          <p:nvPr>
+            <p:ph type="sldImg"/>
+          </p:nvPr>
+        </p:nvSpPr>
+        <p:spPr/>
+      </p:sp>
+      <p:sp>
+        <p:nvSpPr>
+          <p:cNvPr id="3" name="Notes Placeholder 2"/>
+          <p:cNvSpPr>
+            <a:spLocks noGrp="1"/>
+          </p:cNvSpPr>
+          <p:nvPr>
+            <p:ph type="body" idx="1"/>
+          </p:nvPr>
+        </p:nvSpPr>
+        <p:spPr/>
+        <p:txBody>
+          <a:bodyPr/>
+          <a:lstStyle/>
+          <a:p>
+            <a:r>
+              <a:rPr lang="en-US" dirty="0" smtClean="0"/>
+              <a:t>If we consider our requirements for performance,</a:t>
+            </a:r>
+            <a:r>
+              <a:rPr lang="en-US" baseline="0" dirty="0" smtClean="0"/>
+              <a:t> efficiency &amp; security.</a:t>
+            </a:r>
+          </a:p>
+          <a:p>
+            <a:r>
+              <a:rPr lang="en-US" baseline="0" dirty="0" smtClean="0"/>
+              <a:t>We first see that:</a:t>
+            </a:r>
+          </a:p>
+          <a:p>
+            <a:r>
+              <a:rPr lang="en-US" baseline="0" dirty="0" err="1" smtClean="0"/>
+              <a:t>Unikernel</a:t>
+            </a:r>
+            <a:r>
+              <a:rPr lang="en-US" baseline="0" dirty="0" smtClean="0"/>
+              <a:t> have a small boot time. Which means that services can be efficiently restarted on the cloud.</a:t>
+            </a:r>
+          </a:p>
+          <a:p>
+            <a:r>
+              <a:rPr lang="en-US" baseline="0" dirty="0" smtClean="0"/>
+              <a:t>They usually exhibit small size, hundreds of kB. That implies that less resources are required to host the program’s code and data.</a:t>
+            </a:r>
+          </a:p>
+          <a:p>
+            <a:r>
+              <a:rPr lang="en-US" baseline="0" dirty="0" err="1" smtClean="0"/>
+              <a:t>Unikernel</a:t>
+            </a:r>
+            <a:r>
+              <a:rPr lang="en-US" baseline="0" dirty="0" smtClean="0"/>
+              <a:t> perform well on the provided experiments and exhibit performance comparable to state-of-the-art implementations.</a:t>
+            </a:r>
+          </a:p>
+          <a:p>
+            <a:r>
+              <a:rPr lang="en-US" baseline="0" dirty="0" smtClean="0"/>
+              <a:t>Finally, by design, the </a:t>
+            </a:r>
+            <a:r>
+              <a:rPr lang="en-US" baseline="0" dirty="0" err="1" smtClean="0"/>
+              <a:t>Unikernel</a:t>
+            </a:r>
+            <a:r>
+              <a:rPr lang="en-US" baseline="0" dirty="0" smtClean="0"/>
+              <a:t> allows application-specific algorithms to be implemented.</a:t>
+            </a:r>
+          </a:p>
+          <a:p>
+            <a:endParaRPr lang="en-US" baseline="0" dirty="0" smtClean="0"/>
+          </a:p>
+          <a:p>
+            <a:r>
+              <a:rPr lang="en-US" baseline="0" dirty="0" smtClean="0"/>
+              <a:t>In terms of security, </a:t>
+            </a:r>
+          </a:p>
+          <a:p>
+            <a:r>
+              <a:rPr lang="en-US" baseline="0" dirty="0" smtClean="0"/>
+              <a:t>The small size and the fact that unused parts are pruned away allows to reduce the attack surface exposed.</a:t>
+            </a:r>
+          </a:p>
+          <a:p>
+            <a:r>
+              <a:rPr lang="en-US" baseline="0" dirty="0" smtClean="0"/>
+              <a:t>Then, extra protections are obtained via the use of high-level PL, like type-safety (which prevents type-errors) and garbage collected memory than prevent a certain </a:t>
+            </a:r>
+            <a:r>
+              <a:rPr lang="en-US" baseline="0" dirty="0" err="1" smtClean="0"/>
+              <a:t>calss</a:t>
+            </a:r>
+            <a:r>
+              <a:rPr lang="en-US" baseline="0" dirty="0" smtClean="0"/>
+              <a:t> of attacks.</a:t>
+            </a:r>
+          </a:p>
+          <a:p>
+            <a:r>
+              <a:rPr lang="en-US" baseline="0" dirty="0" smtClean="0"/>
+              <a:t>Then, we still retain the advantages of running on top of a hypervisor for isolation.</a:t>
+            </a:r>
+          </a:p>
+          <a:p>
+            <a:r>
+              <a:rPr lang="en-US" baseline="0" dirty="0" smtClean="0"/>
+              <a:t>Unfortunately, they do not provide any mechanism to protect the application’s code and data from a malicious host.</a:t>
+            </a:r>
+            <a:endParaRPr lang="en-US" dirty="0"/>
+          </a:p>
+        </p:txBody>
+      </p:sp>
+      <p:sp>
+        <p:nvSpPr>
+          <p:cNvPr id="4" name="Slide Number Placeholder 3"/>
+          <p:cNvSpPr>
+            <a:spLocks noGrp="1"/>
+          </p:cNvSpPr>
+          <p:nvPr>
+            <p:ph type="sldNum" sz="quarter" idx="10"/>
+          </p:nvPr>
+        </p:nvSpPr>
+        <p:spPr/>
+        <p:txBody>
+          <a:bodyPr/>
+          <a:lstStyle/>
+          <a:p>
+            <a:fld id="{69E8AC4D-76AB-F049-B583-F6A359C4EA1A}" type="slidenum">
+              <a:rPr lang="en-US" smtClean="0"/>
+              <a:t>12</a:t>
+            </a:fld>
+            <a:endParaRPr lang="en-US"/>
+          </a:p>
+        </p:txBody>
+      </p:sp>
+    </p:spTree>
+    <p:extLst>
+      <p:ext uri="{BB962C8B-B14F-4D97-AF65-F5344CB8AC3E}">
+        <p14:creationId xmlns:p14="http://schemas.microsoft.com/office/powerpoint/2010/main" val="241060231"/>
+      </p:ext>
+    </p:extLst>
+  </p:cSld>
+  <p:clrMapOvr>
+    <a:masterClrMapping/>
+  </p:clrMapOvr>
+</p:notes>
+</file>
+
+<file path=ppt/notesSlides/notesSlide13.xml><?xml version="1.0" encoding="utf-8"?>
+<p:notes xmlns:a="http://schemas.openxmlformats.org/drawingml/2006/main" xmlns:r="http://schemas.openxmlformats.org/officeDocument/2006/relationships" xmlns:p="http://schemas.openxmlformats.org/presentationml/2006/main">
+  <p:cSld>
+    <p:spTree>
+      <p:nvGrpSpPr>
+        <p:cNvPr id="1" name=""/>
+        <p:cNvGrpSpPr/>
+        <p:nvPr/>
+      </p:nvGrpSpPr>
+      <p:grpSpPr>
+        <a:xfrm>
+          <a:off x="0" y="0"/>
+          <a:ext cx="0" cy="0"/>
+          <a:chOff x="0" y="0"/>
+          <a:chExt cx="0" cy="0"/>
+        </a:xfrm>
+      </p:grpSpPr>
+      <p:sp>
+        <p:nvSpPr>
+          <p:cNvPr id="2" name="Slide Image Placeholder 1"/>
+          <p:cNvSpPr>
+            <a:spLocks noGrp="1" noRot="1" noChangeAspect="1"/>
+          </p:cNvSpPr>
+          <p:nvPr>
+            <p:ph type="sldImg"/>
+          </p:nvPr>
+        </p:nvSpPr>
+        <p:spPr/>
+      </p:sp>
+      <p:sp>
+        <p:nvSpPr>
+          <p:cNvPr id="3" name="Notes Placeholder 2"/>
+          <p:cNvSpPr>
+            <a:spLocks noGrp="1"/>
+          </p:cNvSpPr>
+          <p:nvPr>
+            <p:ph type="body" idx="1"/>
+          </p:nvPr>
+        </p:nvSpPr>
+        <p:spPr/>
+        <p:txBody>
+          <a:bodyPr/>
+          <a:lstStyle/>
+          <a:p>
+            <a:r>
+              <a:rPr lang="en-US" dirty="0" smtClean="0"/>
+              <a:t>To address</a:t>
+            </a:r>
+            <a:r>
+              <a:rPr lang="en-US" baseline="0" dirty="0" smtClean="0"/>
+              <a:t> this last point, we’ll study Haven, another system, based on the </a:t>
+            </a:r>
+            <a:r>
+              <a:rPr lang="en-US" baseline="0" dirty="0" err="1" smtClean="0"/>
+              <a:t>Exokernel</a:t>
+            </a:r>
+            <a:r>
+              <a:rPr lang="en-US" baseline="0" dirty="0" smtClean="0"/>
+              <a:t> design, that targets cloud deployments.</a:t>
+            </a:r>
+            <a:endParaRPr lang="en-US" dirty="0"/>
+          </a:p>
+        </p:txBody>
+      </p:sp>
+      <p:sp>
+        <p:nvSpPr>
+          <p:cNvPr id="4" name="Slide Number Placeholder 3"/>
+          <p:cNvSpPr>
+            <a:spLocks noGrp="1"/>
+          </p:cNvSpPr>
+          <p:nvPr>
+            <p:ph type="sldNum" sz="quarter" idx="10"/>
+          </p:nvPr>
+        </p:nvSpPr>
+        <p:spPr/>
+        <p:txBody>
+          <a:bodyPr/>
+          <a:lstStyle/>
+          <a:p>
+            <a:fld id="{69E8AC4D-76AB-F049-B583-F6A359C4EA1A}" type="slidenum">
+              <a:rPr lang="en-US" smtClean="0"/>
+              <a:t>13</a:t>
+            </a:fld>
+            <a:endParaRPr lang="en-US"/>
+          </a:p>
+        </p:txBody>
+      </p:sp>
+    </p:spTree>
+    <p:extLst>
+      <p:ext uri="{BB962C8B-B14F-4D97-AF65-F5344CB8AC3E}">
+        <p14:creationId xmlns:p14="http://schemas.microsoft.com/office/powerpoint/2010/main" val="1232615209"/>
+      </p:ext>
+    </p:extLst>
+  </p:cSld>
+  <p:clrMapOvr>
+    <a:masterClrMapping/>
+  </p:clrMapOvr>
+</p:notes>
+</file>
+
+<file path=ppt/notesSlides/notesSlide14.xml><?xml version="1.0" encoding="utf-8"?>
+<p:notes xmlns:a="http://schemas.openxmlformats.org/drawingml/2006/main" xmlns:r="http://schemas.openxmlformats.org/officeDocument/2006/relationships" xmlns:p="http://schemas.openxmlformats.org/presentationml/2006/main">
+  <p:cSld>
+    <p:spTree>
+      <p:nvGrpSpPr>
+        <p:cNvPr id="1" name=""/>
+        <p:cNvGrpSpPr/>
+        <p:nvPr/>
+      </p:nvGrpSpPr>
+      <p:grpSpPr>
+        <a:xfrm>
+          <a:off x="0" y="0"/>
+          <a:ext cx="0" cy="0"/>
+          <a:chOff x="0" y="0"/>
+          <a:chExt cx="0" cy="0"/>
+        </a:xfrm>
+      </p:grpSpPr>
+      <p:sp>
+        <p:nvSpPr>
+          <p:cNvPr id="2" name="Slide Image Placeholder 1"/>
+          <p:cNvSpPr>
+            <a:spLocks noGrp="1" noRot="1" noChangeAspect="1"/>
+          </p:cNvSpPr>
+          <p:nvPr>
+            <p:ph type="sldImg"/>
+          </p:nvPr>
+        </p:nvSpPr>
+        <p:spPr/>
+      </p:sp>
+      <p:sp>
+        <p:nvSpPr>
+          <p:cNvPr id="3" name="Notes Placeholder 2"/>
+          <p:cNvSpPr>
+            <a:spLocks noGrp="1"/>
+          </p:cNvSpPr>
+          <p:nvPr>
+            <p:ph type="body" idx="1"/>
+          </p:nvPr>
+        </p:nvSpPr>
+        <p:spPr/>
+        <p:txBody>
+          <a:bodyPr/>
+          <a:lstStyle/>
+          <a:p>
+            <a:endParaRPr lang="en-US" dirty="0"/>
+          </a:p>
+        </p:txBody>
+      </p:sp>
+      <p:sp>
+        <p:nvSpPr>
+          <p:cNvPr id="4" name="Slide Number Placeholder 3"/>
+          <p:cNvSpPr>
+            <a:spLocks noGrp="1"/>
+          </p:cNvSpPr>
+          <p:nvPr>
+            <p:ph type="sldNum" sz="quarter" idx="10"/>
+          </p:nvPr>
+        </p:nvSpPr>
+        <p:spPr/>
+        <p:txBody>
+          <a:bodyPr/>
+          <a:lstStyle/>
+          <a:p>
+            <a:fld id="{69E8AC4D-76AB-F049-B583-F6A359C4EA1A}" type="slidenum">
+              <a:rPr lang="en-US" smtClean="0"/>
+              <a:t>14</a:t>
+            </a:fld>
+            <a:endParaRPr lang="en-US"/>
+          </a:p>
+        </p:txBody>
+      </p:sp>
+    </p:spTree>
+    <p:extLst>
+      <p:ext uri="{BB962C8B-B14F-4D97-AF65-F5344CB8AC3E}">
+        <p14:creationId xmlns:p14="http://schemas.microsoft.com/office/powerpoint/2010/main" val="108935455"/>
+      </p:ext>
+    </p:extLst>
+  </p:cSld>
+  <p:clrMapOvr>
+    <a:masterClrMapping/>
+  </p:clrMapOvr>
+</p:notes>
+</file>
+
+<file path=ppt/notesSlides/notesSlide15.xml><?xml version="1.0" encoding="utf-8"?>
+<p:notes xmlns:a="http://schemas.openxmlformats.org/drawingml/2006/main" xmlns:r="http://schemas.openxmlformats.org/officeDocument/2006/relationships" xmlns:p="http://schemas.openxmlformats.org/presentationml/2006/main">
+  <p:cSld>
+    <p:spTree>
+      <p:nvGrpSpPr>
+        <p:cNvPr id="1" name=""/>
+        <p:cNvGrpSpPr/>
+        <p:nvPr/>
+      </p:nvGrpSpPr>
+      <p:grpSpPr>
+        <a:xfrm>
+          <a:off x="0" y="0"/>
+          <a:ext cx="0" cy="0"/>
+          <a:chOff x="0" y="0"/>
+          <a:chExt cx="0" cy="0"/>
+        </a:xfrm>
+      </p:grpSpPr>
+      <p:sp>
+        <p:nvSpPr>
+          <p:cNvPr id="2" name="Slide Image Placeholder 1"/>
+          <p:cNvSpPr>
+            <a:spLocks noGrp="1" noRot="1" noChangeAspect="1"/>
+          </p:cNvSpPr>
+          <p:nvPr>
+            <p:ph type="sldImg"/>
+          </p:nvPr>
+        </p:nvSpPr>
+        <p:spPr/>
+      </p:sp>
+      <p:sp>
+        <p:nvSpPr>
+          <p:cNvPr id="3" name="Notes Placeholder 2"/>
+          <p:cNvSpPr>
+            <a:spLocks noGrp="1"/>
+          </p:cNvSpPr>
+          <p:nvPr>
+            <p:ph type="body" idx="1"/>
+          </p:nvPr>
+        </p:nvSpPr>
+        <p:spPr/>
+        <p:txBody>
+          <a:bodyPr/>
+          <a:lstStyle/>
+          <a:p>
+            <a:r>
+              <a:rPr lang="en-US" dirty="0" smtClean="0"/>
+              <a:t>Typically,</a:t>
+            </a:r>
+            <a:r>
+              <a:rPr lang="en-US" baseline="0" dirty="0" smtClean="0"/>
+              <a:t> cloud service provider wrap applications in a sandbox to isolate them from each other &amp; protect themselves.</a:t>
+            </a:r>
+          </a:p>
+          <a:p>
+            <a:r>
+              <a:rPr lang="en-US" baseline="0" dirty="0" smtClean="0"/>
+              <a:t>In this security model, the software management stack executed by the CSP is privileged, and retains access to the application’s code and sensitive data.</a:t>
+            </a:r>
+          </a:p>
+          <a:p>
+            <a:r>
+              <a:rPr lang="en-US" baseline="0" dirty="0" smtClean="0"/>
+              <a:t>It is considered to be part of the trusted computing base.</a:t>
+            </a:r>
+          </a:p>
+          <a:p>
+            <a:r>
+              <a:rPr lang="en-US" baseline="0" dirty="0" smtClean="0"/>
+              <a:t>This security model, however, fails to consider cases where the host itself might be compromised or malicious.</a:t>
+            </a:r>
+          </a:p>
+          <a:p>
+            <a:r>
+              <a:rPr lang="en-US" baseline="0" dirty="0" smtClean="0"/>
+              <a:t>By compromising a machine, a hacker gains complete access to all app code and data.</a:t>
+            </a:r>
+          </a:p>
+          <a:p>
+            <a:r>
+              <a:rPr lang="en-US" baseline="0" dirty="0" smtClean="0"/>
+              <a:t>Another important thing to keep in mind is that trusting the CSP requires to extend our trust to all its employees.</a:t>
+            </a:r>
+          </a:p>
+          <a:p>
+            <a:r>
+              <a:rPr lang="en-US" baseline="0" dirty="0" smtClean="0"/>
+              <a:t>It already happened in the past that one employee abused its privileges to access private data.</a:t>
+            </a:r>
+          </a:p>
+          <a:p>
+            <a:endParaRPr lang="en-US" baseline="0" dirty="0" smtClean="0"/>
+          </a:p>
+          <a:p>
+            <a:r>
+              <a:rPr lang="en-US" baseline="0" dirty="0" smtClean="0"/>
+              <a:t>Haven addresses </a:t>
+            </a:r>
+            <a:r>
+              <a:rPr lang="en-US" baseline="0" smtClean="0"/>
+              <a:t>these concerns by providing shielded execution of legacy applications.</a:t>
+            </a:r>
+            <a:endParaRPr lang="en-US" baseline="0" dirty="0" smtClean="0"/>
+          </a:p>
+          <a:p>
+            <a:endParaRPr lang="en-US" dirty="0"/>
+          </a:p>
+        </p:txBody>
+      </p:sp>
+      <p:sp>
+        <p:nvSpPr>
+          <p:cNvPr id="4" name="Slide Number Placeholder 3"/>
+          <p:cNvSpPr>
+            <a:spLocks noGrp="1"/>
+          </p:cNvSpPr>
+          <p:nvPr>
+            <p:ph type="sldNum" sz="quarter" idx="10"/>
+          </p:nvPr>
+        </p:nvSpPr>
+        <p:spPr/>
+        <p:txBody>
+          <a:bodyPr/>
+          <a:lstStyle/>
+          <a:p>
+            <a:fld id="{69E8AC4D-76AB-F049-B583-F6A359C4EA1A}" type="slidenum">
+              <a:rPr lang="en-US" smtClean="0"/>
+              <a:t>15</a:t>
+            </a:fld>
+            <a:endParaRPr lang="en-US"/>
+          </a:p>
+        </p:txBody>
+      </p:sp>
+    </p:spTree>
+    <p:extLst>
+      <p:ext uri="{BB962C8B-B14F-4D97-AF65-F5344CB8AC3E}">
+        <p14:creationId xmlns:p14="http://schemas.microsoft.com/office/powerpoint/2010/main" val="474036529"/>
+      </p:ext>
+    </p:extLst>
+  </p:cSld>
+  <p:clrMapOvr>
+    <a:masterClrMapping/>
+  </p:clrMapOvr>
+</p:notes>
+</file>
+
+<file path=ppt/notesSlides/notesSlide16.xml><?xml version="1.0" encoding="utf-8"?>
+<p:notes xmlns:a="http://schemas.openxmlformats.org/drawingml/2006/main" xmlns:r="http://schemas.openxmlformats.org/officeDocument/2006/relationships" xmlns:p="http://schemas.openxmlformats.org/presentationml/2006/main">
+  <p:cSld>
+    <p:spTree>
+      <p:nvGrpSpPr>
+        <p:cNvPr id="1" name=""/>
+        <p:cNvGrpSpPr/>
+        <p:nvPr/>
+      </p:nvGrpSpPr>
+      <p:grpSpPr>
+        <a:xfrm>
+          <a:off x="0" y="0"/>
+          <a:ext cx="0" cy="0"/>
+          <a:chOff x="0" y="0"/>
+          <a:chExt cx="0" cy="0"/>
+        </a:xfrm>
+      </p:grpSpPr>
+      <p:sp>
+        <p:nvSpPr>
+          <p:cNvPr id="2" name="Slide Image Placeholder 1"/>
+          <p:cNvSpPr>
+            <a:spLocks noGrp="1" noRot="1" noChangeAspect="1"/>
+          </p:cNvSpPr>
+          <p:nvPr>
+            <p:ph type="sldImg"/>
+          </p:nvPr>
+        </p:nvSpPr>
+        <p:spPr/>
+      </p:sp>
+      <p:sp>
+        <p:nvSpPr>
+          <p:cNvPr id="3" name="Notes Placeholder 2"/>
+          <p:cNvSpPr>
+            <a:spLocks noGrp="1"/>
+          </p:cNvSpPr>
+          <p:nvPr>
+            <p:ph type="body" idx="1"/>
+          </p:nvPr>
+        </p:nvSpPr>
+        <p:spPr/>
+        <p:txBody>
+          <a:bodyPr/>
+          <a:lstStyle/>
+          <a:p>
+            <a:endParaRPr lang="en-US" dirty="0"/>
+          </a:p>
+        </p:txBody>
+      </p:sp>
+      <p:sp>
+        <p:nvSpPr>
+          <p:cNvPr id="4" name="Slide Number Placeholder 3"/>
+          <p:cNvSpPr>
+            <a:spLocks noGrp="1"/>
+          </p:cNvSpPr>
+          <p:nvPr>
+            <p:ph type="sldNum" sz="quarter" idx="10"/>
+          </p:nvPr>
+        </p:nvSpPr>
+        <p:spPr/>
+        <p:txBody>
+          <a:bodyPr/>
+          <a:lstStyle/>
+          <a:p>
+            <a:fld id="{69E8AC4D-76AB-F049-B583-F6A359C4EA1A}" type="slidenum">
+              <a:rPr lang="en-US" smtClean="0"/>
+              <a:t>21</a:t>
+            </a:fld>
+            <a:endParaRPr lang="en-US"/>
+          </a:p>
+        </p:txBody>
+      </p:sp>
+    </p:spTree>
+    <p:extLst>
+      <p:ext uri="{BB962C8B-B14F-4D97-AF65-F5344CB8AC3E}">
+        <p14:creationId xmlns:p14="http://schemas.microsoft.com/office/powerpoint/2010/main" val="1804063969"/>
+      </p:ext>
+    </p:extLst>
+  </p:cSld>
+  <p:clrMapOvr>
+    <a:masterClrMapping/>
+  </p:clrMapOvr>
+</p:notes>
+</file>
+
+<file path=ppt/notesSlides/notesSlide17.xml><?xml version="1.0" encoding="utf-8"?>
+<p:notes xmlns:a="http://schemas.openxmlformats.org/drawingml/2006/main" xmlns:r="http://schemas.openxmlformats.org/officeDocument/2006/relationships" xmlns:p="http://schemas.openxmlformats.org/presentationml/2006/main">
+  <p:cSld>
+    <p:spTree>
+      <p:nvGrpSpPr>
+        <p:cNvPr id="1" name=""/>
+        <p:cNvGrpSpPr/>
+        <p:nvPr/>
+      </p:nvGrpSpPr>
+      <p:grpSpPr>
+        <a:xfrm>
+          <a:off x="0" y="0"/>
+          <a:ext cx="0" cy="0"/>
+          <a:chOff x="0" y="0"/>
+          <a:chExt cx="0" cy="0"/>
+        </a:xfrm>
+      </p:grpSpPr>
+      <p:sp>
+        <p:nvSpPr>
+          <p:cNvPr id="2" name="Slide Image Placeholder 1"/>
+          <p:cNvSpPr>
+            <a:spLocks noGrp="1" noRot="1" noChangeAspect="1"/>
+          </p:cNvSpPr>
+          <p:nvPr>
+            <p:ph type="sldImg"/>
+          </p:nvPr>
+        </p:nvSpPr>
+        <p:spPr/>
+      </p:sp>
+      <p:sp>
+        <p:nvSpPr>
+          <p:cNvPr id="3" name="Notes Placeholder 2"/>
+          <p:cNvSpPr>
+            <a:spLocks noGrp="1"/>
+          </p:cNvSpPr>
+          <p:nvPr>
+            <p:ph type="body" idx="1"/>
+          </p:nvPr>
+        </p:nvSpPr>
+        <p:spPr/>
+        <p:txBody>
+          <a:bodyPr/>
+          <a:lstStyle/>
+          <a:p>
+            <a:r>
+              <a:rPr lang="en-US" dirty="0" smtClean="0"/>
+              <a:t>That’s all</a:t>
+            </a:r>
+            <a:r>
+              <a:rPr lang="en-US" smtClean="0"/>
+              <a:t>. Thanks</a:t>
+            </a:r>
+            <a:endParaRPr lang="en-US"/>
+          </a:p>
+        </p:txBody>
+      </p:sp>
+      <p:sp>
+        <p:nvSpPr>
+          <p:cNvPr id="4" name="Slide Number Placeholder 3"/>
+          <p:cNvSpPr>
+            <a:spLocks noGrp="1"/>
+          </p:cNvSpPr>
+          <p:nvPr>
+            <p:ph type="sldNum" sz="quarter" idx="10"/>
+          </p:nvPr>
+        </p:nvSpPr>
+        <p:spPr/>
+        <p:txBody>
+          <a:bodyPr/>
+          <a:lstStyle/>
+          <a:p>
+            <a:fld id="{5818C058-0722-5846-9CCC-2E4F26A67B17}" type="slidenum">
+              <a:rPr lang="en-US" smtClean="0"/>
+              <a:t>22</a:t>
+            </a:fld>
+            <a:endParaRPr lang="en-US"/>
+          </a:p>
+        </p:txBody>
+      </p:sp>
+    </p:spTree>
+    <p:extLst>
+      <p:ext uri="{BB962C8B-B14F-4D97-AF65-F5344CB8AC3E}">
+        <p14:creationId xmlns:p14="http://schemas.microsoft.com/office/powerpoint/2010/main" val="389410249"/>
+      </p:ext>
+    </p:extLst>
+  </p:cSld>
+  <p:clrMapOvr>
+    <a:masterClrMapping/>
+  </p:clrMapOvr>
+</p:notes>
+</file>
+
+<file path=ppt/notesSlides/notesSlide2.xml><?xml version="1.0" encoding="utf-8"?>
+<p:notes xmlns:a="http://schemas.openxmlformats.org/drawingml/2006/main" xmlns:r="http://schemas.openxmlformats.org/officeDocument/2006/relationships" xmlns:p="http://schemas.openxmlformats.org/presentationml/2006/main">
+  <p:cSld>
+    <p:spTree>
+      <p:nvGrpSpPr>
+        <p:cNvPr id="1" name=""/>
+        <p:cNvGrpSpPr/>
+        <p:nvPr/>
+      </p:nvGrpSpPr>
+      <p:grpSpPr>
+        <a:xfrm>
+          <a:off x="0" y="0"/>
+          <a:ext cx="0" cy="0"/>
+          <a:chOff x="0" y="0"/>
+          <a:chExt cx="0" cy="0"/>
+        </a:xfrm>
+      </p:grpSpPr>
+      <p:sp>
+        <p:nvSpPr>
+          <p:cNvPr id="2" name="Slide Image Placeholder 1"/>
+          <p:cNvSpPr>
+            <a:spLocks noGrp="1" noRot="1" noChangeAspect="1"/>
+          </p:cNvSpPr>
+          <p:nvPr>
+            <p:ph type="sldImg"/>
+          </p:nvPr>
+        </p:nvSpPr>
+        <p:spPr/>
+      </p:sp>
+      <p:sp>
+        <p:nvSpPr>
+          <p:cNvPr id="3" name="Notes Placeholder 2"/>
+          <p:cNvSpPr>
+            <a:spLocks noGrp="1"/>
+          </p:cNvSpPr>
+          <p:nvPr>
+            <p:ph type="body" idx="1"/>
+          </p:nvPr>
+        </p:nvSpPr>
+        <p:spPr/>
+        <p:txBody>
+          <a:bodyPr/>
+          <a:lstStyle/>
+          <a:p>
+            <a:r>
+              <a:rPr lang="en-US" dirty="0" smtClean="0"/>
+              <a:t>This is the outline for the presentation</a:t>
+            </a:r>
+            <a:r>
+              <a:rPr lang="en-US" baseline="0" dirty="0" smtClean="0"/>
+              <a:t> today.</a:t>
+            </a:r>
+          </a:p>
+          <a:p>
+            <a:r>
+              <a:rPr lang="en-US" baseline="0" dirty="0" smtClean="0"/>
+              <a:t>We’ll have a short introduction.</a:t>
+            </a:r>
+          </a:p>
+          <a:p>
+            <a:r>
+              <a:rPr lang="en-US" baseline="0" dirty="0" smtClean="0"/>
+              <a:t>I’ll then proceed with the description of the three papers that I selected: The </a:t>
+            </a:r>
+            <a:r>
+              <a:rPr lang="en-US" baseline="0" dirty="0" err="1" smtClean="0"/>
+              <a:t>exokernel</a:t>
+            </a:r>
+            <a:r>
+              <a:rPr lang="en-US" baseline="0" dirty="0" smtClean="0"/>
+              <a:t>, a radical design for Operating systems that allows application-level management of resources.</a:t>
+            </a:r>
+          </a:p>
+          <a:p>
+            <a:r>
+              <a:rPr lang="en-US" baseline="0" dirty="0" smtClean="0"/>
+              <a:t>After that, I’ll present two papers, inspired by the </a:t>
+            </a:r>
+            <a:r>
+              <a:rPr lang="en-US" baseline="0" dirty="0" err="1" smtClean="0"/>
+              <a:t>Exokernel</a:t>
+            </a:r>
+            <a:r>
+              <a:rPr lang="en-US" baseline="0" dirty="0" smtClean="0"/>
+              <a:t> architecture, that target cloud deployments.</a:t>
+            </a:r>
+          </a:p>
+          <a:p>
+            <a:r>
+              <a:rPr lang="en-US" baseline="0" dirty="0" smtClean="0"/>
+              <a:t>The </a:t>
+            </a:r>
+            <a:r>
+              <a:rPr lang="en-US" baseline="0" dirty="0" err="1" smtClean="0"/>
+              <a:t>Unikernel</a:t>
+            </a:r>
+            <a:r>
+              <a:rPr lang="en-US" baseline="0" dirty="0" smtClean="0"/>
+              <a:t> &amp; Haven.</a:t>
+            </a:r>
+          </a:p>
+          <a:p>
+            <a:r>
+              <a:rPr lang="en-US" baseline="0" dirty="0" smtClean="0"/>
+              <a:t>At the end of the presentation, I’ll gather the insights from all papers and present my research proposal.</a:t>
+            </a:r>
+            <a:endParaRPr lang="en-US" dirty="0"/>
+          </a:p>
+        </p:txBody>
+      </p:sp>
+      <p:sp>
+        <p:nvSpPr>
+          <p:cNvPr id="4" name="Slide Number Placeholder 3"/>
+          <p:cNvSpPr>
+            <a:spLocks noGrp="1"/>
+          </p:cNvSpPr>
+          <p:nvPr>
+            <p:ph type="sldNum" sz="quarter" idx="10"/>
+          </p:nvPr>
+        </p:nvSpPr>
+        <p:spPr/>
+        <p:txBody>
+          <a:bodyPr/>
+          <a:lstStyle/>
+          <a:p>
+            <a:fld id="{69E8AC4D-76AB-F049-B583-F6A359C4EA1A}" type="slidenum">
+              <a:rPr lang="en-US" smtClean="0"/>
+              <a:t>2</a:t>
+            </a:fld>
+            <a:endParaRPr lang="en-US"/>
+          </a:p>
+        </p:txBody>
+      </p:sp>
+    </p:spTree>
+    <p:extLst>
+      <p:ext uri="{BB962C8B-B14F-4D97-AF65-F5344CB8AC3E}">
+        <p14:creationId xmlns:p14="http://schemas.microsoft.com/office/powerpoint/2010/main" val="651268025"/>
+      </p:ext>
+    </p:extLst>
+  </p:cSld>
+  <p:clrMapOvr>
+    <a:masterClrMapping/>
+  </p:clrMapOvr>
+</p:notes>
+</file>
+
+<file path=ppt/notesSlides/notesSlide3.xml><?xml version="1.0" encoding="utf-8"?>
+<p:notes xmlns:a="http://schemas.openxmlformats.org/drawingml/2006/main" xmlns:r="http://schemas.openxmlformats.org/officeDocument/2006/relationships" xmlns:p="http://schemas.openxmlformats.org/presentationml/2006/main">
+  <p:cSld>
+    <p:spTree>
+      <p:nvGrpSpPr>
+        <p:cNvPr id="1" name=""/>
+        <p:cNvGrpSpPr/>
+        <p:nvPr/>
+      </p:nvGrpSpPr>
+      <p:grpSpPr>
+        <a:xfrm>
+          <a:off x="0" y="0"/>
+          <a:ext cx="0" cy="0"/>
+          <a:chOff x="0" y="0"/>
+          <a:chExt cx="0" cy="0"/>
+        </a:xfrm>
+      </p:grpSpPr>
+      <p:sp>
+        <p:nvSpPr>
+          <p:cNvPr id="2" name="Slide Image Placeholder 1"/>
+          <p:cNvSpPr>
+            <a:spLocks noGrp="1" noRot="1" noChangeAspect="1"/>
+          </p:cNvSpPr>
+          <p:nvPr>
+            <p:ph type="sldImg"/>
+          </p:nvPr>
+        </p:nvSpPr>
+        <p:spPr/>
+      </p:sp>
+      <p:sp>
+        <p:nvSpPr>
+          <p:cNvPr id="3" name="Notes Placeholder 2"/>
+          <p:cNvSpPr>
+            <a:spLocks noGrp="1"/>
+          </p:cNvSpPr>
+          <p:nvPr>
+            <p:ph type="body" idx="1"/>
+          </p:nvPr>
+        </p:nvSpPr>
+        <p:spPr/>
+        <p:txBody>
+          <a:bodyPr/>
+          <a:lstStyle/>
+          <a:p>
+            <a:r>
+              <a:rPr lang="en-US" dirty="0" smtClean="0"/>
+              <a:t>Cloud</a:t>
+            </a:r>
+            <a:r>
+              <a:rPr lang="en-US" baseline="0" dirty="0" smtClean="0"/>
+              <a:t> services are a popular option to deploy applications.</a:t>
+            </a:r>
+          </a:p>
+          <a:p>
+            <a:r>
+              <a:rPr lang="en-US" baseline="0" dirty="0" smtClean="0"/>
+              <a:t>They allow even small size organization to quickly deploy their app, and offer means to adapt resources to the current load it has to face.</a:t>
+            </a:r>
+          </a:p>
+          <a:p>
+            <a:r>
+              <a:rPr lang="en-US" baseline="0" dirty="0" smtClean="0"/>
+              <a:t>At the same time, resources are rented from a third party which raises some challenges.</a:t>
+            </a:r>
+          </a:p>
+          <a:p>
+            <a:r>
+              <a:rPr lang="en-US" baseline="0" dirty="0" smtClean="0"/>
+              <a:t>First, you have to pay for resources. As a result, tenants want to use them as efficiently as possible.</a:t>
+            </a:r>
+          </a:p>
+          <a:p>
+            <a:r>
+              <a:rPr lang="en-US" baseline="0" dirty="0" smtClean="0"/>
+              <a:t>That implies that you want to limit the amount of resources your application consumes, and make the most out of what you pay for, which implies achieving good performance.</a:t>
+            </a:r>
+          </a:p>
+          <a:p>
+            <a:endParaRPr lang="en-US" baseline="0" dirty="0" smtClean="0"/>
+          </a:p>
+          <a:p>
+            <a:r>
+              <a:rPr lang="en-US" baseline="0" dirty="0" smtClean="0"/>
+              <a:t>Second, tenants have to think about security.</a:t>
+            </a:r>
+          </a:p>
+          <a:p>
+            <a:r>
+              <a:rPr lang="en-US" baseline="0" dirty="0" smtClean="0"/>
+              <a:t>The application might be co-located on the same physical machine with other, untrusted, apps.</a:t>
+            </a:r>
+          </a:p>
+          <a:p>
+            <a:r>
+              <a:rPr lang="en-US" baseline="0" dirty="0" smtClean="0"/>
+              <a:t>CSPs usually isolate apps from each other by relying on sandboxing mechanisms (like VMs and containers), but it remains your responsibility to actually defend against malicious users that want to subvert your applications.</a:t>
+            </a:r>
+          </a:p>
+          <a:p>
+            <a:r>
+              <a:rPr lang="en-US" baseline="0" dirty="0" smtClean="0"/>
+              <a:t>At the same time, hosting your code and data on a physical machine that is not under your control presents risks.</a:t>
+            </a:r>
+          </a:p>
+          <a:p>
+            <a:r>
+              <a:rPr lang="en-US" baseline="0" dirty="0" smtClean="0"/>
+              <a:t>What if the host gets compromised? What if an employee abuses its privileges? What if the physical machine is in a country where an entity, like the government, requires access to these machines?</a:t>
+            </a:r>
+            <a:endParaRPr lang="en-US" dirty="0" smtClean="0"/>
+          </a:p>
+          <a:p>
+            <a:r>
+              <a:rPr lang="en-US" dirty="0" smtClean="0"/>
+              <a:t>So</a:t>
+            </a:r>
+            <a:r>
+              <a:rPr lang="en-US" baseline="0" dirty="0" smtClean="0"/>
+              <a:t> you also want to be able to protect your IP and sensitive user data from the CPS itself.</a:t>
+            </a:r>
+            <a:endParaRPr lang="en-US" dirty="0" smtClean="0"/>
+          </a:p>
+        </p:txBody>
+      </p:sp>
+      <p:sp>
+        <p:nvSpPr>
+          <p:cNvPr id="4" name="Slide Number Placeholder 3"/>
+          <p:cNvSpPr>
+            <a:spLocks noGrp="1"/>
+          </p:cNvSpPr>
+          <p:nvPr>
+            <p:ph type="sldNum" sz="quarter" idx="10"/>
+          </p:nvPr>
+        </p:nvSpPr>
+        <p:spPr/>
+        <p:txBody>
+          <a:bodyPr/>
+          <a:lstStyle/>
+          <a:p>
+            <a:fld id="{69E8AC4D-76AB-F049-B583-F6A359C4EA1A}" type="slidenum">
+              <a:rPr lang="en-US" smtClean="0"/>
+              <a:t>3</a:t>
+            </a:fld>
+            <a:endParaRPr lang="en-US"/>
+          </a:p>
+        </p:txBody>
+      </p:sp>
+    </p:spTree>
+    <p:extLst>
+      <p:ext uri="{BB962C8B-B14F-4D97-AF65-F5344CB8AC3E}">
+        <p14:creationId xmlns:p14="http://schemas.microsoft.com/office/powerpoint/2010/main" val="363736258"/>
+      </p:ext>
+    </p:extLst>
+  </p:cSld>
+  <p:clrMapOvr>
+    <a:masterClrMapping/>
+  </p:clrMapOvr>
+</p:notes>
+</file>
+
+<file path=ppt/notesSlides/notesSlide4.xml><?xml version="1.0" encoding="utf-8"?>
+<p:notes xmlns:a="http://schemas.openxmlformats.org/drawingml/2006/main" xmlns:r="http://schemas.openxmlformats.org/officeDocument/2006/relationships" xmlns:p="http://schemas.openxmlformats.org/presentationml/2006/main">
+  <p:cSld>
+    <p:spTree>
+      <p:nvGrpSpPr>
+        <p:cNvPr id="1" name=""/>
+        <p:cNvGrpSpPr/>
+        <p:nvPr/>
+      </p:nvGrpSpPr>
+      <p:grpSpPr>
+        <a:xfrm>
+          <a:off x="0" y="0"/>
+          <a:ext cx="0" cy="0"/>
+          <a:chOff x="0" y="0"/>
+          <a:chExt cx="0" cy="0"/>
+        </a:xfrm>
+      </p:grpSpPr>
+      <p:sp>
+        <p:nvSpPr>
+          <p:cNvPr id="2" name="Slide Image Placeholder 1"/>
+          <p:cNvSpPr>
+            <a:spLocks noGrp="1" noRot="1" noChangeAspect="1"/>
+          </p:cNvSpPr>
+          <p:nvPr>
+            <p:ph type="sldImg"/>
+          </p:nvPr>
+        </p:nvSpPr>
+        <p:spPr/>
+      </p:sp>
+      <p:sp>
+        <p:nvSpPr>
+          <p:cNvPr id="3" name="Notes Placeholder 2"/>
+          <p:cNvSpPr>
+            <a:spLocks noGrp="1"/>
+          </p:cNvSpPr>
+          <p:nvPr>
+            <p:ph type="body" idx="1"/>
+          </p:nvPr>
+        </p:nvSpPr>
+        <p:spPr/>
+        <p:txBody>
+          <a:bodyPr/>
+          <a:lstStyle/>
+          <a:p>
+            <a:r>
+              <a:rPr lang="en-US" dirty="0" smtClean="0"/>
+              <a:t>We propose to answer all these concerns by studying two</a:t>
+            </a:r>
+            <a:r>
+              <a:rPr lang="en-US" baseline="0" dirty="0" smtClean="0"/>
+              <a:t> systems, based on the </a:t>
+            </a:r>
+            <a:r>
+              <a:rPr lang="en-US" baseline="0" dirty="0" err="1" smtClean="0"/>
+              <a:t>Exokernel</a:t>
+            </a:r>
+            <a:r>
+              <a:rPr lang="en-US" baseline="0" dirty="0" smtClean="0"/>
+              <a:t> design, that target cloud services.</a:t>
+            </a:r>
+          </a:p>
+          <a:p>
+            <a:r>
+              <a:rPr lang="en-US" baseline="0" dirty="0" smtClean="0"/>
+              <a:t>We’ll study how this design is leveraged in such systems to provide the performance, efficiency, and security that we are looking for.</a:t>
+            </a:r>
+            <a:endParaRPr lang="en-US" dirty="0"/>
+          </a:p>
+        </p:txBody>
+      </p:sp>
+      <p:sp>
+        <p:nvSpPr>
+          <p:cNvPr id="4" name="Slide Number Placeholder 3"/>
+          <p:cNvSpPr>
+            <a:spLocks noGrp="1"/>
+          </p:cNvSpPr>
+          <p:nvPr>
+            <p:ph type="sldNum" sz="quarter" idx="10"/>
+          </p:nvPr>
+        </p:nvSpPr>
+        <p:spPr/>
+        <p:txBody>
+          <a:bodyPr/>
+          <a:lstStyle/>
+          <a:p>
+            <a:fld id="{69E8AC4D-76AB-F049-B583-F6A359C4EA1A}" type="slidenum">
+              <a:rPr lang="en-US" smtClean="0"/>
+              <a:t>4</a:t>
+            </a:fld>
+            <a:endParaRPr lang="en-US"/>
+          </a:p>
+        </p:txBody>
+      </p:sp>
+    </p:spTree>
+    <p:extLst>
+      <p:ext uri="{BB962C8B-B14F-4D97-AF65-F5344CB8AC3E}">
+        <p14:creationId xmlns:p14="http://schemas.microsoft.com/office/powerpoint/2010/main" val="52756144"/>
+      </p:ext>
+    </p:extLst>
+  </p:cSld>
+  <p:clrMapOvr>
+    <a:masterClrMapping/>
+  </p:clrMapOvr>
+</p:notes>
+</file>
+
+<file path=ppt/notesSlides/notesSlide5.xml><?xml version="1.0" encoding="utf-8"?>
+<p:notes xmlns:a="http://schemas.openxmlformats.org/drawingml/2006/main" xmlns:r="http://schemas.openxmlformats.org/officeDocument/2006/relationships" xmlns:p="http://schemas.openxmlformats.org/presentationml/2006/main">
+  <p:cSld>
+    <p:spTree>
+      <p:nvGrpSpPr>
+        <p:cNvPr id="1" name=""/>
+        <p:cNvGrpSpPr/>
+        <p:nvPr/>
+      </p:nvGrpSpPr>
+      <p:grpSpPr>
+        <a:xfrm>
+          <a:off x="0" y="0"/>
+          <a:ext cx="0" cy="0"/>
+          <a:chOff x="0" y="0"/>
+          <a:chExt cx="0" cy="0"/>
+        </a:xfrm>
+      </p:grpSpPr>
+      <p:sp>
+        <p:nvSpPr>
+          <p:cNvPr id="2" name="Slide Image Placeholder 1"/>
+          <p:cNvSpPr>
+            <a:spLocks noGrp="1" noRot="1" noChangeAspect="1"/>
+          </p:cNvSpPr>
+          <p:nvPr>
+            <p:ph type="sldImg"/>
+          </p:nvPr>
+        </p:nvSpPr>
+        <p:spPr/>
+      </p:sp>
+      <p:sp>
+        <p:nvSpPr>
+          <p:cNvPr id="3" name="Notes Placeholder 2"/>
+          <p:cNvSpPr>
+            <a:spLocks noGrp="1"/>
+          </p:cNvSpPr>
+          <p:nvPr>
+            <p:ph type="body" idx="1"/>
+          </p:nvPr>
+        </p:nvSpPr>
+        <p:spPr/>
+        <p:txBody>
+          <a:bodyPr/>
+          <a:lstStyle/>
+          <a:p>
+            <a:r>
+              <a:rPr lang="en-US" dirty="0" smtClean="0"/>
+              <a:t>We first begin by describing the </a:t>
+            </a:r>
+            <a:r>
+              <a:rPr lang="en-US" dirty="0" err="1" smtClean="0"/>
+              <a:t>exokernel</a:t>
+            </a:r>
+            <a:r>
+              <a:rPr lang="en-US" dirty="0" smtClean="0"/>
+              <a:t> original design.</a:t>
+            </a:r>
+            <a:endParaRPr lang="en-US" dirty="0"/>
+          </a:p>
+        </p:txBody>
+      </p:sp>
+      <p:sp>
+        <p:nvSpPr>
+          <p:cNvPr id="4" name="Slide Number Placeholder 3"/>
+          <p:cNvSpPr>
+            <a:spLocks noGrp="1"/>
+          </p:cNvSpPr>
+          <p:nvPr>
+            <p:ph type="sldNum" sz="quarter" idx="10"/>
+          </p:nvPr>
+        </p:nvSpPr>
+        <p:spPr/>
+        <p:txBody>
+          <a:bodyPr/>
+          <a:lstStyle/>
+          <a:p>
+            <a:fld id="{69E8AC4D-76AB-F049-B583-F6A359C4EA1A}" type="slidenum">
+              <a:rPr lang="en-US" smtClean="0"/>
+              <a:t>5</a:t>
+            </a:fld>
+            <a:endParaRPr lang="en-US"/>
+          </a:p>
+        </p:txBody>
+      </p:sp>
+    </p:spTree>
+    <p:extLst>
+      <p:ext uri="{BB962C8B-B14F-4D97-AF65-F5344CB8AC3E}">
+        <p14:creationId xmlns:p14="http://schemas.microsoft.com/office/powerpoint/2010/main" val="187519585"/>
+      </p:ext>
+    </p:extLst>
+  </p:cSld>
+  <p:clrMapOvr>
+    <a:masterClrMapping/>
+  </p:clrMapOvr>
+</p:notes>
+</file>
+
+<file path=ppt/notesSlides/notesSlide6.xml><?xml version="1.0" encoding="utf-8"?>
+<p:notes xmlns:a="http://schemas.openxmlformats.org/drawingml/2006/main" xmlns:r="http://schemas.openxmlformats.org/officeDocument/2006/relationships" xmlns:p="http://schemas.openxmlformats.org/presentationml/2006/main">
+  <p:cSld>
+    <p:spTree>
+      <p:nvGrpSpPr>
+        <p:cNvPr id="1" name=""/>
+        <p:cNvGrpSpPr/>
+        <p:nvPr/>
+      </p:nvGrpSpPr>
+      <p:grpSpPr>
+        <a:xfrm>
+          <a:off x="0" y="0"/>
+          <a:ext cx="0" cy="0"/>
+          <a:chOff x="0" y="0"/>
+          <a:chExt cx="0" cy="0"/>
+        </a:xfrm>
+      </p:grpSpPr>
+      <p:sp>
+        <p:nvSpPr>
+          <p:cNvPr id="2" name="Slide Image Placeholder 1"/>
+          <p:cNvSpPr>
+            <a:spLocks noGrp="1" noRot="1" noChangeAspect="1"/>
+          </p:cNvSpPr>
+          <p:nvPr>
+            <p:ph type="sldImg"/>
+          </p:nvPr>
+        </p:nvSpPr>
+        <p:spPr/>
+      </p:sp>
+      <p:sp>
+        <p:nvSpPr>
+          <p:cNvPr id="3" name="Notes Placeholder 2"/>
+          <p:cNvSpPr>
+            <a:spLocks noGrp="1"/>
+          </p:cNvSpPr>
+          <p:nvPr>
+            <p:ph type="body" idx="1"/>
+          </p:nvPr>
+        </p:nvSpPr>
+        <p:spPr/>
+        <p:txBody>
+          <a:bodyPr/>
+          <a:lstStyle/>
+          <a:p>
+            <a:r>
+              <a:rPr lang="en-US" dirty="0" smtClean="0"/>
+              <a:t>The</a:t>
+            </a:r>
+            <a:r>
+              <a:rPr lang="en-US" baseline="0" dirty="0" smtClean="0"/>
+              <a:t> observation made by the </a:t>
+            </a:r>
+            <a:r>
+              <a:rPr lang="en-US" baseline="0" dirty="0" err="1" smtClean="0"/>
+              <a:t>exokernel</a:t>
+            </a:r>
+            <a:r>
+              <a:rPr lang="en-US" baseline="0" dirty="0" smtClean="0"/>
+              <a:t> authors is that traditional operating system fix the interface and implementation of OS abstractions.</a:t>
+            </a:r>
+          </a:p>
+          <a:p>
+            <a:r>
+              <a:rPr lang="en-US" baseline="0" dirty="0" smtClean="0"/>
+              <a:t>Which hurts the application’s performance, flexibility, and functionality, as it can not pretend to suit all heterogeneous apps requirements.</a:t>
+            </a:r>
+          </a:p>
+          <a:p>
+            <a:endParaRPr lang="en-US" baseline="0" dirty="0" smtClean="0"/>
+          </a:p>
+          <a:p>
+            <a:r>
+              <a:rPr lang="en-US" baseline="0" dirty="0" smtClean="0"/>
+              <a:t>The solution adopted by the </a:t>
+            </a:r>
+            <a:r>
+              <a:rPr lang="en-US" baseline="0" dirty="0" err="1" smtClean="0"/>
+              <a:t>exokernel</a:t>
+            </a:r>
+            <a:r>
+              <a:rPr lang="en-US" baseline="0" dirty="0" smtClean="0"/>
+              <a:t> is radical:</a:t>
+            </a:r>
+          </a:p>
+          <a:p>
+            <a:r>
+              <a:rPr lang="en-US" baseline="0" dirty="0" smtClean="0"/>
+              <a:t>Allow application level management of physical resources.</a:t>
+            </a:r>
+          </a:p>
+          <a:p>
+            <a:endParaRPr lang="en-US" baseline="0" dirty="0" smtClean="0"/>
+          </a:p>
+          <a:p>
+            <a:endParaRPr lang="en-US" baseline="0" dirty="0" smtClean="0"/>
+          </a:p>
+        </p:txBody>
+      </p:sp>
+      <p:sp>
+        <p:nvSpPr>
+          <p:cNvPr id="4" name="Slide Number Placeholder 3"/>
+          <p:cNvSpPr>
+            <a:spLocks noGrp="1"/>
+          </p:cNvSpPr>
+          <p:nvPr>
+            <p:ph type="sldNum" sz="quarter" idx="10"/>
+          </p:nvPr>
+        </p:nvSpPr>
+        <p:spPr/>
+        <p:txBody>
+          <a:bodyPr/>
+          <a:lstStyle/>
+          <a:p>
+            <a:fld id="{69E8AC4D-76AB-F049-B583-F6A359C4EA1A}" type="slidenum">
+              <a:rPr lang="en-US" smtClean="0"/>
+              <a:t>6</a:t>
+            </a:fld>
+            <a:endParaRPr lang="en-US"/>
+          </a:p>
+        </p:txBody>
+      </p:sp>
+    </p:spTree>
+    <p:extLst>
+      <p:ext uri="{BB962C8B-B14F-4D97-AF65-F5344CB8AC3E}">
+        <p14:creationId xmlns:p14="http://schemas.microsoft.com/office/powerpoint/2010/main" val="953168086"/>
+      </p:ext>
+    </p:extLst>
+  </p:cSld>
+  <p:clrMapOvr>
+    <a:masterClrMapping/>
+  </p:clrMapOvr>
+</p:notes>
+</file>
+
+<file path=ppt/notesSlides/notesSlide7.xml><?xml version="1.0" encoding="utf-8"?>
+<p:notes xmlns:a="http://schemas.openxmlformats.org/drawingml/2006/main" xmlns:r="http://schemas.openxmlformats.org/officeDocument/2006/relationships" xmlns:p="http://schemas.openxmlformats.org/presentationml/2006/main">
+  <p:cSld>
+    <p:spTree>
+      <p:nvGrpSpPr>
+        <p:cNvPr id="1" name=""/>
+        <p:cNvGrpSpPr/>
+        <p:nvPr/>
+      </p:nvGrpSpPr>
+      <p:grpSpPr>
+        <a:xfrm>
+          <a:off x="0" y="0"/>
+          <a:ext cx="0" cy="0"/>
+          <a:chOff x="0" y="0"/>
+          <a:chExt cx="0" cy="0"/>
+        </a:xfrm>
+      </p:grpSpPr>
+      <p:sp>
+        <p:nvSpPr>
+          <p:cNvPr id="2" name="Slide Image Placeholder 1"/>
+          <p:cNvSpPr>
+            <a:spLocks noGrp="1" noRot="1" noChangeAspect="1"/>
+          </p:cNvSpPr>
+          <p:nvPr>
+            <p:ph type="sldImg"/>
+          </p:nvPr>
+        </p:nvSpPr>
+        <p:spPr/>
+      </p:sp>
+      <p:sp>
+        <p:nvSpPr>
+          <p:cNvPr id="3" name="Notes Placeholder 2"/>
+          <p:cNvSpPr>
+            <a:spLocks noGrp="1"/>
+          </p:cNvSpPr>
+          <p:nvPr>
+            <p:ph type="body" idx="1"/>
+          </p:nvPr>
+        </p:nvSpPr>
+        <p:spPr/>
+        <p:txBody>
+          <a:bodyPr/>
+          <a:lstStyle/>
+          <a:p>
+            <a:r>
+              <a:rPr lang="en-US" dirty="0" smtClean="0"/>
+              <a:t>To take an example, let’s consider this figure.</a:t>
+            </a:r>
+          </a:p>
+          <a:p>
+            <a:r>
+              <a:rPr lang="en-US" dirty="0" smtClean="0"/>
+              <a:t>Here we have tw</a:t>
+            </a:r>
+            <a:r>
+              <a:rPr lang="en-US" baseline="0" dirty="0" smtClean="0"/>
+              <a:t>o applications, a simple hello world program, and a more complex one that runs with a garbage collector.</a:t>
+            </a:r>
+          </a:p>
+          <a:p>
+            <a:r>
+              <a:rPr lang="en-US" baseline="0" dirty="0" smtClean="0"/>
+              <a:t>They both run on top of a monolithic OS, that fixes the implementation of OS abstractions.</a:t>
+            </a:r>
+          </a:p>
+          <a:p>
+            <a:r>
+              <a:rPr lang="en-US" baseline="0" dirty="0" smtClean="0"/>
+              <a:t>The OS implements a LRU paging policy that cannot be modified by any of the applications.</a:t>
+            </a:r>
+          </a:p>
+          <a:p>
+            <a:r>
+              <a:rPr lang="en-US" baseline="0" dirty="0" smtClean="0"/>
+              <a:t>While it is not really a concern for the Hello World program, the GC exhibits poor performances. </a:t>
+            </a:r>
+          </a:p>
+          <a:p>
+            <a:r>
+              <a:rPr lang="en-US" baseline="0" dirty="0" smtClean="0"/>
+              <a:t>A typical scenario where LRU performs poorly is if the GC collects all objects on a page and keeps it on the side for further allocations.</a:t>
+            </a:r>
+          </a:p>
+          <a:p>
+            <a:r>
+              <a:rPr lang="en-US" baseline="0" dirty="0" smtClean="0"/>
+              <a:t>The page was recently used, so the OS will not chose to collect it and will instead pick another page that actually contains things that the program needs.</a:t>
+            </a:r>
+          </a:p>
+          <a:p>
+            <a:endParaRPr lang="en-US" baseline="0" dirty="0" smtClean="0"/>
+          </a:p>
+          <a:p>
+            <a:r>
+              <a:rPr lang="en-US" baseline="0" dirty="0" smtClean="0"/>
+              <a:t>The </a:t>
+            </a:r>
+            <a:r>
+              <a:rPr lang="en-US" baseline="0" dirty="0" err="1" smtClean="0"/>
+              <a:t>exokernel</a:t>
+            </a:r>
+            <a:r>
+              <a:rPr lang="en-US" baseline="0" dirty="0" smtClean="0"/>
+              <a:t> solves this by allowing application-specific management of resources.</a:t>
+            </a:r>
+          </a:p>
+          <a:p>
+            <a:r>
+              <a:rPr lang="en-US" baseline="0" dirty="0" smtClean="0"/>
+              <a:t>The kernel itself only securely exposes all hardware resources, and delegates the management to the application, which in turn, is free to implement its own abstractions and policies efficiently.</a:t>
+            </a:r>
+          </a:p>
+          <a:p>
+            <a:r>
+              <a:rPr lang="en-US" baseline="0" dirty="0" smtClean="0"/>
+              <a:t>The application links to a library Operating system, the orange part, that provides the required implementation for these system abstractions.</a:t>
+            </a:r>
+          </a:p>
+          <a:p>
+            <a:r>
+              <a:rPr lang="en-US" baseline="0" dirty="0" smtClean="0"/>
+              <a:t>Here we can see that the HW program picked a </a:t>
+            </a:r>
+            <a:r>
+              <a:rPr lang="en-US" baseline="0" dirty="0" err="1" smtClean="0"/>
+              <a:t>LibOS</a:t>
+            </a:r>
+            <a:r>
+              <a:rPr lang="en-US" baseline="0" dirty="0" smtClean="0"/>
+              <a:t> that implements LRU, while the GC picked one with a custom paging algorithm.</a:t>
+            </a:r>
+          </a:p>
+        </p:txBody>
+      </p:sp>
+      <p:sp>
+        <p:nvSpPr>
+          <p:cNvPr id="4" name="Slide Number Placeholder 3"/>
+          <p:cNvSpPr>
+            <a:spLocks noGrp="1"/>
+          </p:cNvSpPr>
+          <p:nvPr>
+            <p:ph type="sldNum" sz="quarter" idx="10"/>
+          </p:nvPr>
+        </p:nvSpPr>
+        <p:spPr/>
+        <p:txBody>
+          <a:bodyPr/>
+          <a:lstStyle/>
+          <a:p>
+            <a:fld id="{69E8AC4D-76AB-F049-B583-F6A359C4EA1A}" type="slidenum">
+              <a:rPr lang="en-US" smtClean="0"/>
+              <a:t>7</a:t>
+            </a:fld>
+            <a:endParaRPr lang="en-US"/>
+          </a:p>
+        </p:txBody>
+      </p:sp>
+    </p:spTree>
+    <p:extLst>
+      <p:ext uri="{BB962C8B-B14F-4D97-AF65-F5344CB8AC3E}">
+        <p14:creationId xmlns:p14="http://schemas.microsoft.com/office/powerpoint/2010/main" val="1522095788"/>
+      </p:ext>
+    </p:extLst>
+  </p:cSld>
+  <p:clrMapOvr>
+    <a:masterClrMapping/>
+  </p:clrMapOvr>
+</p:notes>
+</file>
+
+<file path=ppt/notesSlides/notesSlide8.xml><?xml version="1.0" encoding="utf-8"?>
+<p:notes xmlns:a="http://schemas.openxmlformats.org/drawingml/2006/main" xmlns:r="http://schemas.openxmlformats.org/officeDocument/2006/relationships" xmlns:p="http://schemas.openxmlformats.org/presentationml/2006/main">
+  <p:cSld>
+    <p:spTree>
+      <p:nvGrpSpPr>
+        <p:cNvPr id="1" name=""/>
+        <p:cNvGrpSpPr/>
+        <p:nvPr/>
+      </p:nvGrpSpPr>
+      <p:grpSpPr>
+        <a:xfrm>
+          <a:off x="0" y="0"/>
+          <a:ext cx="0" cy="0"/>
+          <a:chOff x="0" y="0"/>
+          <a:chExt cx="0" cy="0"/>
+        </a:xfrm>
+      </p:grpSpPr>
+      <p:sp>
+        <p:nvSpPr>
+          <p:cNvPr id="2" name="Slide Image Placeholder 1"/>
+          <p:cNvSpPr>
+            <a:spLocks noGrp="1" noRot="1" noChangeAspect="1"/>
+          </p:cNvSpPr>
+          <p:nvPr>
+            <p:ph type="sldImg"/>
+          </p:nvPr>
+        </p:nvSpPr>
+        <p:spPr/>
+      </p:sp>
+      <p:sp>
+        <p:nvSpPr>
+          <p:cNvPr id="3" name="Notes Placeholder 2"/>
+          <p:cNvSpPr>
+            <a:spLocks noGrp="1"/>
+          </p:cNvSpPr>
+          <p:nvPr>
+            <p:ph type="body" idx="1"/>
+          </p:nvPr>
+        </p:nvSpPr>
+        <p:spPr/>
+        <p:txBody>
+          <a:bodyPr/>
+          <a:lstStyle/>
+          <a:p>
+            <a:r>
+              <a:rPr lang="en-US" dirty="0" smtClean="0"/>
+              <a:t>Good, now I’ll talk</a:t>
+            </a:r>
+            <a:r>
+              <a:rPr lang="en-US" baseline="0" dirty="0" smtClean="0"/>
+              <a:t> about the </a:t>
+            </a:r>
+            <a:r>
+              <a:rPr lang="en-US" baseline="0" dirty="0" err="1" smtClean="0"/>
+              <a:t>unikernel</a:t>
+            </a:r>
+            <a:r>
+              <a:rPr lang="en-US" baseline="0" dirty="0" smtClean="0"/>
+              <a:t>, a system inspired by the </a:t>
+            </a:r>
+            <a:r>
+              <a:rPr lang="en-US" baseline="0" dirty="0" err="1" smtClean="0"/>
+              <a:t>Exokernel</a:t>
+            </a:r>
+            <a:r>
+              <a:rPr lang="en-US" baseline="0" dirty="0" smtClean="0"/>
+              <a:t> that targets cloud deployments.</a:t>
+            </a:r>
+            <a:endParaRPr lang="en-US" dirty="0"/>
+          </a:p>
+        </p:txBody>
+      </p:sp>
+      <p:sp>
+        <p:nvSpPr>
+          <p:cNvPr id="4" name="Slide Number Placeholder 3"/>
+          <p:cNvSpPr>
+            <a:spLocks noGrp="1"/>
+          </p:cNvSpPr>
+          <p:nvPr>
+            <p:ph type="sldNum" sz="quarter" idx="10"/>
+          </p:nvPr>
+        </p:nvSpPr>
+        <p:spPr/>
+        <p:txBody>
+          <a:bodyPr/>
+          <a:lstStyle/>
+          <a:p>
+            <a:fld id="{69E8AC4D-76AB-F049-B583-F6A359C4EA1A}" type="slidenum">
+              <a:rPr lang="en-US" smtClean="0"/>
+              <a:t>8</a:t>
+            </a:fld>
+            <a:endParaRPr lang="en-US"/>
+          </a:p>
+        </p:txBody>
+      </p:sp>
+    </p:spTree>
+    <p:extLst>
+      <p:ext uri="{BB962C8B-B14F-4D97-AF65-F5344CB8AC3E}">
+        <p14:creationId xmlns:p14="http://schemas.microsoft.com/office/powerpoint/2010/main" val="1897865567"/>
+      </p:ext>
+    </p:extLst>
+  </p:cSld>
+  <p:clrMapOvr>
+    <a:masterClrMapping/>
+  </p:clrMapOvr>
+</p:notes>
+</file>
+
+<file path=ppt/notesSlides/notesSlide9.xml><?xml version="1.0" encoding="utf-8"?>
+<p:notes xmlns:a="http://schemas.openxmlformats.org/drawingml/2006/main" xmlns:r="http://schemas.openxmlformats.org/officeDocument/2006/relationships" xmlns:p="http://schemas.openxmlformats.org/presentationml/2006/main">
+  <p:cSld>
+    <p:spTree>
+      <p:nvGrpSpPr>
+        <p:cNvPr id="1" name=""/>
+        <p:cNvGrpSpPr/>
+        <p:nvPr/>
+      </p:nvGrpSpPr>
+      <p:grpSpPr>
+        <a:xfrm>
+          <a:off x="0" y="0"/>
+          <a:ext cx="0" cy="0"/>
+          <a:chOff x="0" y="0"/>
+          <a:chExt cx="0" cy="0"/>
+        </a:xfrm>
+      </p:grpSpPr>
+      <p:sp>
+        <p:nvSpPr>
+          <p:cNvPr id="2" name="Slide Image Placeholder 1"/>
+          <p:cNvSpPr>
+            <a:spLocks noGrp="1" noRot="1" noChangeAspect="1"/>
+          </p:cNvSpPr>
+          <p:nvPr>
+            <p:ph type="sldImg"/>
+          </p:nvPr>
+        </p:nvSpPr>
+        <p:spPr/>
+      </p:sp>
+      <p:sp>
+        <p:nvSpPr>
+          <p:cNvPr id="3" name="Notes Placeholder 2"/>
+          <p:cNvSpPr>
+            <a:spLocks noGrp="1"/>
+          </p:cNvSpPr>
+          <p:nvPr>
+            <p:ph type="body" idx="1"/>
+          </p:nvPr>
+        </p:nvSpPr>
+        <p:spPr/>
+        <p:txBody>
+          <a:bodyPr/>
+          <a:lstStyle/>
+          <a:p>
+            <a:endParaRPr lang="en-US" dirty="0"/>
+          </a:p>
+        </p:txBody>
+      </p:sp>
+      <p:sp>
+        <p:nvSpPr>
+          <p:cNvPr id="4" name="Slide Number Placeholder 3"/>
+          <p:cNvSpPr>
+            <a:spLocks noGrp="1"/>
+          </p:cNvSpPr>
+          <p:nvPr>
+            <p:ph type="sldNum" sz="quarter" idx="10"/>
+          </p:nvPr>
+        </p:nvSpPr>
+        <p:spPr/>
+        <p:txBody>
+          <a:bodyPr/>
+          <a:lstStyle/>
+          <a:p>
+            <a:fld id="{69E8AC4D-76AB-F049-B583-F6A359C4EA1A}" type="slidenum">
+              <a:rPr lang="en-US" smtClean="0"/>
+              <a:t>9</a:t>
+            </a:fld>
+            <a:endParaRPr lang="en-US"/>
+          </a:p>
+        </p:txBody>
+      </p:sp>
+    </p:spTree>
+    <p:extLst>
+      <p:ext uri="{BB962C8B-B14F-4D97-AF65-F5344CB8AC3E}">
+        <p14:creationId xmlns:p14="http://schemas.microsoft.com/office/powerpoint/2010/main" val="335679961"/>
+      </p:ext>
+    </p:extLst>
+  </p:cSld>
+  <p:clrMapOvr>
+    <a:masterClrMapping/>
+  </p:clrMapOvr>
+</p:notes>
 </file>
 
 <file path=ppt/slideLayouts/slideLayout1.xml><?xml version="1.0" encoding="utf-8"?>
@@ -3440,7 +5579,7 @@
           <p:nvPr/>
         </p:nvPicPr>
         <p:blipFill>
-          <a:blip r:embed="rId2">
+          <a:blip r:embed="rId3">
             <a:extLst>
               <a:ext uri="{28A0092B-C50C-407E-A947-70E740481C1C}">
                 <a14:useLocalDpi xmlns:a14="http://schemas.microsoft.com/office/drawing/2010/main" val="0"/>
@@ -3471,6 +5610,13 @@
   <p:clrMapOvr>
     <a:masterClrMapping/>
   </p:clrMapOvr>
+  <p:timing>
+    <p:tnLst>
+      <p:par>
+        <p:cTn id="1" dur="indefinite" restart="never" nodeType="tmRoot"/>
+      </p:par>
+    </p:tnLst>
+  </p:timing>
 </p:sld>
 </file>
 
@@ -3512,11 +5658,11 @@
             </a:r>
             <a:r>
               <a:rPr lang="en-US" dirty="0" err="1" smtClean="0"/>
-              <a:t>Unikernel</a:t>
-            </a:r>
-            <a:r>
-              <a:rPr lang="en-US" dirty="0" smtClean="0"/>
-              <a:t>: Evaluation</a:t>
+              <a:t>Unikernels</a:t>
+            </a:r>
+            <a:r>
+              <a:rPr lang="en-US" dirty="0" smtClean="0"/>
+              <a:t>: Motivation</a:t>
             </a:r>
             <a:endParaRPr lang="en-US" dirty="0"/>
           </a:p>
@@ -3524,347 +5670,134 @@
       </p:sp>
       <p:sp>
         <p:nvSpPr>
-          <p:cNvPr id="4" name="Text Placeholder 3"/>
-          <p:cNvSpPr>
-            <a:spLocks noGrp="1"/>
-          </p:cNvSpPr>
-          <p:nvPr>
-            <p:ph type="body" idx="1"/>
-          </p:nvPr>
-        </p:nvSpPr>
-        <p:spPr>
-          <a:xfrm>
-            <a:off x="839787" y="1122744"/>
-            <a:ext cx="5157787" cy="823912"/>
-          </a:xfrm>
-        </p:spPr>
-        <p:txBody>
-          <a:bodyPr/>
-          <a:lstStyle/>
-          <a:p>
-            <a:r>
-              <a:rPr lang="en-US" dirty="0" smtClean="0"/>
-              <a:t>Performance/Efficiency</a:t>
-            </a:r>
-            <a:endParaRPr lang="en-US" dirty="0"/>
-          </a:p>
-        </p:txBody>
-      </p:sp>
-      <p:sp>
-        <p:nvSpPr>
-          <p:cNvPr id="5" name="Content Placeholder 4"/>
-          <p:cNvSpPr>
-            <a:spLocks noGrp="1"/>
-          </p:cNvSpPr>
-          <p:nvPr>
-            <p:ph sz="half" idx="2"/>
-          </p:nvPr>
-        </p:nvSpPr>
-        <p:spPr>
-          <a:xfrm>
-            <a:off x="839788" y="1946656"/>
-            <a:ext cx="5157787" cy="4784650"/>
-          </a:xfrm>
-        </p:spPr>
-        <p:txBody>
-          <a:bodyPr/>
-          <a:lstStyle/>
-          <a:p>
-            <a:pPr>
-              <a:buFont typeface="Wingdings" charset="2"/>
-              <a:buChar char="ü"/>
+          <p:cNvPr id="3" name="Content Placeholder 2"/>
+          <p:cNvSpPr>
+            <a:spLocks noGrp="1"/>
+          </p:cNvSpPr>
+          <p:nvPr>
+            <p:ph idx="1"/>
+          </p:nvPr>
+        </p:nvSpPr>
+        <p:spPr/>
+        <p:txBody>
+          <a:bodyPr/>
+          <a:lstStyle/>
+          <a:p>
+            <a:pPr marL="0" indent="0">
+              <a:buNone/>
             </a:pPr>
             <a:r>
-              <a:rPr lang="en-US" dirty="0" smtClean="0">
+              <a:rPr lang="en-US" u="sng" dirty="0" smtClean="0"/>
+              <a:t>Problem:</a:t>
+            </a:r>
+            <a:r>
+              <a:rPr lang="en-US" dirty="0" smtClean="0"/>
+              <a:t> </a:t>
+            </a:r>
+          </a:p>
+          <a:p>
+            <a:pPr marL="0" indent="0">
+              <a:buNone/>
+            </a:pPr>
+            <a:r>
+              <a:rPr lang="en-US" dirty="0" smtClean="0"/>
+              <a:t>Single-purpose VMs deployed in the cloud ar</a:t>
+            </a:r>
+            <a:r>
+              <a:rPr lang="en-US" dirty="0" smtClean="0"/>
+              <a:t>e not specialized enough!</a:t>
+            </a:r>
+            <a:endParaRPr lang="en-US" dirty="0" smtClean="0"/>
+          </a:p>
+          <a:p>
+            <a:pPr marL="0" indent="0">
+              <a:buNone/>
+            </a:pPr>
+            <a:r>
+              <a:rPr lang="en-US" dirty="0" smtClean="0"/>
+              <a:t>It </a:t>
+            </a:r>
+            <a:r>
+              <a:rPr lang="en-US" b="1" dirty="0" smtClean="0">
                 <a:solidFill>
-                  <a:schemeClr val="accent6"/>
+                  <a:schemeClr val="accent2"/>
                 </a:solidFill>
               </a:rPr>
-              <a:t>Boot time.</a:t>
-            </a:r>
-          </a:p>
-          <a:p>
-            <a:pPr lvl="1">
-              <a:buFont typeface="Arial" charset="0"/>
-              <a:buChar char="•"/>
-            </a:pPr>
-            <a:r>
-              <a:rPr lang="en-US" dirty="0" smtClean="0"/>
-              <a:t>50ms</a:t>
-            </a:r>
-            <a:r>
-              <a:rPr lang="en-US" dirty="0" smtClean="0">
+              <a:t>impacts</a:t>
+            </a:r>
+            <a:r>
+              <a:rPr lang="en-US" b="1" dirty="0" smtClean="0">
                 <a:solidFill>
-                  <a:schemeClr val="accent6"/>
+                  <a:schemeClr val="accent2"/>
                 </a:solidFill>
               </a:rPr>
               <a:t> </a:t>
             </a:r>
             <a:r>
-              <a:rPr lang="en-US" dirty="0" smtClean="0">
-                <a:solidFill>
-                  <a:schemeClr val="bg2">
-                    <a:lumMod val="50000"/>
-                  </a:schemeClr>
-                </a:solidFill>
-              </a:rPr>
-              <a:t>vs. 400ms for mini-Linux.</a:t>
-            </a:r>
-          </a:p>
-          <a:p>
-            <a:pPr>
-              <a:buFont typeface="Wingdings" charset="2"/>
-              <a:buChar char="ü"/>
+              <a:rPr lang="en-US" dirty="0" smtClean="0"/>
+              <a:t>efficiency &amp; security.</a:t>
+            </a:r>
+          </a:p>
+          <a:p>
+            <a:pPr marL="0" indent="0">
+              <a:buNone/>
             </a:pPr>
-            <a:r>
-              <a:rPr lang="en-US" dirty="0" smtClean="0">
-                <a:solidFill>
-                  <a:schemeClr val="accent6"/>
-                </a:solidFill>
-              </a:rPr>
-              <a:t>Small size.</a:t>
-            </a:r>
-          </a:p>
-          <a:p>
-            <a:pPr lvl="1">
-              <a:buFont typeface="Arial" charset="0"/>
-              <a:buChar char="•"/>
+            <a:endParaRPr lang="en-US" dirty="0" smtClean="0"/>
+          </a:p>
+          <a:p>
+            <a:pPr marL="0" indent="0">
+              <a:buNone/>
             </a:pPr>
             <a:r>
-              <a:rPr lang="en-US" dirty="0" smtClean="0">
-                <a:solidFill>
-                  <a:schemeClr val="bg2">
-                    <a:lumMod val="50000"/>
-                  </a:schemeClr>
-                </a:solidFill>
-              </a:rPr>
-              <a:t>Hundreds of kB.</a:t>
-            </a:r>
-            <a:endParaRPr lang="en-US" dirty="0" smtClean="0">
-              <a:solidFill>
-                <a:schemeClr val="accent6"/>
-              </a:solidFill>
-            </a:endParaRPr>
-          </a:p>
-          <a:p>
-            <a:pPr>
-              <a:buFont typeface="Wingdings" charset="2"/>
-              <a:buChar char="ü"/>
+              <a:rPr lang="en-US" u="sng" dirty="0" smtClean="0"/>
+              <a:t>Solution:</a:t>
+            </a:r>
+          </a:p>
+          <a:p>
+            <a:pPr marL="0" indent="0">
+              <a:buNone/>
             </a:pPr>
             <a:r>
-              <a:rPr lang="en-US" dirty="0" smtClean="0">
-                <a:solidFill>
-                  <a:schemeClr val="accent6"/>
-                </a:solidFill>
-              </a:rPr>
-              <a:t>General performance.</a:t>
-            </a:r>
-          </a:p>
-          <a:p>
-            <a:pPr lvl="1">
-              <a:buFont typeface="Arial" charset="0"/>
-              <a:buChar char="•"/>
-            </a:pPr>
-            <a:r>
-              <a:rPr lang="en-US" dirty="0" smtClean="0"/>
-              <a:t>Comparable to state-of-the-art.</a:t>
-            </a:r>
-          </a:p>
-          <a:p>
-            <a:pPr lvl="1">
-              <a:buFont typeface="Arial" charset="0"/>
-              <a:buChar char="•"/>
-            </a:pPr>
-            <a:r>
-              <a:rPr lang="en-US" dirty="0" smtClean="0"/>
-              <a:t>DNS, Web Server.</a:t>
-            </a:r>
-            <a:r>
-              <a:rPr lang="en-US" dirty="0" smtClean="0">
-                <a:solidFill>
-                  <a:schemeClr val="accent6"/>
-                </a:solidFill>
-              </a:rPr>
-              <a:t> </a:t>
-            </a:r>
-          </a:p>
-          <a:p>
-            <a:pPr>
-              <a:buFont typeface="Wingdings" charset="2"/>
-              <a:buChar char="ü"/>
-            </a:pPr>
-            <a:r>
-              <a:rPr lang="en-US" dirty="0" smtClean="0">
-                <a:solidFill>
-                  <a:schemeClr val="accent6"/>
-                </a:solidFill>
-              </a:rPr>
-              <a:t>Allows app-specific algorithms.</a:t>
-            </a:r>
-            <a:endParaRPr lang="en-US" dirty="0">
-              <a:solidFill>
-                <a:schemeClr val="accent6"/>
-              </a:solidFill>
-            </a:endParaRPr>
-          </a:p>
-        </p:txBody>
-      </p:sp>
-      <p:sp>
-        <p:nvSpPr>
-          <p:cNvPr id="6" name="Text Placeholder 5"/>
-          <p:cNvSpPr>
-            <a:spLocks noGrp="1"/>
-          </p:cNvSpPr>
-          <p:nvPr>
-            <p:ph type="body" sz="quarter" idx="3"/>
-          </p:nvPr>
-        </p:nvSpPr>
-        <p:spPr>
-          <a:xfrm>
-            <a:off x="6172200" y="1122744"/>
-            <a:ext cx="5183188" cy="823912"/>
-          </a:xfrm>
-        </p:spPr>
-        <p:txBody>
-          <a:bodyPr/>
-          <a:lstStyle/>
-          <a:p>
-            <a:r>
-              <a:rPr lang="en-US" dirty="0" smtClean="0"/>
-              <a:t>Security</a:t>
+              <a:rPr lang="en-US" dirty="0" smtClean="0"/>
+              <a:t>Eschew backward compatibility!</a:t>
+            </a:r>
+          </a:p>
+          <a:p>
+            <a:pPr lvl="1"/>
+            <a:r>
+              <a:rPr lang="en-US" dirty="0" smtClean="0"/>
+              <a:t>Application &amp; </a:t>
+            </a:r>
+            <a:r>
+              <a:rPr lang="en-US" dirty="0" err="1" smtClean="0"/>
+              <a:t>LibOS</a:t>
+            </a:r>
+            <a:r>
+              <a:rPr lang="en-US" dirty="0" smtClean="0"/>
+              <a:t> implemented in one high-level language.</a:t>
+            </a:r>
+          </a:p>
+          <a:p>
+            <a:pPr lvl="1"/>
+            <a:r>
+              <a:rPr lang="en-US" dirty="0" smtClean="0"/>
+              <a:t>Leverage static analysis &amp; verification tools. </a:t>
+            </a:r>
+          </a:p>
+          <a:p>
+            <a:pPr lvl="1"/>
+            <a:r>
+              <a:rPr lang="en-US" dirty="0" smtClean="0"/>
+              <a:t>Runs on top of a hypervisor.</a:t>
             </a:r>
             <a:endParaRPr lang="en-US" dirty="0"/>
-          </a:p>
-        </p:txBody>
-      </p:sp>
-      <p:sp>
-        <p:nvSpPr>
-          <p:cNvPr id="7" name="Content Placeholder 6"/>
-          <p:cNvSpPr>
-            <a:spLocks noGrp="1"/>
-          </p:cNvSpPr>
-          <p:nvPr>
-            <p:ph sz="quarter" idx="4"/>
-          </p:nvPr>
-        </p:nvSpPr>
-        <p:spPr>
-          <a:xfrm>
-            <a:off x="6172200" y="1946656"/>
-            <a:ext cx="5183188" cy="4784650"/>
-          </a:xfrm>
-        </p:spPr>
-        <p:txBody>
-          <a:bodyPr/>
-          <a:lstStyle/>
-          <a:p>
-            <a:pPr>
-              <a:buFont typeface="Wingdings" charset="2"/>
-              <a:buChar char="ü"/>
-            </a:pPr>
-            <a:r>
-              <a:rPr lang="en-US" dirty="0" smtClean="0">
-                <a:solidFill>
-                  <a:schemeClr val="accent6"/>
-                </a:solidFill>
-              </a:rPr>
-              <a:t>Reduce attack surface.</a:t>
-            </a:r>
-          </a:p>
-          <a:p>
-            <a:pPr lvl="1">
-              <a:buFont typeface="Arial" charset="0"/>
-              <a:buChar char="•"/>
-            </a:pPr>
-            <a:r>
-              <a:rPr lang="en-US" dirty="0" smtClean="0"/>
-              <a:t>Remove dead-code.</a:t>
-            </a:r>
-          </a:p>
-          <a:p>
-            <a:pPr>
-              <a:buFont typeface="Wingdings" charset="2"/>
-              <a:buChar char="ü"/>
-            </a:pPr>
-            <a:r>
-              <a:rPr lang="en-US" dirty="0" smtClean="0">
-                <a:solidFill>
-                  <a:schemeClr val="accent6"/>
-                </a:solidFill>
-              </a:rPr>
-              <a:t>Extra protections.</a:t>
-            </a:r>
-          </a:p>
-          <a:p>
-            <a:pPr lvl="1">
-              <a:buFont typeface="Arial" charset="0"/>
-              <a:buChar char="•"/>
-            </a:pPr>
-            <a:r>
-              <a:rPr lang="en-US" dirty="0" smtClean="0"/>
-              <a:t>Type-safety.</a:t>
-            </a:r>
-          </a:p>
-          <a:p>
-            <a:pPr lvl="1">
-              <a:buFont typeface="Arial" charset="0"/>
-              <a:buChar char="•"/>
-            </a:pPr>
-            <a:r>
-              <a:rPr lang="en-US" dirty="0" smtClean="0"/>
-              <a:t>Garbage collected memory.</a:t>
-            </a:r>
-          </a:p>
-          <a:p>
-            <a:pPr>
-              <a:buFont typeface="Wingdings" charset="2"/>
-              <a:buChar char="ü"/>
-            </a:pPr>
-            <a:r>
-              <a:rPr lang="en-US" dirty="0" smtClean="0">
-                <a:solidFill>
-                  <a:schemeClr val="accent6"/>
-                </a:solidFill>
-              </a:rPr>
-              <a:t>Isolation from guest.</a:t>
-            </a:r>
-          </a:p>
-          <a:p>
-            <a:pPr>
-              <a:buFont typeface="Wingdings" charset="2"/>
-              <a:buChar char="ü"/>
-            </a:pPr>
-            <a:endParaRPr lang="en-US" dirty="0" smtClean="0">
-              <a:solidFill>
-                <a:schemeClr val="accent6"/>
-              </a:solidFill>
-            </a:endParaRPr>
-          </a:p>
-          <a:p>
-            <a:pPr>
-              <a:buBlip>
-                <a:blip r:embed="rId2"/>
-              </a:buBlip>
-            </a:pPr>
-            <a:r>
-              <a:rPr lang="en-US" dirty="0" smtClean="0">
-                <a:solidFill>
-                  <a:srgbClr val="FF0000"/>
-                </a:solidFill>
-              </a:rPr>
-              <a:t>No isolation from host.</a:t>
-            </a:r>
-            <a:endParaRPr lang="en-US" dirty="0">
-              <a:solidFill>
-                <a:srgbClr val="FF0000"/>
-              </a:solidFill>
-            </a:endParaRPr>
           </a:p>
         </p:txBody>
       </p:sp>
     </p:spTree>
     <p:extLst>
       <p:ext uri="{BB962C8B-B14F-4D97-AF65-F5344CB8AC3E}">
-        <p14:creationId xmlns:p14="http://schemas.microsoft.com/office/powerpoint/2010/main" val="497407210"/>
+        <p14:creationId xmlns:p14="http://schemas.microsoft.com/office/powerpoint/2010/main" val="581796454"/>
       </p:ext>
     </p:extLst>
   </p:cSld>
@@ -3874,7 +5807,203 @@
   <p:timing>
     <p:tnLst>
       <p:par>
-        <p:cTn id="1" dur="indefinite" restart="never" nodeType="tmRoot"/>
+        <p:cTn id="1" dur="indefinite" restart="never" nodeType="tmRoot">
+          <p:childTnLst>
+            <p:seq concurrent="1" nextAc="seek">
+              <p:cTn id="2" dur="indefinite" nodeType="mainSeq">
+                <p:childTnLst>
+                  <p:par>
+                    <p:cTn id="3" fill="hold">
+                      <p:stCondLst>
+                        <p:cond delay="indefinite"/>
+                      </p:stCondLst>
+                      <p:childTnLst>
+                        <p:par>
+                          <p:cTn id="4" fill="hold">
+                            <p:stCondLst>
+                              <p:cond delay="0"/>
+                            </p:stCondLst>
+                            <p:childTnLst>
+                              <p:par>
+                                <p:cTn id="5" presetID="1" presetClass="entr" presetSubtype="0" fill="hold" nodeType="clickEffect">
+                                  <p:stCondLst>
+                                    <p:cond delay="0"/>
+                                  </p:stCondLst>
+                                  <p:childTnLst>
+                                    <p:set>
+                                      <p:cBhvr>
+                                        <p:cTn id="6" dur="1" fill="hold">
+                                          <p:stCondLst>
+                                            <p:cond delay="0"/>
+                                          </p:stCondLst>
+                                        </p:cTn>
+                                        <p:tgtEl>
+                                          <p:spTgt spid="3">
+                                            <p:txEl>
+                                              <p:pRg st="4" end="4"/>
+                                            </p:txEl>
+                                          </p:spTgt>
+                                        </p:tgtEl>
+                                        <p:attrNameLst>
+                                          <p:attrName>style.visibility</p:attrName>
+                                        </p:attrNameLst>
+                                      </p:cBhvr>
+                                      <p:to>
+                                        <p:strVal val="visible"/>
+                                      </p:to>
+                                    </p:set>
+                                  </p:childTnLst>
+                                </p:cTn>
+                              </p:par>
+                              <p:par>
+                                <p:cTn id="7" presetID="1" presetClass="entr" presetSubtype="0" fill="hold" nodeType="withEffect">
+                                  <p:stCondLst>
+                                    <p:cond delay="0"/>
+                                  </p:stCondLst>
+                                  <p:childTnLst>
+                                    <p:set>
+                                      <p:cBhvr>
+                                        <p:cTn id="8" dur="1" fill="hold">
+                                          <p:stCondLst>
+                                            <p:cond delay="0"/>
+                                          </p:stCondLst>
+                                        </p:cTn>
+                                        <p:tgtEl>
+                                          <p:spTgt spid="3">
+                                            <p:txEl>
+                                              <p:pRg st="5" end="5"/>
+                                            </p:txEl>
+                                          </p:spTgt>
+                                        </p:tgtEl>
+                                        <p:attrNameLst>
+                                          <p:attrName>style.visibility</p:attrName>
+                                        </p:attrNameLst>
+                                      </p:cBhvr>
+                                      <p:to>
+                                        <p:strVal val="visible"/>
+                                      </p:to>
+                                    </p:set>
+                                  </p:childTnLst>
+                                </p:cTn>
+                              </p:par>
+                              <p:par>
+                                <p:cTn id="9" presetID="1" presetClass="entr" presetSubtype="0" fill="hold" nodeType="withEffect">
+                                  <p:stCondLst>
+                                    <p:cond delay="0"/>
+                                  </p:stCondLst>
+                                  <p:childTnLst>
+                                    <p:set>
+                                      <p:cBhvr>
+                                        <p:cTn id="10" dur="1" fill="hold">
+                                          <p:stCondLst>
+                                            <p:cond delay="0"/>
+                                          </p:stCondLst>
+                                        </p:cTn>
+                                        <p:tgtEl>
+                                          <p:spTgt spid="3">
+                                            <p:txEl>
+                                              <p:pRg st="6" end="6"/>
+                                            </p:txEl>
+                                          </p:spTgt>
+                                        </p:tgtEl>
+                                        <p:attrNameLst>
+                                          <p:attrName>style.visibility</p:attrName>
+                                        </p:attrNameLst>
+                                      </p:cBhvr>
+                                      <p:to>
+                                        <p:strVal val="visible"/>
+                                      </p:to>
+                                    </p:set>
+                                  </p:childTnLst>
+                                </p:cTn>
+                              </p:par>
+                              <p:par>
+                                <p:cTn id="11" presetID="1" presetClass="entr" presetSubtype="0" fill="hold" nodeType="withEffect">
+                                  <p:stCondLst>
+                                    <p:cond delay="0"/>
+                                  </p:stCondLst>
+                                  <p:childTnLst>
+                                    <p:set>
+                                      <p:cBhvr>
+                                        <p:cTn id="12" dur="1" fill="hold">
+                                          <p:stCondLst>
+                                            <p:cond delay="0"/>
+                                          </p:stCondLst>
+                                        </p:cTn>
+                                        <p:tgtEl>
+                                          <p:spTgt spid="3">
+                                            <p:txEl>
+                                              <p:pRg st="7" end="7"/>
+                                            </p:txEl>
+                                          </p:spTgt>
+                                        </p:tgtEl>
+                                        <p:attrNameLst>
+                                          <p:attrName>style.visibility</p:attrName>
+                                        </p:attrNameLst>
+                                      </p:cBhvr>
+                                      <p:to>
+                                        <p:strVal val="visible"/>
+                                      </p:to>
+                                    </p:set>
+                                  </p:childTnLst>
+                                </p:cTn>
+                              </p:par>
+                              <p:par>
+                                <p:cTn id="13" presetID="1" presetClass="entr" presetSubtype="0" fill="hold" nodeType="withEffect">
+                                  <p:stCondLst>
+                                    <p:cond delay="0"/>
+                                  </p:stCondLst>
+                                  <p:childTnLst>
+                                    <p:set>
+                                      <p:cBhvr>
+                                        <p:cTn id="14" dur="1" fill="hold">
+                                          <p:stCondLst>
+                                            <p:cond delay="0"/>
+                                          </p:stCondLst>
+                                        </p:cTn>
+                                        <p:tgtEl>
+                                          <p:spTgt spid="3">
+                                            <p:txEl>
+                                              <p:pRg st="8" end="8"/>
+                                            </p:txEl>
+                                          </p:spTgt>
+                                        </p:tgtEl>
+                                        <p:attrNameLst>
+                                          <p:attrName>style.visibility</p:attrName>
+                                        </p:attrNameLst>
+                                      </p:cBhvr>
+                                      <p:to>
+                                        <p:strVal val="visible"/>
+                                      </p:to>
+                                    </p:set>
+                                  </p:childTnLst>
+                                </p:cTn>
+                              </p:par>
+                            </p:childTnLst>
+                          </p:cTn>
+                        </p:par>
+                      </p:childTnLst>
+                    </p:cTn>
+                  </p:par>
+                </p:childTnLst>
+              </p:cTn>
+              <p:prevCondLst>
+                <p:cond evt="onPrev" delay="0">
+                  <p:tgtEl>
+                    <p:sldTgt/>
+                  </p:tgtEl>
+                </p:cond>
+              </p:prevCondLst>
+              <p:nextCondLst>
+                <p:cond evt="onNext" delay="0">
+                  <p:tgtEl>
+                    <p:sldTgt/>
+                  </p:tgtEl>
+                </p:cond>
+              </p:nextCondLst>
+            </p:seq>
+          </p:childTnLst>
+        </p:cTn>
       </p:par>
     </p:tnLst>
   </p:timing>
@@ -3913,38 +6042,86 @@
           <a:bodyPr/>
           <a:lstStyle/>
           <a:p>
-            <a:pPr algn="ctr"/>
-            <a:r>
-              <a:rPr lang="en-US" dirty="0" smtClean="0"/>
-              <a:t>Haven</a:t>
+            <a:r>
+              <a:rPr lang="en-US" dirty="0" smtClean="0"/>
+              <a:t>	</a:t>
+            </a:r>
+            <a:r>
+              <a:rPr lang="en-US" dirty="0" err="1" smtClean="0"/>
+              <a:t>Unikernel</a:t>
+            </a:r>
+            <a:r>
+              <a:rPr lang="en-US" dirty="0" smtClean="0"/>
+              <a:t>: Example</a:t>
             </a:r>
             <a:endParaRPr lang="en-US" dirty="0"/>
           </a:p>
         </p:txBody>
       </p:sp>
-      <p:sp>
-        <p:nvSpPr>
-          <p:cNvPr id="3" name="Text Placeholder 2"/>
-          <p:cNvSpPr>
-            <a:spLocks noGrp="1"/>
-          </p:cNvSpPr>
-          <p:nvPr>
-            <p:ph type="body" idx="1"/>
-          </p:nvPr>
-        </p:nvSpPr>
-        <p:spPr/>
-        <p:txBody>
-          <a:bodyPr/>
-          <a:lstStyle/>
-          <a:p>
-            <a:endParaRPr lang="en-US"/>
-          </a:p>
-        </p:txBody>
-      </p:sp>
+      <p:pic>
+        <p:nvPicPr>
+          <p:cNvPr id="6" name="Picture 5"/>
+          <p:cNvPicPr>
+            <a:picLocks noChangeAspect="1"/>
+          </p:cNvPicPr>
+          <p:nvPr/>
+        </p:nvPicPr>
+        <p:blipFill>
+          <a:blip r:embed="rId3">
+            <a:extLst>
+              <a:ext uri="{28A0092B-C50C-407E-A947-70E740481C1C}">
+                <a14:useLocalDpi xmlns:a14="http://schemas.microsoft.com/office/drawing/2010/main" val="0"/>
+              </a:ext>
+            </a:extLst>
+          </a:blip>
+          <a:stretch>
+            <a:fillRect/>
+          </a:stretch>
+        </p:blipFill>
+        <p:spPr>
+          <a:xfrm>
+            <a:off x="1672329" y="1208835"/>
+            <a:ext cx="3217499" cy="5572047"/>
+          </a:xfrm>
+          <a:prstGeom prst="rect">
+            <a:avLst/>
+          </a:prstGeom>
+        </p:spPr>
+      </p:pic>
+      <p:pic>
+        <p:nvPicPr>
+          <p:cNvPr id="7" name="Picture 6"/>
+          <p:cNvPicPr>
+            <a:picLocks noChangeAspect="1"/>
+          </p:cNvPicPr>
+          <p:nvPr/>
+        </p:nvPicPr>
+        <p:blipFill>
+          <a:blip r:embed="rId4">
+            <a:extLst>
+              <a:ext uri="{28A0092B-C50C-407E-A947-70E740481C1C}">
+                <a14:useLocalDpi xmlns:a14="http://schemas.microsoft.com/office/drawing/2010/main" val="0"/>
+              </a:ext>
+            </a:extLst>
+          </a:blip>
+          <a:stretch>
+            <a:fillRect/>
+          </a:stretch>
+        </p:blipFill>
+        <p:spPr>
+          <a:xfrm>
+            <a:off x="6572173" y="3397602"/>
+            <a:ext cx="3432048" cy="3383280"/>
+          </a:xfrm>
+          <a:prstGeom prst="rect">
+            <a:avLst/>
+          </a:prstGeom>
+        </p:spPr>
+      </p:pic>
     </p:spTree>
     <p:extLst>
       <p:ext uri="{BB962C8B-B14F-4D97-AF65-F5344CB8AC3E}">
-        <p14:creationId xmlns:p14="http://schemas.microsoft.com/office/powerpoint/2010/main" val="1415270076"/>
+        <p14:creationId xmlns:p14="http://schemas.microsoft.com/office/powerpoint/2010/main" val="231571928"/>
       </p:ext>
     </p:extLst>
   </p:cSld>
@@ -3954,7 +6131,75 @@
   <p:timing>
     <p:tnLst>
       <p:par>
-        <p:cTn id="1" dur="indefinite" restart="never" nodeType="tmRoot"/>
+        <p:cTn id="1" dur="indefinite" restart="never" nodeType="tmRoot">
+          <p:childTnLst>
+            <p:seq concurrent="1" nextAc="seek">
+              <p:cTn id="2" dur="indefinite" nodeType="mainSeq">
+                <p:childTnLst>
+                  <p:par>
+                    <p:cTn id="3" fill="hold">
+                      <p:stCondLst>
+                        <p:cond delay="indefinite"/>
+                      </p:stCondLst>
+                      <p:childTnLst>
+                        <p:par>
+                          <p:cTn id="4" fill="hold">
+                            <p:stCondLst>
+                              <p:cond delay="0"/>
+                            </p:stCondLst>
+                            <p:childTnLst>
+                              <p:par>
+                                <p:cTn id="5" presetID="1" presetClass="entr" presetSubtype="0" fill="hold" nodeType="clickEffect">
+                                  <p:stCondLst>
+                                    <p:cond delay="0"/>
+                                  </p:stCondLst>
+                                  <p:childTnLst>
+                                    <p:set>
+                                      <p:cBhvr>
+                                        <p:cTn id="6" dur="1" fill="hold">
+                                          <p:stCondLst>
+                                            <p:cond delay="0"/>
+                                          </p:stCondLst>
+                                        </p:cTn>
+                                        <p:tgtEl>
+                                          <p:spTgt spid="7"/>
+                                        </p:tgtEl>
+                                        <p:attrNameLst>
+                                          <p:attrName>style.visibility</p:attrName>
+                                        </p:attrNameLst>
+                                      </p:cBhvr>
+                                      <p:to>
+                                        <p:strVal val="visible"/>
+                                      </p:to>
+                                    </p:set>
+                                  </p:childTnLst>
+                                </p:cTn>
+                              </p:par>
+                            </p:childTnLst>
+                          </p:cTn>
+                        </p:par>
+                      </p:childTnLst>
+                    </p:cTn>
+                  </p:par>
+                </p:childTnLst>
+              </p:cTn>
+              <p:prevCondLst>
+                <p:cond evt="onPrev" delay="0">
+                  <p:tgtEl>
+                    <p:sldTgt/>
+                  </p:tgtEl>
+                </p:cond>
+              </p:prevCondLst>
+              <p:nextCondLst>
+                <p:cond evt="onNext" delay="0">
+                  <p:tgtEl>
+                    <p:sldTgt/>
+                  </p:tgtEl>
+                </p:cond>
+              </p:nextCondLst>
+            </p:seq>
+          </p:childTnLst>
+        </p:cTn>
       </p:par>
     </p:tnLst>
   </p:timing>
@@ -3995,6 +6240,1243 @@
           <a:p>
             <a:r>
               <a:rPr lang="en-US" dirty="0" smtClean="0"/>
+              <a:t>	</a:t>
+            </a:r>
+            <a:r>
+              <a:rPr lang="en-US" dirty="0" err="1" smtClean="0"/>
+              <a:t>Unikernel</a:t>
+            </a:r>
+            <a:r>
+              <a:rPr lang="en-US" dirty="0" smtClean="0"/>
+              <a:t>: Evaluation</a:t>
+            </a:r>
+            <a:endParaRPr lang="en-US" dirty="0"/>
+          </a:p>
+        </p:txBody>
+      </p:sp>
+      <p:sp>
+        <p:nvSpPr>
+          <p:cNvPr id="4" name="Text Placeholder 3"/>
+          <p:cNvSpPr>
+            <a:spLocks noGrp="1"/>
+          </p:cNvSpPr>
+          <p:nvPr>
+            <p:ph type="body" idx="1"/>
+          </p:nvPr>
+        </p:nvSpPr>
+        <p:spPr>
+          <a:xfrm>
+            <a:off x="839787" y="1122744"/>
+            <a:ext cx="5157787" cy="823912"/>
+          </a:xfrm>
+        </p:spPr>
+        <p:txBody>
+          <a:bodyPr/>
+          <a:lstStyle/>
+          <a:p>
+            <a:r>
+              <a:rPr lang="en-US" dirty="0" smtClean="0"/>
+              <a:t>Performance/Efficiency</a:t>
+            </a:r>
+            <a:endParaRPr lang="en-US" dirty="0"/>
+          </a:p>
+        </p:txBody>
+      </p:sp>
+      <p:sp>
+        <p:nvSpPr>
+          <p:cNvPr id="5" name="Content Placeholder 4"/>
+          <p:cNvSpPr>
+            <a:spLocks noGrp="1"/>
+          </p:cNvSpPr>
+          <p:nvPr>
+            <p:ph sz="half" idx="2"/>
+          </p:nvPr>
+        </p:nvSpPr>
+        <p:spPr>
+          <a:xfrm>
+            <a:off x="839788" y="1946656"/>
+            <a:ext cx="5157787" cy="4784650"/>
+          </a:xfrm>
+        </p:spPr>
+        <p:txBody>
+          <a:bodyPr/>
+          <a:lstStyle/>
+          <a:p>
+            <a:pPr>
+              <a:buFont typeface="Wingdings" charset="2"/>
+              <a:buChar char="ü"/>
+            </a:pPr>
+            <a:r>
+              <a:rPr lang="en-US" dirty="0" smtClean="0">
+                <a:solidFill>
+                  <a:schemeClr val="accent6"/>
+                </a:solidFill>
+              </a:rPr>
+              <a:t>Boot time.</a:t>
+            </a:r>
+          </a:p>
+          <a:p>
+            <a:pPr lvl="1">
+              <a:buFont typeface="Arial" charset="0"/>
+              <a:buChar char="•"/>
+            </a:pPr>
+            <a:r>
+              <a:rPr lang="en-US" dirty="0" smtClean="0"/>
+              <a:t>50ms</a:t>
+            </a:r>
+            <a:r>
+              <a:rPr lang="en-US" dirty="0" smtClean="0">
+                <a:solidFill>
+                  <a:schemeClr val="accent6"/>
+                </a:solidFill>
+              </a:rPr>
+              <a:t> </a:t>
+            </a:r>
+            <a:r>
+              <a:rPr lang="en-US" dirty="0" smtClean="0">
+                <a:solidFill>
+                  <a:schemeClr val="bg2">
+                    <a:lumMod val="50000"/>
+                  </a:schemeClr>
+                </a:solidFill>
+              </a:rPr>
+              <a:t>vs. 400ms for mini-Linux.</a:t>
+            </a:r>
+          </a:p>
+          <a:p>
+            <a:pPr>
+              <a:buFont typeface="Wingdings" charset="2"/>
+              <a:buChar char="ü"/>
+            </a:pPr>
+            <a:r>
+              <a:rPr lang="en-US" dirty="0" smtClean="0">
+                <a:solidFill>
+                  <a:schemeClr val="accent6"/>
+                </a:solidFill>
+              </a:rPr>
+              <a:t>Small size.</a:t>
+            </a:r>
+          </a:p>
+          <a:p>
+            <a:pPr lvl="1">
+              <a:buFont typeface="Arial" charset="0"/>
+              <a:buChar char="•"/>
+            </a:pPr>
+            <a:r>
+              <a:rPr lang="en-US" dirty="0" smtClean="0">
+                <a:solidFill>
+                  <a:schemeClr val="bg2">
+                    <a:lumMod val="50000"/>
+                  </a:schemeClr>
+                </a:solidFill>
+              </a:rPr>
+              <a:t>Hundreds of kB.</a:t>
+            </a:r>
+            <a:endParaRPr lang="en-US" dirty="0" smtClean="0">
+              <a:solidFill>
+                <a:schemeClr val="accent6"/>
+              </a:solidFill>
+            </a:endParaRPr>
+          </a:p>
+          <a:p>
+            <a:pPr>
+              <a:buFont typeface="Wingdings" charset="2"/>
+              <a:buChar char="ü"/>
+            </a:pPr>
+            <a:r>
+              <a:rPr lang="en-US" dirty="0" smtClean="0">
+                <a:solidFill>
+                  <a:schemeClr val="accent6"/>
+                </a:solidFill>
+              </a:rPr>
+              <a:t>General performance.</a:t>
+            </a:r>
+          </a:p>
+          <a:p>
+            <a:pPr lvl="1">
+              <a:buFont typeface="Arial" charset="0"/>
+              <a:buChar char="•"/>
+            </a:pPr>
+            <a:r>
+              <a:rPr lang="en-US" dirty="0" smtClean="0"/>
+              <a:t>Comparable to state-of-the-art.</a:t>
+            </a:r>
+          </a:p>
+          <a:p>
+            <a:pPr lvl="1">
+              <a:buFont typeface="Arial" charset="0"/>
+              <a:buChar char="•"/>
+            </a:pPr>
+            <a:r>
+              <a:rPr lang="en-US" dirty="0" smtClean="0"/>
+              <a:t>DNS, Web Server.</a:t>
+            </a:r>
+            <a:r>
+              <a:rPr lang="en-US" dirty="0" smtClean="0">
+                <a:solidFill>
+                  <a:schemeClr val="accent6"/>
+                </a:solidFill>
+              </a:rPr>
+              <a:t> </a:t>
+            </a:r>
+          </a:p>
+          <a:p>
+            <a:pPr>
+              <a:buFont typeface="Wingdings" charset="2"/>
+              <a:buChar char="ü"/>
+            </a:pPr>
+            <a:r>
+              <a:rPr lang="en-US" dirty="0" smtClean="0">
+                <a:solidFill>
+                  <a:schemeClr val="accent6"/>
+                </a:solidFill>
+              </a:rPr>
+              <a:t>Allows app-specific algorithms.</a:t>
+            </a:r>
+            <a:endParaRPr lang="en-US" dirty="0">
+              <a:solidFill>
+                <a:schemeClr val="accent6"/>
+              </a:solidFill>
+            </a:endParaRPr>
+          </a:p>
+        </p:txBody>
+      </p:sp>
+      <p:sp>
+        <p:nvSpPr>
+          <p:cNvPr id="6" name="Text Placeholder 5"/>
+          <p:cNvSpPr>
+            <a:spLocks noGrp="1"/>
+          </p:cNvSpPr>
+          <p:nvPr>
+            <p:ph type="body" sz="quarter" idx="3"/>
+          </p:nvPr>
+        </p:nvSpPr>
+        <p:spPr>
+          <a:xfrm>
+            <a:off x="6172200" y="1122744"/>
+            <a:ext cx="5183188" cy="823912"/>
+          </a:xfrm>
+        </p:spPr>
+        <p:txBody>
+          <a:bodyPr/>
+          <a:lstStyle/>
+          <a:p>
+            <a:r>
+              <a:rPr lang="en-US" dirty="0" smtClean="0"/>
+              <a:t>Security</a:t>
+            </a:r>
+            <a:endParaRPr lang="en-US" dirty="0"/>
+          </a:p>
+        </p:txBody>
+      </p:sp>
+      <p:sp>
+        <p:nvSpPr>
+          <p:cNvPr id="7" name="Content Placeholder 6"/>
+          <p:cNvSpPr>
+            <a:spLocks noGrp="1"/>
+          </p:cNvSpPr>
+          <p:nvPr>
+            <p:ph sz="quarter" idx="4"/>
+          </p:nvPr>
+        </p:nvSpPr>
+        <p:spPr>
+          <a:xfrm>
+            <a:off x="6172200" y="1946656"/>
+            <a:ext cx="5183188" cy="4784650"/>
+          </a:xfrm>
+        </p:spPr>
+        <p:txBody>
+          <a:bodyPr/>
+          <a:lstStyle/>
+          <a:p>
+            <a:pPr>
+              <a:buFont typeface="Wingdings" charset="2"/>
+              <a:buChar char="ü"/>
+            </a:pPr>
+            <a:r>
+              <a:rPr lang="en-US" dirty="0" smtClean="0">
+                <a:solidFill>
+                  <a:schemeClr val="accent6"/>
+                </a:solidFill>
+              </a:rPr>
+              <a:t>Reduce attack surface.</a:t>
+            </a:r>
+          </a:p>
+          <a:p>
+            <a:pPr lvl="1">
+              <a:buFont typeface="Arial" charset="0"/>
+              <a:buChar char="•"/>
+            </a:pPr>
+            <a:r>
+              <a:rPr lang="en-US" dirty="0" smtClean="0"/>
+              <a:t>Remove dead-code.</a:t>
+            </a:r>
+          </a:p>
+          <a:p>
+            <a:pPr>
+              <a:buFont typeface="Wingdings" charset="2"/>
+              <a:buChar char="ü"/>
+            </a:pPr>
+            <a:r>
+              <a:rPr lang="en-US" dirty="0" smtClean="0">
+                <a:solidFill>
+                  <a:schemeClr val="accent6"/>
+                </a:solidFill>
+              </a:rPr>
+              <a:t>Extra protections.</a:t>
+            </a:r>
+          </a:p>
+          <a:p>
+            <a:pPr lvl="1">
+              <a:buFont typeface="Arial" charset="0"/>
+              <a:buChar char="•"/>
+            </a:pPr>
+            <a:r>
+              <a:rPr lang="en-US" dirty="0" smtClean="0"/>
+              <a:t>Type-safety.</a:t>
+            </a:r>
+          </a:p>
+          <a:p>
+            <a:pPr lvl="1">
+              <a:buFont typeface="Arial" charset="0"/>
+              <a:buChar char="•"/>
+            </a:pPr>
+            <a:r>
+              <a:rPr lang="en-US" dirty="0" smtClean="0"/>
+              <a:t>Garbage collected memory.</a:t>
+            </a:r>
+          </a:p>
+          <a:p>
+            <a:pPr>
+              <a:buFont typeface="Wingdings" charset="2"/>
+              <a:buChar char="ü"/>
+            </a:pPr>
+            <a:r>
+              <a:rPr lang="en-US" dirty="0" smtClean="0">
+                <a:solidFill>
+                  <a:schemeClr val="accent6"/>
+                </a:solidFill>
+              </a:rPr>
+              <a:t>Isolation from guest.</a:t>
+            </a:r>
+          </a:p>
+          <a:p>
+            <a:pPr>
+              <a:buFont typeface="Wingdings" charset="2"/>
+              <a:buChar char="ü"/>
+            </a:pPr>
+            <a:endParaRPr lang="en-US" dirty="0" smtClean="0">
+              <a:solidFill>
+                <a:schemeClr val="accent6"/>
+              </a:solidFill>
+            </a:endParaRPr>
+          </a:p>
+          <a:p>
+            <a:pPr>
+              <a:buBlip>
+                <a:blip r:embed="rId3"/>
+              </a:buBlip>
+            </a:pPr>
+            <a:r>
+              <a:rPr lang="en-US" dirty="0" smtClean="0">
+                <a:solidFill>
+                  <a:srgbClr val="FF0000"/>
+                </a:solidFill>
+              </a:rPr>
+              <a:t>No isolation from host.</a:t>
+            </a:r>
+            <a:endParaRPr lang="en-US" dirty="0">
+              <a:solidFill>
+                <a:srgbClr val="FF0000"/>
+              </a:solidFill>
+            </a:endParaRPr>
+          </a:p>
+        </p:txBody>
+      </p:sp>
+    </p:spTree>
+    <p:extLst>
+      <p:ext uri="{BB962C8B-B14F-4D97-AF65-F5344CB8AC3E}">
+        <p14:creationId xmlns:p14="http://schemas.microsoft.com/office/powerpoint/2010/main" val="497407210"/>
+      </p:ext>
+    </p:extLst>
+  </p:cSld>
+  <p:clrMapOvr>
+    <a:masterClrMapping/>
+  </p:clrMapOvr>
+  <p:timing>
+    <p:tnLst>
+      <p:par>
+        <p:cTn id="1" dur="indefinite" restart="never" nodeType="tmRoot">
+          <p:childTnLst>
+            <p:seq concurrent="1" nextAc="seek">
+              <p:cTn id="2" dur="indefinite" nodeType="mainSeq">
+                <p:childTnLst>
+                  <p:par>
+                    <p:cTn id="3" fill="hold">
+                      <p:stCondLst>
+                        <p:cond delay="indefinite"/>
+                      </p:stCondLst>
+                      <p:childTnLst>
+                        <p:par>
+                          <p:cTn id="4" fill="hold">
+                            <p:stCondLst>
+                              <p:cond delay="0"/>
+                            </p:stCondLst>
+                            <p:childTnLst>
+                              <p:par>
+                                <p:cTn id="5" presetID="1" presetClass="entr" presetSubtype="0" fill="hold" nodeType="clickEffect">
+                                  <p:stCondLst>
+                                    <p:cond delay="0"/>
+                                  </p:stCondLst>
+                                  <p:childTnLst>
+                                    <p:set>
+                                      <p:cBhvr>
+                                        <p:cTn id="6" dur="1" fill="hold">
+                                          <p:stCondLst>
+                                            <p:cond delay="0"/>
+                                          </p:stCondLst>
+                                        </p:cTn>
+                                        <p:tgtEl>
+                                          <p:spTgt spid="5">
+                                            <p:txEl>
+                                              <p:pRg st="0" end="0"/>
+                                            </p:txEl>
+                                          </p:spTgt>
+                                        </p:tgtEl>
+                                        <p:attrNameLst>
+                                          <p:attrName>style.visibility</p:attrName>
+                                        </p:attrNameLst>
+                                      </p:cBhvr>
+                                      <p:to>
+                                        <p:strVal val="visible"/>
+                                      </p:to>
+                                    </p:set>
+                                  </p:childTnLst>
+                                </p:cTn>
+                              </p:par>
+                              <p:par>
+                                <p:cTn id="7" presetID="1" presetClass="entr" presetSubtype="0" fill="hold" nodeType="withEffect">
+                                  <p:stCondLst>
+                                    <p:cond delay="0"/>
+                                  </p:stCondLst>
+                                  <p:childTnLst>
+                                    <p:set>
+                                      <p:cBhvr>
+                                        <p:cTn id="8" dur="1" fill="hold">
+                                          <p:stCondLst>
+                                            <p:cond delay="0"/>
+                                          </p:stCondLst>
+                                        </p:cTn>
+                                        <p:tgtEl>
+                                          <p:spTgt spid="5">
+                                            <p:txEl>
+                                              <p:pRg st="1" end="1"/>
+                                            </p:txEl>
+                                          </p:spTgt>
+                                        </p:tgtEl>
+                                        <p:attrNameLst>
+                                          <p:attrName>style.visibility</p:attrName>
+                                        </p:attrNameLst>
+                                      </p:cBhvr>
+                                      <p:to>
+                                        <p:strVal val="visible"/>
+                                      </p:to>
+                                    </p:set>
+                                  </p:childTnLst>
+                                </p:cTn>
+                              </p:par>
+                            </p:childTnLst>
+                          </p:cTn>
+                        </p:par>
+                      </p:childTnLst>
+                    </p:cTn>
+                  </p:par>
+                  <p:par>
+                    <p:cTn id="9" fill="hold">
+                      <p:stCondLst>
+                        <p:cond delay="indefinite"/>
+                      </p:stCondLst>
+                      <p:childTnLst>
+                        <p:par>
+                          <p:cTn id="10" fill="hold">
+                            <p:stCondLst>
+                              <p:cond delay="0"/>
+                            </p:stCondLst>
+                            <p:childTnLst>
+                              <p:par>
+                                <p:cTn id="11" presetID="1" presetClass="entr" presetSubtype="0" fill="hold" nodeType="clickEffect">
+                                  <p:stCondLst>
+                                    <p:cond delay="0"/>
+                                  </p:stCondLst>
+                                  <p:childTnLst>
+                                    <p:set>
+                                      <p:cBhvr>
+                                        <p:cTn id="12" dur="1" fill="hold">
+                                          <p:stCondLst>
+                                            <p:cond delay="0"/>
+                                          </p:stCondLst>
+                                        </p:cTn>
+                                        <p:tgtEl>
+                                          <p:spTgt spid="5">
+                                            <p:txEl>
+                                              <p:pRg st="2" end="2"/>
+                                            </p:txEl>
+                                          </p:spTgt>
+                                        </p:tgtEl>
+                                        <p:attrNameLst>
+                                          <p:attrName>style.visibility</p:attrName>
+                                        </p:attrNameLst>
+                                      </p:cBhvr>
+                                      <p:to>
+                                        <p:strVal val="visible"/>
+                                      </p:to>
+                                    </p:set>
+                                  </p:childTnLst>
+                                </p:cTn>
+                              </p:par>
+                              <p:par>
+                                <p:cTn id="13" presetID="1" presetClass="entr" presetSubtype="0" fill="hold" nodeType="withEffect">
+                                  <p:stCondLst>
+                                    <p:cond delay="0"/>
+                                  </p:stCondLst>
+                                  <p:childTnLst>
+                                    <p:set>
+                                      <p:cBhvr>
+                                        <p:cTn id="14" dur="1" fill="hold">
+                                          <p:stCondLst>
+                                            <p:cond delay="0"/>
+                                          </p:stCondLst>
+                                        </p:cTn>
+                                        <p:tgtEl>
+                                          <p:spTgt spid="5">
+                                            <p:txEl>
+                                              <p:pRg st="3" end="3"/>
+                                            </p:txEl>
+                                          </p:spTgt>
+                                        </p:tgtEl>
+                                        <p:attrNameLst>
+                                          <p:attrName>style.visibility</p:attrName>
+                                        </p:attrNameLst>
+                                      </p:cBhvr>
+                                      <p:to>
+                                        <p:strVal val="visible"/>
+                                      </p:to>
+                                    </p:set>
+                                  </p:childTnLst>
+                                </p:cTn>
+                              </p:par>
+                            </p:childTnLst>
+                          </p:cTn>
+                        </p:par>
+                      </p:childTnLst>
+                    </p:cTn>
+                  </p:par>
+                  <p:par>
+                    <p:cTn id="15" fill="hold">
+                      <p:stCondLst>
+                        <p:cond delay="indefinite"/>
+                      </p:stCondLst>
+                      <p:childTnLst>
+                        <p:par>
+                          <p:cTn id="16" fill="hold">
+                            <p:stCondLst>
+                              <p:cond delay="0"/>
+                            </p:stCondLst>
+                            <p:childTnLst>
+                              <p:par>
+                                <p:cTn id="17" presetID="1" presetClass="entr" presetSubtype="0" fill="hold" nodeType="clickEffect">
+                                  <p:stCondLst>
+                                    <p:cond delay="0"/>
+                                  </p:stCondLst>
+                                  <p:childTnLst>
+                                    <p:set>
+                                      <p:cBhvr>
+                                        <p:cTn id="18" dur="1" fill="hold">
+                                          <p:stCondLst>
+                                            <p:cond delay="0"/>
+                                          </p:stCondLst>
+                                        </p:cTn>
+                                        <p:tgtEl>
+                                          <p:spTgt spid="5">
+                                            <p:txEl>
+                                              <p:pRg st="4" end="4"/>
+                                            </p:txEl>
+                                          </p:spTgt>
+                                        </p:tgtEl>
+                                        <p:attrNameLst>
+                                          <p:attrName>style.visibility</p:attrName>
+                                        </p:attrNameLst>
+                                      </p:cBhvr>
+                                      <p:to>
+                                        <p:strVal val="visible"/>
+                                      </p:to>
+                                    </p:set>
+                                  </p:childTnLst>
+                                </p:cTn>
+                              </p:par>
+                              <p:par>
+                                <p:cTn id="19" presetID="1" presetClass="entr" presetSubtype="0" fill="hold" nodeType="withEffect">
+                                  <p:stCondLst>
+                                    <p:cond delay="0"/>
+                                  </p:stCondLst>
+                                  <p:childTnLst>
+                                    <p:set>
+                                      <p:cBhvr>
+                                        <p:cTn id="20" dur="1" fill="hold">
+                                          <p:stCondLst>
+                                            <p:cond delay="0"/>
+                                          </p:stCondLst>
+                                        </p:cTn>
+                                        <p:tgtEl>
+                                          <p:spTgt spid="5">
+                                            <p:txEl>
+                                              <p:pRg st="5" end="5"/>
+                                            </p:txEl>
+                                          </p:spTgt>
+                                        </p:tgtEl>
+                                        <p:attrNameLst>
+                                          <p:attrName>style.visibility</p:attrName>
+                                        </p:attrNameLst>
+                                      </p:cBhvr>
+                                      <p:to>
+                                        <p:strVal val="visible"/>
+                                      </p:to>
+                                    </p:set>
+                                  </p:childTnLst>
+                                </p:cTn>
+                              </p:par>
+                              <p:par>
+                                <p:cTn id="21" presetID="1" presetClass="entr" presetSubtype="0" fill="hold" nodeType="withEffect">
+                                  <p:stCondLst>
+                                    <p:cond delay="0"/>
+                                  </p:stCondLst>
+                                  <p:childTnLst>
+                                    <p:set>
+                                      <p:cBhvr>
+                                        <p:cTn id="22" dur="1" fill="hold">
+                                          <p:stCondLst>
+                                            <p:cond delay="0"/>
+                                          </p:stCondLst>
+                                        </p:cTn>
+                                        <p:tgtEl>
+                                          <p:spTgt spid="5">
+                                            <p:txEl>
+                                              <p:pRg st="6" end="6"/>
+                                            </p:txEl>
+                                          </p:spTgt>
+                                        </p:tgtEl>
+                                        <p:attrNameLst>
+                                          <p:attrName>style.visibility</p:attrName>
+                                        </p:attrNameLst>
+                                      </p:cBhvr>
+                                      <p:to>
+                                        <p:strVal val="visible"/>
+                                      </p:to>
+                                    </p:set>
+                                  </p:childTnLst>
+                                </p:cTn>
+                              </p:par>
+                            </p:childTnLst>
+                          </p:cTn>
+                        </p:par>
+                      </p:childTnLst>
+                    </p:cTn>
+                  </p:par>
+                  <p:par>
+                    <p:cTn id="23" fill="hold">
+                      <p:stCondLst>
+                        <p:cond delay="indefinite"/>
+                      </p:stCondLst>
+                      <p:childTnLst>
+                        <p:par>
+                          <p:cTn id="24" fill="hold">
+                            <p:stCondLst>
+                              <p:cond delay="0"/>
+                            </p:stCondLst>
+                            <p:childTnLst>
+                              <p:par>
+                                <p:cTn id="25" presetID="1" presetClass="entr" presetSubtype="0" fill="hold" nodeType="clickEffect">
+                                  <p:stCondLst>
+                                    <p:cond delay="0"/>
+                                  </p:stCondLst>
+                                  <p:childTnLst>
+                                    <p:set>
+                                      <p:cBhvr>
+                                        <p:cTn id="26" dur="1" fill="hold">
+                                          <p:stCondLst>
+                                            <p:cond delay="0"/>
+                                          </p:stCondLst>
+                                        </p:cTn>
+                                        <p:tgtEl>
+                                          <p:spTgt spid="5">
+                                            <p:txEl>
+                                              <p:pRg st="7" end="7"/>
+                                            </p:txEl>
+                                          </p:spTgt>
+                                        </p:tgtEl>
+                                        <p:attrNameLst>
+                                          <p:attrName>style.visibility</p:attrName>
+                                        </p:attrNameLst>
+                                      </p:cBhvr>
+                                      <p:to>
+                                        <p:strVal val="visible"/>
+                                      </p:to>
+                                    </p:set>
+                                  </p:childTnLst>
+                                </p:cTn>
+                              </p:par>
+                            </p:childTnLst>
+                          </p:cTn>
+                        </p:par>
+                      </p:childTnLst>
+                    </p:cTn>
+                  </p:par>
+                  <p:par>
+                    <p:cTn id="27" fill="hold">
+                      <p:stCondLst>
+                        <p:cond delay="indefinite"/>
+                      </p:stCondLst>
+                      <p:childTnLst>
+                        <p:par>
+                          <p:cTn id="28" fill="hold">
+                            <p:stCondLst>
+                              <p:cond delay="0"/>
+                            </p:stCondLst>
+                            <p:childTnLst>
+                              <p:par>
+                                <p:cTn id="29" presetID="1" presetClass="entr" presetSubtype="0" fill="hold" nodeType="clickEffect">
+                                  <p:stCondLst>
+                                    <p:cond delay="0"/>
+                                  </p:stCondLst>
+                                  <p:childTnLst>
+                                    <p:set>
+                                      <p:cBhvr>
+                                        <p:cTn id="30" dur="1" fill="hold">
+                                          <p:stCondLst>
+                                            <p:cond delay="0"/>
+                                          </p:stCondLst>
+                                        </p:cTn>
+                                        <p:tgtEl>
+                                          <p:spTgt spid="7">
+                                            <p:txEl>
+                                              <p:pRg st="0" end="0"/>
+                                            </p:txEl>
+                                          </p:spTgt>
+                                        </p:tgtEl>
+                                        <p:attrNameLst>
+                                          <p:attrName>style.visibility</p:attrName>
+                                        </p:attrNameLst>
+                                      </p:cBhvr>
+                                      <p:to>
+                                        <p:strVal val="visible"/>
+                                      </p:to>
+                                    </p:set>
+                                  </p:childTnLst>
+                                </p:cTn>
+                              </p:par>
+                              <p:par>
+                                <p:cTn id="31" presetID="1" presetClass="entr" presetSubtype="0" fill="hold" nodeType="withEffect">
+                                  <p:stCondLst>
+                                    <p:cond delay="0"/>
+                                  </p:stCondLst>
+                                  <p:childTnLst>
+                                    <p:set>
+                                      <p:cBhvr>
+                                        <p:cTn id="32" dur="1" fill="hold">
+                                          <p:stCondLst>
+                                            <p:cond delay="0"/>
+                                          </p:stCondLst>
+                                        </p:cTn>
+                                        <p:tgtEl>
+                                          <p:spTgt spid="7">
+                                            <p:txEl>
+                                              <p:pRg st="1" end="1"/>
+                                            </p:txEl>
+                                          </p:spTgt>
+                                        </p:tgtEl>
+                                        <p:attrNameLst>
+                                          <p:attrName>style.visibility</p:attrName>
+                                        </p:attrNameLst>
+                                      </p:cBhvr>
+                                      <p:to>
+                                        <p:strVal val="visible"/>
+                                      </p:to>
+                                    </p:set>
+                                  </p:childTnLst>
+                                </p:cTn>
+                              </p:par>
+                            </p:childTnLst>
+                          </p:cTn>
+                        </p:par>
+                      </p:childTnLst>
+                    </p:cTn>
+                  </p:par>
+                  <p:par>
+                    <p:cTn id="33" fill="hold">
+                      <p:stCondLst>
+                        <p:cond delay="indefinite"/>
+                      </p:stCondLst>
+                      <p:childTnLst>
+                        <p:par>
+                          <p:cTn id="34" fill="hold">
+                            <p:stCondLst>
+                              <p:cond delay="0"/>
+                            </p:stCondLst>
+                            <p:childTnLst>
+                              <p:par>
+                                <p:cTn id="35" presetID="1" presetClass="entr" presetSubtype="0" fill="hold" nodeType="clickEffect">
+                                  <p:stCondLst>
+                                    <p:cond delay="0"/>
+                                  </p:stCondLst>
+                                  <p:childTnLst>
+                                    <p:set>
+                                      <p:cBhvr>
+                                        <p:cTn id="36" dur="1" fill="hold">
+                                          <p:stCondLst>
+                                            <p:cond delay="0"/>
+                                          </p:stCondLst>
+                                        </p:cTn>
+                                        <p:tgtEl>
+                                          <p:spTgt spid="7">
+                                            <p:txEl>
+                                              <p:pRg st="2" end="2"/>
+                                            </p:txEl>
+                                          </p:spTgt>
+                                        </p:tgtEl>
+                                        <p:attrNameLst>
+                                          <p:attrName>style.visibility</p:attrName>
+                                        </p:attrNameLst>
+                                      </p:cBhvr>
+                                      <p:to>
+                                        <p:strVal val="visible"/>
+                                      </p:to>
+                                    </p:set>
+                                  </p:childTnLst>
+                                </p:cTn>
+                              </p:par>
+                              <p:par>
+                                <p:cTn id="37" presetID="1" presetClass="entr" presetSubtype="0" fill="hold" nodeType="withEffect">
+                                  <p:stCondLst>
+                                    <p:cond delay="0"/>
+                                  </p:stCondLst>
+                                  <p:childTnLst>
+                                    <p:set>
+                                      <p:cBhvr>
+                                        <p:cTn id="38" dur="1" fill="hold">
+                                          <p:stCondLst>
+                                            <p:cond delay="0"/>
+                                          </p:stCondLst>
+                                        </p:cTn>
+                                        <p:tgtEl>
+                                          <p:spTgt spid="7">
+                                            <p:txEl>
+                                              <p:pRg st="3" end="3"/>
+                                            </p:txEl>
+                                          </p:spTgt>
+                                        </p:tgtEl>
+                                        <p:attrNameLst>
+                                          <p:attrName>style.visibility</p:attrName>
+                                        </p:attrNameLst>
+                                      </p:cBhvr>
+                                      <p:to>
+                                        <p:strVal val="visible"/>
+                                      </p:to>
+                                    </p:set>
+                                  </p:childTnLst>
+                                </p:cTn>
+                              </p:par>
+                              <p:par>
+                                <p:cTn id="39" presetID="1" presetClass="entr" presetSubtype="0" fill="hold" nodeType="withEffect">
+                                  <p:stCondLst>
+                                    <p:cond delay="0"/>
+                                  </p:stCondLst>
+                                  <p:childTnLst>
+                                    <p:set>
+                                      <p:cBhvr>
+                                        <p:cTn id="40" dur="1" fill="hold">
+                                          <p:stCondLst>
+                                            <p:cond delay="0"/>
+                                          </p:stCondLst>
+                                        </p:cTn>
+                                        <p:tgtEl>
+                                          <p:spTgt spid="7">
+                                            <p:txEl>
+                                              <p:pRg st="4" end="4"/>
+                                            </p:txEl>
+                                          </p:spTgt>
+                                        </p:tgtEl>
+                                        <p:attrNameLst>
+                                          <p:attrName>style.visibility</p:attrName>
+                                        </p:attrNameLst>
+                                      </p:cBhvr>
+                                      <p:to>
+                                        <p:strVal val="visible"/>
+                                      </p:to>
+                                    </p:set>
+                                  </p:childTnLst>
+                                </p:cTn>
+                              </p:par>
+                            </p:childTnLst>
+                          </p:cTn>
+                        </p:par>
+                      </p:childTnLst>
+                    </p:cTn>
+                  </p:par>
+                  <p:par>
+                    <p:cTn id="41" fill="hold">
+                      <p:stCondLst>
+                        <p:cond delay="indefinite"/>
+                      </p:stCondLst>
+                      <p:childTnLst>
+                        <p:par>
+                          <p:cTn id="42" fill="hold">
+                            <p:stCondLst>
+                              <p:cond delay="0"/>
+                            </p:stCondLst>
+                            <p:childTnLst>
+                              <p:par>
+                                <p:cTn id="43" presetID="1" presetClass="entr" presetSubtype="0" fill="hold" nodeType="clickEffect">
+                                  <p:stCondLst>
+                                    <p:cond delay="0"/>
+                                  </p:stCondLst>
+                                  <p:childTnLst>
+                                    <p:set>
+                                      <p:cBhvr>
+                                        <p:cTn id="44" dur="1" fill="hold">
+                                          <p:stCondLst>
+                                            <p:cond delay="0"/>
+                                          </p:stCondLst>
+                                        </p:cTn>
+                                        <p:tgtEl>
+                                          <p:spTgt spid="7">
+                                            <p:txEl>
+                                              <p:pRg st="5" end="5"/>
+                                            </p:txEl>
+                                          </p:spTgt>
+                                        </p:tgtEl>
+                                        <p:attrNameLst>
+                                          <p:attrName>style.visibility</p:attrName>
+                                        </p:attrNameLst>
+                                      </p:cBhvr>
+                                      <p:to>
+                                        <p:strVal val="visible"/>
+                                      </p:to>
+                                    </p:set>
+                                  </p:childTnLst>
+                                </p:cTn>
+                              </p:par>
+                            </p:childTnLst>
+                          </p:cTn>
+                        </p:par>
+                      </p:childTnLst>
+                    </p:cTn>
+                  </p:par>
+                  <p:par>
+                    <p:cTn id="45" fill="hold">
+                      <p:stCondLst>
+                        <p:cond delay="indefinite"/>
+                      </p:stCondLst>
+                      <p:childTnLst>
+                        <p:par>
+                          <p:cTn id="46" fill="hold">
+                            <p:stCondLst>
+                              <p:cond delay="0"/>
+                            </p:stCondLst>
+                            <p:childTnLst>
+                              <p:par>
+                                <p:cTn id="47" presetID="1" presetClass="entr" presetSubtype="0" fill="hold" nodeType="clickEffect">
+                                  <p:stCondLst>
+                                    <p:cond delay="0"/>
+                                  </p:stCondLst>
+                                  <p:childTnLst>
+                                    <p:set>
+                                      <p:cBhvr>
+                                        <p:cTn id="48" dur="1" fill="hold">
+                                          <p:stCondLst>
+                                            <p:cond delay="0"/>
+                                          </p:stCondLst>
+                                        </p:cTn>
+                                        <p:tgtEl>
+                                          <p:spTgt spid="7">
+                                            <p:txEl>
+                                              <p:pRg st="7" end="7"/>
+                                            </p:txEl>
+                                          </p:spTgt>
+                                        </p:tgtEl>
+                                        <p:attrNameLst>
+                                          <p:attrName>style.visibility</p:attrName>
+                                        </p:attrNameLst>
+                                      </p:cBhvr>
+                                      <p:to>
+                                        <p:strVal val="visible"/>
+                                      </p:to>
+                                    </p:set>
+                                  </p:childTnLst>
+                                </p:cTn>
+                              </p:par>
+                            </p:childTnLst>
+                          </p:cTn>
+                        </p:par>
+                      </p:childTnLst>
+                    </p:cTn>
+                  </p:par>
+                </p:childTnLst>
+              </p:cTn>
+              <p:prevCondLst>
+                <p:cond evt="onPrev" delay="0">
+                  <p:tgtEl>
+                    <p:sldTgt/>
+                  </p:tgtEl>
+                </p:cond>
+              </p:prevCondLst>
+              <p:nextCondLst>
+                <p:cond evt="onNext" delay="0">
+                  <p:tgtEl>
+                    <p:sldTgt/>
+                  </p:tgtEl>
+                </p:cond>
+              </p:nextCondLst>
+            </p:seq>
+          </p:childTnLst>
+        </p:cTn>
+      </p:par>
+    </p:tnLst>
+  </p:timing>
+</p:sld>
+</file>
+
+<file path=ppt/slides/slide13.xml><?xml version="1.0" encoding="utf-8"?>
+<p:sld xmlns:a="http://schemas.openxmlformats.org/drawingml/2006/main" xmlns:r="http://schemas.openxmlformats.org/officeDocument/2006/relationships" xmlns:p="http://schemas.openxmlformats.org/presentationml/2006/main">
+  <p:cSld>
+    <p:spTree>
+      <p:nvGrpSpPr>
+        <p:cNvPr id="1" name=""/>
+        <p:cNvGrpSpPr/>
+        <p:nvPr/>
+      </p:nvGrpSpPr>
+      <p:grpSpPr>
+        <a:xfrm>
+          <a:off x="0" y="0"/>
+          <a:ext cx="0" cy="0"/>
+          <a:chOff x="0" y="0"/>
+          <a:chExt cx="0" cy="0"/>
+        </a:xfrm>
+      </p:grpSpPr>
+      <p:sp>
+        <p:nvSpPr>
+          <p:cNvPr id="2" name="Title 1"/>
+          <p:cNvSpPr>
+            <a:spLocks noGrp="1"/>
+          </p:cNvSpPr>
+          <p:nvPr>
+            <p:ph type="title"/>
+          </p:nvPr>
+        </p:nvSpPr>
+        <p:spPr/>
+        <p:txBody>
+          <a:bodyPr/>
+          <a:lstStyle/>
+          <a:p>
+            <a:r>
+              <a:rPr lang="en-US" dirty="0" smtClean="0"/>
+              <a:t>	Transition</a:t>
+            </a:r>
+            <a:endParaRPr lang="en-US" dirty="0"/>
+          </a:p>
+        </p:txBody>
+      </p:sp>
+      <p:pic>
+        <p:nvPicPr>
+          <p:cNvPr id="4" name="Picture 3"/>
+          <p:cNvPicPr>
+            <a:picLocks noChangeAspect="1"/>
+          </p:cNvPicPr>
+          <p:nvPr/>
+        </p:nvPicPr>
+        <p:blipFill>
+          <a:blip r:embed="rId3">
+            <a:extLst>
+              <a:ext uri="{28A0092B-C50C-407E-A947-70E740481C1C}">
+                <a14:useLocalDpi xmlns:a14="http://schemas.microsoft.com/office/drawing/2010/main" val="0"/>
+              </a:ext>
+            </a:extLst>
+          </a:blip>
+          <a:stretch>
+            <a:fillRect/>
+          </a:stretch>
+        </p:blipFill>
+        <p:spPr>
+          <a:xfrm>
+            <a:off x="2641600" y="1511300"/>
+            <a:ext cx="6906768" cy="3822192"/>
+          </a:xfrm>
+          <a:prstGeom prst="rect">
+            <a:avLst/>
+          </a:prstGeom>
+        </p:spPr>
+      </p:pic>
+    </p:spTree>
+    <p:extLst>
+      <p:ext uri="{BB962C8B-B14F-4D97-AF65-F5344CB8AC3E}">
+        <p14:creationId xmlns:p14="http://schemas.microsoft.com/office/powerpoint/2010/main" val="1222124941"/>
+      </p:ext>
+    </p:extLst>
+  </p:cSld>
+  <p:clrMapOvr>
+    <a:masterClrMapping/>
+  </p:clrMapOvr>
+  <p:timing>
+    <p:tnLst>
+      <p:par>
+        <p:cTn id="1" dur="indefinite" restart="never" nodeType="tmRoot"/>
+      </p:par>
+    </p:tnLst>
+  </p:timing>
+</p:sld>
+</file>
+
+<file path=ppt/slides/slide14.xml><?xml version="1.0" encoding="utf-8"?>
+<p:sld xmlns:a="http://schemas.openxmlformats.org/drawingml/2006/main" xmlns:r="http://schemas.openxmlformats.org/officeDocument/2006/relationships" xmlns:p="http://schemas.openxmlformats.org/presentationml/2006/main">
+  <p:cSld>
+    <p:spTree>
+      <p:nvGrpSpPr>
+        <p:cNvPr id="1" name=""/>
+        <p:cNvGrpSpPr/>
+        <p:nvPr/>
+      </p:nvGrpSpPr>
+      <p:grpSpPr>
+        <a:xfrm>
+          <a:off x="0" y="0"/>
+          <a:ext cx="0" cy="0"/>
+          <a:chOff x="0" y="0"/>
+          <a:chExt cx="0" cy="0"/>
+        </a:xfrm>
+      </p:grpSpPr>
+      <p:sp>
+        <p:nvSpPr>
+          <p:cNvPr id="2" name="Title 1"/>
+          <p:cNvSpPr>
+            <a:spLocks noGrp="1"/>
+          </p:cNvSpPr>
+          <p:nvPr>
+            <p:ph type="title"/>
+          </p:nvPr>
+        </p:nvSpPr>
+        <p:spPr/>
+        <p:txBody>
+          <a:bodyPr/>
+          <a:lstStyle/>
+          <a:p>
+            <a:pPr algn="ctr"/>
+            <a:r>
+              <a:rPr lang="en-US" dirty="0" smtClean="0"/>
+              <a:t>Haven</a:t>
+            </a:r>
+            <a:endParaRPr lang="en-US" dirty="0"/>
+          </a:p>
+        </p:txBody>
+      </p:sp>
+      <p:sp>
+        <p:nvSpPr>
+          <p:cNvPr id="3" name="Text Placeholder 2"/>
+          <p:cNvSpPr>
+            <a:spLocks noGrp="1"/>
+          </p:cNvSpPr>
+          <p:nvPr>
+            <p:ph type="body" idx="1"/>
+          </p:nvPr>
+        </p:nvSpPr>
+        <p:spPr/>
+        <p:txBody>
+          <a:bodyPr/>
+          <a:lstStyle/>
+          <a:p>
+            <a:pPr algn="ctr"/>
+            <a:r>
+              <a:rPr lang="en-US" sz="1600" dirty="0" smtClean="0"/>
+              <a:t>Andrew Baumann, Marcus </a:t>
+            </a:r>
+            <a:r>
+              <a:rPr lang="en-US" sz="1600" dirty="0" err="1" smtClean="0"/>
+              <a:t>Peinado</a:t>
+            </a:r>
+            <a:r>
+              <a:rPr lang="en-US" sz="1600" dirty="0" smtClean="0"/>
+              <a:t>, </a:t>
+            </a:r>
+            <a:r>
+              <a:rPr lang="en-US" sz="1600" dirty="0"/>
+              <a:t>and </a:t>
+            </a:r>
+            <a:r>
+              <a:rPr lang="en-US" sz="1600" dirty="0" smtClean="0"/>
+              <a:t>Galen Hunt</a:t>
+            </a:r>
+          </a:p>
+          <a:p>
+            <a:pPr algn="ctr"/>
+            <a:r>
+              <a:rPr lang="en-US" sz="1600" dirty="0" smtClean="0"/>
+              <a:t>USENIX 2014</a:t>
+            </a:r>
+            <a:endParaRPr lang="en-US" dirty="0"/>
+          </a:p>
+        </p:txBody>
+      </p:sp>
+    </p:spTree>
+    <p:extLst>
+      <p:ext uri="{BB962C8B-B14F-4D97-AF65-F5344CB8AC3E}">
+        <p14:creationId xmlns:p14="http://schemas.microsoft.com/office/powerpoint/2010/main" val="1415270076"/>
+      </p:ext>
+    </p:extLst>
+  </p:cSld>
+  <p:clrMapOvr>
+    <a:masterClrMapping/>
+  </p:clrMapOvr>
+  <p:timing>
+    <p:tnLst>
+      <p:par>
+        <p:cTn id="1" dur="indefinite" restart="never" nodeType="tmRoot"/>
+      </p:par>
+    </p:tnLst>
+  </p:timing>
+</p:sld>
+</file>
+
+<file path=ppt/slides/slide15.xml><?xml version="1.0" encoding="utf-8"?>
+<p:sld xmlns:a="http://schemas.openxmlformats.org/drawingml/2006/main" xmlns:r="http://schemas.openxmlformats.org/officeDocument/2006/relationships" xmlns:p="http://schemas.openxmlformats.org/presentationml/2006/main">
+  <p:cSld>
+    <p:spTree>
+      <p:nvGrpSpPr>
+        <p:cNvPr id="1" name=""/>
+        <p:cNvGrpSpPr/>
+        <p:nvPr/>
+      </p:nvGrpSpPr>
+      <p:grpSpPr>
+        <a:xfrm>
+          <a:off x="0" y="0"/>
+          <a:ext cx="0" cy="0"/>
+          <a:chOff x="0" y="0"/>
+          <a:chExt cx="0" cy="0"/>
+        </a:xfrm>
+      </p:grpSpPr>
+      <p:sp>
+        <p:nvSpPr>
+          <p:cNvPr id="2" name="Title 1"/>
+          <p:cNvSpPr>
+            <a:spLocks noGrp="1"/>
+          </p:cNvSpPr>
+          <p:nvPr>
+            <p:ph type="title"/>
+          </p:nvPr>
+        </p:nvSpPr>
+        <p:spPr/>
+        <p:txBody>
+          <a:bodyPr/>
+          <a:lstStyle/>
+          <a:p>
+            <a:r>
+              <a:rPr lang="en-US" dirty="0" smtClean="0"/>
               <a:t>	Haven: Motivation</a:t>
             </a:r>
             <a:endParaRPr lang="en-US" dirty="0"/>
@@ -4013,7 +7495,9 @@
         </p:nvSpPr>
         <p:spPr/>
         <p:txBody>
-          <a:bodyPr/>
+          <a:bodyPr>
+            <a:normAutofit/>
+          </a:bodyPr>
           <a:lstStyle/>
           <a:p>
             <a:pPr marL="0" indent="0">
@@ -4086,7 +7570,26 @@
             <a:pPr lvl="1"/>
             <a:r>
               <a:rPr lang="en-US" dirty="0" smtClean="0"/>
-              <a:t>Leverage Intel SGX to create a protected region.</a:t>
+              <a:t>Confidentiality &amp; Integrity.</a:t>
+            </a:r>
+          </a:p>
+          <a:p>
+            <a:pPr lvl="1"/>
+            <a:r>
+              <a:rPr lang="en-US" dirty="0" smtClean="0"/>
+              <a:t>Leverage Intel SGX to create a protected region, i.e., </a:t>
+            </a:r>
+            <a:r>
+              <a:rPr lang="en-US" i="1" dirty="0" smtClean="0">
+                <a:solidFill>
+                  <a:schemeClr val="accent2"/>
+                </a:solidFill>
+              </a:rPr>
+              <a:t>enclave</a:t>
+            </a:r>
+            <a:r>
+              <a:rPr lang="en-US" dirty="0" smtClean="0"/>
+              <a:t>.</a:t>
             </a:r>
           </a:p>
           <a:p>
@@ -4103,7 +7606,6 @@
               <a:rPr lang="en-US" dirty="0" smtClean="0"/>
               <a:t> inside a protected region.</a:t>
             </a:r>
-            <a:endParaRPr lang="en-US" dirty="0"/>
           </a:p>
         </p:txBody>
       </p:sp>
@@ -4111,6 +7613,1444 @@
     <p:extLst>
       <p:ext uri="{BB962C8B-B14F-4D97-AF65-F5344CB8AC3E}">
         <p14:creationId xmlns:p14="http://schemas.microsoft.com/office/powerpoint/2010/main" val="591534224"/>
+      </p:ext>
+    </p:extLst>
+  </p:cSld>
+  <p:clrMapOvr>
+    <a:masterClrMapping/>
+  </p:clrMapOvr>
+  <p:timing>
+    <p:tnLst>
+      <p:par>
+        <p:cTn id="1" dur="indefinite" restart="never" nodeType="tmRoot">
+          <p:childTnLst>
+            <p:seq concurrent="1" nextAc="seek">
+              <p:cTn id="2" dur="indefinite" nodeType="mainSeq">
+                <p:childTnLst>
+                  <p:par>
+                    <p:cTn id="3" fill="hold">
+                      <p:stCondLst>
+                        <p:cond delay="indefinite"/>
+                      </p:stCondLst>
+                      <p:childTnLst>
+                        <p:par>
+                          <p:cTn id="4" fill="hold">
+                            <p:stCondLst>
+                              <p:cond delay="0"/>
+                            </p:stCondLst>
+                            <p:childTnLst>
+                              <p:par>
+                                <p:cTn id="5" presetID="1" presetClass="entr" presetSubtype="0" fill="hold" nodeType="clickEffect">
+                                  <p:stCondLst>
+                                    <p:cond delay="0"/>
+                                  </p:stCondLst>
+                                  <p:childTnLst>
+                                    <p:set>
+                                      <p:cBhvr>
+                                        <p:cTn id="6" dur="1" fill="hold">
+                                          <p:stCondLst>
+                                            <p:cond delay="0"/>
+                                          </p:stCondLst>
+                                        </p:cTn>
+                                        <p:tgtEl>
+                                          <p:spTgt spid="3">
+                                            <p:txEl>
+                                              <p:pRg st="4" end="4"/>
+                                            </p:txEl>
+                                          </p:spTgt>
+                                        </p:tgtEl>
+                                        <p:attrNameLst>
+                                          <p:attrName>style.visibility</p:attrName>
+                                        </p:attrNameLst>
+                                      </p:cBhvr>
+                                      <p:to>
+                                        <p:strVal val="visible"/>
+                                      </p:to>
+                                    </p:set>
+                                  </p:childTnLst>
+                                </p:cTn>
+                              </p:par>
+                              <p:par>
+                                <p:cTn id="7" presetID="1" presetClass="entr" presetSubtype="0" fill="hold" nodeType="withEffect">
+                                  <p:stCondLst>
+                                    <p:cond delay="0"/>
+                                  </p:stCondLst>
+                                  <p:childTnLst>
+                                    <p:set>
+                                      <p:cBhvr>
+                                        <p:cTn id="8" dur="1" fill="hold">
+                                          <p:stCondLst>
+                                            <p:cond delay="0"/>
+                                          </p:stCondLst>
+                                        </p:cTn>
+                                        <p:tgtEl>
+                                          <p:spTgt spid="3">
+                                            <p:txEl>
+                                              <p:pRg st="5" end="5"/>
+                                            </p:txEl>
+                                          </p:spTgt>
+                                        </p:tgtEl>
+                                        <p:attrNameLst>
+                                          <p:attrName>style.visibility</p:attrName>
+                                        </p:attrNameLst>
+                                      </p:cBhvr>
+                                      <p:to>
+                                        <p:strVal val="visible"/>
+                                      </p:to>
+                                    </p:set>
+                                  </p:childTnLst>
+                                </p:cTn>
+                              </p:par>
+                              <p:par>
+                                <p:cTn id="9" presetID="1" presetClass="entr" presetSubtype="0" fill="hold" nodeType="withEffect">
+                                  <p:stCondLst>
+                                    <p:cond delay="0"/>
+                                  </p:stCondLst>
+                                  <p:childTnLst>
+                                    <p:set>
+                                      <p:cBhvr>
+                                        <p:cTn id="10" dur="1" fill="hold">
+                                          <p:stCondLst>
+                                            <p:cond delay="0"/>
+                                          </p:stCondLst>
+                                        </p:cTn>
+                                        <p:tgtEl>
+                                          <p:spTgt spid="3">
+                                            <p:txEl>
+                                              <p:pRg st="6" end="6"/>
+                                            </p:txEl>
+                                          </p:spTgt>
+                                        </p:tgtEl>
+                                        <p:attrNameLst>
+                                          <p:attrName>style.visibility</p:attrName>
+                                        </p:attrNameLst>
+                                      </p:cBhvr>
+                                      <p:to>
+                                        <p:strVal val="visible"/>
+                                      </p:to>
+                                    </p:set>
+                                  </p:childTnLst>
+                                </p:cTn>
+                              </p:par>
+                              <p:par>
+                                <p:cTn id="11" presetID="1" presetClass="entr" presetSubtype="0" fill="hold" nodeType="withEffect">
+                                  <p:stCondLst>
+                                    <p:cond delay="0"/>
+                                  </p:stCondLst>
+                                  <p:childTnLst>
+                                    <p:set>
+                                      <p:cBhvr>
+                                        <p:cTn id="12" dur="1" fill="hold">
+                                          <p:stCondLst>
+                                            <p:cond delay="0"/>
+                                          </p:stCondLst>
+                                        </p:cTn>
+                                        <p:tgtEl>
+                                          <p:spTgt spid="3">
+                                            <p:txEl>
+                                              <p:pRg st="7" end="7"/>
+                                            </p:txEl>
+                                          </p:spTgt>
+                                        </p:tgtEl>
+                                        <p:attrNameLst>
+                                          <p:attrName>style.visibility</p:attrName>
+                                        </p:attrNameLst>
+                                      </p:cBhvr>
+                                      <p:to>
+                                        <p:strVal val="visible"/>
+                                      </p:to>
+                                    </p:set>
+                                  </p:childTnLst>
+                                </p:cTn>
+                              </p:par>
+                              <p:par>
+                                <p:cTn id="13" presetID="1" presetClass="entr" presetSubtype="0" fill="hold" nodeType="withEffect">
+                                  <p:stCondLst>
+                                    <p:cond delay="0"/>
+                                  </p:stCondLst>
+                                  <p:childTnLst>
+                                    <p:set>
+                                      <p:cBhvr>
+                                        <p:cTn id="14" dur="1" fill="hold">
+                                          <p:stCondLst>
+                                            <p:cond delay="0"/>
+                                          </p:stCondLst>
+                                        </p:cTn>
+                                        <p:tgtEl>
+                                          <p:spTgt spid="3">
+                                            <p:txEl>
+                                              <p:pRg st="8" end="8"/>
+                                            </p:txEl>
+                                          </p:spTgt>
+                                        </p:tgtEl>
+                                        <p:attrNameLst>
+                                          <p:attrName>style.visibility</p:attrName>
+                                        </p:attrNameLst>
+                                      </p:cBhvr>
+                                      <p:to>
+                                        <p:strVal val="visible"/>
+                                      </p:to>
+                                    </p:set>
+                                  </p:childTnLst>
+                                </p:cTn>
+                              </p:par>
+                            </p:childTnLst>
+                          </p:cTn>
+                        </p:par>
+                      </p:childTnLst>
+                    </p:cTn>
+                  </p:par>
+                </p:childTnLst>
+              </p:cTn>
+              <p:prevCondLst>
+                <p:cond evt="onPrev" delay="0">
+                  <p:tgtEl>
+                    <p:sldTgt/>
+                  </p:tgtEl>
+                </p:cond>
+              </p:prevCondLst>
+              <p:nextCondLst>
+                <p:cond evt="onNext" delay="0">
+                  <p:tgtEl>
+                    <p:sldTgt/>
+                  </p:tgtEl>
+                </p:cond>
+              </p:nextCondLst>
+            </p:seq>
+          </p:childTnLst>
+        </p:cTn>
+      </p:par>
+    </p:tnLst>
+  </p:timing>
+</p:sld>
+</file>
+
+<file path=ppt/slides/slide16.xml><?xml version="1.0" encoding="utf-8"?>
+<p:sld xmlns:a="http://schemas.openxmlformats.org/drawingml/2006/main" xmlns:r="http://schemas.openxmlformats.org/officeDocument/2006/relationships" xmlns:p="http://schemas.openxmlformats.org/presentationml/2006/main">
+  <p:cSld>
+    <p:spTree>
+      <p:nvGrpSpPr>
+        <p:cNvPr id="1" name=""/>
+        <p:cNvGrpSpPr/>
+        <p:nvPr/>
+      </p:nvGrpSpPr>
+      <p:grpSpPr>
+        <a:xfrm>
+          <a:off x="0" y="0"/>
+          <a:ext cx="0" cy="0"/>
+          <a:chOff x="0" y="0"/>
+          <a:chExt cx="0" cy="0"/>
+        </a:xfrm>
+      </p:grpSpPr>
+      <p:sp>
+        <p:nvSpPr>
+          <p:cNvPr id="2" name="Title 1"/>
+          <p:cNvSpPr>
+            <a:spLocks noGrp="1"/>
+          </p:cNvSpPr>
+          <p:nvPr>
+            <p:ph type="title"/>
+          </p:nvPr>
+        </p:nvSpPr>
+        <p:spPr/>
+        <p:txBody>
+          <a:bodyPr/>
+          <a:lstStyle/>
+          <a:p>
+            <a:r>
+              <a:rPr lang="en-US" dirty="0" smtClean="0"/>
+              <a:t>	Haven: Example</a:t>
+            </a:r>
+            <a:endParaRPr lang="en-US" dirty="0"/>
+          </a:p>
+        </p:txBody>
+      </p:sp>
+      <p:pic>
+        <p:nvPicPr>
+          <p:cNvPr id="4" name="Picture 3"/>
+          <p:cNvPicPr>
+            <a:picLocks noChangeAspect="1"/>
+          </p:cNvPicPr>
+          <p:nvPr/>
+        </p:nvPicPr>
+        <p:blipFill>
+          <a:blip r:embed="rId2">
+            <a:extLst>
+              <a:ext uri="{28A0092B-C50C-407E-A947-70E740481C1C}">
+                <a14:useLocalDpi xmlns:a14="http://schemas.microsoft.com/office/drawing/2010/main" val="0"/>
+              </a:ext>
+            </a:extLst>
+          </a:blip>
+          <a:stretch>
+            <a:fillRect/>
+          </a:stretch>
+        </p:blipFill>
+        <p:spPr>
+          <a:xfrm>
+            <a:off x="1612343" y="2635299"/>
+            <a:ext cx="3164080" cy="4153207"/>
+          </a:xfrm>
+          <a:prstGeom prst="rect">
+            <a:avLst/>
+          </a:prstGeom>
+        </p:spPr>
+      </p:pic>
+      <p:pic>
+        <p:nvPicPr>
+          <p:cNvPr id="5" name="Picture 4"/>
+          <p:cNvPicPr>
+            <a:picLocks noChangeAspect="1"/>
+          </p:cNvPicPr>
+          <p:nvPr/>
+        </p:nvPicPr>
+        <p:blipFill>
+          <a:blip r:embed="rId3">
+            <a:extLst>
+              <a:ext uri="{28A0092B-C50C-407E-A947-70E740481C1C}">
+                <a14:useLocalDpi xmlns:a14="http://schemas.microsoft.com/office/drawing/2010/main" val="0"/>
+              </a:ext>
+            </a:extLst>
+          </a:blip>
+          <a:stretch>
+            <a:fillRect/>
+          </a:stretch>
+        </p:blipFill>
+        <p:spPr>
+          <a:xfrm>
+            <a:off x="6605224" y="1287465"/>
+            <a:ext cx="3163520" cy="5501041"/>
+          </a:xfrm>
+          <a:prstGeom prst="rect">
+            <a:avLst/>
+          </a:prstGeom>
+        </p:spPr>
+      </p:pic>
+    </p:spTree>
+    <p:extLst>
+      <p:ext uri="{BB962C8B-B14F-4D97-AF65-F5344CB8AC3E}">
+        <p14:creationId xmlns:p14="http://schemas.microsoft.com/office/powerpoint/2010/main" val="1431560798"/>
+      </p:ext>
+    </p:extLst>
+  </p:cSld>
+  <p:clrMapOvr>
+    <a:masterClrMapping/>
+  </p:clrMapOvr>
+  <p:timing>
+    <p:tnLst>
+      <p:par>
+        <p:cTn id="1" dur="indefinite" restart="never" nodeType="tmRoot">
+          <p:childTnLst>
+            <p:seq concurrent="1" nextAc="seek">
+              <p:cTn id="2" dur="indefinite" nodeType="mainSeq">
+                <p:childTnLst>
+                  <p:par>
+                    <p:cTn id="3" fill="hold">
+                      <p:stCondLst>
+                        <p:cond delay="indefinite"/>
+                      </p:stCondLst>
+                      <p:childTnLst>
+                        <p:par>
+                          <p:cTn id="4" fill="hold">
+                            <p:stCondLst>
+                              <p:cond delay="0"/>
+                            </p:stCondLst>
+                            <p:childTnLst>
+                              <p:par>
+                                <p:cTn id="5" presetID="1" presetClass="entr" presetSubtype="0" fill="hold" nodeType="clickEffect">
+                                  <p:stCondLst>
+                                    <p:cond delay="0"/>
+                                  </p:stCondLst>
+                                  <p:childTnLst>
+                                    <p:set>
+                                      <p:cBhvr>
+                                        <p:cTn id="6" dur="1" fill="hold">
+                                          <p:stCondLst>
+                                            <p:cond delay="0"/>
+                                          </p:stCondLst>
+                                        </p:cTn>
+                                        <p:tgtEl>
+                                          <p:spTgt spid="5"/>
+                                        </p:tgtEl>
+                                        <p:attrNameLst>
+                                          <p:attrName>style.visibility</p:attrName>
+                                        </p:attrNameLst>
+                                      </p:cBhvr>
+                                      <p:to>
+                                        <p:strVal val="visible"/>
+                                      </p:to>
+                                    </p:set>
+                                  </p:childTnLst>
+                                </p:cTn>
+                              </p:par>
+                            </p:childTnLst>
+                          </p:cTn>
+                        </p:par>
+                      </p:childTnLst>
+                    </p:cTn>
+                  </p:par>
+                </p:childTnLst>
+              </p:cTn>
+              <p:prevCondLst>
+                <p:cond evt="onPrev" delay="0">
+                  <p:tgtEl>
+                    <p:sldTgt/>
+                  </p:tgtEl>
+                </p:cond>
+              </p:prevCondLst>
+              <p:nextCondLst>
+                <p:cond evt="onNext" delay="0">
+                  <p:tgtEl>
+                    <p:sldTgt/>
+                  </p:tgtEl>
+                </p:cond>
+              </p:nextCondLst>
+            </p:seq>
+          </p:childTnLst>
+        </p:cTn>
+      </p:par>
+    </p:tnLst>
+  </p:timing>
+</p:sld>
+</file>
+
+<file path=ppt/slides/slide17.xml><?xml version="1.0" encoding="utf-8"?>
+<p:sld xmlns:a="http://schemas.openxmlformats.org/drawingml/2006/main" xmlns:r="http://schemas.openxmlformats.org/officeDocument/2006/relationships" xmlns:p="http://schemas.openxmlformats.org/presentationml/2006/main">
+  <p:cSld>
+    <p:spTree>
+      <p:nvGrpSpPr>
+        <p:cNvPr id="1" name=""/>
+        <p:cNvGrpSpPr/>
+        <p:nvPr/>
+      </p:nvGrpSpPr>
+      <p:grpSpPr>
+        <a:xfrm>
+          <a:off x="0" y="0"/>
+          <a:ext cx="0" cy="0"/>
+          <a:chOff x="0" y="0"/>
+          <a:chExt cx="0" cy="0"/>
+        </a:xfrm>
+      </p:grpSpPr>
+      <p:sp>
+        <p:nvSpPr>
+          <p:cNvPr id="2" name="Title 1"/>
+          <p:cNvSpPr>
+            <a:spLocks noGrp="1"/>
+          </p:cNvSpPr>
+          <p:nvPr>
+            <p:ph type="title"/>
+          </p:nvPr>
+        </p:nvSpPr>
+        <p:spPr/>
+        <p:txBody>
+          <a:bodyPr/>
+          <a:lstStyle/>
+          <a:p>
+            <a:r>
+              <a:rPr lang="en-US" dirty="0" smtClean="0"/>
+              <a:t>	Intel Software Guard Extension (SGX)</a:t>
+            </a:r>
+            <a:endParaRPr lang="en-US" dirty="0"/>
+          </a:p>
+        </p:txBody>
+      </p:sp>
+      <p:pic>
+        <p:nvPicPr>
+          <p:cNvPr id="4" name="Picture 3"/>
+          <p:cNvPicPr>
+            <a:picLocks noChangeAspect="1"/>
+          </p:cNvPicPr>
+          <p:nvPr/>
+        </p:nvPicPr>
+        <p:blipFill>
+          <a:blip r:embed="rId2">
+            <a:extLst>
+              <a:ext uri="{28A0092B-C50C-407E-A947-70E740481C1C}">
+                <a14:useLocalDpi xmlns:a14="http://schemas.microsoft.com/office/drawing/2010/main" val="0"/>
+              </a:ext>
+            </a:extLst>
+          </a:blip>
+          <a:stretch>
+            <a:fillRect/>
+          </a:stretch>
+        </p:blipFill>
+        <p:spPr>
+          <a:xfrm>
+            <a:off x="2097464" y="1306415"/>
+            <a:ext cx="7997071" cy="5349247"/>
+          </a:xfrm>
+          <a:prstGeom prst="rect">
+            <a:avLst/>
+          </a:prstGeom>
+        </p:spPr>
+      </p:pic>
+    </p:spTree>
+    <p:extLst>
+      <p:ext uri="{BB962C8B-B14F-4D97-AF65-F5344CB8AC3E}">
+        <p14:creationId xmlns:p14="http://schemas.microsoft.com/office/powerpoint/2010/main" val="3793186"/>
+      </p:ext>
+    </p:extLst>
+  </p:cSld>
+  <p:clrMapOvr>
+    <a:masterClrMapping/>
+  </p:clrMapOvr>
+  <p:timing>
+    <p:tnLst>
+      <p:par>
+        <p:cTn id="1" dur="indefinite" restart="never" nodeType="tmRoot"/>
+      </p:par>
+    </p:tnLst>
+  </p:timing>
+</p:sld>
+</file>
+
+<file path=ppt/slides/slide18.xml><?xml version="1.0" encoding="utf-8"?>
+<p:sld xmlns:a="http://schemas.openxmlformats.org/drawingml/2006/main" xmlns:r="http://schemas.openxmlformats.org/officeDocument/2006/relationships" xmlns:p="http://schemas.openxmlformats.org/presentationml/2006/main">
+  <p:cSld>
+    <p:spTree>
+      <p:nvGrpSpPr>
+        <p:cNvPr id="1" name=""/>
+        <p:cNvGrpSpPr/>
+        <p:nvPr/>
+      </p:nvGrpSpPr>
+      <p:grpSpPr>
+        <a:xfrm>
+          <a:off x="0" y="0"/>
+          <a:ext cx="0" cy="0"/>
+          <a:chOff x="0" y="0"/>
+          <a:chExt cx="0" cy="0"/>
+        </a:xfrm>
+      </p:grpSpPr>
+      <p:sp>
+        <p:nvSpPr>
+          <p:cNvPr id="2" name="Title 1"/>
+          <p:cNvSpPr>
+            <a:spLocks noGrp="1"/>
+          </p:cNvSpPr>
+          <p:nvPr>
+            <p:ph type="title"/>
+          </p:nvPr>
+        </p:nvSpPr>
+        <p:spPr/>
+        <p:txBody>
+          <a:bodyPr/>
+          <a:lstStyle/>
+          <a:p>
+            <a:r>
+              <a:rPr lang="en-US" dirty="0" smtClean="0"/>
+              <a:t>	Haven: Evaluation</a:t>
+            </a:r>
+            <a:endParaRPr lang="en-US" dirty="0"/>
+          </a:p>
+        </p:txBody>
+      </p:sp>
+      <p:sp>
+        <p:nvSpPr>
+          <p:cNvPr id="4" name="Text Placeholder 3"/>
+          <p:cNvSpPr>
+            <a:spLocks noGrp="1"/>
+          </p:cNvSpPr>
+          <p:nvPr>
+            <p:ph type="body" idx="1"/>
+          </p:nvPr>
+        </p:nvSpPr>
+        <p:spPr>
+          <a:xfrm>
+            <a:off x="839787" y="1122744"/>
+            <a:ext cx="5157787" cy="823912"/>
+          </a:xfrm>
+        </p:spPr>
+        <p:txBody>
+          <a:bodyPr/>
+          <a:lstStyle/>
+          <a:p>
+            <a:r>
+              <a:rPr lang="en-US" dirty="0" smtClean="0"/>
+              <a:t>Performance/Efficiency</a:t>
+            </a:r>
+            <a:endParaRPr lang="en-US" dirty="0"/>
+          </a:p>
+        </p:txBody>
+      </p:sp>
+      <p:sp>
+        <p:nvSpPr>
+          <p:cNvPr id="5" name="Content Placeholder 4"/>
+          <p:cNvSpPr>
+            <a:spLocks noGrp="1"/>
+          </p:cNvSpPr>
+          <p:nvPr>
+            <p:ph sz="half" idx="2"/>
+          </p:nvPr>
+        </p:nvSpPr>
+        <p:spPr>
+          <a:xfrm>
+            <a:off x="839788" y="1946656"/>
+            <a:ext cx="5157787" cy="4784650"/>
+          </a:xfrm>
+        </p:spPr>
+        <p:txBody>
+          <a:bodyPr>
+            <a:normAutofit/>
+          </a:bodyPr>
+          <a:lstStyle/>
+          <a:p>
+            <a:pPr>
+              <a:buBlip>
+                <a:blip r:embed="rId2"/>
+              </a:buBlip>
+            </a:pPr>
+            <a:r>
+              <a:rPr lang="en-US" dirty="0" smtClean="0">
+                <a:solidFill>
+                  <a:srgbClr val="FF0000"/>
+                </a:solidFill>
+              </a:rPr>
+              <a:t>General performance.</a:t>
+            </a:r>
+          </a:p>
+          <a:p>
+            <a:pPr lvl="1">
+              <a:buFont typeface="Arial" charset="0"/>
+              <a:buChar char="•"/>
+            </a:pPr>
+            <a:r>
+              <a:rPr lang="en-US" dirty="0" smtClean="0"/>
+              <a:t>2X slowdown.</a:t>
+            </a:r>
+          </a:p>
+          <a:p>
+            <a:pPr lvl="1">
+              <a:buFont typeface="Arial" charset="0"/>
+              <a:buChar char="•"/>
+            </a:pPr>
+            <a:r>
+              <a:rPr lang="en-US" dirty="0" smtClean="0"/>
+              <a:t>Haven overheads.</a:t>
+            </a:r>
+          </a:p>
+          <a:p>
+            <a:pPr lvl="2">
+              <a:buFont typeface="Arial" charset="0"/>
+              <a:buChar char="•"/>
+            </a:pPr>
+            <a:r>
+              <a:rPr lang="en-US" dirty="0" err="1" smtClean="0"/>
+              <a:t>WebServer</a:t>
+            </a:r>
+            <a:r>
+              <a:rPr lang="en-US" dirty="0" smtClean="0"/>
+              <a:t>, 55% slowdown compared to native.</a:t>
+            </a:r>
+          </a:p>
+          <a:p>
+            <a:pPr lvl="1">
+              <a:buFont typeface="Arial" charset="0"/>
+              <a:buChar char="•"/>
+            </a:pPr>
+            <a:r>
+              <a:rPr lang="en-US" dirty="0" smtClean="0">
+                <a:solidFill>
+                  <a:schemeClr val="bg2">
+                    <a:lumMod val="50000"/>
+                  </a:schemeClr>
+                </a:solidFill>
+              </a:rPr>
+              <a:t>SGX overheads.</a:t>
+            </a:r>
+          </a:p>
+          <a:p>
+            <a:pPr lvl="2">
+              <a:buFont typeface="Arial" charset="0"/>
+              <a:buChar char="•"/>
+            </a:pPr>
+            <a:r>
+              <a:rPr lang="en-US" dirty="0" smtClean="0">
+                <a:solidFill>
+                  <a:schemeClr val="bg2">
+                    <a:lumMod val="50000"/>
+                  </a:schemeClr>
+                </a:solidFill>
+              </a:rPr>
+              <a:t>Resizing enclave.</a:t>
+            </a:r>
+          </a:p>
+          <a:p>
+            <a:pPr lvl="2">
+              <a:buFont typeface="Arial" charset="0"/>
+              <a:buChar char="•"/>
+            </a:pPr>
+            <a:r>
+              <a:rPr lang="en-US" dirty="0" smtClean="0">
+                <a:solidFill>
+                  <a:schemeClr val="bg2">
+                    <a:lumMod val="50000"/>
+                  </a:schemeClr>
+                </a:solidFill>
+              </a:rPr>
+              <a:t>Enclave crossings.</a:t>
+            </a:r>
+          </a:p>
+          <a:p>
+            <a:pPr lvl="2">
+              <a:buFont typeface="Arial" charset="0"/>
+              <a:buChar char="•"/>
+            </a:pPr>
+            <a:r>
+              <a:rPr lang="en-US" dirty="0" smtClean="0">
+                <a:solidFill>
+                  <a:schemeClr val="bg2">
+                    <a:lumMod val="50000"/>
+                  </a:schemeClr>
+                </a:solidFill>
+              </a:rPr>
+              <a:t>Access to enclave pages.</a:t>
+            </a:r>
+          </a:p>
+          <a:p>
+            <a:pPr>
+              <a:buBlip>
+                <a:blip r:embed="rId2"/>
+              </a:buBlip>
+            </a:pPr>
+            <a:r>
+              <a:rPr lang="en-US" dirty="0" smtClean="0">
+                <a:solidFill>
+                  <a:srgbClr val="FF0000"/>
+                </a:solidFill>
+              </a:rPr>
+              <a:t>Resources consumption.</a:t>
+            </a:r>
+          </a:p>
+          <a:p>
+            <a:pPr lvl="1">
+              <a:buFont typeface="Arial" charset="0"/>
+              <a:buChar char="•"/>
+            </a:pPr>
+            <a:r>
+              <a:rPr lang="en-US" dirty="0" smtClean="0"/>
+              <a:t>Packs entire Windows OS.</a:t>
+            </a:r>
+          </a:p>
+        </p:txBody>
+      </p:sp>
+      <p:sp>
+        <p:nvSpPr>
+          <p:cNvPr id="6" name="Text Placeholder 5"/>
+          <p:cNvSpPr>
+            <a:spLocks noGrp="1"/>
+          </p:cNvSpPr>
+          <p:nvPr>
+            <p:ph type="body" sz="quarter" idx="3"/>
+          </p:nvPr>
+        </p:nvSpPr>
+        <p:spPr>
+          <a:xfrm>
+            <a:off x="6172200" y="1122744"/>
+            <a:ext cx="5183188" cy="823912"/>
+          </a:xfrm>
+        </p:spPr>
+        <p:txBody>
+          <a:bodyPr/>
+          <a:lstStyle/>
+          <a:p>
+            <a:r>
+              <a:rPr lang="en-US" dirty="0" smtClean="0"/>
+              <a:t>Security</a:t>
+            </a:r>
+            <a:endParaRPr lang="en-US" dirty="0"/>
+          </a:p>
+        </p:txBody>
+      </p:sp>
+      <p:sp>
+        <p:nvSpPr>
+          <p:cNvPr id="7" name="Content Placeholder 6"/>
+          <p:cNvSpPr>
+            <a:spLocks noGrp="1"/>
+          </p:cNvSpPr>
+          <p:nvPr>
+            <p:ph sz="quarter" idx="4"/>
+          </p:nvPr>
+        </p:nvSpPr>
+        <p:spPr>
+          <a:xfrm>
+            <a:off x="6172200" y="1946656"/>
+            <a:ext cx="5183188" cy="4784650"/>
+          </a:xfrm>
+        </p:spPr>
+        <p:txBody>
+          <a:bodyPr/>
+          <a:lstStyle/>
+          <a:p>
+            <a:pPr>
+              <a:buFont typeface="Wingdings" charset="2"/>
+              <a:buChar char="ü"/>
+            </a:pPr>
+            <a:r>
+              <a:rPr lang="en-US" dirty="0" smtClean="0">
+                <a:solidFill>
+                  <a:schemeClr val="accent6"/>
+                </a:solidFill>
+              </a:rPr>
+              <a:t>Isolation from guest.</a:t>
+            </a:r>
+          </a:p>
+          <a:p>
+            <a:pPr>
+              <a:buFont typeface="Wingdings" charset="2"/>
+              <a:buChar char="ü"/>
+            </a:pPr>
+            <a:endParaRPr lang="en-US" dirty="0" smtClean="0">
+              <a:solidFill>
+                <a:schemeClr val="accent6"/>
+              </a:solidFill>
+            </a:endParaRPr>
+          </a:p>
+          <a:p>
+            <a:pPr>
+              <a:buFont typeface="Wingdings" charset="2"/>
+              <a:buChar char="ü"/>
+            </a:pPr>
+            <a:r>
+              <a:rPr lang="en-US" dirty="0" smtClean="0">
+                <a:solidFill>
+                  <a:schemeClr val="accent6"/>
+                </a:solidFill>
+              </a:rPr>
+              <a:t>Isolation from host.</a:t>
+            </a:r>
+          </a:p>
+          <a:p>
+            <a:pPr>
+              <a:buFont typeface="Wingdings" charset="2"/>
+              <a:buChar char="ü"/>
+            </a:pPr>
+            <a:endParaRPr lang="en-US" dirty="0" smtClean="0">
+              <a:solidFill>
+                <a:schemeClr val="accent6"/>
+              </a:solidFill>
+            </a:endParaRPr>
+          </a:p>
+          <a:p>
+            <a:pPr>
+              <a:buBlip>
+                <a:blip r:embed="rId2"/>
+              </a:buBlip>
+            </a:pPr>
+            <a:r>
+              <a:rPr lang="en-US" dirty="0" smtClean="0">
+                <a:solidFill>
+                  <a:srgbClr val="FF0000"/>
+                </a:solidFill>
+              </a:rPr>
+              <a:t>Large attack surface.</a:t>
+            </a:r>
+            <a:endParaRPr lang="en-US" dirty="0">
+              <a:solidFill>
+                <a:srgbClr val="FF0000"/>
+              </a:solidFill>
+            </a:endParaRPr>
+          </a:p>
+        </p:txBody>
+      </p:sp>
+    </p:spTree>
+    <p:extLst>
+      <p:ext uri="{BB962C8B-B14F-4D97-AF65-F5344CB8AC3E}">
+        <p14:creationId xmlns:p14="http://schemas.microsoft.com/office/powerpoint/2010/main" val="71466843"/>
+      </p:ext>
+    </p:extLst>
+  </p:cSld>
+  <p:clrMapOvr>
+    <a:masterClrMapping/>
+  </p:clrMapOvr>
+  <p:timing>
+    <p:tnLst>
+      <p:par>
+        <p:cTn id="1" dur="indefinite" restart="never" nodeType="tmRoot">
+          <p:childTnLst>
+            <p:seq concurrent="1" nextAc="seek">
+              <p:cTn id="2" dur="indefinite" nodeType="mainSeq">
+                <p:childTnLst>
+                  <p:par>
+                    <p:cTn id="3" fill="hold">
+                      <p:stCondLst>
+                        <p:cond delay="indefinite"/>
+                      </p:stCondLst>
+                      <p:childTnLst>
+                        <p:par>
+                          <p:cTn id="4" fill="hold">
+                            <p:stCondLst>
+                              <p:cond delay="0"/>
+                            </p:stCondLst>
+                            <p:childTnLst>
+                              <p:par>
+                                <p:cTn id="5" presetID="1" presetClass="entr" presetSubtype="0" fill="hold" nodeType="clickEffect">
+                                  <p:stCondLst>
+                                    <p:cond delay="0"/>
+                                  </p:stCondLst>
+                                  <p:childTnLst>
+                                    <p:set>
+                                      <p:cBhvr>
+                                        <p:cTn id="6" dur="1" fill="hold">
+                                          <p:stCondLst>
+                                            <p:cond delay="0"/>
+                                          </p:stCondLst>
+                                        </p:cTn>
+                                        <p:tgtEl>
+                                          <p:spTgt spid="5">
+                                            <p:txEl>
+                                              <p:pRg st="0" end="0"/>
+                                            </p:txEl>
+                                          </p:spTgt>
+                                        </p:tgtEl>
+                                        <p:attrNameLst>
+                                          <p:attrName>style.visibility</p:attrName>
+                                        </p:attrNameLst>
+                                      </p:cBhvr>
+                                      <p:to>
+                                        <p:strVal val="visible"/>
+                                      </p:to>
+                                    </p:set>
+                                  </p:childTnLst>
+                                </p:cTn>
+                              </p:par>
+                              <p:par>
+                                <p:cTn id="7" presetID="1" presetClass="entr" presetSubtype="0" fill="hold" nodeType="withEffect">
+                                  <p:stCondLst>
+                                    <p:cond delay="0"/>
+                                  </p:stCondLst>
+                                  <p:childTnLst>
+                                    <p:set>
+                                      <p:cBhvr>
+                                        <p:cTn id="8" dur="1" fill="hold">
+                                          <p:stCondLst>
+                                            <p:cond delay="0"/>
+                                          </p:stCondLst>
+                                        </p:cTn>
+                                        <p:tgtEl>
+                                          <p:spTgt spid="5">
+                                            <p:txEl>
+                                              <p:pRg st="1" end="1"/>
+                                            </p:txEl>
+                                          </p:spTgt>
+                                        </p:tgtEl>
+                                        <p:attrNameLst>
+                                          <p:attrName>style.visibility</p:attrName>
+                                        </p:attrNameLst>
+                                      </p:cBhvr>
+                                      <p:to>
+                                        <p:strVal val="visible"/>
+                                      </p:to>
+                                    </p:set>
+                                  </p:childTnLst>
+                                </p:cTn>
+                              </p:par>
+                              <p:par>
+                                <p:cTn id="9" presetID="1" presetClass="entr" presetSubtype="0" fill="hold" nodeType="withEffect">
+                                  <p:stCondLst>
+                                    <p:cond delay="0"/>
+                                  </p:stCondLst>
+                                  <p:childTnLst>
+                                    <p:set>
+                                      <p:cBhvr>
+                                        <p:cTn id="10" dur="1" fill="hold">
+                                          <p:stCondLst>
+                                            <p:cond delay="0"/>
+                                          </p:stCondLst>
+                                        </p:cTn>
+                                        <p:tgtEl>
+                                          <p:spTgt spid="5">
+                                            <p:txEl>
+                                              <p:pRg st="2" end="2"/>
+                                            </p:txEl>
+                                          </p:spTgt>
+                                        </p:tgtEl>
+                                        <p:attrNameLst>
+                                          <p:attrName>style.visibility</p:attrName>
+                                        </p:attrNameLst>
+                                      </p:cBhvr>
+                                      <p:to>
+                                        <p:strVal val="visible"/>
+                                      </p:to>
+                                    </p:set>
+                                  </p:childTnLst>
+                                </p:cTn>
+                              </p:par>
+                              <p:par>
+                                <p:cTn id="11" presetID="1" presetClass="entr" presetSubtype="0" fill="hold" nodeType="withEffect">
+                                  <p:stCondLst>
+                                    <p:cond delay="0"/>
+                                  </p:stCondLst>
+                                  <p:childTnLst>
+                                    <p:set>
+                                      <p:cBhvr>
+                                        <p:cTn id="12" dur="1" fill="hold">
+                                          <p:stCondLst>
+                                            <p:cond delay="0"/>
+                                          </p:stCondLst>
+                                        </p:cTn>
+                                        <p:tgtEl>
+                                          <p:spTgt spid="5">
+                                            <p:txEl>
+                                              <p:pRg st="3" end="3"/>
+                                            </p:txEl>
+                                          </p:spTgt>
+                                        </p:tgtEl>
+                                        <p:attrNameLst>
+                                          <p:attrName>style.visibility</p:attrName>
+                                        </p:attrNameLst>
+                                      </p:cBhvr>
+                                      <p:to>
+                                        <p:strVal val="visible"/>
+                                      </p:to>
+                                    </p:set>
+                                  </p:childTnLst>
+                                </p:cTn>
+                              </p:par>
+                              <p:par>
+                                <p:cTn id="13" presetID="1" presetClass="entr" presetSubtype="0" fill="hold" nodeType="withEffect">
+                                  <p:stCondLst>
+                                    <p:cond delay="0"/>
+                                  </p:stCondLst>
+                                  <p:childTnLst>
+                                    <p:set>
+                                      <p:cBhvr>
+                                        <p:cTn id="14" dur="1" fill="hold">
+                                          <p:stCondLst>
+                                            <p:cond delay="0"/>
+                                          </p:stCondLst>
+                                        </p:cTn>
+                                        <p:tgtEl>
+                                          <p:spTgt spid="5">
+                                            <p:txEl>
+                                              <p:pRg st="4" end="4"/>
+                                            </p:txEl>
+                                          </p:spTgt>
+                                        </p:tgtEl>
+                                        <p:attrNameLst>
+                                          <p:attrName>style.visibility</p:attrName>
+                                        </p:attrNameLst>
+                                      </p:cBhvr>
+                                      <p:to>
+                                        <p:strVal val="visible"/>
+                                      </p:to>
+                                    </p:set>
+                                  </p:childTnLst>
+                                </p:cTn>
+                              </p:par>
+                              <p:par>
+                                <p:cTn id="15" presetID="1" presetClass="entr" presetSubtype="0" fill="hold" nodeType="withEffect">
+                                  <p:stCondLst>
+                                    <p:cond delay="0"/>
+                                  </p:stCondLst>
+                                  <p:childTnLst>
+                                    <p:set>
+                                      <p:cBhvr>
+                                        <p:cTn id="16" dur="1" fill="hold">
+                                          <p:stCondLst>
+                                            <p:cond delay="0"/>
+                                          </p:stCondLst>
+                                        </p:cTn>
+                                        <p:tgtEl>
+                                          <p:spTgt spid="5">
+                                            <p:txEl>
+                                              <p:pRg st="5" end="5"/>
+                                            </p:txEl>
+                                          </p:spTgt>
+                                        </p:tgtEl>
+                                        <p:attrNameLst>
+                                          <p:attrName>style.visibility</p:attrName>
+                                        </p:attrNameLst>
+                                      </p:cBhvr>
+                                      <p:to>
+                                        <p:strVal val="visible"/>
+                                      </p:to>
+                                    </p:set>
+                                  </p:childTnLst>
+                                </p:cTn>
+                              </p:par>
+                              <p:par>
+                                <p:cTn id="17" presetID="1" presetClass="entr" presetSubtype="0" fill="hold" nodeType="withEffect">
+                                  <p:stCondLst>
+                                    <p:cond delay="0"/>
+                                  </p:stCondLst>
+                                  <p:childTnLst>
+                                    <p:set>
+                                      <p:cBhvr>
+                                        <p:cTn id="18" dur="1" fill="hold">
+                                          <p:stCondLst>
+                                            <p:cond delay="0"/>
+                                          </p:stCondLst>
+                                        </p:cTn>
+                                        <p:tgtEl>
+                                          <p:spTgt spid="5">
+                                            <p:txEl>
+                                              <p:pRg st="6" end="6"/>
+                                            </p:txEl>
+                                          </p:spTgt>
+                                        </p:tgtEl>
+                                        <p:attrNameLst>
+                                          <p:attrName>style.visibility</p:attrName>
+                                        </p:attrNameLst>
+                                      </p:cBhvr>
+                                      <p:to>
+                                        <p:strVal val="visible"/>
+                                      </p:to>
+                                    </p:set>
+                                  </p:childTnLst>
+                                </p:cTn>
+                              </p:par>
+                              <p:par>
+                                <p:cTn id="19" presetID="1" presetClass="entr" presetSubtype="0" fill="hold" nodeType="withEffect">
+                                  <p:stCondLst>
+                                    <p:cond delay="0"/>
+                                  </p:stCondLst>
+                                  <p:childTnLst>
+                                    <p:set>
+                                      <p:cBhvr>
+                                        <p:cTn id="20" dur="1" fill="hold">
+                                          <p:stCondLst>
+                                            <p:cond delay="0"/>
+                                          </p:stCondLst>
+                                        </p:cTn>
+                                        <p:tgtEl>
+                                          <p:spTgt spid="5">
+                                            <p:txEl>
+                                              <p:pRg st="7" end="7"/>
+                                            </p:txEl>
+                                          </p:spTgt>
+                                        </p:tgtEl>
+                                        <p:attrNameLst>
+                                          <p:attrName>style.visibility</p:attrName>
+                                        </p:attrNameLst>
+                                      </p:cBhvr>
+                                      <p:to>
+                                        <p:strVal val="visible"/>
+                                      </p:to>
+                                    </p:set>
+                                  </p:childTnLst>
+                                </p:cTn>
+                              </p:par>
+                            </p:childTnLst>
+                          </p:cTn>
+                        </p:par>
+                      </p:childTnLst>
+                    </p:cTn>
+                  </p:par>
+                  <p:par>
+                    <p:cTn id="21" fill="hold">
+                      <p:stCondLst>
+                        <p:cond delay="indefinite"/>
+                      </p:stCondLst>
+                      <p:childTnLst>
+                        <p:par>
+                          <p:cTn id="22" fill="hold">
+                            <p:stCondLst>
+                              <p:cond delay="0"/>
+                            </p:stCondLst>
+                            <p:childTnLst>
+                              <p:par>
+                                <p:cTn id="23" presetID="1" presetClass="entr" presetSubtype="0" fill="hold" nodeType="clickEffect">
+                                  <p:stCondLst>
+                                    <p:cond delay="0"/>
+                                  </p:stCondLst>
+                                  <p:childTnLst>
+                                    <p:set>
+                                      <p:cBhvr>
+                                        <p:cTn id="24" dur="1" fill="hold">
+                                          <p:stCondLst>
+                                            <p:cond delay="0"/>
+                                          </p:stCondLst>
+                                        </p:cTn>
+                                        <p:tgtEl>
+                                          <p:spTgt spid="5">
+                                            <p:txEl>
+                                              <p:pRg st="8" end="8"/>
+                                            </p:txEl>
+                                          </p:spTgt>
+                                        </p:tgtEl>
+                                        <p:attrNameLst>
+                                          <p:attrName>style.visibility</p:attrName>
+                                        </p:attrNameLst>
+                                      </p:cBhvr>
+                                      <p:to>
+                                        <p:strVal val="visible"/>
+                                      </p:to>
+                                    </p:set>
+                                  </p:childTnLst>
+                                </p:cTn>
+                              </p:par>
+                              <p:par>
+                                <p:cTn id="25" presetID="1" presetClass="entr" presetSubtype="0" fill="hold" nodeType="withEffect">
+                                  <p:stCondLst>
+                                    <p:cond delay="0"/>
+                                  </p:stCondLst>
+                                  <p:childTnLst>
+                                    <p:set>
+                                      <p:cBhvr>
+                                        <p:cTn id="26" dur="1" fill="hold">
+                                          <p:stCondLst>
+                                            <p:cond delay="0"/>
+                                          </p:stCondLst>
+                                        </p:cTn>
+                                        <p:tgtEl>
+                                          <p:spTgt spid="5">
+                                            <p:txEl>
+                                              <p:pRg st="9" end="9"/>
+                                            </p:txEl>
+                                          </p:spTgt>
+                                        </p:tgtEl>
+                                        <p:attrNameLst>
+                                          <p:attrName>style.visibility</p:attrName>
+                                        </p:attrNameLst>
+                                      </p:cBhvr>
+                                      <p:to>
+                                        <p:strVal val="visible"/>
+                                      </p:to>
+                                    </p:set>
+                                  </p:childTnLst>
+                                </p:cTn>
+                              </p:par>
+                            </p:childTnLst>
+                          </p:cTn>
+                        </p:par>
+                      </p:childTnLst>
+                    </p:cTn>
+                  </p:par>
+                  <p:par>
+                    <p:cTn id="27" fill="hold">
+                      <p:stCondLst>
+                        <p:cond delay="indefinite"/>
+                      </p:stCondLst>
+                      <p:childTnLst>
+                        <p:par>
+                          <p:cTn id="28" fill="hold">
+                            <p:stCondLst>
+                              <p:cond delay="0"/>
+                            </p:stCondLst>
+                            <p:childTnLst>
+                              <p:par>
+                                <p:cTn id="29" presetID="1" presetClass="entr" presetSubtype="0" fill="hold" nodeType="clickEffect">
+                                  <p:stCondLst>
+                                    <p:cond delay="0"/>
+                                  </p:stCondLst>
+                                  <p:childTnLst>
+                                    <p:set>
+                                      <p:cBhvr>
+                                        <p:cTn id="30" dur="1" fill="hold">
+                                          <p:stCondLst>
+                                            <p:cond delay="0"/>
+                                          </p:stCondLst>
+                                        </p:cTn>
+                                        <p:tgtEl>
+                                          <p:spTgt spid="7">
+                                            <p:txEl>
+                                              <p:pRg st="0" end="0"/>
+                                            </p:txEl>
+                                          </p:spTgt>
+                                        </p:tgtEl>
+                                        <p:attrNameLst>
+                                          <p:attrName>style.visibility</p:attrName>
+                                        </p:attrNameLst>
+                                      </p:cBhvr>
+                                      <p:to>
+                                        <p:strVal val="visible"/>
+                                      </p:to>
+                                    </p:set>
+                                  </p:childTnLst>
+                                </p:cTn>
+                              </p:par>
+                            </p:childTnLst>
+                          </p:cTn>
+                        </p:par>
+                      </p:childTnLst>
+                    </p:cTn>
+                  </p:par>
+                  <p:par>
+                    <p:cTn id="31" fill="hold">
+                      <p:stCondLst>
+                        <p:cond delay="indefinite"/>
+                      </p:stCondLst>
+                      <p:childTnLst>
+                        <p:par>
+                          <p:cTn id="32" fill="hold">
+                            <p:stCondLst>
+                              <p:cond delay="0"/>
+                            </p:stCondLst>
+                            <p:childTnLst>
+                              <p:par>
+                                <p:cTn id="33" presetID="1" presetClass="entr" presetSubtype="0" fill="hold" nodeType="clickEffect">
+                                  <p:stCondLst>
+                                    <p:cond delay="0"/>
+                                  </p:stCondLst>
+                                  <p:childTnLst>
+                                    <p:set>
+                                      <p:cBhvr>
+                                        <p:cTn id="34" dur="1" fill="hold">
+                                          <p:stCondLst>
+                                            <p:cond delay="0"/>
+                                          </p:stCondLst>
+                                        </p:cTn>
+                                        <p:tgtEl>
+                                          <p:spTgt spid="7">
+                                            <p:txEl>
+                                              <p:pRg st="2" end="2"/>
+                                            </p:txEl>
+                                          </p:spTgt>
+                                        </p:tgtEl>
+                                        <p:attrNameLst>
+                                          <p:attrName>style.visibility</p:attrName>
+                                        </p:attrNameLst>
+                                      </p:cBhvr>
+                                      <p:to>
+                                        <p:strVal val="visible"/>
+                                      </p:to>
+                                    </p:set>
+                                  </p:childTnLst>
+                                </p:cTn>
+                              </p:par>
+                            </p:childTnLst>
+                          </p:cTn>
+                        </p:par>
+                      </p:childTnLst>
+                    </p:cTn>
+                  </p:par>
+                  <p:par>
+                    <p:cTn id="35" fill="hold">
+                      <p:stCondLst>
+                        <p:cond delay="indefinite"/>
+                      </p:stCondLst>
+                      <p:childTnLst>
+                        <p:par>
+                          <p:cTn id="36" fill="hold">
+                            <p:stCondLst>
+                              <p:cond delay="0"/>
+                            </p:stCondLst>
+                            <p:childTnLst>
+                              <p:par>
+                                <p:cTn id="37" presetID="1" presetClass="entr" presetSubtype="0" fill="hold" nodeType="clickEffect">
+                                  <p:stCondLst>
+                                    <p:cond delay="0"/>
+                                  </p:stCondLst>
+                                  <p:childTnLst>
+                                    <p:set>
+                                      <p:cBhvr>
+                                        <p:cTn id="38" dur="1" fill="hold">
+                                          <p:stCondLst>
+                                            <p:cond delay="0"/>
+                                          </p:stCondLst>
+                                        </p:cTn>
+                                        <p:tgtEl>
+                                          <p:spTgt spid="7">
+                                            <p:txEl>
+                                              <p:pRg st="4" end="4"/>
+                                            </p:txEl>
+                                          </p:spTgt>
+                                        </p:tgtEl>
+                                        <p:attrNameLst>
+                                          <p:attrName>style.visibility</p:attrName>
+                                        </p:attrNameLst>
+                                      </p:cBhvr>
+                                      <p:to>
+                                        <p:strVal val="visible"/>
+                                      </p:to>
+                                    </p:set>
+                                  </p:childTnLst>
+                                </p:cTn>
+                              </p:par>
+                            </p:childTnLst>
+                          </p:cTn>
+                        </p:par>
+                      </p:childTnLst>
+                    </p:cTn>
+                  </p:par>
+                </p:childTnLst>
+              </p:cTn>
+              <p:prevCondLst>
+                <p:cond evt="onPrev" delay="0">
+                  <p:tgtEl>
+                    <p:sldTgt/>
+                  </p:tgtEl>
+                </p:cond>
+              </p:prevCondLst>
+              <p:nextCondLst>
+                <p:cond evt="onNext" delay="0">
+                  <p:tgtEl>
+                    <p:sldTgt/>
+                  </p:tgtEl>
+                </p:cond>
+              </p:nextCondLst>
+            </p:seq>
+          </p:childTnLst>
+        </p:cTn>
+      </p:par>
+    </p:tnLst>
+  </p:timing>
+</p:sld>
+</file>
+
+<file path=ppt/slides/slide19.xml><?xml version="1.0" encoding="utf-8"?>
+<p:sld xmlns:a="http://schemas.openxmlformats.org/drawingml/2006/main" xmlns:r="http://schemas.openxmlformats.org/officeDocument/2006/relationships" xmlns:p="http://schemas.openxmlformats.org/presentationml/2006/main">
+  <p:cSld>
+    <p:spTree>
+      <p:nvGrpSpPr>
+        <p:cNvPr id="1" name=""/>
+        <p:cNvGrpSpPr/>
+        <p:nvPr/>
+      </p:nvGrpSpPr>
+      <p:grpSpPr>
+        <a:xfrm>
+          <a:off x="0" y="0"/>
+          <a:ext cx="0" cy="0"/>
+          <a:chOff x="0" y="0"/>
+          <a:chExt cx="0" cy="0"/>
+        </a:xfrm>
+      </p:grpSpPr>
+      <p:sp>
+        <p:nvSpPr>
+          <p:cNvPr id="2" name="Title 1"/>
+          <p:cNvSpPr>
+            <a:spLocks noGrp="1"/>
+          </p:cNvSpPr>
+          <p:nvPr>
+            <p:ph type="title"/>
+          </p:nvPr>
+        </p:nvSpPr>
+        <p:spPr/>
+        <p:txBody>
+          <a:bodyPr/>
+          <a:lstStyle/>
+          <a:p>
+            <a:pPr algn="ctr"/>
+            <a:r>
+              <a:rPr lang="en-US" dirty="0" smtClean="0"/>
+              <a:t>Discussion &amp; Research Proposal</a:t>
+            </a:r>
+            <a:endParaRPr lang="en-US" dirty="0"/>
+          </a:p>
+        </p:txBody>
+      </p:sp>
+      <p:sp>
+        <p:nvSpPr>
+          <p:cNvPr id="4" name="Text Placeholder 3"/>
+          <p:cNvSpPr>
+            <a:spLocks noGrp="1"/>
+          </p:cNvSpPr>
+          <p:nvPr>
+            <p:ph type="body" idx="1"/>
+          </p:nvPr>
+        </p:nvSpPr>
+        <p:spPr/>
+        <p:txBody>
+          <a:bodyPr/>
+          <a:lstStyle/>
+          <a:p>
+            <a:endParaRPr lang="en-US"/>
+          </a:p>
+        </p:txBody>
+      </p:sp>
+    </p:spTree>
+    <p:extLst>
+      <p:ext uri="{BB962C8B-B14F-4D97-AF65-F5344CB8AC3E}">
+        <p14:creationId xmlns:p14="http://schemas.microsoft.com/office/powerpoint/2010/main" val="1198813602"/>
       </p:ext>
     </p:extLst>
   </p:cSld>
@@ -4239,7 +9179,7 @@
           <a:p>
             <a:r>
               <a:rPr lang="en-US" dirty="0" smtClean="0"/>
-              <a:t>Summary.</a:t>
+              <a:t>Discussion.</a:t>
             </a:r>
           </a:p>
           <a:p>
@@ -4253,10 +9193,702 @@
           </a:p>
         </p:txBody>
       </p:sp>
+      <p:pic>
+        <p:nvPicPr>
+          <p:cNvPr id="4" name="Picture 3"/>
+          <p:cNvPicPr>
+            <a:picLocks noChangeAspect="1"/>
+          </p:cNvPicPr>
+          <p:nvPr/>
+        </p:nvPicPr>
+        <p:blipFill>
+          <a:blip r:embed="rId3">
+            <a:extLst>
+              <a:ext uri="{28A0092B-C50C-407E-A947-70E740481C1C}">
+                <a14:useLocalDpi xmlns:a14="http://schemas.microsoft.com/office/drawing/2010/main" val="0"/>
+              </a:ext>
+            </a:extLst>
+          </a:blip>
+          <a:stretch>
+            <a:fillRect/>
+          </a:stretch>
+        </p:blipFill>
+        <p:spPr>
+          <a:xfrm>
+            <a:off x="8566150" y="3301178"/>
+            <a:ext cx="2787650" cy="2787650"/>
+          </a:xfrm>
+          <a:prstGeom prst="rect">
+            <a:avLst/>
+          </a:prstGeom>
+        </p:spPr>
+      </p:pic>
     </p:spTree>
     <p:extLst>
       <p:ext uri="{BB962C8B-B14F-4D97-AF65-F5344CB8AC3E}">
         <p14:creationId xmlns:p14="http://schemas.microsoft.com/office/powerpoint/2010/main" val="1087723244"/>
+      </p:ext>
+    </p:extLst>
+  </p:cSld>
+  <p:clrMapOvr>
+    <a:masterClrMapping/>
+  </p:clrMapOvr>
+  <p:timing>
+    <p:tnLst>
+      <p:par>
+        <p:cTn id="1" dur="indefinite" restart="never" nodeType="tmRoot"/>
+      </p:par>
+    </p:tnLst>
+  </p:timing>
+</p:sld>
+</file>
+
+<file path=ppt/slides/slide20.xml><?xml version="1.0" encoding="utf-8"?>
+<p:sld xmlns:a="http://schemas.openxmlformats.org/drawingml/2006/main" xmlns:r="http://schemas.openxmlformats.org/officeDocument/2006/relationships" xmlns:p="http://schemas.openxmlformats.org/presentationml/2006/main">
+  <p:cSld>
+    <p:spTree>
+      <p:nvGrpSpPr>
+        <p:cNvPr id="1" name=""/>
+        <p:cNvGrpSpPr/>
+        <p:nvPr/>
+      </p:nvGrpSpPr>
+      <p:grpSpPr>
+        <a:xfrm>
+          <a:off x="0" y="0"/>
+          <a:ext cx="0" cy="0"/>
+          <a:chOff x="0" y="0"/>
+          <a:chExt cx="0" cy="0"/>
+        </a:xfrm>
+      </p:grpSpPr>
+      <p:sp>
+        <p:nvSpPr>
+          <p:cNvPr id="2" name="Title 1"/>
+          <p:cNvSpPr>
+            <a:spLocks noGrp="1"/>
+          </p:cNvSpPr>
+          <p:nvPr>
+            <p:ph type="title"/>
+          </p:nvPr>
+        </p:nvSpPr>
+        <p:spPr/>
+        <p:txBody>
+          <a:bodyPr/>
+          <a:lstStyle/>
+          <a:p>
+            <a:r>
+              <a:rPr lang="en-US" dirty="0" smtClean="0"/>
+              <a:t>	Discussion</a:t>
+            </a:r>
+            <a:endParaRPr lang="en-US" dirty="0"/>
+          </a:p>
+        </p:txBody>
+      </p:sp>
+      <p:sp>
+        <p:nvSpPr>
+          <p:cNvPr id="12" name="Text Placeholder 11"/>
+          <p:cNvSpPr>
+            <a:spLocks noGrp="1"/>
+          </p:cNvSpPr>
+          <p:nvPr>
+            <p:ph type="body" idx="1"/>
+          </p:nvPr>
+        </p:nvSpPr>
+        <p:spPr>
+          <a:xfrm>
+            <a:off x="824560" y="3667640"/>
+            <a:ext cx="5157787" cy="823912"/>
+          </a:xfrm>
+        </p:spPr>
+        <p:txBody>
+          <a:bodyPr/>
+          <a:lstStyle/>
+          <a:p>
+            <a:r>
+              <a:rPr lang="en-US" dirty="0" smtClean="0"/>
+              <a:t>Performance/Efficiency</a:t>
+            </a:r>
+            <a:endParaRPr lang="en-US" dirty="0"/>
+          </a:p>
+        </p:txBody>
+      </p:sp>
+      <p:sp>
+        <p:nvSpPr>
+          <p:cNvPr id="13" name="Content Placeholder 12"/>
+          <p:cNvSpPr>
+            <a:spLocks noGrp="1"/>
+          </p:cNvSpPr>
+          <p:nvPr>
+            <p:ph sz="half" idx="2"/>
+          </p:nvPr>
+        </p:nvSpPr>
+        <p:spPr>
+          <a:xfrm>
+            <a:off x="824560" y="4491552"/>
+            <a:ext cx="5157787" cy="2261787"/>
+          </a:xfrm>
+        </p:spPr>
+        <p:txBody>
+          <a:bodyPr/>
+          <a:lstStyle/>
+          <a:p>
+            <a:pPr>
+              <a:buFont typeface="Wingdings" charset="2"/>
+              <a:buChar char="ü"/>
+            </a:pPr>
+            <a:r>
+              <a:rPr lang="en-US" dirty="0" smtClean="0">
+                <a:solidFill>
+                  <a:schemeClr val="accent2"/>
+                </a:solidFill>
+              </a:rPr>
+              <a:t>Boot time.</a:t>
+            </a:r>
+          </a:p>
+          <a:p>
+            <a:pPr>
+              <a:buFont typeface="Wingdings" charset="2"/>
+              <a:buChar char="ü"/>
+            </a:pPr>
+            <a:r>
+              <a:rPr lang="en-US" dirty="0" smtClean="0">
+                <a:solidFill>
+                  <a:schemeClr val="accent2"/>
+                </a:solidFill>
+              </a:rPr>
+              <a:t>Small size.</a:t>
+            </a:r>
+          </a:p>
+          <a:p>
+            <a:pPr>
+              <a:buFont typeface="Wingdings" charset="2"/>
+              <a:buChar char="ü"/>
+            </a:pPr>
+            <a:r>
+              <a:rPr lang="en-US" dirty="0" smtClean="0">
+                <a:solidFill>
+                  <a:schemeClr val="accent2"/>
+                </a:solidFill>
+              </a:rPr>
+              <a:t>Performance.</a:t>
+            </a:r>
+          </a:p>
+          <a:p>
+            <a:pPr>
+              <a:buFont typeface="Wingdings" charset="2"/>
+              <a:buChar char="ü"/>
+            </a:pPr>
+            <a:r>
+              <a:rPr lang="en-US" dirty="0" smtClean="0">
+                <a:solidFill>
+                  <a:schemeClr val="accent2"/>
+                </a:solidFill>
+              </a:rPr>
+              <a:t>App-specific algorithm.</a:t>
+            </a:r>
+            <a:endParaRPr lang="en-US" dirty="0">
+              <a:solidFill>
+                <a:schemeClr val="accent2"/>
+              </a:solidFill>
+            </a:endParaRPr>
+          </a:p>
+        </p:txBody>
+      </p:sp>
+      <p:sp>
+        <p:nvSpPr>
+          <p:cNvPr id="14" name="Text Placeholder 13"/>
+          <p:cNvSpPr>
+            <a:spLocks noGrp="1"/>
+          </p:cNvSpPr>
+          <p:nvPr>
+            <p:ph type="body" sz="quarter" idx="3"/>
+          </p:nvPr>
+        </p:nvSpPr>
+        <p:spPr>
+          <a:xfrm>
+            <a:off x="6172200" y="3667640"/>
+            <a:ext cx="5183188" cy="823912"/>
+          </a:xfrm>
+        </p:spPr>
+        <p:txBody>
+          <a:bodyPr/>
+          <a:lstStyle/>
+          <a:p>
+            <a:r>
+              <a:rPr lang="en-US" dirty="0" smtClean="0"/>
+              <a:t>Security</a:t>
+            </a:r>
+            <a:endParaRPr lang="en-US" dirty="0"/>
+          </a:p>
+        </p:txBody>
+      </p:sp>
+      <p:sp>
+        <p:nvSpPr>
+          <p:cNvPr id="15" name="Content Placeholder 14"/>
+          <p:cNvSpPr>
+            <a:spLocks noGrp="1"/>
+          </p:cNvSpPr>
+          <p:nvPr>
+            <p:ph sz="quarter" idx="4"/>
+          </p:nvPr>
+        </p:nvSpPr>
+        <p:spPr>
+          <a:xfrm>
+            <a:off x="6172200" y="4491552"/>
+            <a:ext cx="5183188" cy="2250771"/>
+          </a:xfrm>
+        </p:spPr>
+        <p:txBody>
+          <a:bodyPr/>
+          <a:lstStyle/>
+          <a:p>
+            <a:pPr>
+              <a:buFont typeface="Wingdings" charset="2"/>
+              <a:buChar char="ü"/>
+            </a:pPr>
+            <a:r>
+              <a:rPr lang="en-US" dirty="0" smtClean="0">
+                <a:solidFill>
+                  <a:schemeClr val="accent2"/>
+                </a:solidFill>
+              </a:rPr>
+              <a:t>Reduce attack surface.</a:t>
+            </a:r>
+          </a:p>
+          <a:p>
+            <a:pPr>
+              <a:buFont typeface="Wingdings" charset="2"/>
+              <a:buChar char="ü"/>
+            </a:pPr>
+            <a:r>
+              <a:rPr lang="en-US" dirty="0" smtClean="0">
+                <a:solidFill>
+                  <a:schemeClr val="accent2"/>
+                </a:solidFill>
+              </a:rPr>
+              <a:t>Extra protections.</a:t>
+            </a:r>
+          </a:p>
+          <a:p>
+            <a:pPr>
+              <a:buFont typeface="Wingdings" charset="2"/>
+              <a:buChar char="ü"/>
+            </a:pPr>
+            <a:r>
+              <a:rPr lang="en-US" dirty="0" smtClean="0">
+                <a:solidFill>
+                  <a:schemeClr val="accent5">
+                    <a:lumMod val="75000"/>
+                  </a:schemeClr>
+                </a:solidFill>
+              </a:rPr>
+              <a:t>Isolation fr</a:t>
+            </a:r>
+            <a:r>
+              <a:rPr lang="en-US" dirty="0" smtClean="0">
+                <a:solidFill>
+                  <a:schemeClr val="accent2"/>
+                </a:solidFill>
+              </a:rPr>
+              <a:t>om guest.</a:t>
+            </a:r>
+          </a:p>
+          <a:p>
+            <a:pPr>
+              <a:buFont typeface="Wingdings" charset="2"/>
+              <a:buChar char="ü"/>
+            </a:pPr>
+            <a:r>
+              <a:rPr lang="en-US" dirty="0" smtClean="0">
+                <a:solidFill>
+                  <a:schemeClr val="accent5">
+                    <a:lumMod val="75000"/>
+                  </a:schemeClr>
+                </a:solidFill>
+              </a:rPr>
+              <a:t>Isolation from host.</a:t>
+            </a:r>
+          </a:p>
+          <a:p>
+            <a:pPr>
+              <a:buFont typeface="Wingdings" charset="2"/>
+              <a:buChar char="ü"/>
+            </a:pPr>
+            <a:endParaRPr lang="en-US" dirty="0">
+              <a:solidFill>
+                <a:schemeClr val="accent2"/>
+              </a:solidFill>
+            </a:endParaRPr>
+          </a:p>
+        </p:txBody>
+      </p:sp>
+      <p:pic>
+        <p:nvPicPr>
+          <p:cNvPr id="17" name="Picture 16"/>
+          <p:cNvPicPr>
+            <a:picLocks noChangeAspect="1"/>
+          </p:cNvPicPr>
+          <p:nvPr/>
+        </p:nvPicPr>
+        <p:blipFill>
+          <a:blip r:embed="rId2">
+            <a:extLst>
+              <a:ext uri="{28A0092B-C50C-407E-A947-70E740481C1C}">
+                <a14:useLocalDpi xmlns:a14="http://schemas.microsoft.com/office/drawing/2010/main" val="0"/>
+              </a:ext>
+            </a:extLst>
+          </a:blip>
+          <a:stretch>
+            <a:fillRect/>
+          </a:stretch>
+        </p:blipFill>
+        <p:spPr>
+          <a:xfrm>
+            <a:off x="3706348" y="1266941"/>
+            <a:ext cx="4779303" cy="2585356"/>
+          </a:xfrm>
+          <a:prstGeom prst="rect">
+            <a:avLst/>
+          </a:prstGeom>
+        </p:spPr>
+      </p:pic>
+    </p:spTree>
+    <p:extLst>
+      <p:ext uri="{BB962C8B-B14F-4D97-AF65-F5344CB8AC3E}">
+        <p14:creationId xmlns:p14="http://schemas.microsoft.com/office/powerpoint/2010/main" val="602803462"/>
+      </p:ext>
+    </p:extLst>
+  </p:cSld>
+  <p:clrMapOvr>
+    <a:masterClrMapping/>
+  </p:clrMapOvr>
+  <p:timing>
+    <p:tnLst>
+      <p:par>
+        <p:cTn id="1" dur="indefinite" restart="never" nodeType="tmRoot"/>
+      </p:par>
+    </p:tnLst>
+  </p:timing>
+</p:sld>
+</file>
+
+<file path=ppt/slides/slide21.xml><?xml version="1.0" encoding="utf-8"?>
+<p:sld xmlns:a="http://schemas.openxmlformats.org/drawingml/2006/main" xmlns:r="http://schemas.openxmlformats.org/officeDocument/2006/relationships" xmlns:p="http://schemas.openxmlformats.org/presentationml/2006/main">
+  <p:cSld>
+    <p:spTree>
+      <p:nvGrpSpPr>
+        <p:cNvPr id="1" name=""/>
+        <p:cNvGrpSpPr/>
+        <p:nvPr/>
+      </p:nvGrpSpPr>
+      <p:grpSpPr>
+        <a:xfrm>
+          <a:off x="0" y="0"/>
+          <a:ext cx="0" cy="0"/>
+          <a:chOff x="0" y="0"/>
+          <a:chExt cx="0" cy="0"/>
+        </a:xfrm>
+      </p:grpSpPr>
+      <p:sp>
+        <p:nvSpPr>
+          <p:cNvPr id="2" name="Title 1"/>
+          <p:cNvSpPr>
+            <a:spLocks noGrp="1"/>
+          </p:cNvSpPr>
+          <p:nvPr>
+            <p:ph type="title"/>
+          </p:nvPr>
+        </p:nvSpPr>
+        <p:spPr/>
+        <p:txBody>
+          <a:bodyPr/>
+          <a:lstStyle/>
+          <a:p>
+            <a:r>
+              <a:rPr lang="en-US" dirty="0" smtClean="0"/>
+              <a:t>	Research Proposal</a:t>
+            </a:r>
+            <a:endParaRPr lang="en-US" dirty="0"/>
+          </a:p>
+        </p:txBody>
+      </p:sp>
+      <p:sp>
+        <p:nvSpPr>
+          <p:cNvPr id="3" name="Content Placeholder 2"/>
+          <p:cNvSpPr>
+            <a:spLocks noGrp="1"/>
+          </p:cNvSpPr>
+          <p:nvPr>
+            <p:ph idx="1"/>
+          </p:nvPr>
+        </p:nvSpPr>
+        <p:spPr/>
+        <p:txBody>
+          <a:bodyPr/>
+          <a:lstStyle/>
+          <a:p>
+            <a:pPr marL="0" indent="0">
+              <a:buNone/>
+            </a:pPr>
+            <a:r>
+              <a:rPr lang="en-US" dirty="0" smtClean="0"/>
+              <a:t>I propose to </a:t>
+            </a:r>
+            <a:r>
+              <a:rPr lang="en-US" dirty="0"/>
+              <a:t>i</a:t>
+            </a:r>
+            <a:r>
+              <a:rPr lang="en-US" sz="2800" dirty="0" smtClean="0"/>
+              <a:t>ntegrate SGX in a </a:t>
+            </a:r>
+            <a:r>
+              <a:rPr lang="en-US" sz="2800" dirty="0" err="1" smtClean="0"/>
+              <a:t>Unikernel</a:t>
+            </a:r>
+            <a:r>
+              <a:rPr lang="en-US" sz="2800" dirty="0" smtClean="0"/>
+              <a:t>.</a:t>
+            </a:r>
+          </a:p>
+          <a:p>
+            <a:pPr marL="0" indent="0">
+              <a:buNone/>
+            </a:pPr>
+            <a:r>
+              <a:rPr lang="en-US" dirty="0" smtClean="0"/>
+              <a:t>This will allow to:</a:t>
+            </a:r>
+          </a:p>
+          <a:p>
+            <a:pPr lvl="1"/>
+            <a:r>
+              <a:rPr lang="en-US" dirty="0" smtClean="0"/>
+              <a:t>Consume less enclave pages.</a:t>
+            </a:r>
+          </a:p>
+          <a:p>
+            <a:pPr lvl="1"/>
+            <a:r>
+              <a:rPr lang="en-US" dirty="0" smtClean="0"/>
+              <a:t>Potentially improve locality.</a:t>
+            </a:r>
+          </a:p>
+          <a:p>
+            <a:pPr lvl="1"/>
+            <a:r>
+              <a:rPr lang="en-US" dirty="0" smtClean="0"/>
+              <a:t>Tune implementation for performance.</a:t>
+            </a:r>
+          </a:p>
+          <a:p>
+            <a:pPr lvl="1"/>
+            <a:r>
+              <a:rPr lang="en-US" dirty="0" smtClean="0"/>
+              <a:t>Leverage PL features.</a:t>
+            </a:r>
+          </a:p>
+          <a:p>
+            <a:pPr lvl="1"/>
+            <a:r>
+              <a:rPr lang="en-US" dirty="0" smtClean="0"/>
+              <a:t>Provide bi-directional isolation.</a:t>
+            </a:r>
+          </a:p>
+          <a:p>
+            <a:pPr lvl="1"/>
+            <a:endParaRPr lang="en-US" sz="2800" dirty="0" smtClean="0"/>
+          </a:p>
+          <a:p>
+            <a:pPr lvl="1"/>
+            <a:endParaRPr lang="en-US" sz="2800" dirty="0"/>
+          </a:p>
+        </p:txBody>
+      </p:sp>
+      <p:pic>
+        <p:nvPicPr>
+          <p:cNvPr id="4" name="Picture 3"/>
+          <p:cNvPicPr>
+            <a:picLocks noChangeAspect="1"/>
+          </p:cNvPicPr>
+          <p:nvPr/>
+        </p:nvPicPr>
+        <p:blipFill>
+          <a:blip r:embed="rId3">
+            <a:extLst>
+              <a:ext uri="{28A0092B-C50C-407E-A947-70E740481C1C}">
+                <a14:useLocalDpi xmlns:a14="http://schemas.microsoft.com/office/drawing/2010/main" val="0"/>
+              </a:ext>
+            </a:extLst>
+          </a:blip>
+          <a:stretch>
+            <a:fillRect/>
+          </a:stretch>
+        </p:blipFill>
+        <p:spPr>
+          <a:xfrm>
+            <a:off x="6841474" y="1195818"/>
+            <a:ext cx="4992887" cy="4605090"/>
+          </a:xfrm>
+          <a:prstGeom prst="rect">
+            <a:avLst/>
+          </a:prstGeom>
+        </p:spPr>
+      </p:pic>
+    </p:spTree>
+    <p:extLst>
+      <p:ext uri="{BB962C8B-B14F-4D97-AF65-F5344CB8AC3E}">
+        <p14:creationId xmlns:p14="http://schemas.microsoft.com/office/powerpoint/2010/main" val="1252493477"/>
+      </p:ext>
+    </p:extLst>
+  </p:cSld>
+  <p:clrMapOvr>
+    <a:masterClrMapping/>
+  </p:clrMapOvr>
+  <p:timing>
+    <p:tnLst>
+      <p:par>
+        <p:cTn id="1" dur="indefinite" restart="never" nodeType="tmRoot"/>
+      </p:par>
+    </p:tnLst>
+  </p:timing>
+</p:sld>
+</file>
+
+<file path=ppt/slides/slide22.xml><?xml version="1.0" encoding="utf-8"?>
+<p:sld xmlns:a="http://schemas.openxmlformats.org/drawingml/2006/main" xmlns:r="http://schemas.openxmlformats.org/officeDocument/2006/relationships" xmlns:p="http://schemas.openxmlformats.org/presentationml/2006/main">
+  <p:cSld>
+    <p:spTree>
+      <p:nvGrpSpPr>
+        <p:cNvPr id="1" name=""/>
+        <p:cNvGrpSpPr/>
+        <p:nvPr/>
+      </p:nvGrpSpPr>
+      <p:grpSpPr>
+        <a:xfrm>
+          <a:off x="0" y="0"/>
+          <a:ext cx="0" cy="0"/>
+          <a:chOff x="0" y="0"/>
+          <a:chExt cx="0" cy="0"/>
+        </a:xfrm>
+      </p:grpSpPr>
+      <p:sp>
+        <p:nvSpPr>
+          <p:cNvPr id="2" name="Title 1"/>
+          <p:cNvSpPr txBox="1">
+            <a:spLocks/>
+          </p:cNvSpPr>
+          <p:nvPr/>
+        </p:nvSpPr>
+        <p:spPr>
+          <a:xfrm>
+            <a:off x="0" y="0"/>
+            <a:ext cx="12192000" cy="5347063"/>
+          </a:xfrm>
+          <a:prstGeom prst="rect">
+            <a:avLst/>
+          </a:prstGeom>
+          <a:solidFill>
+            <a:schemeClr val="tx2"/>
+          </a:solidFill>
+        </p:spPr>
+        <p:txBody>
+          <a:bodyPr/>
+          <a:lstStyle>
+            <a:lvl1pPr algn="l" defTabSz="914400" rtl="0" eaLnBrk="1" latinLnBrk="0" hangingPunct="1">
+              <a:lnSpc>
+                <a:spcPct val="90000"/>
+              </a:lnSpc>
+              <a:spcBef>
+                <a:spcPct val="0"/>
+              </a:spcBef>
+              <a:buNone/>
+              <a:defRPr sz="4400" kern="1200">
+                <a:solidFill>
+                  <a:schemeClr val="bg2"/>
+                </a:solidFill>
+                <a:latin typeface="+mj-lt"/>
+                <a:ea typeface="+mj-ea"/>
+                <a:cs typeface="+mj-cs"/>
+              </a:defRPr>
+            </a:lvl1pPr>
+          </a:lstStyle>
+          <a:p>
+            <a:pPr algn="ctr"/>
+            <a:endParaRPr lang="fr-CH" sz="8000" dirty="0" smtClean="0">
+              <a:solidFill>
+                <a:schemeClr val="bg1"/>
+              </a:solidFill>
+            </a:endParaRPr>
+          </a:p>
+          <a:p>
+            <a:pPr algn="ctr"/>
+            <a:endParaRPr lang="fr-CH" sz="8000" dirty="0">
+              <a:solidFill>
+                <a:schemeClr val="bg1"/>
+              </a:solidFill>
+            </a:endParaRPr>
+          </a:p>
+          <a:p>
+            <a:pPr algn="ctr"/>
+            <a:endParaRPr lang="fr-CH" sz="8000" dirty="0" smtClean="0">
+              <a:solidFill>
+                <a:schemeClr val="bg1"/>
+              </a:solidFill>
+            </a:endParaRPr>
+          </a:p>
+          <a:p>
+            <a:pPr algn="ctr"/>
+            <a:r>
+              <a:rPr lang="fr-CH" sz="8000" dirty="0" err="1" smtClean="0">
+                <a:solidFill>
+                  <a:schemeClr val="bg1"/>
+                </a:solidFill>
+              </a:rPr>
+              <a:t>Thanks</a:t>
+            </a:r>
+            <a:r>
+              <a:rPr lang="fr-CH" sz="8000" dirty="0" smtClean="0">
+                <a:solidFill>
+                  <a:schemeClr val="bg1"/>
+                </a:solidFill>
+              </a:rPr>
+              <a:t>!</a:t>
+            </a:r>
+            <a:endParaRPr lang="en-US" sz="8000" dirty="0">
+              <a:solidFill>
+                <a:schemeClr val="bg1"/>
+              </a:solidFill>
+            </a:endParaRPr>
+          </a:p>
+        </p:txBody>
+      </p:sp>
+      <p:sp>
+        <p:nvSpPr>
+          <p:cNvPr id="3" name="Slide Number Placeholder 2"/>
+          <p:cNvSpPr>
+            <a:spLocks noGrp="1"/>
+          </p:cNvSpPr>
+          <p:nvPr>
+            <p:ph type="sldNum" sz="quarter" idx="12"/>
+          </p:nvPr>
+        </p:nvSpPr>
+        <p:spPr/>
+        <p:txBody>
+          <a:bodyPr/>
+          <a:lstStyle/>
+          <a:p>
+            <a:fld id="{BE2C0E7C-54B8-614E-85D2-6FAE0AF80003}" type="slidenum">
+              <a:rPr lang="en-US" smtClean="0"/>
+              <a:t>22</a:t>
+            </a:fld>
+            <a:endParaRPr lang="en-US"/>
+          </a:p>
+        </p:txBody>
+      </p:sp>
+    </p:spTree>
+    <p:extLst>
+      <p:ext uri="{BB962C8B-B14F-4D97-AF65-F5344CB8AC3E}">
+        <p14:creationId xmlns:p14="http://schemas.microsoft.com/office/powerpoint/2010/main" val="1436832452"/>
       </p:ext>
     </p:extLst>
   </p:cSld>
@@ -4323,15 +9955,99 @@
             <p:ph idx="1"/>
           </p:nvPr>
         </p:nvSpPr>
-        <p:spPr/>
-        <p:txBody>
-          <a:bodyPr/>
-          <a:lstStyle/>
-          <a:p>
-            <a:r>
-              <a:rPr lang="en-US" dirty="0" smtClean="0"/>
-              <a:t>Performance &amp; efficiency &amp; security.</a:t>
-            </a:r>
+        <p:spPr>
+          <a:xfrm>
+            <a:off x="838200" y="1516284"/>
+            <a:ext cx="9176133" cy="5192988"/>
+          </a:xfrm>
+        </p:spPr>
+        <p:txBody>
+          <a:bodyPr/>
+          <a:lstStyle/>
+          <a:p>
+            <a:pPr marL="0" indent="0">
+              <a:buNone/>
+            </a:pPr>
+            <a:r>
+              <a:rPr lang="en-US" u="sng" dirty="0" smtClean="0"/>
+              <a:t>Setup:</a:t>
+            </a:r>
+          </a:p>
+          <a:p>
+            <a:pPr marL="0" indent="0">
+              <a:buNone/>
+            </a:pPr>
+            <a:r>
+              <a:rPr lang="en-US" dirty="0" smtClean="0"/>
+              <a:t>Cloud services have become a popular option to deploy applications.</a:t>
+            </a:r>
+            <a:endParaRPr lang="en-US" dirty="0"/>
+          </a:p>
+          <a:p>
+            <a:pPr marL="0" indent="0">
+              <a:buNone/>
+            </a:pPr>
+            <a:r>
+              <a:rPr lang="en-US" dirty="0" smtClean="0"/>
+              <a:t>As resources are rented, tenants strive for:</a:t>
+            </a:r>
+          </a:p>
+          <a:p>
+            <a:r>
+              <a:rPr lang="en-US" dirty="0" smtClean="0"/>
+              <a:t> </a:t>
+            </a:r>
+            <a:r>
+              <a:rPr lang="en-US" dirty="0" smtClean="0">
+                <a:solidFill>
+                  <a:schemeClr val="accent2"/>
+                </a:solidFill>
+              </a:rPr>
+              <a:t>Performance &amp; Efficiency.</a:t>
+            </a:r>
+          </a:p>
+          <a:p>
+            <a:pPr lvl="1"/>
+            <a:r>
+              <a:rPr lang="en-US" dirty="0" smtClean="0"/>
+              <a:t>Consume less.</a:t>
+            </a:r>
+          </a:p>
+          <a:p>
+            <a:pPr lvl="1"/>
+            <a:r>
+              <a:rPr lang="en-US" dirty="0" smtClean="0"/>
+              <a:t>Make good use of resources.</a:t>
+            </a:r>
+          </a:p>
+          <a:p>
+            <a:r>
+              <a:rPr lang="en-US" dirty="0" smtClean="0">
+                <a:solidFill>
+                  <a:schemeClr val="accent2"/>
+                </a:solidFill>
+              </a:rPr>
+              <a:t>Security.</a:t>
+            </a:r>
+          </a:p>
+          <a:p>
+            <a:pPr lvl="1"/>
+            <a:r>
+              <a:rPr lang="en-US" dirty="0" smtClean="0"/>
+              <a:t>Isolate co-located applications, and protect the host.</a:t>
+            </a:r>
+          </a:p>
+          <a:p>
+            <a:pPr lvl="1"/>
+            <a:r>
+              <a:rPr lang="en-US" dirty="0" smtClean="0"/>
+              <a:t>Protect the guest from the host.</a:t>
+            </a:r>
+          </a:p>
+          <a:p>
+            <a:pPr marL="0" indent="0">
+              <a:buNone/>
+            </a:pPr>
             <a:endParaRPr lang="en-US" dirty="0"/>
           </a:p>
         </p:txBody>
@@ -4388,10 +10104,44 @@
           <a:bodyPr/>
           <a:lstStyle/>
           <a:p>
-            <a:pPr algn="ctr"/>
-            <a:r>
-              <a:rPr lang="en-US" dirty="0" smtClean="0"/>
-              <a:t>The </a:t>
+            <a:r>
+              <a:rPr lang="en-US" dirty="0" smtClean="0"/>
+              <a:t>	Introduction</a:t>
+            </a:r>
+            <a:endParaRPr lang="en-US" dirty="0"/>
+          </a:p>
+        </p:txBody>
+      </p:sp>
+      <p:sp>
+        <p:nvSpPr>
+          <p:cNvPr id="5" name="Content Placeholder 4"/>
+          <p:cNvSpPr>
+            <a:spLocks noGrp="1"/>
+          </p:cNvSpPr>
+          <p:nvPr>
+            <p:ph idx="1"/>
+          </p:nvPr>
+        </p:nvSpPr>
+        <p:spPr/>
+        <p:txBody>
+          <a:bodyPr/>
+          <a:lstStyle/>
+          <a:p>
+            <a:pPr marL="0" indent="0">
+              <a:buNone/>
+            </a:pPr>
+            <a:r>
+              <a:rPr lang="en-US" u="sng" dirty="0" smtClean="0"/>
+              <a:t>Goal:</a:t>
+            </a:r>
+          </a:p>
+          <a:p>
+            <a:pPr marL="0" indent="0">
+              <a:buNone/>
+            </a:pPr>
+            <a:r>
+              <a:rPr lang="en-US" dirty="0" smtClean="0"/>
+              <a:t>We study two systems, derived from the </a:t>
             </a:r>
             <a:r>
               <a:rPr lang="en-US" dirty="0" err="1" smtClean="0"/>
@@ -4399,6 +10149,126 @@
             </a:r>
             <a:r>
               <a:rPr lang="en-US" dirty="0" smtClean="0"/>
+              <a:t> architecture, that target cloud services.</a:t>
+            </a:r>
+          </a:p>
+          <a:p>
+            <a:pPr marL="0" indent="0">
+              <a:buNone/>
+            </a:pPr>
+            <a:r>
+              <a:rPr lang="en-US" dirty="0" smtClean="0"/>
+              <a:t>We </a:t>
+            </a:r>
+            <a:r>
+              <a:rPr lang="en-US" b="1" dirty="0" smtClean="0">
+                <a:solidFill>
+                  <a:schemeClr val="accent2"/>
+                </a:solidFill>
+              </a:rPr>
+              <a:t>look for</a:t>
+            </a:r>
+            <a:r>
+              <a:rPr lang="en-US" dirty="0" smtClean="0"/>
+              <a:t> performance, efficiency, and security. </a:t>
+            </a:r>
+            <a:endParaRPr lang="en-US" dirty="0"/>
+          </a:p>
+        </p:txBody>
+      </p:sp>
+      <p:pic>
+        <p:nvPicPr>
+          <p:cNvPr id="4" name="Picture 3"/>
+          <p:cNvPicPr>
+            <a:picLocks noChangeAspect="1"/>
+          </p:cNvPicPr>
+          <p:nvPr/>
+        </p:nvPicPr>
+        <p:blipFill>
+          <a:blip r:embed="rId3">
+            <a:extLst>
+              <a:ext uri="{28A0092B-C50C-407E-A947-70E740481C1C}">
+                <a14:useLocalDpi xmlns:a14="http://schemas.microsoft.com/office/drawing/2010/main" val="0"/>
+              </a:ext>
+            </a:extLst>
+          </a:blip>
+          <a:stretch>
+            <a:fillRect/>
+          </a:stretch>
+        </p:blipFill>
+        <p:spPr>
+          <a:xfrm>
+            <a:off x="3065597" y="3510311"/>
+            <a:ext cx="5657088" cy="3060192"/>
+          </a:xfrm>
+          <a:prstGeom prst="rect">
+            <a:avLst/>
+          </a:prstGeom>
+        </p:spPr>
+      </p:pic>
+    </p:spTree>
+    <p:extLst>
+      <p:ext uri="{BB962C8B-B14F-4D97-AF65-F5344CB8AC3E}">
+        <p14:creationId xmlns:p14="http://schemas.microsoft.com/office/powerpoint/2010/main" val="1306645055"/>
+      </p:ext>
+    </p:extLst>
+  </p:cSld>
+  <p:clrMapOvr>
+    <a:masterClrMapping/>
+  </p:clrMapOvr>
+  <p:timing>
+    <p:tnLst>
+      <p:par>
+        <p:cTn id="1" dur="indefinite" restart="never" nodeType="tmRoot"/>
+      </p:par>
+    </p:tnLst>
+  </p:timing>
+</p:sld>
+</file>
+
+<file path=ppt/slides/slide5.xml><?xml version="1.0" encoding="utf-8"?>
+<p:sld xmlns:a="http://schemas.openxmlformats.org/drawingml/2006/main" xmlns:r="http://schemas.openxmlformats.org/officeDocument/2006/relationships" xmlns:p="http://schemas.openxmlformats.org/presentationml/2006/main">
+  <p:cSld>
+    <p:spTree>
+      <p:nvGrpSpPr>
+        <p:cNvPr id="1" name=""/>
+        <p:cNvGrpSpPr/>
+        <p:nvPr/>
+      </p:nvGrpSpPr>
+      <p:grpSpPr>
+        <a:xfrm>
+          <a:off x="0" y="0"/>
+          <a:ext cx="0" cy="0"/>
+          <a:chOff x="0" y="0"/>
+          <a:chExt cx="0" cy="0"/>
+        </a:xfrm>
+      </p:grpSpPr>
+      <p:sp>
+        <p:nvSpPr>
+          <p:cNvPr id="2" name="Title 1"/>
+          <p:cNvSpPr>
+            <a:spLocks noGrp="1"/>
+          </p:cNvSpPr>
+          <p:nvPr>
+            <p:ph type="title"/>
+          </p:nvPr>
+        </p:nvSpPr>
+        <p:spPr/>
+        <p:txBody>
+          <a:bodyPr/>
+          <a:lstStyle/>
+          <a:p>
+            <a:pPr algn="ctr"/>
+            <a:r>
+              <a:rPr lang="en-US" dirty="0" smtClean="0"/>
+              <a:t>The </a:t>
+            </a:r>
+            <a:r>
+              <a:rPr lang="en-US" dirty="0" err="1" smtClean="0"/>
+              <a:t>Exokernel</a:t>
+            </a:r>
+            <a:r>
+              <a:rPr lang="en-US" dirty="0" smtClean="0"/>
               <a:t> Design</a:t>
             </a:r>
             <a:endParaRPr lang="en-US" dirty="0"/>
@@ -4420,7 +10290,58 @@
           <a:bodyPr/>
           <a:lstStyle/>
           <a:p>
-            <a:endParaRPr lang="en-US"/>
+            <a:pPr algn="ctr"/>
+            <a:r>
+              <a:rPr lang="en-US" sz="1600" dirty="0" smtClean="0"/>
+              <a:t>Dawson </a:t>
+            </a:r>
+            <a:r>
+              <a:rPr lang="en-US" sz="1600" dirty="0"/>
+              <a:t>R. </a:t>
+            </a:r>
+            <a:r>
+              <a:rPr lang="en-US" sz="1600" dirty="0" err="1"/>
+              <a:t>Engler</a:t>
+            </a:r>
+            <a:r>
+              <a:rPr lang="en-US" sz="1600" dirty="0"/>
+              <a:t>, M. </a:t>
+            </a:r>
+            <a:r>
+              <a:rPr lang="en-US" sz="1600" dirty="0" err="1"/>
+              <a:t>Frans</a:t>
+            </a:r>
+            <a:r>
+              <a:rPr lang="en-US" sz="1600" dirty="0"/>
+              <a:t> </a:t>
+            </a:r>
+            <a:r>
+              <a:rPr lang="en-US" sz="1600" dirty="0" err="1"/>
+              <a:t>Kaashoek</a:t>
+            </a:r>
+            <a:r>
+              <a:rPr lang="en-US" sz="1600" dirty="0"/>
+              <a:t>, and James O’Toole Jr. </a:t>
+            </a:r>
+            <a:endParaRPr lang="en-US" sz="1600" dirty="0" smtClean="0"/>
+          </a:p>
+          <a:p>
+            <a:pPr algn="ctr"/>
+            <a:r>
+              <a:rPr lang="en-US" sz="1600" dirty="0" smtClean="0"/>
+              <a:t>SIGOPS </a:t>
+            </a:r>
+            <a:r>
+              <a:rPr lang="mr-IN" sz="1600" dirty="0" smtClean="0"/>
+              <a:t>’</a:t>
+            </a:r>
+            <a:r>
+              <a:rPr lang="en-US" sz="1600" dirty="0" smtClean="0"/>
+              <a:t>95</a:t>
+            </a:r>
+          </a:p>
+          <a:p>
+            <a:endParaRPr lang="en-US" dirty="0"/>
           </a:p>
         </p:txBody>
       </p:sp>
@@ -4444,7 +10365,7 @@
 </p:sld>
 </file>
 
-<file path=ppt/slides/slide5.xml><?xml version="1.0" encoding="utf-8"?>
+<file path=ppt/slides/slide6.xml><?xml version="1.0" encoding="utf-8"?>
 <p:sld xmlns:a="http://schemas.openxmlformats.org/drawingml/2006/main" xmlns:r="http://schemas.openxmlformats.org/officeDocument/2006/relationships" xmlns:p="http://schemas.openxmlformats.org/presentationml/2006/main">
   <p:cSld>
     <p:spTree>
@@ -4698,7 +10619,7 @@
 </p:sld>
 </file>
 
-<file path=ppt/slides/slide6.xml><?xml version="1.0" encoding="utf-8"?>
+<file path=ppt/slides/slide7.xml><?xml version="1.0" encoding="utf-8"?>
 <p:sld xmlns:a="http://schemas.openxmlformats.org/drawingml/2006/main" xmlns:r="http://schemas.openxmlformats.org/officeDocument/2006/relationships" xmlns:p="http://schemas.openxmlformats.org/presentationml/2006/main">
   <p:cSld>
     <p:spTree>
@@ -4755,7 +10676,7 @@
           <p:nvPr/>
         </p:nvPicPr>
         <p:blipFill>
-          <a:blip r:embed="rId2">
+          <a:blip r:embed="rId3">
             <a:extLst>
               <a:ext uri="{28A0092B-C50C-407E-A947-70E740481C1C}">
                 <a14:useLocalDpi xmlns:a14="http://schemas.microsoft.com/office/drawing/2010/main" val="0"/>
@@ -4785,7 +10706,7 @@
           <p:nvPr/>
         </p:nvPicPr>
         <p:blipFill>
-          <a:blip r:embed="rId3">
+          <a:blip r:embed="rId4">
             <a:extLst>
               <a:ext uri="{28A0092B-C50C-407E-A947-70E740481C1C}">
                 <a14:useLocalDpi xmlns:a14="http://schemas.microsoft.com/office/drawing/2010/main" val="0"/>
@@ -4894,86 +10815,6 @@
 </p:sld>
 </file>
 
-<file path=ppt/slides/slide7.xml><?xml version="1.0" encoding="utf-8"?>
-<p:sld xmlns:a="http://schemas.openxmlformats.org/drawingml/2006/main" xmlns:r="http://schemas.openxmlformats.org/officeDocument/2006/relationships" xmlns:p="http://schemas.openxmlformats.org/presentationml/2006/main">
-  <p:cSld>
-    <p:spTree>
-      <p:nvGrpSpPr>
-        <p:cNvPr id="1" name=""/>
-        <p:cNvGrpSpPr/>
-        <p:nvPr/>
-      </p:nvGrpSpPr>
-      <p:grpSpPr>
-        <a:xfrm>
-          <a:off x="0" y="0"/>
-          <a:ext cx="0" cy="0"/>
-          <a:chOff x="0" y="0"/>
-          <a:chExt cx="0" cy="0"/>
-        </a:xfrm>
-      </p:grpSpPr>
-      <p:sp>
-        <p:nvSpPr>
-          <p:cNvPr id="2" name="Title 1"/>
-          <p:cNvSpPr>
-            <a:spLocks noGrp="1"/>
-          </p:cNvSpPr>
-          <p:nvPr>
-            <p:ph type="title"/>
-          </p:nvPr>
-        </p:nvSpPr>
-        <p:spPr/>
-        <p:txBody>
-          <a:bodyPr/>
-          <a:lstStyle/>
-          <a:p>
-            <a:pPr algn="ctr"/>
-            <a:r>
-              <a:rPr lang="en-US" dirty="0" err="1" smtClean="0"/>
-              <a:t>Unikernels</a:t>
-            </a:r>
-            <a:endParaRPr lang="en-US" dirty="0"/>
-          </a:p>
-        </p:txBody>
-      </p:sp>
-      <p:sp>
-        <p:nvSpPr>
-          <p:cNvPr id="3" name="Text Placeholder 2"/>
-          <p:cNvSpPr>
-            <a:spLocks noGrp="1"/>
-          </p:cNvSpPr>
-          <p:nvPr>
-            <p:ph type="body" idx="1"/>
-          </p:nvPr>
-        </p:nvSpPr>
-        <p:spPr/>
-        <p:txBody>
-          <a:bodyPr/>
-          <a:lstStyle/>
-          <a:p>
-            <a:endParaRPr lang="en-US"/>
-          </a:p>
-        </p:txBody>
-      </p:sp>
-    </p:spTree>
-    <p:extLst>
-      <p:ext uri="{BB962C8B-B14F-4D97-AF65-F5344CB8AC3E}">
-        <p14:creationId xmlns:p14="http://schemas.microsoft.com/office/powerpoint/2010/main" val="266110107"/>
-      </p:ext>
-    </p:extLst>
-  </p:cSld>
-  <p:clrMapOvr>
-    <a:masterClrMapping/>
-  </p:clrMapOvr>
-  <p:timing>
-    <p:tnLst>
-      <p:par>
-        <p:cTn id="1" dur="indefinite" restart="never" nodeType="tmRoot"/>
-      </p:par>
-    </p:tnLst>
-  </p:timing>
-</p:sld>
-</file>
-
 <file path=ppt/slides/slide8.xml><?xml version="1.0" encoding="utf-8"?>
 <p:sld xmlns:a="http://schemas.openxmlformats.org/drawingml/2006/main" xmlns:r="http://schemas.openxmlformats.org/officeDocument/2006/relationships" xmlns:p="http://schemas.openxmlformats.org/presentationml/2006/main">
   <p:cSld>
@@ -5008,143 +10849,46 @@
           <a:p>
             <a:r>
               <a:rPr lang="en-US" dirty="0" smtClean="0"/>
-              <a:t>	</a:t>
-            </a:r>
-            <a:r>
-              <a:rPr lang="en-US" dirty="0" err="1" smtClean="0"/>
-              <a:t>Unikernels</a:t>
-            </a:r>
-            <a:r>
-              <a:rPr lang="en-US" dirty="0" smtClean="0"/>
-              <a:t>: Motivation</a:t>
+              <a:t>	Transition</a:t>
             </a:r>
             <a:endParaRPr lang="en-US" dirty="0"/>
           </a:p>
         </p:txBody>
       </p:sp>
-      <p:sp>
-        <p:nvSpPr>
-          <p:cNvPr id="3" name="Content Placeholder 2"/>
-          <p:cNvSpPr>
-            <a:spLocks noGrp="1"/>
-          </p:cNvSpPr>
-          <p:nvPr>
-            <p:ph idx="1"/>
-          </p:nvPr>
-        </p:nvSpPr>
-        <p:spPr/>
-        <p:txBody>
-          <a:bodyPr/>
-          <a:lstStyle/>
-          <a:p>
-            <a:pPr marL="0" indent="0">
-              <a:buNone/>
-            </a:pPr>
-            <a:r>
-              <a:rPr lang="en-US" u="sng" dirty="0" smtClean="0"/>
-              <a:t>Problem:</a:t>
-            </a:r>
-            <a:r>
-              <a:rPr lang="en-US" dirty="0" smtClean="0"/>
-              <a:t> </a:t>
-            </a:r>
-          </a:p>
-          <a:p>
-            <a:pPr marL="0" indent="0">
-              <a:buNone/>
-            </a:pPr>
-            <a:r>
-              <a:rPr lang="en-US" dirty="0" smtClean="0"/>
-              <a:t>Single-purpose VMs deployed in the cloud ar</a:t>
-            </a:r>
-            <a:r>
-              <a:rPr lang="en-US" dirty="0" smtClean="0"/>
-              <a:t>e not specialized enough!</a:t>
-            </a:r>
-            <a:endParaRPr lang="en-US" dirty="0" smtClean="0"/>
-          </a:p>
-          <a:p>
-            <a:pPr marL="0" indent="0">
-              <a:buNone/>
-            </a:pPr>
-            <a:r>
-              <a:rPr lang="en-US" dirty="0" smtClean="0"/>
-              <a:t>It </a:t>
-            </a:r>
-            <a:r>
-              <a:rPr lang="en-US" b="1" dirty="0" smtClean="0">
-                <a:solidFill>
-                  <a:schemeClr val="accent2"/>
-                </a:solidFill>
-              </a:rPr>
-              <a:t>impacts</a:t>
-            </a:r>
-            <a:r>
-              <a:rPr lang="en-US" b="1" dirty="0" smtClean="0">
-                <a:solidFill>
-                  <a:schemeClr val="accent2"/>
-                </a:solidFill>
-              </a:rPr>
-              <a:t> </a:t>
-            </a:r>
-            <a:r>
-              <a:rPr lang="en-US" dirty="0" smtClean="0"/>
-              <a:t>efficiency &amp; security.</a:t>
-            </a:r>
-          </a:p>
-          <a:p>
-            <a:pPr marL="0" indent="0">
-              <a:buNone/>
-            </a:pPr>
-            <a:endParaRPr lang="en-US" dirty="0" smtClean="0"/>
-          </a:p>
-          <a:p>
-            <a:pPr marL="0" indent="0">
-              <a:buNone/>
-            </a:pPr>
-            <a:r>
-              <a:rPr lang="en-US" u="sng" dirty="0" smtClean="0"/>
-              <a:t>Solution:</a:t>
-            </a:r>
-          </a:p>
-          <a:p>
-            <a:pPr marL="0" indent="0">
-              <a:buNone/>
-            </a:pPr>
-            <a:r>
-              <a:rPr lang="en-US" dirty="0" smtClean="0"/>
-              <a:t>Eschew backward compatibility!</a:t>
-            </a:r>
-          </a:p>
-          <a:p>
-            <a:pPr lvl="1"/>
-            <a:r>
-              <a:rPr lang="en-US" dirty="0" smtClean="0"/>
-              <a:t>Application &amp; </a:t>
-            </a:r>
-            <a:r>
-              <a:rPr lang="en-US" dirty="0" err="1" smtClean="0"/>
-              <a:t>LibOS</a:t>
-            </a:r>
-            <a:r>
-              <a:rPr lang="en-US" dirty="0" smtClean="0"/>
-              <a:t> implemented in one high-level language.</a:t>
-            </a:r>
-          </a:p>
-          <a:p>
-            <a:pPr lvl="1"/>
-            <a:r>
-              <a:rPr lang="en-US" dirty="0" smtClean="0"/>
-              <a:t>Leverage static analysis &amp; verification tools. </a:t>
-            </a:r>
-            <a:endParaRPr lang="en-US" dirty="0"/>
-          </a:p>
-        </p:txBody>
-      </p:sp>
+      <p:pic>
+        <p:nvPicPr>
+          <p:cNvPr id="4" name="Picture 3"/>
+          <p:cNvPicPr>
+            <a:picLocks noChangeAspect="1"/>
+          </p:cNvPicPr>
+          <p:nvPr/>
+        </p:nvPicPr>
+        <p:blipFill>
+          <a:blip r:embed="rId3">
+            <a:extLst>
+              <a:ext uri="{28A0092B-C50C-407E-A947-70E740481C1C}">
+                <a14:useLocalDpi xmlns:a14="http://schemas.microsoft.com/office/drawing/2010/main" val="0"/>
+              </a:ext>
+            </a:extLst>
+          </a:blip>
+          <a:stretch>
+            <a:fillRect/>
+          </a:stretch>
+        </p:blipFill>
+        <p:spPr>
+          <a:xfrm>
+            <a:off x="2660904" y="1547368"/>
+            <a:ext cx="6870192" cy="3846576"/>
+          </a:xfrm>
+          <a:prstGeom prst="rect">
+            <a:avLst/>
+          </a:prstGeom>
+        </p:spPr>
+      </p:pic>
     </p:spTree>
     <p:extLst>
       <p:ext uri="{BB962C8B-B14F-4D97-AF65-F5344CB8AC3E}">
-        <p14:creationId xmlns:p14="http://schemas.microsoft.com/office/powerpoint/2010/main" val="581796454"/>
+        <p14:creationId xmlns:p14="http://schemas.microsoft.com/office/powerpoint/2010/main" val="40102426"/>
       </p:ext>
     </p:extLst>
   </p:cSld>
@@ -5193,86 +10937,111 @@
           <a:bodyPr/>
           <a:lstStyle/>
           <a:p>
-            <a:r>
-              <a:rPr lang="en-US" dirty="0" smtClean="0"/>
-              <a:t>	</a:t>
-            </a:r>
+            <a:pPr algn="ctr"/>
             <a:r>
               <a:rPr lang="en-US" dirty="0" err="1" smtClean="0"/>
-              <a:t>Unikernel</a:t>
-            </a:r>
-            <a:r>
-              <a:rPr lang="en-US" dirty="0" smtClean="0"/>
-              <a:t>: Example</a:t>
+              <a:t>Unikernels</a:t>
             </a:r>
             <a:endParaRPr lang="en-US" dirty="0"/>
           </a:p>
         </p:txBody>
       </p:sp>
-      <p:pic>
-        <p:nvPicPr>
-          <p:cNvPr id="6" name="Picture 5"/>
-          <p:cNvPicPr>
-            <a:picLocks noChangeAspect="1"/>
-          </p:cNvPicPr>
-          <p:nvPr/>
-        </p:nvPicPr>
-        <p:blipFill>
-          <a:blip r:embed="rId2">
-            <a:extLst>
-              <a:ext uri="{28A0092B-C50C-407E-A947-70E740481C1C}">
-                <a14:useLocalDpi xmlns:a14="http://schemas.microsoft.com/office/drawing/2010/main" val="0"/>
-              </a:ext>
-            </a:extLst>
-          </a:blip>
-          <a:stretch>
-            <a:fillRect/>
-          </a:stretch>
-        </p:blipFill>
-        <p:spPr>
-          <a:xfrm>
-            <a:off x="1672329" y="1208835"/>
-            <a:ext cx="3217499" cy="5572047"/>
-          </a:xfrm>
-          <a:prstGeom prst="rect">
-            <a:avLst/>
-          </a:prstGeom>
-        </p:spPr>
-      </p:pic>
-      <p:pic>
-        <p:nvPicPr>
-          <p:cNvPr id="7" name="Picture 6"/>
-          <p:cNvPicPr>
-            <a:picLocks noChangeAspect="1"/>
-          </p:cNvPicPr>
-          <p:nvPr/>
-        </p:nvPicPr>
-        <p:blipFill>
-          <a:blip r:embed="rId3">
-            <a:extLst>
-              <a:ext uri="{28A0092B-C50C-407E-A947-70E740481C1C}">
-                <a14:useLocalDpi xmlns:a14="http://schemas.microsoft.com/office/drawing/2010/main" val="0"/>
-              </a:ext>
-            </a:extLst>
-          </a:blip>
-          <a:stretch>
-            <a:fillRect/>
-          </a:stretch>
-        </p:blipFill>
-        <p:spPr>
-          <a:xfrm>
-            <a:off x="6572173" y="3397602"/>
-            <a:ext cx="3432048" cy="3383280"/>
-          </a:xfrm>
-          <a:prstGeom prst="rect">
-            <a:avLst/>
-          </a:prstGeom>
-        </p:spPr>
-      </p:pic>
+      <p:sp>
+        <p:nvSpPr>
+          <p:cNvPr id="3" name="Text Placeholder 2"/>
+          <p:cNvSpPr>
+            <a:spLocks noGrp="1"/>
+          </p:cNvSpPr>
+          <p:nvPr>
+            <p:ph type="body" idx="1"/>
+          </p:nvPr>
+        </p:nvSpPr>
+        <p:spPr/>
+        <p:txBody>
+          <a:bodyPr>
+            <a:normAutofit/>
+          </a:bodyPr>
+          <a:lstStyle/>
+          <a:p>
+            <a:pPr algn="ctr"/>
+            <a:r>
+              <a:rPr lang="en-US" sz="1600" dirty="0" smtClean="0"/>
+              <a:t>Anil </a:t>
+            </a:r>
+            <a:r>
+              <a:rPr lang="en-US" sz="1600" dirty="0" err="1"/>
+              <a:t>Madhavapeddy</a:t>
+            </a:r>
+            <a:r>
+              <a:rPr lang="en-US" sz="1600" dirty="0"/>
+              <a:t>, Richard </a:t>
+            </a:r>
+            <a:r>
+              <a:rPr lang="en-US" sz="1600" dirty="0" err="1" smtClean="0"/>
+              <a:t>Mortier</a:t>
+            </a:r>
+            <a:r>
+              <a:rPr lang="en-US" sz="1600" dirty="0" smtClean="0"/>
+              <a:t>, </a:t>
+            </a:r>
+            <a:r>
+              <a:rPr lang="en-US" sz="1600" dirty="0" err="1"/>
+              <a:t>Charalampos</a:t>
+            </a:r>
+            <a:r>
+              <a:rPr lang="en-US" sz="1600" dirty="0"/>
+              <a:t> </a:t>
+            </a:r>
+            <a:r>
+              <a:rPr lang="en-US" sz="1600" dirty="0" err="1"/>
+              <a:t>Rotsos</a:t>
+            </a:r>
+            <a:r>
+              <a:rPr lang="en-US" sz="1600" dirty="0"/>
+              <a:t>, David </a:t>
+            </a:r>
+            <a:r>
+              <a:rPr lang="en-US" sz="1600" dirty="0" smtClean="0"/>
+              <a:t>Scott, </a:t>
+            </a:r>
+            <a:r>
+              <a:rPr lang="en-US" sz="1600" dirty="0" err="1"/>
+              <a:t>Balraj</a:t>
+            </a:r>
+            <a:r>
+              <a:rPr lang="en-US" sz="1600" dirty="0"/>
+              <a:t> Singh, Thomas </a:t>
+            </a:r>
+            <a:r>
+              <a:rPr lang="en-US" sz="1600" dirty="0" err="1" smtClean="0"/>
+              <a:t>Gazagnaire</a:t>
+            </a:r>
+            <a:r>
+              <a:rPr lang="en-US" sz="1600" dirty="0" smtClean="0"/>
+              <a:t>, </a:t>
+            </a:r>
+            <a:r>
+              <a:rPr lang="en-US" sz="1600" dirty="0"/>
+              <a:t>Steven Smith, Steven Hand and Jon Crowcroft </a:t>
+            </a:r>
+            <a:endParaRPr lang="en-US" sz="1600" dirty="0" smtClean="0"/>
+          </a:p>
+          <a:p>
+            <a:pPr algn="ctr"/>
+            <a:r>
+              <a:rPr lang="en-US" sz="1600" dirty="0" smtClean="0"/>
+              <a:t>ASPLOS’13</a:t>
+            </a:r>
+          </a:p>
+          <a:p>
+            <a:endParaRPr lang="en-US" sz="1600" dirty="0"/>
+          </a:p>
+        </p:txBody>
+      </p:sp>
     </p:spTree>
     <p:extLst>
       <p:ext uri="{BB962C8B-B14F-4D97-AF65-F5344CB8AC3E}">
-        <p14:creationId xmlns:p14="http://schemas.microsoft.com/office/powerpoint/2010/main" val="231571928"/>
+        <p14:creationId xmlns:p14="http://schemas.microsoft.com/office/powerpoint/2010/main" val="266110107"/>
       </p:ext>
     </p:extLst>
   </p:cSld>

--- a/CE_presentation.pptx
+++ b/CE_presentation.pptx
@@ -128,6 +128,11 @@
       </a:defRPr>
     </a:lvl9pPr>
   </p:defaultTextStyle>
+  <p:extLst>
+    <p:ext uri="{EFAFB233-063F-42B5-8137-9DF3F51BA10A}">
+      <p15:sldGuideLst xmlns:p15="http://schemas.microsoft.com/office/powerpoint/2012/main"/>
+    </p:ext>
+  </p:extLst>
 </p:presentation>
 </file>
 
@@ -213,7 +218,7 @@
           <a:p>
             <a:fld id="{CE702E3E-BC69-0A48-B26D-D57F49177E51}" type="datetimeFigureOut">
               <a:rPr lang="en-US" smtClean="0"/>
-              <a:t>6/24/17</a:t>
+              <a:t>6/25/17</a:t>
             </a:fld>
             <a:endParaRPr lang="en-US"/>
           </a:p>
@@ -877,7 +882,6 @@
               <a:rPr lang="en-US" baseline="0" dirty="0" smtClean="0"/>
               <a:t>Static configuration is by the compiler by simply linking the necessary libraries to the application, hence removing the need for configuration scripts.</a:t>
             </a:r>
-            <a:endParaRPr lang="en-US" baseline="0" dirty="0" smtClean="0"/>
           </a:p>
           <a:p>
             <a:r>
@@ -1246,6 +1250,22 @@
           <a:bodyPr/>
           <a:lstStyle/>
           <a:p>
+            <a:r>
+              <a:rPr lang="en-US" dirty="0" smtClean="0"/>
+              <a:t>Haven</a:t>
+            </a:r>
+            <a:r>
+              <a:rPr lang="en-US" baseline="0" dirty="0" smtClean="0"/>
+              <a:t> is a </a:t>
+            </a:r>
+            <a:r>
+              <a:rPr lang="en-US" baseline="0" dirty="0" err="1" smtClean="0"/>
+              <a:t>microsoft</a:t>
+            </a:r>
+            <a:r>
+              <a:rPr lang="en-US" baseline="0" dirty="0" smtClean="0"/>
+              <a:t> research project from 2014.</a:t>
+            </a:r>
             <a:endParaRPr lang="en-US" dirty="0"/>
           </a:p>
         </p:txBody>
@@ -1381,15 +1401,61 @@
           <a:p>
             <a:r>
               <a:rPr lang="en-US" baseline="0" dirty="0" smtClean="0"/>
-              <a:t>Haven addresses </a:t>
-            </a:r>
-            <a:r>
-              <a:rPr lang="en-US" baseline="0" smtClean="0"/>
-              <a:t>these concerns by providing shielded execution of legacy applications.</a:t>
-            </a:r>
-            <a:endParaRPr lang="en-US" baseline="0" dirty="0" smtClean="0"/>
-          </a:p>
-          <a:p>
+              <a:t>Haven addresses these concerns by providing shielded execution of legacy applications.</a:t>
+            </a:r>
+          </a:p>
+          <a:p>
+            <a:r>
+              <a:rPr lang="en-US" dirty="0" smtClean="0"/>
+              <a:t>Shielded</a:t>
+            </a:r>
+            <a:r>
+              <a:rPr lang="en-US" baseline="0" dirty="0" smtClean="0"/>
+              <a:t> execution protects the </a:t>
+            </a:r>
+            <a:r>
+              <a:rPr lang="en-US" baseline="0" dirty="0" err="1" smtClean="0"/>
+              <a:t>conf</a:t>
+            </a:r>
+            <a:r>
+              <a:rPr lang="en-US" baseline="0" dirty="0" smtClean="0"/>
+              <a:t> and </a:t>
+            </a:r>
+            <a:r>
+              <a:rPr lang="en-US" baseline="0" dirty="0" err="1" smtClean="0"/>
+              <a:t>integr</a:t>
+            </a:r>
+            <a:r>
+              <a:rPr lang="en-US" baseline="0" dirty="0" smtClean="0"/>
+              <a:t> of a program.</a:t>
+            </a:r>
+            <a:br>
+              <a:rPr lang="en-US" baseline="0" dirty="0" smtClean="0"/>
+            </a:br>
+            <a:r>
+              <a:rPr lang="en-US" baseline="0" dirty="0" smtClean="0"/>
+              <a:t>Confidentiality means that intermediate state are not observable by the rest of the system, while integrity means that if the program terminates, the output is correct.</a:t>
+            </a:r>
+          </a:p>
+          <a:p>
+            <a:r>
+              <a:rPr lang="en-US" baseline="0" dirty="0" smtClean="0"/>
+              <a:t>Haven relies on Intel SGX to create a protected region in which the application executes.</a:t>
+            </a:r>
+          </a:p>
+          <a:p>
+            <a:r>
+              <a:rPr lang="en-US" baseline="0" dirty="0" smtClean="0"/>
+              <a:t>System services are provided by a </a:t>
+            </a:r>
+            <a:r>
+              <a:rPr lang="en-US" baseline="0" dirty="0" err="1" smtClean="0"/>
+              <a:t>LibraryOS</a:t>
+            </a:r>
+            <a:r>
+              <a:rPr lang="en-US" baseline="0" dirty="0" smtClean="0"/>
+              <a:t> that executes along the application inside the protected region.</a:t>
+            </a:r>
             <a:endParaRPr lang="en-US" dirty="0"/>
           </a:p>
         </p:txBody>
@@ -1474,6 +1540,37 @@
           <a:bodyPr/>
           <a:lstStyle/>
           <a:p>
+            <a:r>
+              <a:rPr lang="en-US" dirty="0" smtClean="0"/>
+              <a:t>If we look at</a:t>
+            </a:r>
+            <a:r>
+              <a:rPr lang="en-US" baseline="0" dirty="0" smtClean="0"/>
+              <a:t> an example, this is the standard way to execute an application.</a:t>
+            </a:r>
+          </a:p>
+          <a:p>
+            <a:endParaRPr lang="en-US" baseline="0" dirty="0" smtClean="0"/>
+          </a:p>
+          <a:p>
+            <a:r>
+              <a:rPr lang="en-US" baseline="0" dirty="0" smtClean="0"/>
+              <a:t>With haven, it looks like this. The application relies on the library operating system, and they both execute within the enclave.</a:t>
+            </a:r>
+          </a:p>
+          <a:p>
+            <a:r>
+              <a:rPr lang="en-US" baseline="0" dirty="0" smtClean="0"/>
+              <a:t>As we see the application is unmodified and doesn’t have to be aware that it executes within a special protected environment.</a:t>
+            </a:r>
+          </a:p>
+          <a:p>
+            <a:r>
+              <a:rPr lang="en-US" baseline="0" dirty="0" smtClean="0"/>
+              <a:t>So how does the enclave works? </a:t>
+            </a:r>
+          </a:p>
+          <a:p>
             <a:endParaRPr lang="en-US" dirty="0"/>
           </a:p>
         </p:txBody>
@@ -1495,7 +1592,7 @@
           <a:p>
             <a:fld id="{69E8AC4D-76AB-F049-B583-F6A359C4EA1A}" type="slidenum">
               <a:rPr lang="en-US" smtClean="0"/>
-              <a:t>21</a:t>
+              <a:t>16</a:t>
             </a:fld>
             <a:endParaRPr lang="en-US"/>
           </a:p>
@@ -1504,7 +1601,7 @@
     </p:spTree>
     <p:extLst>
       <p:ext uri="{BB962C8B-B14F-4D97-AF65-F5344CB8AC3E}">
-        <p14:creationId xmlns:p14="http://schemas.microsoft.com/office/powerpoint/2010/main" val="1804063969"/>
+        <p14:creationId xmlns:p14="http://schemas.microsoft.com/office/powerpoint/2010/main" val="1177191265"/>
       </p:ext>
     </p:extLst>
   </p:cSld>
@@ -1560,34 +1657,65 @@
           <a:p>
             <a:r>
               <a:rPr lang="en-US" dirty="0" smtClean="0"/>
-              <a:t>That’s all</a:t>
-            </a:r>
-            <a:r>
+              <a:t>Well,</a:t>
+            </a:r>
+            <a:r>
+              <a:rPr lang="en-US" baseline="0" dirty="0" smtClean="0"/>
+              <a:t> enclave memory pages come from a specific area of main memory.</a:t>
+            </a:r>
+          </a:p>
+          <a:p>
+            <a:r>
+              <a:rPr lang="en-US" baseline="0" dirty="0" smtClean="0"/>
+              <a:t>The CPU, when in enclave mode, encrypts and integrity protects all traffic that goes to this region and decrypts and verifies its it when loading data. If the loaded data was </a:t>
+            </a:r>
+            <a:r>
+              <a:rPr lang="en-US" baseline="0" dirty="0" err="1" smtClean="0"/>
+              <a:t>illegaly</a:t>
+            </a:r>
+            <a:r>
+              <a:rPr lang="en-US" baseline="0" dirty="0" smtClean="0"/>
+              <a:t> modified, the Memory </a:t>
+            </a:r>
+            <a:r>
+              <a:rPr lang="en-US" baseline="0" dirty="0" err="1" smtClean="0"/>
+              <a:t>controler</a:t>
+            </a:r>
+            <a:r>
+              <a:rPr lang="en-US" baseline="0" dirty="0" smtClean="0"/>
+              <a:t> gets blocked and requires a system reboot.</a:t>
+            </a:r>
+          </a:p>
+          <a:p>
+            <a:endParaRPr lang="en-US" baseline="0" dirty="0" smtClean="0"/>
+          </a:p>
+          <a:p>
+            <a:r>
+              <a:rPr lang="en-US" baseline="0" dirty="0" smtClean="0"/>
+              <a:t>The CPU is the root of trust here and keeps track of the pages that belong to a particular enclaves, as well as their access rights.</a:t>
+            </a:r>
+            <a:endParaRPr lang="en-US" dirty="0"/>
+          </a:p>
+        </p:txBody>
+      </p:sp>
+      <p:sp>
+        <p:nvSpPr>
+          <p:cNvPr id="4" name="Slide Number Placeholder 3"/>
+          <p:cNvSpPr>
+            <a:spLocks noGrp="1"/>
+          </p:cNvSpPr>
+          <p:nvPr>
+            <p:ph type="sldNum" sz="quarter" idx="10"/>
+          </p:nvPr>
+        </p:nvSpPr>
+        <p:spPr/>
+        <p:txBody>
+          <a:bodyPr/>
+          <a:lstStyle/>
+          <a:p>
+            <a:fld id="{69E8AC4D-76AB-F049-B583-F6A359C4EA1A}" type="slidenum">
               <a:rPr lang="en-US" smtClean="0"/>
-              <a:t>. Thanks</a:t>
-            </a:r>
-            <a:endParaRPr lang="en-US"/>
-          </a:p>
-        </p:txBody>
-      </p:sp>
-      <p:sp>
-        <p:nvSpPr>
-          <p:cNvPr id="4" name="Slide Number Placeholder 3"/>
-          <p:cNvSpPr>
-            <a:spLocks noGrp="1"/>
-          </p:cNvSpPr>
-          <p:nvPr>
-            <p:ph type="sldNum" sz="quarter" idx="10"/>
-          </p:nvPr>
-        </p:nvSpPr>
-        <p:spPr/>
-        <p:txBody>
-          <a:bodyPr/>
-          <a:lstStyle/>
-          <a:p>
-            <a:fld id="{5818C058-0722-5846-9CCC-2E4F26A67B17}" type="slidenum">
-              <a:rPr lang="en-US" smtClean="0"/>
-              <a:t>22</a:t>
+              <a:t>17</a:t>
             </a:fld>
             <a:endParaRPr lang="en-US"/>
           </a:p>
@@ -1596,7 +1724,242 @@
     </p:spTree>
     <p:extLst>
       <p:ext uri="{BB962C8B-B14F-4D97-AF65-F5344CB8AC3E}">
-        <p14:creationId xmlns:p14="http://schemas.microsoft.com/office/powerpoint/2010/main" val="389410249"/>
+        <p14:creationId xmlns:p14="http://schemas.microsoft.com/office/powerpoint/2010/main" val="272696549"/>
+      </p:ext>
+    </p:extLst>
+  </p:cSld>
+  <p:clrMapOvr>
+    <a:masterClrMapping/>
+  </p:clrMapOvr>
+</p:notes>
+</file>
+
+<file path=ppt/notesSlides/notesSlide18.xml><?xml version="1.0" encoding="utf-8"?>
+<p:notes xmlns:a="http://schemas.openxmlformats.org/drawingml/2006/main" xmlns:r="http://schemas.openxmlformats.org/officeDocument/2006/relationships" xmlns:p="http://schemas.openxmlformats.org/presentationml/2006/main">
+  <p:cSld>
+    <p:spTree>
+      <p:nvGrpSpPr>
+        <p:cNvPr id="1" name=""/>
+        <p:cNvGrpSpPr/>
+        <p:nvPr/>
+      </p:nvGrpSpPr>
+      <p:grpSpPr>
+        <a:xfrm>
+          <a:off x="0" y="0"/>
+          <a:ext cx="0" cy="0"/>
+          <a:chOff x="0" y="0"/>
+          <a:chExt cx="0" cy="0"/>
+        </a:xfrm>
+      </p:grpSpPr>
+      <p:sp>
+        <p:nvSpPr>
+          <p:cNvPr id="2" name="Slide Image Placeholder 1"/>
+          <p:cNvSpPr>
+            <a:spLocks noGrp="1" noRot="1" noChangeAspect="1"/>
+          </p:cNvSpPr>
+          <p:nvPr>
+            <p:ph type="sldImg"/>
+          </p:nvPr>
+        </p:nvSpPr>
+        <p:spPr/>
+      </p:sp>
+      <p:sp>
+        <p:nvSpPr>
+          <p:cNvPr id="3" name="Notes Placeholder 2"/>
+          <p:cNvSpPr>
+            <a:spLocks noGrp="1"/>
+          </p:cNvSpPr>
+          <p:nvPr>
+            <p:ph type="body" idx="1"/>
+          </p:nvPr>
+        </p:nvSpPr>
+        <p:spPr/>
+        <p:txBody>
+          <a:bodyPr/>
+          <a:lstStyle/>
+          <a:p>
+            <a:r>
+              <a:rPr lang="en-US" dirty="0" smtClean="0"/>
+              <a:t>Now, considering our requirements for performance,</a:t>
+            </a:r>
+            <a:r>
+              <a:rPr lang="en-US" baseline="0" dirty="0" smtClean="0"/>
+              <a:t> efficiency, and security.</a:t>
+            </a:r>
+          </a:p>
+          <a:p>
+            <a:r>
+              <a:rPr lang="en-US" baseline="0" dirty="0" smtClean="0"/>
+              <a:t>Haven incurs some overheads, that come both from its complex layered architecture, and from the cost of </a:t>
+            </a:r>
+            <a:r>
+              <a:rPr lang="en-US" baseline="0" dirty="0" smtClean="0"/>
+              <a:t>SGX.</a:t>
+            </a:r>
+          </a:p>
+          <a:p>
+            <a:r>
+              <a:rPr lang="en-US" baseline="0" dirty="0" smtClean="0"/>
+              <a:t>In fact, resizing the amount of memory allocated to the enclave, doing enclave crossings, and access enclave pages have non-negligible costs.</a:t>
+            </a:r>
+          </a:p>
+          <a:p>
+            <a:r>
+              <a:rPr lang="en-US" baseline="0" dirty="0" smtClean="0"/>
+              <a:t>On the other hand, considering the security aspect, haven provides bi-directional isolation.</a:t>
+            </a:r>
+          </a:p>
+          <a:p>
+            <a:r>
+              <a:rPr lang="en-US" baseline="0" dirty="0" smtClean="0"/>
+              <a:t>Unfortunately, as it packs an entire windows operating system inside the enclave, we can have concerns about the attack surface exposed.</a:t>
+            </a:r>
+          </a:p>
+          <a:p>
+            <a:endParaRPr lang="en-US" baseline="0" dirty="0" smtClean="0"/>
+          </a:p>
+          <a:p>
+            <a:r>
+              <a:rPr lang="en-US" baseline="0" dirty="0" smtClean="0"/>
+              <a:t>Good, so now that we’ve studied all three papers, let’s discuss what we’ve seen.</a:t>
+            </a:r>
+          </a:p>
+        </p:txBody>
+      </p:sp>
+      <p:sp>
+        <p:nvSpPr>
+          <p:cNvPr id="4" name="Slide Number Placeholder 3"/>
+          <p:cNvSpPr>
+            <a:spLocks noGrp="1"/>
+          </p:cNvSpPr>
+          <p:nvPr>
+            <p:ph type="sldNum" sz="quarter" idx="10"/>
+          </p:nvPr>
+        </p:nvSpPr>
+        <p:spPr/>
+        <p:txBody>
+          <a:bodyPr/>
+          <a:lstStyle/>
+          <a:p>
+            <a:fld id="{69E8AC4D-76AB-F049-B583-F6A359C4EA1A}" type="slidenum">
+              <a:rPr lang="en-US" smtClean="0"/>
+              <a:t>18</a:t>
+            </a:fld>
+            <a:endParaRPr lang="en-US"/>
+          </a:p>
+        </p:txBody>
+      </p:sp>
+    </p:spTree>
+    <p:extLst>
+      <p:ext uri="{BB962C8B-B14F-4D97-AF65-F5344CB8AC3E}">
+        <p14:creationId xmlns:p14="http://schemas.microsoft.com/office/powerpoint/2010/main" val="473531723"/>
+      </p:ext>
+    </p:extLst>
+  </p:cSld>
+  <p:clrMapOvr>
+    <a:masterClrMapping/>
+  </p:clrMapOvr>
+</p:notes>
+</file>
+
+<file path=ppt/notesSlides/notesSlide19.xml><?xml version="1.0" encoding="utf-8"?>
+<p:notes xmlns:a="http://schemas.openxmlformats.org/drawingml/2006/main" xmlns:r="http://schemas.openxmlformats.org/officeDocument/2006/relationships" xmlns:p="http://schemas.openxmlformats.org/presentationml/2006/main">
+  <p:cSld>
+    <p:spTree>
+      <p:nvGrpSpPr>
+        <p:cNvPr id="1" name=""/>
+        <p:cNvGrpSpPr/>
+        <p:nvPr/>
+      </p:nvGrpSpPr>
+      <p:grpSpPr>
+        <a:xfrm>
+          <a:off x="0" y="0"/>
+          <a:ext cx="0" cy="0"/>
+          <a:chOff x="0" y="0"/>
+          <a:chExt cx="0" cy="0"/>
+        </a:xfrm>
+      </p:grpSpPr>
+      <p:sp>
+        <p:nvSpPr>
+          <p:cNvPr id="2" name="Slide Image Placeholder 1"/>
+          <p:cNvSpPr>
+            <a:spLocks noGrp="1" noRot="1" noChangeAspect="1"/>
+          </p:cNvSpPr>
+          <p:nvPr>
+            <p:ph type="sldImg"/>
+          </p:nvPr>
+        </p:nvSpPr>
+        <p:spPr/>
+      </p:sp>
+      <p:sp>
+        <p:nvSpPr>
+          <p:cNvPr id="3" name="Notes Placeholder 2"/>
+          <p:cNvSpPr>
+            <a:spLocks noGrp="1"/>
+          </p:cNvSpPr>
+          <p:nvPr>
+            <p:ph type="body" idx="1"/>
+          </p:nvPr>
+        </p:nvSpPr>
+        <p:spPr/>
+        <p:txBody>
+          <a:bodyPr/>
+          <a:lstStyle/>
+          <a:p>
+            <a:pPr marL="0" marR="0" indent="0" algn="l" defTabSz="914400" rtl="0" eaLnBrk="1" fontAlgn="auto" latinLnBrk="0" hangingPunct="1">
+              <a:lnSpc>
+                <a:spcPct val="100000"/>
+              </a:lnSpc>
+              <a:spcBef>
+                <a:spcPts val="0"/>
+              </a:spcBef>
+              <a:spcAft>
+                <a:spcPts val="0"/>
+              </a:spcAft>
+              <a:buClrTx/>
+              <a:buSzTx/>
+              <a:buFontTx/>
+              <a:buNone/>
+              <a:tabLst/>
+              <a:defRPr/>
+            </a:pPr>
+            <a:r>
+              <a:rPr lang="en-US" baseline="0" dirty="0" smtClean="0"/>
+              <a:t>Good, so now that we’ve studied all three papers, let’s discuss what we’ve seen.</a:t>
+            </a:r>
+          </a:p>
+          <a:p>
+            <a:endParaRPr lang="en-US" dirty="0"/>
+          </a:p>
+        </p:txBody>
+      </p:sp>
+      <p:sp>
+        <p:nvSpPr>
+          <p:cNvPr id="4" name="Slide Number Placeholder 3"/>
+          <p:cNvSpPr>
+            <a:spLocks noGrp="1"/>
+          </p:cNvSpPr>
+          <p:nvPr>
+            <p:ph type="sldNum" sz="quarter" idx="10"/>
+          </p:nvPr>
+        </p:nvSpPr>
+        <p:spPr/>
+        <p:txBody>
+          <a:bodyPr/>
+          <a:lstStyle/>
+          <a:p>
+            <a:fld id="{69E8AC4D-76AB-F049-B583-F6A359C4EA1A}" type="slidenum">
+              <a:rPr lang="en-US" smtClean="0"/>
+              <a:t>19</a:t>
+            </a:fld>
+            <a:endParaRPr lang="en-US"/>
+          </a:p>
+        </p:txBody>
+      </p:sp>
+    </p:spTree>
+    <p:extLst>
+      <p:ext uri="{BB962C8B-B14F-4D97-AF65-F5344CB8AC3E}">
+        <p14:creationId xmlns:p14="http://schemas.microsoft.com/office/powerpoint/2010/main" val="381807799"/>
       </p:ext>
     </p:extLst>
   </p:cSld>
@@ -1743,6 +2106,384 @@
     <p:extLst>
       <p:ext uri="{BB962C8B-B14F-4D97-AF65-F5344CB8AC3E}">
         <p14:creationId xmlns:p14="http://schemas.microsoft.com/office/powerpoint/2010/main" val="651268025"/>
+      </p:ext>
+    </p:extLst>
+  </p:cSld>
+  <p:clrMapOvr>
+    <a:masterClrMapping/>
+  </p:clrMapOvr>
+</p:notes>
+</file>
+
+<file path=ppt/notesSlides/notesSlide20.xml><?xml version="1.0" encoding="utf-8"?>
+<p:notes xmlns:a="http://schemas.openxmlformats.org/drawingml/2006/main" xmlns:r="http://schemas.openxmlformats.org/officeDocument/2006/relationships" xmlns:p="http://schemas.openxmlformats.org/presentationml/2006/main">
+  <p:cSld>
+    <p:spTree>
+      <p:nvGrpSpPr>
+        <p:cNvPr id="1" name=""/>
+        <p:cNvGrpSpPr/>
+        <p:nvPr/>
+      </p:nvGrpSpPr>
+      <p:grpSpPr>
+        <a:xfrm>
+          <a:off x="0" y="0"/>
+          <a:ext cx="0" cy="0"/>
+          <a:chOff x="0" y="0"/>
+          <a:chExt cx="0" cy="0"/>
+        </a:xfrm>
+      </p:grpSpPr>
+      <p:sp>
+        <p:nvSpPr>
+          <p:cNvPr id="2" name="Slide Image Placeholder 1"/>
+          <p:cNvSpPr>
+            <a:spLocks noGrp="1" noRot="1" noChangeAspect="1"/>
+          </p:cNvSpPr>
+          <p:nvPr>
+            <p:ph type="sldImg"/>
+          </p:nvPr>
+        </p:nvSpPr>
+        <p:spPr/>
+      </p:sp>
+      <p:sp>
+        <p:nvSpPr>
+          <p:cNvPr id="3" name="Notes Placeholder 2"/>
+          <p:cNvSpPr>
+            <a:spLocks noGrp="1"/>
+          </p:cNvSpPr>
+          <p:nvPr>
+            <p:ph type="body" idx="1"/>
+          </p:nvPr>
+        </p:nvSpPr>
+        <p:spPr/>
+        <p:txBody>
+          <a:bodyPr/>
+          <a:lstStyle/>
+          <a:p>
+            <a:r>
+              <a:rPr lang="en-US" dirty="0" smtClean="0"/>
+              <a:t>If we summarize what</a:t>
+            </a:r>
+            <a:r>
+              <a:rPr lang="en-US" baseline="0" dirty="0" smtClean="0"/>
+              <a:t> we’ve learned so far, we see that the </a:t>
+            </a:r>
+            <a:r>
+              <a:rPr lang="en-US" baseline="0" dirty="0" err="1" smtClean="0"/>
+              <a:t>unikernel</a:t>
+            </a:r>
+            <a:r>
+              <a:rPr lang="en-US" baseline="0" dirty="0" smtClean="0"/>
+              <a:t> present several advantages in terms of performance/efficiency, and also in terms of security.</a:t>
+            </a:r>
+          </a:p>
+          <a:p>
+            <a:r>
+              <a:rPr lang="en-US" baseline="0" dirty="0" smtClean="0"/>
+              <a:t>Unfortunately, it lacks the bi-directional isolation that haven provides and that we so desire for Cloud services.</a:t>
+            </a:r>
+          </a:p>
+          <a:p>
+            <a:endParaRPr lang="en-US" baseline="0" dirty="0" smtClean="0"/>
+          </a:p>
+          <a:p>
+            <a:r>
+              <a:rPr lang="en-US" baseline="0" dirty="0" smtClean="0"/>
+              <a:t>And this actually leads to my research proposal.</a:t>
+            </a:r>
+            <a:endParaRPr lang="en-US" dirty="0"/>
+          </a:p>
+        </p:txBody>
+      </p:sp>
+      <p:sp>
+        <p:nvSpPr>
+          <p:cNvPr id="4" name="Slide Number Placeholder 3"/>
+          <p:cNvSpPr>
+            <a:spLocks noGrp="1"/>
+          </p:cNvSpPr>
+          <p:nvPr>
+            <p:ph type="sldNum" sz="quarter" idx="10"/>
+          </p:nvPr>
+        </p:nvSpPr>
+        <p:spPr/>
+        <p:txBody>
+          <a:bodyPr/>
+          <a:lstStyle/>
+          <a:p>
+            <a:fld id="{69E8AC4D-76AB-F049-B583-F6A359C4EA1A}" type="slidenum">
+              <a:rPr lang="en-US" smtClean="0"/>
+              <a:t>20</a:t>
+            </a:fld>
+            <a:endParaRPr lang="en-US"/>
+          </a:p>
+        </p:txBody>
+      </p:sp>
+    </p:spTree>
+    <p:extLst>
+      <p:ext uri="{BB962C8B-B14F-4D97-AF65-F5344CB8AC3E}">
+        <p14:creationId xmlns:p14="http://schemas.microsoft.com/office/powerpoint/2010/main" val="362540557"/>
+      </p:ext>
+    </p:extLst>
+  </p:cSld>
+  <p:clrMapOvr>
+    <a:masterClrMapping/>
+  </p:clrMapOvr>
+</p:notes>
+</file>
+
+<file path=ppt/notesSlides/notesSlide21.xml><?xml version="1.0" encoding="utf-8"?>
+<p:notes xmlns:a="http://schemas.openxmlformats.org/drawingml/2006/main" xmlns:r="http://schemas.openxmlformats.org/officeDocument/2006/relationships" xmlns:p="http://schemas.openxmlformats.org/presentationml/2006/main">
+  <p:cSld>
+    <p:spTree>
+      <p:nvGrpSpPr>
+        <p:cNvPr id="1" name=""/>
+        <p:cNvGrpSpPr/>
+        <p:nvPr/>
+      </p:nvGrpSpPr>
+      <p:grpSpPr>
+        <a:xfrm>
+          <a:off x="0" y="0"/>
+          <a:ext cx="0" cy="0"/>
+          <a:chOff x="0" y="0"/>
+          <a:chExt cx="0" cy="0"/>
+        </a:xfrm>
+      </p:grpSpPr>
+      <p:sp>
+        <p:nvSpPr>
+          <p:cNvPr id="2" name="Slide Image Placeholder 1"/>
+          <p:cNvSpPr>
+            <a:spLocks noGrp="1" noRot="1" noChangeAspect="1"/>
+          </p:cNvSpPr>
+          <p:nvPr>
+            <p:ph type="sldImg"/>
+          </p:nvPr>
+        </p:nvSpPr>
+        <p:spPr/>
+      </p:sp>
+      <p:sp>
+        <p:nvSpPr>
+          <p:cNvPr id="3" name="Notes Placeholder 2"/>
+          <p:cNvSpPr>
+            <a:spLocks noGrp="1"/>
+          </p:cNvSpPr>
+          <p:nvPr>
+            <p:ph type="body" idx="1"/>
+          </p:nvPr>
+        </p:nvSpPr>
+        <p:spPr/>
+        <p:txBody>
+          <a:bodyPr/>
+          <a:lstStyle/>
+          <a:p>
+            <a:r>
+              <a:rPr lang="en-US" dirty="0" smtClean="0"/>
+              <a:t>I propose to</a:t>
+            </a:r>
+            <a:r>
+              <a:rPr lang="en-US" baseline="0" dirty="0" smtClean="0"/>
+              <a:t> integrate SGX support in a </a:t>
+            </a:r>
+            <a:r>
+              <a:rPr lang="en-US" baseline="0" dirty="0" err="1" smtClean="0"/>
+              <a:t>Unikernel</a:t>
+            </a:r>
+            <a:r>
+              <a:rPr lang="en-US" baseline="0" dirty="0" smtClean="0"/>
+              <a:t> architecture.</a:t>
+            </a:r>
+          </a:p>
+          <a:p>
+            <a:r>
+              <a:rPr lang="en-US" baseline="0" dirty="0" smtClean="0"/>
+              <a:t>I believe that the </a:t>
+            </a:r>
+            <a:r>
+              <a:rPr lang="en-US" baseline="0" dirty="0" err="1" smtClean="0"/>
+              <a:t>unikernel</a:t>
+            </a:r>
+            <a:r>
+              <a:rPr lang="en-US" baseline="0" dirty="0" smtClean="0"/>
+              <a:t> design provides several advantages that would enable to solve Haven’s limitations.</a:t>
+            </a:r>
+          </a:p>
+          <a:p>
+            <a:r>
+              <a:rPr lang="en-US" baseline="0" dirty="0" smtClean="0"/>
+              <a:t>First, the small size of </a:t>
+            </a:r>
+            <a:r>
+              <a:rPr lang="en-US" baseline="0" dirty="0" err="1" smtClean="0"/>
+              <a:t>unikernels</a:t>
+            </a:r>
+            <a:r>
+              <a:rPr lang="en-US" baseline="0" dirty="0" smtClean="0"/>
+              <a:t> reduces the amount of enclave pages that we need to consume to host the programs code and data.</a:t>
+            </a:r>
+          </a:p>
+          <a:p>
+            <a:r>
+              <a:rPr lang="en-US" baseline="0" dirty="0" smtClean="0"/>
+              <a:t>Second, the small size of the program might improve cache locality and amortize the cost of accessing the enclave pages.</a:t>
+            </a:r>
+          </a:p>
+          <a:p>
+            <a:r>
+              <a:rPr lang="en-US" baseline="0" dirty="0" smtClean="0"/>
+              <a:t>Another advantage is that </a:t>
+            </a:r>
+            <a:r>
+              <a:rPr lang="en-US" baseline="0" dirty="0" err="1" smtClean="0"/>
+              <a:t>Unikernels</a:t>
+            </a:r>
+            <a:r>
+              <a:rPr lang="en-US" baseline="0" dirty="0" smtClean="0"/>
+              <a:t> can be sealed, meaning that its page mappings are fixed and do not change. That removes the need for dynamic allocation of physical pages, which introduced overheads in Haven.</a:t>
+            </a:r>
+          </a:p>
+          <a:p>
+            <a:r>
+              <a:rPr lang="en-US" baseline="0" dirty="0" smtClean="0"/>
+              <a:t>At the same time, we can still benefit from the advantages provided by </a:t>
+            </a:r>
+            <a:r>
+              <a:rPr lang="en-US" baseline="0" dirty="0" err="1" smtClean="0"/>
+              <a:t>Unikernels</a:t>
+            </a:r>
+            <a:r>
+              <a:rPr lang="en-US" baseline="0" dirty="0" smtClean="0"/>
+              <a:t>, you can tune the implementation to your needs, for example moving data that is not sensitive to pages outside the enclave to speed up </a:t>
+            </a:r>
+            <a:r>
+              <a:rPr lang="en-US" baseline="0" smtClean="0"/>
+              <a:t>the whole execution.</a:t>
+            </a:r>
+          </a:p>
+          <a:p>
+            <a:endParaRPr lang="en-US" baseline="0" dirty="0" smtClean="0"/>
+          </a:p>
+          <a:p>
+            <a:endParaRPr lang="en-US" baseline="0" dirty="0" smtClean="0"/>
+          </a:p>
+        </p:txBody>
+      </p:sp>
+      <p:sp>
+        <p:nvSpPr>
+          <p:cNvPr id="4" name="Slide Number Placeholder 3"/>
+          <p:cNvSpPr>
+            <a:spLocks noGrp="1"/>
+          </p:cNvSpPr>
+          <p:nvPr>
+            <p:ph type="sldNum" sz="quarter" idx="10"/>
+          </p:nvPr>
+        </p:nvSpPr>
+        <p:spPr/>
+        <p:txBody>
+          <a:bodyPr/>
+          <a:lstStyle/>
+          <a:p>
+            <a:fld id="{69E8AC4D-76AB-F049-B583-F6A359C4EA1A}" type="slidenum">
+              <a:rPr lang="en-US" smtClean="0"/>
+              <a:t>21</a:t>
+            </a:fld>
+            <a:endParaRPr lang="en-US"/>
+          </a:p>
+        </p:txBody>
+      </p:sp>
+    </p:spTree>
+    <p:extLst>
+      <p:ext uri="{BB962C8B-B14F-4D97-AF65-F5344CB8AC3E}">
+        <p14:creationId xmlns:p14="http://schemas.microsoft.com/office/powerpoint/2010/main" val="1804063969"/>
+      </p:ext>
+    </p:extLst>
+  </p:cSld>
+  <p:clrMapOvr>
+    <a:masterClrMapping/>
+  </p:clrMapOvr>
+</p:notes>
+</file>
+
+<file path=ppt/notesSlides/notesSlide22.xml><?xml version="1.0" encoding="utf-8"?>
+<p:notes xmlns:a="http://schemas.openxmlformats.org/drawingml/2006/main" xmlns:r="http://schemas.openxmlformats.org/officeDocument/2006/relationships" xmlns:p="http://schemas.openxmlformats.org/presentationml/2006/main">
+  <p:cSld>
+    <p:spTree>
+      <p:nvGrpSpPr>
+        <p:cNvPr id="1" name=""/>
+        <p:cNvGrpSpPr/>
+        <p:nvPr/>
+      </p:nvGrpSpPr>
+      <p:grpSpPr>
+        <a:xfrm>
+          <a:off x="0" y="0"/>
+          <a:ext cx="0" cy="0"/>
+          <a:chOff x="0" y="0"/>
+          <a:chExt cx="0" cy="0"/>
+        </a:xfrm>
+      </p:grpSpPr>
+      <p:sp>
+        <p:nvSpPr>
+          <p:cNvPr id="2" name="Slide Image Placeholder 1"/>
+          <p:cNvSpPr>
+            <a:spLocks noGrp="1" noRot="1" noChangeAspect="1"/>
+          </p:cNvSpPr>
+          <p:nvPr>
+            <p:ph type="sldImg"/>
+          </p:nvPr>
+        </p:nvSpPr>
+        <p:spPr/>
+      </p:sp>
+      <p:sp>
+        <p:nvSpPr>
+          <p:cNvPr id="3" name="Notes Placeholder 2"/>
+          <p:cNvSpPr>
+            <a:spLocks noGrp="1"/>
+          </p:cNvSpPr>
+          <p:nvPr>
+            <p:ph type="body" idx="1"/>
+          </p:nvPr>
+        </p:nvSpPr>
+        <p:spPr/>
+        <p:txBody>
+          <a:bodyPr/>
+          <a:lstStyle/>
+          <a:p>
+            <a:r>
+              <a:rPr lang="en-US" dirty="0" smtClean="0"/>
+              <a:t>That’s all</a:t>
+            </a:r>
+            <a:r>
+              <a:rPr lang="en-US" smtClean="0"/>
+              <a:t>. Thanks</a:t>
+            </a:r>
+            <a:endParaRPr lang="en-US"/>
+          </a:p>
+        </p:txBody>
+      </p:sp>
+      <p:sp>
+        <p:nvSpPr>
+          <p:cNvPr id="4" name="Slide Number Placeholder 3"/>
+          <p:cNvSpPr>
+            <a:spLocks noGrp="1"/>
+          </p:cNvSpPr>
+          <p:nvPr>
+            <p:ph type="sldNum" sz="quarter" idx="10"/>
+          </p:nvPr>
+        </p:nvSpPr>
+        <p:spPr/>
+        <p:txBody>
+          <a:bodyPr/>
+          <a:lstStyle/>
+          <a:p>
+            <a:fld id="{5818C058-0722-5846-9CCC-2E4F26A67B17}" type="slidenum">
+              <a:rPr lang="en-US" smtClean="0"/>
+              <a:t>22</a:t>
+            </a:fld>
+            <a:endParaRPr lang="en-US"/>
+          </a:p>
+        </p:txBody>
+      </p:sp>
+    </p:spTree>
+    <p:extLst>
+      <p:ext uri="{BB962C8B-B14F-4D97-AF65-F5344CB8AC3E}">
+        <p14:creationId xmlns:p14="http://schemas.microsoft.com/office/powerpoint/2010/main" val="389410249"/>
       </p:ext>
     </p:extLst>
   </p:cSld>
@@ -2759,7 +3500,7 @@
           <a:p>
             <a:fld id="{6D25FDB8-4355-104E-B595-914379955D0E}" type="datetimeFigureOut">
               <a:rPr lang="en-US" smtClean="0"/>
-              <a:t>6/24/17</a:t>
+              <a:t>6/25/17</a:t>
             </a:fld>
             <a:endParaRPr lang="en-US"/>
           </a:p>
@@ -2929,7 +3670,7 @@
           <a:p>
             <a:fld id="{6D25FDB8-4355-104E-B595-914379955D0E}" type="datetimeFigureOut">
               <a:rPr lang="en-US" smtClean="0"/>
-              <a:t>6/24/17</a:t>
+              <a:t>6/25/17</a:t>
             </a:fld>
             <a:endParaRPr lang="en-US"/>
           </a:p>
@@ -3109,7 +3850,7 @@
           <a:p>
             <a:fld id="{6D25FDB8-4355-104E-B595-914379955D0E}" type="datetimeFigureOut">
               <a:rPr lang="en-US" smtClean="0"/>
-              <a:t>6/24/17</a:t>
+              <a:t>6/25/17</a:t>
             </a:fld>
             <a:endParaRPr lang="en-US"/>
           </a:p>
@@ -3284,7 +4025,7 @@
           <a:p>
             <a:fld id="{6D25FDB8-4355-104E-B595-914379955D0E}" type="datetimeFigureOut">
               <a:rPr lang="en-US" smtClean="0"/>
-              <a:t>6/24/17</a:t>
+              <a:t>6/25/17</a:t>
             </a:fld>
             <a:endParaRPr lang="en-US"/>
           </a:p>
@@ -3530,7 +4271,7 @@
           <a:p>
             <a:fld id="{6D25FDB8-4355-104E-B595-914379955D0E}" type="datetimeFigureOut">
               <a:rPr lang="en-US" smtClean="0"/>
-              <a:t>6/24/17</a:t>
+              <a:t>6/25/17</a:t>
             </a:fld>
             <a:endParaRPr lang="en-US"/>
           </a:p>
@@ -3762,7 +4503,7 @@
           <a:p>
             <a:fld id="{6D25FDB8-4355-104E-B595-914379955D0E}" type="datetimeFigureOut">
               <a:rPr lang="en-US" smtClean="0"/>
-              <a:t>6/24/17</a:t>
+              <a:t>6/25/17</a:t>
             </a:fld>
             <a:endParaRPr lang="en-US"/>
           </a:p>
@@ -4129,7 +4870,7 @@
           <a:p>
             <a:fld id="{6D25FDB8-4355-104E-B595-914379955D0E}" type="datetimeFigureOut">
               <a:rPr lang="en-US" smtClean="0"/>
-              <a:t>6/24/17</a:t>
+              <a:t>6/25/17</a:t>
             </a:fld>
             <a:endParaRPr lang="en-US"/>
           </a:p>
@@ -4247,7 +4988,7 @@
           <a:p>
             <a:fld id="{6D25FDB8-4355-104E-B595-914379955D0E}" type="datetimeFigureOut">
               <a:rPr lang="en-US" smtClean="0"/>
-              <a:t>6/24/17</a:t>
+              <a:t>6/25/17</a:t>
             </a:fld>
             <a:endParaRPr lang="en-US"/>
           </a:p>
@@ -4342,7 +5083,7 @@
           <a:p>
             <a:fld id="{6D25FDB8-4355-104E-B595-914379955D0E}" type="datetimeFigureOut">
               <a:rPr lang="en-US" smtClean="0"/>
-              <a:t>6/24/17</a:t>
+              <a:t>6/25/17</a:t>
             </a:fld>
             <a:endParaRPr lang="en-US"/>
           </a:p>
@@ -4619,7 +5360,7 @@
           <a:p>
             <a:fld id="{6D25FDB8-4355-104E-B595-914379955D0E}" type="datetimeFigureOut">
               <a:rPr lang="en-US" smtClean="0"/>
-              <a:t>6/24/17</a:t>
+              <a:t>6/25/17</a:t>
             </a:fld>
             <a:endParaRPr lang="en-US"/>
           </a:p>
@@ -4872,7 +5613,7 @@
           <a:p>
             <a:fld id="{6D25FDB8-4355-104E-B595-914379955D0E}" type="datetimeFigureOut">
               <a:rPr lang="en-US" smtClean="0"/>
-              <a:t>6/24/17</a:t>
+              <a:t>6/25/17</a:t>
             </a:fld>
             <a:endParaRPr lang="en-US"/>
           </a:p>
@@ -5088,7 +5829,7 @@
           <a:p>
             <a:fld id="{6D25FDB8-4355-104E-B595-914379955D0E}" type="datetimeFigureOut">
               <a:rPr lang="en-US" smtClean="0"/>
-              <a:t>6/24/17</a:t>
+              <a:t>6/25/17</a:t>
             </a:fld>
             <a:endParaRPr lang="en-US"/>
           </a:p>
@@ -5701,13 +6442,8 @@
             </a:pPr>
             <a:r>
               <a:rPr lang="en-US" dirty="0" smtClean="0"/>
-              <a:t>Single-purpose VMs deployed in the cloud ar</a:t>
-            </a:r>
-            <a:r>
-              <a:rPr lang="en-US" dirty="0" smtClean="0"/>
-              <a:t>e not specialized enough!</a:t>
-            </a:r>
-            <a:endParaRPr lang="en-US" dirty="0" smtClean="0"/>
+              <a:t>Single-purpose VMs deployed in the cloud are not specialized enough!</a:t>
+            </a:r>
           </a:p>
           <a:p>
             <a:pPr marL="0" indent="0">
@@ -5723,15 +6459,7 @@
                   <a:schemeClr val="accent2"/>
                 </a:solidFill>
               </a:rPr>
-              <a:t>impacts</a:t>
-            </a:r>
-            <a:r>
-              <a:rPr lang="en-US" b="1" dirty="0" smtClean="0">
-                <a:solidFill>
-                  <a:schemeClr val="accent2"/>
-                </a:solidFill>
-              </a:rPr>
-              <a:t> </a:t>
+              <a:t>impacts </a:t>
             </a:r>
             <a:r>
               <a:rPr lang="en-US" dirty="0" smtClean="0"/>
@@ -7874,7 +8602,7 @@
           <p:nvPr/>
         </p:nvPicPr>
         <p:blipFill>
-          <a:blip r:embed="rId2">
+          <a:blip r:embed="rId3">
             <a:extLst>
               <a:ext uri="{28A0092B-C50C-407E-A947-70E740481C1C}">
                 <a14:useLocalDpi xmlns:a14="http://schemas.microsoft.com/office/drawing/2010/main" val="0"/>
@@ -7904,7 +8632,7 @@
           <p:nvPr/>
         </p:nvPicPr>
         <p:blipFill>
-          <a:blip r:embed="rId3">
+          <a:blip r:embed="rId4">
             <a:extLst>
               <a:ext uri="{28A0092B-C50C-407E-A947-70E740481C1C}">
                 <a14:useLocalDpi xmlns:a14="http://schemas.microsoft.com/office/drawing/2010/main" val="0"/>
@@ -8062,7 +8790,7 @@
           <p:nvPr/>
         </p:nvPicPr>
         <p:blipFill>
-          <a:blip r:embed="rId2">
+          <a:blip r:embed="rId3">
             <a:extLst>
               <a:ext uri="{28A0092B-C50C-407E-A947-70E740481C1C}">
                 <a14:useLocalDpi xmlns:a14="http://schemas.microsoft.com/office/drawing/2010/main" val="0"/>
@@ -8195,7 +8923,7 @@
           <a:p>
             <a:pPr>
               <a:buBlip>
-                <a:blip r:embed="rId2"/>
+                <a:blip r:embed="rId3"/>
               </a:buBlip>
             </a:pPr>
             <a:r>
@@ -8308,7 +9036,7 @@
           <a:p>
             <a:pPr>
               <a:buBlip>
-                <a:blip r:embed="rId2"/>
+                <a:blip r:embed="rId3"/>
               </a:buBlip>
             </a:pPr>
             <a:r>
@@ -8432,7 +9160,7 @@
           <a:p>
             <a:pPr>
               <a:buBlip>
-                <a:blip r:embed="rId2"/>
+                <a:blip r:embed="rId3"/>
               </a:buBlip>
             </a:pPr>
             <a:r>
@@ -9530,7 +10258,7 @@
           <p:nvPr/>
         </p:nvPicPr>
         <p:blipFill>
-          <a:blip r:embed="rId2">
+          <a:blip r:embed="rId3">
             <a:extLst>
               <a:ext uri="{28A0092B-C50C-407E-A947-70E740481C1C}">
                 <a14:useLocalDpi xmlns:a14="http://schemas.microsoft.com/office/drawing/2010/main" val="0"/>
@@ -9670,8 +10398,20 @@
             <a:pPr lvl="1"/>
             <a:r>
               <a:rPr lang="en-US" dirty="0" smtClean="0"/>
-              <a:t>Potentially improve locality.</a:t>
-            </a:r>
+              <a:t>Potentially improve locality</a:t>
+            </a:r>
+            <a:r>
+              <a:rPr lang="en-US" dirty="0" smtClean="0"/>
+              <a:t>.</a:t>
+            </a:r>
+          </a:p>
+          <a:p>
+            <a:pPr lvl="1"/>
+            <a:r>
+              <a:rPr lang="en-US" dirty="0" smtClean="0"/>
+              <a:t>No need for enclave resizing.</a:t>
+            </a:r>
+            <a:endParaRPr lang="en-US" dirty="0" smtClean="0"/>
           </a:p>
           <a:p>
             <a:pPr lvl="1"/>

--- a/CE_presentation.pptx
+++ b/CE_presentation.pptx
@@ -218,7 +218,7 @@
           <a:p>
             <a:fld id="{CE702E3E-BC69-0A48-B26D-D57F49177E51}" type="datetimeFigureOut">
               <a:rPr lang="en-US" smtClean="0"/>
-              <a:t>6/25/17</a:t>
+              <a:t>6/26/17</a:t>
             </a:fld>
             <a:endParaRPr lang="en-US"/>
           </a:p>
@@ -640,7 +640,7 @@
           <a:p>
             <a:r>
               <a:rPr lang="en-US" baseline="0" dirty="0" smtClean="0"/>
-              <a:t>The VM packs an entire OS, e.g., Linux or Windows, and runs </a:t>
+              <a:t>The VM can be seen as a single purpose packs an entire OS, e.g., Linux or Windows, and runs </a:t>
             </a:r>
             <a:r>
               <a:rPr lang="en-US" baseline="0" dirty="0" err="1" smtClean="0"/>
@@ -649,12 +649,6 @@
             <a:r>
               <a:rPr lang="en-US" baseline="0" dirty="0" smtClean="0"/>
               <a:t> application processes, which, in most cases, is on application supported by smaller services.</a:t>
-            </a:r>
-          </a:p>
-          <a:p>
-            <a:r>
-              <a:rPr lang="en-US" baseline="0" dirty="0" smtClean="0"/>
-              <a:t>A VM in the cloud is a single purpose appliance.</a:t>
             </a:r>
           </a:p>
           <a:p>
@@ -1044,15 +1038,15 @@
           <a:p>
             <a:r>
               <a:rPr lang="en-US" baseline="0" dirty="0" smtClean="0"/>
-              <a:t>Then, extra protections are obtained via the use of high-level PL, like type-safety (which prevents type-errors) and garbage collected memory than prevent a certain </a:t>
+              <a:t>Then, extra protections are obtained via the use of high-level PL, like type-safety (which prevents type-errors) and garbage collected memory than prevent a certain (memory </a:t>
             </a:r>
             <a:r>
               <a:rPr lang="en-US" baseline="0" dirty="0" err="1" smtClean="0"/>
-              <a:t>calss</a:t>
-            </a:r>
-            <a:r>
-              <a:rPr lang="en-US" baseline="0" dirty="0" smtClean="0"/>
-              <a:t> of attacks.</a:t>
+              <a:t>dealocation</a:t>
+            </a:r>
+            <a:r>
+              <a:rPr lang="en-US" baseline="0" dirty="0" smtClean="0"/>
+              <a:t> errors) class of attacks.</a:t>
             </a:r>
           </a:p>
           <a:p>
@@ -1567,6 +1561,18 @@
           <a:p>
             <a:r>
               <a:rPr lang="en-US" baseline="0" dirty="0" smtClean="0"/>
+              <a:t>The enclave guarantees that the application data cannot be read or modified by the software outside of the enclave, even if it runs at a higher privilege level. </a:t>
+            </a:r>
+          </a:p>
+          <a:p>
+            <a:r>
+              <a:rPr lang="en-US" baseline="0" dirty="0" smtClean="0"/>
+              <a:t>Haven relies on Intel SGX to create this enclave.</a:t>
+            </a:r>
+          </a:p>
+          <a:p>
+            <a:r>
+              <a:rPr lang="en-US" baseline="0" dirty="0" smtClean="0"/>
               <a:t>So how does the enclave works? </a:t>
             </a:r>
           </a:p>
@@ -1661,6 +1667,17 @@
             </a:r>
             <a:r>
               <a:rPr lang="en-US" baseline="0" dirty="0" smtClean="0"/>
+              <a:t> Intel Software ... allows to create portions of the address space that are encrypted and integrity protected, even from software running at higher privilege levels.</a:t>
+            </a:r>
+            <a:endParaRPr lang="en-US" dirty="0" smtClean="0"/>
+          </a:p>
+          <a:p>
+            <a:r>
+              <a:rPr lang="en-US" dirty="0" smtClean="0"/>
+              <a:t>Well,</a:t>
+            </a:r>
+            <a:r>
+              <a:rPr lang="en-US" baseline="0" dirty="0" smtClean="0"/>
               <a:t> enclave memory pages come from a specific area of main memory.</a:t>
             </a:r>
           </a:p>
@@ -1790,11 +1807,7 @@
           <a:p>
             <a:r>
               <a:rPr lang="en-US" baseline="0" dirty="0" smtClean="0"/>
-              <a:t>Haven incurs some overheads, that come both from its complex layered architecture, and from the cost of </a:t>
-            </a:r>
-            <a:r>
-              <a:rPr lang="en-US" baseline="0" dirty="0" smtClean="0"/>
-              <a:t>SGX.</a:t>
+              <a:t>Haven incurs some overheads, that come both from its complex layered architecture, and from the cost of SGX.</a:t>
             </a:r>
           </a:p>
           <a:p>
@@ -2183,12 +2196,70 @@
             </a:r>
           </a:p>
           <a:p>
+            <a:r>
+              <a:rPr lang="en-US" baseline="0" dirty="0" smtClean="0"/>
+              <a:t>Both systems are based on the Library Operating system design described by the </a:t>
+            </a:r>
+            <a:r>
+              <a:rPr lang="en-US" baseline="0" dirty="0" err="1" smtClean="0"/>
+              <a:t>exokernel</a:t>
+            </a:r>
+            <a:r>
+              <a:rPr lang="en-US" baseline="0" dirty="0" smtClean="0"/>
+              <a:t>, but have very different implementations.</a:t>
+            </a:r>
+          </a:p>
+          <a:p>
+            <a:r>
+              <a:rPr lang="en-US" baseline="0" dirty="0" smtClean="0"/>
+              <a:t>Haven strives to support legacy applications.</a:t>
+            </a:r>
+          </a:p>
+          <a:p>
+            <a:r>
+              <a:rPr lang="en-US" baseline="0" dirty="0" smtClean="0"/>
+              <a:t>As a result, it needs to pack the entire windows operating system inside the enclave and presents performance overheads.</a:t>
+            </a:r>
+          </a:p>
+          <a:p>
+            <a:r>
+              <a:rPr lang="en-US" baseline="0" dirty="0" smtClean="0"/>
+              <a:t>This choice was, in my opinion, made to provide a proof-of-concept and test the limits of SGX, rather than actually a desired feature.</a:t>
+            </a:r>
+          </a:p>
+          <a:p>
+            <a:r>
+              <a:rPr lang="en-US" baseline="0" dirty="0" smtClean="0"/>
+              <a:t>Cloud appliance are often providing a single service. Therefore the approach taken by </a:t>
+            </a:r>
+            <a:r>
+              <a:rPr lang="en-US" baseline="0" dirty="0" err="1" smtClean="0"/>
+              <a:t>Unikernel</a:t>
+            </a:r>
+            <a:r>
+              <a:rPr lang="en-US" baseline="0" dirty="0" smtClean="0"/>
+              <a:t>, that gives up on backward compatibility, actually seems reasonable and enables to </a:t>
+            </a:r>
+            <a:r>
+              <a:rPr lang="en-US" baseline="0" dirty="0" err="1" smtClean="0"/>
+              <a:t>performa</a:t>
+            </a:r>
+            <a:r>
+              <a:rPr lang="en-US" baseline="0" dirty="0" smtClean="0"/>
+              <a:t> several optimizations that improve the performance, efficiency, and security of the appliance compared to a standard VM deployment.</a:t>
+            </a:r>
+          </a:p>
+          <a:p>
             <a:endParaRPr lang="en-US" baseline="0" dirty="0" smtClean="0"/>
           </a:p>
           <a:p>
             <a:r>
               <a:rPr lang="en-US" baseline="0" dirty="0" smtClean="0"/>
-              <a:t>And this actually leads to my research proposal.</a:t>
+              <a:t>And this actually leads to my research proposal which tries to extract all </a:t>
+            </a:r>
+            <a:r>
+              <a:rPr lang="en-US" baseline="0" smtClean="0"/>
+              <a:t>the benefits listed here and fit them into one system.</a:t>
             </a:r>
             <a:endParaRPr lang="en-US" dirty="0"/>
           </a:p>
@@ -2350,15 +2421,28 @@
             </a:r>
             <a:r>
               <a:rPr lang="en-US" baseline="0" dirty="0" smtClean="0"/>
-              <a:t>, you can tune the implementation to your needs, for example moving data that is not sensitive to pages outside the enclave to speed up </a:t>
-            </a:r>
-            <a:r>
-              <a:rPr lang="en-US" baseline="0" smtClean="0"/>
-              <a:t>the whole execution.</a:t>
-            </a:r>
-          </a:p>
-          <a:p>
-            <a:endParaRPr lang="en-US" baseline="0" dirty="0" smtClean="0"/>
+              <a:t>, you can tune the implementation to your needs, you can tune the runtime to move data that is not sensitive to pages outside the enclave to speed up the whole execution.</a:t>
+            </a:r>
+          </a:p>
+          <a:p>
+            <a:r>
+              <a:rPr lang="en-US" baseline="0" dirty="0" smtClean="0"/>
+              <a:t>We can also leverage high level PL features such as type-safety, garbage collectors, or more recent paradigms like the ownership system provided by rust, or </a:t>
+            </a:r>
+            <a:r>
+              <a:rPr lang="en-US" baseline="0" dirty="0" smtClean="0"/>
+              <a:t>Communicating Sequential Processes concurrency model </a:t>
+            </a:r>
+            <a:r>
+              <a:rPr lang="en-US" baseline="0" dirty="0" smtClean="0"/>
+              <a:t>provided by GO.</a:t>
+            </a:r>
+          </a:p>
+          <a:p>
+            <a:r>
+              <a:rPr lang="en-US" baseline="0" dirty="0" smtClean="0"/>
+              <a:t>Implementing such as system would actually enable to achieve all our goals, in terms of performance, efficiency, and security, while having a very flexible environment to experiment with various solutions.</a:t>
+            </a:r>
           </a:p>
           <a:p>
             <a:endParaRPr lang="en-US" baseline="0" dirty="0" smtClean="0"/>
@@ -2539,35 +2623,43 @@
           <a:p>
             <a:r>
               <a:rPr lang="en-US" dirty="0" smtClean="0"/>
+              <a:t>Nowadays,</a:t>
+            </a:r>
+            <a:r>
+              <a:rPr lang="en-US" baseline="0" dirty="0" smtClean="0"/>
+              <a:t> </a:t>
+            </a:r>
+            <a:r>
+              <a:rPr lang="en-US" dirty="0" smtClean="0"/>
               <a:t>Cloud</a:t>
             </a:r>
             <a:r>
               <a:rPr lang="en-US" baseline="0" dirty="0" smtClean="0"/>
-              <a:t> services are a popular option to deploy applications.</a:t>
-            </a:r>
-          </a:p>
-          <a:p>
-            <a:r>
-              <a:rPr lang="en-US" baseline="0" dirty="0" smtClean="0"/>
-              <a:t>They allow even small size organization to quickly deploy their app, and offer means to adapt resources to the current load it has to face.</a:t>
-            </a:r>
-          </a:p>
-          <a:p>
-            <a:r>
-              <a:rPr lang="en-US" baseline="0" dirty="0" smtClean="0"/>
-              <a:t>At the same time, resources are rented from a third party which raises some challenges.</a:t>
-            </a:r>
-          </a:p>
-          <a:p>
-            <a:r>
-              <a:rPr lang="en-US" baseline="0" dirty="0" smtClean="0"/>
-              <a:t>First, you have to pay for resources. As a result, tenants want to use them as efficiently as possible.</a:t>
-            </a:r>
-          </a:p>
-          <a:p>
-            <a:r>
-              <a:rPr lang="en-US" baseline="0" dirty="0" smtClean="0"/>
-              <a:t>That implies that you want to limit the amount of resources your application consumes, and make the most out of what you pay for, which implies achieving good performance.</a:t>
+              <a:t> services are a popular option to host applications.</a:t>
+            </a:r>
+          </a:p>
+          <a:p>
+            <a:r>
+              <a:rPr lang="en-US" baseline="0" dirty="0" smtClean="0"/>
+              <a:t>They allow even small size organization to quickly deploy their app, and provide flexibility as they offer means to adapt resources to the current load it has to face.</a:t>
+            </a:r>
+          </a:p>
+          <a:p>
+            <a:r>
+              <a:rPr lang="en-US" baseline="0" dirty="0" smtClean="0"/>
+              <a:t>While attractive, such services raise important challenges.</a:t>
+            </a:r>
+          </a:p>
+          <a:p>
+            <a:r>
+              <a:rPr lang="en-US" baseline="0" dirty="0" smtClean="0"/>
+              <a:t>Resources are rented. As a tenant, you therefore want to optimize your expenses.</a:t>
+            </a:r>
+          </a:p>
+          <a:p>
+            <a:r>
+              <a:rPr lang="en-US" baseline="0" dirty="0" smtClean="0"/>
+              <a:t>That means that you want to limit the amount of resources your application consumes, and make the most out of what you pay for, which implies achieving good performance.</a:t>
             </a:r>
           </a:p>
           <a:p>
@@ -2576,44 +2668,56 @@
           <a:p>
             <a:r>
               <a:rPr lang="en-US" baseline="0" dirty="0" smtClean="0"/>
-              <a:t>Second, tenants have to think about security.</a:t>
-            </a:r>
-          </a:p>
-          <a:p>
-            <a:r>
-              <a:rPr lang="en-US" baseline="0" dirty="0" smtClean="0"/>
-              <a:t>The application might be co-located on the same physical machine with other, untrusted, apps.</a:t>
-            </a:r>
-          </a:p>
-          <a:p>
-            <a:r>
-              <a:rPr lang="en-US" baseline="0" dirty="0" smtClean="0"/>
-              <a:t>CSPs usually isolate apps from each other by relying on sandboxing mechanisms (like VMs and containers), but it remains your responsibility to actually defend against malicious users that want to subvert your applications.</a:t>
-            </a:r>
-          </a:p>
-          <a:p>
-            <a:r>
-              <a:rPr lang="en-US" baseline="0" dirty="0" smtClean="0"/>
-              <a:t>At the same time, hosting your code and data on a physical machine that is not under your control presents risks.</a:t>
-            </a:r>
-          </a:p>
-          <a:p>
-            <a:r>
-              <a:rPr lang="en-US" baseline="0" dirty="0" smtClean="0"/>
-              <a:t>What if the host gets compromised? What if an employee abuses its privileges? What if the physical machine is in a country where an entity, like the government, requires access to these machines?</a:t>
-            </a:r>
-            <a:endParaRPr lang="en-US" dirty="0" smtClean="0"/>
-          </a:p>
-          <a:p>
-            <a:r>
-              <a:rPr lang="en-US" dirty="0" smtClean="0"/>
-              <a:t>So</a:t>
-            </a:r>
-            <a:r>
-              <a:rPr lang="en-US" baseline="0" dirty="0" smtClean="0"/>
-              <a:t> you also want to be able to protect your IP and sensitive user data from the CPS itself.</a:t>
-            </a:r>
-            <a:endParaRPr lang="en-US" dirty="0" smtClean="0"/>
+              <a:t>Second, tenants have to think about security when deploying their applications on cloud services.</a:t>
+            </a:r>
+          </a:p>
+          <a:p>
+            <a:r>
+              <a:rPr lang="en-US" baseline="0" dirty="0" smtClean="0"/>
+              <a:t>CPs often rely-on sandboxing mechanisms to actually isolate different apps, from different sources, that execute on the same physical machine.</a:t>
+            </a:r>
+          </a:p>
+          <a:p>
+            <a:r>
+              <a:rPr lang="en-US" baseline="0" dirty="0" smtClean="0"/>
+              <a:t>These sandboxes also allow to protect the host from a potentially malicious application.</a:t>
+            </a:r>
+          </a:p>
+          <a:p>
+            <a:r>
+              <a:rPr lang="en-US" baseline="0" dirty="0" smtClean="0"/>
+              <a:t>While this ensures that no malicious application will be able to hurt the host or any other app running on the same machine, it does not protect the application from a malicious user .</a:t>
+            </a:r>
+          </a:p>
+          <a:p>
+            <a:r>
+              <a:rPr lang="en-US" baseline="0" dirty="0" smtClean="0"/>
+              <a:t>App developers therefore still have to build security within their applications themselves.</a:t>
+            </a:r>
+          </a:p>
+          <a:p>
+            <a:r>
+              <a:rPr lang="en-US" baseline="0" dirty="0" smtClean="0"/>
+              <a:t>Another concern related to security pertains to the confidentiality and integrity of a tenant’s application code and data.</a:t>
+            </a:r>
+          </a:p>
+          <a:p>
+            <a:r>
+              <a:rPr lang="en-US" baseline="0" dirty="0" smtClean="0"/>
+              <a:t>What happens if a host gets compromised ? Or if a CSPs employee abuses its privileges to access you private data? </a:t>
+            </a:r>
+          </a:p>
+          <a:p>
+            <a:r>
+              <a:rPr lang="en-US" baseline="0" dirty="0" smtClean="0"/>
+              <a:t>What if the physical machine is located in a country where the government enforces policies to gain access to hardware infrastructures?</a:t>
+            </a:r>
+          </a:p>
+          <a:p>
+            <a:r>
+              <a:rPr lang="en-US" baseline="0" dirty="0" smtClean="0"/>
+              <a:t>As a tenant, you therefore might want to have some security guarantees that protect you application from the CSP/host as well!</a:t>
+            </a:r>
           </a:p>
         </p:txBody>
       </p:sp>
@@ -2717,7 +2821,7 @@
           <a:p>
             <a:r>
               <a:rPr lang="en-US" baseline="0" dirty="0" smtClean="0"/>
-              <a:t>We’ll study how this design is leveraged in such systems to provide the performance, efficiency, and security that we are looking for.</a:t>
+              <a:t>We’ll study how Library OS design is leveraged in such systems to provide the performance, efficiency, and security for cloud deployments.</a:t>
             </a:r>
             <a:endParaRPr lang="en-US" dirty="0"/>
           </a:p>
@@ -3098,6 +3202,12 @@
           <a:p>
             <a:r>
               <a:rPr lang="en-US" baseline="0" dirty="0" smtClean="0"/>
+              <a:t>It separates protection from management, that means that :</a:t>
+            </a:r>
+          </a:p>
+          <a:p>
+            <a:r>
+              <a:rPr lang="en-US" baseline="0" dirty="0" smtClean="0"/>
               <a:t>The kernel itself only securely exposes all hardware resources, and delegates the management to the application, which in turn, is free to implement its own abstractions and policies efficiently.</a:t>
             </a:r>
           </a:p>
@@ -3205,29 +3315,35 @@
           <a:p>
             <a:r>
               <a:rPr lang="en-US" dirty="0" smtClean="0"/>
-              <a:t>Good, now I’ll talk</a:t>
-            </a:r>
-            <a:r>
-              <a:rPr lang="en-US" baseline="0" dirty="0" smtClean="0"/>
-              <a:t> about the </a:t>
+              <a:t>The </a:t>
+            </a:r>
+            <a:r>
+              <a:rPr lang="en-US" dirty="0" err="1" smtClean="0"/>
+              <a:t>exokernel</a:t>
+            </a:r>
+            <a:r>
+              <a:rPr lang="en-US" dirty="0" smtClean="0"/>
+              <a:t> adopts a radical approach</a:t>
+            </a:r>
+            <a:r>
+              <a:rPr lang="en-US" baseline="0" dirty="0" smtClean="0"/>
+              <a:t> that is actually hard to implement in the way described by the authors.</a:t>
+            </a:r>
+          </a:p>
+          <a:p>
+            <a:r>
+              <a:rPr lang="en-US" baseline="0" dirty="0" smtClean="0"/>
+              <a:t>It however influenced the design of many systems, among which the </a:t>
             </a:r>
             <a:r>
               <a:rPr lang="en-US" baseline="0" dirty="0" err="1" smtClean="0"/>
-              <a:t>unikernel</a:t>
-            </a:r>
-            <a:r>
-              <a:rPr lang="en-US" baseline="0" dirty="0" smtClean="0"/>
-              <a:t>, a system inspired by the </a:t>
-            </a:r>
-            <a:r>
-              <a:rPr lang="en-US" baseline="0" dirty="0" err="1" smtClean="0"/>
-              <a:t>Exokernel</a:t>
-            </a:r>
-            <a:r>
-              <a:rPr lang="en-US" baseline="0" dirty="0" smtClean="0"/>
-              <a:t> that targets cloud deployments.</a:t>
-            </a:r>
-            <a:endParaRPr lang="en-US" dirty="0"/>
+              <a:t>Unikernel</a:t>
+            </a:r>
+            <a:r>
+              <a:rPr lang="en-US" baseline="0" dirty="0" smtClean="0"/>
+              <a:t>, that targets cloud deployments and that I’ll present now.</a:t>
+            </a:r>
+            <a:endParaRPr lang="en-US" dirty="0" smtClean="0"/>
           </a:p>
         </p:txBody>
       </p:sp>
@@ -3311,6 +3427,18 @@
           <a:bodyPr/>
           <a:lstStyle/>
           <a:p>
+            <a:r>
+              <a:rPr lang="en-US" dirty="0" smtClean="0"/>
+              <a:t>The </a:t>
+            </a:r>
+            <a:r>
+              <a:rPr lang="en-US" dirty="0" err="1" smtClean="0"/>
+              <a:t>unikernel</a:t>
+            </a:r>
+            <a:r>
+              <a:rPr lang="en-US" dirty="0" smtClean="0"/>
+              <a:t> paper was published in 2013</a:t>
+            </a:r>
             <a:endParaRPr lang="en-US" dirty="0"/>
           </a:p>
         </p:txBody>
@@ -3500,7 +3628,7 @@
           <a:p>
             <a:fld id="{6D25FDB8-4355-104E-B595-914379955D0E}" type="datetimeFigureOut">
               <a:rPr lang="en-US" smtClean="0"/>
-              <a:t>6/25/17</a:t>
+              <a:t>6/26/17</a:t>
             </a:fld>
             <a:endParaRPr lang="en-US"/>
           </a:p>
@@ -3670,7 +3798,7 @@
           <a:p>
             <a:fld id="{6D25FDB8-4355-104E-B595-914379955D0E}" type="datetimeFigureOut">
               <a:rPr lang="en-US" smtClean="0"/>
-              <a:t>6/25/17</a:t>
+              <a:t>6/26/17</a:t>
             </a:fld>
             <a:endParaRPr lang="en-US"/>
           </a:p>
@@ -3850,7 +3978,7 @@
           <a:p>
             <a:fld id="{6D25FDB8-4355-104E-B595-914379955D0E}" type="datetimeFigureOut">
               <a:rPr lang="en-US" smtClean="0"/>
-              <a:t>6/25/17</a:t>
+              <a:t>6/26/17</a:t>
             </a:fld>
             <a:endParaRPr lang="en-US"/>
           </a:p>
@@ -4025,7 +4153,7 @@
           <a:p>
             <a:fld id="{6D25FDB8-4355-104E-B595-914379955D0E}" type="datetimeFigureOut">
               <a:rPr lang="en-US" smtClean="0"/>
-              <a:t>6/25/17</a:t>
+              <a:t>6/26/17</a:t>
             </a:fld>
             <a:endParaRPr lang="en-US"/>
           </a:p>
@@ -4271,7 +4399,7 @@
           <a:p>
             <a:fld id="{6D25FDB8-4355-104E-B595-914379955D0E}" type="datetimeFigureOut">
               <a:rPr lang="en-US" smtClean="0"/>
-              <a:t>6/25/17</a:t>
+              <a:t>6/26/17</a:t>
             </a:fld>
             <a:endParaRPr lang="en-US"/>
           </a:p>
@@ -4503,7 +4631,7 @@
           <a:p>
             <a:fld id="{6D25FDB8-4355-104E-B595-914379955D0E}" type="datetimeFigureOut">
               <a:rPr lang="en-US" smtClean="0"/>
-              <a:t>6/25/17</a:t>
+              <a:t>6/26/17</a:t>
             </a:fld>
             <a:endParaRPr lang="en-US"/>
           </a:p>
@@ -4870,7 +4998,7 @@
           <a:p>
             <a:fld id="{6D25FDB8-4355-104E-B595-914379955D0E}" type="datetimeFigureOut">
               <a:rPr lang="en-US" smtClean="0"/>
-              <a:t>6/25/17</a:t>
+              <a:t>6/26/17</a:t>
             </a:fld>
             <a:endParaRPr lang="en-US"/>
           </a:p>
@@ -4988,7 +5116,7 @@
           <a:p>
             <a:fld id="{6D25FDB8-4355-104E-B595-914379955D0E}" type="datetimeFigureOut">
               <a:rPr lang="en-US" smtClean="0"/>
-              <a:t>6/25/17</a:t>
+              <a:t>6/26/17</a:t>
             </a:fld>
             <a:endParaRPr lang="en-US"/>
           </a:p>
@@ -5083,7 +5211,7 @@
           <a:p>
             <a:fld id="{6D25FDB8-4355-104E-B595-914379955D0E}" type="datetimeFigureOut">
               <a:rPr lang="en-US" smtClean="0"/>
-              <a:t>6/25/17</a:t>
+              <a:t>6/26/17</a:t>
             </a:fld>
             <a:endParaRPr lang="en-US"/>
           </a:p>
@@ -5360,7 +5488,7 @@
           <a:p>
             <a:fld id="{6D25FDB8-4355-104E-B595-914379955D0E}" type="datetimeFigureOut">
               <a:rPr lang="en-US" smtClean="0"/>
-              <a:t>6/25/17</a:t>
+              <a:t>6/26/17</a:t>
             </a:fld>
             <a:endParaRPr lang="en-US"/>
           </a:p>
@@ -5613,7 +5741,7 @@
           <a:p>
             <a:fld id="{6D25FDB8-4355-104E-B595-914379955D0E}" type="datetimeFigureOut">
               <a:rPr lang="en-US" smtClean="0"/>
-              <a:t>6/25/17</a:t>
+              <a:t>6/26/17</a:t>
             </a:fld>
             <a:endParaRPr lang="en-US"/>
           </a:p>
@@ -5829,7 +5957,7 @@
           <a:p>
             <a:fld id="{6D25FDB8-4355-104E-B595-914379955D0E}" type="datetimeFigureOut">
               <a:rPr lang="en-US" smtClean="0"/>
-              <a:t>6/25/17</a:t>
+              <a:t>6/26/17</a:t>
             </a:fld>
             <a:endParaRPr lang="en-US"/>
           </a:p>
@@ -7159,7 +7287,7 @@
                   <a:schemeClr val="accent6"/>
                 </a:solidFill>
               </a:rPr>
-              <a:t>Allows app-specific algorithms.</a:t>
+              <a:t>Allows app-specific resource management.</a:t>
             </a:r>
             <a:endParaRPr lang="en-US" dirty="0">
               <a:solidFill>
@@ -7261,7 +7389,7 @@
             </a:pPr>
             <a:r>
               <a:rPr lang="en-US" dirty="0" smtClean="0"/>
-              <a:t>Type-safety.</a:t>
+              <a:t>Type safety.</a:t>
             </a:r>
           </a:p>
           <a:p>
@@ -7271,7 +7399,7 @@
             </a:pPr>
             <a:r>
               <a:rPr lang="en-US" dirty="0" smtClean="0"/>
-              <a:t>Garbage collected memory.</a:t>
+              <a:t>Memory safety.</a:t>
             </a:r>
           </a:p>
           <a:p>
@@ -7285,7 +7413,23 @@
                   <a:schemeClr val="accent6"/>
                 </a:solidFill>
               </a:rPr>
-              <a:t>Isolation from guest.</a:t>
+              <a:t>Host </a:t>
+            </a:r>
+            <a:r>
+              <a:rPr lang="en-US" dirty="0" err="1" smtClean="0">
+                <a:solidFill>
+                  <a:schemeClr val="accent6"/>
+                </a:solidFill>
+              </a:rPr>
+              <a:t>procted</a:t>
+            </a:r>
+            <a:r>
+              <a:rPr lang="en-US" dirty="0" smtClean="0">
+                <a:solidFill>
+                  <a:schemeClr val="accent6"/>
+                </a:solidFill>
+              </a:rPr>
+              <a:t> from guest.</a:t>
             </a:r>
           </a:p>
           <a:p>
@@ -9109,16 +9253,17 @@
           <a:lstStyle/>
           <a:p>
             <a:pPr>
-              <a:buFont typeface="Wingdings" charset="2"/>
-              <a:buChar char="ü"/>
+              <a:buBlip>
+                <a:blip r:embed="rId3"/>
+              </a:buBlip>
             </a:pPr>
             <a:r>
-              <a:rPr lang="en-US" dirty="0" smtClean="0">
+              <a:rPr lang="en-US" dirty="0">
                 <a:solidFill>
-                  <a:schemeClr val="accent6"/>
+                  <a:srgbClr val="FF0000"/>
                 </a:solidFill>
               </a:rPr>
-              <a:t>Isolation from guest.</a:t>
+              <a:t>Large attack surface.</a:t>
             </a:r>
           </a:p>
           <a:p>
@@ -9143,7 +9288,7 @@
                   <a:schemeClr val="accent6"/>
                 </a:solidFill>
               </a:rPr>
-              <a:t>Isolation from host.</a:t>
+              <a:t>Host protected from guest.</a:t>
             </a:r>
           </a:p>
           <a:p>
@@ -9159,21 +9304,26 @@
           </a:p>
           <a:p>
             <a:pPr>
-              <a:buBlip>
-                <a:blip r:embed="rId3"/>
-              </a:buBlip>
+              <a:buFont typeface="Wingdings" charset="2"/>
+              <a:buChar char="ü"/>
             </a:pPr>
             <a:r>
               <a:rPr lang="en-US" dirty="0" smtClean="0">
                 <a:solidFill>
-                  <a:srgbClr val="FF0000"/>
+                  <a:schemeClr val="accent6"/>
                 </a:solidFill>
               </a:rPr>
-              <a:t>Large attack surface.</a:t>
-            </a:r>
-            <a:endParaRPr lang="en-US" dirty="0">
+              <a:t>Guest protected from host.</a:t>
+            </a:r>
+          </a:p>
+          <a:p>
+            <a:pPr>
+              <a:buFont typeface="Wingdings" charset="2"/>
+              <a:buChar char="ü"/>
+            </a:pPr>
+            <a:endParaRPr lang="en-US" dirty="0" smtClean="0">
               <a:solidFill>
-                <a:srgbClr val="FF0000"/>
+                <a:schemeClr val="accent6"/>
               </a:solidFill>
             </a:endParaRPr>
           </a:p>
@@ -9571,7 +9721,7 @@
                                         <p:tgtEl>
                                           <p:spTgt spid="7">
                                             <p:txEl>
-                                              <p:pRg st="0" end="0"/>
+                                              <p:pRg st="2" end="2"/>
                                             </p:txEl>
                                           </p:spTgt>
                                         </p:tgtEl>
@@ -9620,7 +9770,7 @@
                                         <p:tgtEl>
                                           <p:spTgt spid="7">
                                             <p:txEl>
-                                              <p:pRg st="2" end="2"/>
+                                              <p:pRg st="0" end="0"/>
                                             </p:txEl>
                                           </p:spTgt>
                                         </p:tgtEl>
@@ -10398,11 +10548,7 @@
             <a:pPr lvl="1"/>
             <a:r>
               <a:rPr lang="en-US" dirty="0" smtClean="0"/>
-              <a:t>Potentially improve locality</a:t>
-            </a:r>
-            <a:r>
-              <a:rPr lang="en-US" dirty="0" smtClean="0"/>
-              <a:t>.</a:t>
+              <a:t>Potentially improve locality.</a:t>
             </a:r>
           </a:p>
           <a:p>
@@ -10411,7 +10557,6 @@
               <a:rPr lang="en-US" dirty="0" smtClean="0"/>
               <a:t>No need for enclave resizing.</a:t>
             </a:r>
-            <a:endParaRPr lang="en-US" dirty="0" smtClean="0"/>
           </a:p>
           <a:p>
             <a:pPr lvl="1"/>
@@ -10702,7 +10847,9 @@
           </a:xfrm>
         </p:spPr>
         <p:txBody>
-          <a:bodyPr/>
+          <a:bodyPr>
+            <a:normAutofit/>
+          </a:bodyPr>
           <a:lstStyle/>
           <a:p>
             <a:pPr marL="0" indent="0">
@@ -10757,8 +10904,17 @@
             <a:pPr lvl="1"/>
             <a:r>
               <a:rPr lang="en-US" dirty="0" smtClean="0"/>
-              <a:t>Make good use of resources.</a:t>
-            </a:r>
+              <a:t>Make good use of </a:t>
+            </a:r>
+            <a:r>
+              <a:rPr lang="en-US" dirty="0" smtClean="0"/>
+              <a:t>resources: useful work vs</a:t>
+            </a:r>
+            <a:r>
+              <a:rPr lang="en-US" smtClean="0"/>
+              <a:t>. un-useful.</a:t>
+            </a:r>
+            <a:endParaRPr lang="en-US" dirty="0" smtClean="0"/>
           </a:p>
           <a:p>
             <a:r>
@@ -10780,8 +10936,19 @@
           <a:p>
             <a:pPr lvl="1"/>
             <a:r>
-              <a:rPr lang="en-US" dirty="0" smtClean="0"/>
-              <a:t>Protect the guest from the host.</a:t>
+              <a:rPr lang="en-US" dirty="0"/>
+              <a:t>Security inside the application</a:t>
+            </a:r>
+            <a:r>
+              <a:rPr lang="en-US" dirty="0" smtClean="0"/>
+              <a:t>.</a:t>
+            </a:r>
+          </a:p>
+          <a:p>
+            <a:pPr lvl="1"/>
+            <a:r>
+              <a:rPr lang="en-US" dirty="0" smtClean="0"/>
+              <a:t>Protect the guest from the host, e.g., confidentiality &amp; integrity.</a:t>
             </a:r>
           </a:p>
           <a:p>

--- a/CE_presentation.pptx
+++ b/CE_presentation.pptx
@@ -2038,7 +2038,7 @@
           <a:p>
             <a:r>
               <a:rPr lang="en-US" baseline="0" dirty="0" smtClean="0"/>
-              <a:t>We’ll have a short introduction.</a:t>
+              <a:t>We’ll have a short introduction to present the goals we want to achieve in cloud deployments.</a:t>
             </a:r>
           </a:p>
           <a:p>
@@ -2255,11 +2255,7 @@
           <a:p>
             <a:r>
               <a:rPr lang="en-US" baseline="0" dirty="0" smtClean="0"/>
-              <a:t>And this actually leads to my research proposal which tries to extract all </a:t>
-            </a:r>
-            <a:r>
-              <a:rPr lang="en-US" baseline="0" smtClean="0"/>
-              <a:t>the benefits listed here and fit them into one system.</a:t>
+              <a:t>And this actually leads to my research proposal which tries to extract all the benefits listed here and fit them into one system.</a:t>
             </a:r>
             <a:endParaRPr lang="en-US" dirty="0"/>
           </a:p>
@@ -2427,15 +2423,7 @@
           <a:p>
             <a:r>
               <a:rPr lang="en-US" baseline="0" dirty="0" smtClean="0"/>
-              <a:t>We can also leverage high level PL features such as type-safety, garbage collectors, or more recent paradigms like the ownership system provided by rust, or </a:t>
-            </a:r>
-            <a:r>
-              <a:rPr lang="en-US" baseline="0" dirty="0" smtClean="0"/>
-              <a:t>Communicating Sequential Processes concurrency model </a:t>
-            </a:r>
-            <a:r>
-              <a:rPr lang="en-US" baseline="0" dirty="0" smtClean="0"/>
-              <a:t>provided by GO.</a:t>
+              <a:t>We can also leverage high level PL features such as type-safety, garbage collectors, or more recent paradigms like the ownership system provided by rust, or Communicating Sequential Processes concurrency model provided by GO.</a:t>
             </a:r>
           </a:p>
           <a:p>
@@ -6433,7 +6421,7 @@
           <a:p>
             <a:r>
               <a:rPr lang="en-US" dirty="0" smtClean="0"/>
-              <a:t>June 24 2017</a:t>
+              <a:t>June 29 2017</a:t>
             </a:r>
             <a:endParaRPr lang="en-US" dirty="0"/>
           </a:p>
@@ -7365,7 +7353,7 @@
             </a:pPr>
             <a:r>
               <a:rPr lang="en-US" dirty="0" smtClean="0"/>
-              <a:t>Remove dead-code.</a:t>
+              <a:t>Remove dead code.</a:t>
             </a:r>
           </a:p>
           <a:p>
@@ -7413,23 +7401,7 @@
                   <a:schemeClr val="accent6"/>
                 </a:solidFill>
               </a:rPr>
-              <a:t>Host </a:t>
-            </a:r>
-            <a:r>
-              <a:rPr lang="en-US" dirty="0" err="1" smtClean="0">
-                <a:solidFill>
-                  <a:schemeClr val="accent6"/>
-                </a:solidFill>
-              </a:rPr>
-              <a:t>procted</a:t>
-            </a:r>
-            <a:r>
-              <a:rPr lang="en-US" dirty="0" smtClean="0">
-                <a:solidFill>
-                  <a:schemeClr val="accent6"/>
-                </a:solidFill>
-              </a:rPr>
-              <a:t> from guest.</a:t>
+              <a:t>Host protected from guest.</a:t>
             </a:r>
           </a:p>
           <a:p>
@@ -7455,7 +7427,7 @@
                   <a:srgbClr val="FF0000"/>
                 </a:solidFill>
               </a:rPr>
-              <a:t>No isolation from host.</a:t>
+              <a:t>No guest protected from host.</a:t>
             </a:r>
             <a:endParaRPr lang="en-US" dirty="0">
               <a:solidFill>
@@ -9105,12 +9077,8 @@
               <a:buChar char="•"/>
             </a:pPr>
             <a:r>
-              <a:rPr lang="en-US" dirty="0" err="1" smtClean="0"/>
-              <a:t>WebServer</a:t>
-            </a:r>
-            <a:r>
-              <a:rPr lang="en-US" dirty="0" smtClean="0"/>
-              <a:t>, 55% slowdown compared to native.</a:t>
+              <a:rPr lang="en-US" dirty="0" smtClean="0"/>
+              <a:t>Web server, 55% slowdown compared to native.</a:t>
             </a:r>
           </a:p>
           <a:p>
@@ -9721,7 +9689,7 @@
                                         <p:tgtEl>
                                           <p:spTgt spid="7">
                                             <p:txEl>
-                                              <p:pRg st="2" end="2"/>
+                                              <p:pRg st="0" end="0"/>
                                             </p:txEl>
                                           </p:spTgt>
                                         </p:tgtEl>
@@ -9770,7 +9738,7 @@
                                         <p:tgtEl>
                                           <p:spTgt spid="7">
                                             <p:txEl>
-                                              <p:pRg st="0" end="0"/>
+                                              <p:pRg st="2" end="2"/>
                                             </p:txEl>
                                           </p:spTgt>
                                         </p:tgtEl>
@@ -10896,25 +10864,20 @@
           <a:p>
             <a:pPr lvl="1"/>
             <a:r>
-              <a:rPr lang="en-US" dirty="0" smtClean="0"/>
-              <a:t>Consume less.</a:t>
+              <a:rPr lang="en-US" dirty="0"/>
+              <a:t>Make good use of resources: useful work vs. </a:t>
+            </a:r>
+            <a:r>
+              <a:rPr lang="en-US" dirty="0" smtClean="0"/>
+              <a:t>useless.</a:t>
             </a:r>
           </a:p>
           <a:p>
             <a:pPr lvl="1"/>
             <a:r>
               <a:rPr lang="en-US" dirty="0" smtClean="0"/>
-              <a:t>Make good use of </a:t>
-            </a:r>
-            <a:r>
-              <a:rPr lang="en-US" dirty="0" smtClean="0"/>
-              <a:t>resources: useful work vs</a:t>
-            </a:r>
-            <a:r>
-              <a:rPr lang="en-US" smtClean="0"/>
-              <a:t>. un-useful.</a:t>
-            </a:r>
-            <a:endParaRPr lang="en-US" dirty="0" smtClean="0"/>
+              <a:t>Consume less resources, e.g., memory.</a:t>
+            </a:r>
           </a:p>
           <a:p>
             <a:r>

--- a/CE_presentation.pptx
+++ b/CE_presentation.pptx
@@ -2647,7 +2647,17 @@
           <a:p>
             <a:r>
               <a:rPr lang="en-US" baseline="0" dirty="0" smtClean="0"/>
-              <a:t>That means that you want to limit the amount of resources your application consumes, and make the most out of what you pay for, which implies achieving good performance.</a:t>
+              <a:t>That means that you want to limit the amount of resources your application consumes, and make the most out of what you pay </a:t>
+            </a:r>
+            <a:r>
+              <a:rPr lang="en-US" baseline="0" dirty="0" smtClean="0"/>
+              <a:t>for.</a:t>
+            </a:r>
+          </a:p>
+          <a:p>
+            <a:r>
+              <a:rPr lang="en-US" baseline="0" dirty="0" smtClean="0"/>
+              <a:t>At the same, we do not want the system to impede the application’s performance.</a:t>
             </a:r>
           </a:p>
           <a:p>
@@ -2656,7 +2666,11 @@
           <a:p>
             <a:r>
               <a:rPr lang="en-US" baseline="0" dirty="0" smtClean="0"/>
-              <a:t>Second, tenants have to think about security when deploying their applications on cloud services.</a:t>
+              <a:t>Then, </a:t>
+            </a:r>
+            <a:r>
+              <a:rPr lang="en-US" baseline="0" dirty="0" smtClean="0"/>
+              <a:t>tenants have to think about security when deploying their applications on cloud services.</a:t>
             </a:r>
           </a:p>
           <a:p>
@@ -3614,7 +3628,7 @@
           <a:bodyPr/>
           <a:lstStyle/>
           <a:p>
-            <a:fld id="{6D25FDB8-4355-104E-B595-914379955D0E}" type="datetimeFigureOut">
+            <a:fld id="{48A51378-ED5F-A842-B4BD-350ED1610978}" type="datetime1">
               <a:rPr lang="en-US" smtClean="0"/>
               <a:t>6/26/17</a:t>
             </a:fld>
@@ -3784,7 +3798,7 @@
           <a:bodyPr/>
           <a:lstStyle/>
           <a:p>
-            <a:fld id="{6D25FDB8-4355-104E-B595-914379955D0E}" type="datetimeFigureOut">
+            <a:fld id="{B41C0A04-DC22-634D-9DEF-54D68390905F}" type="datetime1">
               <a:rPr lang="en-US" smtClean="0"/>
               <a:t>6/26/17</a:t>
             </a:fld>
@@ -3964,7 +3978,7 @@
           <a:bodyPr/>
           <a:lstStyle/>
           <a:p>
-            <a:fld id="{6D25FDB8-4355-104E-B595-914379955D0E}" type="datetimeFigureOut">
+            <a:fld id="{7648D593-2EC9-7D41-B496-CD7B0C85C2AE}" type="datetime1">
               <a:rPr lang="en-US" smtClean="0"/>
               <a:t>6/26/17</a:t>
             </a:fld>
@@ -4139,7 +4153,7 @@
           <a:bodyPr/>
           <a:lstStyle/>
           <a:p>
-            <a:fld id="{6D25FDB8-4355-104E-B595-914379955D0E}" type="datetimeFigureOut">
+            <a:fld id="{AE163ADF-232C-BB44-A2EB-133411987AE0}" type="datetime1">
               <a:rPr lang="en-US" smtClean="0"/>
               <a:t>6/26/17</a:t>
             </a:fld>
@@ -4385,7 +4399,7 @@
           <a:bodyPr/>
           <a:lstStyle/>
           <a:p>
-            <a:fld id="{6D25FDB8-4355-104E-B595-914379955D0E}" type="datetimeFigureOut">
+            <a:fld id="{3BE07E9F-6EFC-9440-86DD-CCBABFD40191}" type="datetime1">
               <a:rPr lang="en-US" smtClean="0"/>
               <a:t>6/26/17</a:t>
             </a:fld>
@@ -4617,7 +4631,7 @@
           <a:bodyPr/>
           <a:lstStyle/>
           <a:p>
-            <a:fld id="{6D25FDB8-4355-104E-B595-914379955D0E}" type="datetimeFigureOut">
+            <a:fld id="{F9E0C392-2489-FA4A-834E-F4D08B271C34}" type="datetime1">
               <a:rPr lang="en-US" smtClean="0"/>
               <a:t>6/26/17</a:t>
             </a:fld>
@@ -4984,7 +4998,7 @@
           <a:bodyPr/>
           <a:lstStyle/>
           <a:p>
-            <a:fld id="{6D25FDB8-4355-104E-B595-914379955D0E}" type="datetimeFigureOut">
+            <a:fld id="{651BABA5-6B3D-114B-9F25-FE43FF7EA4F3}" type="datetime1">
               <a:rPr lang="en-US" smtClean="0"/>
               <a:t>6/26/17</a:t>
             </a:fld>
@@ -5102,7 +5116,7 @@
           <a:bodyPr/>
           <a:lstStyle/>
           <a:p>
-            <a:fld id="{6D25FDB8-4355-104E-B595-914379955D0E}" type="datetimeFigureOut">
+            <a:fld id="{F9136DAE-CD4F-CA43-9C01-749967BEE775}" type="datetime1">
               <a:rPr lang="en-US" smtClean="0"/>
               <a:t>6/26/17</a:t>
             </a:fld>
@@ -5197,7 +5211,7 @@
           <a:bodyPr/>
           <a:lstStyle/>
           <a:p>
-            <a:fld id="{6D25FDB8-4355-104E-B595-914379955D0E}" type="datetimeFigureOut">
+            <a:fld id="{BF69CA45-122D-4C49-BE5C-F7E8ACEAAFC3}" type="datetime1">
               <a:rPr lang="en-US" smtClean="0"/>
               <a:t>6/26/17</a:t>
             </a:fld>
@@ -5474,7 +5488,7 @@
           <a:bodyPr/>
           <a:lstStyle/>
           <a:p>
-            <a:fld id="{6D25FDB8-4355-104E-B595-914379955D0E}" type="datetimeFigureOut">
+            <a:fld id="{72FDAF24-7A4F-A64E-9BEA-3E7C4FBAEA0E}" type="datetime1">
               <a:rPr lang="en-US" smtClean="0"/>
               <a:t>6/26/17</a:t>
             </a:fld>
@@ -5727,7 +5741,7 @@
           <a:bodyPr/>
           <a:lstStyle/>
           <a:p>
-            <a:fld id="{6D25FDB8-4355-104E-B595-914379955D0E}" type="datetimeFigureOut">
+            <a:fld id="{95A4C3AA-2AD2-F54D-AEFF-FC88D2CDCD54}" type="datetime1">
               <a:rPr lang="en-US" smtClean="0"/>
               <a:t>6/26/17</a:t>
             </a:fld>
@@ -5943,7 +5957,7 @@
             </a:lvl1pPr>
           </a:lstStyle>
           <a:p>
-            <a:fld id="{6D25FDB8-4355-104E-B595-914379955D0E}" type="datetimeFigureOut">
+            <a:fld id="{8F8B4402-578E-FF44-851F-343783F01DEA}" type="datetime1">
               <a:rPr lang="en-US" smtClean="0"/>
               <a:t>6/26/17</a:t>
             </a:fld>
@@ -6050,6 +6064,7 @@
     <p:sldLayoutId id="2147483658" r:id="rId10"/>
     <p:sldLayoutId id="2147483659" r:id="rId11"/>
   </p:sldLayoutIdLst>
+  <p:hf hdr="0" ftr="0" dt="0"/>
   <p:txStyles>
     <p:titleStyle>
       <a:lvl1pPr algn="l" defTabSz="914400" rtl="0" eaLnBrk="1" latinLnBrk="0" hangingPunct="1">
@@ -6443,6 +6458,37 @@
           </a:p>
         </p:txBody>
       </p:sp>
+      <p:sp>
+        <p:nvSpPr>
+          <p:cNvPr id="5" name="Slide Number Placeholder 4"/>
+          <p:cNvSpPr>
+            <a:spLocks noGrp="1"/>
+          </p:cNvSpPr>
+          <p:nvPr>
+            <p:ph type="sldNum" sz="quarter" idx="12"/>
+          </p:nvPr>
+        </p:nvSpPr>
+        <p:spPr/>
+        <p:txBody>
+          <a:bodyPr/>
+          <a:lstStyle/>
+          <a:p>
+            <a:fld id="{B46BA956-F633-F04E-BD9F-377F5F31FAB2}" type="slidenum">
+              <a:rPr lang="en-US" smtClean="0">
+                <a:solidFill>
+                  <a:schemeClr val="tx1"/>
+                </a:solidFill>
+              </a:rPr>
+              <a:t>1</a:t>
+            </a:fld>
+            <a:endParaRPr lang="en-US" dirty="0">
+              <a:solidFill>
+                <a:schemeClr val="tx1"/>
+              </a:solidFill>
+            </a:endParaRPr>
+          </a:p>
+        </p:txBody>
+      </p:sp>
       <p:pic>
         <p:nvPicPr>
           <p:cNvPr id="4" name="Picture 3"/>
@@ -6560,11 +6606,19 @@
               <a:buNone/>
             </a:pPr>
             <a:r>
-              <a:rPr lang="en-US" u="sng" dirty="0" smtClean="0"/>
+              <a:rPr lang="en-US" u="sng" dirty="0" smtClean="0">
+                <a:solidFill>
+                  <a:schemeClr val="tx1"/>
+                </a:solidFill>
+              </a:rPr>
               <a:t>Problem:</a:t>
             </a:r>
             <a:r>
-              <a:rPr lang="en-US" dirty="0" smtClean="0"/>
+              <a:rPr lang="en-US" dirty="0" smtClean="0">
+                <a:solidFill>
+                  <a:schemeClr val="tx1"/>
+                </a:solidFill>
+              </a:rPr>
               <a:t> </a:t>
             </a:r>
           </a:p>
@@ -6573,7 +6627,11 @@
               <a:buNone/>
             </a:pPr>
             <a:r>
-              <a:rPr lang="en-US" dirty="0" smtClean="0"/>
+              <a:rPr lang="en-US" dirty="0" smtClean="0">
+                <a:solidFill>
+                  <a:schemeClr val="tx1"/>
+                </a:solidFill>
+              </a:rPr>
               <a:t>Single-purpose VMs deployed in the cloud are not specialized enough!</a:t>
             </a:r>
           </a:p>
@@ -6582,7 +6640,11 @@
               <a:buNone/>
             </a:pPr>
             <a:r>
-              <a:rPr lang="en-US" dirty="0" smtClean="0"/>
+              <a:rPr lang="en-US" dirty="0" smtClean="0">
+                <a:solidFill>
+                  <a:schemeClr val="tx1"/>
+                </a:solidFill>
+              </a:rPr>
               <a:t>It </a:t>
             </a:r>
             <a:r>
@@ -6591,10 +6653,22 @@
                   <a:schemeClr val="accent2"/>
                 </a:solidFill>
               </a:rPr>
-              <a:t>impacts </a:t>
-            </a:r>
-            <a:r>
-              <a:rPr lang="en-US" dirty="0" smtClean="0"/>
+              <a:t>impacts</a:t>
+            </a:r>
+            <a:r>
+              <a:rPr lang="en-US" b="1" dirty="0" smtClean="0">
+                <a:solidFill>
+                  <a:schemeClr val="tx1"/>
+                </a:solidFill>
+              </a:rPr>
+              <a:t> </a:t>
+            </a:r>
+            <a:r>
+              <a:rPr lang="en-US" dirty="0" smtClean="0">
+                <a:solidFill>
+                  <a:schemeClr val="tx1"/>
+                </a:solidFill>
+              </a:rPr>
               <a:t>efficiency &amp; security.</a:t>
             </a:r>
           </a:p>
@@ -6609,7 +6683,11 @@
               <a:buNone/>
             </a:pPr>
             <a:r>
-              <a:rPr lang="en-US" u="sng" dirty="0" smtClean="0"/>
+              <a:rPr lang="en-US" u="sng" dirty="0" smtClean="0">
+                <a:solidFill>
+                  <a:schemeClr val="tx1"/>
+                </a:solidFill>
+              </a:rPr>
               <a:t>Solution:</a:t>
             </a:r>
           </a:p>
@@ -6618,39 +6696,98 @@
               <a:buNone/>
             </a:pPr>
             <a:r>
-              <a:rPr lang="en-US" dirty="0" smtClean="0"/>
+              <a:rPr lang="en-US" dirty="0" smtClean="0">
+                <a:solidFill>
+                  <a:schemeClr val="tx1"/>
+                </a:solidFill>
+              </a:rPr>
               <a:t>Eschew backward compatibility!</a:t>
             </a:r>
           </a:p>
           <a:p>
             <a:pPr lvl="1"/>
             <a:r>
-              <a:rPr lang="en-US" dirty="0" smtClean="0"/>
+              <a:rPr lang="en-US" dirty="0" smtClean="0">
+                <a:solidFill>
+                  <a:schemeClr val="tx1"/>
+                </a:solidFill>
+              </a:rPr>
               <a:t>Application &amp; </a:t>
             </a:r>
             <a:r>
-              <a:rPr lang="en-US" dirty="0" err="1" smtClean="0"/>
+              <a:rPr lang="en-US" dirty="0" err="1" smtClean="0">
+                <a:solidFill>
+                  <a:schemeClr val="tx1"/>
+                </a:solidFill>
+              </a:rPr>
               <a:t>LibOS</a:t>
             </a:r>
             <a:r>
-              <a:rPr lang="en-US" dirty="0" smtClean="0"/>
+              <a:rPr lang="en-US" dirty="0" smtClean="0">
+                <a:solidFill>
+                  <a:schemeClr val="tx1"/>
+                </a:solidFill>
+              </a:rPr>
               <a:t> implemented in one high-level language.</a:t>
             </a:r>
           </a:p>
           <a:p>
             <a:pPr lvl="1"/>
             <a:r>
-              <a:rPr lang="en-US" dirty="0" smtClean="0"/>
+              <a:rPr lang="en-US" dirty="0" smtClean="0">
+                <a:solidFill>
+                  <a:schemeClr val="tx1"/>
+                </a:solidFill>
+              </a:rPr>
               <a:t>Leverage static analysis &amp; verification tools. </a:t>
             </a:r>
           </a:p>
           <a:p>
             <a:pPr lvl="1"/>
             <a:r>
-              <a:rPr lang="en-US" dirty="0" smtClean="0"/>
+              <a:rPr lang="en-US" dirty="0" smtClean="0">
+                <a:solidFill>
+                  <a:schemeClr val="tx1"/>
+                </a:solidFill>
+              </a:rPr>
               <a:t>Runs on top of a hypervisor.</a:t>
             </a:r>
-            <a:endParaRPr lang="en-US" dirty="0"/>
+            <a:endParaRPr lang="en-US" dirty="0">
+              <a:solidFill>
+                <a:schemeClr val="tx1"/>
+              </a:solidFill>
+            </a:endParaRPr>
+          </a:p>
+        </p:txBody>
+      </p:sp>
+      <p:sp>
+        <p:nvSpPr>
+          <p:cNvPr id="4" name="Slide Number Placeholder 3"/>
+          <p:cNvSpPr>
+            <a:spLocks noGrp="1"/>
+          </p:cNvSpPr>
+          <p:nvPr>
+            <p:ph type="sldNum" sz="quarter" idx="12"/>
+          </p:nvPr>
+        </p:nvSpPr>
+        <p:spPr/>
+        <p:txBody>
+          <a:bodyPr/>
+          <a:lstStyle/>
+          <a:p>
+            <a:fld id="{B46BA956-F633-F04E-BD9F-377F5F31FAB2}" type="slidenum">
+              <a:rPr lang="en-US" smtClean="0">
+                <a:solidFill>
+                  <a:schemeClr val="tx1"/>
+                </a:solidFill>
+              </a:rPr>
+              <a:t>10</a:t>
+            </a:fld>
+            <a:endParaRPr lang="en-US" dirty="0">
+              <a:solidFill>
+                <a:schemeClr val="tx1"/>
+              </a:solidFill>
+            </a:endParaRPr>
           </a:p>
         </p:txBody>
       </p:sp>
@@ -6918,9 +7055,40 @@
           </a:p>
         </p:txBody>
       </p:sp>
+      <p:sp>
+        <p:nvSpPr>
+          <p:cNvPr id="3" name="Slide Number Placeholder 2"/>
+          <p:cNvSpPr>
+            <a:spLocks noGrp="1"/>
+          </p:cNvSpPr>
+          <p:nvPr>
+            <p:ph type="sldNum" sz="quarter" idx="12"/>
+          </p:nvPr>
+        </p:nvSpPr>
+        <p:spPr/>
+        <p:txBody>
+          <a:bodyPr/>
+          <a:lstStyle/>
+          <a:p>
+            <a:fld id="{B46BA956-F633-F04E-BD9F-377F5F31FAB2}" type="slidenum">
+              <a:rPr lang="en-US" smtClean="0">
+                <a:solidFill>
+                  <a:schemeClr val="tx1"/>
+                </a:solidFill>
+              </a:rPr>
+              <a:t>11</a:t>
+            </a:fld>
+            <a:endParaRPr lang="en-US" dirty="0">
+              <a:solidFill>
+                <a:schemeClr val="tx1"/>
+              </a:solidFill>
+            </a:endParaRPr>
+          </a:p>
+        </p:txBody>
+      </p:sp>
       <p:pic>
         <p:nvPicPr>
-          <p:cNvPr id="6" name="Picture 5"/>
+          <p:cNvPr id="4" name="Picture 3"/>
           <p:cNvPicPr>
             <a:picLocks noChangeAspect="1"/>
           </p:cNvPicPr>
@@ -6939,18 +7107,48 @@
           </a:stretch>
         </p:blipFill>
         <p:spPr>
-          <a:xfrm>
-            <a:off x="1672329" y="1208835"/>
-            <a:ext cx="3217499" cy="5572047"/>
+          <a:xfrm rot="10800000" flipH="1" flipV="1">
+            <a:off x="1392643" y="1111146"/>
+            <a:ext cx="3180879" cy="5011438"/>
           </a:xfrm>
           <a:prstGeom prst="rect">
             <a:avLst/>
           </a:prstGeom>
         </p:spPr>
       </p:pic>
+      <p:sp>
+        <p:nvSpPr>
+          <p:cNvPr id="8" name="TextBox 7"/>
+          <p:cNvSpPr txBox="1"/>
+          <p:nvPr/>
+        </p:nvSpPr>
+        <p:spPr>
+          <a:xfrm>
+            <a:off x="1392643" y="6122583"/>
+            <a:ext cx="3336619" cy="523220"/>
+          </a:xfrm>
+          <a:prstGeom prst="rect">
+            <a:avLst/>
+          </a:prstGeom>
+          <a:noFill/>
+        </p:spPr>
+        <p:txBody>
+          <a:bodyPr wrap="none" rtlCol="0">
+            <a:spAutoFit/>
+          </a:bodyPr>
+          <a:lstStyle/>
+          <a:p>
+            <a:r>
+              <a:rPr lang="en-US" sz="2800" smtClean="0"/>
+              <a:t>Standard deployment</a:t>
+            </a:r>
+            <a:endParaRPr lang="en-US" sz="2800" dirty="0"/>
+          </a:p>
+        </p:txBody>
+      </p:sp>
       <p:pic>
         <p:nvPicPr>
-          <p:cNvPr id="7" name="Picture 6"/>
+          <p:cNvPr id="5" name="Picture 4"/>
           <p:cNvPicPr>
             <a:picLocks noChangeAspect="1"/>
           </p:cNvPicPr>
@@ -6970,14 +7168,44 @@
         </p:blipFill>
         <p:spPr>
           <a:xfrm>
-            <a:off x="6572173" y="3397602"/>
-            <a:ext cx="3432048" cy="3383280"/>
+            <a:off x="6261686" y="3401568"/>
+            <a:ext cx="3280367" cy="2721015"/>
           </a:xfrm>
           <a:prstGeom prst="rect">
             <a:avLst/>
           </a:prstGeom>
         </p:spPr>
       </p:pic>
+      <p:sp>
+        <p:nvSpPr>
+          <p:cNvPr id="9" name="TextBox 8"/>
+          <p:cNvSpPr txBox="1"/>
+          <p:nvPr/>
+        </p:nvSpPr>
+        <p:spPr>
+          <a:xfrm>
+            <a:off x="7106747" y="6124782"/>
+            <a:ext cx="1590244" cy="523220"/>
+          </a:xfrm>
+          <a:prstGeom prst="rect">
+            <a:avLst/>
+          </a:prstGeom>
+          <a:noFill/>
+        </p:spPr>
+        <p:txBody>
+          <a:bodyPr wrap="none" rtlCol="0">
+            <a:spAutoFit/>
+          </a:bodyPr>
+          <a:lstStyle/>
+          <a:p>
+            <a:r>
+              <a:rPr lang="en-US" sz="2800" smtClean="0"/>
+              <a:t>Unikernel</a:t>
+            </a:r>
+            <a:endParaRPr lang="en-US" sz="2800" dirty="0"/>
+          </a:p>
+        </p:txBody>
+      </p:sp>
     </p:spTree>
     <p:extLst>
       <p:ext uri="{BB962C8B-B14F-4D97-AF65-F5344CB8AC3E}">
@@ -6991,75 +7219,7 @@
   <p:timing>
     <p:tnLst>
       <p:par>
-        <p:cTn id="1" dur="indefinite" restart="never" nodeType="tmRoot">
-          <p:childTnLst>
-            <p:seq concurrent="1" nextAc="seek">
-              <p:cTn id="2" dur="indefinite" nodeType="mainSeq">
-                <p:childTnLst>
-                  <p:par>
-                    <p:cTn id="3" fill="hold">
-                      <p:stCondLst>
-                        <p:cond delay="indefinite"/>
-                      </p:stCondLst>
-                      <p:childTnLst>
-                        <p:par>
-                          <p:cTn id="4" fill="hold">
-                            <p:stCondLst>
-                              <p:cond delay="0"/>
-                            </p:stCondLst>
-                            <p:childTnLst>
-                              <p:par>
-                                <p:cTn id="5" presetID="1" presetClass="entr" presetSubtype="0" fill="hold" nodeType="clickEffect">
-                                  <p:stCondLst>
-                                    <p:cond delay="0"/>
-                                  </p:stCondLst>
-                                  <p:childTnLst>
-                                    <p:set>
-                                      <p:cBhvr>
-                                        <p:cTn id="6" dur="1" fill="hold">
-                                          <p:stCondLst>
-                                            <p:cond delay="0"/>
-                                          </p:stCondLst>
-                                        </p:cTn>
-                                        <p:tgtEl>
-                                          <p:spTgt spid="7"/>
-                                        </p:tgtEl>
-                                        <p:attrNameLst>
-                                          <p:attrName>style.visibility</p:attrName>
-                                        </p:attrNameLst>
-                                      </p:cBhvr>
-                                      <p:to>
-                                        <p:strVal val="visible"/>
-                                      </p:to>
-                                    </p:set>
-                                  </p:childTnLst>
-                                </p:cTn>
-                              </p:par>
-                            </p:childTnLst>
-                          </p:cTn>
-                        </p:par>
-                      </p:childTnLst>
-                    </p:cTn>
-                  </p:par>
-                </p:childTnLst>
-              </p:cTn>
-              <p:prevCondLst>
-                <p:cond evt="onPrev" delay="0">
-                  <p:tgtEl>
-                    <p:sldTgt/>
-                  </p:tgtEl>
-                </p:cond>
-              </p:prevCondLst>
-              <p:nextCondLst>
-                <p:cond evt="onNext" delay="0">
-                  <p:tgtEl>
-                    <p:sldTgt/>
-                  </p:tgtEl>
-                </p:cond>
-              </p:nextCondLst>
-            </p:seq>
-          </p:childTnLst>
-        </p:cTn>
+        <p:cTn id="1" dur="indefinite" restart="never" nodeType="tmRoot"/>
       </p:par>
     </p:tnLst>
   </p:timing>
@@ -7135,10 +7295,18 @@
           <a:lstStyle/>
           <a:p>
             <a:r>
-              <a:rPr lang="en-US" dirty="0" smtClean="0"/>
+              <a:rPr lang="en-US" dirty="0" smtClean="0">
+                <a:solidFill>
+                  <a:schemeClr val="tx1"/>
+                </a:solidFill>
+              </a:rPr>
               <a:t>Performance/Efficiency</a:t>
             </a:r>
-            <a:endParaRPr lang="en-US" dirty="0"/>
+            <a:endParaRPr lang="en-US" dirty="0">
+              <a:solidFill>
+                <a:schemeClr val="tx1"/>
+              </a:solidFill>
+            </a:endParaRPr>
           </a:p>
         </p:txBody>
       </p:sp>
@@ -7172,17 +7340,7 @@
                   <a:schemeClr val="accent6"/>
                 </a:solidFill>
               </a:rPr>
-              <a:t>Boot time.</a:t>
-            </a:r>
-          </a:p>
-          <a:p>
-            <a:pPr lvl="1">
-              <a:buFont typeface="Arial" charset="0"/>
-              <a:buChar char="•"/>
-            </a:pPr>
-            <a:r>
-              <a:rPr lang="en-US" dirty="0" smtClean="0"/>
-              <a:t>50ms</a:t>
+              <a:t>Boot </a:t>
             </a:r>
             <a:r>
               <a:rPr lang="en-US" dirty="0" smtClean="0">
@@ -7190,47 +7348,7 @@
                   <a:schemeClr val="accent6"/>
                 </a:solidFill>
               </a:rPr>
-              <a:t> </a:t>
-            </a:r>
-            <a:r>
-              <a:rPr lang="en-US" dirty="0" smtClean="0">
-                <a:solidFill>
-                  <a:schemeClr val="bg2">
-                    <a:lumMod val="50000"/>
-                  </a:schemeClr>
-                </a:solidFill>
-              </a:rPr>
-              <a:t>vs. 400ms for mini-Linux.</a:t>
-            </a:r>
-          </a:p>
-          <a:p>
-            <a:pPr>
-              <a:buFont typeface="Wingdings" charset="2"/>
-              <a:buChar char="ü"/>
-            </a:pPr>
-            <a:r>
-              <a:rPr lang="en-US" dirty="0" smtClean="0">
-                <a:solidFill>
-                  <a:schemeClr val="accent6"/>
-                </a:solidFill>
-              </a:rPr>
-              <a:t>Small size.</a:t>
-            </a:r>
-          </a:p>
-          <a:p>
-            <a:pPr lvl="1">
-              <a:buFont typeface="Arial" charset="0"/>
-              <a:buChar char="•"/>
-            </a:pPr>
-            <a:r>
-              <a:rPr lang="en-US" dirty="0" smtClean="0">
-                <a:solidFill>
-                  <a:schemeClr val="bg2">
-                    <a:lumMod val="50000"/>
-                  </a:schemeClr>
-                </a:solidFill>
-              </a:rPr>
-              <a:t>Hundreds of kB.</a:t>
+              <a:t>time</a:t>
             </a:r>
             <a:endParaRPr lang="en-US" dirty="0" smtClean="0">
               <a:solidFill>
@@ -7239,6 +7357,33 @@
             </a:endParaRPr>
           </a:p>
           <a:p>
+            <a:pPr lvl="1">
+              <a:buFont typeface="Arial" charset="0"/>
+              <a:buChar char="•"/>
+            </a:pPr>
+            <a:r>
+              <a:rPr lang="en-US" dirty="0" smtClean="0">
+                <a:solidFill>
+                  <a:schemeClr val="tx1"/>
+                </a:solidFill>
+              </a:rPr>
+              <a:t>50ms vs. </a:t>
+            </a:r>
+            <a:r>
+              <a:rPr lang="en-US" dirty="0" smtClean="0">
+                <a:solidFill>
+                  <a:schemeClr val="tx1"/>
+                </a:solidFill>
+              </a:rPr>
+              <a:t>2.2s for Linux</a:t>
+            </a:r>
+            <a:endParaRPr lang="en-US" dirty="0" smtClean="0">
+              <a:solidFill>
+                <a:schemeClr val="tx1"/>
+              </a:solidFill>
+            </a:endParaRPr>
+          </a:p>
+          <a:p>
             <a:pPr>
               <a:buFont typeface="Wingdings" charset="2"/>
               <a:buChar char="ü"/>
@@ -7249,8 +7394,21 @@
                   <a:schemeClr val="accent6"/>
                 </a:solidFill>
               </a:rPr>
-              <a:t>General performance.</a:t>
-            </a:r>
+              <a:t>Small </a:t>
+            </a:r>
+            <a:r>
+              <a:rPr lang="en-US" dirty="0" smtClean="0">
+                <a:solidFill>
+                  <a:schemeClr val="accent6"/>
+                </a:solidFill>
+              </a:rPr>
+              <a:t>size</a:t>
+            </a:r>
+            <a:endParaRPr lang="en-US" dirty="0" smtClean="0">
+              <a:solidFill>
+                <a:schemeClr val="accent6"/>
+              </a:solidFill>
+            </a:endParaRPr>
           </a:p>
           <a:p>
             <a:pPr lvl="1">
@@ -7258,9 +7416,53 @@
               <a:buChar char="•"/>
             </a:pPr>
             <a:r>
-              <a:rPr lang="en-US" dirty="0" smtClean="0"/>
-              <a:t>Comparable to state-of-the-art.</a:t>
-            </a:r>
+              <a:rPr lang="en-US" dirty="0" smtClean="0">
+                <a:solidFill>
+                  <a:schemeClr val="tx1"/>
+                </a:solidFill>
+              </a:rPr>
+              <a:t>Hundreds of </a:t>
+            </a:r>
+            <a:r>
+              <a:rPr lang="en-US" dirty="0" smtClean="0">
+                <a:solidFill>
+                  <a:schemeClr val="tx1"/>
+                </a:solidFill>
+              </a:rPr>
+              <a:t>kB</a:t>
+            </a:r>
+            <a:endParaRPr lang="en-US" dirty="0" smtClean="0">
+              <a:solidFill>
+                <a:schemeClr val="tx1"/>
+              </a:solidFill>
+            </a:endParaRPr>
+          </a:p>
+          <a:p>
+            <a:pPr>
+              <a:buFont typeface="Wingdings" charset="2"/>
+              <a:buChar char="ü"/>
+            </a:pPr>
+            <a:r>
+              <a:rPr lang="en-US" dirty="0" smtClean="0">
+                <a:solidFill>
+                  <a:schemeClr val="accent6"/>
+                </a:solidFill>
+              </a:rPr>
+              <a:t>General </a:t>
+            </a:r>
+            <a:r>
+              <a:rPr lang="en-US" dirty="0" smtClean="0">
+                <a:solidFill>
+                  <a:schemeClr val="accent6"/>
+                </a:solidFill>
+              </a:rPr>
+              <a:t>performance</a:t>
+            </a:r>
+            <a:endParaRPr lang="en-US" dirty="0" smtClean="0">
+              <a:solidFill>
+                <a:schemeClr val="accent6"/>
+              </a:solidFill>
+            </a:endParaRPr>
           </a:p>
           <a:p>
             <a:pPr lvl="1">
@@ -7268,17 +7470,53 @@
               <a:buChar char="•"/>
             </a:pPr>
             <a:r>
-              <a:rPr lang="en-US" dirty="0" smtClean="0"/>
-              <a:t>DNS, Web Server.</a:t>
-            </a:r>
-            <a:r>
               <a:rPr lang="en-US" dirty="0" smtClean="0">
                 <a:solidFill>
-                  <a:schemeClr val="accent6"/>
-                </a:solidFill>
-              </a:rPr>
-              <a:t> </a:t>
-            </a:r>
+                  <a:schemeClr val="tx1"/>
+                </a:solidFill>
+              </a:rPr>
+              <a:t>Comparable to </a:t>
+            </a:r>
+            <a:r>
+              <a:rPr lang="en-US" dirty="0" smtClean="0">
+                <a:solidFill>
+                  <a:schemeClr val="tx1"/>
+                </a:solidFill>
+              </a:rPr>
+              <a:t>state-of-the-art</a:t>
+            </a:r>
+            <a:endParaRPr lang="en-US" dirty="0" smtClean="0">
+              <a:solidFill>
+                <a:schemeClr val="tx1"/>
+              </a:solidFill>
+            </a:endParaRPr>
+          </a:p>
+          <a:p>
+            <a:pPr lvl="1">
+              <a:buFont typeface="Arial" charset="0"/>
+              <a:buChar char="•"/>
+            </a:pPr>
+            <a:r>
+              <a:rPr lang="en-US" dirty="0" smtClean="0">
+                <a:solidFill>
+                  <a:schemeClr val="tx1"/>
+                </a:solidFill>
+              </a:rPr>
+              <a:t>DNS, Web </a:t>
+            </a:r>
+            <a:r>
+              <a:rPr lang="en-US" dirty="0" smtClean="0">
+                <a:solidFill>
+                  <a:schemeClr val="tx1"/>
+                </a:solidFill>
+              </a:rPr>
+              <a:t>Server</a:t>
+            </a:r>
+            <a:endParaRPr lang="en-US" dirty="0" smtClean="0">
+              <a:solidFill>
+                <a:schemeClr val="tx1"/>
+              </a:solidFill>
+            </a:endParaRPr>
           </a:p>
           <a:p>
             <a:pPr>
@@ -7322,10 +7560,18 @@
           <a:lstStyle/>
           <a:p>
             <a:r>
-              <a:rPr lang="en-US" dirty="0" smtClean="0"/>
+              <a:rPr lang="en-US" dirty="0" smtClean="0">
+                <a:solidFill>
+                  <a:schemeClr val="tx1"/>
+                </a:solidFill>
+              </a:rPr>
               <a:t>Security</a:t>
             </a:r>
-            <a:endParaRPr lang="en-US" dirty="0"/>
+            <a:endParaRPr lang="en-US" dirty="0">
+              <a:solidFill>
+                <a:schemeClr val="tx1"/>
+              </a:solidFill>
+            </a:endParaRPr>
           </a:p>
         </p:txBody>
       </p:sp>
@@ -7359,8 +7605,21 @@
                   <a:schemeClr val="accent6"/>
                 </a:solidFill>
               </a:rPr>
-              <a:t>Reduce attack surface.</a:t>
-            </a:r>
+              <a:t>Reduce attack </a:t>
+            </a:r>
+            <a:r>
+              <a:rPr lang="en-US" dirty="0" smtClean="0">
+                <a:solidFill>
+                  <a:schemeClr val="accent6"/>
+                </a:solidFill>
+              </a:rPr>
+              <a:t>surface</a:t>
+            </a:r>
+            <a:endParaRPr lang="en-US" dirty="0" smtClean="0">
+              <a:solidFill>
+                <a:schemeClr val="accent6"/>
+              </a:solidFill>
+            </a:endParaRPr>
           </a:p>
           <a:p>
             <a:pPr lvl="1">
@@ -7368,7 +7627,11 @@
               <a:buChar char="•"/>
             </a:pPr>
             <a:r>
-              <a:rPr lang="en-US" dirty="0" smtClean="0"/>
+              <a:rPr lang="en-US" dirty="0" smtClean="0">
+                <a:solidFill>
+                  <a:schemeClr val="tx1"/>
+                </a:solidFill>
+              </a:rPr>
               <a:t>Remove dead code.</a:t>
             </a:r>
           </a:p>
@@ -7383,8 +7646,21 @@
                   <a:schemeClr val="accent6"/>
                 </a:solidFill>
               </a:rPr>
-              <a:t>Extra protections.</a:t>
-            </a:r>
+              <a:t>Extra </a:t>
+            </a:r>
+            <a:r>
+              <a:rPr lang="en-US" dirty="0" smtClean="0">
+                <a:solidFill>
+                  <a:schemeClr val="accent6"/>
+                </a:solidFill>
+              </a:rPr>
+              <a:t>protections</a:t>
+            </a:r>
+            <a:endParaRPr lang="en-US" dirty="0" smtClean="0">
+              <a:solidFill>
+                <a:schemeClr val="accent6"/>
+              </a:solidFill>
+            </a:endParaRPr>
           </a:p>
           <a:p>
             <a:pPr lvl="1">
@@ -7392,9 +7668,26 @@
               <a:buChar char="•"/>
             </a:pPr>
             <a:r>
-              <a:rPr lang="en-US" dirty="0" smtClean="0"/>
-              <a:t>Type safety.</a:t>
-            </a:r>
+              <a:rPr lang="en-US" dirty="0" smtClean="0">
+                <a:solidFill>
+                  <a:schemeClr val="tx1"/>
+                </a:solidFill>
+              </a:rPr>
+              <a:t>Type </a:t>
+            </a:r>
+            <a:r>
+              <a:rPr lang="en-US" dirty="0" smtClean="0">
+                <a:solidFill>
+                  <a:schemeClr val="tx1"/>
+                </a:solidFill>
+              </a:rPr>
+              <a:t>safety</a:t>
+            </a:r>
+            <a:endParaRPr lang="en-US" dirty="0" smtClean="0">
+              <a:solidFill>
+                <a:schemeClr val="tx1"/>
+              </a:solidFill>
+            </a:endParaRPr>
           </a:p>
           <a:p>
             <a:pPr lvl="1">
@@ -7402,9 +7695,26 @@
               <a:buChar char="•"/>
             </a:pPr>
             <a:r>
-              <a:rPr lang="en-US" dirty="0" smtClean="0"/>
-              <a:t>Memory safety.</a:t>
-            </a:r>
+              <a:rPr lang="en-US" dirty="0" smtClean="0">
+                <a:solidFill>
+                  <a:schemeClr val="tx1"/>
+                </a:solidFill>
+              </a:rPr>
+              <a:t>Memory </a:t>
+            </a:r>
+            <a:r>
+              <a:rPr lang="en-US" dirty="0" smtClean="0">
+                <a:solidFill>
+                  <a:schemeClr val="tx1"/>
+                </a:solidFill>
+              </a:rPr>
+              <a:t>safety</a:t>
+            </a:r>
+            <a:endParaRPr lang="en-US" dirty="0" smtClean="0">
+              <a:solidFill>
+                <a:schemeClr val="tx1"/>
+              </a:solidFill>
+            </a:endParaRPr>
           </a:p>
           <a:p>
             <a:pPr>
@@ -7417,8 +7727,21 @@
                   <a:schemeClr val="accent6"/>
                 </a:solidFill>
               </a:rPr>
-              <a:t>Host protected from guest.</a:t>
-            </a:r>
+              <a:t>Host protected from </a:t>
+            </a:r>
+            <a:r>
+              <a:rPr lang="en-US" dirty="0" smtClean="0">
+                <a:solidFill>
+                  <a:schemeClr val="accent6"/>
+                </a:solidFill>
+              </a:rPr>
+              <a:t>guest</a:t>
+            </a:r>
+            <a:endParaRPr lang="en-US" dirty="0" smtClean="0">
+              <a:solidFill>
+                <a:schemeClr val="accent6"/>
+              </a:solidFill>
+            </a:endParaRPr>
           </a:p>
           <a:p>
             <a:pPr>
@@ -7443,11 +7766,50 @@
                   <a:srgbClr val="FF0000"/>
                 </a:solidFill>
               </a:rPr>
-              <a:t>No guest protected from host.</a:t>
+              <a:t>No guest protected from </a:t>
+            </a:r>
+            <a:r>
+              <a:rPr lang="en-US" dirty="0" smtClean="0">
+                <a:solidFill>
+                  <a:srgbClr val="FF0000"/>
+                </a:solidFill>
+              </a:rPr>
+              <a:t>host</a:t>
             </a:r>
             <a:endParaRPr lang="en-US" dirty="0">
               <a:solidFill>
                 <a:srgbClr val="FF0000"/>
+              </a:solidFill>
+            </a:endParaRPr>
+          </a:p>
+        </p:txBody>
+      </p:sp>
+      <p:sp>
+        <p:nvSpPr>
+          <p:cNvPr id="3" name="Slide Number Placeholder 2"/>
+          <p:cNvSpPr>
+            <a:spLocks noGrp="1"/>
+          </p:cNvSpPr>
+          <p:nvPr>
+            <p:ph type="sldNum" sz="quarter" idx="12"/>
+          </p:nvPr>
+        </p:nvSpPr>
+        <p:spPr/>
+        <p:txBody>
+          <a:bodyPr/>
+          <a:lstStyle/>
+          <a:p>
+            <a:fld id="{B46BA956-F633-F04E-BD9F-377F5F31FAB2}" type="slidenum">
+              <a:rPr lang="en-US" smtClean="0">
+                <a:solidFill>
+                  <a:schemeClr val="tx1"/>
+                </a:solidFill>
+              </a:rPr>
+              <a:t>12</a:t>
+            </a:fld>
+            <a:endParaRPr lang="en-US" dirty="0">
+              <a:solidFill>
+                <a:schemeClr val="tx1"/>
               </a:solidFill>
             </a:endParaRPr>
           </a:p>
@@ -8124,30 +8486,38 @@
       </p:grpSpPr>
       <p:sp>
         <p:nvSpPr>
-          <p:cNvPr id="2" name="Title 1"/>
-          <p:cNvSpPr>
-            <a:spLocks noGrp="1"/>
-          </p:cNvSpPr>
-          <p:nvPr>
-            <p:ph type="title"/>
-          </p:nvPr>
-        </p:nvSpPr>
-        <p:spPr/>
-        <p:txBody>
-          <a:bodyPr/>
-          <a:lstStyle/>
-          <a:p>
-            <a:r>
-              <a:rPr lang="en-US" dirty="0" smtClean="0"/>
-              <a:t>	Transition</a:t>
-            </a:r>
-            <a:endParaRPr lang="en-US" dirty="0"/>
+          <p:cNvPr id="3" name="Slide Number Placeholder 2"/>
+          <p:cNvSpPr>
+            <a:spLocks noGrp="1"/>
+          </p:cNvSpPr>
+          <p:nvPr>
+            <p:ph type="sldNum" sz="quarter" idx="12"/>
+          </p:nvPr>
+        </p:nvSpPr>
+        <p:spPr/>
+        <p:txBody>
+          <a:bodyPr/>
+          <a:lstStyle/>
+          <a:p>
+            <a:fld id="{B46BA956-F633-F04E-BD9F-377F5F31FAB2}" type="slidenum">
+              <a:rPr lang="en-US" smtClean="0">
+                <a:solidFill>
+                  <a:schemeClr val="tx1"/>
+                </a:solidFill>
+              </a:rPr>
+              <a:t>13</a:t>
+            </a:fld>
+            <a:endParaRPr lang="en-US" dirty="0">
+              <a:solidFill>
+                <a:schemeClr val="tx1"/>
+              </a:solidFill>
+            </a:endParaRPr>
           </a:p>
         </p:txBody>
       </p:sp>
       <p:pic>
         <p:nvPicPr>
-          <p:cNvPr id="4" name="Picture 3"/>
+          <p:cNvPr id="6" name="Picture 5"/>
           <p:cNvPicPr>
             <a:picLocks noChangeAspect="1"/>
           </p:cNvPicPr>
@@ -8167,8 +8537,8 @@
         </p:blipFill>
         <p:spPr>
           <a:xfrm>
-            <a:off x="2641600" y="1511300"/>
-            <a:ext cx="6906768" cy="3822192"/>
+            <a:off x="2037196" y="804672"/>
+            <a:ext cx="8315844" cy="4601972"/>
           </a:xfrm>
           <a:prstGeom prst="rect">
             <a:avLst/>
@@ -8253,33 +8623,92 @@
           <a:p>
             <a:pPr algn="ctr"/>
             <a:r>
-              <a:rPr lang="en-US" sz="1600" dirty="0" smtClean="0"/>
+              <a:rPr lang="en-US" sz="1600" dirty="0" smtClean="0">
+                <a:solidFill>
+                  <a:schemeClr val="tx1"/>
+                </a:solidFill>
+              </a:rPr>
               <a:t>Andrew Baumann, Marcus </a:t>
             </a:r>
             <a:r>
-              <a:rPr lang="en-US" sz="1600" dirty="0" err="1" smtClean="0"/>
+              <a:rPr lang="en-US" sz="1600" dirty="0" err="1" smtClean="0">
+                <a:solidFill>
+                  <a:schemeClr val="tx1"/>
+                </a:solidFill>
+              </a:rPr>
               <a:t>Peinado</a:t>
             </a:r>
             <a:r>
-              <a:rPr lang="en-US" sz="1600" dirty="0" smtClean="0"/>
+              <a:rPr lang="en-US" sz="1600" dirty="0" smtClean="0">
+                <a:solidFill>
+                  <a:schemeClr val="tx1"/>
+                </a:solidFill>
+              </a:rPr>
               <a:t>, </a:t>
             </a:r>
             <a:r>
-              <a:rPr lang="en-US" sz="1600" dirty="0"/>
+              <a:rPr lang="en-US" sz="1600" dirty="0">
+                <a:solidFill>
+                  <a:schemeClr val="tx1"/>
+                </a:solidFill>
+              </a:rPr>
               <a:t>and </a:t>
             </a:r>
             <a:r>
-              <a:rPr lang="en-US" sz="1600" dirty="0" smtClean="0"/>
+              <a:rPr lang="en-US" sz="1600" dirty="0" smtClean="0">
+                <a:solidFill>
+                  <a:schemeClr val="tx1"/>
+                </a:solidFill>
+              </a:rPr>
               <a:t>Galen Hunt</a:t>
             </a:r>
           </a:p>
           <a:p>
             <a:pPr algn="ctr"/>
             <a:r>
-              <a:rPr lang="en-US" sz="1600" dirty="0" smtClean="0"/>
+              <a:rPr lang="en-US" sz="1600" dirty="0" smtClean="0">
+                <a:solidFill>
+                  <a:schemeClr val="tx1"/>
+                </a:solidFill>
+              </a:rPr>
               <a:t>USENIX 2014</a:t>
             </a:r>
-            <a:endParaRPr lang="en-US" dirty="0"/>
+            <a:endParaRPr lang="en-US" dirty="0">
+              <a:solidFill>
+                <a:schemeClr val="tx1"/>
+              </a:solidFill>
+            </a:endParaRPr>
+          </a:p>
+        </p:txBody>
+      </p:sp>
+      <p:sp>
+        <p:nvSpPr>
+          <p:cNvPr id="4" name="Slide Number Placeholder 3"/>
+          <p:cNvSpPr>
+            <a:spLocks noGrp="1"/>
+          </p:cNvSpPr>
+          <p:nvPr>
+            <p:ph type="sldNum" sz="quarter" idx="12"/>
+          </p:nvPr>
+        </p:nvSpPr>
+        <p:spPr/>
+        <p:txBody>
+          <a:bodyPr/>
+          <a:lstStyle/>
+          <a:p>
+            <a:fld id="{B46BA956-F633-F04E-BD9F-377F5F31FAB2}" type="slidenum">
+              <a:rPr lang="en-US" smtClean="0">
+                <a:solidFill>
+                  <a:schemeClr val="tx1"/>
+                </a:solidFill>
+              </a:rPr>
+              <a:t>14</a:t>
+            </a:fld>
+            <a:endParaRPr lang="en-US" dirty="0">
+              <a:solidFill>
+                <a:schemeClr val="tx1"/>
+              </a:solidFill>
+            </a:endParaRPr>
           </a:p>
         </p:txBody>
       </p:sp>
@@ -8364,11 +8793,19 @@
               <a:buNone/>
             </a:pPr>
             <a:r>
-              <a:rPr lang="en-US" u="sng" dirty="0" smtClean="0"/>
+              <a:rPr lang="en-US" u="sng" dirty="0" smtClean="0">
+                <a:solidFill>
+                  <a:schemeClr val="tx1"/>
+                </a:solidFill>
+              </a:rPr>
               <a:t>Problem:</a:t>
             </a:r>
             <a:r>
-              <a:rPr lang="en-US" dirty="0" smtClean="0"/>
+              <a:rPr lang="en-US" dirty="0" smtClean="0">
+                <a:solidFill>
+                  <a:schemeClr val="tx1"/>
+                </a:solidFill>
+              </a:rPr>
               <a:t> </a:t>
             </a:r>
           </a:p>
@@ -8377,7 +8814,11 @@
               <a:buNone/>
             </a:pPr>
             <a:r>
-              <a:rPr lang="en-US" dirty="0" smtClean="0"/>
+              <a:rPr lang="en-US" dirty="0" smtClean="0">
+                <a:solidFill>
+                  <a:schemeClr val="tx1"/>
+                </a:solidFill>
+              </a:rPr>
               <a:t>Classical hierarchical security model allows CSP to access a cloud tenant’s data and application code.</a:t>
             </a:r>
           </a:p>
@@ -8386,8 +8827,16 @@
               <a:buNone/>
             </a:pPr>
             <a:r>
+              <a:rPr lang="en-US" dirty="0" smtClean="0">
+                <a:solidFill>
+                  <a:schemeClr val="tx1"/>
+                </a:solidFill>
+              </a:rPr>
+              <a:t>It</a:t>
+            </a:r>
+            <a:r>
               <a:rPr lang="en-US" dirty="0" smtClean="0"/>
-              <a:t>It </a:t>
+              <a:t> </a:t>
             </a:r>
             <a:r>
               <a:rPr lang="en-US" b="1" dirty="0" smtClean="0">
@@ -8395,10 +8844,22 @@
                   <a:schemeClr val="accent2"/>
                 </a:solidFill>
               </a:rPr>
-              <a:t>fails </a:t>
-            </a:r>
-            <a:r>
-              <a:rPr lang="en-US" dirty="0" smtClean="0"/>
+              <a:t>fails</a:t>
+            </a:r>
+            <a:r>
+              <a:rPr lang="en-US" b="1" dirty="0" smtClean="0">
+                <a:solidFill>
+                  <a:schemeClr val="tx1"/>
+                </a:solidFill>
+              </a:rPr>
+              <a:t> </a:t>
+            </a:r>
+            <a:r>
+              <a:rPr lang="en-US" dirty="0" smtClean="0">
+                <a:solidFill>
+                  <a:schemeClr val="tx1"/>
+                </a:solidFill>
+              </a:rPr>
               <a:t>to protect against a compromised/malicious host.</a:t>
             </a:r>
           </a:p>
@@ -8413,7 +8874,11 @@
               <a:buNone/>
             </a:pPr>
             <a:r>
-              <a:rPr lang="en-US" u="sng" dirty="0" smtClean="0"/>
+              <a:rPr lang="en-US" u="sng" dirty="0" smtClean="0">
+                <a:solidFill>
+                  <a:schemeClr val="tx1"/>
+                </a:solidFill>
+              </a:rPr>
               <a:t>Solution:</a:t>
             </a:r>
           </a:p>
@@ -8422,21 +8887,46 @@
               <a:buNone/>
             </a:pPr>
             <a:r>
-              <a:rPr lang="en-US" dirty="0" smtClean="0"/>
+              <a:rPr lang="en-US" dirty="0" smtClean="0">
+                <a:solidFill>
+                  <a:schemeClr val="tx1"/>
+                </a:solidFill>
+              </a:rPr>
               <a:t>Provide shielded execution of legacy applications.</a:t>
             </a:r>
           </a:p>
           <a:p>
             <a:pPr lvl="1"/>
             <a:r>
-              <a:rPr lang="en-US" dirty="0" smtClean="0"/>
-              <a:t>Confidentiality &amp; Integrity.</a:t>
-            </a:r>
+              <a:rPr lang="en-US" dirty="0" smtClean="0">
+                <a:solidFill>
+                  <a:schemeClr val="tx1"/>
+                </a:solidFill>
+              </a:rPr>
+              <a:t>Confidentiality &amp; </a:t>
+            </a:r>
+            <a:r>
+              <a:rPr lang="en-US" dirty="0" smtClean="0">
+                <a:solidFill>
+                  <a:schemeClr val="tx1"/>
+                </a:solidFill>
+              </a:rPr>
+              <a:t>Integrity</a:t>
+            </a:r>
+            <a:endParaRPr lang="en-US" dirty="0" smtClean="0">
+              <a:solidFill>
+                <a:schemeClr val="tx1"/>
+              </a:solidFill>
+            </a:endParaRPr>
           </a:p>
           <a:p>
             <a:pPr lvl="1"/>
             <a:r>
-              <a:rPr lang="en-US" dirty="0" smtClean="0"/>
+              <a:rPr lang="en-US" dirty="0" smtClean="0">
+                <a:solidFill>
+                  <a:schemeClr val="tx1"/>
+                </a:solidFill>
+              </a:rPr>
               <a:t>Leverage Intel SGX to create a protected region, i.e., </a:t>
             </a:r>
             <a:r>
@@ -8448,24 +8938,71 @@
               <a:t>enclave</a:t>
             </a:r>
             <a:r>
-              <a:rPr lang="en-US" dirty="0" smtClean="0"/>
+              <a:rPr lang="en-US" dirty="0" smtClean="0">
+                <a:solidFill>
+                  <a:schemeClr val="tx1"/>
+                </a:solidFill>
+              </a:rPr>
               <a:t>.</a:t>
             </a:r>
           </a:p>
           <a:p>
             <a:pPr lvl="1"/>
             <a:r>
-              <a:rPr lang="en-US" dirty="0" smtClean="0"/>
+              <a:rPr lang="en-US" dirty="0" smtClean="0">
+                <a:solidFill>
+                  <a:schemeClr val="tx1"/>
+                </a:solidFill>
+              </a:rPr>
               <a:t>Execute application &amp; </a:t>
             </a:r>
             <a:r>
-              <a:rPr lang="en-US" dirty="0" err="1" smtClean="0"/>
+              <a:rPr lang="en-US" dirty="0" err="1" smtClean="0">
+                <a:solidFill>
+                  <a:schemeClr val="tx1"/>
+                </a:solidFill>
+              </a:rPr>
               <a:t>LibOS</a:t>
             </a:r>
             <a:r>
-              <a:rPr lang="en-US" dirty="0" smtClean="0"/>
+              <a:rPr lang="en-US" dirty="0" smtClean="0">
+                <a:solidFill>
+                  <a:schemeClr val="tx1"/>
+                </a:solidFill>
+              </a:rPr>
               <a:t> inside a protected region.</a:t>
             </a:r>
+          </a:p>
+        </p:txBody>
+      </p:sp>
+      <p:sp>
+        <p:nvSpPr>
+          <p:cNvPr id="4" name="Slide Number Placeholder 3"/>
+          <p:cNvSpPr>
+            <a:spLocks noGrp="1"/>
+          </p:cNvSpPr>
+          <p:nvPr>
+            <p:ph type="sldNum" sz="quarter" idx="12"/>
+          </p:nvPr>
+        </p:nvSpPr>
+        <p:spPr/>
+        <p:txBody>
+          <a:bodyPr/>
+          <a:lstStyle/>
+          <a:p>
+            <a:fld id="{B46BA956-F633-F04E-BD9F-377F5F31FAB2}" type="slidenum">
+              <a:rPr lang="en-US" smtClean="0">
+                <a:solidFill>
+                  <a:schemeClr val="tx1"/>
+                </a:solidFill>
+              </a:rPr>
+              <a:t>15</a:t>
+            </a:fld>
+            <a:endParaRPr lang="en-US" dirty="0">
+              <a:solidFill>
+                <a:schemeClr val="tx1"/>
+              </a:solidFill>
+            </a:endParaRPr>
           </a:p>
         </p:txBody>
       </p:sp>
@@ -8725,9 +9262,40 @@
           </a:p>
         </p:txBody>
       </p:sp>
+      <p:sp>
+        <p:nvSpPr>
+          <p:cNvPr id="3" name="Slide Number Placeholder 2"/>
+          <p:cNvSpPr>
+            <a:spLocks noGrp="1"/>
+          </p:cNvSpPr>
+          <p:nvPr>
+            <p:ph type="sldNum" sz="quarter" idx="12"/>
+          </p:nvPr>
+        </p:nvSpPr>
+        <p:spPr/>
+        <p:txBody>
+          <a:bodyPr/>
+          <a:lstStyle/>
+          <a:p>
+            <a:fld id="{B46BA956-F633-F04E-BD9F-377F5F31FAB2}" type="slidenum">
+              <a:rPr lang="en-US" smtClean="0">
+                <a:solidFill>
+                  <a:schemeClr val="tx1"/>
+                </a:solidFill>
+              </a:rPr>
+              <a:t>16</a:t>
+            </a:fld>
+            <a:endParaRPr lang="en-US" dirty="0">
+              <a:solidFill>
+                <a:schemeClr val="tx1"/>
+              </a:solidFill>
+            </a:endParaRPr>
+          </a:p>
+        </p:txBody>
+      </p:sp>
       <p:pic>
         <p:nvPicPr>
-          <p:cNvPr id="4" name="Picture 3"/>
+          <p:cNvPr id="6" name="Picture 5"/>
           <p:cNvPicPr>
             <a:picLocks noChangeAspect="1"/>
           </p:cNvPicPr>
@@ -8747,8 +9315,8 @@
         </p:blipFill>
         <p:spPr>
           <a:xfrm>
-            <a:off x="1612343" y="2635299"/>
-            <a:ext cx="3164080" cy="4153207"/>
+            <a:off x="1597152" y="2024412"/>
+            <a:ext cx="3432048" cy="3986784"/>
           </a:xfrm>
           <a:prstGeom prst="rect">
             <a:avLst/>
@@ -8757,7 +9325,7 @@
       </p:pic>
       <p:pic>
         <p:nvPicPr>
-          <p:cNvPr id="5" name="Picture 4"/>
+          <p:cNvPr id="7" name="Picture 6"/>
           <p:cNvPicPr>
             <a:picLocks noChangeAspect="1"/>
           </p:cNvPicPr>
@@ -8777,14 +9345,74 @@
         </p:blipFill>
         <p:spPr>
           <a:xfrm>
-            <a:off x="6605224" y="1287465"/>
-            <a:ext cx="3163520" cy="5501041"/>
+            <a:off x="6894576" y="561372"/>
+            <a:ext cx="3432048" cy="5449824"/>
           </a:xfrm>
           <a:prstGeom prst="rect">
             <a:avLst/>
           </a:prstGeom>
         </p:spPr>
       </p:pic>
+      <p:sp>
+        <p:nvSpPr>
+          <p:cNvPr id="8" name="TextBox 7"/>
+          <p:cNvSpPr txBox="1"/>
+          <p:nvPr/>
+        </p:nvSpPr>
+        <p:spPr>
+          <a:xfrm>
+            <a:off x="2564894" y="6011196"/>
+            <a:ext cx="1496564" cy="523220"/>
+          </a:xfrm>
+          <a:prstGeom prst="rect">
+            <a:avLst/>
+          </a:prstGeom>
+          <a:noFill/>
+        </p:spPr>
+        <p:txBody>
+          <a:bodyPr wrap="none" rtlCol="0">
+            <a:spAutoFit/>
+          </a:bodyPr>
+          <a:lstStyle/>
+          <a:p>
+            <a:r>
+              <a:rPr lang="en-US" sz="2800" dirty="0" smtClean="0"/>
+              <a:t>Standard</a:t>
+            </a:r>
+            <a:endParaRPr lang="en-US" sz="2800" dirty="0"/>
+          </a:p>
+        </p:txBody>
+      </p:sp>
+      <p:sp>
+        <p:nvSpPr>
+          <p:cNvPr id="9" name="TextBox 8"/>
+          <p:cNvSpPr txBox="1"/>
+          <p:nvPr/>
+        </p:nvSpPr>
+        <p:spPr>
+          <a:xfrm>
+            <a:off x="8060289" y="6011196"/>
+            <a:ext cx="1100622" cy="523220"/>
+          </a:xfrm>
+          <a:prstGeom prst="rect">
+            <a:avLst/>
+          </a:prstGeom>
+          <a:noFill/>
+        </p:spPr>
+        <p:txBody>
+          <a:bodyPr wrap="none" rtlCol="0">
+            <a:spAutoFit/>
+          </a:bodyPr>
+          <a:lstStyle/>
+          <a:p>
+            <a:r>
+              <a:rPr lang="en-US" sz="2800" smtClean="0"/>
+              <a:t>Haven</a:t>
+            </a:r>
+            <a:endParaRPr lang="en-US" sz="2800" dirty="0"/>
+          </a:p>
+        </p:txBody>
+      </p:sp>
     </p:spTree>
     <p:extLst>
       <p:ext uri="{BB962C8B-B14F-4D97-AF65-F5344CB8AC3E}">
@@ -8798,75 +9426,7 @@
   <p:timing>
     <p:tnLst>
       <p:par>
-        <p:cTn id="1" dur="indefinite" restart="never" nodeType="tmRoot">
-          <p:childTnLst>
-            <p:seq concurrent="1" nextAc="seek">
-              <p:cTn id="2" dur="indefinite" nodeType="mainSeq">
-                <p:childTnLst>
-                  <p:par>
-                    <p:cTn id="3" fill="hold">
-                      <p:stCondLst>
-                        <p:cond delay="indefinite"/>
-                      </p:stCondLst>
-                      <p:childTnLst>
-                        <p:par>
-                          <p:cTn id="4" fill="hold">
-                            <p:stCondLst>
-                              <p:cond delay="0"/>
-                            </p:stCondLst>
-                            <p:childTnLst>
-                              <p:par>
-                                <p:cTn id="5" presetID="1" presetClass="entr" presetSubtype="0" fill="hold" nodeType="clickEffect">
-                                  <p:stCondLst>
-                                    <p:cond delay="0"/>
-                                  </p:stCondLst>
-                                  <p:childTnLst>
-                                    <p:set>
-                                      <p:cBhvr>
-                                        <p:cTn id="6" dur="1" fill="hold">
-                                          <p:stCondLst>
-                                            <p:cond delay="0"/>
-                                          </p:stCondLst>
-                                        </p:cTn>
-                                        <p:tgtEl>
-                                          <p:spTgt spid="5"/>
-                                        </p:tgtEl>
-                                        <p:attrNameLst>
-                                          <p:attrName>style.visibility</p:attrName>
-                                        </p:attrNameLst>
-                                      </p:cBhvr>
-                                      <p:to>
-                                        <p:strVal val="visible"/>
-                                      </p:to>
-                                    </p:set>
-                                  </p:childTnLst>
-                                </p:cTn>
-                              </p:par>
-                            </p:childTnLst>
-                          </p:cTn>
-                        </p:par>
-                      </p:childTnLst>
-                    </p:cTn>
-                  </p:par>
-                </p:childTnLst>
-              </p:cTn>
-              <p:prevCondLst>
-                <p:cond evt="onPrev" delay="0">
-                  <p:tgtEl>
-                    <p:sldTgt/>
-                  </p:tgtEl>
-                </p:cond>
-              </p:prevCondLst>
-              <p:nextCondLst>
-                <p:cond evt="onNext" delay="0">
-                  <p:tgtEl>
-                    <p:sldTgt/>
-                  </p:tgtEl>
-                </p:cond>
-              </p:nextCondLst>
-            </p:seq>
-          </p:childTnLst>
-        </p:cTn>
+        <p:cTn id="1" dur="indefinite" restart="never" nodeType="tmRoot"/>
       </p:par>
     </p:tnLst>
   </p:timing>
@@ -8910,6 +9470,37 @@
               <a:t>	Intel Software Guard Extension (SGX)</a:t>
             </a:r>
             <a:endParaRPr lang="en-US" dirty="0"/>
+          </a:p>
+        </p:txBody>
+      </p:sp>
+      <p:sp>
+        <p:nvSpPr>
+          <p:cNvPr id="3" name="Slide Number Placeholder 2"/>
+          <p:cNvSpPr>
+            <a:spLocks noGrp="1"/>
+          </p:cNvSpPr>
+          <p:nvPr>
+            <p:ph type="sldNum" sz="quarter" idx="12"/>
+          </p:nvPr>
+        </p:nvSpPr>
+        <p:spPr/>
+        <p:txBody>
+          <a:bodyPr/>
+          <a:lstStyle/>
+          <a:p>
+            <a:fld id="{B46BA956-F633-F04E-BD9F-377F5F31FAB2}" type="slidenum">
+              <a:rPr lang="en-US" smtClean="0">
+                <a:solidFill>
+                  <a:schemeClr val="tx1"/>
+                </a:solidFill>
+              </a:rPr>
+              <a:t>17</a:t>
+            </a:fld>
+            <a:endParaRPr lang="en-US" dirty="0">
+              <a:solidFill>
+                <a:schemeClr val="tx1"/>
+              </a:solidFill>
+            </a:endParaRPr>
           </a:p>
         </p:txBody>
       </p:sp>
@@ -9024,10 +9615,18 @@
           <a:lstStyle/>
           <a:p>
             <a:r>
-              <a:rPr lang="en-US" dirty="0" smtClean="0"/>
+              <a:rPr lang="en-US" dirty="0" smtClean="0">
+                <a:solidFill>
+                  <a:schemeClr val="tx1"/>
+                </a:solidFill>
+              </a:rPr>
               <a:t>Performance/Efficiency</a:t>
             </a:r>
-            <a:endParaRPr lang="en-US" dirty="0"/>
+            <a:endParaRPr lang="en-US" dirty="0">
+              <a:solidFill>
+                <a:schemeClr val="tx1"/>
+              </a:solidFill>
+            </a:endParaRPr>
           </a:p>
         </p:txBody>
       </p:sp>
@@ -9073,7 +9672,11 @@
               <a:buChar char="•"/>
             </a:pPr>
             <a:r>
-              <a:rPr lang="en-US" dirty="0" smtClean="0"/>
+              <a:rPr lang="en-US" dirty="0" smtClean="0">
+                <a:solidFill>
+                  <a:schemeClr val="tx1"/>
+                </a:solidFill>
+              </a:rPr>
               <a:t>2X slowdown.</a:t>
             </a:r>
           </a:p>
@@ -9083,7 +9686,11 @@
               <a:buChar char="•"/>
             </a:pPr>
             <a:r>
-              <a:rPr lang="en-US" dirty="0" smtClean="0"/>
+              <a:rPr lang="en-US" dirty="0" smtClean="0">
+                <a:solidFill>
+                  <a:schemeClr val="tx1"/>
+                </a:solidFill>
+              </a:rPr>
               <a:t>Haven overheads.</a:t>
             </a:r>
           </a:p>
@@ -9093,7 +9700,11 @@
               <a:buChar char="•"/>
             </a:pPr>
             <a:r>
-              <a:rPr lang="en-US" dirty="0" smtClean="0"/>
+              <a:rPr lang="en-US" dirty="0" smtClean="0">
+                <a:solidFill>
+                  <a:schemeClr val="tx1"/>
+                </a:solidFill>
+              </a:rPr>
               <a:t>Web server, 55% slowdown compared to native.</a:t>
             </a:r>
           </a:p>
@@ -9105,9 +9716,7 @@
             <a:r>
               <a:rPr lang="en-US" dirty="0" smtClean="0">
                 <a:solidFill>
-                  <a:schemeClr val="bg2">
-                    <a:lumMod val="50000"/>
-                  </a:schemeClr>
+                  <a:schemeClr val="tx1"/>
                 </a:solidFill>
               </a:rPr>
               <a:t>SGX overheads.</a:t>
@@ -9121,9 +9730,7 @@
             <a:r>
               <a:rPr lang="en-US" dirty="0" smtClean="0">
                 <a:solidFill>
-                  <a:schemeClr val="bg2">
-                    <a:lumMod val="50000"/>
-                  </a:schemeClr>
+                  <a:schemeClr val="tx1"/>
                 </a:solidFill>
               </a:rPr>
               <a:t>Resizing enclave.</a:t>
@@ -9137,9 +9744,7 @@
             <a:r>
               <a:rPr lang="en-US" dirty="0" smtClean="0">
                 <a:solidFill>
-                  <a:schemeClr val="bg2">
-                    <a:lumMod val="50000"/>
-                  </a:schemeClr>
+                  <a:schemeClr val="tx1"/>
                 </a:solidFill>
               </a:rPr>
               <a:t>Enclave crossings.</a:t>
@@ -9153,9 +9758,7 @@
             <a:r>
               <a:rPr lang="en-US" dirty="0" smtClean="0">
                 <a:solidFill>
-                  <a:schemeClr val="bg2">
-                    <a:lumMod val="50000"/>
-                  </a:schemeClr>
+                  <a:schemeClr val="tx1"/>
                 </a:solidFill>
               </a:rPr>
               <a:t>Access to enclave pages.</a:t>
@@ -9182,7 +9785,11 @@
               <a:buChar char="•"/>
             </a:pPr>
             <a:r>
-              <a:rPr lang="en-US" dirty="0" smtClean="0"/>
+              <a:rPr lang="en-US" dirty="0" smtClean="0">
+                <a:solidFill>
+                  <a:schemeClr val="tx1"/>
+                </a:solidFill>
+              </a:rPr>
               <a:t>Packs entire Windows OS.</a:t>
             </a:r>
           </a:p>
@@ -9209,10 +9816,18 @@
           <a:lstStyle/>
           <a:p>
             <a:r>
-              <a:rPr lang="en-US" dirty="0" smtClean="0"/>
+              <a:rPr lang="en-US" dirty="0" smtClean="0">
+                <a:solidFill>
+                  <a:schemeClr val="tx1"/>
+                </a:solidFill>
+              </a:rPr>
               <a:t>Security</a:t>
             </a:r>
-            <a:endParaRPr lang="en-US" dirty="0"/>
+            <a:endParaRPr lang="en-US" dirty="0">
+              <a:solidFill>
+                <a:schemeClr val="tx1"/>
+              </a:solidFill>
+            </a:endParaRPr>
           </a:p>
         </p:txBody>
       </p:sp>
@@ -9308,6 +9923,37 @@
             <a:endParaRPr lang="en-US" dirty="0" smtClean="0">
               <a:solidFill>
                 <a:schemeClr val="accent6"/>
+              </a:solidFill>
+            </a:endParaRPr>
+          </a:p>
+        </p:txBody>
+      </p:sp>
+      <p:sp>
+        <p:nvSpPr>
+          <p:cNvPr id="3" name="Slide Number Placeholder 2"/>
+          <p:cNvSpPr>
+            <a:spLocks noGrp="1"/>
+          </p:cNvSpPr>
+          <p:nvPr>
+            <p:ph type="sldNum" sz="quarter" idx="12"/>
+          </p:nvPr>
+        </p:nvSpPr>
+        <p:spPr/>
+        <p:txBody>
+          <a:bodyPr/>
+          <a:lstStyle/>
+          <a:p>
+            <a:fld id="{B46BA956-F633-F04E-BD9F-377F5F31FAB2}" type="slidenum">
+              <a:rPr lang="en-US" smtClean="0">
+                <a:solidFill>
+                  <a:schemeClr val="tx1"/>
+                </a:solidFill>
+              </a:rPr>
+              <a:t>18</a:t>
+            </a:fld>
+            <a:endParaRPr lang="en-US" dirty="0">
+              <a:solidFill>
+                <a:schemeClr val="tx1"/>
               </a:solidFill>
             </a:endParaRPr>
           </a:p>
@@ -9909,6 +10555,37 @@
           </a:p>
         </p:txBody>
       </p:sp>
+      <p:sp>
+        <p:nvSpPr>
+          <p:cNvPr id="3" name="Slide Number Placeholder 2"/>
+          <p:cNvSpPr>
+            <a:spLocks noGrp="1"/>
+          </p:cNvSpPr>
+          <p:nvPr>
+            <p:ph type="sldNum" sz="quarter" idx="12"/>
+          </p:nvPr>
+        </p:nvSpPr>
+        <p:spPr/>
+        <p:txBody>
+          <a:bodyPr/>
+          <a:lstStyle/>
+          <a:p>
+            <a:fld id="{B46BA956-F633-F04E-BD9F-377F5F31FAB2}" type="slidenum">
+              <a:rPr lang="en-US" smtClean="0">
+                <a:solidFill>
+                  <a:schemeClr val="tx1"/>
+                </a:solidFill>
+              </a:rPr>
+              <a:t>19</a:t>
+            </a:fld>
+            <a:endParaRPr lang="en-US" dirty="0">
+              <a:solidFill>
+                <a:schemeClr val="tx1"/>
+              </a:solidFill>
+            </a:endParaRPr>
+          </a:p>
+        </p:txBody>
+      </p:sp>
     </p:spTree>
     <p:extLst>
       <p:ext uri="{BB962C8B-B14F-4D97-AF65-F5344CB8AC3E}">
@@ -10095,6 +10772,37 @@
             </a:r>
           </a:p>
           <a:p>
+            <a:endParaRPr lang="en-US" dirty="0">
+              <a:solidFill>
+                <a:schemeClr val="tx1"/>
+              </a:solidFill>
+            </a:endParaRPr>
+          </a:p>
+        </p:txBody>
+      </p:sp>
+      <p:sp>
+        <p:nvSpPr>
+          <p:cNvPr id="5" name="Slide Number Placeholder 4"/>
+          <p:cNvSpPr>
+            <a:spLocks noGrp="1"/>
+          </p:cNvSpPr>
+          <p:nvPr>
+            <p:ph type="sldNum" sz="quarter" idx="12"/>
+          </p:nvPr>
+        </p:nvSpPr>
+        <p:spPr/>
+        <p:txBody>
+          <a:bodyPr/>
+          <a:lstStyle/>
+          <a:p>
+            <a:fld id="{B46BA956-F633-F04E-BD9F-377F5F31FAB2}" type="slidenum">
+              <a:rPr lang="en-US" smtClean="0">
+                <a:solidFill>
+                  <a:schemeClr val="tx1"/>
+                </a:solidFill>
+              </a:rPr>
+              <a:t>2</a:t>
+            </a:fld>
             <a:endParaRPr lang="en-US" dirty="0">
               <a:solidFill>
                 <a:schemeClr val="tx1"/>
@@ -10214,10 +10922,18 @@
           <a:lstStyle/>
           <a:p>
             <a:r>
-              <a:rPr lang="en-US" dirty="0" smtClean="0"/>
+              <a:rPr lang="en-US" dirty="0" smtClean="0">
+                <a:solidFill>
+                  <a:schemeClr val="tx1"/>
+                </a:solidFill>
+              </a:rPr>
               <a:t>Performance/Efficiency</a:t>
             </a:r>
-            <a:endParaRPr lang="en-US" dirty="0"/>
+            <a:endParaRPr lang="en-US" dirty="0">
+              <a:solidFill>
+                <a:schemeClr val="tx1"/>
+              </a:solidFill>
+            </a:endParaRPr>
           </a:p>
         </p:txBody>
       </p:sp>
@@ -10324,10 +11040,18 @@
           <a:lstStyle/>
           <a:p>
             <a:r>
-              <a:rPr lang="en-US" dirty="0" smtClean="0"/>
+              <a:rPr lang="en-US" dirty="0" smtClean="0">
+                <a:solidFill>
+                  <a:schemeClr val="tx1"/>
+                </a:solidFill>
+              </a:rPr>
               <a:t>Security</a:t>
             </a:r>
-            <a:endParaRPr lang="en-US" dirty="0"/>
+            <a:endParaRPr lang="en-US" dirty="0">
+              <a:solidFill>
+                <a:schemeClr val="tx1"/>
+              </a:solidFill>
+            </a:endParaRPr>
           </a:p>
         </p:txBody>
       </p:sp>
@@ -10426,6 +11150,37 @@
             <a:endParaRPr lang="en-US" dirty="0">
               <a:solidFill>
                 <a:schemeClr val="accent2"/>
+              </a:solidFill>
+            </a:endParaRPr>
+          </a:p>
+        </p:txBody>
+      </p:sp>
+      <p:sp>
+        <p:nvSpPr>
+          <p:cNvPr id="3" name="Slide Number Placeholder 2"/>
+          <p:cNvSpPr>
+            <a:spLocks noGrp="1"/>
+          </p:cNvSpPr>
+          <p:nvPr>
+            <p:ph type="sldNum" sz="quarter" idx="12"/>
+          </p:nvPr>
+        </p:nvSpPr>
+        <p:spPr/>
+        <p:txBody>
+          <a:bodyPr/>
+          <a:lstStyle/>
+          <a:p>
+            <a:fld id="{B46BA956-F633-F04E-BD9F-377F5F31FAB2}" type="slidenum">
+              <a:rPr lang="en-US" smtClean="0">
+                <a:solidFill>
+                  <a:schemeClr val="tx1"/>
+                </a:solidFill>
+              </a:rPr>
+              <a:t>20</a:t>
+            </a:fld>
+            <a:endParaRPr lang="en-US" dirty="0">
+              <a:solidFill>
+                <a:schemeClr val="tx1"/>
               </a:solidFill>
             </a:endParaRPr>
           </a:p>
@@ -10540,23 +11295,43 @@
               <a:buNone/>
             </a:pPr>
             <a:r>
-              <a:rPr lang="en-US" dirty="0" smtClean="0"/>
+              <a:rPr lang="en-US" dirty="0" smtClean="0">
+                <a:solidFill>
+                  <a:schemeClr val="tx1"/>
+                </a:solidFill>
+              </a:rPr>
               <a:t>I propose to </a:t>
             </a:r>
             <a:r>
-              <a:rPr lang="en-US" dirty="0"/>
+              <a:rPr lang="en-US" dirty="0">
+                <a:solidFill>
+                  <a:schemeClr val="tx1"/>
+                </a:solidFill>
+              </a:rPr>
               <a:t>i</a:t>
             </a:r>
             <a:r>
-              <a:rPr lang="en-US" sz="2800" dirty="0" smtClean="0"/>
+              <a:rPr lang="en-US" sz="2800" dirty="0" smtClean="0">
+                <a:solidFill>
+                  <a:schemeClr val="tx1"/>
+                </a:solidFill>
+              </a:rPr>
               <a:t>ntegrate SGX in a </a:t>
             </a:r>
             <a:r>
-              <a:rPr lang="en-US" sz="2800" dirty="0" err="1" smtClean="0"/>
+              <a:rPr lang="en-US" sz="2800" dirty="0" err="1" smtClean="0">
+                <a:solidFill>
+                  <a:schemeClr val="tx1"/>
+                </a:solidFill>
+              </a:rPr>
               <a:t>Unikernel</a:t>
             </a:r>
             <a:r>
-              <a:rPr lang="en-US" sz="2800" dirty="0" smtClean="0"/>
+              <a:rPr lang="en-US" sz="2800" dirty="0" smtClean="0">
+                <a:solidFill>
+                  <a:schemeClr val="tx1"/>
+                </a:solidFill>
+              </a:rPr>
               <a:t>.</a:t>
             </a:r>
           </a:p>
@@ -10565,59 +11340,122 @@
               <a:buNone/>
             </a:pPr>
             <a:r>
-              <a:rPr lang="en-US" dirty="0" smtClean="0"/>
+              <a:rPr lang="en-US" dirty="0" smtClean="0">
+                <a:solidFill>
+                  <a:schemeClr val="tx1"/>
+                </a:solidFill>
+              </a:rPr>
               <a:t>This will allow to:</a:t>
             </a:r>
           </a:p>
           <a:p>
             <a:pPr lvl="1"/>
             <a:r>
-              <a:rPr lang="en-US" dirty="0" smtClean="0"/>
+              <a:rPr lang="en-US" dirty="0" smtClean="0">
+                <a:solidFill>
+                  <a:schemeClr val="tx1"/>
+                </a:solidFill>
+              </a:rPr>
               <a:t>Consume less enclave pages.</a:t>
             </a:r>
           </a:p>
           <a:p>
             <a:pPr lvl="1"/>
             <a:r>
-              <a:rPr lang="en-US" dirty="0" smtClean="0"/>
+              <a:rPr lang="en-US" dirty="0" smtClean="0">
+                <a:solidFill>
+                  <a:schemeClr val="tx1"/>
+                </a:solidFill>
+              </a:rPr>
               <a:t>Potentially improve locality.</a:t>
             </a:r>
           </a:p>
           <a:p>
             <a:pPr lvl="1"/>
             <a:r>
-              <a:rPr lang="en-US" dirty="0" smtClean="0"/>
+              <a:rPr lang="en-US" dirty="0" smtClean="0">
+                <a:solidFill>
+                  <a:schemeClr val="tx1"/>
+                </a:solidFill>
+              </a:rPr>
               <a:t>No need for enclave resizing.</a:t>
             </a:r>
           </a:p>
           <a:p>
             <a:pPr lvl="1"/>
             <a:r>
-              <a:rPr lang="en-US" dirty="0" smtClean="0"/>
+              <a:rPr lang="en-US" dirty="0" smtClean="0">
+                <a:solidFill>
+                  <a:schemeClr val="tx1"/>
+                </a:solidFill>
+              </a:rPr>
               <a:t>Tune implementation for performance.</a:t>
             </a:r>
           </a:p>
           <a:p>
             <a:pPr lvl="1"/>
             <a:r>
-              <a:rPr lang="en-US" dirty="0" smtClean="0"/>
+              <a:rPr lang="en-US" dirty="0" smtClean="0">
+                <a:solidFill>
+                  <a:schemeClr val="tx1"/>
+                </a:solidFill>
+              </a:rPr>
               <a:t>Leverage PL features.</a:t>
             </a:r>
           </a:p>
           <a:p>
             <a:pPr lvl="1"/>
             <a:r>
-              <a:rPr lang="en-US" dirty="0" smtClean="0"/>
+              <a:rPr lang="en-US" dirty="0" smtClean="0">
+                <a:solidFill>
+                  <a:schemeClr val="tx1"/>
+                </a:solidFill>
+              </a:rPr>
               <a:t>Provide bi-directional isolation.</a:t>
             </a:r>
           </a:p>
           <a:p>
             <a:pPr lvl="1"/>
-            <a:endParaRPr lang="en-US" sz="2800" dirty="0" smtClean="0"/>
+            <a:endParaRPr lang="en-US" sz="2800" dirty="0" smtClean="0">
+              <a:solidFill>
+                <a:schemeClr val="tx1"/>
+              </a:solidFill>
+            </a:endParaRPr>
           </a:p>
           <a:p>
             <a:pPr lvl="1"/>
             <a:endParaRPr lang="en-US" sz="2800" dirty="0"/>
+          </a:p>
+        </p:txBody>
+      </p:sp>
+      <p:sp>
+        <p:nvSpPr>
+          <p:cNvPr id="5" name="Slide Number Placeholder 4"/>
+          <p:cNvSpPr>
+            <a:spLocks noGrp="1"/>
+          </p:cNvSpPr>
+          <p:nvPr>
+            <p:ph type="sldNum" sz="quarter" idx="12"/>
+          </p:nvPr>
+        </p:nvSpPr>
+        <p:spPr/>
+        <p:txBody>
+          <a:bodyPr/>
+          <a:lstStyle/>
+          <a:p>
+            <a:fld id="{B46BA956-F633-F04E-BD9F-377F5F31FAB2}" type="slidenum">
+              <a:rPr lang="en-US" smtClean="0">
+                <a:solidFill>
+                  <a:schemeClr val="tx1"/>
+                </a:solidFill>
+              </a:rPr>
+              <a:t>21</a:t>
+            </a:fld>
+            <a:endParaRPr lang="en-US" dirty="0">
+              <a:solidFill>
+                <a:schemeClr val="tx1"/>
+              </a:solidFill>
+            </a:endParaRPr>
           </a:p>
         </p:txBody>
       </p:sp>
@@ -10795,10 +11633,18 @@
           <a:lstStyle/>
           <a:p>
             <a:fld id="{BE2C0E7C-54B8-614E-85D2-6FAE0AF80003}" type="slidenum">
-              <a:rPr lang="en-US" smtClean="0"/>
+              <a:rPr lang="en-US" smtClean="0">
+                <a:solidFill>
+                  <a:schemeClr val="tx1"/>
+                </a:solidFill>
+              </a:rPr>
               <a:t>22</a:t>
             </a:fld>
-            <a:endParaRPr lang="en-US"/>
+            <a:endParaRPr lang="en-US" dirty="0">
+              <a:solidFill>
+                <a:schemeClr val="tx1"/>
+              </a:solidFill>
+            </a:endParaRPr>
           </a:p>
         </p:txBody>
       </p:sp>
@@ -10916,6 +11762,19 @@
               </a:rPr>
               <a:t>become popular.</a:t>
             </a:r>
+          </a:p>
+          <a:p>
+            <a:pPr marL="0" indent="0">
+              <a:buNone/>
+            </a:pPr>
+            <a:r>
+              <a:rPr lang="en-US" dirty="0" smtClean="0">
+                <a:solidFill>
+                  <a:schemeClr val="tx1"/>
+                </a:solidFill>
+              </a:rPr>
+              <a:t>We want to provide:</a:t>
+            </a:r>
             <a:endParaRPr lang="en-US" dirty="0">
               <a:solidFill>
                 <a:schemeClr val="tx1"/>
@@ -10923,49 +11782,29 @@
             </a:endParaRPr>
           </a:p>
           <a:p>
-            <a:pPr marL="0" indent="0">
-              <a:buNone/>
-            </a:pPr>
             <a:r>
               <a:rPr lang="en-US" dirty="0" smtClean="0">
                 <a:solidFill>
-                  <a:schemeClr val="tx1"/>
-                </a:solidFill>
-              </a:rPr>
-              <a:t>As resources are rented, tenants strive for:</a:t>
-            </a:r>
-          </a:p>
-          <a:p>
-            <a:r>
-              <a:rPr lang="en-US" dirty="0" smtClean="0"/>
-              <a:t> </a:t>
-            </a:r>
-            <a:r>
-              <a:rPr lang="en-US" dirty="0" err="1" smtClean="0">
-                <a:solidFill>
                   <a:schemeClr val="accent2"/>
                 </a:solidFill>
               </a:rPr>
-              <a:t>PerformanceEfficiency</a:t>
-            </a:r>
+              <a:t>Efficiency</a:t>
+            </a:r>
+            <a:endParaRPr lang="en-US" dirty="0" smtClean="0">
+              <a:solidFill>
+                <a:schemeClr val="accent2"/>
+              </a:solidFill>
+            </a:endParaRPr>
+          </a:p>
+          <a:p>
+            <a:pPr lvl="1"/>
             <a:r>
               <a:rPr lang="en-US" dirty="0" smtClean="0">
                 <a:solidFill>
-                  <a:schemeClr val="accent2"/>
-                </a:solidFill>
-              </a:rPr>
-              <a:t>.</a:t>
-            </a:r>
-          </a:p>
-          <a:p>
-            <a:pPr lvl="1"/>
-            <a:r>
-              <a:rPr lang="en-US" dirty="0">
-                <a:solidFill>
-                  <a:schemeClr val="tx1"/>
-                </a:solidFill>
-              </a:rPr>
-              <a:t>Make good use of resources: useful work vs. </a:t>
+                  <a:schemeClr val="tx1"/>
+                </a:solidFill>
+              </a:rPr>
+              <a:t>Consume </a:t>
             </a:r>
             <a:r>
               <a:rPr lang="en-US" dirty="0" smtClean="0">
@@ -10973,18 +11812,7 @@
                   <a:schemeClr val="tx1"/>
                 </a:solidFill>
               </a:rPr>
-              <a:t>useless.</a:t>
-            </a:r>
-          </a:p>
-          <a:p>
-            <a:pPr lvl="1"/>
-            <a:r>
-              <a:rPr lang="en-US" dirty="0" smtClean="0">
-                <a:solidFill>
-                  <a:schemeClr val="tx1"/>
-                </a:solidFill>
-              </a:rPr>
-              <a:t>Consume less resources, e.g., memory</a:t>
+              <a:t>less resources, e.g., memory</a:t>
             </a:r>
             <a:r>
               <a:rPr lang="en-US" dirty="0" smtClean="0"/>
@@ -10998,8 +11826,24 @@
                   <a:schemeClr val="accent2"/>
                 </a:solidFill>
               </a:rPr>
-              <a:t>Security.</a:t>
-            </a:r>
+              <a:t>Performance</a:t>
+            </a:r>
+            <a:endParaRPr lang="en-US" dirty="0" smtClean="0"/>
+          </a:p>
+          <a:p>
+            <a:r>
+              <a:rPr lang="en-US" dirty="0" smtClean="0">
+                <a:solidFill>
+                  <a:schemeClr val="accent2"/>
+                </a:solidFill>
+              </a:rPr>
+              <a:t>Security</a:t>
+            </a:r>
+            <a:endParaRPr lang="en-US" dirty="0" smtClean="0">
+              <a:solidFill>
+                <a:schemeClr val="accent2"/>
+              </a:solidFill>
+            </a:endParaRPr>
           </a:p>
           <a:p>
             <a:pPr lvl="1"/>
@@ -11051,6 +11895,37 @@
               <a:buNone/>
             </a:pPr>
             <a:endParaRPr lang="en-US" dirty="0"/>
+          </a:p>
+        </p:txBody>
+      </p:sp>
+      <p:sp>
+        <p:nvSpPr>
+          <p:cNvPr id="4" name="Slide Number Placeholder 3"/>
+          <p:cNvSpPr>
+            <a:spLocks noGrp="1"/>
+          </p:cNvSpPr>
+          <p:nvPr>
+            <p:ph type="sldNum" sz="quarter" idx="12"/>
+          </p:nvPr>
+        </p:nvSpPr>
+        <p:spPr/>
+        <p:txBody>
+          <a:bodyPr/>
+          <a:lstStyle/>
+          <a:p>
+            <a:fld id="{B46BA956-F633-F04E-BD9F-377F5F31FAB2}" type="slidenum">
+              <a:rPr lang="en-US" smtClean="0">
+                <a:solidFill>
+                  <a:schemeClr val="tx1"/>
+                </a:solidFill>
+              </a:rPr>
+              <a:t>3</a:t>
+            </a:fld>
+            <a:endParaRPr lang="en-US" dirty="0">
+              <a:solidFill>
+                <a:schemeClr val="tx1"/>
+              </a:solidFill>
+            </a:endParaRPr>
           </a:p>
         </p:txBody>
       </p:sp>
@@ -11133,7 +12008,11 @@
               <a:buNone/>
             </a:pPr>
             <a:r>
-              <a:rPr lang="en-US" u="sng" dirty="0" smtClean="0"/>
+              <a:rPr lang="en-US" u="sng" dirty="0" smtClean="0">
+                <a:solidFill>
+                  <a:schemeClr val="tx1"/>
+                </a:solidFill>
+              </a:rPr>
               <a:t>Goal:</a:t>
             </a:r>
           </a:p>
@@ -11142,15 +12021,27 @@
               <a:buNone/>
             </a:pPr>
             <a:r>
-              <a:rPr lang="en-US" dirty="0" smtClean="0"/>
+              <a:rPr lang="en-US" dirty="0" smtClean="0">
+                <a:solidFill>
+                  <a:schemeClr val="tx1"/>
+                </a:solidFill>
+              </a:rPr>
               <a:t>We study two systems, derived from the </a:t>
             </a:r>
             <a:r>
-              <a:rPr lang="en-US" dirty="0" err="1" smtClean="0"/>
+              <a:rPr lang="en-US" dirty="0" err="1" smtClean="0">
+                <a:solidFill>
+                  <a:schemeClr val="tx1"/>
+                </a:solidFill>
+              </a:rPr>
               <a:t>Exokernel</a:t>
             </a:r>
             <a:r>
-              <a:rPr lang="en-US" dirty="0" smtClean="0"/>
+              <a:rPr lang="en-US" dirty="0" smtClean="0">
+                <a:solidFill>
+                  <a:schemeClr val="tx1"/>
+                </a:solidFill>
+              </a:rPr>
               <a:t> architecture, that target cloud services.</a:t>
             </a:r>
           </a:p>
@@ -11159,8 +12050,16 @@
               <a:buNone/>
             </a:pPr>
             <a:r>
+              <a:rPr lang="en-US" dirty="0" smtClean="0">
+                <a:solidFill>
+                  <a:schemeClr val="tx1"/>
+                </a:solidFill>
+              </a:rPr>
+              <a:t>We</a:t>
+            </a:r>
+            <a:r>
               <a:rPr lang="en-US" dirty="0" smtClean="0"/>
-              <a:t>We </a:t>
+              <a:t> </a:t>
             </a:r>
             <a:r>
               <a:rPr lang="en-US" b="1" dirty="0" smtClean="0">
@@ -11171,16 +12070,63 @@
               <a:t>look for</a:t>
             </a:r>
             <a:r>
-              <a:rPr lang="en-US" dirty="0" smtClean="0"/>
-              <a:t> performance, efficiency, and security. </a:t>
-            </a:r>
-            <a:endParaRPr lang="en-US" dirty="0"/>
+              <a:rPr lang="en-US" dirty="0" smtClean="0">
+                <a:solidFill>
+                  <a:schemeClr val="accent2"/>
+                </a:solidFill>
+              </a:rPr>
+              <a:t> </a:t>
+            </a:r>
+            <a:r>
+              <a:rPr lang="en-US" dirty="0" smtClean="0">
+                <a:solidFill>
+                  <a:schemeClr val="tx1"/>
+                </a:solidFill>
+              </a:rPr>
+              <a:t>performance, efficiency, and security. </a:t>
+            </a:r>
+            <a:endParaRPr lang="en-US" dirty="0">
+              <a:solidFill>
+                <a:schemeClr val="tx1"/>
+              </a:solidFill>
+            </a:endParaRPr>
+          </a:p>
+        </p:txBody>
+      </p:sp>
+      <p:sp>
+        <p:nvSpPr>
+          <p:cNvPr id="6" name="Slide Number Placeholder 5"/>
+          <p:cNvSpPr>
+            <a:spLocks noGrp="1"/>
+          </p:cNvSpPr>
+          <p:nvPr>
+            <p:ph type="sldNum" sz="quarter" idx="12"/>
+          </p:nvPr>
+        </p:nvSpPr>
+        <p:spPr/>
+        <p:txBody>
+          <a:bodyPr/>
+          <a:lstStyle/>
+          <a:p>
+            <a:fld id="{B46BA956-F633-F04E-BD9F-377F5F31FAB2}" type="slidenum">
+              <a:rPr lang="en-US" smtClean="0">
+                <a:solidFill>
+                  <a:schemeClr val="tx1"/>
+                </a:solidFill>
+              </a:rPr>
+              <a:t>4</a:t>
+            </a:fld>
+            <a:endParaRPr lang="en-US" dirty="0">
+              <a:solidFill>
+                <a:schemeClr val="tx1"/>
+              </a:solidFill>
+            </a:endParaRPr>
           </a:p>
         </p:txBody>
       </p:sp>
       <p:pic>
         <p:nvPicPr>
-          <p:cNvPr id="4" name="Picture 3"/>
+          <p:cNvPr id="3" name="Picture 2"/>
           <p:cNvPicPr>
             <a:picLocks noChangeAspect="1"/>
           </p:cNvPicPr>
@@ -11200,8 +12146,8 @@
         </p:blipFill>
         <p:spPr>
           <a:xfrm>
-            <a:off x="3065597" y="3510311"/>
-            <a:ext cx="5657088" cy="3060192"/>
+            <a:off x="3267456" y="3522503"/>
+            <a:ext cx="5657088" cy="3048000"/>
           </a:xfrm>
           <a:prstGeom prst="rect">
             <a:avLst/>
@@ -11294,56 +12240,135 @@
           <a:p>
             <a:pPr algn="ctr"/>
             <a:r>
-              <a:rPr lang="en-US" sz="1600" dirty="0" smtClean="0"/>
+              <a:rPr lang="en-US" sz="1600" dirty="0" smtClean="0">
+                <a:solidFill>
+                  <a:schemeClr val="tx1"/>
+                </a:solidFill>
+              </a:rPr>
               <a:t>Dawson </a:t>
             </a:r>
             <a:r>
-              <a:rPr lang="en-US" sz="1600" dirty="0"/>
+              <a:rPr lang="en-US" sz="1600" dirty="0">
+                <a:solidFill>
+                  <a:schemeClr val="tx1"/>
+                </a:solidFill>
+              </a:rPr>
               <a:t>R. </a:t>
             </a:r>
             <a:r>
-              <a:rPr lang="en-US" sz="1600" dirty="0" err="1"/>
+              <a:rPr lang="en-US" sz="1600" dirty="0" err="1">
+                <a:solidFill>
+                  <a:schemeClr val="tx1"/>
+                </a:solidFill>
+              </a:rPr>
               <a:t>Engler</a:t>
             </a:r>
             <a:r>
-              <a:rPr lang="en-US" sz="1600" dirty="0"/>
+              <a:rPr lang="en-US" sz="1600" dirty="0">
+                <a:solidFill>
+                  <a:schemeClr val="tx1"/>
+                </a:solidFill>
+              </a:rPr>
               <a:t>, M. </a:t>
             </a:r>
             <a:r>
-              <a:rPr lang="en-US" sz="1600" dirty="0" err="1"/>
+              <a:rPr lang="en-US" sz="1600" dirty="0" err="1">
+                <a:solidFill>
+                  <a:schemeClr val="tx1"/>
+                </a:solidFill>
+              </a:rPr>
               <a:t>Frans</a:t>
             </a:r>
             <a:r>
-              <a:rPr lang="en-US" sz="1600" dirty="0"/>
+              <a:rPr lang="en-US" sz="1600" dirty="0">
+                <a:solidFill>
+                  <a:schemeClr val="tx1"/>
+                </a:solidFill>
+              </a:rPr>
               <a:t> </a:t>
             </a:r>
             <a:r>
-              <a:rPr lang="en-US" sz="1600" dirty="0" err="1"/>
+              <a:rPr lang="en-US" sz="1600" dirty="0" err="1">
+                <a:solidFill>
+                  <a:schemeClr val="tx1"/>
+                </a:solidFill>
+              </a:rPr>
               <a:t>Kaashoek</a:t>
             </a:r>
             <a:r>
-              <a:rPr lang="en-US" sz="1600" dirty="0"/>
+              <a:rPr lang="en-US" sz="1600" dirty="0">
+                <a:solidFill>
+                  <a:schemeClr val="tx1"/>
+                </a:solidFill>
+              </a:rPr>
               <a:t>, and James O’Toole Jr. </a:t>
             </a:r>
-            <a:endParaRPr lang="en-US" sz="1600" dirty="0" smtClean="0"/>
+            <a:endParaRPr lang="en-US" sz="1600" dirty="0" smtClean="0">
+              <a:solidFill>
+                <a:schemeClr val="tx1"/>
+              </a:solidFill>
+            </a:endParaRPr>
           </a:p>
           <a:p>
             <a:pPr algn="ctr"/>
             <a:r>
-              <a:rPr lang="en-US" sz="1600" dirty="0" smtClean="0"/>
+              <a:rPr lang="en-US" sz="1600" dirty="0" smtClean="0">
+                <a:solidFill>
+                  <a:schemeClr val="tx1"/>
+                </a:solidFill>
+              </a:rPr>
               <a:t>SIGOPS </a:t>
             </a:r>
             <a:r>
-              <a:rPr lang="mr-IN" sz="1600" dirty="0" smtClean="0"/>
+              <a:rPr lang="mr-IN" sz="1600" dirty="0" smtClean="0">
+                <a:solidFill>
+                  <a:schemeClr val="tx1"/>
+                </a:solidFill>
+              </a:rPr>
               <a:t>’</a:t>
             </a:r>
             <a:r>
-              <a:rPr lang="en-US" sz="1600" dirty="0" smtClean="0"/>
+              <a:rPr lang="en-US" sz="1600" dirty="0" smtClean="0">
+                <a:solidFill>
+                  <a:schemeClr val="tx1"/>
+                </a:solidFill>
+              </a:rPr>
               <a:t>95</a:t>
             </a:r>
           </a:p>
           <a:p>
             <a:endParaRPr lang="en-US" dirty="0"/>
+          </a:p>
+        </p:txBody>
+      </p:sp>
+      <p:sp>
+        <p:nvSpPr>
+          <p:cNvPr id="4" name="Slide Number Placeholder 3"/>
+          <p:cNvSpPr>
+            <a:spLocks noGrp="1"/>
+          </p:cNvSpPr>
+          <p:nvPr>
+            <p:ph type="sldNum" sz="quarter" idx="12"/>
+          </p:nvPr>
+        </p:nvSpPr>
+        <p:spPr/>
+        <p:txBody>
+          <a:bodyPr/>
+          <a:lstStyle/>
+          <a:p>
+            <a:fld id="{B46BA956-F633-F04E-BD9F-377F5F31FAB2}" type="slidenum">
+              <a:rPr lang="en-US" smtClean="0">
+                <a:solidFill>
+                  <a:schemeClr val="tx1"/>
+                </a:solidFill>
+              </a:rPr>
+              <a:t>5</a:t>
+            </a:fld>
+            <a:endParaRPr lang="en-US" dirty="0">
+              <a:solidFill>
+                <a:schemeClr val="tx1"/>
+              </a:solidFill>
+            </a:endParaRPr>
           </a:p>
         </p:txBody>
       </p:sp>
@@ -11434,11 +12459,19 @@
               <a:buNone/>
             </a:pPr>
             <a:r>
-              <a:rPr lang="en-US" u="sng" dirty="0" smtClean="0"/>
+              <a:rPr lang="en-US" u="sng" dirty="0" smtClean="0">
+                <a:solidFill>
+                  <a:schemeClr val="tx1"/>
+                </a:solidFill>
+              </a:rPr>
               <a:t>Problem:</a:t>
             </a:r>
             <a:r>
-              <a:rPr lang="en-US" dirty="0" smtClean="0"/>
+              <a:rPr lang="en-US" dirty="0" smtClean="0">
+                <a:solidFill>
+                  <a:schemeClr val="tx1"/>
+                </a:solidFill>
+              </a:rPr>
               <a:t> </a:t>
             </a:r>
           </a:p>
@@ -11447,7 +12480,11 @@
               <a:buNone/>
             </a:pPr>
             <a:r>
-              <a:rPr lang="en-US" dirty="0" smtClean="0"/>
+              <a:rPr lang="en-US" dirty="0" smtClean="0">
+                <a:solidFill>
+                  <a:schemeClr val="tx1"/>
+                </a:solidFill>
+              </a:rPr>
               <a:t>Traditional OS fix the interface and implementation of OS abstractions.</a:t>
             </a:r>
           </a:p>
@@ -11456,7 +12493,11 @@
               <a:buNone/>
             </a:pPr>
             <a:r>
-              <a:rPr lang="en-US" dirty="0" smtClean="0"/>
+              <a:rPr lang="en-US" dirty="0" smtClean="0">
+                <a:solidFill>
+                  <a:schemeClr val="tx1"/>
+                </a:solidFill>
+              </a:rPr>
               <a:t>It </a:t>
             </a:r>
             <a:r>
@@ -11468,7 +12509,11 @@
               <a:t>limits</a:t>
             </a:r>
             <a:r>
-              <a:rPr lang="en-US" dirty="0" smtClean="0"/>
+              <a:rPr lang="en-US" dirty="0" smtClean="0">
+                <a:solidFill>
+                  <a:schemeClr val="tx1"/>
+                </a:solidFill>
+              </a:rPr>
               <a:t> the application’s performance, flexibility, functionality.</a:t>
             </a:r>
           </a:p>
@@ -11483,7 +12528,11 @@
               <a:buNone/>
             </a:pPr>
             <a:r>
-              <a:rPr lang="en-US" u="sng" dirty="0" smtClean="0"/>
+              <a:rPr lang="en-US" u="sng" dirty="0" smtClean="0">
+                <a:solidFill>
+                  <a:schemeClr val="tx1"/>
+                </a:solidFill>
+              </a:rPr>
               <a:t>Solution:</a:t>
             </a:r>
           </a:p>
@@ -11492,9 +12541,44 @@
               <a:buNone/>
             </a:pPr>
             <a:r>
-              <a:rPr lang="en-US" dirty="0" smtClean="0"/>
+              <a:rPr lang="en-US" dirty="0" smtClean="0">
+                <a:solidFill>
+                  <a:schemeClr val="tx1"/>
+                </a:solidFill>
+              </a:rPr>
               <a:t>Allow application-level management of physical resources.</a:t>
             </a:r>
+          </a:p>
+        </p:txBody>
+      </p:sp>
+      <p:sp>
+        <p:nvSpPr>
+          <p:cNvPr id="4" name="Slide Number Placeholder 3"/>
+          <p:cNvSpPr>
+            <a:spLocks noGrp="1"/>
+          </p:cNvSpPr>
+          <p:nvPr>
+            <p:ph type="sldNum" sz="quarter" idx="12"/>
+          </p:nvPr>
+        </p:nvSpPr>
+        <p:spPr/>
+        <p:txBody>
+          <a:bodyPr/>
+          <a:lstStyle/>
+          <a:p>
+            <a:fld id="{B46BA956-F633-F04E-BD9F-377F5F31FAB2}" type="slidenum">
+              <a:rPr lang="en-US" smtClean="0">
+                <a:solidFill>
+                  <a:schemeClr val="tx1"/>
+                </a:solidFill>
+              </a:rPr>
+              <a:t>6</a:t>
+            </a:fld>
+            <a:endParaRPr lang="en-US" dirty="0">
+              <a:solidFill>
+                <a:schemeClr val="tx1"/>
+              </a:solidFill>
+            </a:endParaRPr>
           </a:p>
         </p:txBody>
       </p:sp>
@@ -11669,9 +12753,40 @@
           </a:p>
         </p:txBody>
       </p:sp>
+      <p:sp>
+        <p:nvSpPr>
+          <p:cNvPr id="3" name="Slide Number Placeholder 2"/>
+          <p:cNvSpPr>
+            <a:spLocks noGrp="1"/>
+          </p:cNvSpPr>
+          <p:nvPr>
+            <p:ph type="sldNum" sz="quarter" idx="12"/>
+          </p:nvPr>
+        </p:nvSpPr>
+        <p:spPr/>
+        <p:txBody>
+          <a:bodyPr/>
+          <a:lstStyle/>
+          <a:p>
+            <a:fld id="{B46BA956-F633-F04E-BD9F-377F5F31FAB2}" type="slidenum">
+              <a:rPr lang="en-US" smtClean="0">
+                <a:solidFill>
+                  <a:schemeClr val="tx1"/>
+                </a:solidFill>
+              </a:rPr>
+              <a:t>7</a:t>
+            </a:fld>
+            <a:endParaRPr lang="en-US" dirty="0">
+              <a:solidFill>
+                <a:schemeClr val="tx1"/>
+              </a:solidFill>
+            </a:endParaRPr>
+          </a:p>
+        </p:txBody>
+      </p:sp>
       <p:pic>
         <p:nvPicPr>
-          <p:cNvPr id="4" name="Picture 3"/>
+          <p:cNvPr id="6" name="Picture 5"/>
           <p:cNvPicPr>
             <a:picLocks noChangeAspect="1"/>
           </p:cNvPicPr>
@@ -11691,17 +12806,47 @@
         </p:blipFill>
         <p:spPr>
           <a:xfrm>
-            <a:off x="6957764" y="1398166"/>
-            <a:ext cx="3432048" cy="4925568"/>
+            <a:off x="1589024" y="1405128"/>
+            <a:ext cx="3432048" cy="4255008"/>
           </a:xfrm>
           <a:prstGeom prst="rect">
             <a:avLst/>
           </a:prstGeom>
         </p:spPr>
       </p:pic>
+      <p:sp>
+        <p:nvSpPr>
+          <p:cNvPr id="7" name="TextBox 6"/>
+          <p:cNvSpPr txBox="1"/>
+          <p:nvPr/>
+        </p:nvSpPr>
+        <p:spPr>
+          <a:xfrm>
+            <a:off x="2179579" y="5825256"/>
+            <a:ext cx="2250937" cy="523220"/>
+          </a:xfrm>
+          <a:prstGeom prst="rect">
+            <a:avLst/>
+          </a:prstGeom>
+          <a:noFill/>
+        </p:spPr>
+        <p:txBody>
+          <a:bodyPr wrap="none" rtlCol="0">
+            <a:spAutoFit/>
+          </a:bodyPr>
+          <a:lstStyle/>
+          <a:p>
+            <a:r>
+              <a:rPr lang="en-US" sz="2800" dirty="0" smtClean="0"/>
+              <a:t>Monolithic OS</a:t>
+            </a:r>
+            <a:endParaRPr lang="en-US" sz="2800" dirty="0"/>
+          </a:p>
+        </p:txBody>
+      </p:sp>
       <p:pic>
         <p:nvPicPr>
-          <p:cNvPr id="5" name="Picture 4"/>
+          <p:cNvPr id="8" name="Picture 7"/>
           <p:cNvPicPr>
             <a:picLocks noChangeAspect="1"/>
           </p:cNvPicPr>
@@ -11721,14 +12866,44 @@
         </p:blipFill>
         <p:spPr>
           <a:xfrm>
-            <a:off x="1965286" y="1398166"/>
-            <a:ext cx="3432048" cy="4925568"/>
+            <a:off x="6685280" y="1405128"/>
+            <a:ext cx="3432048" cy="4255008"/>
           </a:xfrm>
           <a:prstGeom prst="rect">
             <a:avLst/>
           </a:prstGeom>
         </p:spPr>
       </p:pic>
+      <p:sp>
+        <p:nvSpPr>
+          <p:cNvPr id="9" name="TextBox 8"/>
+          <p:cNvSpPr txBox="1"/>
+          <p:nvPr/>
+        </p:nvSpPr>
+        <p:spPr>
+          <a:xfrm>
+            <a:off x="7602046" y="5825256"/>
+            <a:ext cx="1598515" cy="523220"/>
+          </a:xfrm>
+          <a:prstGeom prst="rect">
+            <a:avLst/>
+          </a:prstGeom>
+          <a:noFill/>
+        </p:spPr>
+        <p:txBody>
+          <a:bodyPr wrap="none" rtlCol="0">
+            <a:spAutoFit/>
+          </a:bodyPr>
+          <a:lstStyle/>
+          <a:p>
+            <a:r>
+              <a:rPr lang="en-US" sz="2800" smtClean="0"/>
+              <a:t>Exokernel</a:t>
+            </a:r>
+            <a:endParaRPr lang="en-US" sz="2800" dirty="0"/>
+          </a:p>
+        </p:txBody>
+      </p:sp>
     </p:spTree>
     <p:extLst>
       <p:ext uri="{BB962C8B-B14F-4D97-AF65-F5344CB8AC3E}">
@@ -11742,75 +12917,7 @@
   <p:timing>
     <p:tnLst>
       <p:par>
-        <p:cTn id="1" dur="indefinite" restart="never" nodeType="tmRoot">
-          <p:childTnLst>
-            <p:seq concurrent="1" nextAc="seek">
-              <p:cTn id="2" dur="indefinite" nodeType="mainSeq">
-                <p:childTnLst>
-                  <p:par>
-                    <p:cTn id="3" fill="hold">
-                      <p:stCondLst>
-                        <p:cond delay="indefinite"/>
-                      </p:stCondLst>
-                      <p:childTnLst>
-                        <p:par>
-                          <p:cTn id="4" fill="hold">
-                            <p:stCondLst>
-                              <p:cond delay="0"/>
-                            </p:stCondLst>
-                            <p:childTnLst>
-                              <p:par>
-                                <p:cTn id="5" presetID="1" presetClass="entr" presetSubtype="0" fill="hold" nodeType="clickEffect">
-                                  <p:stCondLst>
-                                    <p:cond delay="0"/>
-                                  </p:stCondLst>
-                                  <p:childTnLst>
-                                    <p:set>
-                                      <p:cBhvr>
-                                        <p:cTn id="6" dur="1" fill="hold">
-                                          <p:stCondLst>
-                                            <p:cond delay="0"/>
-                                          </p:stCondLst>
-                                        </p:cTn>
-                                        <p:tgtEl>
-                                          <p:spTgt spid="4"/>
-                                        </p:tgtEl>
-                                        <p:attrNameLst>
-                                          <p:attrName>style.visibility</p:attrName>
-                                        </p:attrNameLst>
-                                      </p:cBhvr>
-                                      <p:to>
-                                        <p:strVal val="visible"/>
-                                      </p:to>
-                                    </p:set>
-                                  </p:childTnLst>
-                                </p:cTn>
-                              </p:par>
-                            </p:childTnLst>
-                          </p:cTn>
-                        </p:par>
-                      </p:childTnLst>
-                    </p:cTn>
-                  </p:par>
-                </p:childTnLst>
-              </p:cTn>
-              <p:prevCondLst>
-                <p:cond evt="onPrev" delay="0">
-                  <p:tgtEl>
-                    <p:sldTgt/>
-                  </p:tgtEl>
-                </p:cond>
-              </p:prevCondLst>
-              <p:nextCondLst>
-                <p:cond evt="onNext" delay="0">
-                  <p:tgtEl>
-                    <p:sldTgt/>
-                  </p:tgtEl>
-                </p:cond>
-              </p:nextCondLst>
-            </p:seq>
-          </p:childTnLst>
-        </p:cTn>
+        <p:cTn id="1" dur="indefinite" restart="never" nodeType="tmRoot"/>
       </p:par>
     </p:tnLst>
   </p:timing>
@@ -11836,30 +12943,38 @@
       </p:grpSpPr>
       <p:sp>
         <p:nvSpPr>
-          <p:cNvPr id="2" name="Title 1"/>
-          <p:cNvSpPr>
-            <a:spLocks noGrp="1"/>
-          </p:cNvSpPr>
-          <p:nvPr>
-            <p:ph type="title"/>
-          </p:nvPr>
-        </p:nvSpPr>
-        <p:spPr/>
-        <p:txBody>
-          <a:bodyPr/>
-          <a:lstStyle/>
-          <a:p>
-            <a:r>
-              <a:rPr lang="en-US" dirty="0" smtClean="0"/>
-              <a:t>	Transition</a:t>
-            </a:r>
-            <a:endParaRPr lang="en-US" dirty="0"/>
+          <p:cNvPr id="3" name="Slide Number Placeholder 2"/>
+          <p:cNvSpPr>
+            <a:spLocks noGrp="1"/>
+          </p:cNvSpPr>
+          <p:nvPr>
+            <p:ph type="sldNum" sz="quarter" idx="12"/>
+          </p:nvPr>
+        </p:nvSpPr>
+        <p:spPr/>
+        <p:txBody>
+          <a:bodyPr/>
+          <a:lstStyle/>
+          <a:p>
+            <a:fld id="{B46BA956-F633-F04E-BD9F-377F5F31FAB2}" type="slidenum">
+              <a:rPr lang="en-US" smtClean="0">
+                <a:solidFill>
+                  <a:schemeClr val="tx1"/>
+                </a:solidFill>
+              </a:rPr>
+              <a:t>8</a:t>
+            </a:fld>
+            <a:endParaRPr lang="en-US" dirty="0">
+              <a:solidFill>
+                <a:schemeClr val="tx1"/>
+              </a:solidFill>
+            </a:endParaRPr>
           </a:p>
         </p:txBody>
       </p:sp>
       <p:pic>
         <p:nvPicPr>
-          <p:cNvPr id="4" name="Picture 3"/>
+          <p:cNvPr id="6" name="Picture 5"/>
           <p:cNvPicPr>
             <a:picLocks noChangeAspect="1"/>
           </p:cNvPicPr>
@@ -11879,8 +12994,8 @@
         </p:blipFill>
         <p:spPr>
           <a:xfrm>
-            <a:off x="2660904" y="1547368"/>
-            <a:ext cx="6870192" cy="3846576"/>
+            <a:off x="1916166" y="865632"/>
+            <a:ext cx="8066034" cy="4516120"/>
           </a:xfrm>
           <a:prstGeom prst="rect">
             <a:avLst/>
@@ -11967,76 +13082,179 @@
           <a:p>
             <a:pPr algn="ctr"/>
             <a:r>
-              <a:rPr lang="en-US" sz="1600" dirty="0" smtClean="0"/>
+              <a:rPr lang="en-US" sz="1600" dirty="0" smtClean="0">
+                <a:solidFill>
+                  <a:schemeClr val="tx1"/>
+                </a:solidFill>
+              </a:rPr>
               <a:t>Anil </a:t>
             </a:r>
             <a:r>
-              <a:rPr lang="en-US" sz="1600" dirty="0" err="1"/>
+              <a:rPr lang="en-US" sz="1600" dirty="0" err="1">
+                <a:solidFill>
+                  <a:schemeClr val="tx1"/>
+                </a:solidFill>
+              </a:rPr>
               <a:t>Madhavapeddy</a:t>
             </a:r>
             <a:r>
-              <a:rPr lang="en-US" sz="1600" dirty="0"/>
+              <a:rPr lang="en-US" sz="1600" dirty="0">
+                <a:solidFill>
+                  <a:schemeClr val="tx1"/>
+                </a:solidFill>
+              </a:rPr>
               <a:t>, Richard </a:t>
             </a:r>
             <a:r>
-              <a:rPr lang="en-US" sz="1600" dirty="0" err="1" smtClean="0"/>
+              <a:rPr lang="en-US" sz="1600" dirty="0" err="1" smtClean="0">
+                <a:solidFill>
+                  <a:schemeClr val="tx1"/>
+                </a:solidFill>
+              </a:rPr>
               <a:t>Mortier</a:t>
             </a:r>
             <a:r>
-              <a:rPr lang="en-US" sz="1600" dirty="0" smtClean="0"/>
+              <a:rPr lang="en-US" sz="1600" dirty="0" smtClean="0">
+                <a:solidFill>
+                  <a:schemeClr val="tx1"/>
+                </a:solidFill>
+              </a:rPr>
               <a:t>, </a:t>
             </a:r>
             <a:r>
-              <a:rPr lang="en-US" sz="1600" dirty="0" err="1"/>
+              <a:rPr lang="en-US" sz="1600" dirty="0" err="1">
+                <a:solidFill>
+                  <a:schemeClr val="tx1"/>
+                </a:solidFill>
+              </a:rPr>
               <a:t>Charalampos</a:t>
             </a:r>
             <a:r>
-              <a:rPr lang="en-US" sz="1600" dirty="0"/>
+              <a:rPr lang="en-US" sz="1600" dirty="0">
+                <a:solidFill>
+                  <a:schemeClr val="tx1"/>
+                </a:solidFill>
+              </a:rPr>
               <a:t> </a:t>
             </a:r>
             <a:r>
-              <a:rPr lang="en-US" sz="1600" dirty="0" err="1"/>
+              <a:rPr lang="en-US" sz="1600" dirty="0" err="1">
+                <a:solidFill>
+                  <a:schemeClr val="tx1"/>
+                </a:solidFill>
+              </a:rPr>
               <a:t>Rotsos</a:t>
             </a:r>
             <a:r>
-              <a:rPr lang="en-US" sz="1600" dirty="0"/>
+              <a:rPr lang="en-US" sz="1600" dirty="0">
+                <a:solidFill>
+                  <a:schemeClr val="tx1"/>
+                </a:solidFill>
+              </a:rPr>
               <a:t>, David </a:t>
             </a:r>
             <a:r>
-              <a:rPr lang="en-US" sz="1600" dirty="0" smtClean="0"/>
+              <a:rPr lang="en-US" sz="1600" dirty="0" smtClean="0">
+                <a:solidFill>
+                  <a:schemeClr val="tx1"/>
+                </a:solidFill>
+              </a:rPr>
               <a:t>Scott, </a:t>
             </a:r>
             <a:r>
-              <a:rPr lang="en-US" sz="1600" dirty="0" err="1"/>
+              <a:rPr lang="en-US" sz="1600" dirty="0" err="1">
+                <a:solidFill>
+                  <a:schemeClr val="tx1"/>
+                </a:solidFill>
+              </a:rPr>
               <a:t>Balraj</a:t>
             </a:r>
             <a:r>
-              <a:rPr lang="en-US" sz="1600" dirty="0"/>
+              <a:rPr lang="en-US" sz="1600" dirty="0">
+                <a:solidFill>
+                  <a:schemeClr val="tx1"/>
+                </a:solidFill>
+              </a:rPr>
               <a:t> Singh, Thomas </a:t>
             </a:r>
             <a:r>
-              <a:rPr lang="en-US" sz="1600" dirty="0" err="1" smtClean="0"/>
+              <a:rPr lang="en-US" sz="1600" dirty="0" err="1" smtClean="0">
+                <a:solidFill>
+                  <a:schemeClr val="tx1"/>
+                </a:solidFill>
+              </a:rPr>
               <a:t>Gazagnaire</a:t>
             </a:r>
             <a:r>
-              <a:rPr lang="en-US" sz="1600" dirty="0" smtClean="0"/>
+              <a:rPr lang="en-US" sz="1600" dirty="0" smtClean="0">
+                <a:solidFill>
+                  <a:schemeClr val="tx1"/>
+                </a:solidFill>
+              </a:rPr>
               <a:t>, </a:t>
             </a:r>
             <a:r>
-              <a:rPr lang="en-US" sz="1600" dirty="0"/>
+              <a:rPr lang="en-US" sz="1600" dirty="0">
+                <a:solidFill>
+                  <a:schemeClr val="tx1"/>
+                </a:solidFill>
+              </a:rPr>
               <a:t>Steven Smith, Steven Hand and Jon Crowcroft </a:t>
             </a:r>
-            <a:endParaRPr lang="en-US" sz="1600" dirty="0" smtClean="0"/>
+            <a:endParaRPr lang="en-US" sz="1600" dirty="0" smtClean="0">
+              <a:solidFill>
+                <a:schemeClr val="tx1"/>
+              </a:solidFill>
+            </a:endParaRPr>
           </a:p>
           <a:p>
             <a:pPr algn="ctr"/>
             <a:r>
-              <a:rPr lang="en-US" sz="1600" dirty="0" smtClean="0"/>
+              <a:rPr lang="en-US" sz="1600" dirty="0" smtClean="0">
+                <a:solidFill>
+                  <a:schemeClr val="tx1"/>
+                </a:solidFill>
+              </a:rPr>
               <a:t>ASPLOS’13</a:t>
             </a:r>
           </a:p>
           <a:p>
-            <a:endParaRPr lang="en-US" sz="1600" dirty="0"/>
+            <a:endParaRPr lang="en-US" sz="1600" dirty="0">
+              <a:solidFill>
+                <a:schemeClr val="tx1"/>
+              </a:solidFill>
+            </a:endParaRPr>
+          </a:p>
+        </p:txBody>
+      </p:sp>
+      <p:sp>
+        <p:nvSpPr>
+          <p:cNvPr id="4" name="Slide Number Placeholder 3"/>
+          <p:cNvSpPr>
+            <a:spLocks noGrp="1"/>
+          </p:cNvSpPr>
+          <p:nvPr>
+            <p:ph type="sldNum" sz="quarter" idx="12"/>
+          </p:nvPr>
+        </p:nvSpPr>
+        <p:spPr/>
+        <p:txBody>
+          <a:bodyPr/>
+          <a:lstStyle/>
+          <a:p>
+            <a:fld id="{B46BA956-F633-F04E-BD9F-377F5F31FAB2}" type="slidenum">
+              <a:rPr lang="en-US" smtClean="0">
+                <a:solidFill>
+                  <a:schemeClr val="tx1"/>
+                </a:solidFill>
+              </a:rPr>
+              <a:t>9</a:t>
+            </a:fld>
+            <a:endParaRPr lang="en-US" dirty="0">
+              <a:solidFill>
+                <a:schemeClr val="tx1"/>
+              </a:solidFill>
+            </a:endParaRPr>
           </a:p>
         </p:txBody>
       </p:sp>

--- a/CE_presentation.pptx
+++ b/CE_presentation.pptx
@@ -5,7 +5,7 @@
     <p:sldMasterId id="2147483648" r:id="rId1"/>
   </p:sldMasterIdLst>
   <p:notesMasterIdLst>
-    <p:notesMasterId r:id="rId24"/>
+    <p:notesMasterId r:id="rId29"/>
   </p:notesMasterIdLst>
   <p:sldIdLst>
     <p:sldId id="256" r:id="rId2"/>
@@ -15,21 +15,26 @@
     <p:sldId id="262" r:id="rId6"/>
     <p:sldId id="259" r:id="rId7"/>
     <p:sldId id="260" r:id="rId8"/>
-    <p:sldId id="276" r:id="rId9"/>
-    <p:sldId id="263" r:id="rId10"/>
-    <p:sldId id="261" r:id="rId11"/>
-    <p:sldId id="264" r:id="rId12"/>
-    <p:sldId id="265" r:id="rId13"/>
-    <p:sldId id="277" r:id="rId14"/>
-    <p:sldId id="266" r:id="rId15"/>
-    <p:sldId id="267" r:id="rId16"/>
-    <p:sldId id="268" r:id="rId17"/>
-    <p:sldId id="269" r:id="rId18"/>
-    <p:sldId id="270" r:id="rId19"/>
-    <p:sldId id="271" r:id="rId20"/>
-    <p:sldId id="272" r:id="rId21"/>
-    <p:sldId id="273" r:id="rId22"/>
-    <p:sldId id="274" r:id="rId23"/>
+    <p:sldId id="278" r:id="rId9"/>
+    <p:sldId id="276" r:id="rId10"/>
+    <p:sldId id="263" r:id="rId11"/>
+    <p:sldId id="261" r:id="rId12"/>
+    <p:sldId id="264" r:id="rId13"/>
+    <p:sldId id="265" r:id="rId14"/>
+    <p:sldId id="277" r:id="rId15"/>
+    <p:sldId id="266" r:id="rId16"/>
+    <p:sldId id="267" r:id="rId17"/>
+    <p:sldId id="268" r:id="rId18"/>
+    <p:sldId id="269" r:id="rId19"/>
+    <p:sldId id="270" r:id="rId20"/>
+    <p:sldId id="271" r:id="rId21"/>
+    <p:sldId id="272" r:id="rId22"/>
+    <p:sldId id="273" r:id="rId23"/>
+    <p:sldId id="274" r:id="rId24"/>
+    <p:sldId id="280" r:id="rId25"/>
+    <p:sldId id="279" r:id="rId26"/>
+    <p:sldId id="281" r:id="rId27"/>
+    <p:sldId id="282" r:id="rId28"/>
   </p:sldIdLst>
   <p:sldSz cx="12192000" cy="6858000"/>
   <p:notesSz cx="6858000" cy="9144000"/>
@@ -218,7 +223,7 @@
           <a:p>
             <a:fld id="{CE702E3E-BC69-0A48-B26D-D57F49177E51}" type="datetimeFigureOut">
               <a:rPr lang="en-US" smtClean="0"/>
-              <a:t>6/26/17</a:t>
+              <a:t>6/27/17</a:t>
             </a:fld>
             <a:endParaRPr lang="en-US"/>
           </a:p>
@@ -739,7 +744,7 @@
           <a:p>
             <a:fld id="{69E8AC4D-76AB-F049-B583-F6A359C4EA1A}" type="slidenum">
               <a:rPr lang="en-US" smtClean="0"/>
-              <a:t>10</a:t>
+              <a:t>11</a:t>
             </a:fld>
             <a:endParaRPr lang="en-US"/>
           </a:p>
@@ -902,7 +907,7 @@
           <a:p>
             <a:fld id="{69E8AC4D-76AB-F049-B583-F6A359C4EA1A}" type="slidenum">
               <a:rPr lang="en-US" smtClean="0"/>
-              <a:t>11</a:t>
+              <a:t>12</a:t>
             </a:fld>
             <a:endParaRPr lang="en-US"/>
           </a:p>
@@ -1081,7 +1086,7 @@
           <a:p>
             <a:fld id="{69E8AC4D-76AB-F049-B583-F6A359C4EA1A}" type="slidenum">
               <a:rPr lang="en-US" smtClean="0"/>
-              <a:t>12</a:t>
+              <a:t>13</a:t>
             </a:fld>
             <a:endParaRPr lang="en-US"/>
           </a:p>
@@ -1181,7 +1186,7 @@
           <a:p>
             <a:fld id="{69E8AC4D-76AB-F049-B583-F6A359C4EA1A}" type="slidenum">
               <a:rPr lang="en-US" smtClean="0"/>
-              <a:t>13</a:t>
+              <a:t>14</a:t>
             </a:fld>
             <a:endParaRPr lang="en-US"/>
           </a:p>
@@ -1281,7 +1286,7 @@
           <a:p>
             <a:fld id="{69E8AC4D-76AB-F049-B583-F6A359C4EA1A}" type="slidenum">
               <a:rPr lang="en-US" smtClean="0"/>
-              <a:t>14</a:t>
+              <a:t>15</a:t>
             </a:fld>
             <a:endParaRPr lang="en-US"/>
           </a:p>
@@ -1471,7 +1476,7 @@
           <a:p>
             <a:fld id="{69E8AC4D-76AB-F049-B583-F6A359C4EA1A}" type="slidenum">
               <a:rPr lang="en-US" smtClean="0"/>
-              <a:t>15</a:t>
+              <a:t>16</a:t>
             </a:fld>
             <a:endParaRPr lang="en-US"/>
           </a:p>
@@ -1598,7 +1603,7 @@
           <a:p>
             <a:fld id="{69E8AC4D-76AB-F049-B583-F6A359C4EA1A}" type="slidenum">
               <a:rPr lang="en-US" smtClean="0"/>
-              <a:t>16</a:t>
+              <a:t>17</a:t>
             </a:fld>
             <a:endParaRPr lang="en-US"/>
           </a:p>
@@ -1732,7 +1737,7 @@
           <a:p>
             <a:fld id="{69E8AC4D-76AB-F049-B583-F6A359C4EA1A}" type="slidenum">
               <a:rPr lang="en-US" smtClean="0"/>
-              <a:t>17</a:t>
+              <a:t>18</a:t>
             </a:fld>
             <a:endParaRPr lang="en-US"/>
           </a:p>
@@ -1856,7 +1861,7 @@
           <a:p>
             <a:fld id="{69E8AC4D-76AB-F049-B583-F6A359C4EA1A}" type="slidenum">
               <a:rPr lang="en-US" smtClean="0"/>
-              <a:t>18</a:t>
+              <a:t>19</a:t>
             </a:fld>
             <a:endParaRPr lang="en-US"/>
           </a:p>
@@ -1963,7 +1968,7 @@
           <a:p>
             <a:fld id="{69E8AC4D-76AB-F049-B583-F6A359C4EA1A}" type="slidenum">
               <a:rPr lang="en-US" smtClean="0"/>
-              <a:t>19</a:t>
+              <a:t>20</a:t>
             </a:fld>
             <a:endParaRPr lang="en-US"/>
           </a:p>
@@ -2278,7 +2283,7 @@
           <a:p>
             <a:fld id="{69E8AC4D-76AB-F049-B583-F6A359C4EA1A}" type="slidenum">
               <a:rPr lang="en-US" smtClean="0"/>
-              <a:t>20</a:t>
+              <a:t>21</a:t>
             </a:fld>
             <a:endParaRPr lang="en-US"/>
           </a:p>
@@ -2454,7 +2459,7 @@
           <a:p>
             <a:fld id="{69E8AC4D-76AB-F049-B583-F6A359C4EA1A}" type="slidenum">
               <a:rPr lang="en-US" smtClean="0"/>
-              <a:t>21</a:t>
+              <a:t>22</a:t>
             </a:fld>
             <a:endParaRPr lang="en-US"/>
           </a:p>
@@ -2546,7 +2551,7 @@
           <a:p>
             <a:fld id="{5818C058-0722-5846-9CCC-2E4F26A67B17}" type="slidenum">
               <a:rPr lang="en-US" smtClean="0"/>
-              <a:t>22</a:t>
+              <a:t>23</a:t>
             </a:fld>
             <a:endParaRPr lang="en-US"/>
           </a:p>
@@ -2556,6 +2561,130 @@
     <p:extLst>
       <p:ext uri="{BB962C8B-B14F-4D97-AF65-F5344CB8AC3E}">
         <p14:creationId xmlns:p14="http://schemas.microsoft.com/office/powerpoint/2010/main" val="389410249"/>
+      </p:ext>
+    </p:extLst>
+  </p:cSld>
+  <p:clrMapOvr>
+    <a:masterClrMapping/>
+  </p:clrMapOvr>
+</p:notes>
+</file>
+
+<file path=ppt/notesSlides/notesSlide23.xml><?xml version="1.0" encoding="utf-8"?>
+<p:notes xmlns:a="http://schemas.openxmlformats.org/drawingml/2006/main" xmlns:r="http://schemas.openxmlformats.org/officeDocument/2006/relationships" xmlns:p="http://schemas.openxmlformats.org/presentationml/2006/main">
+  <p:cSld>
+    <p:spTree>
+      <p:nvGrpSpPr>
+        <p:cNvPr id="1" name=""/>
+        <p:cNvGrpSpPr/>
+        <p:nvPr/>
+      </p:nvGrpSpPr>
+      <p:grpSpPr>
+        <a:xfrm>
+          <a:off x="0" y="0"/>
+          <a:ext cx="0" cy="0"/>
+          <a:chOff x="0" y="0"/>
+          <a:chExt cx="0" cy="0"/>
+        </a:xfrm>
+      </p:grpSpPr>
+      <p:sp>
+        <p:nvSpPr>
+          <p:cNvPr id="2" name="Slide Image Placeholder 1"/>
+          <p:cNvSpPr>
+            <a:spLocks noGrp="1" noRot="1" noChangeAspect="1"/>
+          </p:cNvSpPr>
+          <p:nvPr>
+            <p:ph type="sldImg"/>
+          </p:nvPr>
+        </p:nvSpPr>
+        <p:spPr/>
+      </p:sp>
+      <p:sp>
+        <p:nvSpPr>
+          <p:cNvPr id="3" name="Notes Placeholder 2"/>
+          <p:cNvSpPr>
+            <a:spLocks noGrp="1"/>
+          </p:cNvSpPr>
+          <p:nvPr>
+            <p:ph type="body" idx="1"/>
+          </p:nvPr>
+        </p:nvSpPr>
+        <p:spPr/>
+        <p:txBody>
+          <a:bodyPr/>
+          <a:lstStyle/>
+          <a:p>
+            <a:r>
+              <a:rPr lang="en-US" dirty="0" smtClean="0"/>
+              <a:t>Now, considering our requirements for performance,</a:t>
+            </a:r>
+            <a:r>
+              <a:rPr lang="en-US" baseline="0" dirty="0" smtClean="0"/>
+              <a:t> efficiency, and security.</a:t>
+            </a:r>
+          </a:p>
+          <a:p>
+            <a:r>
+              <a:rPr lang="en-US" baseline="0" dirty="0" smtClean="0"/>
+              <a:t>Haven incurs some overheads, that come both from its complex layered architecture, and from the cost of SGX.</a:t>
+            </a:r>
+          </a:p>
+          <a:p>
+            <a:r>
+              <a:rPr lang="en-US" baseline="0" dirty="0" smtClean="0"/>
+              <a:t>In fact, resizing the amount of memory allocated to the enclave, doing enclave crossings, and access enclave pages have non-negligible costs.</a:t>
+            </a:r>
+          </a:p>
+          <a:p>
+            <a:r>
+              <a:rPr lang="en-US" baseline="0" dirty="0" smtClean="0"/>
+              <a:t>On the other hand, considering the security aspect, haven provides bi-directional isolation.</a:t>
+            </a:r>
+          </a:p>
+          <a:p>
+            <a:r>
+              <a:rPr lang="en-US" baseline="0" dirty="0" smtClean="0"/>
+              <a:t>Unfortunately, as it packs an entire windows operating system inside the enclave, we can have concerns about the attack surface exposed.</a:t>
+            </a:r>
+          </a:p>
+          <a:p>
+            <a:endParaRPr lang="en-US" baseline="0" dirty="0" smtClean="0"/>
+          </a:p>
+          <a:p>
+            <a:r>
+              <a:rPr lang="en-US" baseline="0" dirty="0" smtClean="0"/>
+              <a:t>Good, so now that we’ve studied all three papers, let’s discuss what we’ve seen.</a:t>
+            </a:r>
+          </a:p>
+        </p:txBody>
+      </p:sp>
+      <p:sp>
+        <p:nvSpPr>
+          <p:cNvPr id="4" name="Slide Number Placeholder 3"/>
+          <p:cNvSpPr>
+            <a:spLocks noGrp="1"/>
+          </p:cNvSpPr>
+          <p:nvPr>
+            <p:ph type="sldNum" sz="quarter" idx="10"/>
+          </p:nvPr>
+        </p:nvSpPr>
+        <p:spPr/>
+        <p:txBody>
+          <a:bodyPr/>
+          <a:lstStyle/>
+          <a:p>
+            <a:fld id="{69E8AC4D-76AB-F049-B583-F6A359C4EA1A}" type="slidenum">
+              <a:rPr lang="en-US" smtClean="0"/>
+              <a:t>25</a:t>
+            </a:fld>
+            <a:endParaRPr lang="en-US"/>
+          </a:p>
+        </p:txBody>
+      </p:sp>
+    </p:spTree>
+    <p:extLst>
+      <p:ext uri="{BB962C8B-B14F-4D97-AF65-F5344CB8AC3E}">
+        <p14:creationId xmlns:p14="http://schemas.microsoft.com/office/powerpoint/2010/main" val="1034645054"/>
       </p:ext>
     </p:extLst>
   </p:cSld>
@@ -2647,11 +2776,7 @@
           <a:p>
             <a:r>
               <a:rPr lang="en-US" baseline="0" dirty="0" smtClean="0"/>
-              <a:t>That means that you want to limit the amount of resources your application consumes, and make the most out of what you pay </a:t>
-            </a:r>
-            <a:r>
-              <a:rPr lang="en-US" baseline="0" dirty="0" smtClean="0"/>
-              <a:t>for.</a:t>
+              <a:t>That means that you want to limit the amount of resources your application consumes, and make the most out of what you pay for.</a:t>
             </a:r>
           </a:p>
           <a:p>
@@ -2666,11 +2791,7 @@
           <a:p>
             <a:r>
               <a:rPr lang="en-US" baseline="0" dirty="0" smtClean="0"/>
-              <a:t>Then, </a:t>
-            </a:r>
-            <a:r>
-              <a:rPr lang="en-US" baseline="0" dirty="0" smtClean="0"/>
-              <a:t>tenants have to think about security when deploying their applications on cloud services.</a:t>
+              <a:t>Then, tenants have to think about security when deploying their applications on cloud services.</a:t>
             </a:r>
           </a:p>
           <a:p>
@@ -3366,7 +3487,7 @@
           <a:p>
             <a:fld id="{69E8AC4D-76AB-F049-B583-F6A359C4EA1A}" type="slidenum">
               <a:rPr lang="en-US" smtClean="0"/>
-              <a:t>8</a:t>
+              <a:t>9</a:t>
             </a:fld>
             <a:endParaRPr lang="en-US"/>
           </a:p>
@@ -3462,7 +3583,7 @@
           <a:p>
             <a:fld id="{69E8AC4D-76AB-F049-B583-F6A359C4EA1A}" type="slidenum">
               <a:rPr lang="en-US" smtClean="0"/>
-              <a:t>9</a:t>
+              <a:t>10</a:t>
             </a:fld>
             <a:endParaRPr lang="en-US"/>
           </a:p>
@@ -3630,7 +3751,7 @@
           <a:p>
             <a:fld id="{48A51378-ED5F-A842-B4BD-350ED1610978}" type="datetime1">
               <a:rPr lang="en-US" smtClean="0"/>
-              <a:t>6/26/17</a:t>
+              <a:t>6/27/17</a:t>
             </a:fld>
             <a:endParaRPr lang="en-US"/>
           </a:p>
@@ -3800,7 +3921,7 @@
           <a:p>
             <a:fld id="{B41C0A04-DC22-634D-9DEF-54D68390905F}" type="datetime1">
               <a:rPr lang="en-US" smtClean="0"/>
-              <a:t>6/26/17</a:t>
+              <a:t>6/27/17</a:t>
             </a:fld>
             <a:endParaRPr lang="en-US"/>
           </a:p>
@@ -3980,7 +4101,7 @@
           <a:p>
             <a:fld id="{7648D593-2EC9-7D41-B496-CD7B0C85C2AE}" type="datetime1">
               <a:rPr lang="en-US" smtClean="0"/>
-              <a:t>6/26/17</a:t>
+              <a:t>6/27/17</a:t>
             </a:fld>
             <a:endParaRPr lang="en-US"/>
           </a:p>
@@ -4155,7 +4276,7 @@
           <a:p>
             <a:fld id="{AE163ADF-232C-BB44-A2EB-133411987AE0}" type="datetime1">
               <a:rPr lang="en-US" smtClean="0"/>
-              <a:t>6/26/17</a:t>
+              <a:t>6/27/17</a:t>
             </a:fld>
             <a:endParaRPr lang="en-US"/>
           </a:p>
@@ -4401,7 +4522,7 @@
           <a:p>
             <a:fld id="{3BE07E9F-6EFC-9440-86DD-CCBABFD40191}" type="datetime1">
               <a:rPr lang="en-US" smtClean="0"/>
-              <a:t>6/26/17</a:t>
+              <a:t>6/27/17</a:t>
             </a:fld>
             <a:endParaRPr lang="en-US"/>
           </a:p>
@@ -4633,7 +4754,7 @@
           <a:p>
             <a:fld id="{F9E0C392-2489-FA4A-834E-F4D08B271C34}" type="datetime1">
               <a:rPr lang="en-US" smtClean="0"/>
-              <a:t>6/26/17</a:t>
+              <a:t>6/27/17</a:t>
             </a:fld>
             <a:endParaRPr lang="en-US"/>
           </a:p>
@@ -5000,7 +5121,7 @@
           <a:p>
             <a:fld id="{651BABA5-6B3D-114B-9F25-FE43FF7EA4F3}" type="datetime1">
               <a:rPr lang="en-US" smtClean="0"/>
-              <a:t>6/26/17</a:t>
+              <a:t>6/27/17</a:t>
             </a:fld>
             <a:endParaRPr lang="en-US"/>
           </a:p>
@@ -5118,7 +5239,7 @@
           <a:p>
             <a:fld id="{F9136DAE-CD4F-CA43-9C01-749967BEE775}" type="datetime1">
               <a:rPr lang="en-US" smtClean="0"/>
-              <a:t>6/26/17</a:t>
+              <a:t>6/27/17</a:t>
             </a:fld>
             <a:endParaRPr lang="en-US"/>
           </a:p>
@@ -5213,7 +5334,7 @@
           <a:p>
             <a:fld id="{BF69CA45-122D-4C49-BE5C-F7E8ACEAAFC3}" type="datetime1">
               <a:rPr lang="en-US" smtClean="0"/>
-              <a:t>6/26/17</a:t>
+              <a:t>6/27/17</a:t>
             </a:fld>
             <a:endParaRPr lang="en-US"/>
           </a:p>
@@ -5490,7 +5611,7 @@
           <a:p>
             <a:fld id="{72FDAF24-7A4F-A64E-9BEA-3E7C4FBAEA0E}" type="datetime1">
               <a:rPr lang="en-US" smtClean="0"/>
-              <a:t>6/26/17</a:t>
+              <a:t>6/27/17</a:t>
             </a:fld>
             <a:endParaRPr lang="en-US"/>
           </a:p>
@@ -5743,7 +5864,7 @@
           <a:p>
             <a:fld id="{95A4C3AA-2AD2-F54D-AEFF-FC88D2CDCD54}" type="datetime1">
               <a:rPr lang="en-US" smtClean="0"/>
-              <a:t>6/26/17</a:t>
+              <a:t>6/27/17</a:t>
             </a:fld>
             <a:endParaRPr lang="en-US"/>
           </a:p>
@@ -5959,7 +6080,7 @@
           <a:p>
             <a:fld id="{8F8B4402-578E-FF44-851F-343783F01DEA}" type="datetime1">
               <a:rPr lang="en-US" smtClean="0"/>
-              <a:t>6/26/17</a:t>
+              <a:t>6/27/17</a:t>
             </a:fld>
             <a:endParaRPr lang="en-US"/>
           </a:p>
@@ -6571,187 +6692,202 @@
           <a:bodyPr/>
           <a:lstStyle/>
           <a:p>
-            <a:r>
-              <a:rPr lang="en-US" dirty="0" smtClean="0"/>
-              <a:t>	</a:t>
-            </a:r>
+            <a:pPr algn="ctr"/>
             <a:r>
               <a:rPr lang="en-US" dirty="0" err="1" smtClean="0"/>
               <a:t>Unikernels</a:t>
             </a:r>
-            <a:r>
-              <a:rPr lang="en-US" dirty="0" smtClean="0"/>
-              <a:t>: Motivation</a:t>
-            </a:r>
             <a:endParaRPr lang="en-US" dirty="0"/>
           </a:p>
         </p:txBody>
       </p:sp>
       <p:sp>
         <p:nvSpPr>
-          <p:cNvPr id="3" name="Content Placeholder 2"/>
-          <p:cNvSpPr>
-            <a:spLocks noGrp="1"/>
-          </p:cNvSpPr>
-          <p:nvPr>
-            <p:ph idx="1"/>
-          </p:nvPr>
-        </p:nvSpPr>
-        <p:spPr/>
-        <p:txBody>
-          <a:bodyPr/>
-          <a:lstStyle/>
-          <a:p>
-            <a:pPr marL="0" indent="0">
-              <a:buNone/>
-            </a:pPr>
-            <a:r>
-              <a:rPr lang="en-US" u="sng" dirty="0" smtClean="0">
-                <a:solidFill>
-                  <a:schemeClr val="tx1"/>
-                </a:solidFill>
-              </a:rPr>
-              <a:t>Problem:</a:t>
-            </a:r>
-            <a:r>
-              <a:rPr lang="en-US" dirty="0" smtClean="0">
+          <p:cNvPr id="3" name="Text Placeholder 2"/>
+          <p:cNvSpPr>
+            <a:spLocks noGrp="1"/>
+          </p:cNvSpPr>
+          <p:nvPr>
+            <p:ph type="body" idx="1"/>
+          </p:nvPr>
+        </p:nvSpPr>
+        <p:spPr/>
+        <p:txBody>
+          <a:bodyPr>
+            <a:normAutofit/>
+          </a:bodyPr>
+          <a:lstStyle/>
+          <a:p>
+            <a:pPr algn="ctr"/>
+            <a:r>
+              <a:rPr lang="en-US" sz="1600" dirty="0" smtClean="0">
+                <a:solidFill>
+                  <a:schemeClr val="tx1"/>
+                </a:solidFill>
+              </a:rPr>
+              <a:t>Anil </a:t>
+            </a:r>
+            <a:r>
+              <a:rPr lang="en-US" sz="1600" dirty="0" err="1">
+                <a:solidFill>
+                  <a:schemeClr val="tx1"/>
+                </a:solidFill>
+              </a:rPr>
+              <a:t>Madhavapeddy</a:t>
+            </a:r>
+            <a:r>
+              <a:rPr lang="en-US" sz="1600" dirty="0">
+                <a:solidFill>
+                  <a:schemeClr val="tx1"/>
+                </a:solidFill>
+              </a:rPr>
+              <a:t>, Richard </a:t>
+            </a:r>
+            <a:r>
+              <a:rPr lang="en-US" sz="1600" dirty="0" err="1" smtClean="0">
+                <a:solidFill>
+                  <a:schemeClr val="tx1"/>
+                </a:solidFill>
+              </a:rPr>
+              <a:t>Mortier</a:t>
+            </a:r>
+            <a:r>
+              <a:rPr lang="en-US" sz="1600" dirty="0" smtClean="0">
+                <a:solidFill>
+                  <a:schemeClr val="tx1"/>
+                </a:solidFill>
+              </a:rPr>
+              <a:t>, </a:t>
+            </a:r>
+            <a:r>
+              <a:rPr lang="en-US" sz="1600" dirty="0" err="1">
+                <a:solidFill>
+                  <a:schemeClr val="tx1"/>
+                </a:solidFill>
+              </a:rPr>
+              <a:t>Charalampos</a:t>
+            </a:r>
+            <a:r>
+              <a:rPr lang="en-US" sz="1600" dirty="0">
                 <a:solidFill>
                   <a:schemeClr val="tx1"/>
                 </a:solidFill>
               </a:rPr>
               <a:t> </a:t>
             </a:r>
-          </a:p>
-          <a:p>
-            <a:pPr marL="0" indent="0">
-              <a:buNone/>
-            </a:pPr>
-            <a:r>
-              <a:rPr lang="en-US" dirty="0" smtClean="0">
-                <a:solidFill>
-                  <a:schemeClr val="tx1"/>
-                </a:solidFill>
-              </a:rPr>
-              <a:t>Single-purpose VMs deployed in the cloud are not specialized enough!</a:t>
-            </a:r>
-          </a:p>
-          <a:p>
-            <a:pPr marL="0" indent="0">
-              <a:buNone/>
-            </a:pPr>
-            <a:r>
-              <a:rPr lang="en-US" dirty="0" smtClean="0">
-                <a:solidFill>
-                  <a:schemeClr val="tx1"/>
-                </a:solidFill>
-              </a:rPr>
-              <a:t>It </a:t>
-            </a:r>
-            <a:r>
-              <a:rPr lang="en-US" b="1" dirty="0" smtClean="0">
-                <a:solidFill>
-                  <a:schemeClr val="accent2"/>
-                </a:solidFill>
-              </a:rPr>
-              <a:t>impacts</a:t>
-            </a:r>
-            <a:r>
-              <a:rPr lang="en-US" b="1" dirty="0" smtClean="0">
-                <a:solidFill>
-                  <a:schemeClr val="tx1"/>
-                </a:solidFill>
-              </a:rPr>
-              <a:t> </a:t>
-            </a:r>
-            <a:r>
-              <a:rPr lang="en-US" dirty="0" smtClean="0">
-                <a:solidFill>
-                  <a:schemeClr val="tx1"/>
-                </a:solidFill>
-              </a:rPr>
-              <a:t>efficiency &amp; security.</a:t>
-            </a:r>
-          </a:p>
-          <a:p>
-            <a:pPr marL="0" indent="0">
-              <a:buNone/>
-            </a:pPr>
-            <a:endParaRPr lang="en-US" dirty="0" smtClean="0"/>
-          </a:p>
-          <a:p>
-            <a:pPr marL="0" indent="0">
-              <a:buNone/>
-            </a:pPr>
-            <a:r>
-              <a:rPr lang="en-US" u="sng" dirty="0" smtClean="0">
-                <a:solidFill>
-                  <a:schemeClr val="tx1"/>
-                </a:solidFill>
-              </a:rPr>
-              <a:t>Solution:</a:t>
-            </a:r>
-          </a:p>
-          <a:p>
-            <a:pPr marL="0" indent="0">
-              <a:buNone/>
-            </a:pPr>
-            <a:r>
-              <a:rPr lang="en-US" dirty="0" smtClean="0">
-                <a:solidFill>
-                  <a:schemeClr val="tx1"/>
-                </a:solidFill>
-              </a:rPr>
-              <a:t>Eschew backward compatibility!</a:t>
-            </a:r>
-          </a:p>
-          <a:p>
-            <a:pPr lvl="1"/>
-            <a:r>
-              <a:rPr lang="en-US" dirty="0" smtClean="0">
-                <a:solidFill>
-                  <a:schemeClr val="tx1"/>
-                </a:solidFill>
-              </a:rPr>
-              <a:t>Application &amp; </a:t>
-            </a:r>
-            <a:r>
-              <a:rPr lang="en-US" dirty="0" err="1" smtClean="0">
-                <a:solidFill>
-                  <a:schemeClr val="tx1"/>
-                </a:solidFill>
-              </a:rPr>
-              <a:t>LibOS</a:t>
-            </a:r>
-            <a:r>
-              <a:rPr lang="en-US" dirty="0" smtClean="0">
-                <a:solidFill>
-                  <a:schemeClr val="tx1"/>
-                </a:solidFill>
-              </a:rPr>
-              <a:t> implemented in one high-level language.</a:t>
-            </a:r>
-          </a:p>
-          <a:p>
-            <a:pPr lvl="1"/>
-            <a:r>
-              <a:rPr lang="en-US" dirty="0" smtClean="0">
-                <a:solidFill>
-                  <a:schemeClr val="tx1"/>
-                </a:solidFill>
-              </a:rPr>
-              <a:t>Leverage static analysis &amp; verification tools. </a:t>
-            </a:r>
-          </a:p>
-          <a:p>
-            <a:pPr lvl="1"/>
-            <a:r>
-              <a:rPr lang="en-US" dirty="0" smtClean="0">
-                <a:solidFill>
-                  <a:schemeClr val="tx1"/>
-                </a:solidFill>
-              </a:rPr>
-              <a:t>Runs on top of a hypervisor.</a:t>
-            </a:r>
+            <a:r>
+              <a:rPr lang="en-US" sz="1600" dirty="0" err="1">
+                <a:solidFill>
+                  <a:schemeClr val="tx1"/>
+                </a:solidFill>
+              </a:rPr>
+              <a:t>Rotsos</a:t>
+            </a:r>
+            <a:r>
+              <a:rPr lang="en-US" sz="1600" dirty="0">
+                <a:solidFill>
+                  <a:schemeClr val="tx1"/>
+                </a:solidFill>
+              </a:rPr>
+              <a:t>, David </a:t>
+            </a:r>
+            <a:r>
+              <a:rPr lang="en-US" sz="1600" dirty="0" smtClean="0">
+                <a:solidFill>
+                  <a:schemeClr val="tx1"/>
+                </a:solidFill>
+              </a:rPr>
+              <a:t>Scott, </a:t>
+            </a:r>
+            <a:r>
+              <a:rPr lang="en-US" sz="1600" dirty="0" err="1">
+                <a:solidFill>
+                  <a:schemeClr val="tx1"/>
+                </a:solidFill>
+              </a:rPr>
+              <a:t>Balraj</a:t>
+            </a:r>
+            <a:r>
+              <a:rPr lang="en-US" sz="1600" dirty="0">
+                <a:solidFill>
+                  <a:schemeClr val="tx1"/>
+                </a:solidFill>
+              </a:rPr>
+              <a:t> Singh, Thomas </a:t>
+            </a:r>
+            <a:r>
+              <a:rPr lang="en-US" sz="1600" dirty="0" err="1" smtClean="0">
+                <a:solidFill>
+                  <a:schemeClr val="tx1"/>
+                </a:solidFill>
+              </a:rPr>
+              <a:t>Gazagnaire</a:t>
+            </a:r>
+            <a:r>
+              <a:rPr lang="en-US" sz="1600" dirty="0" smtClean="0">
+                <a:solidFill>
+                  <a:schemeClr val="tx1"/>
+                </a:solidFill>
+              </a:rPr>
+              <a:t>, </a:t>
+            </a:r>
+            <a:r>
+              <a:rPr lang="en-US" sz="1600" dirty="0">
+                <a:solidFill>
+                  <a:schemeClr val="tx1"/>
+                </a:solidFill>
+              </a:rPr>
+              <a:t>Steven Smith, Steven Hand and Jon Crowcroft </a:t>
+            </a:r>
+            <a:endParaRPr lang="en-US" sz="1600" dirty="0" smtClean="0">
+              <a:solidFill>
+                <a:schemeClr val="tx1"/>
+              </a:solidFill>
+            </a:endParaRPr>
+          </a:p>
+          <a:p>
+            <a:pPr algn="ctr"/>
+            <a:r>
+              <a:rPr lang="en-US" sz="1600" dirty="0" smtClean="0">
+                <a:solidFill>
+                  <a:schemeClr val="tx1"/>
+                </a:solidFill>
+              </a:rPr>
+              <a:t>ASPLOS’13</a:t>
+            </a:r>
+          </a:p>
+          <a:p>
+            <a:endParaRPr lang="en-US" sz="1600" dirty="0">
+              <a:solidFill>
+                <a:schemeClr val="tx1"/>
+              </a:solidFill>
+            </a:endParaRPr>
+          </a:p>
+        </p:txBody>
+      </p:sp>
+      <p:sp>
+        <p:nvSpPr>
+          <p:cNvPr id="4" name="Slide Number Placeholder 3"/>
+          <p:cNvSpPr>
+            <a:spLocks noGrp="1"/>
+          </p:cNvSpPr>
+          <p:nvPr>
+            <p:ph type="sldNum" sz="quarter" idx="12"/>
+          </p:nvPr>
+        </p:nvSpPr>
+        <p:spPr/>
+        <p:txBody>
+          <a:bodyPr/>
+          <a:lstStyle/>
+          <a:p>
+            <a:fld id="{B46BA956-F633-F04E-BD9F-377F5F31FAB2}" type="slidenum">
+              <a:rPr lang="en-US" smtClean="0">
+                <a:solidFill>
+                  <a:schemeClr val="tx1"/>
+                </a:solidFill>
+              </a:rPr>
+              <a:t>10</a:t>
+            </a:fld>
             <a:endParaRPr lang="en-US" dirty="0">
               <a:solidFill>
                 <a:schemeClr val="tx1"/>
@@ -6760,6 +6896,247 @@
           </a:p>
         </p:txBody>
       </p:sp>
+    </p:spTree>
+    <p:extLst>
+      <p:ext uri="{BB962C8B-B14F-4D97-AF65-F5344CB8AC3E}">
+        <p14:creationId xmlns:p14="http://schemas.microsoft.com/office/powerpoint/2010/main" val="266110107"/>
+      </p:ext>
+    </p:extLst>
+  </p:cSld>
+  <p:clrMapOvr>
+    <a:masterClrMapping/>
+  </p:clrMapOvr>
+  <p:timing>
+    <p:tnLst>
+      <p:par>
+        <p:cTn id="1" dur="indefinite" restart="never" nodeType="tmRoot"/>
+      </p:par>
+    </p:tnLst>
+  </p:timing>
+</p:sld>
+</file>
+
+<file path=ppt/slides/slide11.xml><?xml version="1.0" encoding="utf-8"?>
+<p:sld xmlns:a="http://schemas.openxmlformats.org/drawingml/2006/main" xmlns:r="http://schemas.openxmlformats.org/officeDocument/2006/relationships" xmlns:p="http://schemas.openxmlformats.org/presentationml/2006/main">
+  <p:cSld>
+    <p:spTree>
+      <p:nvGrpSpPr>
+        <p:cNvPr id="1" name=""/>
+        <p:cNvGrpSpPr/>
+        <p:nvPr/>
+      </p:nvGrpSpPr>
+      <p:grpSpPr>
+        <a:xfrm>
+          <a:off x="0" y="0"/>
+          <a:ext cx="0" cy="0"/>
+          <a:chOff x="0" y="0"/>
+          <a:chExt cx="0" cy="0"/>
+        </a:xfrm>
+      </p:grpSpPr>
+      <p:sp>
+        <p:nvSpPr>
+          <p:cNvPr id="2" name="Title 1"/>
+          <p:cNvSpPr>
+            <a:spLocks noGrp="1"/>
+          </p:cNvSpPr>
+          <p:nvPr>
+            <p:ph type="title"/>
+          </p:nvPr>
+        </p:nvSpPr>
+        <p:spPr/>
+        <p:txBody>
+          <a:bodyPr/>
+          <a:lstStyle/>
+          <a:p>
+            <a:r>
+              <a:rPr lang="en-US" dirty="0" smtClean="0"/>
+              <a:t>	</a:t>
+            </a:r>
+            <a:r>
+              <a:rPr lang="en-US" dirty="0" err="1" smtClean="0"/>
+              <a:t>Unikernels</a:t>
+            </a:r>
+            <a:r>
+              <a:rPr lang="en-US" dirty="0" smtClean="0"/>
+              <a:t>: Motivation</a:t>
+            </a:r>
+            <a:endParaRPr lang="en-US" dirty="0"/>
+          </a:p>
+        </p:txBody>
+      </p:sp>
+      <p:sp>
+        <p:nvSpPr>
+          <p:cNvPr id="3" name="Content Placeholder 2"/>
+          <p:cNvSpPr>
+            <a:spLocks noGrp="1"/>
+          </p:cNvSpPr>
+          <p:nvPr>
+            <p:ph idx="1"/>
+          </p:nvPr>
+        </p:nvSpPr>
+        <p:spPr/>
+        <p:txBody>
+          <a:bodyPr/>
+          <a:lstStyle/>
+          <a:p>
+            <a:pPr marL="0" indent="0">
+              <a:buNone/>
+            </a:pPr>
+            <a:r>
+              <a:rPr lang="en-US" u="sng" dirty="0" smtClean="0">
+                <a:solidFill>
+                  <a:schemeClr val="tx1"/>
+                </a:solidFill>
+              </a:rPr>
+              <a:t>Problem:</a:t>
+            </a:r>
+            <a:r>
+              <a:rPr lang="en-US" dirty="0" smtClean="0">
+                <a:solidFill>
+                  <a:schemeClr val="tx1"/>
+                </a:solidFill>
+              </a:rPr>
+              <a:t> </a:t>
+            </a:r>
+          </a:p>
+          <a:p>
+            <a:pPr marL="0" indent="0">
+              <a:buNone/>
+            </a:pPr>
+            <a:r>
+              <a:rPr lang="en-US" dirty="0" smtClean="0">
+                <a:solidFill>
+                  <a:schemeClr val="tx1"/>
+                </a:solidFill>
+              </a:rPr>
+              <a:t>Single-purpose VMs deployed in the cloud are not specialized enough!</a:t>
+            </a:r>
+          </a:p>
+          <a:p>
+            <a:pPr marL="0" indent="0">
+              <a:buNone/>
+            </a:pPr>
+            <a:r>
+              <a:rPr lang="en-US" dirty="0" smtClean="0">
+                <a:solidFill>
+                  <a:schemeClr val="tx1"/>
+                </a:solidFill>
+              </a:rPr>
+              <a:t>It </a:t>
+            </a:r>
+            <a:r>
+              <a:rPr lang="en-US" b="1" dirty="0" smtClean="0">
+                <a:solidFill>
+                  <a:schemeClr val="accent2"/>
+                </a:solidFill>
+              </a:rPr>
+              <a:t>impacts</a:t>
+            </a:r>
+            <a:r>
+              <a:rPr lang="en-US" b="1" dirty="0" smtClean="0">
+                <a:solidFill>
+                  <a:schemeClr val="tx1"/>
+                </a:solidFill>
+              </a:rPr>
+              <a:t> </a:t>
+            </a:r>
+            <a:r>
+              <a:rPr lang="en-US" dirty="0" smtClean="0">
+                <a:solidFill>
+                  <a:schemeClr val="tx1"/>
+                </a:solidFill>
+              </a:rPr>
+              <a:t>efficiency &amp; security.</a:t>
+            </a:r>
+          </a:p>
+          <a:p>
+            <a:pPr marL="0" indent="0">
+              <a:buNone/>
+            </a:pPr>
+            <a:endParaRPr lang="en-US" dirty="0" smtClean="0"/>
+          </a:p>
+          <a:p>
+            <a:pPr marL="0" indent="0">
+              <a:buNone/>
+            </a:pPr>
+            <a:r>
+              <a:rPr lang="en-US" u="sng" dirty="0" smtClean="0">
+                <a:solidFill>
+                  <a:schemeClr val="tx1"/>
+                </a:solidFill>
+              </a:rPr>
+              <a:t>Solution:</a:t>
+            </a:r>
+          </a:p>
+          <a:p>
+            <a:pPr marL="0" indent="0">
+              <a:buNone/>
+            </a:pPr>
+            <a:r>
+              <a:rPr lang="en-US" dirty="0" smtClean="0">
+                <a:solidFill>
+                  <a:schemeClr val="tx1"/>
+                </a:solidFill>
+              </a:rPr>
+              <a:t>Eschew backward compatibility!</a:t>
+            </a:r>
+          </a:p>
+          <a:p>
+            <a:pPr lvl="1"/>
+            <a:r>
+              <a:rPr lang="en-US" dirty="0" smtClean="0">
+                <a:solidFill>
+                  <a:schemeClr val="tx1"/>
+                </a:solidFill>
+              </a:rPr>
+              <a:t>Application &amp; </a:t>
+            </a:r>
+            <a:r>
+              <a:rPr lang="en-US" dirty="0" err="1" smtClean="0">
+                <a:solidFill>
+                  <a:schemeClr val="tx1"/>
+                </a:solidFill>
+              </a:rPr>
+              <a:t>LibOS</a:t>
+            </a:r>
+            <a:r>
+              <a:rPr lang="en-US" dirty="0" smtClean="0">
+                <a:solidFill>
+                  <a:schemeClr val="tx1"/>
+                </a:solidFill>
+              </a:rPr>
+              <a:t> implemented in one high-level language.</a:t>
+            </a:r>
+          </a:p>
+          <a:p>
+            <a:pPr lvl="1"/>
+            <a:r>
+              <a:rPr lang="en-US" dirty="0" smtClean="0">
+                <a:solidFill>
+                  <a:schemeClr val="tx1"/>
+                </a:solidFill>
+              </a:rPr>
+              <a:t>Leverage static analysis &amp; verification tools. </a:t>
+            </a:r>
+          </a:p>
+          <a:p>
+            <a:pPr lvl="1"/>
+            <a:r>
+              <a:rPr lang="en-US" dirty="0" smtClean="0">
+                <a:solidFill>
+                  <a:schemeClr val="tx1"/>
+                </a:solidFill>
+              </a:rPr>
+              <a:t>Runs on top of a hypervisor.</a:t>
+            </a:r>
+            <a:endParaRPr lang="en-US" dirty="0">
+              <a:solidFill>
+                <a:schemeClr val="tx1"/>
+              </a:solidFill>
+            </a:endParaRPr>
+          </a:p>
+        </p:txBody>
+      </p:sp>
       <p:sp>
         <p:nvSpPr>
           <p:cNvPr id="4" name="Slide Number Placeholder 3"/>
@@ -6781,7 +7158,7 @@
                   <a:schemeClr val="tx1"/>
                 </a:solidFill>
               </a:rPr>
-              <a:t>10</a:t>
+              <a:t>11</a:t>
             </a:fld>
             <a:endParaRPr lang="en-US" dirty="0">
               <a:solidFill>
@@ -7007,7 +7384,7 @@
 </p:sld>
 </file>
 
-<file path=ppt/slides/slide11.xml><?xml version="1.0" encoding="utf-8"?>
+<file path=ppt/slides/slide12.xml><?xml version="1.0" encoding="utf-8"?>
 <p:sld xmlns:a="http://schemas.openxmlformats.org/drawingml/2006/main" xmlns:r="http://schemas.openxmlformats.org/officeDocument/2006/relationships" xmlns:p="http://schemas.openxmlformats.org/presentationml/2006/main">
   <p:cSld>
     <p:spTree>
@@ -7076,7 +7453,7 @@
                   <a:schemeClr val="tx1"/>
                 </a:solidFill>
               </a:rPr>
-              <a:t>11</a:t>
+              <a:t>12</a:t>
             </a:fld>
             <a:endParaRPr lang="en-US" dirty="0">
               <a:solidFill>
@@ -7086,9 +7463,69 @@
           </a:p>
         </p:txBody>
       </p:sp>
+      <p:sp>
+        <p:nvSpPr>
+          <p:cNvPr id="8" name="TextBox 7"/>
+          <p:cNvSpPr txBox="1"/>
+          <p:nvPr/>
+        </p:nvSpPr>
+        <p:spPr>
+          <a:xfrm>
+            <a:off x="1392643" y="6122583"/>
+            <a:ext cx="3336619" cy="523220"/>
+          </a:xfrm>
+          <a:prstGeom prst="rect">
+            <a:avLst/>
+          </a:prstGeom>
+          <a:noFill/>
+        </p:spPr>
+        <p:txBody>
+          <a:bodyPr wrap="none" rtlCol="0">
+            <a:spAutoFit/>
+          </a:bodyPr>
+          <a:lstStyle/>
+          <a:p>
+            <a:r>
+              <a:rPr lang="en-US" sz="2800" smtClean="0"/>
+              <a:t>Standard deployment</a:t>
+            </a:r>
+            <a:endParaRPr lang="en-US" sz="2800" dirty="0"/>
+          </a:p>
+        </p:txBody>
+      </p:sp>
+      <p:sp>
+        <p:nvSpPr>
+          <p:cNvPr id="9" name="TextBox 8"/>
+          <p:cNvSpPr txBox="1"/>
+          <p:nvPr/>
+        </p:nvSpPr>
+        <p:spPr>
+          <a:xfrm>
+            <a:off x="7106747" y="6124782"/>
+            <a:ext cx="1590244" cy="523220"/>
+          </a:xfrm>
+          <a:prstGeom prst="rect">
+            <a:avLst/>
+          </a:prstGeom>
+          <a:noFill/>
+        </p:spPr>
+        <p:txBody>
+          <a:bodyPr wrap="none" rtlCol="0">
+            <a:spAutoFit/>
+          </a:bodyPr>
+          <a:lstStyle/>
+          <a:p>
+            <a:r>
+              <a:rPr lang="en-US" sz="2800" smtClean="0"/>
+              <a:t>Unikernel</a:t>
+            </a:r>
+            <a:endParaRPr lang="en-US" sz="2800" dirty="0"/>
+          </a:p>
+        </p:txBody>
+      </p:sp>
       <p:pic>
         <p:nvPicPr>
-          <p:cNvPr id="4" name="Picture 3"/>
+          <p:cNvPr id="10" name="Picture 9"/>
           <p:cNvPicPr>
             <a:picLocks noChangeAspect="1"/>
           </p:cNvPicPr>
@@ -7107,48 +7544,18 @@
           </a:stretch>
         </p:blipFill>
         <p:spPr>
-          <a:xfrm rot="10800000" flipH="1" flipV="1">
-            <a:off x="1392643" y="1111146"/>
-            <a:ext cx="3180879" cy="5011438"/>
+          <a:xfrm>
+            <a:off x="1584960" y="1167303"/>
+            <a:ext cx="3192016" cy="4955279"/>
           </a:xfrm>
           <a:prstGeom prst="rect">
             <a:avLst/>
           </a:prstGeom>
         </p:spPr>
       </p:pic>
-      <p:sp>
-        <p:nvSpPr>
-          <p:cNvPr id="8" name="TextBox 7"/>
-          <p:cNvSpPr txBox="1"/>
-          <p:nvPr/>
-        </p:nvSpPr>
-        <p:spPr>
-          <a:xfrm>
-            <a:off x="1392643" y="6122583"/>
-            <a:ext cx="3336619" cy="523220"/>
-          </a:xfrm>
-          <a:prstGeom prst="rect">
-            <a:avLst/>
-          </a:prstGeom>
-          <a:noFill/>
-        </p:spPr>
-        <p:txBody>
-          <a:bodyPr wrap="none" rtlCol="0">
-            <a:spAutoFit/>
-          </a:bodyPr>
-          <a:lstStyle/>
-          <a:p>
-            <a:r>
-              <a:rPr lang="en-US" sz="2800" smtClean="0"/>
-              <a:t>Standard deployment</a:t>
-            </a:r>
-            <a:endParaRPr lang="en-US" sz="2800" dirty="0"/>
-          </a:p>
-        </p:txBody>
-      </p:sp>
       <p:pic>
         <p:nvPicPr>
-          <p:cNvPr id="5" name="Picture 4"/>
+          <p:cNvPr id="11" name="Picture 10"/>
           <p:cNvPicPr>
             <a:picLocks noChangeAspect="1"/>
           </p:cNvPicPr>
@@ -7168,44 +7575,14 @@
         </p:blipFill>
         <p:spPr>
           <a:xfrm>
-            <a:off x="6261686" y="3401568"/>
-            <a:ext cx="3280367" cy="2721015"/>
+            <a:off x="6309669" y="3560356"/>
+            <a:ext cx="3184400" cy="2562226"/>
           </a:xfrm>
           <a:prstGeom prst="rect">
             <a:avLst/>
           </a:prstGeom>
         </p:spPr>
       </p:pic>
-      <p:sp>
-        <p:nvSpPr>
-          <p:cNvPr id="9" name="TextBox 8"/>
-          <p:cNvSpPr txBox="1"/>
-          <p:nvPr/>
-        </p:nvSpPr>
-        <p:spPr>
-          <a:xfrm>
-            <a:off x="7106747" y="6124782"/>
-            <a:ext cx="1590244" cy="523220"/>
-          </a:xfrm>
-          <a:prstGeom prst="rect">
-            <a:avLst/>
-          </a:prstGeom>
-          <a:noFill/>
-        </p:spPr>
-        <p:txBody>
-          <a:bodyPr wrap="none" rtlCol="0">
-            <a:spAutoFit/>
-          </a:bodyPr>
-          <a:lstStyle/>
-          <a:p>
-            <a:r>
-              <a:rPr lang="en-US" sz="2800" smtClean="0"/>
-              <a:t>Unikernel</a:t>
-            </a:r>
-            <a:endParaRPr lang="en-US" sz="2800" dirty="0"/>
-          </a:p>
-        </p:txBody>
-      </p:sp>
     </p:spTree>
     <p:extLst>
       <p:ext uri="{BB962C8B-B14F-4D97-AF65-F5344CB8AC3E}">
@@ -7226,7 +7603,7 @@
 </p:sld>
 </file>
 
-<file path=ppt/slides/slide12.xml><?xml version="1.0" encoding="utf-8"?>
+<file path=ppt/slides/slide13.xml><?xml version="1.0" encoding="utf-8"?>
 <p:sld xmlns:a="http://schemas.openxmlformats.org/drawingml/2006/main" xmlns:r="http://schemas.openxmlformats.org/officeDocument/2006/relationships" xmlns:p="http://schemas.openxmlformats.org/presentationml/2006/main">
   <p:cSld>
     <p:spTree>
@@ -7340,21 +7717,8 @@
                   <a:schemeClr val="accent6"/>
                 </a:solidFill>
               </a:rPr>
-              <a:t>Boot </a:t>
-            </a:r>
-            <a:r>
-              <a:rPr lang="en-US" dirty="0" smtClean="0">
-                <a:solidFill>
-                  <a:schemeClr val="accent6"/>
-                </a:solidFill>
-              </a:rPr>
-              <a:t>time</a:t>
-            </a:r>
-            <a:endParaRPr lang="en-US" dirty="0" smtClean="0">
-              <a:solidFill>
-                <a:schemeClr val="accent6"/>
-              </a:solidFill>
-            </a:endParaRPr>
+              <a:t>Boot time</a:t>
+            </a:r>
           </a:p>
           <a:p>
             <a:pPr lvl="1">
@@ -7367,21 +7731,8 @@
                   <a:schemeClr val="tx1"/>
                 </a:solidFill>
               </a:rPr>
-              <a:t>50ms vs. </a:t>
-            </a:r>
-            <a:r>
-              <a:rPr lang="en-US" dirty="0" smtClean="0">
-                <a:solidFill>
-                  <a:schemeClr val="tx1"/>
-                </a:solidFill>
-              </a:rPr>
-              <a:t>2.2s for Linux</a:t>
-            </a:r>
-            <a:endParaRPr lang="en-US" dirty="0" smtClean="0">
-              <a:solidFill>
-                <a:schemeClr val="tx1"/>
-              </a:solidFill>
-            </a:endParaRPr>
+              <a:t>50ms vs. 2.2s for Linux</a:t>
+            </a:r>
           </a:p>
           <a:p>
             <a:pPr>
@@ -7394,21 +7745,8 @@
                   <a:schemeClr val="accent6"/>
                 </a:solidFill>
               </a:rPr>
-              <a:t>Small </a:t>
-            </a:r>
-            <a:r>
-              <a:rPr lang="en-US" dirty="0" smtClean="0">
-                <a:solidFill>
-                  <a:schemeClr val="accent6"/>
-                </a:solidFill>
-              </a:rPr>
-              <a:t>size</a:t>
-            </a:r>
-            <a:endParaRPr lang="en-US" dirty="0" smtClean="0">
-              <a:solidFill>
-                <a:schemeClr val="accent6"/>
-              </a:solidFill>
-            </a:endParaRPr>
+              <a:t>Small size</a:t>
+            </a:r>
           </a:p>
           <a:p>
             <a:pPr lvl="1">
@@ -7421,21 +7759,8 @@
                   <a:schemeClr val="tx1"/>
                 </a:solidFill>
               </a:rPr>
-              <a:t>Hundreds of </a:t>
-            </a:r>
-            <a:r>
-              <a:rPr lang="en-US" dirty="0" smtClean="0">
-                <a:solidFill>
-                  <a:schemeClr val="tx1"/>
-                </a:solidFill>
-              </a:rPr>
-              <a:t>kB</a:t>
-            </a:r>
-            <a:endParaRPr lang="en-US" dirty="0" smtClean="0">
-              <a:solidFill>
-                <a:schemeClr val="tx1"/>
-              </a:solidFill>
-            </a:endParaRPr>
+              <a:t>Hundreds of kB</a:t>
+            </a:r>
           </a:p>
           <a:p>
             <a:pPr>
@@ -7448,21 +7773,8 @@
                   <a:schemeClr val="accent6"/>
                 </a:solidFill>
               </a:rPr>
-              <a:t>General </a:t>
-            </a:r>
-            <a:r>
-              <a:rPr lang="en-US" dirty="0" smtClean="0">
-                <a:solidFill>
-                  <a:schemeClr val="accent6"/>
-                </a:solidFill>
-              </a:rPr>
-              <a:t>performance</a:t>
-            </a:r>
-            <a:endParaRPr lang="en-US" dirty="0" smtClean="0">
-              <a:solidFill>
-                <a:schemeClr val="accent6"/>
-              </a:solidFill>
-            </a:endParaRPr>
+              <a:t>General performance</a:t>
+            </a:r>
           </a:p>
           <a:p>
             <a:pPr lvl="1">
@@ -7475,21 +7787,8 @@
                   <a:schemeClr val="tx1"/>
                 </a:solidFill>
               </a:rPr>
-              <a:t>Comparable to </a:t>
-            </a:r>
-            <a:r>
-              <a:rPr lang="en-US" dirty="0" smtClean="0">
-                <a:solidFill>
-                  <a:schemeClr val="tx1"/>
-                </a:solidFill>
-              </a:rPr>
-              <a:t>state-of-the-art</a:t>
-            </a:r>
-            <a:endParaRPr lang="en-US" dirty="0" smtClean="0">
-              <a:solidFill>
-                <a:schemeClr val="tx1"/>
-              </a:solidFill>
-            </a:endParaRPr>
+              <a:t>Comparable to state-of-the-art</a:t>
+            </a:r>
           </a:p>
           <a:p>
             <a:pPr lvl="1">
@@ -7502,21 +7801,8 @@
                   <a:schemeClr val="tx1"/>
                 </a:solidFill>
               </a:rPr>
-              <a:t>DNS, Web </a:t>
-            </a:r>
-            <a:r>
-              <a:rPr lang="en-US" dirty="0" smtClean="0">
-                <a:solidFill>
-                  <a:schemeClr val="tx1"/>
-                </a:solidFill>
-              </a:rPr>
-              <a:t>Server</a:t>
-            </a:r>
-            <a:endParaRPr lang="en-US" dirty="0" smtClean="0">
-              <a:solidFill>
-                <a:schemeClr val="tx1"/>
-              </a:solidFill>
-            </a:endParaRPr>
+              <a:t>DNS, Web Server</a:t>
+            </a:r>
           </a:p>
           <a:p>
             <a:pPr>
@@ -7605,21 +7891,8 @@
                   <a:schemeClr val="accent6"/>
                 </a:solidFill>
               </a:rPr>
-              <a:t>Reduce attack </a:t>
-            </a:r>
-            <a:r>
-              <a:rPr lang="en-US" dirty="0" smtClean="0">
-                <a:solidFill>
-                  <a:schemeClr val="accent6"/>
-                </a:solidFill>
-              </a:rPr>
-              <a:t>surface</a:t>
-            </a:r>
-            <a:endParaRPr lang="en-US" dirty="0" smtClean="0">
-              <a:solidFill>
-                <a:schemeClr val="accent6"/>
-              </a:solidFill>
-            </a:endParaRPr>
+              <a:t>Reduce attack surface</a:t>
+            </a:r>
           </a:p>
           <a:p>
             <a:pPr lvl="1">
@@ -7646,21 +7919,8 @@
                   <a:schemeClr val="accent6"/>
                 </a:solidFill>
               </a:rPr>
-              <a:t>Extra </a:t>
-            </a:r>
-            <a:r>
-              <a:rPr lang="en-US" dirty="0" smtClean="0">
-                <a:solidFill>
-                  <a:schemeClr val="accent6"/>
-                </a:solidFill>
-              </a:rPr>
-              <a:t>protections</a:t>
-            </a:r>
-            <a:endParaRPr lang="en-US" dirty="0" smtClean="0">
-              <a:solidFill>
-                <a:schemeClr val="accent6"/>
-              </a:solidFill>
-            </a:endParaRPr>
+              <a:t>Extra protections</a:t>
+            </a:r>
           </a:p>
           <a:p>
             <a:pPr lvl="1">
@@ -7673,21 +7933,8 @@
                   <a:schemeClr val="tx1"/>
                 </a:solidFill>
               </a:rPr>
-              <a:t>Type </a:t>
-            </a:r>
-            <a:r>
-              <a:rPr lang="en-US" dirty="0" smtClean="0">
-                <a:solidFill>
-                  <a:schemeClr val="tx1"/>
-                </a:solidFill>
-              </a:rPr>
-              <a:t>safety</a:t>
-            </a:r>
-            <a:endParaRPr lang="en-US" dirty="0" smtClean="0">
-              <a:solidFill>
-                <a:schemeClr val="tx1"/>
-              </a:solidFill>
-            </a:endParaRPr>
+              <a:t>Type safety</a:t>
+            </a:r>
           </a:p>
           <a:p>
             <a:pPr lvl="1">
@@ -7700,21 +7947,8 @@
                   <a:schemeClr val="tx1"/>
                 </a:solidFill>
               </a:rPr>
-              <a:t>Memory </a:t>
-            </a:r>
-            <a:r>
-              <a:rPr lang="en-US" dirty="0" smtClean="0">
-                <a:solidFill>
-                  <a:schemeClr val="tx1"/>
-                </a:solidFill>
-              </a:rPr>
-              <a:t>safety</a:t>
-            </a:r>
-            <a:endParaRPr lang="en-US" dirty="0" smtClean="0">
-              <a:solidFill>
-                <a:schemeClr val="tx1"/>
-              </a:solidFill>
-            </a:endParaRPr>
+              <a:t>Memory safety</a:t>
+            </a:r>
           </a:p>
           <a:p>
             <a:pPr>
@@ -7727,21 +7961,8 @@
                   <a:schemeClr val="accent6"/>
                 </a:solidFill>
               </a:rPr>
-              <a:t>Host protected from </a:t>
-            </a:r>
-            <a:r>
-              <a:rPr lang="en-US" dirty="0" smtClean="0">
-                <a:solidFill>
-                  <a:schemeClr val="accent6"/>
-                </a:solidFill>
-              </a:rPr>
-              <a:t>guest</a:t>
-            </a:r>
-            <a:endParaRPr lang="en-US" dirty="0" smtClean="0">
-              <a:solidFill>
-                <a:schemeClr val="accent6"/>
-              </a:solidFill>
-            </a:endParaRPr>
+              <a:t>Host protected from guest</a:t>
+            </a:r>
           </a:p>
           <a:p>
             <a:pPr>
@@ -7766,15 +7987,7 @@
                   <a:srgbClr val="FF0000"/>
                 </a:solidFill>
               </a:rPr>
-              <a:t>No guest protected from </a:t>
-            </a:r>
-            <a:r>
-              <a:rPr lang="en-US" dirty="0" smtClean="0">
-                <a:solidFill>
-                  <a:srgbClr val="FF0000"/>
-                </a:solidFill>
-              </a:rPr>
-              <a:t>host</a:t>
+              <a:t>No guest protected from host</a:t>
             </a:r>
             <a:endParaRPr lang="en-US" dirty="0">
               <a:solidFill>
@@ -7805,7 +8018,7 @@
                   <a:schemeClr val="tx1"/>
                 </a:solidFill>
               </a:rPr>
-              <a:t>12</a:t>
+              <a:t>13</a:t>
             </a:fld>
             <a:endParaRPr lang="en-US" dirty="0">
               <a:solidFill>
@@ -8467,7 +8680,7 @@
 </p:sld>
 </file>
 
-<file path=ppt/slides/slide13.xml><?xml version="1.0" encoding="utf-8"?>
+<file path=ppt/slides/slide14.xml><?xml version="1.0" encoding="utf-8"?>
 <p:sld xmlns:a="http://schemas.openxmlformats.org/drawingml/2006/main" xmlns:r="http://schemas.openxmlformats.org/officeDocument/2006/relationships" xmlns:p="http://schemas.openxmlformats.org/presentationml/2006/main">
   <p:cSld>
     <p:spTree>
@@ -8505,7 +8718,7 @@
                   <a:schemeClr val="tx1"/>
                 </a:solidFill>
               </a:rPr>
-              <a:t>13</a:t>
+              <a:t>14</a:t>
             </a:fld>
             <a:endParaRPr lang="en-US" dirty="0">
               <a:solidFill>
@@ -8565,7 +8778,7 @@
 </p:sld>
 </file>
 
-<file path=ppt/slides/slide14.xml><?xml version="1.0" encoding="utf-8"?>
+<file path=ppt/slides/slide15.xml><?xml version="1.0" encoding="utf-8"?>
 <p:sld xmlns:a="http://schemas.openxmlformats.org/drawingml/2006/main" xmlns:r="http://schemas.openxmlformats.org/officeDocument/2006/relationships" xmlns:p="http://schemas.openxmlformats.org/presentationml/2006/main">
   <p:cSld>
     <p:spTree>
@@ -8702,7 +8915,7 @@
                   <a:schemeClr val="tx1"/>
                 </a:solidFill>
               </a:rPr>
-              <a:t>14</a:t>
+              <a:t>15</a:t>
             </a:fld>
             <a:endParaRPr lang="en-US" dirty="0">
               <a:solidFill>
@@ -8732,7 +8945,7 @@
 </p:sld>
 </file>
 
-<file path=ppt/slides/slide15.xml><?xml version="1.0" encoding="utf-8"?>
+<file path=ppt/slides/slide16.xml><?xml version="1.0" encoding="utf-8"?>
 <p:sld xmlns:a="http://schemas.openxmlformats.org/drawingml/2006/main" xmlns:r="http://schemas.openxmlformats.org/officeDocument/2006/relationships" xmlns:p="http://schemas.openxmlformats.org/presentationml/2006/main">
   <p:cSld>
     <p:spTree>
@@ -8903,21 +9116,8 @@
                   <a:schemeClr val="tx1"/>
                 </a:solidFill>
               </a:rPr>
-              <a:t>Confidentiality &amp; </a:t>
-            </a:r>
-            <a:r>
-              <a:rPr lang="en-US" dirty="0" smtClean="0">
-                <a:solidFill>
-                  <a:schemeClr val="tx1"/>
-                </a:solidFill>
-              </a:rPr>
-              <a:t>Integrity</a:t>
-            </a:r>
-            <a:endParaRPr lang="en-US" dirty="0" smtClean="0">
-              <a:solidFill>
-                <a:schemeClr val="tx1"/>
-              </a:solidFill>
-            </a:endParaRPr>
+              <a:t>Confidentiality &amp; Integrity</a:t>
+            </a:r>
           </a:p>
           <a:p>
             <a:pPr lvl="1"/>
@@ -8996,7 +9196,7 @@
                   <a:schemeClr val="tx1"/>
                 </a:solidFill>
               </a:rPr>
-              <a:t>15</a:t>
+              <a:t>16</a:t>
             </a:fld>
             <a:endParaRPr lang="en-US" dirty="0">
               <a:solidFill>
@@ -9222,7 +9422,7 @@
 </p:sld>
 </file>
 
-<file path=ppt/slides/slide16.xml><?xml version="1.0" encoding="utf-8"?>
+<file path=ppt/slides/slide17.xml><?xml version="1.0" encoding="utf-8"?>
 <p:sld xmlns:a="http://schemas.openxmlformats.org/drawingml/2006/main" xmlns:r="http://schemas.openxmlformats.org/officeDocument/2006/relationships" xmlns:p="http://schemas.openxmlformats.org/presentationml/2006/main">
   <p:cSld>
     <p:spTree>
@@ -9283,7 +9483,7 @@
                   <a:schemeClr val="tx1"/>
                 </a:solidFill>
               </a:rPr>
-              <a:t>16</a:t>
+              <a:t>17</a:t>
             </a:fld>
             <a:endParaRPr lang="en-US" dirty="0">
               <a:solidFill>
@@ -9315,8 +9515,8 @@
         </p:blipFill>
         <p:spPr>
           <a:xfrm>
-            <a:off x="1597152" y="2024412"/>
-            <a:ext cx="3432048" cy="3986784"/>
+            <a:off x="1770096" y="2426208"/>
+            <a:ext cx="3086159" cy="3584988"/>
           </a:xfrm>
           <a:prstGeom prst="rect">
             <a:avLst/>
@@ -9345,8 +9545,8 @@
         </p:blipFill>
         <p:spPr>
           <a:xfrm>
-            <a:off x="6894576" y="561372"/>
-            <a:ext cx="3432048" cy="5449824"/>
+            <a:off x="7086600" y="1171210"/>
+            <a:ext cx="3048000" cy="4839986"/>
           </a:xfrm>
           <a:prstGeom prst="rect">
             <a:avLst/>
@@ -9433,7 +9633,7 @@
 </p:sld>
 </file>
 
-<file path=ppt/slides/slide17.xml><?xml version="1.0" encoding="utf-8"?>
+<file path=ppt/slides/slide18.xml><?xml version="1.0" encoding="utf-8"?>
 <p:sld xmlns:a="http://schemas.openxmlformats.org/drawingml/2006/main" xmlns:r="http://schemas.openxmlformats.org/officeDocument/2006/relationships" xmlns:p="http://schemas.openxmlformats.org/presentationml/2006/main">
   <p:cSld>
     <p:spTree>
@@ -9494,7 +9694,7 @@
                   <a:schemeClr val="tx1"/>
                 </a:solidFill>
               </a:rPr>
-              <a:t>17</a:t>
+              <a:t>18</a:t>
             </a:fld>
             <a:endParaRPr lang="en-US" dirty="0">
               <a:solidFill>
@@ -9554,7 +9754,7 @@
 </p:sld>
 </file>
 
-<file path=ppt/slides/slide18.xml><?xml version="1.0" encoding="utf-8"?>
+<file path=ppt/slides/slide19.xml><?xml version="1.0" encoding="utf-8"?>
 <p:sld xmlns:a="http://schemas.openxmlformats.org/drawingml/2006/main" xmlns:r="http://schemas.openxmlformats.org/officeDocument/2006/relationships" xmlns:p="http://schemas.openxmlformats.org/presentationml/2006/main">
   <p:cSld>
     <p:spTree>
@@ -9949,7 +10149,7 @@
                   <a:schemeClr val="tx1"/>
                 </a:solidFill>
               </a:rPr>
-              <a:t>18</a:t>
+              <a:t>19</a:t>
             </a:fld>
             <a:endParaRPr lang="en-US" dirty="0">
               <a:solidFill>
@@ -10495,117 +10695,6 @@
 </p:sld>
 </file>
 
-<file path=ppt/slides/slide19.xml><?xml version="1.0" encoding="utf-8"?>
-<p:sld xmlns:a="http://schemas.openxmlformats.org/drawingml/2006/main" xmlns:r="http://schemas.openxmlformats.org/officeDocument/2006/relationships" xmlns:p="http://schemas.openxmlformats.org/presentationml/2006/main">
-  <p:cSld>
-    <p:spTree>
-      <p:nvGrpSpPr>
-        <p:cNvPr id="1" name=""/>
-        <p:cNvGrpSpPr/>
-        <p:nvPr/>
-      </p:nvGrpSpPr>
-      <p:grpSpPr>
-        <a:xfrm>
-          <a:off x="0" y="0"/>
-          <a:ext cx="0" cy="0"/>
-          <a:chOff x="0" y="0"/>
-          <a:chExt cx="0" cy="0"/>
-        </a:xfrm>
-      </p:grpSpPr>
-      <p:sp>
-        <p:nvSpPr>
-          <p:cNvPr id="2" name="Title 1"/>
-          <p:cNvSpPr>
-            <a:spLocks noGrp="1"/>
-          </p:cNvSpPr>
-          <p:nvPr>
-            <p:ph type="title"/>
-          </p:nvPr>
-        </p:nvSpPr>
-        <p:spPr/>
-        <p:txBody>
-          <a:bodyPr/>
-          <a:lstStyle/>
-          <a:p>
-            <a:pPr algn="ctr"/>
-            <a:r>
-              <a:rPr lang="en-US" dirty="0" smtClean="0"/>
-              <a:t>Discussion &amp; Research Proposal</a:t>
-            </a:r>
-            <a:endParaRPr lang="en-US" dirty="0"/>
-          </a:p>
-        </p:txBody>
-      </p:sp>
-      <p:sp>
-        <p:nvSpPr>
-          <p:cNvPr id="4" name="Text Placeholder 3"/>
-          <p:cNvSpPr>
-            <a:spLocks noGrp="1"/>
-          </p:cNvSpPr>
-          <p:nvPr>
-            <p:ph type="body" idx="1"/>
-          </p:nvPr>
-        </p:nvSpPr>
-        <p:spPr/>
-        <p:txBody>
-          <a:bodyPr/>
-          <a:lstStyle/>
-          <a:p>
-            <a:endParaRPr lang="en-US"/>
-          </a:p>
-        </p:txBody>
-      </p:sp>
-      <p:sp>
-        <p:nvSpPr>
-          <p:cNvPr id="3" name="Slide Number Placeholder 2"/>
-          <p:cNvSpPr>
-            <a:spLocks noGrp="1"/>
-          </p:cNvSpPr>
-          <p:nvPr>
-            <p:ph type="sldNum" sz="quarter" idx="12"/>
-          </p:nvPr>
-        </p:nvSpPr>
-        <p:spPr/>
-        <p:txBody>
-          <a:bodyPr/>
-          <a:lstStyle/>
-          <a:p>
-            <a:fld id="{B46BA956-F633-F04E-BD9F-377F5F31FAB2}" type="slidenum">
-              <a:rPr lang="en-US" smtClean="0">
-                <a:solidFill>
-                  <a:schemeClr val="tx1"/>
-                </a:solidFill>
-              </a:rPr>
-              <a:t>19</a:t>
-            </a:fld>
-            <a:endParaRPr lang="en-US" dirty="0">
-              <a:solidFill>
-                <a:schemeClr val="tx1"/>
-              </a:solidFill>
-            </a:endParaRPr>
-          </a:p>
-        </p:txBody>
-      </p:sp>
-    </p:spTree>
-    <p:extLst>
-      <p:ext uri="{BB962C8B-B14F-4D97-AF65-F5344CB8AC3E}">
-        <p14:creationId xmlns:p14="http://schemas.microsoft.com/office/powerpoint/2010/main" val="1198813602"/>
-      </p:ext>
-    </p:extLst>
-  </p:cSld>
-  <p:clrMapOvr>
-    <a:masterClrMapping/>
-  </p:clrMapOvr>
-  <p:timing>
-    <p:tnLst>
-      <p:par>
-        <p:cTn id="1" dur="indefinite" restart="never" nodeType="tmRoot"/>
-      </p:par>
-    </p:tnLst>
-  </p:timing>
-</p:sld>
-</file>
-
 <file path=ppt/slides/slide2.xml><?xml version="1.0" encoding="utf-8"?>
 <p:sld xmlns:a="http://schemas.openxmlformats.org/drawingml/2006/main" xmlns:r="http://schemas.openxmlformats.org/officeDocument/2006/relationships" xmlns:p="http://schemas.openxmlformats.org/presentationml/2006/main">
   <p:cSld>
@@ -10893,9 +10982,10 @@
           <a:bodyPr/>
           <a:lstStyle/>
           <a:p>
+            <a:pPr algn="ctr"/>
             <a:r>
               <a:rPr lang="en-US" dirty="0" smtClean="0"/>
-              <a:t>	Discussion</a:t>
+              <a:t>Discussion &amp; Research Proposal</a:t>
             </a:r>
             <a:endParaRPr lang="en-US" dirty="0"/>
           </a:p>
@@ -10903,7 +10993,7 @@
       </p:sp>
       <p:sp>
         <p:nvSpPr>
-          <p:cNvPr id="12" name="Text Placeholder 11"/>
+          <p:cNvPr id="4" name="Text Placeholder 3"/>
           <p:cNvSpPr>
             <a:spLocks noGrp="1"/>
           </p:cNvSpPr>
@@ -10911,247 +11001,12 @@
             <p:ph type="body" idx="1"/>
           </p:nvPr>
         </p:nvSpPr>
-        <p:spPr>
-          <a:xfrm>
-            <a:off x="824560" y="3667640"/>
-            <a:ext cx="5157787" cy="823912"/>
-          </a:xfrm>
-        </p:spPr>
-        <p:txBody>
-          <a:bodyPr/>
-          <a:lstStyle/>
-          <a:p>
-            <a:r>
-              <a:rPr lang="en-US" dirty="0" smtClean="0">
-                <a:solidFill>
-                  <a:schemeClr val="tx1"/>
-                </a:solidFill>
-              </a:rPr>
-              <a:t>Performance/Efficiency</a:t>
-            </a:r>
-            <a:endParaRPr lang="en-US" dirty="0">
-              <a:solidFill>
-                <a:schemeClr val="tx1"/>
-              </a:solidFill>
-            </a:endParaRPr>
-          </a:p>
-        </p:txBody>
-      </p:sp>
-      <p:sp>
-        <p:nvSpPr>
-          <p:cNvPr id="13" name="Content Placeholder 12"/>
-          <p:cNvSpPr>
-            <a:spLocks noGrp="1"/>
-          </p:cNvSpPr>
-          <p:nvPr>
-            <p:ph sz="half" idx="2"/>
-          </p:nvPr>
-        </p:nvSpPr>
-        <p:spPr>
-          <a:xfrm>
-            <a:off x="824560" y="4491552"/>
-            <a:ext cx="5157787" cy="2261787"/>
-          </a:xfrm>
-        </p:spPr>
-        <p:txBody>
-          <a:bodyPr/>
-          <a:lstStyle/>
-          <a:p>
-            <a:pPr>
-              <a:buFont typeface="Wingdings" charset="2"/>
-              <a:buChar char="ü"/>
-            </a:pPr>
-            <a:r>
-              <a:rPr lang="en-US" dirty="0" smtClean="0">
-                <a:solidFill>
-                  <a:schemeClr val="accent2"/>
-                </a:solidFill>
-              </a:rPr>
-              <a:t>Boot time.</a:t>
-            </a:r>
-          </a:p>
-          <a:p>
-            <a:pPr>
-              <a:buFont typeface="Wingdings" charset="2"/>
-              <a:buChar char="ü"/>
-            </a:pPr>
-            <a:r>
-              <a:rPr lang="en-US" dirty="0" smtClean="0">
-                <a:solidFill>
-                  <a:schemeClr val="accent2"/>
-                </a:solidFill>
-              </a:rPr>
-              <a:t>Small size.</a:t>
-            </a:r>
-          </a:p>
-          <a:p>
-            <a:pPr>
-              <a:buFont typeface="Wingdings" charset="2"/>
-              <a:buChar char="ü"/>
-            </a:pPr>
-            <a:r>
-              <a:rPr lang="en-US" dirty="0" smtClean="0">
-                <a:solidFill>
-                  <a:schemeClr val="accent2"/>
-                </a:solidFill>
-              </a:rPr>
-              <a:t>Performance.</a:t>
-            </a:r>
-          </a:p>
-          <a:p>
-            <a:pPr>
-              <a:buFont typeface="Wingdings" charset="2"/>
-              <a:buChar char="ü"/>
-            </a:pPr>
-            <a:r>
-              <a:rPr lang="en-US" dirty="0" smtClean="0">
-                <a:solidFill>
-                  <a:schemeClr val="accent2"/>
-                </a:solidFill>
-              </a:rPr>
-              <a:t>App-specific algorithm.</a:t>
-            </a:r>
-            <a:endParaRPr lang="en-US" dirty="0">
-              <a:solidFill>
-                <a:schemeClr val="accent2"/>
-              </a:solidFill>
-            </a:endParaRPr>
-          </a:p>
-        </p:txBody>
-      </p:sp>
-      <p:sp>
-        <p:nvSpPr>
-          <p:cNvPr id="14" name="Text Placeholder 13"/>
-          <p:cNvSpPr>
-            <a:spLocks noGrp="1"/>
-          </p:cNvSpPr>
-          <p:nvPr>
-            <p:ph type="body" sz="quarter" idx="3"/>
-          </p:nvPr>
-        </p:nvSpPr>
-        <p:spPr>
-          <a:xfrm>
-            <a:off x="6172200" y="3667640"/>
-            <a:ext cx="5183188" cy="823912"/>
-          </a:xfrm>
-        </p:spPr>
-        <p:txBody>
-          <a:bodyPr/>
-          <a:lstStyle/>
-          <a:p>
-            <a:r>
-              <a:rPr lang="en-US" dirty="0" smtClean="0">
-                <a:solidFill>
-                  <a:schemeClr val="tx1"/>
-                </a:solidFill>
-              </a:rPr>
-              <a:t>Security</a:t>
-            </a:r>
-            <a:endParaRPr lang="en-US" dirty="0">
-              <a:solidFill>
-                <a:schemeClr val="tx1"/>
-              </a:solidFill>
-            </a:endParaRPr>
-          </a:p>
-        </p:txBody>
-      </p:sp>
-      <p:sp>
-        <p:nvSpPr>
-          <p:cNvPr id="15" name="Content Placeholder 14"/>
-          <p:cNvSpPr>
-            <a:spLocks noGrp="1"/>
-          </p:cNvSpPr>
-          <p:nvPr>
-            <p:ph sz="quarter" idx="4"/>
-          </p:nvPr>
-        </p:nvSpPr>
-        <p:spPr>
-          <a:xfrm>
-            <a:off x="6172200" y="4491552"/>
-            <a:ext cx="5183188" cy="2250771"/>
-          </a:xfrm>
-        </p:spPr>
-        <p:txBody>
-          <a:bodyPr/>
-          <a:lstStyle/>
-          <a:p>
-            <a:pPr>
-              <a:buFont typeface="Wingdings" charset="2"/>
-              <a:buChar char="ü"/>
-            </a:pPr>
-            <a:r>
-              <a:rPr lang="en-US" dirty="0" smtClean="0">
-                <a:solidFill>
-                  <a:schemeClr val="accent2"/>
-                </a:solidFill>
-              </a:rPr>
-              <a:t>Reduce attack surface.</a:t>
-            </a:r>
-          </a:p>
-          <a:p>
-            <a:pPr>
-              <a:buFont typeface="Wingdings" charset="2"/>
-              <a:buChar char="ü"/>
-            </a:pPr>
-            <a:r>
-              <a:rPr lang="en-US" dirty="0" smtClean="0">
-                <a:solidFill>
-                  <a:schemeClr val="accent2"/>
-                </a:solidFill>
-              </a:rPr>
-              <a:t>Extra protections.</a:t>
-            </a:r>
-          </a:p>
-          <a:p>
-            <a:pPr>
-              <a:buFont typeface="Wingdings" charset="2"/>
-              <a:buChar char="ü"/>
-            </a:pPr>
-            <a:r>
-              <a:rPr lang="en-US" dirty="0" smtClean="0">
-                <a:solidFill>
-                  <a:schemeClr val="accent5">
-                    <a:lumMod val="75000"/>
-                  </a:schemeClr>
-                </a:solidFill>
-              </a:rPr>
-              <a:t>Isolation fr</a:t>
-            </a:r>
-            <a:r>
-              <a:rPr lang="en-US" dirty="0" smtClean="0">
-                <a:solidFill>
-                  <a:schemeClr val="accent2"/>
-                </a:solidFill>
-              </a:rPr>
-              <a:t>om guest.</a:t>
-            </a:r>
-          </a:p>
-          <a:p>
-            <a:pPr>
-              <a:buFont typeface="Wingdings" charset="2"/>
-              <a:buChar char="ü"/>
-            </a:pPr>
-            <a:r>
-              <a:rPr lang="en-US" dirty="0" smtClean="0">
-                <a:solidFill>
-                  <a:schemeClr val="accent5">
-                    <a:lumMod val="75000"/>
-                  </a:schemeClr>
-                </a:solidFill>
-              </a:rPr>
-              <a:t>Isolation from host.</a:t>
-            </a:r>
-          </a:p>
-          <a:p>
-            <a:pPr>
-              <a:buFont typeface="Wingdings" charset="2"/>
-              <a:buChar char="ü"/>
-            </a:pPr>
-            <a:endParaRPr lang="en-US" dirty="0">
-              <a:solidFill>
-                <a:schemeClr val="accent2"/>
-              </a:solidFill>
-            </a:endParaRPr>
+        <p:spPr/>
+        <p:txBody>
+          <a:bodyPr/>
+          <a:lstStyle/>
+          <a:p>
+            <a:endParaRPr lang="en-US"/>
           </a:p>
         </p:txBody>
       </p:sp>
@@ -11186,40 +11041,10 @@
           </a:p>
         </p:txBody>
       </p:sp>
-      <p:pic>
-        <p:nvPicPr>
-          <p:cNvPr id="17" name="Picture 16"/>
-          <p:cNvPicPr>
-            <a:picLocks noChangeAspect="1"/>
-          </p:cNvPicPr>
-          <p:nvPr/>
-        </p:nvPicPr>
-        <p:blipFill>
-          <a:blip r:embed="rId3">
-            <a:extLst>
-              <a:ext uri="{28A0092B-C50C-407E-A947-70E740481C1C}">
-                <a14:useLocalDpi xmlns:a14="http://schemas.microsoft.com/office/drawing/2010/main" val="0"/>
-              </a:ext>
-            </a:extLst>
-          </a:blip>
-          <a:stretch>
-            <a:fillRect/>
-          </a:stretch>
-        </p:blipFill>
-        <p:spPr>
-          <a:xfrm>
-            <a:off x="3706348" y="1266941"/>
-            <a:ext cx="4779303" cy="2585356"/>
-          </a:xfrm>
-          <a:prstGeom prst="rect">
-            <a:avLst/>
-          </a:prstGeom>
-        </p:spPr>
-      </p:pic>
     </p:spTree>
     <p:extLst>
       <p:ext uri="{BB962C8B-B14F-4D97-AF65-F5344CB8AC3E}">
-        <p14:creationId xmlns:p14="http://schemas.microsoft.com/office/powerpoint/2010/main" val="602803462"/>
+        <p14:creationId xmlns:p14="http://schemas.microsoft.com/office/powerpoint/2010/main" val="1198813602"/>
       </p:ext>
     </p:extLst>
   </p:cSld>
@@ -11270,6 +11095,381 @@
           <a:p>
             <a:r>
               <a:rPr lang="en-US" dirty="0" smtClean="0"/>
+              <a:t>	Discussion</a:t>
+            </a:r>
+            <a:endParaRPr lang="en-US" dirty="0"/>
+          </a:p>
+        </p:txBody>
+      </p:sp>
+      <p:sp>
+        <p:nvSpPr>
+          <p:cNvPr id="12" name="Text Placeholder 11"/>
+          <p:cNvSpPr>
+            <a:spLocks noGrp="1"/>
+          </p:cNvSpPr>
+          <p:nvPr>
+            <p:ph type="body" idx="1"/>
+          </p:nvPr>
+        </p:nvSpPr>
+        <p:spPr>
+          <a:xfrm>
+            <a:off x="824560" y="3667640"/>
+            <a:ext cx="5157787" cy="823912"/>
+          </a:xfrm>
+        </p:spPr>
+        <p:txBody>
+          <a:bodyPr/>
+          <a:lstStyle/>
+          <a:p>
+            <a:r>
+              <a:rPr lang="en-US" dirty="0" smtClean="0">
+                <a:solidFill>
+                  <a:schemeClr val="tx1"/>
+                </a:solidFill>
+              </a:rPr>
+              <a:t>Performance/Efficiency</a:t>
+            </a:r>
+            <a:endParaRPr lang="en-US" dirty="0">
+              <a:solidFill>
+                <a:schemeClr val="tx1"/>
+              </a:solidFill>
+            </a:endParaRPr>
+          </a:p>
+        </p:txBody>
+      </p:sp>
+      <p:sp>
+        <p:nvSpPr>
+          <p:cNvPr id="13" name="Content Placeholder 12"/>
+          <p:cNvSpPr>
+            <a:spLocks noGrp="1"/>
+          </p:cNvSpPr>
+          <p:nvPr>
+            <p:ph sz="half" idx="2"/>
+          </p:nvPr>
+        </p:nvSpPr>
+        <p:spPr>
+          <a:xfrm>
+            <a:off x="824560" y="4491552"/>
+            <a:ext cx="5157787" cy="2261787"/>
+          </a:xfrm>
+        </p:spPr>
+        <p:txBody>
+          <a:bodyPr/>
+          <a:lstStyle/>
+          <a:p>
+            <a:pPr>
+              <a:buFont typeface="Wingdings" charset="2"/>
+              <a:buChar char="ü"/>
+            </a:pPr>
+            <a:r>
+              <a:rPr lang="en-US" dirty="0" smtClean="0">
+                <a:solidFill>
+                  <a:schemeClr val="accent2"/>
+                </a:solidFill>
+              </a:rPr>
+              <a:t>Boot time.</a:t>
+            </a:r>
+          </a:p>
+          <a:p>
+            <a:pPr>
+              <a:buFont typeface="Wingdings" charset="2"/>
+              <a:buChar char="ü"/>
+            </a:pPr>
+            <a:r>
+              <a:rPr lang="en-US" dirty="0" smtClean="0">
+                <a:solidFill>
+                  <a:schemeClr val="accent2"/>
+                </a:solidFill>
+              </a:rPr>
+              <a:t>Small size.</a:t>
+            </a:r>
+          </a:p>
+          <a:p>
+            <a:pPr>
+              <a:buFont typeface="Wingdings" charset="2"/>
+              <a:buChar char="ü"/>
+            </a:pPr>
+            <a:r>
+              <a:rPr lang="en-US" dirty="0" smtClean="0">
+                <a:solidFill>
+                  <a:schemeClr val="accent2"/>
+                </a:solidFill>
+              </a:rPr>
+              <a:t>Performance.</a:t>
+            </a:r>
+          </a:p>
+          <a:p>
+            <a:pPr>
+              <a:buFont typeface="Wingdings" charset="2"/>
+              <a:buChar char="ü"/>
+            </a:pPr>
+            <a:r>
+              <a:rPr lang="en-US" dirty="0" smtClean="0">
+                <a:solidFill>
+                  <a:schemeClr val="accent2"/>
+                </a:solidFill>
+              </a:rPr>
+              <a:t>App-specific algorithm.</a:t>
+            </a:r>
+            <a:endParaRPr lang="en-US" dirty="0">
+              <a:solidFill>
+                <a:schemeClr val="accent2"/>
+              </a:solidFill>
+            </a:endParaRPr>
+          </a:p>
+        </p:txBody>
+      </p:sp>
+      <p:sp>
+        <p:nvSpPr>
+          <p:cNvPr id="14" name="Text Placeholder 13"/>
+          <p:cNvSpPr>
+            <a:spLocks noGrp="1"/>
+          </p:cNvSpPr>
+          <p:nvPr>
+            <p:ph type="body" sz="quarter" idx="3"/>
+          </p:nvPr>
+        </p:nvSpPr>
+        <p:spPr>
+          <a:xfrm>
+            <a:off x="6172200" y="3667640"/>
+            <a:ext cx="5183188" cy="823912"/>
+          </a:xfrm>
+        </p:spPr>
+        <p:txBody>
+          <a:bodyPr/>
+          <a:lstStyle/>
+          <a:p>
+            <a:r>
+              <a:rPr lang="en-US" dirty="0" smtClean="0">
+                <a:solidFill>
+                  <a:schemeClr val="tx1"/>
+                </a:solidFill>
+              </a:rPr>
+              <a:t>Security</a:t>
+            </a:r>
+            <a:endParaRPr lang="en-US" dirty="0">
+              <a:solidFill>
+                <a:schemeClr val="tx1"/>
+              </a:solidFill>
+            </a:endParaRPr>
+          </a:p>
+        </p:txBody>
+      </p:sp>
+      <p:sp>
+        <p:nvSpPr>
+          <p:cNvPr id="15" name="Content Placeholder 14"/>
+          <p:cNvSpPr>
+            <a:spLocks noGrp="1"/>
+          </p:cNvSpPr>
+          <p:nvPr>
+            <p:ph sz="quarter" idx="4"/>
+          </p:nvPr>
+        </p:nvSpPr>
+        <p:spPr>
+          <a:xfrm>
+            <a:off x="6172200" y="4491552"/>
+            <a:ext cx="5183188" cy="2250771"/>
+          </a:xfrm>
+        </p:spPr>
+        <p:txBody>
+          <a:bodyPr/>
+          <a:lstStyle/>
+          <a:p>
+            <a:pPr>
+              <a:buFont typeface="Wingdings" charset="2"/>
+              <a:buChar char="ü"/>
+            </a:pPr>
+            <a:r>
+              <a:rPr lang="en-US" dirty="0" smtClean="0">
+                <a:solidFill>
+                  <a:schemeClr val="accent2"/>
+                </a:solidFill>
+              </a:rPr>
+              <a:t>Reduce attack surface.</a:t>
+            </a:r>
+          </a:p>
+          <a:p>
+            <a:pPr>
+              <a:buFont typeface="Wingdings" charset="2"/>
+              <a:buChar char="ü"/>
+            </a:pPr>
+            <a:r>
+              <a:rPr lang="en-US" dirty="0" smtClean="0">
+                <a:solidFill>
+                  <a:schemeClr val="accent2"/>
+                </a:solidFill>
+              </a:rPr>
+              <a:t>Extra protections.</a:t>
+            </a:r>
+          </a:p>
+          <a:p>
+            <a:pPr>
+              <a:buFont typeface="Wingdings" charset="2"/>
+              <a:buChar char="ü"/>
+            </a:pPr>
+            <a:r>
+              <a:rPr lang="en-US" dirty="0" smtClean="0">
+                <a:solidFill>
+                  <a:schemeClr val="accent5">
+                    <a:lumMod val="75000"/>
+                  </a:schemeClr>
+                </a:solidFill>
+              </a:rPr>
+              <a:t>Isolation fr</a:t>
+            </a:r>
+            <a:r>
+              <a:rPr lang="en-US" dirty="0" smtClean="0">
+                <a:solidFill>
+                  <a:schemeClr val="accent2"/>
+                </a:solidFill>
+              </a:rPr>
+              <a:t>om guest.</a:t>
+            </a:r>
+          </a:p>
+          <a:p>
+            <a:pPr>
+              <a:buFont typeface="Wingdings" charset="2"/>
+              <a:buChar char="ü"/>
+            </a:pPr>
+            <a:r>
+              <a:rPr lang="en-US" dirty="0" smtClean="0">
+                <a:solidFill>
+                  <a:schemeClr val="accent5">
+                    <a:lumMod val="75000"/>
+                  </a:schemeClr>
+                </a:solidFill>
+              </a:rPr>
+              <a:t>Isolation from host.</a:t>
+            </a:r>
+          </a:p>
+          <a:p>
+            <a:pPr>
+              <a:buFont typeface="Wingdings" charset="2"/>
+              <a:buChar char="ü"/>
+            </a:pPr>
+            <a:endParaRPr lang="en-US" dirty="0">
+              <a:solidFill>
+                <a:schemeClr val="accent2"/>
+              </a:solidFill>
+            </a:endParaRPr>
+          </a:p>
+        </p:txBody>
+      </p:sp>
+      <p:sp>
+        <p:nvSpPr>
+          <p:cNvPr id="3" name="Slide Number Placeholder 2"/>
+          <p:cNvSpPr>
+            <a:spLocks noGrp="1"/>
+          </p:cNvSpPr>
+          <p:nvPr>
+            <p:ph type="sldNum" sz="quarter" idx="12"/>
+          </p:nvPr>
+        </p:nvSpPr>
+        <p:spPr/>
+        <p:txBody>
+          <a:bodyPr/>
+          <a:lstStyle/>
+          <a:p>
+            <a:fld id="{B46BA956-F633-F04E-BD9F-377F5F31FAB2}" type="slidenum">
+              <a:rPr lang="en-US" smtClean="0">
+                <a:solidFill>
+                  <a:schemeClr val="tx1"/>
+                </a:solidFill>
+              </a:rPr>
+              <a:t>21</a:t>
+            </a:fld>
+            <a:endParaRPr lang="en-US" dirty="0">
+              <a:solidFill>
+                <a:schemeClr val="tx1"/>
+              </a:solidFill>
+            </a:endParaRPr>
+          </a:p>
+        </p:txBody>
+      </p:sp>
+      <p:pic>
+        <p:nvPicPr>
+          <p:cNvPr id="4" name="Picture 3"/>
+          <p:cNvPicPr>
+            <a:picLocks noChangeAspect="1"/>
+          </p:cNvPicPr>
+          <p:nvPr/>
+        </p:nvPicPr>
+        <p:blipFill>
+          <a:blip r:embed="rId3">
+            <a:extLst>
+              <a:ext uri="{28A0092B-C50C-407E-A947-70E740481C1C}">
+                <a14:useLocalDpi xmlns:a14="http://schemas.microsoft.com/office/drawing/2010/main" val="0"/>
+              </a:ext>
+            </a:extLst>
+          </a:blip>
+          <a:stretch>
+            <a:fillRect/>
+          </a:stretch>
+        </p:blipFill>
+        <p:spPr>
+          <a:xfrm>
+            <a:off x="3267456" y="1122744"/>
+            <a:ext cx="5657088" cy="3048000"/>
+          </a:xfrm>
+          <a:prstGeom prst="rect">
+            <a:avLst/>
+          </a:prstGeom>
+        </p:spPr>
+      </p:pic>
+    </p:spTree>
+    <p:extLst>
+      <p:ext uri="{BB962C8B-B14F-4D97-AF65-F5344CB8AC3E}">
+        <p14:creationId xmlns:p14="http://schemas.microsoft.com/office/powerpoint/2010/main" val="602803462"/>
+      </p:ext>
+    </p:extLst>
+  </p:cSld>
+  <p:clrMapOvr>
+    <a:masterClrMapping/>
+  </p:clrMapOvr>
+  <p:timing>
+    <p:tnLst>
+      <p:par>
+        <p:cTn id="1" dur="indefinite" restart="never" nodeType="tmRoot"/>
+      </p:par>
+    </p:tnLst>
+  </p:timing>
+</p:sld>
+</file>
+
+<file path=ppt/slides/slide22.xml><?xml version="1.0" encoding="utf-8"?>
+<p:sld xmlns:a="http://schemas.openxmlformats.org/drawingml/2006/main" xmlns:r="http://schemas.openxmlformats.org/officeDocument/2006/relationships" xmlns:p="http://schemas.openxmlformats.org/presentationml/2006/main">
+  <p:cSld>
+    <p:spTree>
+      <p:nvGrpSpPr>
+        <p:cNvPr id="1" name=""/>
+        <p:cNvGrpSpPr/>
+        <p:nvPr/>
+      </p:nvGrpSpPr>
+      <p:grpSpPr>
+        <a:xfrm>
+          <a:off x="0" y="0"/>
+          <a:ext cx="0" cy="0"/>
+          <a:chOff x="0" y="0"/>
+          <a:chExt cx="0" cy="0"/>
+        </a:xfrm>
+      </p:grpSpPr>
+      <p:sp>
+        <p:nvSpPr>
+          <p:cNvPr id="2" name="Title 1"/>
+          <p:cNvSpPr>
+            <a:spLocks noGrp="1"/>
+          </p:cNvSpPr>
+          <p:nvPr>
+            <p:ph type="title"/>
+          </p:nvPr>
+        </p:nvSpPr>
+        <p:spPr/>
+        <p:txBody>
+          <a:bodyPr/>
+          <a:lstStyle/>
+          <a:p>
+            <a:r>
+              <a:rPr lang="en-US" dirty="0" smtClean="0"/>
               <a:t>	Research Proposal</a:t>
             </a:r>
             <a:endParaRPr lang="en-US" dirty="0"/>
@@ -11449,7 +11649,7 @@
                   <a:schemeClr val="tx1"/>
                 </a:solidFill>
               </a:rPr>
-              <a:t>21</a:t>
+              <a:t>22</a:t>
             </a:fld>
             <a:endParaRPr lang="en-US" dirty="0">
               <a:solidFill>
@@ -11509,7 +11709,7 @@
 </p:sld>
 </file>
 
-<file path=ppt/slides/slide22.xml><?xml version="1.0" encoding="utf-8"?>
+<file path=ppt/slides/slide23.xml><?xml version="1.0" encoding="utf-8"?>
 <p:sld xmlns:a="http://schemas.openxmlformats.org/drawingml/2006/main" xmlns:r="http://schemas.openxmlformats.org/officeDocument/2006/relationships" xmlns:p="http://schemas.openxmlformats.org/presentationml/2006/main">
   <p:cSld>
     <p:spTree>
@@ -11638,7 +11838,7 @@
                   <a:schemeClr val="tx1"/>
                 </a:solidFill>
               </a:rPr>
-              <a:t>22</a:t>
+              <a:t>23</a:t>
             </a:fld>
             <a:endParaRPr lang="en-US" dirty="0">
               <a:solidFill>
@@ -11668,6 +11868,1505 @@
 </p:sld>
 </file>
 
+<file path=ppt/slides/slide24.xml><?xml version="1.0" encoding="utf-8"?>
+<p:sld xmlns:a="http://schemas.openxmlformats.org/drawingml/2006/main" xmlns:r="http://schemas.openxmlformats.org/officeDocument/2006/relationships" xmlns:p="http://schemas.openxmlformats.org/presentationml/2006/main">
+  <p:cSld>
+    <p:spTree>
+      <p:nvGrpSpPr>
+        <p:cNvPr id="1" name=""/>
+        <p:cNvGrpSpPr/>
+        <p:nvPr/>
+      </p:nvGrpSpPr>
+      <p:grpSpPr>
+        <a:xfrm>
+          <a:off x="0" y="0"/>
+          <a:ext cx="0" cy="0"/>
+          <a:chOff x="0" y="0"/>
+          <a:chExt cx="0" cy="0"/>
+        </a:xfrm>
+      </p:grpSpPr>
+      <p:sp>
+        <p:nvSpPr>
+          <p:cNvPr id="2" name="Title 1"/>
+          <p:cNvSpPr>
+            <a:spLocks noGrp="1"/>
+          </p:cNvSpPr>
+          <p:nvPr>
+            <p:ph type="title"/>
+          </p:nvPr>
+        </p:nvSpPr>
+        <p:spPr/>
+        <p:txBody>
+          <a:bodyPr/>
+          <a:lstStyle/>
+          <a:p>
+            <a:pPr algn="ctr"/>
+            <a:r>
+              <a:rPr lang="en-US" dirty="0" smtClean="0"/>
+              <a:t>Backup slides</a:t>
+            </a:r>
+            <a:endParaRPr lang="en-US" dirty="0"/>
+          </a:p>
+        </p:txBody>
+      </p:sp>
+      <p:sp>
+        <p:nvSpPr>
+          <p:cNvPr id="3" name="Text Placeholder 2"/>
+          <p:cNvSpPr>
+            <a:spLocks noGrp="1"/>
+          </p:cNvSpPr>
+          <p:nvPr>
+            <p:ph type="body" idx="1"/>
+          </p:nvPr>
+        </p:nvSpPr>
+        <p:spPr/>
+        <p:txBody>
+          <a:bodyPr/>
+          <a:lstStyle/>
+          <a:p>
+            <a:endParaRPr lang="en-US" dirty="0"/>
+          </a:p>
+        </p:txBody>
+      </p:sp>
+      <p:sp>
+        <p:nvSpPr>
+          <p:cNvPr id="4" name="Slide Number Placeholder 3"/>
+          <p:cNvSpPr>
+            <a:spLocks noGrp="1"/>
+          </p:cNvSpPr>
+          <p:nvPr>
+            <p:ph type="sldNum" sz="quarter" idx="12"/>
+          </p:nvPr>
+        </p:nvSpPr>
+        <p:spPr/>
+        <p:txBody>
+          <a:bodyPr/>
+          <a:lstStyle/>
+          <a:p>
+            <a:fld id="{B46BA956-F633-F04E-BD9F-377F5F31FAB2}" type="slidenum">
+              <a:rPr lang="en-US" smtClean="0"/>
+              <a:t>24</a:t>
+            </a:fld>
+            <a:endParaRPr lang="en-US"/>
+          </a:p>
+        </p:txBody>
+      </p:sp>
+    </p:spTree>
+    <p:extLst>
+      <p:ext uri="{BB962C8B-B14F-4D97-AF65-F5344CB8AC3E}">
+        <p14:creationId xmlns:p14="http://schemas.microsoft.com/office/powerpoint/2010/main" val="1104332819"/>
+      </p:ext>
+    </p:extLst>
+  </p:cSld>
+  <p:clrMapOvr>
+    <a:masterClrMapping/>
+  </p:clrMapOvr>
+</p:sld>
+</file>
+
+<file path=ppt/slides/slide25.xml><?xml version="1.0" encoding="utf-8"?>
+<p:sld xmlns:a="http://schemas.openxmlformats.org/drawingml/2006/main" xmlns:r="http://schemas.openxmlformats.org/officeDocument/2006/relationships" xmlns:p="http://schemas.openxmlformats.org/presentationml/2006/main">
+  <p:cSld>
+    <p:spTree>
+      <p:nvGrpSpPr>
+        <p:cNvPr id="1" name=""/>
+        <p:cNvGrpSpPr/>
+        <p:nvPr/>
+      </p:nvGrpSpPr>
+      <p:grpSpPr>
+        <a:xfrm>
+          <a:off x="0" y="0"/>
+          <a:ext cx="0" cy="0"/>
+          <a:chOff x="0" y="0"/>
+          <a:chExt cx="0" cy="0"/>
+        </a:xfrm>
+      </p:grpSpPr>
+      <p:sp>
+        <p:nvSpPr>
+          <p:cNvPr id="2" name="Title 1"/>
+          <p:cNvSpPr>
+            <a:spLocks noGrp="1"/>
+          </p:cNvSpPr>
+          <p:nvPr>
+            <p:ph type="title"/>
+          </p:nvPr>
+        </p:nvSpPr>
+        <p:spPr/>
+        <p:txBody>
+          <a:bodyPr/>
+          <a:lstStyle/>
+          <a:p>
+            <a:r>
+              <a:rPr lang="en-US" dirty="0" smtClean="0"/>
+              <a:t>	Haven: </a:t>
+            </a:r>
+            <a:r>
+              <a:rPr lang="en-US" dirty="0" smtClean="0"/>
+              <a:t>Performance details</a:t>
+            </a:r>
+            <a:endParaRPr lang="en-US" dirty="0"/>
+          </a:p>
+        </p:txBody>
+      </p:sp>
+      <p:sp>
+        <p:nvSpPr>
+          <p:cNvPr id="5" name="Content Placeholder 4"/>
+          <p:cNvSpPr>
+            <a:spLocks noGrp="1"/>
+          </p:cNvSpPr>
+          <p:nvPr>
+            <p:ph idx="1"/>
+          </p:nvPr>
+        </p:nvSpPr>
+        <p:spPr/>
+        <p:txBody>
+          <a:bodyPr>
+            <a:normAutofit/>
+          </a:bodyPr>
+          <a:lstStyle/>
+          <a:p>
+            <a:pPr>
+              <a:buBlip>
+                <a:blip r:embed="rId3"/>
+              </a:buBlip>
+            </a:pPr>
+            <a:r>
+              <a:rPr lang="en-US" dirty="0" smtClean="0">
+                <a:solidFill>
+                  <a:srgbClr val="FF0000"/>
+                </a:solidFill>
+              </a:rPr>
+              <a:t>General performance.</a:t>
+            </a:r>
+          </a:p>
+          <a:p>
+            <a:pPr lvl="1">
+              <a:buFont typeface="Arial" charset="0"/>
+              <a:buChar char="•"/>
+            </a:pPr>
+            <a:r>
+              <a:rPr lang="en-US" dirty="0" smtClean="0">
+                <a:solidFill>
+                  <a:schemeClr val="tx1"/>
+                </a:solidFill>
+              </a:rPr>
+              <a:t>Haven </a:t>
+            </a:r>
+            <a:r>
+              <a:rPr lang="en-US" dirty="0" smtClean="0">
+                <a:solidFill>
+                  <a:schemeClr val="tx1"/>
+                </a:solidFill>
+              </a:rPr>
+              <a:t>overheads.</a:t>
+            </a:r>
+          </a:p>
+          <a:p>
+            <a:pPr lvl="2">
+              <a:buFont typeface="Arial" charset="0"/>
+              <a:buChar char="•"/>
+            </a:pPr>
+            <a:r>
+              <a:rPr lang="en-US" dirty="0" smtClean="0">
+                <a:solidFill>
+                  <a:schemeClr val="tx1"/>
+                </a:solidFill>
+              </a:rPr>
+              <a:t>Web server, 55% slowdown compared to native</a:t>
+            </a:r>
+            <a:r>
+              <a:rPr lang="en-US" dirty="0" smtClean="0">
+                <a:solidFill>
+                  <a:schemeClr val="tx1"/>
+                </a:solidFill>
+              </a:rPr>
+              <a:t>.</a:t>
+            </a:r>
+          </a:p>
+          <a:p>
+            <a:pPr lvl="2">
+              <a:buFont typeface="Arial" charset="0"/>
+              <a:buChar char="•"/>
+            </a:pPr>
+            <a:r>
+              <a:rPr lang="en-US" dirty="0" smtClean="0">
+                <a:solidFill>
+                  <a:schemeClr val="tx1"/>
+                </a:solidFill>
+              </a:rPr>
+              <a:t>We server, 25% slowdown compared to VM.</a:t>
+            </a:r>
+            <a:endParaRPr lang="en-US" dirty="0" smtClean="0">
+              <a:solidFill>
+                <a:schemeClr val="tx1"/>
+              </a:solidFill>
+            </a:endParaRPr>
+          </a:p>
+          <a:p>
+            <a:pPr lvl="2">
+              <a:buFont typeface="Arial" charset="0"/>
+              <a:buChar char="•"/>
+            </a:pPr>
+            <a:r>
+              <a:rPr lang="en-US" dirty="0" smtClean="0">
+                <a:solidFill>
+                  <a:schemeClr val="tx1"/>
+                </a:solidFill>
+              </a:rPr>
+              <a:t>Web server, 44% slowdown compared to drawbridge.</a:t>
+            </a:r>
+          </a:p>
+          <a:p>
+            <a:pPr lvl="2">
+              <a:buFont typeface="Arial" charset="0"/>
+              <a:buChar char="•"/>
+            </a:pPr>
+            <a:r>
+              <a:rPr lang="en-US" dirty="0" smtClean="0">
+                <a:solidFill>
+                  <a:schemeClr val="tx1"/>
+                </a:solidFill>
+              </a:rPr>
+              <a:t>SQL + TPC-E, 15% slowdown compared to native.</a:t>
+            </a:r>
+          </a:p>
+          <a:p>
+            <a:pPr lvl="2">
+              <a:buFont typeface="Arial" charset="0"/>
+              <a:buChar char="•"/>
+            </a:pPr>
+            <a:r>
+              <a:rPr lang="en-US" dirty="0" smtClean="0">
+                <a:solidFill>
+                  <a:schemeClr val="tx1"/>
+                </a:solidFill>
+              </a:rPr>
+              <a:t>SQL + TPC-E, 11% slowdown compared to VM.</a:t>
+            </a:r>
+          </a:p>
+          <a:p>
+            <a:pPr lvl="2">
+              <a:buFont typeface="Arial" charset="0"/>
+              <a:buChar char="•"/>
+            </a:pPr>
+            <a:r>
+              <a:rPr lang="en-US" dirty="0" smtClean="0">
+                <a:solidFill>
+                  <a:schemeClr val="tx1"/>
+                </a:solidFill>
+              </a:rPr>
+              <a:t>SQL + TPC-E, 13% slowdown compared to drawbridge.</a:t>
+            </a:r>
+          </a:p>
+          <a:p>
+            <a:pPr lvl="2">
+              <a:buFont typeface="Arial" charset="0"/>
+              <a:buChar char="•"/>
+            </a:pPr>
+            <a:endParaRPr lang="en-US" dirty="0">
+              <a:solidFill>
+                <a:schemeClr val="tx1"/>
+              </a:solidFill>
+            </a:endParaRPr>
+          </a:p>
+          <a:p>
+            <a:pPr lvl="1">
+              <a:buFont typeface="Arial" charset="0"/>
+              <a:buChar char="•"/>
+            </a:pPr>
+            <a:r>
+              <a:rPr lang="en-US" dirty="0" smtClean="0">
+                <a:solidFill>
+                  <a:schemeClr val="tx1"/>
+                </a:solidFill>
+              </a:rPr>
+              <a:t>Authors predicted 31% to 51% slowdown compared to VM.</a:t>
+            </a:r>
+          </a:p>
+          <a:p>
+            <a:pPr lvl="2">
+              <a:buFont typeface="Arial" charset="0"/>
+              <a:buChar char="•"/>
+            </a:pPr>
+            <a:r>
+              <a:rPr lang="en-US" dirty="0" smtClean="0">
+                <a:solidFill>
+                  <a:schemeClr val="tx1"/>
+                </a:solidFill>
+              </a:rPr>
+              <a:t>But miss-predicted impact of EPC.</a:t>
+            </a:r>
+            <a:endParaRPr lang="en-US" dirty="0" smtClean="0">
+              <a:solidFill>
+                <a:schemeClr val="tx1"/>
+              </a:solidFill>
+            </a:endParaRPr>
+          </a:p>
+          <a:p>
+            <a:pPr lvl="2">
+              <a:buFont typeface="Arial" charset="0"/>
+              <a:buChar char="•"/>
+            </a:pPr>
+            <a:endParaRPr lang="en-US" dirty="0" smtClean="0">
+              <a:solidFill>
+                <a:schemeClr val="tx1"/>
+              </a:solidFill>
+            </a:endParaRPr>
+          </a:p>
+        </p:txBody>
+      </p:sp>
+      <p:sp>
+        <p:nvSpPr>
+          <p:cNvPr id="3" name="Slide Number Placeholder 2"/>
+          <p:cNvSpPr>
+            <a:spLocks noGrp="1"/>
+          </p:cNvSpPr>
+          <p:nvPr>
+            <p:ph type="sldNum" sz="quarter" idx="12"/>
+          </p:nvPr>
+        </p:nvSpPr>
+        <p:spPr/>
+        <p:txBody>
+          <a:bodyPr/>
+          <a:lstStyle/>
+          <a:p>
+            <a:fld id="{B46BA956-F633-F04E-BD9F-377F5F31FAB2}" type="slidenum">
+              <a:rPr lang="en-US" smtClean="0">
+                <a:solidFill>
+                  <a:schemeClr val="tx1"/>
+                </a:solidFill>
+              </a:rPr>
+              <a:t>25</a:t>
+            </a:fld>
+            <a:endParaRPr lang="en-US" dirty="0">
+              <a:solidFill>
+                <a:schemeClr val="tx1"/>
+              </a:solidFill>
+            </a:endParaRPr>
+          </a:p>
+        </p:txBody>
+      </p:sp>
+    </p:spTree>
+    <p:extLst>
+      <p:ext uri="{BB962C8B-B14F-4D97-AF65-F5344CB8AC3E}">
+        <p14:creationId xmlns:p14="http://schemas.microsoft.com/office/powerpoint/2010/main" val="1806518620"/>
+      </p:ext>
+    </p:extLst>
+  </p:cSld>
+  <p:clrMapOvr>
+    <a:masterClrMapping/>
+  </p:clrMapOvr>
+  <p:timing>
+    <p:tnLst>
+      <p:par>
+        <p:cTn id="1" dur="indefinite" restart="never" nodeType="tmRoot">
+          <p:childTnLst>
+            <p:seq concurrent="1" nextAc="seek">
+              <p:cTn id="2" dur="indefinite" nodeType="mainSeq">
+                <p:childTnLst>
+                  <p:par>
+                    <p:cTn id="3" fill="hold">
+                      <p:stCondLst>
+                        <p:cond delay="indefinite"/>
+                      </p:stCondLst>
+                      <p:childTnLst>
+                        <p:par>
+                          <p:cTn id="4" fill="hold">
+                            <p:stCondLst>
+                              <p:cond delay="0"/>
+                            </p:stCondLst>
+                            <p:childTnLst>
+                              <p:par>
+                                <p:cTn id="5" presetID="1" presetClass="entr" presetSubtype="0" fill="hold" nodeType="clickEffect">
+                                  <p:stCondLst>
+                                    <p:cond delay="0"/>
+                                  </p:stCondLst>
+                                  <p:childTnLst>
+                                    <p:set>
+                                      <p:cBhvr>
+                                        <p:cTn id="6" dur="1" fill="hold">
+                                          <p:stCondLst>
+                                            <p:cond delay="0"/>
+                                          </p:stCondLst>
+                                        </p:cTn>
+                                        <p:tgtEl>
+                                          <p:spTgt spid="5">
+                                            <p:txEl>
+                                              <p:pRg st="0" end="0"/>
+                                            </p:txEl>
+                                          </p:spTgt>
+                                        </p:tgtEl>
+                                        <p:attrNameLst>
+                                          <p:attrName>style.visibility</p:attrName>
+                                        </p:attrNameLst>
+                                      </p:cBhvr>
+                                      <p:to>
+                                        <p:strVal val="visible"/>
+                                      </p:to>
+                                    </p:set>
+                                  </p:childTnLst>
+                                </p:cTn>
+                              </p:par>
+                              <p:par>
+                                <p:cTn id="7" presetID="1" presetClass="entr" presetSubtype="0" fill="hold" nodeType="withEffect">
+                                  <p:stCondLst>
+                                    <p:cond delay="0"/>
+                                  </p:stCondLst>
+                                  <p:childTnLst>
+                                    <p:set>
+                                      <p:cBhvr>
+                                        <p:cTn id="8" dur="1" fill="hold">
+                                          <p:stCondLst>
+                                            <p:cond delay="0"/>
+                                          </p:stCondLst>
+                                        </p:cTn>
+                                        <p:tgtEl>
+                                          <p:spTgt spid="5">
+                                            <p:txEl>
+                                              <p:pRg st="1" end="1"/>
+                                            </p:txEl>
+                                          </p:spTgt>
+                                        </p:tgtEl>
+                                        <p:attrNameLst>
+                                          <p:attrName>style.visibility</p:attrName>
+                                        </p:attrNameLst>
+                                      </p:cBhvr>
+                                      <p:to>
+                                        <p:strVal val="visible"/>
+                                      </p:to>
+                                    </p:set>
+                                  </p:childTnLst>
+                                </p:cTn>
+                              </p:par>
+                              <p:par>
+                                <p:cTn id="9" presetID="1" presetClass="entr" presetSubtype="0" fill="hold" nodeType="withEffect">
+                                  <p:stCondLst>
+                                    <p:cond delay="0"/>
+                                  </p:stCondLst>
+                                  <p:childTnLst>
+                                    <p:set>
+                                      <p:cBhvr>
+                                        <p:cTn id="10" dur="1" fill="hold">
+                                          <p:stCondLst>
+                                            <p:cond delay="0"/>
+                                          </p:stCondLst>
+                                        </p:cTn>
+                                        <p:tgtEl>
+                                          <p:spTgt spid="5">
+                                            <p:txEl>
+                                              <p:pRg st="2" end="2"/>
+                                            </p:txEl>
+                                          </p:spTgt>
+                                        </p:tgtEl>
+                                        <p:attrNameLst>
+                                          <p:attrName>style.visibility</p:attrName>
+                                        </p:attrNameLst>
+                                      </p:cBhvr>
+                                      <p:to>
+                                        <p:strVal val="visible"/>
+                                      </p:to>
+                                    </p:set>
+                                  </p:childTnLst>
+                                </p:cTn>
+                              </p:par>
+                              <p:par>
+                                <p:cTn id="11" presetID="1" presetClass="entr" presetSubtype="0" fill="hold" nodeType="withEffect">
+                                  <p:stCondLst>
+                                    <p:cond delay="0"/>
+                                  </p:stCondLst>
+                                  <p:childTnLst>
+                                    <p:set>
+                                      <p:cBhvr>
+                                        <p:cTn id="12" dur="1" fill="hold">
+                                          <p:stCondLst>
+                                            <p:cond delay="0"/>
+                                          </p:stCondLst>
+                                        </p:cTn>
+                                        <p:tgtEl>
+                                          <p:spTgt spid="5">
+                                            <p:txEl>
+                                              <p:pRg st="3" end="3"/>
+                                            </p:txEl>
+                                          </p:spTgt>
+                                        </p:tgtEl>
+                                        <p:attrNameLst>
+                                          <p:attrName>style.visibility</p:attrName>
+                                        </p:attrNameLst>
+                                      </p:cBhvr>
+                                      <p:to>
+                                        <p:strVal val="visible"/>
+                                      </p:to>
+                                    </p:set>
+                                  </p:childTnLst>
+                                </p:cTn>
+                              </p:par>
+                              <p:par>
+                                <p:cTn id="13" presetID="1" presetClass="entr" presetSubtype="0" fill="hold" nodeType="withEffect">
+                                  <p:stCondLst>
+                                    <p:cond delay="0"/>
+                                  </p:stCondLst>
+                                  <p:childTnLst>
+                                    <p:set>
+                                      <p:cBhvr>
+                                        <p:cTn id="14" dur="1" fill="hold">
+                                          <p:stCondLst>
+                                            <p:cond delay="0"/>
+                                          </p:stCondLst>
+                                        </p:cTn>
+                                        <p:tgtEl>
+                                          <p:spTgt spid="5">
+                                            <p:txEl>
+                                              <p:pRg st="4" end="4"/>
+                                            </p:txEl>
+                                          </p:spTgt>
+                                        </p:tgtEl>
+                                        <p:attrNameLst>
+                                          <p:attrName>style.visibility</p:attrName>
+                                        </p:attrNameLst>
+                                      </p:cBhvr>
+                                      <p:to>
+                                        <p:strVal val="visible"/>
+                                      </p:to>
+                                    </p:set>
+                                  </p:childTnLst>
+                                </p:cTn>
+                              </p:par>
+                              <p:par>
+                                <p:cTn id="15" presetID="1" presetClass="entr" presetSubtype="0" fill="hold" nodeType="withEffect">
+                                  <p:stCondLst>
+                                    <p:cond delay="0"/>
+                                  </p:stCondLst>
+                                  <p:childTnLst>
+                                    <p:set>
+                                      <p:cBhvr>
+                                        <p:cTn id="16" dur="1" fill="hold">
+                                          <p:stCondLst>
+                                            <p:cond delay="0"/>
+                                          </p:stCondLst>
+                                        </p:cTn>
+                                        <p:tgtEl>
+                                          <p:spTgt spid="5">
+                                            <p:txEl>
+                                              <p:pRg st="5" end="5"/>
+                                            </p:txEl>
+                                          </p:spTgt>
+                                        </p:tgtEl>
+                                        <p:attrNameLst>
+                                          <p:attrName>style.visibility</p:attrName>
+                                        </p:attrNameLst>
+                                      </p:cBhvr>
+                                      <p:to>
+                                        <p:strVal val="visible"/>
+                                      </p:to>
+                                    </p:set>
+                                  </p:childTnLst>
+                                </p:cTn>
+                              </p:par>
+                              <p:par>
+                                <p:cTn id="17" presetID="1" presetClass="entr" presetSubtype="0" fill="hold" nodeType="withEffect">
+                                  <p:stCondLst>
+                                    <p:cond delay="0"/>
+                                  </p:stCondLst>
+                                  <p:childTnLst>
+                                    <p:set>
+                                      <p:cBhvr>
+                                        <p:cTn id="18" dur="1" fill="hold">
+                                          <p:stCondLst>
+                                            <p:cond delay="0"/>
+                                          </p:stCondLst>
+                                        </p:cTn>
+                                        <p:tgtEl>
+                                          <p:spTgt spid="5">
+                                            <p:txEl>
+                                              <p:pRg st="6" end="6"/>
+                                            </p:txEl>
+                                          </p:spTgt>
+                                        </p:tgtEl>
+                                        <p:attrNameLst>
+                                          <p:attrName>style.visibility</p:attrName>
+                                        </p:attrNameLst>
+                                      </p:cBhvr>
+                                      <p:to>
+                                        <p:strVal val="visible"/>
+                                      </p:to>
+                                    </p:set>
+                                  </p:childTnLst>
+                                </p:cTn>
+                              </p:par>
+                              <p:par>
+                                <p:cTn id="19" presetID="1" presetClass="entr" presetSubtype="0" fill="hold" nodeType="withEffect">
+                                  <p:stCondLst>
+                                    <p:cond delay="0"/>
+                                  </p:stCondLst>
+                                  <p:childTnLst>
+                                    <p:set>
+                                      <p:cBhvr>
+                                        <p:cTn id="20" dur="1" fill="hold">
+                                          <p:stCondLst>
+                                            <p:cond delay="0"/>
+                                          </p:stCondLst>
+                                        </p:cTn>
+                                        <p:tgtEl>
+                                          <p:spTgt spid="5">
+                                            <p:txEl>
+                                              <p:pRg st="7" end="7"/>
+                                            </p:txEl>
+                                          </p:spTgt>
+                                        </p:tgtEl>
+                                        <p:attrNameLst>
+                                          <p:attrName>style.visibility</p:attrName>
+                                        </p:attrNameLst>
+                                      </p:cBhvr>
+                                      <p:to>
+                                        <p:strVal val="visible"/>
+                                      </p:to>
+                                    </p:set>
+                                  </p:childTnLst>
+                                </p:cTn>
+                              </p:par>
+                              <p:par>
+                                <p:cTn id="21" presetID="1" presetClass="entr" presetSubtype="0" fill="hold" nodeType="withEffect">
+                                  <p:stCondLst>
+                                    <p:cond delay="0"/>
+                                  </p:stCondLst>
+                                  <p:childTnLst>
+                                    <p:set>
+                                      <p:cBhvr>
+                                        <p:cTn id="22" dur="1" fill="hold">
+                                          <p:stCondLst>
+                                            <p:cond delay="0"/>
+                                          </p:stCondLst>
+                                        </p:cTn>
+                                        <p:tgtEl>
+                                          <p:spTgt spid="5">
+                                            <p:txEl>
+                                              <p:pRg st="9" end="9"/>
+                                            </p:txEl>
+                                          </p:spTgt>
+                                        </p:tgtEl>
+                                        <p:attrNameLst>
+                                          <p:attrName>style.visibility</p:attrName>
+                                        </p:attrNameLst>
+                                      </p:cBhvr>
+                                      <p:to>
+                                        <p:strVal val="visible"/>
+                                      </p:to>
+                                    </p:set>
+                                  </p:childTnLst>
+                                </p:cTn>
+                              </p:par>
+                              <p:par>
+                                <p:cTn id="23" presetID="1" presetClass="entr" presetSubtype="0" fill="hold" nodeType="withEffect">
+                                  <p:stCondLst>
+                                    <p:cond delay="0"/>
+                                  </p:stCondLst>
+                                  <p:childTnLst>
+                                    <p:set>
+                                      <p:cBhvr>
+                                        <p:cTn id="24" dur="1" fill="hold">
+                                          <p:stCondLst>
+                                            <p:cond delay="0"/>
+                                          </p:stCondLst>
+                                        </p:cTn>
+                                        <p:tgtEl>
+                                          <p:spTgt spid="5">
+                                            <p:txEl>
+                                              <p:pRg st="10" end="10"/>
+                                            </p:txEl>
+                                          </p:spTgt>
+                                        </p:tgtEl>
+                                        <p:attrNameLst>
+                                          <p:attrName>style.visibility</p:attrName>
+                                        </p:attrNameLst>
+                                      </p:cBhvr>
+                                      <p:to>
+                                        <p:strVal val="visible"/>
+                                      </p:to>
+                                    </p:set>
+                                  </p:childTnLst>
+                                </p:cTn>
+                              </p:par>
+                            </p:childTnLst>
+                          </p:cTn>
+                        </p:par>
+                      </p:childTnLst>
+                    </p:cTn>
+                  </p:par>
+                </p:childTnLst>
+              </p:cTn>
+              <p:prevCondLst>
+                <p:cond evt="onPrev" delay="0">
+                  <p:tgtEl>
+                    <p:sldTgt/>
+                  </p:tgtEl>
+                </p:cond>
+              </p:prevCondLst>
+              <p:nextCondLst>
+                <p:cond evt="onNext" delay="0">
+                  <p:tgtEl>
+                    <p:sldTgt/>
+                  </p:tgtEl>
+                </p:cond>
+              </p:nextCondLst>
+            </p:seq>
+          </p:childTnLst>
+        </p:cTn>
+      </p:par>
+    </p:tnLst>
+  </p:timing>
+</p:sld>
+</file>
+
+<file path=ppt/slides/slide26.xml><?xml version="1.0" encoding="utf-8"?>
+<p:sld xmlns:a="http://schemas.openxmlformats.org/drawingml/2006/main" xmlns:r="http://schemas.openxmlformats.org/officeDocument/2006/relationships" xmlns:p="http://schemas.openxmlformats.org/presentationml/2006/main">
+  <p:cSld>
+    <p:spTree>
+      <p:nvGrpSpPr>
+        <p:cNvPr id="1" name=""/>
+        <p:cNvGrpSpPr/>
+        <p:nvPr/>
+      </p:nvGrpSpPr>
+      <p:grpSpPr>
+        <a:xfrm>
+          <a:off x="0" y="0"/>
+          <a:ext cx="0" cy="0"/>
+          <a:chOff x="0" y="0"/>
+          <a:chExt cx="0" cy="0"/>
+        </a:xfrm>
+      </p:grpSpPr>
+      <p:sp>
+        <p:nvSpPr>
+          <p:cNvPr id="2" name="Title 1"/>
+          <p:cNvSpPr>
+            <a:spLocks noGrp="1"/>
+          </p:cNvSpPr>
+          <p:nvPr>
+            <p:ph type="title"/>
+          </p:nvPr>
+        </p:nvSpPr>
+        <p:spPr/>
+        <p:txBody>
+          <a:bodyPr/>
+          <a:lstStyle/>
+          <a:p>
+            <a:r>
+              <a:rPr lang="en-US" dirty="0" smtClean="0"/>
+              <a:t>	</a:t>
+            </a:r>
+            <a:r>
+              <a:rPr lang="en-US" dirty="0" err="1" smtClean="0"/>
+              <a:t>Unikernel</a:t>
+            </a:r>
+            <a:r>
+              <a:rPr lang="en-US" dirty="0" smtClean="0"/>
+              <a:t>: Performance details.</a:t>
+            </a:r>
+            <a:endParaRPr lang="en-US" dirty="0"/>
+          </a:p>
+        </p:txBody>
+      </p:sp>
+      <p:sp>
+        <p:nvSpPr>
+          <p:cNvPr id="3" name="Content Placeholder 2"/>
+          <p:cNvSpPr>
+            <a:spLocks noGrp="1"/>
+          </p:cNvSpPr>
+          <p:nvPr>
+            <p:ph idx="1"/>
+          </p:nvPr>
+        </p:nvSpPr>
+        <p:spPr/>
+        <p:txBody>
+          <a:bodyPr/>
+          <a:lstStyle/>
+          <a:p>
+            <a:pPr marL="0" marR="0" lvl="0" indent="0" defTabSz="914400" eaLnBrk="1" fontAlgn="auto" latinLnBrk="0" hangingPunct="1">
+              <a:lnSpc>
+                <a:spcPct val="100000"/>
+              </a:lnSpc>
+              <a:spcBef>
+                <a:spcPts val="0"/>
+              </a:spcBef>
+              <a:spcAft>
+                <a:spcPts val="0"/>
+              </a:spcAft>
+              <a:buClrTx/>
+              <a:buSzTx/>
+              <a:buFontTx/>
+              <a:buNone/>
+              <a:tabLst/>
+              <a:defRPr/>
+            </a:pPr>
+            <a:r>
+              <a:rPr lang="en-US" dirty="0" smtClean="0">
+                <a:solidFill>
+                  <a:schemeClr val="tx1"/>
+                </a:solidFill>
+              </a:rPr>
+              <a:t>Networking &amp; Storage:</a:t>
+            </a:r>
+          </a:p>
+          <a:p>
+            <a:pPr>
+              <a:lnSpc>
+                <a:spcPct val="100000"/>
+              </a:lnSpc>
+              <a:spcBef>
+                <a:spcPts val="0"/>
+              </a:spcBef>
+            </a:pPr>
+            <a:r>
+              <a:rPr lang="en-US" dirty="0" smtClean="0">
+                <a:solidFill>
+                  <a:schemeClr val="tx1"/>
+                </a:solidFill>
+              </a:rPr>
+              <a:t>Flooding ping</a:t>
+            </a:r>
+          </a:p>
+          <a:p>
+            <a:pPr lvl="1">
+              <a:lnSpc>
+                <a:spcPct val="100000"/>
+              </a:lnSpc>
+              <a:spcBef>
+                <a:spcPts val="0"/>
+              </a:spcBef>
+            </a:pPr>
+            <a:r>
+              <a:rPr lang="en-US" dirty="0" smtClean="0">
+                <a:solidFill>
+                  <a:schemeClr val="tx1"/>
+                </a:solidFill>
+              </a:rPr>
+              <a:t>Mirage has 4-10% latency due to type-safety.</a:t>
+            </a:r>
+          </a:p>
+          <a:p>
+            <a:pPr>
+              <a:lnSpc>
+                <a:spcPct val="100000"/>
+              </a:lnSpc>
+              <a:spcBef>
+                <a:spcPts val="0"/>
+              </a:spcBef>
+            </a:pPr>
+            <a:r>
+              <a:rPr lang="en-US" dirty="0" smtClean="0">
+                <a:solidFill>
+                  <a:schemeClr val="tx1"/>
+                </a:solidFill>
+              </a:rPr>
+              <a:t>TCPv4 stack</a:t>
+            </a:r>
+          </a:p>
+          <a:p>
+            <a:pPr lvl="1">
+              <a:lnSpc>
+                <a:spcPct val="100000"/>
+              </a:lnSpc>
+              <a:spcBef>
+                <a:spcPts val="0"/>
+              </a:spcBef>
+            </a:pPr>
+            <a:r>
+              <a:rPr lang="en-US" dirty="0" smtClean="0">
+                <a:solidFill>
+                  <a:schemeClr val="tx1"/>
+                </a:solidFill>
+              </a:rPr>
+              <a:t>Comparable with Linux.</a:t>
+            </a:r>
+          </a:p>
+          <a:p>
+            <a:pPr lvl="1">
+              <a:lnSpc>
+                <a:spcPct val="100000"/>
+              </a:lnSpc>
+              <a:spcBef>
+                <a:spcPts val="0"/>
+              </a:spcBef>
+            </a:pPr>
+            <a:r>
+              <a:rPr lang="en-US" dirty="0" smtClean="0">
+                <a:solidFill>
+                  <a:schemeClr val="tx1"/>
+                </a:solidFill>
+              </a:rPr>
+              <a:t>Receive throughput slightly higher since 0-copy.</a:t>
+            </a:r>
+          </a:p>
+          <a:p>
+            <a:pPr lvl="1">
+              <a:lnSpc>
+                <a:spcPct val="100000"/>
+              </a:lnSpc>
+              <a:spcBef>
+                <a:spcPts val="0"/>
+              </a:spcBef>
+            </a:pPr>
+            <a:r>
+              <a:rPr lang="en-US" dirty="0" smtClean="0">
+                <a:solidFill>
+                  <a:schemeClr val="tx1"/>
+                </a:solidFill>
+              </a:rPr>
+              <a:t>Transmit throughput slightly lower due to higher CPU usage.</a:t>
+            </a:r>
+          </a:p>
+          <a:p>
+            <a:pPr>
+              <a:lnSpc>
+                <a:spcPct val="100000"/>
+              </a:lnSpc>
+              <a:spcBef>
+                <a:spcPts val="0"/>
+              </a:spcBef>
+            </a:pPr>
+            <a:r>
+              <a:rPr lang="en-US" dirty="0" smtClean="0">
+                <a:solidFill>
+                  <a:schemeClr val="tx1"/>
+                </a:solidFill>
+              </a:rPr>
+              <a:t>Storage access</a:t>
+            </a:r>
+          </a:p>
+          <a:p>
+            <a:pPr lvl="1">
+              <a:lnSpc>
+                <a:spcPct val="100000"/>
+              </a:lnSpc>
+              <a:spcBef>
+                <a:spcPts val="0"/>
+              </a:spcBef>
+            </a:pPr>
+            <a:r>
+              <a:rPr lang="en-US" dirty="0" smtClean="0">
+                <a:solidFill>
+                  <a:schemeClr val="tx1"/>
+                </a:solidFill>
+              </a:rPr>
+              <a:t>Comparable throughput with Linux direct </a:t>
+            </a:r>
+            <a:r>
+              <a:rPr lang="en-US" dirty="0">
+                <a:solidFill>
+                  <a:schemeClr val="tx1"/>
+                </a:solidFill>
+              </a:rPr>
+              <a:t>I</a:t>
+            </a:r>
+            <a:r>
+              <a:rPr lang="en-US" dirty="0" smtClean="0">
+                <a:solidFill>
+                  <a:schemeClr val="tx1"/>
+                </a:solidFill>
+              </a:rPr>
+              <a:t>/O.</a:t>
+            </a:r>
+            <a:endParaRPr lang="en-US" dirty="0">
+              <a:solidFill>
+                <a:schemeClr val="tx1"/>
+              </a:solidFill>
+            </a:endParaRPr>
+          </a:p>
+        </p:txBody>
+      </p:sp>
+      <p:sp>
+        <p:nvSpPr>
+          <p:cNvPr id="4" name="Slide Number Placeholder 3"/>
+          <p:cNvSpPr>
+            <a:spLocks noGrp="1"/>
+          </p:cNvSpPr>
+          <p:nvPr>
+            <p:ph type="sldNum" sz="quarter" idx="12"/>
+          </p:nvPr>
+        </p:nvSpPr>
+        <p:spPr/>
+        <p:txBody>
+          <a:bodyPr/>
+          <a:lstStyle/>
+          <a:p>
+            <a:fld id="{B46BA956-F633-F04E-BD9F-377F5F31FAB2}" type="slidenum">
+              <a:rPr lang="en-US" smtClean="0">
+                <a:solidFill>
+                  <a:schemeClr val="tx1"/>
+                </a:solidFill>
+              </a:rPr>
+              <a:t>26</a:t>
+            </a:fld>
+            <a:endParaRPr lang="en-US" dirty="0">
+              <a:solidFill>
+                <a:schemeClr val="tx1"/>
+              </a:solidFill>
+            </a:endParaRPr>
+          </a:p>
+        </p:txBody>
+      </p:sp>
+    </p:spTree>
+    <p:extLst>
+      <p:ext uri="{BB962C8B-B14F-4D97-AF65-F5344CB8AC3E}">
+        <p14:creationId xmlns:p14="http://schemas.microsoft.com/office/powerpoint/2010/main" val="1812278305"/>
+      </p:ext>
+    </p:extLst>
+  </p:cSld>
+  <p:clrMapOvr>
+    <a:masterClrMapping/>
+  </p:clrMapOvr>
+</p:sld>
+</file>
+
+<file path=ppt/slides/slide27.xml><?xml version="1.0" encoding="utf-8"?>
+<p:sld xmlns:a="http://schemas.openxmlformats.org/drawingml/2006/main" xmlns:r="http://schemas.openxmlformats.org/officeDocument/2006/relationships" xmlns:p="http://schemas.openxmlformats.org/presentationml/2006/main">
+  <p:cSld>
+    <p:spTree>
+      <p:nvGrpSpPr>
+        <p:cNvPr id="1" name=""/>
+        <p:cNvGrpSpPr/>
+        <p:nvPr/>
+      </p:nvGrpSpPr>
+      <p:grpSpPr>
+        <a:xfrm>
+          <a:off x="0" y="0"/>
+          <a:ext cx="0" cy="0"/>
+          <a:chOff x="0" y="0"/>
+          <a:chExt cx="0" cy="0"/>
+        </a:xfrm>
+      </p:grpSpPr>
+      <p:sp>
+        <p:nvSpPr>
+          <p:cNvPr id="2" name="Title 1"/>
+          <p:cNvSpPr>
+            <a:spLocks noGrp="1"/>
+          </p:cNvSpPr>
+          <p:nvPr>
+            <p:ph type="title"/>
+          </p:nvPr>
+        </p:nvSpPr>
+        <p:spPr/>
+        <p:txBody>
+          <a:bodyPr/>
+          <a:lstStyle/>
+          <a:p>
+            <a:r>
+              <a:rPr lang="en-US" dirty="0" smtClean="0"/>
+              <a:t>	</a:t>
+            </a:r>
+            <a:r>
+              <a:rPr lang="en-US" dirty="0" err="1" smtClean="0"/>
+              <a:t>Unikernel</a:t>
+            </a:r>
+            <a:r>
+              <a:rPr lang="en-US" dirty="0" smtClean="0"/>
+              <a:t>: Performance details.</a:t>
+            </a:r>
+            <a:endParaRPr lang="en-US" dirty="0"/>
+          </a:p>
+        </p:txBody>
+      </p:sp>
+      <p:sp>
+        <p:nvSpPr>
+          <p:cNvPr id="3" name="Content Placeholder 2"/>
+          <p:cNvSpPr>
+            <a:spLocks noGrp="1"/>
+          </p:cNvSpPr>
+          <p:nvPr>
+            <p:ph idx="1"/>
+          </p:nvPr>
+        </p:nvSpPr>
+        <p:spPr>
+          <a:xfrm>
+            <a:off x="838200" y="1516284"/>
+            <a:ext cx="10515600" cy="5205191"/>
+          </a:xfrm>
+        </p:spPr>
+        <p:txBody>
+          <a:bodyPr/>
+          <a:lstStyle/>
+          <a:p>
+            <a:pPr>
+              <a:lnSpc>
+                <a:spcPct val="100000"/>
+              </a:lnSpc>
+              <a:spcBef>
+                <a:spcPts val="0"/>
+              </a:spcBef>
+            </a:pPr>
+            <a:r>
+              <a:rPr lang="en-US" dirty="0" smtClean="0">
+                <a:solidFill>
+                  <a:schemeClr val="tx1"/>
+                </a:solidFill>
+              </a:rPr>
+              <a:t>DNS Server Appliance</a:t>
+            </a:r>
+          </a:p>
+          <a:p>
+            <a:pPr lvl="1">
+              <a:lnSpc>
+                <a:spcPct val="100000"/>
+              </a:lnSpc>
+              <a:spcBef>
+                <a:spcPts val="0"/>
+              </a:spcBef>
+            </a:pPr>
+            <a:r>
+              <a:rPr lang="en-US" dirty="0" smtClean="0">
+                <a:solidFill>
+                  <a:schemeClr val="tx1"/>
+                </a:solidFill>
+              </a:rPr>
+              <a:t>Compare to Bind and NSD.</a:t>
+            </a:r>
+          </a:p>
+          <a:p>
+            <a:pPr lvl="1">
+              <a:lnSpc>
+                <a:spcPct val="100000"/>
+              </a:lnSpc>
+              <a:spcBef>
+                <a:spcPts val="0"/>
+              </a:spcBef>
+            </a:pPr>
+            <a:r>
+              <a:rPr lang="en-US" dirty="0" smtClean="0">
+                <a:solidFill>
+                  <a:schemeClr val="tx1"/>
+                </a:solidFill>
+              </a:rPr>
+              <a:t>Mirage 75-80 </a:t>
+            </a:r>
+            <a:r>
+              <a:rPr lang="en-US" dirty="0" err="1" smtClean="0">
+                <a:solidFill>
+                  <a:schemeClr val="tx1"/>
+                </a:solidFill>
+              </a:rPr>
+              <a:t>kqueries</a:t>
+            </a:r>
+            <a:r>
+              <a:rPr lang="en-US" dirty="0" smtClean="0">
+                <a:solidFill>
+                  <a:schemeClr val="tx1"/>
+                </a:solidFill>
+              </a:rPr>
+              <a:t>/s.</a:t>
+            </a:r>
+          </a:p>
+          <a:p>
+            <a:pPr lvl="1">
+              <a:lnSpc>
+                <a:spcPct val="100000"/>
+              </a:lnSpc>
+              <a:spcBef>
+                <a:spcPts val="0"/>
+              </a:spcBef>
+            </a:pPr>
+            <a:r>
+              <a:rPr lang="en-US" dirty="0" smtClean="0">
+                <a:solidFill>
+                  <a:schemeClr val="tx1"/>
+                </a:solidFill>
+              </a:rPr>
+              <a:t>Bind 55 </a:t>
+            </a:r>
+            <a:r>
+              <a:rPr lang="en-US" dirty="0" err="1" smtClean="0">
+                <a:solidFill>
+                  <a:schemeClr val="tx1"/>
+                </a:solidFill>
+              </a:rPr>
+              <a:t>kqueries</a:t>
+            </a:r>
+            <a:r>
+              <a:rPr lang="en-US" dirty="0" smtClean="0">
+                <a:solidFill>
+                  <a:schemeClr val="tx1"/>
+                </a:solidFill>
+              </a:rPr>
+              <a:t>/s.</a:t>
+            </a:r>
+          </a:p>
+          <a:p>
+            <a:pPr lvl="1">
+              <a:lnSpc>
+                <a:spcPct val="100000"/>
+              </a:lnSpc>
+              <a:spcBef>
+                <a:spcPts val="0"/>
+              </a:spcBef>
+            </a:pPr>
+            <a:r>
+              <a:rPr lang="en-US" dirty="0" smtClean="0">
+                <a:solidFill>
+                  <a:schemeClr val="tx1"/>
+                </a:solidFill>
+              </a:rPr>
+              <a:t>NSD 70 </a:t>
+            </a:r>
+            <a:r>
+              <a:rPr lang="en-US" dirty="0" err="1" smtClean="0">
+                <a:solidFill>
+                  <a:schemeClr val="tx1"/>
+                </a:solidFill>
+              </a:rPr>
+              <a:t>kqueries</a:t>
+            </a:r>
+            <a:r>
+              <a:rPr lang="en-US" dirty="0" smtClean="0">
+                <a:solidFill>
+                  <a:schemeClr val="tx1"/>
+                </a:solidFill>
+              </a:rPr>
+              <a:t>/s.</a:t>
+            </a:r>
+          </a:p>
+          <a:p>
+            <a:pPr>
+              <a:lnSpc>
+                <a:spcPct val="100000"/>
+              </a:lnSpc>
+              <a:spcBef>
+                <a:spcPts val="0"/>
+              </a:spcBef>
+            </a:pPr>
+            <a:r>
+              <a:rPr lang="en-US" dirty="0" err="1" smtClean="0">
+                <a:solidFill>
+                  <a:schemeClr val="tx1"/>
+                </a:solidFill>
+              </a:rPr>
+              <a:t>OpenFlow</a:t>
+            </a:r>
+            <a:r>
+              <a:rPr lang="en-US" dirty="0" smtClean="0">
+                <a:solidFill>
+                  <a:schemeClr val="tx1"/>
+                </a:solidFill>
+              </a:rPr>
+              <a:t> Controller</a:t>
+            </a:r>
+          </a:p>
+          <a:p>
+            <a:pPr lvl="1">
+              <a:lnSpc>
+                <a:spcPct val="100000"/>
+              </a:lnSpc>
+              <a:spcBef>
+                <a:spcPts val="0"/>
+              </a:spcBef>
+            </a:pPr>
+            <a:r>
+              <a:rPr lang="en-US" dirty="0" smtClean="0">
+                <a:solidFill>
+                  <a:schemeClr val="tx1"/>
+                </a:solidFill>
+              </a:rPr>
+              <a:t>Mirage ~110 requests/s batch and 30 requests/s single.</a:t>
+            </a:r>
+          </a:p>
+          <a:p>
+            <a:pPr lvl="1">
+              <a:lnSpc>
+                <a:spcPct val="100000"/>
+              </a:lnSpc>
+              <a:spcBef>
+                <a:spcPts val="0"/>
+              </a:spcBef>
+            </a:pPr>
+            <a:r>
+              <a:rPr lang="en-US" dirty="0" smtClean="0">
+                <a:solidFill>
+                  <a:schemeClr val="tx1"/>
+                </a:solidFill>
+              </a:rPr>
+              <a:t>Maestro &gt; 20 requests/s for batch and single.</a:t>
+            </a:r>
+          </a:p>
+          <a:p>
+            <a:pPr lvl="1">
+              <a:lnSpc>
+                <a:spcPct val="100000"/>
+              </a:lnSpc>
+              <a:spcBef>
+                <a:spcPts val="0"/>
+              </a:spcBef>
+            </a:pPr>
+            <a:r>
+              <a:rPr lang="en-US" dirty="0" smtClean="0">
+                <a:solidFill>
+                  <a:schemeClr val="tx1"/>
+                </a:solidFill>
+              </a:rPr>
+              <a:t>NOX ~120 requests/s batch and 35 requests/s single.</a:t>
+            </a:r>
+          </a:p>
+          <a:p>
+            <a:pPr lvl="2">
+              <a:lnSpc>
+                <a:spcPct val="100000"/>
+              </a:lnSpc>
+              <a:spcBef>
+                <a:spcPts val="0"/>
+              </a:spcBef>
+            </a:pPr>
+            <a:r>
+              <a:rPr lang="en-US" dirty="0" smtClean="0">
+                <a:solidFill>
+                  <a:schemeClr val="tx1"/>
+                </a:solidFill>
+              </a:rPr>
+              <a:t>Has more variance than Mirage.</a:t>
+            </a:r>
+          </a:p>
+          <a:p>
+            <a:pPr>
+              <a:lnSpc>
+                <a:spcPct val="100000"/>
+              </a:lnSpc>
+              <a:spcBef>
+                <a:spcPts val="0"/>
+              </a:spcBef>
+            </a:pPr>
+            <a:r>
+              <a:rPr lang="en-US" dirty="0" smtClean="0">
+                <a:solidFill>
+                  <a:schemeClr val="tx1"/>
+                </a:solidFill>
+              </a:rPr>
+              <a:t>Web Server Appliance</a:t>
+            </a:r>
+          </a:p>
+          <a:p>
+            <a:pPr lvl="1">
+              <a:lnSpc>
+                <a:spcPct val="100000"/>
+              </a:lnSpc>
+              <a:spcBef>
+                <a:spcPts val="0"/>
+              </a:spcBef>
+            </a:pPr>
+            <a:r>
+              <a:rPr lang="en-US" dirty="0" smtClean="0">
+                <a:solidFill>
+                  <a:schemeClr val="tx1"/>
+                </a:solidFill>
+              </a:rPr>
+              <a:t>Mirage &gt; 2000 connections/s, w/ 6 </a:t>
+            </a:r>
+            <a:r>
+              <a:rPr lang="en-US" dirty="0" err="1" smtClean="0">
+                <a:solidFill>
+                  <a:schemeClr val="tx1"/>
+                </a:solidFill>
+              </a:rPr>
+              <a:t>unikernels</a:t>
+            </a:r>
+            <a:r>
+              <a:rPr lang="en-US" dirty="0" smtClean="0">
+                <a:solidFill>
+                  <a:schemeClr val="tx1"/>
+                </a:solidFill>
+              </a:rPr>
+              <a:t>.</a:t>
+            </a:r>
+          </a:p>
+          <a:p>
+            <a:pPr lvl="1">
+              <a:lnSpc>
+                <a:spcPct val="100000"/>
+              </a:lnSpc>
+              <a:spcBef>
+                <a:spcPts val="0"/>
+              </a:spcBef>
+            </a:pPr>
+            <a:r>
+              <a:rPr lang="en-US" dirty="0" smtClean="0">
+                <a:solidFill>
+                  <a:schemeClr val="tx1"/>
+                </a:solidFill>
+              </a:rPr>
+              <a:t>Linux 1700 connections/s, w/ 6 hosts in 1 </a:t>
+            </a:r>
+            <a:r>
+              <a:rPr lang="en-US" dirty="0" err="1" smtClean="0">
+                <a:solidFill>
+                  <a:schemeClr val="tx1"/>
+                </a:solidFill>
+              </a:rPr>
+              <a:t>vcpu</a:t>
+            </a:r>
+            <a:r>
+              <a:rPr lang="en-US" dirty="0" smtClean="0">
+                <a:solidFill>
+                  <a:schemeClr val="tx1"/>
+                </a:solidFill>
+              </a:rPr>
+              <a:t>.</a:t>
+            </a:r>
+          </a:p>
+          <a:p>
+            <a:pPr lvl="1">
+              <a:lnSpc>
+                <a:spcPct val="100000"/>
+              </a:lnSpc>
+              <a:spcBef>
+                <a:spcPts val="0"/>
+              </a:spcBef>
+            </a:pPr>
+            <a:endParaRPr lang="en-US" dirty="0" smtClean="0">
+              <a:solidFill>
+                <a:schemeClr val="tx1"/>
+              </a:solidFill>
+            </a:endParaRPr>
+          </a:p>
+        </p:txBody>
+      </p:sp>
+      <p:sp>
+        <p:nvSpPr>
+          <p:cNvPr id="4" name="Slide Number Placeholder 3"/>
+          <p:cNvSpPr>
+            <a:spLocks noGrp="1"/>
+          </p:cNvSpPr>
+          <p:nvPr>
+            <p:ph type="sldNum" sz="quarter" idx="12"/>
+          </p:nvPr>
+        </p:nvSpPr>
+        <p:spPr/>
+        <p:txBody>
+          <a:bodyPr/>
+          <a:lstStyle/>
+          <a:p>
+            <a:fld id="{B46BA956-F633-F04E-BD9F-377F5F31FAB2}" type="slidenum">
+              <a:rPr lang="en-US" smtClean="0">
+                <a:solidFill>
+                  <a:schemeClr val="tx1"/>
+                </a:solidFill>
+              </a:rPr>
+              <a:t>27</a:t>
+            </a:fld>
+            <a:endParaRPr lang="en-US" dirty="0">
+              <a:solidFill>
+                <a:schemeClr val="tx1"/>
+              </a:solidFill>
+            </a:endParaRPr>
+          </a:p>
+        </p:txBody>
+      </p:sp>
+    </p:spTree>
+    <p:extLst>
+      <p:ext uri="{BB962C8B-B14F-4D97-AF65-F5344CB8AC3E}">
+        <p14:creationId xmlns:p14="http://schemas.microsoft.com/office/powerpoint/2010/main" val="467387490"/>
+      </p:ext>
+    </p:extLst>
+  </p:cSld>
+  <p:clrMapOvr>
+    <a:masterClrMapping/>
+  </p:clrMapOvr>
+</p:sld>
+</file>
+
 <file path=ppt/slides/slide3.xml><?xml version="1.0" encoding="utf-8"?>
 <p:sld xmlns:a="http://schemas.openxmlformats.org/drawingml/2006/main" xmlns:r="http://schemas.openxmlformats.org/officeDocument/2006/relationships" xmlns:p="http://schemas.openxmlformats.org/presentationml/2006/main">
   <p:cSld>
@@ -11752,15 +13451,7 @@
                   <a:schemeClr val="tx1"/>
                 </a:solidFill>
               </a:rPr>
-              <a:t>Cloud services have </a:t>
-            </a:r>
-            <a:r>
-              <a:rPr lang="en-US" dirty="0" smtClean="0">
-                <a:solidFill>
-                  <a:schemeClr val="tx1"/>
-                </a:solidFill>
-              </a:rPr>
-              <a:t>become popular.</a:t>
+              <a:t>Cloud services have become popular.</a:t>
             </a:r>
           </a:p>
           <a:p>
@@ -11790,11 +13481,6 @@
               </a:rPr>
               <a:t>Efficiency</a:t>
             </a:r>
-            <a:endParaRPr lang="en-US" dirty="0" smtClean="0">
-              <a:solidFill>
-                <a:schemeClr val="accent2"/>
-              </a:solidFill>
-            </a:endParaRPr>
           </a:p>
           <a:p>
             <a:pPr lvl="1"/>
@@ -11804,15 +13490,7 @@
                   <a:schemeClr val="tx1"/>
                 </a:solidFill>
               </a:rPr>
-              <a:t>Consume </a:t>
-            </a:r>
-            <a:r>
-              <a:rPr lang="en-US" dirty="0" smtClean="0">
-                <a:solidFill>
-                  <a:schemeClr val="tx1"/>
-                </a:solidFill>
-              </a:rPr>
-              <a:t>less resources, e.g., memory</a:t>
+              <a:t>Consume less resources, e.g., memory</a:t>
             </a:r>
             <a:r>
               <a:rPr lang="en-US" dirty="0" smtClean="0"/>
@@ -11839,11 +13517,6 @@
               </a:rPr>
               <a:t>Security</a:t>
             </a:r>
-            <a:endParaRPr lang="en-US" dirty="0" smtClean="0">
-              <a:solidFill>
-                <a:schemeClr val="accent2"/>
-              </a:solidFill>
-            </a:endParaRPr>
           </a:p>
           <a:p>
             <a:pPr lvl="1"/>
@@ -12943,6 +14616,242 @@
       </p:grpSpPr>
       <p:sp>
         <p:nvSpPr>
+          <p:cNvPr id="2" name="Title 1"/>
+          <p:cNvSpPr>
+            <a:spLocks noGrp="1"/>
+          </p:cNvSpPr>
+          <p:nvPr>
+            <p:ph type="title"/>
+          </p:nvPr>
+        </p:nvSpPr>
+        <p:spPr/>
+        <p:txBody>
+          <a:bodyPr/>
+          <a:lstStyle/>
+          <a:p>
+            <a:r>
+              <a:rPr lang="en-US" dirty="0" smtClean="0"/>
+              <a:t>	</a:t>
+            </a:r>
+            <a:r>
+              <a:rPr lang="en-US" dirty="0" err="1" smtClean="0"/>
+              <a:t>Exokernel</a:t>
+            </a:r>
+            <a:r>
+              <a:rPr lang="en-US" dirty="0" smtClean="0"/>
+              <a:t>: Evaluation</a:t>
+            </a:r>
+            <a:endParaRPr lang="en-US" dirty="0"/>
+          </a:p>
+        </p:txBody>
+      </p:sp>
+      <p:sp>
+        <p:nvSpPr>
+          <p:cNvPr id="3" name="Content Placeholder 2"/>
+          <p:cNvSpPr>
+            <a:spLocks noGrp="1"/>
+          </p:cNvSpPr>
+          <p:nvPr>
+            <p:ph idx="1"/>
+          </p:nvPr>
+        </p:nvSpPr>
+        <p:spPr/>
+        <p:txBody>
+          <a:bodyPr/>
+          <a:lstStyle/>
+          <a:p>
+            <a:pPr marL="0" indent="0">
+              <a:buNone/>
+            </a:pPr>
+            <a:r>
+              <a:rPr lang="en-US" dirty="0" smtClean="0"/>
+              <a:t>Aegis &amp; </a:t>
+            </a:r>
+            <a:r>
+              <a:rPr lang="en-US" dirty="0" err="1" smtClean="0"/>
+              <a:t>ExOS</a:t>
+            </a:r>
+            <a:r>
+              <a:rPr lang="en-US" dirty="0" smtClean="0"/>
+              <a:t> vs. a Monolithic OS (Ultrix):</a:t>
+            </a:r>
+          </a:p>
+          <a:p>
+            <a:pPr lvl="1"/>
+            <a:endParaRPr lang="en-US" dirty="0" smtClean="0"/>
+          </a:p>
+          <a:p>
+            <a:pPr lvl="1"/>
+            <a:r>
+              <a:rPr lang="en-US" dirty="0" smtClean="0"/>
+              <a:t>Aegis </a:t>
+            </a:r>
+            <a:r>
+              <a:rPr lang="en-US" dirty="0" err="1" smtClean="0"/>
+              <a:t>syscalls</a:t>
+            </a:r>
+            <a:r>
+              <a:rPr lang="en-US" dirty="0" smtClean="0"/>
+              <a:t> are at least </a:t>
+            </a:r>
+            <a:r>
+              <a:rPr lang="en-US" b="1" dirty="0" smtClean="0">
+                <a:solidFill>
+                  <a:schemeClr val="accent2"/>
+                </a:solidFill>
+              </a:rPr>
+              <a:t>an order of magnitude faster </a:t>
+            </a:r>
+            <a:r>
+              <a:rPr lang="en-US" dirty="0" smtClean="0"/>
+              <a:t>than Ultrix’s.</a:t>
+            </a:r>
+          </a:p>
+          <a:p>
+            <a:pPr lvl="1"/>
+            <a:r>
+              <a:rPr lang="en-US" dirty="0" smtClean="0"/>
+              <a:t>Aegis exception dispatch is </a:t>
+            </a:r>
+            <a:r>
+              <a:rPr lang="en-US" b="1" dirty="0" smtClean="0">
+                <a:solidFill>
+                  <a:schemeClr val="accent2"/>
+                </a:solidFill>
+              </a:rPr>
+              <a:t>5X faster </a:t>
+            </a:r>
+            <a:r>
+              <a:rPr lang="en-US" dirty="0" smtClean="0"/>
+              <a:t>than state-of-the-art.</a:t>
+            </a:r>
+          </a:p>
+          <a:p>
+            <a:pPr lvl="1"/>
+            <a:r>
+              <a:rPr lang="en-US" dirty="0" smtClean="0"/>
+              <a:t>Aegis control transfer is </a:t>
+            </a:r>
+            <a:r>
+              <a:rPr lang="en-US" b="1" dirty="0" smtClean="0">
+                <a:solidFill>
+                  <a:schemeClr val="accent2"/>
+                </a:solidFill>
+              </a:rPr>
+              <a:t>6.6X faster </a:t>
+            </a:r>
+            <a:r>
+              <a:rPr lang="en-US" dirty="0" smtClean="0"/>
+              <a:t>than state-of-the-art.</a:t>
+            </a:r>
+          </a:p>
+          <a:p>
+            <a:pPr lvl="1"/>
+            <a:endParaRPr lang="en-US" dirty="0"/>
+          </a:p>
+          <a:p>
+            <a:pPr lvl="1"/>
+            <a:r>
+              <a:rPr lang="en-US" dirty="0" err="1" smtClean="0"/>
+              <a:t>ExOS</a:t>
+            </a:r>
+            <a:r>
+              <a:rPr lang="en-US" dirty="0" smtClean="0"/>
+              <a:t> pipe is </a:t>
+            </a:r>
+            <a:r>
+              <a:rPr lang="en-US" b="1" dirty="0" smtClean="0">
+                <a:solidFill>
+                  <a:schemeClr val="accent2"/>
+                </a:solidFill>
+              </a:rPr>
+              <a:t>10X faster</a:t>
+            </a:r>
+            <a:r>
+              <a:rPr lang="en-US" dirty="0" smtClean="0"/>
+              <a:t> than Ultrix.</a:t>
+            </a:r>
+          </a:p>
+          <a:p>
+            <a:pPr lvl="1"/>
+            <a:r>
+              <a:rPr lang="en-US" dirty="0" err="1" smtClean="0"/>
+              <a:t>ExOS</a:t>
+            </a:r>
+            <a:r>
+              <a:rPr lang="en-US" dirty="0" smtClean="0"/>
+              <a:t> LRPC </a:t>
+            </a:r>
+            <a:r>
+              <a:rPr lang="en-US" b="1" dirty="0" smtClean="0">
+                <a:solidFill>
+                  <a:schemeClr val="accent2"/>
+                </a:solidFill>
+              </a:rPr>
+              <a:t>40 to 60X faster</a:t>
+            </a:r>
+            <a:r>
+              <a:rPr lang="en-US" dirty="0" smtClean="0"/>
+              <a:t> than Ultrix.</a:t>
+            </a:r>
+          </a:p>
+        </p:txBody>
+      </p:sp>
+      <p:sp>
+        <p:nvSpPr>
+          <p:cNvPr id="4" name="Slide Number Placeholder 3"/>
+          <p:cNvSpPr>
+            <a:spLocks noGrp="1"/>
+          </p:cNvSpPr>
+          <p:nvPr>
+            <p:ph type="sldNum" sz="quarter" idx="12"/>
+          </p:nvPr>
+        </p:nvSpPr>
+        <p:spPr/>
+        <p:txBody>
+          <a:bodyPr/>
+          <a:lstStyle/>
+          <a:p>
+            <a:fld id="{B46BA956-F633-F04E-BD9F-377F5F31FAB2}" type="slidenum">
+              <a:rPr lang="en-US" smtClean="0"/>
+              <a:t>8</a:t>
+            </a:fld>
+            <a:endParaRPr lang="en-US"/>
+          </a:p>
+        </p:txBody>
+      </p:sp>
+    </p:spTree>
+    <p:extLst>
+      <p:ext uri="{BB962C8B-B14F-4D97-AF65-F5344CB8AC3E}">
+        <p14:creationId xmlns:p14="http://schemas.microsoft.com/office/powerpoint/2010/main" val="1093022526"/>
+      </p:ext>
+    </p:extLst>
+  </p:cSld>
+  <p:clrMapOvr>
+    <a:masterClrMapping/>
+  </p:clrMapOvr>
+</p:sld>
+</file>
+
+<file path=ppt/slides/slide9.xml><?xml version="1.0" encoding="utf-8"?>
+<p:sld xmlns:a="http://schemas.openxmlformats.org/drawingml/2006/main" xmlns:r="http://schemas.openxmlformats.org/officeDocument/2006/relationships" xmlns:p="http://schemas.openxmlformats.org/presentationml/2006/main">
+  <p:cSld>
+    <p:spTree>
+      <p:nvGrpSpPr>
+        <p:cNvPr id="1" name=""/>
+        <p:cNvGrpSpPr/>
+        <p:nvPr/>
+      </p:nvGrpSpPr>
+      <p:grpSpPr>
+        <a:xfrm>
+          <a:off x="0" y="0"/>
+          <a:ext cx="0" cy="0"/>
+          <a:chOff x="0" y="0"/>
+          <a:chExt cx="0" cy="0"/>
+        </a:xfrm>
+      </p:grpSpPr>
+      <p:sp>
+        <p:nvSpPr>
           <p:cNvPr id="3" name="Slide Number Placeholder 2"/>
           <p:cNvSpPr>
             <a:spLocks noGrp="1"/>
@@ -12962,7 +14871,7 @@
                   <a:schemeClr val="tx1"/>
                 </a:solidFill>
               </a:rPr>
-              <a:t>8</a:t>
+              <a:t>9</a:t>
             </a:fld>
             <a:endParaRPr lang="en-US" dirty="0">
               <a:solidFill>
@@ -13006,262 +14915,6 @@
     <p:extLst>
       <p:ext uri="{BB962C8B-B14F-4D97-AF65-F5344CB8AC3E}">
         <p14:creationId xmlns:p14="http://schemas.microsoft.com/office/powerpoint/2010/main" val="40102426"/>
-      </p:ext>
-    </p:extLst>
-  </p:cSld>
-  <p:clrMapOvr>
-    <a:masterClrMapping/>
-  </p:clrMapOvr>
-  <p:timing>
-    <p:tnLst>
-      <p:par>
-        <p:cTn id="1" dur="indefinite" restart="never" nodeType="tmRoot"/>
-      </p:par>
-    </p:tnLst>
-  </p:timing>
-</p:sld>
-</file>
-
-<file path=ppt/slides/slide9.xml><?xml version="1.0" encoding="utf-8"?>
-<p:sld xmlns:a="http://schemas.openxmlformats.org/drawingml/2006/main" xmlns:r="http://schemas.openxmlformats.org/officeDocument/2006/relationships" xmlns:p="http://schemas.openxmlformats.org/presentationml/2006/main">
-  <p:cSld>
-    <p:spTree>
-      <p:nvGrpSpPr>
-        <p:cNvPr id="1" name=""/>
-        <p:cNvGrpSpPr/>
-        <p:nvPr/>
-      </p:nvGrpSpPr>
-      <p:grpSpPr>
-        <a:xfrm>
-          <a:off x="0" y="0"/>
-          <a:ext cx="0" cy="0"/>
-          <a:chOff x="0" y="0"/>
-          <a:chExt cx="0" cy="0"/>
-        </a:xfrm>
-      </p:grpSpPr>
-      <p:sp>
-        <p:nvSpPr>
-          <p:cNvPr id="2" name="Title 1"/>
-          <p:cNvSpPr>
-            <a:spLocks noGrp="1"/>
-          </p:cNvSpPr>
-          <p:nvPr>
-            <p:ph type="title"/>
-          </p:nvPr>
-        </p:nvSpPr>
-        <p:spPr/>
-        <p:txBody>
-          <a:bodyPr/>
-          <a:lstStyle/>
-          <a:p>
-            <a:pPr algn="ctr"/>
-            <a:r>
-              <a:rPr lang="en-US" dirty="0" err="1" smtClean="0"/>
-              <a:t>Unikernels</a:t>
-            </a:r>
-            <a:endParaRPr lang="en-US" dirty="0"/>
-          </a:p>
-        </p:txBody>
-      </p:sp>
-      <p:sp>
-        <p:nvSpPr>
-          <p:cNvPr id="3" name="Text Placeholder 2"/>
-          <p:cNvSpPr>
-            <a:spLocks noGrp="1"/>
-          </p:cNvSpPr>
-          <p:nvPr>
-            <p:ph type="body" idx="1"/>
-          </p:nvPr>
-        </p:nvSpPr>
-        <p:spPr/>
-        <p:txBody>
-          <a:bodyPr>
-            <a:normAutofit/>
-          </a:bodyPr>
-          <a:lstStyle/>
-          <a:p>
-            <a:pPr algn="ctr"/>
-            <a:r>
-              <a:rPr lang="en-US" sz="1600" dirty="0" smtClean="0">
-                <a:solidFill>
-                  <a:schemeClr val="tx1"/>
-                </a:solidFill>
-              </a:rPr>
-              <a:t>Anil </a:t>
-            </a:r>
-            <a:r>
-              <a:rPr lang="en-US" sz="1600" dirty="0" err="1">
-                <a:solidFill>
-                  <a:schemeClr val="tx1"/>
-                </a:solidFill>
-              </a:rPr>
-              <a:t>Madhavapeddy</a:t>
-            </a:r>
-            <a:r>
-              <a:rPr lang="en-US" sz="1600" dirty="0">
-                <a:solidFill>
-                  <a:schemeClr val="tx1"/>
-                </a:solidFill>
-              </a:rPr>
-              <a:t>, Richard </a:t>
-            </a:r>
-            <a:r>
-              <a:rPr lang="en-US" sz="1600" dirty="0" err="1" smtClean="0">
-                <a:solidFill>
-                  <a:schemeClr val="tx1"/>
-                </a:solidFill>
-              </a:rPr>
-              <a:t>Mortier</a:t>
-            </a:r>
-            <a:r>
-              <a:rPr lang="en-US" sz="1600" dirty="0" smtClean="0">
-                <a:solidFill>
-                  <a:schemeClr val="tx1"/>
-                </a:solidFill>
-              </a:rPr>
-              <a:t>, </a:t>
-            </a:r>
-            <a:r>
-              <a:rPr lang="en-US" sz="1600" dirty="0" err="1">
-                <a:solidFill>
-                  <a:schemeClr val="tx1"/>
-                </a:solidFill>
-              </a:rPr>
-              <a:t>Charalampos</a:t>
-            </a:r>
-            <a:r>
-              <a:rPr lang="en-US" sz="1600" dirty="0">
-                <a:solidFill>
-                  <a:schemeClr val="tx1"/>
-                </a:solidFill>
-              </a:rPr>
-              <a:t> </a:t>
-            </a:r>
-            <a:r>
-              <a:rPr lang="en-US" sz="1600" dirty="0" err="1">
-                <a:solidFill>
-                  <a:schemeClr val="tx1"/>
-                </a:solidFill>
-              </a:rPr>
-              <a:t>Rotsos</a:t>
-            </a:r>
-            <a:r>
-              <a:rPr lang="en-US" sz="1600" dirty="0">
-                <a:solidFill>
-                  <a:schemeClr val="tx1"/>
-                </a:solidFill>
-              </a:rPr>
-              <a:t>, David </a:t>
-            </a:r>
-            <a:r>
-              <a:rPr lang="en-US" sz="1600" dirty="0" smtClean="0">
-                <a:solidFill>
-                  <a:schemeClr val="tx1"/>
-                </a:solidFill>
-              </a:rPr>
-              <a:t>Scott, </a:t>
-            </a:r>
-            <a:r>
-              <a:rPr lang="en-US" sz="1600" dirty="0" err="1">
-                <a:solidFill>
-                  <a:schemeClr val="tx1"/>
-                </a:solidFill>
-              </a:rPr>
-              <a:t>Balraj</a:t>
-            </a:r>
-            <a:r>
-              <a:rPr lang="en-US" sz="1600" dirty="0">
-                <a:solidFill>
-                  <a:schemeClr val="tx1"/>
-                </a:solidFill>
-              </a:rPr>
-              <a:t> Singh, Thomas </a:t>
-            </a:r>
-            <a:r>
-              <a:rPr lang="en-US" sz="1600" dirty="0" err="1" smtClean="0">
-                <a:solidFill>
-                  <a:schemeClr val="tx1"/>
-                </a:solidFill>
-              </a:rPr>
-              <a:t>Gazagnaire</a:t>
-            </a:r>
-            <a:r>
-              <a:rPr lang="en-US" sz="1600" dirty="0" smtClean="0">
-                <a:solidFill>
-                  <a:schemeClr val="tx1"/>
-                </a:solidFill>
-              </a:rPr>
-              <a:t>, </a:t>
-            </a:r>
-            <a:r>
-              <a:rPr lang="en-US" sz="1600" dirty="0">
-                <a:solidFill>
-                  <a:schemeClr val="tx1"/>
-                </a:solidFill>
-              </a:rPr>
-              <a:t>Steven Smith, Steven Hand and Jon Crowcroft </a:t>
-            </a:r>
-            <a:endParaRPr lang="en-US" sz="1600" dirty="0" smtClean="0">
-              <a:solidFill>
-                <a:schemeClr val="tx1"/>
-              </a:solidFill>
-            </a:endParaRPr>
-          </a:p>
-          <a:p>
-            <a:pPr algn="ctr"/>
-            <a:r>
-              <a:rPr lang="en-US" sz="1600" dirty="0" smtClean="0">
-                <a:solidFill>
-                  <a:schemeClr val="tx1"/>
-                </a:solidFill>
-              </a:rPr>
-              <a:t>ASPLOS’13</a:t>
-            </a:r>
-          </a:p>
-          <a:p>
-            <a:endParaRPr lang="en-US" sz="1600" dirty="0">
-              <a:solidFill>
-                <a:schemeClr val="tx1"/>
-              </a:solidFill>
-            </a:endParaRPr>
-          </a:p>
-        </p:txBody>
-      </p:sp>
-      <p:sp>
-        <p:nvSpPr>
-          <p:cNvPr id="4" name="Slide Number Placeholder 3"/>
-          <p:cNvSpPr>
-            <a:spLocks noGrp="1"/>
-          </p:cNvSpPr>
-          <p:nvPr>
-            <p:ph type="sldNum" sz="quarter" idx="12"/>
-          </p:nvPr>
-        </p:nvSpPr>
-        <p:spPr/>
-        <p:txBody>
-          <a:bodyPr/>
-          <a:lstStyle/>
-          <a:p>
-            <a:fld id="{B46BA956-F633-F04E-BD9F-377F5F31FAB2}" type="slidenum">
-              <a:rPr lang="en-US" smtClean="0">
-                <a:solidFill>
-                  <a:schemeClr val="tx1"/>
-                </a:solidFill>
-              </a:rPr>
-              <a:t>9</a:t>
-            </a:fld>
-            <a:endParaRPr lang="en-US" dirty="0">
-              <a:solidFill>
-                <a:schemeClr val="tx1"/>
-              </a:solidFill>
-            </a:endParaRPr>
-          </a:p>
-        </p:txBody>
-      </p:sp>
-    </p:spTree>
-    <p:extLst>
-      <p:ext uri="{BB962C8B-B14F-4D97-AF65-F5344CB8AC3E}">
-        <p14:creationId xmlns:p14="http://schemas.microsoft.com/office/powerpoint/2010/main" val="266110107"/>
       </p:ext>
     </p:extLst>
   </p:cSld>

--- a/CE_presentation.pptx
+++ b/CE_presentation.pptx
@@ -15,23 +15,23 @@
     <p:sldId id="262" r:id="rId6"/>
     <p:sldId id="259" r:id="rId7"/>
     <p:sldId id="260" r:id="rId8"/>
-    <p:sldId id="278" r:id="rId9"/>
-    <p:sldId id="276" r:id="rId10"/>
-    <p:sldId id="263" r:id="rId11"/>
-    <p:sldId id="261" r:id="rId12"/>
-    <p:sldId id="264" r:id="rId13"/>
-    <p:sldId id="265" r:id="rId14"/>
-    <p:sldId id="277" r:id="rId15"/>
-    <p:sldId id="266" r:id="rId16"/>
-    <p:sldId id="267" r:id="rId17"/>
-    <p:sldId id="268" r:id="rId18"/>
-    <p:sldId id="269" r:id="rId19"/>
-    <p:sldId id="270" r:id="rId20"/>
-    <p:sldId id="271" r:id="rId21"/>
-    <p:sldId id="272" r:id="rId22"/>
-    <p:sldId id="273" r:id="rId23"/>
-    <p:sldId id="274" r:id="rId24"/>
-    <p:sldId id="280" r:id="rId25"/>
+    <p:sldId id="276" r:id="rId9"/>
+    <p:sldId id="263" r:id="rId10"/>
+    <p:sldId id="261" r:id="rId11"/>
+    <p:sldId id="264" r:id="rId12"/>
+    <p:sldId id="265" r:id="rId13"/>
+    <p:sldId id="277" r:id="rId14"/>
+    <p:sldId id="266" r:id="rId15"/>
+    <p:sldId id="267" r:id="rId16"/>
+    <p:sldId id="268" r:id="rId17"/>
+    <p:sldId id="269" r:id="rId18"/>
+    <p:sldId id="270" r:id="rId19"/>
+    <p:sldId id="271" r:id="rId20"/>
+    <p:sldId id="272" r:id="rId21"/>
+    <p:sldId id="273" r:id="rId22"/>
+    <p:sldId id="274" r:id="rId23"/>
+    <p:sldId id="280" r:id="rId24"/>
+    <p:sldId id="278" r:id="rId25"/>
     <p:sldId id="279" r:id="rId26"/>
     <p:sldId id="281" r:id="rId27"/>
     <p:sldId id="282" r:id="rId28"/>
@@ -744,7 +744,7 @@
           <a:p>
             <a:fld id="{69E8AC4D-76AB-F049-B583-F6A359C4EA1A}" type="slidenum">
               <a:rPr lang="en-US" smtClean="0"/>
-              <a:t>11</a:t>
+              <a:t>10</a:t>
             </a:fld>
             <a:endParaRPr lang="en-US"/>
           </a:p>
@@ -907,7 +907,7 @@
           <a:p>
             <a:fld id="{69E8AC4D-76AB-F049-B583-F6A359C4EA1A}" type="slidenum">
               <a:rPr lang="en-US" smtClean="0"/>
-              <a:t>12</a:t>
+              <a:t>11</a:t>
             </a:fld>
             <a:endParaRPr lang="en-US"/>
           </a:p>
@@ -1086,7 +1086,7 @@
           <a:p>
             <a:fld id="{69E8AC4D-76AB-F049-B583-F6A359C4EA1A}" type="slidenum">
               <a:rPr lang="en-US" smtClean="0"/>
-              <a:t>13</a:t>
+              <a:t>12</a:t>
             </a:fld>
             <a:endParaRPr lang="en-US"/>
           </a:p>
@@ -1186,7 +1186,7 @@
           <a:p>
             <a:fld id="{69E8AC4D-76AB-F049-B583-F6A359C4EA1A}" type="slidenum">
               <a:rPr lang="en-US" smtClean="0"/>
-              <a:t>14</a:t>
+              <a:t>13</a:t>
             </a:fld>
             <a:endParaRPr lang="en-US"/>
           </a:p>
@@ -1286,7 +1286,7 @@
           <a:p>
             <a:fld id="{69E8AC4D-76AB-F049-B583-F6A359C4EA1A}" type="slidenum">
               <a:rPr lang="en-US" smtClean="0"/>
-              <a:t>15</a:t>
+              <a:t>14</a:t>
             </a:fld>
             <a:endParaRPr lang="en-US"/>
           </a:p>
@@ -1476,7 +1476,7 @@
           <a:p>
             <a:fld id="{69E8AC4D-76AB-F049-B583-F6A359C4EA1A}" type="slidenum">
               <a:rPr lang="en-US" smtClean="0"/>
-              <a:t>16</a:t>
+              <a:t>15</a:t>
             </a:fld>
             <a:endParaRPr lang="en-US"/>
           </a:p>
@@ -1603,7 +1603,7 @@
           <a:p>
             <a:fld id="{69E8AC4D-76AB-F049-B583-F6A359C4EA1A}" type="slidenum">
               <a:rPr lang="en-US" smtClean="0"/>
-              <a:t>17</a:t>
+              <a:t>16</a:t>
             </a:fld>
             <a:endParaRPr lang="en-US"/>
           </a:p>
@@ -1737,7 +1737,7 @@
           <a:p>
             <a:fld id="{69E8AC4D-76AB-F049-B583-F6A359C4EA1A}" type="slidenum">
               <a:rPr lang="en-US" smtClean="0"/>
-              <a:t>18</a:t>
+              <a:t>17</a:t>
             </a:fld>
             <a:endParaRPr lang="en-US"/>
           </a:p>
@@ -1861,7 +1861,7 @@
           <a:p>
             <a:fld id="{69E8AC4D-76AB-F049-B583-F6A359C4EA1A}" type="slidenum">
               <a:rPr lang="en-US" smtClean="0"/>
-              <a:t>19</a:t>
+              <a:t>18</a:t>
             </a:fld>
             <a:endParaRPr lang="en-US"/>
           </a:p>
@@ -1968,7 +1968,7 @@
           <a:p>
             <a:fld id="{69E8AC4D-76AB-F049-B583-F6A359C4EA1A}" type="slidenum">
               <a:rPr lang="en-US" smtClean="0"/>
-              <a:t>20</a:t>
+              <a:t>19</a:t>
             </a:fld>
             <a:endParaRPr lang="en-US"/>
           </a:p>
@@ -2283,7 +2283,7 @@
           <a:p>
             <a:fld id="{69E8AC4D-76AB-F049-B583-F6A359C4EA1A}" type="slidenum">
               <a:rPr lang="en-US" smtClean="0"/>
-              <a:t>21</a:t>
+              <a:t>20</a:t>
             </a:fld>
             <a:endParaRPr lang="en-US"/>
           </a:p>
@@ -2459,7 +2459,7 @@
           <a:p>
             <a:fld id="{69E8AC4D-76AB-F049-B583-F6A359C4EA1A}" type="slidenum">
               <a:rPr lang="en-US" smtClean="0"/>
-              <a:t>22</a:t>
+              <a:t>21</a:t>
             </a:fld>
             <a:endParaRPr lang="en-US"/>
           </a:p>
@@ -2551,7 +2551,7 @@
           <a:p>
             <a:fld id="{5818C058-0722-5846-9CCC-2E4F26A67B17}" type="slidenum">
               <a:rPr lang="en-US" smtClean="0"/>
-              <a:t>23</a:t>
+              <a:t>22</a:t>
             </a:fld>
             <a:endParaRPr lang="en-US"/>
           </a:p>
@@ -2616,6 +2616,106 @@
           <a:p>
             <a:r>
               <a:rPr lang="en-US" dirty="0" smtClean="0"/>
+              <a:t>Exception unaligned pointer accesses, arithmetic overflow,</a:t>
+            </a:r>
+            <a:r>
+              <a:rPr lang="en-US" baseline="0" dirty="0" smtClean="0"/>
+              <a:t> access to protected pages.</a:t>
+            </a:r>
+          </a:p>
+          <a:p>
+            <a:r>
+              <a:rPr lang="en-US" baseline="0" dirty="0" smtClean="0"/>
+              <a:t>Control transfer is called L3.</a:t>
+            </a:r>
+          </a:p>
+          <a:p>
+            <a:endParaRPr lang="en-US" dirty="0"/>
+          </a:p>
+        </p:txBody>
+      </p:sp>
+      <p:sp>
+        <p:nvSpPr>
+          <p:cNvPr id="4" name="Slide Number Placeholder 3"/>
+          <p:cNvSpPr>
+            <a:spLocks noGrp="1"/>
+          </p:cNvSpPr>
+          <p:nvPr>
+            <p:ph type="sldNum" sz="quarter" idx="10"/>
+          </p:nvPr>
+        </p:nvSpPr>
+        <p:spPr/>
+        <p:txBody>
+          <a:bodyPr/>
+          <a:lstStyle/>
+          <a:p>
+            <a:fld id="{69E8AC4D-76AB-F049-B583-F6A359C4EA1A}" type="slidenum">
+              <a:rPr lang="en-US" smtClean="0"/>
+              <a:t>24</a:t>
+            </a:fld>
+            <a:endParaRPr lang="en-US"/>
+          </a:p>
+        </p:txBody>
+      </p:sp>
+    </p:spTree>
+    <p:extLst>
+      <p:ext uri="{BB962C8B-B14F-4D97-AF65-F5344CB8AC3E}">
+        <p14:creationId xmlns:p14="http://schemas.microsoft.com/office/powerpoint/2010/main" val="1510407592"/>
+      </p:ext>
+    </p:extLst>
+  </p:cSld>
+  <p:clrMapOvr>
+    <a:masterClrMapping/>
+  </p:clrMapOvr>
+</p:notes>
+</file>
+
+<file path=ppt/notesSlides/notesSlide24.xml><?xml version="1.0" encoding="utf-8"?>
+<p:notes xmlns:a="http://schemas.openxmlformats.org/drawingml/2006/main" xmlns:r="http://schemas.openxmlformats.org/officeDocument/2006/relationships" xmlns:p="http://schemas.openxmlformats.org/presentationml/2006/main">
+  <p:cSld>
+    <p:spTree>
+      <p:nvGrpSpPr>
+        <p:cNvPr id="1" name=""/>
+        <p:cNvGrpSpPr/>
+        <p:nvPr/>
+      </p:nvGrpSpPr>
+      <p:grpSpPr>
+        <a:xfrm>
+          <a:off x="0" y="0"/>
+          <a:ext cx="0" cy="0"/>
+          <a:chOff x="0" y="0"/>
+          <a:chExt cx="0" cy="0"/>
+        </a:xfrm>
+      </p:grpSpPr>
+      <p:sp>
+        <p:nvSpPr>
+          <p:cNvPr id="2" name="Slide Image Placeholder 1"/>
+          <p:cNvSpPr>
+            <a:spLocks noGrp="1" noRot="1" noChangeAspect="1"/>
+          </p:cNvSpPr>
+          <p:nvPr>
+            <p:ph type="sldImg"/>
+          </p:nvPr>
+        </p:nvSpPr>
+        <p:spPr/>
+      </p:sp>
+      <p:sp>
+        <p:nvSpPr>
+          <p:cNvPr id="3" name="Notes Placeholder 2"/>
+          <p:cNvSpPr>
+            <a:spLocks noGrp="1"/>
+          </p:cNvSpPr>
+          <p:nvPr>
+            <p:ph type="body" idx="1"/>
+          </p:nvPr>
+        </p:nvSpPr>
+        <p:spPr/>
+        <p:txBody>
+          <a:bodyPr/>
+          <a:lstStyle/>
+          <a:p>
+            <a:r>
+              <a:rPr lang="en-US" dirty="0" smtClean="0"/>
               <a:t>Now, considering our requirements for performance,</a:t>
             </a:r>
             <a:r>
@@ -2764,13 +2864,21 @@
           <a:p>
             <a:r>
               <a:rPr lang="en-US" baseline="0" dirty="0" smtClean="0"/>
-              <a:t>While attractive, such services raise important challenges.</a:t>
-            </a:r>
-          </a:p>
-          <a:p>
-            <a:r>
-              <a:rPr lang="en-US" baseline="0" dirty="0" smtClean="0"/>
-              <a:t>Resources are rented. As a tenant, you therefore want to optimize your expenses.</a:t>
+              <a:t>While attractive, such services raise important challenges</a:t>
+            </a:r>
+            <a:r>
+              <a:rPr lang="en-US" baseline="0" dirty="0" smtClean="0"/>
+              <a:t>.</a:t>
+            </a:r>
+          </a:p>
+          <a:p>
+            <a:r>
+              <a:rPr lang="en-US" baseline="0" dirty="0" smtClean="0"/>
+              <a:t>Resources </a:t>
+            </a:r>
+            <a:r>
+              <a:rPr lang="en-US" baseline="0" dirty="0" smtClean="0"/>
+              <a:t>are rented. As a tenant, you therefore want to optimize your expenses.</a:t>
             </a:r>
           </a:p>
           <a:p>
@@ -2782,7 +2890,19 @@
           <a:p>
             <a:r>
               <a:rPr lang="en-US" baseline="0" dirty="0" smtClean="0"/>
-              <a:t>At the same, we do not want the system to impede the application’s performance.</a:t>
+              <a:t>Second, </a:t>
+            </a:r>
+            <a:r>
+              <a:rPr lang="en-US" baseline="0" dirty="0" smtClean="0"/>
+              <a:t>we do not want the </a:t>
+            </a:r>
+            <a:r>
+              <a:rPr lang="en-US" baseline="0" dirty="0" smtClean="0"/>
+              <a:t>deployment environment to </a:t>
+            </a:r>
+            <a:r>
+              <a:rPr lang="en-US" baseline="0" dirty="0" smtClean="0"/>
+              <a:t>impede the application’s performance.</a:t>
             </a:r>
           </a:p>
           <a:p>
@@ -2791,7 +2911,11 @@
           <a:p>
             <a:r>
               <a:rPr lang="en-US" baseline="0" dirty="0" smtClean="0"/>
-              <a:t>Then, tenants have to think about security when deploying their applications on cloud services.</a:t>
+              <a:t>Third, </a:t>
+            </a:r>
+            <a:r>
+              <a:rPr lang="en-US" baseline="0" dirty="0" smtClean="0"/>
+              <a:t>tenants have to think about security when deploying their applications on cloud services.</a:t>
             </a:r>
           </a:p>
           <a:p>
@@ -3278,20 +3402,46 @@
           <a:p>
             <a:r>
               <a:rPr lang="en-US" baseline="0" dirty="0" smtClean="0"/>
-              <a:t>They both run on top of a monolithic OS, that fixes the implementation of OS abstractions.</a:t>
-            </a:r>
-          </a:p>
-          <a:p>
-            <a:r>
-              <a:rPr lang="en-US" baseline="0" dirty="0" smtClean="0"/>
-              <a:t>The OS implements a LRU paging policy that cannot be modified by any of the applications.</a:t>
-            </a:r>
-          </a:p>
-          <a:p>
-            <a:r>
-              <a:rPr lang="en-US" baseline="0" dirty="0" smtClean="0"/>
-              <a:t>While it is not really a concern for the Hello World program, the GC exhibits poor performances. </a:t>
-            </a:r>
+              <a:t>They both run on top of a monolithic OS, that fixes the implementation of OS </a:t>
+            </a:r>
+            <a:r>
+              <a:rPr lang="en-US" baseline="0" dirty="0" smtClean="0"/>
+              <a:t>abstractions, and more specifically the virtual memory abstraction.</a:t>
+            </a:r>
+            <a:endParaRPr lang="en-US" baseline="0" dirty="0" smtClean="0"/>
+          </a:p>
+          <a:p>
+            <a:r>
+              <a:rPr lang="en-US" baseline="0" dirty="0" smtClean="0"/>
+              <a:t>The OS implements a LRU paging policy that cannot be modified by any of the applications</a:t>
+            </a:r>
+            <a:r>
+              <a:rPr lang="en-US" baseline="0" dirty="0" smtClean="0"/>
+              <a:t>.</a:t>
+            </a:r>
+          </a:p>
+          <a:p>
+            <a:r>
+              <a:rPr lang="en-US" baseline="0" dirty="0" err="1" smtClean="0"/>
+              <a:t>Pagin</a:t>
+            </a:r>
+            <a:r>
+              <a:rPr lang="en-US" baseline="0" dirty="0" smtClean="0"/>
+              <a:t> at the time was a real concern, and it is not a problem for the Hello World program , </a:t>
+            </a:r>
+            <a:r>
+              <a:rPr lang="en-US" baseline="0" dirty="0" smtClean="0"/>
+              <a:t>the GC </a:t>
+            </a:r>
+            <a:r>
+              <a:rPr lang="en-US" baseline="0" dirty="0" smtClean="0"/>
+              <a:t>performance might be impacted by this </a:t>
+            </a:r>
+            <a:r>
+              <a:rPr lang="en-US" baseline="0" smtClean="0"/>
+              <a:t>policy choice. </a:t>
+            </a:r>
+            <a:endParaRPr lang="en-US" baseline="0" dirty="0" smtClean="0"/>
           </a:p>
           <a:p>
             <a:r>
@@ -3446,11 +3596,19 @@
             </a:r>
             <a:r>
               <a:rPr lang="en-US" dirty="0" smtClean="0"/>
-              <a:t> adopts a radical approach</a:t>
-            </a:r>
-            <a:r>
-              <a:rPr lang="en-US" baseline="0" dirty="0" smtClean="0"/>
-              <a:t> that is actually hard to implement in the way described by the authors.</a:t>
+              <a:t> adopts a radical </a:t>
+            </a:r>
+            <a:r>
+              <a:rPr lang="en-US" dirty="0" smtClean="0"/>
+              <a:t>approach, that proved to be efficient but </a:t>
+            </a:r>
+            <a:r>
+              <a:rPr lang="en-US" baseline="0" dirty="0" smtClean="0"/>
+              <a:t>is </a:t>
+            </a:r>
+            <a:r>
+              <a:rPr lang="en-US" baseline="0" dirty="0" smtClean="0"/>
+              <a:t>actually hard to implement in the way described by the authors.</a:t>
             </a:r>
           </a:p>
           <a:p>
@@ -3487,7 +3645,7 @@
           <a:p>
             <a:fld id="{69E8AC4D-76AB-F049-B583-F6A359C4EA1A}" type="slidenum">
               <a:rPr lang="en-US" smtClean="0"/>
-              <a:t>9</a:t>
+              <a:t>8</a:t>
             </a:fld>
             <a:endParaRPr lang="en-US"/>
           </a:p>
@@ -3583,7 +3741,7 @@
           <a:p>
             <a:fld id="{69E8AC4D-76AB-F049-B583-F6A359C4EA1A}" type="slidenum">
               <a:rPr lang="en-US" smtClean="0"/>
-              <a:t>10</a:t>
+              <a:t>9</a:t>
             </a:fld>
             <a:endParaRPr lang="en-US"/>
           </a:p>
@@ -6692,202 +6850,187 @@
           <a:bodyPr/>
           <a:lstStyle/>
           <a:p>
-            <a:pPr algn="ctr"/>
+            <a:r>
+              <a:rPr lang="en-US" dirty="0" smtClean="0"/>
+              <a:t>	</a:t>
+            </a:r>
             <a:r>
               <a:rPr lang="en-US" dirty="0" err="1" smtClean="0"/>
               <a:t>Unikernels</a:t>
             </a:r>
+            <a:r>
+              <a:rPr lang="en-US" dirty="0" smtClean="0"/>
+              <a:t>: Motivation</a:t>
+            </a:r>
             <a:endParaRPr lang="en-US" dirty="0"/>
           </a:p>
         </p:txBody>
       </p:sp>
       <p:sp>
         <p:nvSpPr>
-          <p:cNvPr id="3" name="Text Placeholder 2"/>
-          <p:cNvSpPr>
-            <a:spLocks noGrp="1"/>
-          </p:cNvSpPr>
-          <p:nvPr>
-            <p:ph type="body" idx="1"/>
-          </p:nvPr>
-        </p:nvSpPr>
-        <p:spPr/>
-        <p:txBody>
-          <a:bodyPr>
-            <a:normAutofit/>
-          </a:bodyPr>
-          <a:lstStyle/>
-          <a:p>
-            <a:pPr algn="ctr"/>
-            <a:r>
-              <a:rPr lang="en-US" sz="1600" dirty="0" smtClean="0">
-                <a:solidFill>
-                  <a:schemeClr val="tx1"/>
-                </a:solidFill>
-              </a:rPr>
-              <a:t>Anil </a:t>
-            </a:r>
-            <a:r>
-              <a:rPr lang="en-US" sz="1600" dirty="0" err="1">
-                <a:solidFill>
-                  <a:schemeClr val="tx1"/>
-                </a:solidFill>
-              </a:rPr>
-              <a:t>Madhavapeddy</a:t>
-            </a:r>
-            <a:r>
-              <a:rPr lang="en-US" sz="1600" dirty="0">
-                <a:solidFill>
-                  <a:schemeClr val="tx1"/>
-                </a:solidFill>
-              </a:rPr>
-              <a:t>, Richard </a:t>
-            </a:r>
-            <a:r>
-              <a:rPr lang="en-US" sz="1600" dirty="0" err="1" smtClean="0">
-                <a:solidFill>
-                  <a:schemeClr val="tx1"/>
-                </a:solidFill>
-              </a:rPr>
-              <a:t>Mortier</a:t>
-            </a:r>
-            <a:r>
-              <a:rPr lang="en-US" sz="1600" dirty="0" smtClean="0">
-                <a:solidFill>
-                  <a:schemeClr val="tx1"/>
-                </a:solidFill>
-              </a:rPr>
-              <a:t>, </a:t>
-            </a:r>
-            <a:r>
-              <a:rPr lang="en-US" sz="1600" dirty="0" err="1">
-                <a:solidFill>
-                  <a:schemeClr val="tx1"/>
-                </a:solidFill>
-              </a:rPr>
-              <a:t>Charalampos</a:t>
-            </a:r>
-            <a:r>
-              <a:rPr lang="en-US" sz="1600" dirty="0">
+          <p:cNvPr id="3" name="Content Placeholder 2"/>
+          <p:cNvSpPr>
+            <a:spLocks noGrp="1"/>
+          </p:cNvSpPr>
+          <p:nvPr>
+            <p:ph idx="1"/>
+          </p:nvPr>
+        </p:nvSpPr>
+        <p:spPr/>
+        <p:txBody>
+          <a:bodyPr/>
+          <a:lstStyle/>
+          <a:p>
+            <a:pPr marL="0" indent="0">
+              <a:buNone/>
+            </a:pPr>
+            <a:r>
+              <a:rPr lang="en-US" u="sng" dirty="0" smtClean="0">
+                <a:solidFill>
+                  <a:schemeClr val="tx1"/>
+                </a:solidFill>
+              </a:rPr>
+              <a:t>Problem:</a:t>
+            </a:r>
+            <a:r>
+              <a:rPr lang="en-US" dirty="0" smtClean="0">
                 <a:solidFill>
                   <a:schemeClr val="tx1"/>
                 </a:solidFill>
               </a:rPr>
               <a:t> </a:t>
             </a:r>
-            <a:r>
-              <a:rPr lang="en-US" sz="1600" dirty="0" err="1">
-                <a:solidFill>
-                  <a:schemeClr val="tx1"/>
-                </a:solidFill>
-              </a:rPr>
-              <a:t>Rotsos</a:t>
-            </a:r>
-            <a:r>
-              <a:rPr lang="en-US" sz="1600" dirty="0">
-                <a:solidFill>
-                  <a:schemeClr val="tx1"/>
-                </a:solidFill>
-              </a:rPr>
-              <a:t>, David </a:t>
-            </a:r>
-            <a:r>
-              <a:rPr lang="en-US" sz="1600" dirty="0" smtClean="0">
-                <a:solidFill>
-                  <a:schemeClr val="tx1"/>
-                </a:solidFill>
-              </a:rPr>
-              <a:t>Scott, </a:t>
-            </a:r>
-            <a:r>
-              <a:rPr lang="en-US" sz="1600" dirty="0" err="1">
-                <a:solidFill>
-                  <a:schemeClr val="tx1"/>
-                </a:solidFill>
-              </a:rPr>
-              <a:t>Balraj</a:t>
-            </a:r>
-            <a:r>
-              <a:rPr lang="en-US" sz="1600" dirty="0">
-                <a:solidFill>
-                  <a:schemeClr val="tx1"/>
-                </a:solidFill>
-              </a:rPr>
-              <a:t> Singh, Thomas </a:t>
-            </a:r>
-            <a:r>
-              <a:rPr lang="en-US" sz="1600" dirty="0" err="1" smtClean="0">
-                <a:solidFill>
-                  <a:schemeClr val="tx1"/>
-                </a:solidFill>
-              </a:rPr>
-              <a:t>Gazagnaire</a:t>
-            </a:r>
-            <a:r>
-              <a:rPr lang="en-US" sz="1600" dirty="0" smtClean="0">
-                <a:solidFill>
-                  <a:schemeClr val="tx1"/>
-                </a:solidFill>
-              </a:rPr>
-              <a:t>, </a:t>
-            </a:r>
-            <a:r>
-              <a:rPr lang="en-US" sz="1600" dirty="0">
-                <a:solidFill>
-                  <a:schemeClr val="tx1"/>
-                </a:solidFill>
-              </a:rPr>
-              <a:t>Steven Smith, Steven Hand and Jon Crowcroft </a:t>
-            </a:r>
-            <a:endParaRPr lang="en-US" sz="1600" dirty="0" smtClean="0">
-              <a:solidFill>
-                <a:schemeClr val="tx1"/>
-              </a:solidFill>
-            </a:endParaRPr>
-          </a:p>
-          <a:p>
-            <a:pPr algn="ctr"/>
-            <a:r>
-              <a:rPr lang="en-US" sz="1600" dirty="0" smtClean="0">
-                <a:solidFill>
-                  <a:schemeClr val="tx1"/>
-                </a:solidFill>
-              </a:rPr>
-              <a:t>ASPLOS’13</a:t>
-            </a:r>
-          </a:p>
-          <a:p>
-            <a:endParaRPr lang="en-US" sz="1600" dirty="0">
-              <a:solidFill>
-                <a:schemeClr val="tx1"/>
-              </a:solidFill>
-            </a:endParaRPr>
-          </a:p>
-        </p:txBody>
-      </p:sp>
-      <p:sp>
-        <p:nvSpPr>
-          <p:cNvPr id="4" name="Slide Number Placeholder 3"/>
-          <p:cNvSpPr>
-            <a:spLocks noGrp="1"/>
-          </p:cNvSpPr>
-          <p:nvPr>
-            <p:ph type="sldNum" sz="quarter" idx="12"/>
-          </p:nvPr>
-        </p:nvSpPr>
-        <p:spPr/>
-        <p:txBody>
-          <a:bodyPr/>
-          <a:lstStyle/>
-          <a:p>
-            <a:fld id="{B46BA956-F633-F04E-BD9F-377F5F31FAB2}" type="slidenum">
-              <a:rPr lang="en-US" smtClean="0">
-                <a:solidFill>
-                  <a:schemeClr val="tx1"/>
-                </a:solidFill>
-              </a:rPr>
-              <a:t>10</a:t>
-            </a:fld>
+          </a:p>
+          <a:p>
+            <a:pPr marL="0" indent="0">
+              <a:buNone/>
+            </a:pPr>
+            <a:r>
+              <a:rPr lang="en-US" dirty="0" smtClean="0">
+                <a:solidFill>
+                  <a:schemeClr val="tx1"/>
+                </a:solidFill>
+              </a:rPr>
+              <a:t>Single-purpose VMs deployed in the cloud are not specialized enough!</a:t>
+            </a:r>
+          </a:p>
+          <a:p>
+            <a:pPr marL="0" indent="0">
+              <a:buNone/>
+            </a:pPr>
+            <a:r>
+              <a:rPr lang="en-US" dirty="0" smtClean="0">
+                <a:solidFill>
+                  <a:schemeClr val="tx1"/>
+                </a:solidFill>
+              </a:rPr>
+              <a:t>It </a:t>
+            </a:r>
+            <a:r>
+              <a:rPr lang="en-US" b="1" dirty="0" smtClean="0">
+                <a:solidFill>
+                  <a:schemeClr val="accent2"/>
+                </a:solidFill>
+              </a:rPr>
+              <a:t>impacts</a:t>
+            </a:r>
+            <a:r>
+              <a:rPr lang="en-US" b="1" dirty="0" smtClean="0">
+                <a:solidFill>
+                  <a:schemeClr val="tx1"/>
+                </a:solidFill>
+              </a:rPr>
+              <a:t> </a:t>
+            </a:r>
+            <a:r>
+              <a:rPr lang="en-US" dirty="0" smtClean="0">
+                <a:solidFill>
+                  <a:schemeClr val="tx1"/>
+                </a:solidFill>
+              </a:rPr>
+              <a:t>efficiency &amp; security.</a:t>
+            </a:r>
+          </a:p>
+          <a:p>
+            <a:pPr marL="0" indent="0">
+              <a:buNone/>
+            </a:pPr>
+            <a:endParaRPr lang="en-US" dirty="0" smtClean="0"/>
+          </a:p>
+          <a:p>
+            <a:pPr marL="0" indent="0">
+              <a:buNone/>
+            </a:pPr>
+            <a:r>
+              <a:rPr lang="en-US" u="sng" dirty="0" smtClean="0">
+                <a:solidFill>
+                  <a:schemeClr val="tx1"/>
+                </a:solidFill>
+              </a:rPr>
+              <a:t>Solution:</a:t>
+            </a:r>
+          </a:p>
+          <a:p>
+            <a:pPr marL="0" indent="0">
+              <a:buNone/>
+            </a:pPr>
+            <a:r>
+              <a:rPr lang="en-US" dirty="0" smtClean="0">
+                <a:solidFill>
+                  <a:schemeClr val="tx1"/>
+                </a:solidFill>
+              </a:rPr>
+              <a:t>Eschew backward compatibility!</a:t>
+            </a:r>
+          </a:p>
+          <a:p>
+            <a:pPr lvl="1"/>
+            <a:r>
+              <a:rPr lang="en-US" dirty="0" smtClean="0">
+                <a:solidFill>
+                  <a:schemeClr val="tx1"/>
+                </a:solidFill>
+              </a:rPr>
+              <a:t>Application &amp; </a:t>
+            </a:r>
+            <a:r>
+              <a:rPr lang="en-US" dirty="0" err="1" smtClean="0">
+                <a:solidFill>
+                  <a:schemeClr val="tx1"/>
+                </a:solidFill>
+              </a:rPr>
+              <a:t>LibOS</a:t>
+            </a:r>
+            <a:r>
+              <a:rPr lang="en-US" dirty="0" smtClean="0">
+                <a:solidFill>
+                  <a:schemeClr val="tx1"/>
+                </a:solidFill>
+              </a:rPr>
+              <a:t> implemented in one high-level language.</a:t>
+            </a:r>
+          </a:p>
+          <a:p>
+            <a:pPr lvl="1"/>
+            <a:r>
+              <a:rPr lang="en-US" dirty="0" smtClean="0">
+                <a:solidFill>
+                  <a:schemeClr val="tx1"/>
+                </a:solidFill>
+              </a:rPr>
+              <a:t>Leverage static analysis &amp; verification tools. </a:t>
+            </a:r>
+          </a:p>
+          <a:p>
+            <a:pPr lvl="1"/>
+            <a:r>
+              <a:rPr lang="en-US" dirty="0" smtClean="0">
+                <a:solidFill>
+                  <a:schemeClr val="tx1"/>
+                </a:solidFill>
+              </a:rPr>
+              <a:t>Runs on top of a hypervisor.</a:t>
+            </a:r>
             <a:endParaRPr lang="en-US" dirty="0">
               <a:solidFill>
                 <a:schemeClr val="tx1"/>
@@ -6896,247 +7039,6 @@
           </a:p>
         </p:txBody>
       </p:sp>
-    </p:spTree>
-    <p:extLst>
-      <p:ext uri="{BB962C8B-B14F-4D97-AF65-F5344CB8AC3E}">
-        <p14:creationId xmlns:p14="http://schemas.microsoft.com/office/powerpoint/2010/main" val="266110107"/>
-      </p:ext>
-    </p:extLst>
-  </p:cSld>
-  <p:clrMapOvr>
-    <a:masterClrMapping/>
-  </p:clrMapOvr>
-  <p:timing>
-    <p:tnLst>
-      <p:par>
-        <p:cTn id="1" dur="indefinite" restart="never" nodeType="tmRoot"/>
-      </p:par>
-    </p:tnLst>
-  </p:timing>
-</p:sld>
-</file>
-
-<file path=ppt/slides/slide11.xml><?xml version="1.0" encoding="utf-8"?>
-<p:sld xmlns:a="http://schemas.openxmlformats.org/drawingml/2006/main" xmlns:r="http://schemas.openxmlformats.org/officeDocument/2006/relationships" xmlns:p="http://schemas.openxmlformats.org/presentationml/2006/main">
-  <p:cSld>
-    <p:spTree>
-      <p:nvGrpSpPr>
-        <p:cNvPr id="1" name=""/>
-        <p:cNvGrpSpPr/>
-        <p:nvPr/>
-      </p:nvGrpSpPr>
-      <p:grpSpPr>
-        <a:xfrm>
-          <a:off x="0" y="0"/>
-          <a:ext cx="0" cy="0"/>
-          <a:chOff x="0" y="0"/>
-          <a:chExt cx="0" cy="0"/>
-        </a:xfrm>
-      </p:grpSpPr>
-      <p:sp>
-        <p:nvSpPr>
-          <p:cNvPr id="2" name="Title 1"/>
-          <p:cNvSpPr>
-            <a:spLocks noGrp="1"/>
-          </p:cNvSpPr>
-          <p:nvPr>
-            <p:ph type="title"/>
-          </p:nvPr>
-        </p:nvSpPr>
-        <p:spPr/>
-        <p:txBody>
-          <a:bodyPr/>
-          <a:lstStyle/>
-          <a:p>
-            <a:r>
-              <a:rPr lang="en-US" dirty="0" smtClean="0"/>
-              <a:t>	</a:t>
-            </a:r>
-            <a:r>
-              <a:rPr lang="en-US" dirty="0" err="1" smtClean="0"/>
-              <a:t>Unikernels</a:t>
-            </a:r>
-            <a:r>
-              <a:rPr lang="en-US" dirty="0" smtClean="0"/>
-              <a:t>: Motivation</a:t>
-            </a:r>
-            <a:endParaRPr lang="en-US" dirty="0"/>
-          </a:p>
-        </p:txBody>
-      </p:sp>
-      <p:sp>
-        <p:nvSpPr>
-          <p:cNvPr id="3" name="Content Placeholder 2"/>
-          <p:cNvSpPr>
-            <a:spLocks noGrp="1"/>
-          </p:cNvSpPr>
-          <p:nvPr>
-            <p:ph idx="1"/>
-          </p:nvPr>
-        </p:nvSpPr>
-        <p:spPr/>
-        <p:txBody>
-          <a:bodyPr/>
-          <a:lstStyle/>
-          <a:p>
-            <a:pPr marL="0" indent="0">
-              <a:buNone/>
-            </a:pPr>
-            <a:r>
-              <a:rPr lang="en-US" u="sng" dirty="0" smtClean="0">
-                <a:solidFill>
-                  <a:schemeClr val="tx1"/>
-                </a:solidFill>
-              </a:rPr>
-              <a:t>Problem:</a:t>
-            </a:r>
-            <a:r>
-              <a:rPr lang="en-US" dirty="0" smtClean="0">
-                <a:solidFill>
-                  <a:schemeClr val="tx1"/>
-                </a:solidFill>
-              </a:rPr>
-              <a:t> </a:t>
-            </a:r>
-          </a:p>
-          <a:p>
-            <a:pPr marL="0" indent="0">
-              <a:buNone/>
-            </a:pPr>
-            <a:r>
-              <a:rPr lang="en-US" dirty="0" smtClean="0">
-                <a:solidFill>
-                  <a:schemeClr val="tx1"/>
-                </a:solidFill>
-              </a:rPr>
-              <a:t>Single-purpose VMs deployed in the cloud are not specialized enough!</a:t>
-            </a:r>
-          </a:p>
-          <a:p>
-            <a:pPr marL="0" indent="0">
-              <a:buNone/>
-            </a:pPr>
-            <a:r>
-              <a:rPr lang="en-US" dirty="0" smtClean="0">
-                <a:solidFill>
-                  <a:schemeClr val="tx1"/>
-                </a:solidFill>
-              </a:rPr>
-              <a:t>It </a:t>
-            </a:r>
-            <a:r>
-              <a:rPr lang="en-US" b="1" dirty="0" smtClean="0">
-                <a:solidFill>
-                  <a:schemeClr val="accent2"/>
-                </a:solidFill>
-              </a:rPr>
-              <a:t>impacts</a:t>
-            </a:r>
-            <a:r>
-              <a:rPr lang="en-US" b="1" dirty="0" smtClean="0">
-                <a:solidFill>
-                  <a:schemeClr val="tx1"/>
-                </a:solidFill>
-              </a:rPr>
-              <a:t> </a:t>
-            </a:r>
-            <a:r>
-              <a:rPr lang="en-US" dirty="0" smtClean="0">
-                <a:solidFill>
-                  <a:schemeClr val="tx1"/>
-                </a:solidFill>
-              </a:rPr>
-              <a:t>efficiency &amp; security.</a:t>
-            </a:r>
-          </a:p>
-          <a:p>
-            <a:pPr marL="0" indent="0">
-              <a:buNone/>
-            </a:pPr>
-            <a:endParaRPr lang="en-US" dirty="0" smtClean="0"/>
-          </a:p>
-          <a:p>
-            <a:pPr marL="0" indent="0">
-              <a:buNone/>
-            </a:pPr>
-            <a:r>
-              <a:rPr lang="en-US" u="sng" dirty="0" smtClean="0">
-                <a:solidFill>
-                  <a:schemeClr val="tx1"/>
-                </a:solidFill>
-              </a:rPr>
-              <a:t>Solution:</a:t>
-            </a:r>
-          </a:p>
-          <a:p>
-            <a:pPr marL="0" indent="0">
-              <a:buNone/>
-            </a:pPr>
-            <a:r>
-              <a:rPr lang="en-US" dirty="0" smtClean="0">
-                <a:solidFill>
-                  <a:schemeClr val="tx1"/>
-                </a:solidFill>
-              </a:rPr>
-              <a:t>Eschew backward compatibility!</a:t>
-            </a:r>
-          </a:p>
-          <a:p>
-            <a:pPr lvl="1"/>
-            <a:r>
-              <a:rPr lang="en-US" dirty="0" smtClean="0">
-                <a:solidFill>
-                  <a:schemeClr val="tx1"/>
-                </a:solidFill>
-              </a:rPr>
-              <a:t>Application &amp; </a:t>
-            </a:r>
-            <a:r>
-              <a:rPr lang="en-US" dirty="0" err="1" smtClean="0">
-                <a:solidFill>
-                  <a:schemeClr val="tx1"/>
-                </a:solidFill>
-              </a:rPr>
-              <a:t>LibOS</a:t>
-            </a:r>
-            <a:r>
-              <a:rPr lang="en-US" dirty="0" smtClean="0">
-                <a:solidFill>
-                  <a:schemeClr val="tx1"/>
-                </a:solidFill>
-              </a:rPr>
-              <a:t> implemented in one high-level language.</a:t>
-            </a:r>
-          </a:p>
-          <a:p>
-            <a:pPr lvl="1"/>
-            <a:r>
-              <a:rPr lang="en-US" dirty="0" smtClean="0">
-                <a:solidFill>
-                  <a:schemeClr val="tx1"/>
-                </a:solidFill>
-              </a:rPr>
-              <a:t>Leverage static analysis &amp; verification tools. </a:t>
-            </a:r>
-          </a:p>
-          <a:p>
-            <a:pPr lvl="1"/>
-            <a:r>
-              <a:rPr lang="en-US" dirty="0" smtClean="0">
-                <a:solidFill>
-                  <a:schemeClr val="tx1"/>
-                </a:solidFill>
-              </a:rPr>
-              <a:t>Runs on top of a hypervisor.</a:t>
-            </a:r>
-            <a:endParaRPr lang="en-US" dirty="0">
-              <a:solidFill>
-                <a:schemeClr val="tx1"/>
-              </a:solidFill>
-            </a:endParaRPr>
-          </a:p>
-        </p:txBody>
-      </p:sp>
       <p:sp>
         <p:nvSpPr>
           <p:cNvPr id="4" name="Slide Number Placeholder 3"/>
@@ -7158,7 +7060,7 @@
                   <a:schemeClr val="tx1"/>
                 </a:solidFill>
               </a:rPr>
-              <a:t>11</a:t>
+              <a:t>10</a:t>
             </a:fld>
             <a:endParaRPr lang="en-US" dirty="0">
               <a:solidFill>
@@ -7384,7 +7286,7 @@
 </p:sld>
 </file>
 
-<file path=ppt/slides/slide12.xml><?xml version="1.0" encoding="utf-8"?>
+<file path=ppt/slides/slide11.xml><?xml version="1.0" encoding="utf-8"?>
 <p:sld xmlns:a="http://schemas.openxmlformats.org/drawingml/2006/main" xmlns:r="http://schemas.openxmlformats.org/officeDocument/2006/relationships" xmlns:p="http://schemas.openxmlformats.org/presentationml/2006/main">
   <p:cSld>
     <p:spTree>
@@ -7453,7 +7355,7 @@
                   <a:schemeClr val="tx1"/>
                 </a:solidFill>
               </a:rPr>
-              <a:t>12</a:t>
+              <a:t>11</a:t>
             </a:fld>
             <a:endParaRPr lang="en-US" dirty="0">
               <a:solidFill>
@@ -7555,7 +7457,7 @@
       </p:pic>
       <p:pic>
         <p:nvPicPr>
-          <p:cNvPr id="11" name="Picture 10"/>
+          <p:cNvPr id="4" name="Picture 3"/>
           <p:cNvPicPr>
             <a:picLocks noChangeAspect="1"/>
           </p:cNvPicPr>
@@ -7575,8 +7477,8 @@
         </p:blipFill>
         <p:spPr>
           <a:xfrm>
-            <a:off x="6309669" y="3560356"/>
-            <a:ext cx="3184400" cy="2562226"/>
+            <a:off x="6282003" y="3515836"/>
+            <a:ext cx="3239731" cy="2606746"/>
           </a:xfrm>
           <a:prstGeom prst="rect">
             <a:avLst/>
@@ -7603,7 +7505,7 @@
 </p:sld>
 </file>
 
-<file path=ppt/slides/slide13.xml><?xml version="1.0" encoding="utf-8"?>
+<file path=ppt/slides/slide12.xml><?xml version="1.0" encoding="utf-8"?>
 <p:sld xmlns:a="http://schemas.openxmlformats.org/drawingml/2006/main" xmlns:r="http://schemas.openxmlformats.org/officeDocument/2006/relationships" xmlns:p="http://schemas.openxmlformats.org/presentationml/2006/main">
   <p:cSld>
     <p:spTree>
@@ -7977,9 +7879,8 @@
           </a:p>
           <a:p>
             <a:pPr>
-              <a:buBlip>
-                <a:blip r:embed="rId3"/>
-              </a:buBlip>
+              <a:buFont typeface=".AppleSystemUIFont" charset="-120"/>
+              <a:buChar char="-"/>
             </a:pPr>
             <a:r>
               <a:rPr lang="en-US" dirty="0" smtClean="0">
@@ -8018,7 +7919,7 @@
                   <a:schemeClr val="tx1"/>
                 </a:solidFill>
               </a:rPr>
-              <a:t>13</a:t>
+              <a:t>12</a:t>
             </a:fld>
             <a:endParaRPr lang="en-US" dirty="0">
               <a:solidFill>
@@ -8680,7 +8581,7 @@
 </p:sld>
 </file>
 
-<file path=ppt/slides/slide14.xml><?xml version="1.0" encoding="utf-8"?>
+<file path=ppt/slides/slide13.xml><?xml version="1.0" encoding="utf-8"?>
 <p:sld xmlns:a="http://schemas.openxmlformats.org/drawingml/2006/main" xmlns:r="http://schemas.openxmlformats.org/officeDocument/2006/relationships" xmlns:p="http://schemas.openxmlformats.org/presentationml/2006/main">
   <p:cSld>
     <p:spTree>
@@ -8718,7 +8619,7 @@
                   <a:schemeClr val="tx1"/>
                 </a:solidFill>
               </a:rPr>
-              <a:t>14</a:t>
+              <a:t>13</a:t>
             </a:fld>
             <a:endParaRPr lang="en-US" dirty="0">
               <a:solidFill>
@@ -8778,7 +8679,7 @@
 </p:sld>
 </file>
 
-<file path=ppt/slides/slide15.xml><?xml version="1.0" encoding="utf-8"?>
+<file path=ppt/slides/slide14.xml><?xml version="1.0" encoding="utf-8"?>
 <p:sld xmlns:a="http://schemas.openxmlformats.org/drawingml/2006/main" xmlns:r="http://schemas.openxmlformats.org/officeDocument/2006/relationships" xmlns:p="http://schemas.openxmlformats.org/presentationml/2006/main">
   <p:cSld>
     <p:spTree>
@@ -8915,7 +8816,7 @@
                   <a:schemeClr val="tx1"/>
                 </a:solidFill>
               </a:rPr>
-              <a:t>15</a:t>
+              <a:t>14</a:t>
             </a:fld>
             <a:endParaRPr lang="en-US" dirty="0">
               <a:solidFill>
@@ -8945,7 +8846,7 @@
 </p:sld>
 </file>
 
-<file path=ppt/slides/slide16.xml><?xml version="1.0" encoding="utf-8"?>
+<file path=ppt/slides/slide15.xml><?xml version="1.0" encoding="utf-8"?>
 <p:sld xmlns:a="http://schemas.openxmlformats.org/drawingml/2006/main" xmlns:r="http://schemas.openxmlformats.org/officeDocument/2006/relationships" xmlns:p="http://schemas.openxmlformats.org/presentationml/2006/main">
   <p:cSld>
     <p:spTree>
@@ -9196,7 +9097,7 @@
                   <a:schemeClr val="tx1"/>
                 </a:solidFill>
               </a:rPr>
-              <a:t>16</a:t>
+              <a:t>15</a:t>
             </a:fld>
             <a:endParaRPr lang="en-US" dirty="0">
               <a:solidFill>
@@ -9422,7 +9323,7 @@
 </p:sld>
 </file>
 
-<file path=ppt/slides/slide17.xml><?xml version="1.0" encoding="utf-8"?>
+<file path=ppt/slides/slide16.xml><?xml version="1.0" encoding="utf-8"?>
 <p:sld xmlns:a="http://schemas.openxmlformats.org/drawingml/2006/main" xmlns:r="http://schemas.openxmlformats.org/officeDocument/2006/relationships" xmlns:p="http://schemas.openxmlformats.org/presentationml/2006/main">
   <p:cSld>
     <p:spTree>
@@ -9483,7 +9384,7 @@
                   <a:schemeClr val="tx1"/>
                 </a:solidFill>
               </a:rPr>
-              <a:t>17</a:t>
+              <a:t>16</a:t>
             </a:fld>
             <a:endParaRPr lang="en-US" dirty="0">
               <a:solidFill>
@@ -9633,7 +9534,7 @@
 </p:sld>
 </file>
 
-<file path=ppt/slides/slide18.xml><?xml version="1.0" encoding="utf-8"?>
+<file path=ppt/slides/slide17.xml><?xml version="1.0" encoding="utf-8"?>
 <p:sld xmlns:a="http://schemas.openxmlformats.org/drawingml/2006/main" xmlns:r="http://schemas.openxmlformats.org/officeDocument/2006/relationships" xmlns:p="http://schemas.openxmlformats.org/presentationml/2006/main">
   <p:cSld>
     <p:spTree>
@@ -9694,7 +9595,7 @@
                   <a:schemeClr val="tx1"/>
                 </a:solidFill>
               </a:rPr>
-              <a:t>18</a:t>
+              <a:t>17</a:t>
             </a:fld>
             <a:endParaRPr lang="en-US" dirty="0">
               <a:solidFill>
@@ -9754,7 +9655,7 @@
 </p:sld>
 </file>
 
-<file path=ppt/slides/slide19.xml><?xml version="1.0" encoding="utf-8"?>
+<file path=ppt/slides/slide18.xml><?xml version="1.0" encoding="utf-8"?>
 <p:sld xmlns:a="http://schemas.openxmlformats.org/drawingml/2006/main" xmlns:r="http://schemas.openxmlformats.org/officeDocument/2006/relationships" xmlns:p="http://schemas.openxmlformats.org/presentationml/2006/main">
   <p:cSld>
     <p:spTree>
@@ -9853,9 +9754,8 @@
           <a:lstStyle/>
           <a:p>
             <a:pPr>
-              <a:buBlip>
-                <a:blip r:embed="rId3"/>
-              </a:buBlip>
+              <a:buFont typeface=".AppleSystemUIFont" charset="-120"/>
+              <a:buChar char="-"/>
             </a:pPr>
             <a:r>
               <a:rPr lang="en-US" dirty="0" smtClean="0">
@@ -9863,7 +9763,7 @@
                   <a:srgbClr val="FF0000"/>
                 </a:solidFill>
               </a:rPr>
-              <a:t>General performance.</a:t>
+              <a:t>General performance</a:t>
             </a:r>
           </a:p>
           <a:p>
@@ -9877,7 +9777,7 @@
                   <a:schemeClr val="tx1"/>
                 </a:solidFill>
               </a:rPr>
-              <a:t>2X slowdown.</a:t>
+              <a:t>2X slowdown</a:t>
             </a:r>
           </a:p>
           <a:p>
@@ -9891,7 +9791,21 @@
                   <a:schemeClr val="tx1"/>
                 </a:solidFill>
               </a:rPr>
-              <a:t>Haven overheads.</a:t>
+              <a:t>Haven overheads</a:t>
+            </a:r>
+          </a:p>
+          <a:p>
+            <a:pPr lvl="1">
+              <a:buFont typeface="Arial" charset="0"/>
+              <a:buChar char="•"/>
+            </a:pPr>
+            <a:r>
+              <a:rPr lang="en-US" dirty="0" smtClean="0">
+                <a:solidFill>
+                  <a:schemeClr val="tx1"/>
+                </a:solidFill>
+              </a:rPr>
+              <a:t>SGX overheads</a:t>
             </a:r>
           </a:p>
           <a:p>
@@ -9905,7 +9819,49 @@
                   <a:schemeClr val="tx1"/>
                 </a:solidFill>
               </a:rPr>
-              <a:t>Web server, 55% slowdown compared to native.</a:t>
+              <a:t>Resizing enclave</a:t>
+            </a:r>
+          </a:p>
+          <a:p>
+            <a:pPr lvl="2">
+              <a:buFont typeface="Arial" charset="0"/>
+              <a:buChar char="•"/>
+            </a:pPr>
+            <a:r>
+              <a:rPr lang="en-US" dirty="0" smtClean="0">
+                <a:solidFill>
+                  <a:schemeClr val="tx1"/>
+                </a:solidFill>
+              </a:rPr>
+              <a:t>Enclave crossings</a:t>
+            </a:r>
+          </a:p>
+          <a:p>
+            <a:pPr lvl="2">
+              <a:buFont typeface="Arial" charset="0"/>
+              <a:buChar char="•"/>
+            </a:pPr>
+            <a:r>
+              <a:rPr lang="en-US" dirty="0" smtClean="0">
+                <a:solidFill>
+                  <a:schemeClr val="tx1"/>
+                </a:solidFill>
+              </a:rPr>
+              <a:t>Access to enclave pages</a:t>
+            </a:r>
+          </a:p>
+          <a:p>
+            <a:pPr>
+              <a:buFont typeface=".AppleSystemUIFont" charset="-120"/>
+              <a:buChar char="-"/>
+            </a:pPr>
+            <a:r>
+              <a:rPr lang="en-US" dirty="0" smtClean="0">
+                <a:solidFill>
+                  <a:srgbClr val="FF0000"/>
+                </a:solidFill>
+              </a:rPr>
+              <a:t>Resources consumption</a:t>
             </a:r>
           </a:p>
           <a:p>
@@ -9919,78 +9875,7 @@
                   <a:schemeClr val="tx1"/>
                 </a:solidFill>
               </a:rPr>
-              <a:t>SGX overheads.</a:t>
-            </a:r>
-          </a:p>
-          <a:p>
-            <a:pPr lvl="2">
-              <a:buFont typeface="Arial" charset="0"/>
-              <a:buChar char="•"/>
-            </a:pPr>
-            <a:r>
-              <a:rPr lang="en-US" dirty="0" smtClean="0">
-                <a:solidFill>
-                  <a:schemeClr val="tx1"/>
-                </a:solidFill>
-              </a:rPr>
-              <a:t>Resizing enclave.</a:t>
-            </a:r>
-          </a:p>
-          <a:p>
-            <a:pPr lvl="2">
-              <a:buFont typeface="Arial" charset="0"/>
-              <a:buChar char="•"/>
-            </a:pPr>
-            <a:r>
-              <a:rPr lang="en-US" dirty="0" smtClean="0">
-                <a:solidFill>
-                  <a:schemeClr val="tx1"/>
-                </a:solidFill>
-              </a:rPr>
-              <a:t>Enclave crossings.</a:t>
-            </a:r>
-          </a:p>
-          <a:p>
-            <a:pPr lvl="2">
-              <a:buFont typeface="Arial" charset="0"/>
-              <a:buChar char="•"/>
-            </a:pPr>
-            <a:r>
-              <a:rPr lang="en-US" dirty="0" smtClean="0">
-                <a:solidFill>
-                  <a:schemeClr val="tx1"/>
-                </a:solidFill>
-              </a:rPr>
-              <a:t>Access to enclave pages.</a:t>
-            </a:r>
-          </a:p>
-          <a:p>
-            <a:pPr>
-              <a:buBlip>
-                <a:blip r:embed="rId3"/>
-              </a:buBlip>
-            </a:pPr>
-            <a:r>
-              <a:rPr lang="en-US" dirty="0" smtClean="0">
-                <a:solidFill>
-                  <a:srgbClr val="FF0000"/>
-                </a:solidFill>
-              </a:rPr>
-              <a:t>Resources consumption.</a:t>
-            </a:r>
-          </a:p>
-          <a:p>
-            <a:pPr lvl="1">
-              <a:buFont typeface="Arial" charset="0"/>
-              <a:buChar char="•"/>
-            </a:pPr>
-            <a:r>
-              <a:rPr lang="en-US" dirty="0" smtClean="0">
-                <a:solidFill>
-                  <a:schemeClr val="tx1"/>
-                </a:solidFill>
-              </a:rPr>
-              <a:t>Packs entire Windows OS.</a:t>
+              <a:t>Packs entire Windows OS</a:t>
             </a:r>
           </a:p>
         </p:txBody>
@@ -10052,9 +9937,8 @@
           <a:lstStyle/>
           <a:p>
             <a:pPr>
-              <a:buBlip>
-                <a:blip r:embed="rId3"/>
-              </a:buBlip>
+              <a:buFont typeface=".AppleSystemUIFont" charset="-120"/>
+              <a:buChar char="-"/>
             </a:pPr>
             <a:r>
               <a:rPr lang="en-US" dirty="0">
@@ -10062,8 +9946,21 @@
                   <a:srgbClr val="FF0000"/>
                 </a:solidFill>
               </a:rPr>
-              <a:t>Large attack surface.</a:t>
-            </a:r>
+              <a:t>Large attack </a:t>
+            </a:r>
+            <a:r>
+              <a:rPr lang="en-US" dirty="0" smtClean="0">
+                <a:solidFill>
+                  <a:srgbClr val="FF0000"/>
+                </a:solidFill>
+              </a:rPr>
+              <a:t>surface</a:t>
+            </a:r>
+            <a:endParaRPr lang="en-US" dirty="0">
+              <a:solidFill>
+                <a:srgbClr val="FF0000"/>
+              </a:solidFill>
+            </a:endParaRPr>
           </a:p>
           <a:p>
             <a:pPr>
@@ -10087,7 +9984,7 @@
                   <a:schemeClr val="accent6"/>
                 </a:solidFill>
               </a:rPr>
-              <a:t>Host protected from guest.</a:t>
+              <a:t>Host protected from guest</a:t>
             </a:r>
           </a:p>
           <a:p>
@@ -10112,7 +10009,7 @@
                   <a:schemeClr val="accent6"/>
                 </a:solidFill>
               </a:rPr>
-              <a:t>Guest protected from host.</a:t>
+              <a:t>Guest protected from host</a:t>
             </a:r>
           </a:p>
           <a:p>
@@ -10149,7 +10046,7 @@
                   <a:schemeClr val="tx1"/>
                 </a:solidFill>
               </a:rPr>
-              <a:t>19</a:t>
+              <a:t>18</a:t>
             </a:fld>
             <a:endParaRPr lang="en-US" dirty="0">
               <a:solidFill>
@@ -10406,15 +10303,33 @@
                                   </p:childTnLst>
                                 </p:cTn>
                               </p:par>
+                            </p:childTnLst>
+                          </p:cTn>
+                        </p:par>
+                      </p:childTnLst>
+                    </p:cTn>
+                  </p:par>
+                  <p:par>
+                    <p:cTn id="19" fill="hold">
+                      <p:stCondLst>
+                        <p:cond delay="indefinite"/>
+                      </p:stCondLst>
+                      <p:childTnLst>
+                        <p:par>
+                          <p:cTn id="20" fill="hold">
+                            <p:stCondLst>
+                              <p:cond delay="0"/>
+                            </p:stCondLst>
+                            <p:childTnLst>
                               <p:par>
-                                <p:cTn id="19" presetID="1" presetClass="entr" presetSubtype="0" fill="hold" nodeType="withEffect">
+                                <p:cTn id="21" presetID="1" presetClass="entr" presetSubtype="0" fill="hold" nodeType="clickEffect">
                                   <p:stCondLst>
                                     <p:cond delay="0"/>
                                   </p:stCondLst>
                                   <p:childTnLst>
                                     <p:set>
                                       <p:cBhvr>
-                                        <p:cTn id="20" dur="1" fill="hold">
+                                        <p:cTn id="22" dur="1" fill="hold">
                                           <p:stCondLst>
                                             <p:cond delay="0"/>
                                           </p:stCondLst>
@@ -10437,26 +10352,8 @@
                                   </p:childTnLst>
                                 </p:cTn>
                               </p:par>
-                            </p:childTnLst>
-                          </p:cTn>
-                        </p:par>
-                      </p:childTnLst>
-                    </p:cTn>
-                  </p:par>
-                  <p:par>
-                    <p:cTn id="21" fill="hold">
-                      <p:stCondLst>
-                        <p:cond delay="indefinite"/>
-                      </p:stCondLst>
-                      <p:childTnLst>
-                        <p:par>
-                          <p:cTn id="22" fill="hold">
-                            <p:stCondLst>
-                              <p:cond delay="0"/>
-                            </p:stCondLst>
-                            <p:childTnLst>
                               <p:par>
-                                <p:cTn id="23" presetID="1" presetClass="entr" presetSubtype="0" fill="hold" nodeType="clickEffect">
+                                <p:cTn id="23" presetID="1" presetClass="entr" presetSubtype="0" fill="hold" nodeType="withEffect">
                                   <p:stCondLst>
                                     <p:cond delay="0"/>
                                   </p:stCondLst>
@@ -10486,37 +10383,6 @@
                                   </p:childTnLst>
                                 </p:cTn>
                               </p:par>
-                              <p:par>
-                                <p:cTn id="25" presetID="1" presetClass="entr" presetSubtype="0" fill="hold" nodeType="withEffect">
-                                  <p:stCondLst>
-                                    <p:cond delay="0"/>
-                                  </p:stCondLst>
-                                  <p:childTnLst>
-                                    <p:set>
-                                      <p:cBhvr>
-                                        <p:cTn id="26" dur="1" fill="hold">
-                                          <p:stCondLst>
-                                            <p:cond delay="0"/>
-                                          </p:stCondLst>
-                                        </p:cTn>
-                                        <p:tgtEl>
-                                          <p:spTgt spid="5">
-                                            <p:txEl>
-                                              <p:pRg st="9" end="9"/>
-                                            </p:txEl>
-                                          </p:spTgt>
-                                        </p:tgtEl>
-                                        <p:attrNameLst>
-                                          <p:attrName>style.visibility</p:attrName>
-                                        </p:attrNameLst>
-                                      </p:cBhvr>
-                                      <p:to>
-                                        <p:strVal val="visible"/>
-                                      </p:to>
-                                    </p:set>
-                                  </p:childTnLst>
-                                </p:cTn>
-                              </p:par>
                             </p:childTnLst>
                           </p:cTn>
                         </p:par>
@@ -10524,26 +10390,26 @@
                     </p:cTn>
                   </p:par>
                   <p:par>
-                    <p:cTn id="27" fill="hold">
+                    <p:cTn id="25" fill="hold">
                       <p:stCondLst>
                         <p:cond delay="indefinite"/>
                       </p:stCondLst>
                       <p:childTnLst>
                         <p:par>
-                          <p:cTn id="28" fill="hold">
+                          <p:cTn id="26" fill="hold">
                             <p:stCondLst>
                               <p:cond delay="0"/>
                             </p:stCondLst>
                             <p:childTnLst>
                               <p:par>
-                                <p:cTn id="29" presetID="1" presetClass="entr" presetSubtype="0" fill="hold" nodeType="clickEffect">
+                                <p:cTn id="27" presetID="1" presetClass="entr" presetSubtype="0" fill="hold" nodeType="clickEffect">
                                   <p:stCondLst>
                                     <p:cond delay="0"/>
                                   </p:stCondLst>
                                   <p:childTnLst>
                                     <p:set>
                                       <p:cBhvr>
-                                        <p:cTn id="30" dur="1" fill="hold">
+                                        <p:cTn id="28" dur="1" fill="hold">
                                           <p:stCondLst>
                                             <p:cond delay="0"/>
                                           </p:stCondLst>
@@ -10573,26 +10439,26 @@
                     </p:cTn>
                   </p:par>
                   <p:par>
-                    <p:cTn id="31" fill="hold">
+                    <p:cTn id="29" fill="hold">
                       <p:stCondLst>
                         <p:cond delay="indefinite"/>
                       </p:stCondLst>
                       <p:childTnLst>
                         <p:par>
-                          <p:cTn id="32" fill="hold">
+                          <p:cTn id="30" fill="hold">
                             <p:stCondLst>
                               <p:cond delay="0"/>
                             </p:stCondLst>
                             <p:childTnLst>
                               <p:par>
-                                <p:cTn id="33" presetID="1" presetClass="entr" presetSubtype="0" fill="hold" nodeType="clickEffect">
+                                <p:cTn id="31" presetID="1" presetClass="entr" presetSubtype="0" fill="hold" nodeType="clickEffect">
                                   <p:stCondLst>
                                     <p:cond delay="0"/>
                                   </p:stCondLst>
                                   <p:childTnLst>
                                     <p:set>
                                       <p:cBhvr>
-                                        <p:cTn id="34" dur="1" fill="hold">
+                                        <p:cTn id="32" dur="1" fill="hold">
                                           <p:stCondLst>
                                             <p:cond delay="0"/>
                                           </p:stCondLst>
@@ -10622,26 +10488,26 @@
                     </p:cTn>
                   </p:par>
                   <p:par>
-                    <p:cTn id="35" fill="hold">
+                    <p:cTn id="33" fill="hold">
                       <p:stCondLst>
                         <p:cond delay="indefinite"/>
                       </p:stCondLst>
                       <p:childTnLst>
                         <p:par>
-                          <p:cTn id="36" fill="hold">
+                          <p:cTn id="34" fill="hold">
                             <p:stCondLst>
                               <p:cond delay="0"/>
                             </p:stCondLst>
                             <p:childTnLst>
                               <p:par>
-                                <p:cTn id="37" presetID="1" presetClass="entr" presetSubtype="0" fill="hold" nodeType="clickEffect">
+                                <p:cTn id="35" presetID="1" presetClass="entr" presetSubtype="0" fill="hold" nodeType="clickEffect">
                                   <p:stCondLst>
                                     <p:cond delay="0"/>
                                   </p:stCondLst>
                                   <p:childTnLst>
                                     <p:set>
                                       <p:cBhvr>
-                                        <p:cTn id="38" dur="1" fill="hold">
+                                        <p:cTn id="36" dur="1" fill="hold">
                                           <p:stCondLst>
                                             <p:cond delay="0"/>
                                           </p:stCondLst>
@@ -10689,6 +10555,117 @@
             </p:seq>
           </p:childTnLst>
         </p:cTn>
+      </p:par>
+    </p:tnLst>
+  </p:timing>
+</p:sld>
+</file>
+
+<file path=ppt/slides/slide19.xml><?xml version="1.0" encoding="utf-8"?>
+<p:sld xmlns:a="http://schemas.openxmlformats.org/drawingml/2006/main" xmlns:r="http://schemas.openxmlformats.org/officeDocument/2006/relationships" xmlns:p="http://schemas.openxmlformats.org/presentationml/2006/main">
+  <p:cSld>
+    <p:spTree>
+      <p:nvGrpSpPr>
+        <p:cNvPr id="1" name=""/>
+        <p:cNvGrpSpPr/>
+        <p:nvPr/>
+      </p:nvGrpSpPr>
+      <p:grpSpPr>
+        <a:xfrm>
+          <a:off x="0" y="0"/>
+          <a:ext cx="0" cy="0"/>
+          <a:chOff x="0" y="0"/>
+          <a:chExt cx="0" cy="0"/>
+        </a:xfrm>
+      </p:grpSpPr>
+      <p:sp>
+        <p:nvSpPr>
+          <p:cNvPr id="2" name="Title 1"/>
+          <p:cNvSpPr>
+            <a:spLocks noGrp="1"/>
+          </p:cNvSpPr>
+          <p:nvPr>
+            <p:ph type="title"/>
+          </p:nvPr>
+        </p:nvSpPr>
+        <p:spPr/>
+        <p:txBody>
+          <a:bodyPr/>
+          <a:lstStyle/>
+          <a:p>
+            <a:pPr algn="ctr"/>
+            <a:r>
+              <a:rPr lang="en-US" dirty="0" smtClean="0"/>
+              <a:t>Discussion &amp; Research Proposal</a:t>
+            </a:r>
+            <a:endParaRPr lang="en-US" dirty="0"/>
+          </a:p>
+        </p:txBody>
+      </p:sp>
+      <p:sp>
+        <p:nvSpPr>
+          <p:cNvPr id="4" name="Text Placeholder 3"/>
+          <p:cNvSpPr>
+            <a:spLocks noGrp="1"/>
+          </p:cNvSpPr>
+          <p:nvPr>
+            <p:ph type="body" idx="1"/>
+          </p:nvPr>
+        </p:nvSpPr>
+        <p:spPr/>
+        <p:txBody>
+          <a:bodyPr/>
+          <a:lstStyle/>
+          <a:p>
+            <a:endParaRPr lang="en-US"/>
+          </a:p>
+        </p:txBody>
+      </p:sp>
+      <p:sp>
+        <p:nvSpPr>
+          <p:cNvPr id="3" name="Slide Number Placeholder 2"/>
+          <p:cNvSpPr>
+            <a:spLocks noGrp="1"/>
+          </p:cNvSpPr>
+          <p:nvPr>
+            <p:ph type="sldNum" sz="quarter" idx="12"/>
+          </p:nvPr>
+        </p:nvSpPr>
+        <p:spPr/>
+        <p:txBody>
+          <a:bodyPr/>
+          <a:lstStyle/>
+          <a:p>
+            <a:fld id="{B46BA956-F633-F04E-BD9F-377F5F31FAB2}" type="slidenum">
+              <a:rPr lang="en-US" smtClean="0">
+                <a:solidFill>
+                  <a:schemeClr val="tx1"/>
+                </a:solidFill>
+              </a:rPr>
+              <a:t>19</a:t>
+            </a:fld>
+            <a:endParaRPr lang="en-US" dirty="0">
+              <a:solidFill>
+                <a:schemeClr val="tx1"/>
+              </a:solidFill>
+            </a:endParaRPr>
+          </a:p>
+        </p:txBody>
+      </p:sp>
+    </p:spTree>
+    <p:extLst>
+      <p:ext uri="{BB962C8B-B14F-4D97-AF65-F5344CB8AC3E}">
+        <p14:creationId xmlns:p14="http://schemas.microsoft.com/office/powerpoint/2010/main" val="1198813602"/>
+      </p:ext>
+    </p:extLst>
+  </p:cSld>
+  <p:clrMapOvr>
+    <a:masterClrMapping/>
+  </p:clrMapOvr>
+  <p:timing>
+    <p:tnLst>
+      <p:par>
+        <p:cTn id="1" dur="indefinite" restart="never" nodeType="tmRoot"/>
       </p:par>
     </p:tnLst>
   </p:timing>
@@ -10982,117 +10959,6 @@
           <a:bodyPr/>
           <a:lstStyle/>
           <a:p>
-            <a:pPr algn="ctr"/>
-            <a:r>
-              <a:rPr lang="en-US" dirty="0" smtClean="0"/>
-              <a:t>Discussion &amp; Research Proposal</a:t>
-            </a:r>
-            <a:endParaRPr lang="en-US" dirty="0"/>
-          </a:p>
-        </p:txBody>
-      </p:sp>
-      <p:sp>
-        <p:nvSpPr>
-          <p:cNvPr id="4" name="Text Placeholder 3"/>
-          <p:cNvSpPr>
-            <a:spLocks noGrp="1"/>
-          </p:cNvSpPr>
-          <p:nvPr>
-            <p:ph type="body" idx="1"/>
-          </p:nvPr>
-        </p:nvSpPr>
-        <p:spPr/>
-        <p:txBody>
-          <a:bodyPr/>
-          <a:lstStyle/>
-          <a:p>
-            <a:endParaRPr lang="en-US"/>
-          </a:p>
-        </p:txBody>
-      </p:sp>
-      <p:sp>
-        <p:nvSpPr>
-          <p:cNvPr id="3" name="Slide Number Placeholder 2"/>
-          <p:cNvSpPr>
-            <a:spLocks noGrp="1"/>
-          </p:cNvSpPr>
-          <p:nvPr>
-            <p:ph type="sldNum" sz="quarter" idx="12"/>
-          </p:nvPr>
-        </p:nvSpPr>
-        <p:spPr/>
-        <p:txBody>
-          <a:bodyPr/>
-          <a:lstStyle/>
-          <a:p>
-            <a:fld id="{B46BA956-F633-F04E-BD9F-377F5F31FAB2}" type="slidenum">
-              <a:rPr lang="en-US" smtClean="0">
-                <a:solidFill>
-                  <a:schemeClr val="tx1"/>
-                </a:solidFill>
-              </a:rPr>
-              <a:t>20</a:t>
-            </a:fld>
-            <a:endParaRPr lang="en-US" dirty="0">
-              <a:solidFill>
-                <a:schemeClr val="tx1"/>
-              </a:solidFill>
-            </a:endParaRPr>
-          </a:p>
-        </p:txBody>
-      </p:sp>
-    </p:spTree>
-    <p:extLst>
-      <p:ext uri="{BB962C8B-B14F-4D97-AF65-F5344CB8AC3E}">
-        <p14:creationId xmlns:p14="http://schemas.microsoft.com/office/powerpoint/2010/main" val="1198813602"/>
-      </p:ext>
-    </p:extLst>
-  </p:cSld>
-  <p:clrMapOvr>
-    <a:masterClrMapping/>
-  </p:clrMapOvr>
-  <p:timing>
-    <p:tnLst>
-      <p:par>
-        <p:cTn id="1" dur="indefinite" restart="never" nodeType="tmRoot"/>
-      </p:par>
-    </p:tnLst>
-  </p:timing>
-</p:sld>
-</file>
-
-<file path=ppt/slides/slide21.xml><?xml version="1.0" encoding="utf-8"?>
-<p:sld xmlns:a="http://schemas.openxmlformats.org/drawingml/2006/main" xmlns:r="http://schemas.openxmlformats.org/officeDocument/2006/relationships" xmlns:p="http://schemas.openxmlformats.org/presentationml/2006/main">
-  <p:cSld>
-    <p:spTree>
-      <p:nvGrpSpPr>
-        <p:cNvPr id="1" name=""/>
-        <p:cNvGrpSpPr/>
-        <p:nvPr/>
-      </p:nvGrpSpPr>
-      <p:grpSpPr>
-        <a:xfrm>
-          <a:off x="0" y="0"/>
-          <a:ext cx="0" cy="0"/>
-          <a:chOff x="0" y="0"/>
-          <a:chExt cx="0" cy="0"/>
-        </a:xfrm>
-      </p:grpSpPr>
-      <p:sp>
-        <p:nvSpPr>
-          <p:cNvPr id="2" name="Title 1"/>
-          <p:cNvSpPr>
-            <a:spLocks noGrp="1"/>
-          </p:cNvSpPr>
-          <p:nvPr>
-            <p:ph type="title"/>
-          </p:nvPr>
-        </p:nvSpPr>
-        <p:spPr/>
-        <p:txBody>
-          <a:bodyPr/>
-          <a:lstStyle/>
-          <a:p>
             <a:r>
               <a:rPr lang="en-US" dirty="0" smtClean="0"/>
               <a:t>	Discussion</a:t>
@@ -11167,7 +11033,7 @@
                   <a:schemeClr val="accent2"/>
                 </a:solidFill>
               </a:rPr>
-              <a:t>Boot time.</a:t>
+              <a:t>Boot time</a:t>
             </a:r>
           </a:p>
           <a:p>
@@ -11181,7 +11047,7 @@
                   <a:schemeClr val="accent2"/>
                 </a:solidFill>
               </a:rPr>
-              <a:t>Small size.</a:t>
+              <a:t>Small size</a:t>
             </a:r>
           </a:p>
           <a:p>
@@ -11195,7 +11061,7 @@
                   <a:schemeClr val="accent2"/>
                 </a:solidFill>
               </a:rPr>
-              <a:t>Performance.</a:t>
+              <a:t>Performance</a:t>
             </a:r>
           </a:p>
           <a:p>
@@ -11209,7 +11075,7 @@
                   <a:schemeClr val="accent2"/>
                 </a:solidFill>
               </a:rPr>
-              <a:t>App-specific algorithm.</a:t>
+              <a:t>App-specific management</a:t>
             </a:r>
             <a:endParaRPr lang="en-US" dirty="0">
               <a:solidFill>
@@ -11285,7 +11151,7 @@
                   <a:schemeClr val="accent2"/>
                 </a:solidFill>
               </a:rPr>
-              <a:t>Reduce attack surface.</a:t>
+              <a:t>Reduce attack surface</a:t>
             </a:r>
           </a:p>
           <a:p>
@@ -11299,7 +11165,7 @@
                   <a:schemeClr val="accent2"/>
                 </a:solidFill>
               </a:rPr>
-              <a:t>Extra protections.</a:t>
+              <a:t>Extra protections</a:t>
             </a:r>
           </a:p>
           <a:p>
@@ -11323,7 +11189,7 @@
                   <a:schemeClr val="accent2"/>
                 </a:solidFill>
               </a:rPr>
-              <a:t>om guest.</a:t>
+              <a:t>om guest</a:t>
             </a:r>
           </a:p>
           <a:p>
@@ -11339,7 +11205,7 @@
                   </a:schemeClr>
                 </a:solidFill>
               </a:rPr>
-              <a:t>Isolation from host.</a:t>
+              <a:t>Isolation from host</a:t>
             </a:r>
           </a:p>
           <a:p>
@@ -11376,7 +11242,7 @@
                   <a:schemeClr val="tx1"/>
                 </a:solidFill>
               </a:rPr>
-              <a:t>21</a:t>
+              <a:t>20</a:t>
             </a:fld>
             <a:endParaRPr lang="en-US" dirty="0">
               <a:solidFill>
@@ -11436,7 +11302,7 @@
 </p:sld>
 </file>
 
-<file path=ppt/slides/slide22.xml><?xml version="1.0" encoding="utf-8"?>
+<file path=ppt/slides/slide21.xml><?xml version="1.0" encoding="utf-8"?>
 <p:sld xmlns:a="http://schemas.openxmlformats.org/drawingml/2006/main" xmlns:r="http://schemas.openxmlformats.org/officeDocument/2006/relationships" xmlns:p="http://schemas.openxmlformats.org/presentationml/2006/main">
   <p:cSld>
     <p:spTree>
@@ -11649,7 +11515,7 @@
                   <a:schemeClr val="tx1"/>
                 </a:solidFill>
               </a:rPr>
-              <a:t>22</a:t>
+              <a:t>21</a:t>
             </a:fld>
             <a:endParaRPr lang="en-US" dirty="0">
               <a:solidFill>
@@ -11709,7 +11575,7 @@
 </p:sld>
 </file>
 
-<file path=ppt/slides/slide23.xml><?xml version="1.0" encoding="utf-8"?>
+<file path=ppt/slides/slide22.xml><?xml version="1.0" encoding="utf-8"?>
 <p:sld xmlns:a="http://schemas.openxmlformats.org/drawingml/2006/main" xmlns:r="http://schemas.openxmlformats.org/officeDocument/2006/relationships" xmlns:p="http://schemas.openxmlformats.org/presentationml/2006/main">
   <p:cSld>
     <p:spTree>
@@ -11838,7 +11704,7 @@
                   <a:schemeClr val="tx1"/>
                 </a:solidFill>
               </a:rPr>
-              <a:t>23</a:t>
+              <a:t>22</a:t>
             </a:fld>
             <a:endParaRPr lang="en-US" dirty="0">
               <a:solidFill>
@@ -11868,6 +11734,102 @@
 </p:sld>
 </file>
 
+<file path=ppt/slides/slide23.xml><?xml version="1.0" encoding="utf-8"?>
+<p:sld xmlns:a="http://schemas.openxmlformats.org/drawingml/2006/main" xmlns:r="http://schemas.openxmlformats.org/officeDocument/2006/relationships" xmlns:p="http://schemas.openxmlformats.org/presentationml/2006/main">
+  <p:cSld>
+    <p:spTree>
+      <p:nvGrpSpPr>
+        <p:cNvPr id="1" name=""/>
+        <p:cNvGrpSpPr/>
+        <p:nvPr/>
+      </p:nvGrpSpPr>
+      <p:grpSpPr>
+        <a:xfrm>
+          <a:off x="0" y="0"/>
+          <a:ext cx="0" cy="0"/>
+          <a:chOff x="0" y="0"/>
+          <a:chExt cx="0" cy="0"/>
+        </a:xfrm>
+      </p:grpSpPr>
+      <p:sp>
+        <p:nvSpPr>
+          <p:cNvPr id="2" name="Title 1"/>
+          <p:cNvSpPr>
+            <a:spLocks noGrp="1"/>
+          </p:cNvSpPr>
+          <p:nvPr>
+            <p:ph type="title"/>
+          </p:nvPr>
+        </p:nvSpPr>
+        <p:spPr/>
+        <p:txBody>
+          <a:bodyPr/>
+          <a:lstStyle/>
+          <a:p>
+            <a:pPr algn="ctr"/>
+            <a:r>
+              <a:rPr lang="en-US" dirty="0" smtClean="0"/>
+              <a:t>Backup slides</a:t>
+            </a:r>
+            <a:endParaRPr lang="en-US" dirty="0"/>
+          </a:p>
+        </p:txBody>
+      </p:sp>
+      <p:sp>
+        <p:nvSpPr>
+          <p:cNvPr id="3" name="Text Placeholder 2"/>
+          <p:cNvSpPr>
+            <a:spLocks noGrp="1"/>
+          </p:cNvSpPr>
+          <p:nvPr>
+            <p:ph type="body" idx="1"/>
+          </p:nvPr>
+        </p:nvSpPr>
+        <p:spPr/>
+        <p:txBody>
+          <a:bodyPr/>
+          <a:lstStyle/>
+          <a:p>
+            <a:endParaRPr lang="en-US" dirty="0"/>
+          </a:p>
+        </p:txBody>
+      </p:sp>
+      <p:sp>
+        <p:nvSpPr>
+          <p:cNvPr id="4" name="Slide Number Placeholder 3"/>
+          <p:cNvSpPr>
+            <a:spLocks noGrp="1"/>
+          </p:cNvSpPr>
+          <p:nvPr>
+            <p:ph type="sldNum" sz="quarter" idx="12"/>
+          </p:nvPr>
+        </p:nvSpPr>
+        <p:spPr/>
+        <p:txBody>
+          <a:bodyPr/>
+          <a:lstStyle/>
+          <a:p>
+            <a:fld id="{B46BA956-F633-F04E-BD9F-377F5F31FAB2}" type="slidenum">
+              <a:rPr lang="en-US" smtClean="0"/>
+              <a:t>23</a:t>
+            </a:fld>
+            <a:endParaRPr lang="en-US"/>
+          </a:p>
+        </p:txBody>
+      </p:sp>
+    </p:spTree>
+    <p:extLst>
+      <p:ext uri="{BB962C8B-B14F-4D97-AF65-F5344CB8AC3E}">
+        <p14:creationId xmlns:p14="http://schemas.microsoft.com/office/powerpoint/2010/main" val="1104332819"/>
+      </p:ext>
+    </p:extLst>
+  </p:cSld>
+  <p:clrMapOvr>
+    <a:masterClrMapping/>
+  </p:clrMapOvr>
+</p:sld>
+</file>
+
 <file path=ppt/slides/slide24.xml><?xml version="1.0" encoding="utf-8"?>
 <p:sld xmlns:a="http://schemas.openxmlformats.org/drawingml/2006/main" xmlns:r="http://schemas.openxmlformats.org/officeDocument/2006/relationships" xmlns:p="http://schemas.openxmlformats.org/presentationml/2006/main">
   <p:cSld>
@@ -11900,10 +11862,17 @@
           <a:bodyPr/>
           <a:lstStyle/>
           <a:p>
-            <a:pPr algn="ctr"/>
             <a:r>
               <a:rPr lang="en-US" dirty="0" smtClean="0"/>
-              <a:t>Backup slides</a:t>
+              <a:t>	</a:t>
+            </a:r>
+            <a:r>
+              <a:rPr lang="en-US" dirty="0" err="1" smtClean="0"/>
+              <a:t>Exokernel</a:t>
+            </a:r>
+            <a:r>
+              <a:rPr lang="en-US" dirty="0" smtClean="0"/>
+              <a:t>: Evaluation</a:t>
             </a:r>
             <a:endParaRPr lang="en-US" dirty="0"/>
           </a:p>
@@ -11911,20 +11880,253 @@
       </p:sp>
       <p:sp>
         <p:nvSpPr>
-          <p:cNvPr id="3" name="Text Placeholder 2"/>
-          <p:cNvSpPr>
-            <a:spLocks noGrp="1"/>
-          </p:cNvSpPr>
-          <p:nvPr>
-            <p:ph type="body" idx="1"/>
-          </p:nvPr>
-        </p:nvSpPr>
-        <p:spPr/>
-        <p:txBody>
-          <a:bodyPr/>
-          <a:lstStyle/>
-          <a:p>
-            <a:endParaRPr lang="en-US" dirty="0"/>
+          <p:cNvPr id="3" name="Content Placeholder 2"/>
+          <p:cNvSpPr>
+            <a:spLocks noGrp="1"/>
+          </p:cNvSpPr>
+          <p:nvPr>
+            <p:ph idx="1"/>
+          </p:nvPr>
+        </p:nvSpPr>
+        <p:spPr/>
+        <p:txBody>
+          <a:bodyPr/>
+          <a:lstStyle/>
+          <a:p>
+            <a:pPr marL="0" indent="0">
+              <a:buNone/>
+            </a:pPr>
+            <a:r>
+              <a:rPr lang="en-US" dirty="0" smtClean="0">
+                <a:solidFill>
+                  <a:schemeClr val="tx1"/>
+                </a:solidFill>
+              </a:rPr>
+              <a:t>Aegis &amp; </a:t>
+            </a:r>
+            <a:r>
+              <a:rPr lang="en-US" dirty="0" err="1" smtClean="0">
+                <a:solidFill>
+                  <a:schemeClr val="tx1"/>
+                </a:solidFill>
+              </a:rPr>
+              <a:t>ExOS</a:t>
+            </a:r>
+            <a:r>
+              <a:rPr lang="en-US" dirty="0" smtClean="0">
+                <a:solidFill>
+                  <a:schemeClr val="tx1"/>
+                </a:solidFill>
+              </a:rPr>
+              <a:t> vs. a Monolithic OS (Ultrix):</a:t>
+            </a:r>
+          </a:p>
+          <a:p>
+            <a:pPr lvl="1"/>
+            <a:endParaRPr lang="en-US" dirty="0" smtClean="0">
+              <a:solidFill>
+                <a:schemeClr val="tx1"/>
+              </a:solidFill>
+            </a:endParaRPr>
+          </a:p>
+          <a:p>
+            <a:pPr lvl="1"/>
+            <a:r>
+              <a:rPr lang="en-US" dirty="0" smtClean="0">
+                <a:solidFill>
+                  <a:schemeClr val="tx1"/>
+                </a:solidFill>
+              </a:rPr>
+              <a:t>Aegis </a:t>
+            </a:r>
+            <a:r>
+              <a:rPr lang="en-US" dirty="0" err="1" smtClean="0">
+                <a:solidFill>
+                  <a:schemeClr val="tx1"/>
+                </a:solidFill>
+              </a:rPr>
+              <a:t>syscalls</a:t>
+            </a:r>
+            <a:r>
+              <a:rPr lang="en-US" dirty="0" smtClean="0">
+                <a:solidFill>
+                  <a:schemeClr val="tx1"/>
+                </a:solidFill>
+              </a:rPr>
+              <a:t> are at least </a:t>
+            </a:r>
+            <a:r>
+              <a:rPr lang="en-US" b="1" dirty="0" smtClean="0">
+                <a:solidFill>
+                  <a:schemeClr val="accent2"/>
+                </a:solidFill>
+              </a:rPr>
+              <a:t>an order of magnitude faster</a:t>
+            </a:r>
+            <a:r>
+              <a:rPr lang="en-US" b="1" dirty="0" smtClean="0">
+                <a:solidFill>
+                  <a:schemeClr val="tx1"/>
+                </a:solidFill>
+              </a:rPr>
+              <a:t> </a:t>
+            </a:r>
+            <a:r>
+              <a:rPr lang="en-US" dirty="0" smtClean="0">
+                <a:solidFill>
+                  <a:schemeClr val="tx1"/>
+                </a:solidFill>
+              </a:rPr>
+              <a:t>than Ultrix’s.</a:t>
+            </a:r>
+          </a:p>
+          <a:p>
+            <a:pPr lvl="1"/>
+            <a:r>
+              <a:rPr lang="en-US" dirty="0" smtClean="0">
+                <a:solidFill>
+                  <a:schemeClr val="tx1"/>
+                </a:solidFill>
+              </a:rPr>
+              <a:t>Aegis exception dispatch is </a:t>
+            </a:r>
+            <a:r>
+              <a:rPr lang="en-US" b="1" dirty="0" smtClean="0">
+                <a:solidFill>
+                  <a:schemeClr val="accent2"/>
+                </a:solidFill>
+              </a:rPr>
+              <a:t>5X faster</a:t>
+            </a:r>
+            <a:r>
+              <a:rPr lang="en-US" b="1" dirty="0" smtClean="0">
+                <a:solidFill>
+                  <a:schemeClr val="tx1"/>
+                </a:solidFill>
+              </a:rPr>
+              <a:t> </a:t>
+            </a:r>
+            <a:r>
+              <a:rPr lang="en-US" dirty="0" smtClean="0">
+                <a:solidFill>
+                  <a:schemeClr val="tx1"/>
+                </a:solidFill>
+              </a:rPr>
+              <a:t>than state-of-the-art.</a:t>
+            </a:r>
+          </a:p>
+          <a:p>
+            <a:pPr lvl="1"/>
+            <a:r>
+              <a:rPr lang="en-US" dirty="0" smtClean="0">
+                <a:solidFill>
+                  <a:schemeClr val="tx1"/>
+                </a:solidFill>
+              </a:rPr>
+              <a:t>Aegis control transfer is </a:t>
+            </a:r>
+            <a:r>
+              <a:rPr lang="en-US" b="1" dirty="0" smtClean="0">
+                <a:solidFill>
+                  <a:schemeClr val="accent2"/>
+                </a:solidFill>
+              </a:rPr>
+              <a:t>6.6X faster</a:t>
+            </a:r>
+            <a:r>
+              <a:rPr lang="en-US" b="1" dirty="0" smtClean="0">
+                <a:solidFill>
+                  <a:schemeClr val="tx1"/>
+                </a:solidFill>
+              </a:rPr>
+              <a:t> </a:t>
+            </a:r>
+            <a:r>
+              <a:rPr lang="en-US" dirty="0" smtClean="0">
+                <a:solidFill>
+                  <a:schemeClr val="tx1"/>
+                </a:solidFill>
+              </a:rPr>
+              <a:t>than state-of-the-art.</a:t>
+            </a:r>
+          </a:p>
+          <a:p>
+            <a:pPr lvl="1"/>
+            <a:endParaRPr lang="en-US" dirty="0">
+              <a:solidFill>
+                <a:schemeClr val="tx1"/>
+              </a:solidFill>
+            </a:endParaRPr>
+          </a:p>
+          <a:p>
+            <a:pPr lvl="1"/>
+            <a:r>
+              <a:rPr lang="en-US" dirty="0" err="1" smtClean="0">
+                <a:solidFill>
+                  <a:schemeClr val="tx1"/>
+                </a:solidFill>
+              </a:rPr>
+              <a:t>ExOS</a:t>
+            </a:r>
+            <a:r>
+              <a:rPr lang="en-US" dirty="0" smtClean="0">
+                <a:solidFill>
+                  <a:schemeClr val="tx1"/>
+                </a:solidFill>
+              </a:rPr>
+              <a:t> pipe is </a:t>
+            </a:r>
+            <a:r>
+              <a:rPr lang="en-US" b="1" dirty="0" smtClean="0">
+                <a:solidFill>
+                  <a:schemeClr val="accent2"/>
+                </a:solidFill>
+              </a:rPr>
+              <a:t>10X faster</a:t>
+            </a:r>
+            <a:r>
+              <a:rPr lang="en-US" dirty="0" smtClean="0">
+                <a:solidFill>
+                  <a:schemeClr val="tx1"/>
+                </a:solidFill>
+              </a:rPr>
+              <a:t> than Ultrix.</a:t>
+            </a:r>
+          </a:p>
+          <a:p>
+            <a:pPr lvl="1"/>
+            <a:r>
+              <a:rPr lang="en-US" dirty="0" err="1" smtClean="0">
+                <a:solidFill>
+                  <a:schemeClr val="tx1"/>
+                </a:solidFill>
+              </a:rPr>
+              <a:t>ExOS</a:t>
+            </a:r>
+            <a:r>
+              <a:rPr lang="en-US" dirty="0" smtClean="0">
+                <a:solidFill>
+                  <a:schemeClr val="tx1"/>
+                </a:solidFill>
+              </a:rPr>
+              <a:t> LRPC </a:t>
+            </a:r>
+            <a:r>
+              <a:rPr lang="en-US" b="1" dirty="0" smtClean="0">
+                <a:solidFill>
+                  <a:schemeClr val="accent2"/>
+                </a:solidFill>
+              </a:rPr>
+              <a:t>40 to 60X faster</a:t>
+            </a:r>
+            <a:r>
+              <a:rPr lang="en-US" dirty="0" smtClean="0">
+                <a:solidFill>
+                  <a:schemeClr val="tx1"/>
+                </a:solidFill>
+              </a:rPr>
+              <a:t> than Ultrix.</a:t>
+            </a:r>
           </a:p>
         </p:txBody>
       </p:sp>
@@ -11944,17 +12146,25 @@
           <a:lstStyle/>
           <a:p>
             <a:fld id="{B46BA956-F633-F04E-BD9F-377F5F31FAB2}" type="slidenum">
-              <a:rPr lang="en-US" smtClean="0"/>
+              <a:rPr lang="en-US" smtClean="0">
+                <a:solidFill>
+                  <a:schemeClr val="tx1"/>
+                </a:solidFill>
+              </a:rPr>
               <a:t>24</a:t>
             </a:fld>
-            <a:endParaRPr lang="en-US"/>
+            <a:endParaRPr lang="en-US" dirty="0">
+              <a:solidFill>
+                <a:schemeClr val="tx1"/>
+              </a:solidFill>
+            </a:endParaRPr>
           </a:p>
         </p:txBody>
       </p:sp>
     </p:spTree>
     <p:extLst>
       <p:ext uri="{BB962C8B-B14F-4D97-AF65-F5344CB8AC3E}">
-        <p14:creationId xmlns:p14="http://schemas.microsoft.com/office/powerpoint/2010/main" val="1104332819"/>
+        <p14:creationId xmlns:p14="http://schemas.microsoft.com/office/powerpoint/2010/main" val="1093022526"/>
       </p:ext>
     </p:extLst>
   </p:cSld>
@@ -11998,11 +12208,7 @@
           <a:p>
             <a:r>
               <a:rPr lang="en-US" dirty="0" smtClean="0"/>
-              <a:t>	Haven: </a:t>
-            </a:r>
-            <a:r>
-              <a:rPr lang="en-US" dirty="0" smtClean="0"/>
-              <a:t>Performance details</a:t>
+              <a:t>	Haven: Performance details</a:t>
             </a:r>
             <a:endParaRPr lang="en-US" dirty="0"/>
           </a:p>
@@ -12026,9 +12232,8 @@
           <a:lstStyle/>
           <a:p>
             <a:pPr>
-              <a:buBlip>
-                <a:blip r:embed="rId3"/>
-              </a:buBlip>
+              <a:buFont typeface=".AppleSystemUIFont" charset="-120"/>
+              <a:buChar char="-"/>
             </a:pPr>
             <a:r>
               <a:rPr lang="en-US" dirty="0" smtClean="0">
@@ -12050,15 +12255,7 @@
                   <a:schemeClr val="tx1"/>
                 </a:solidFill>
               </a:rPr>
-              <a:t>Haven </a:t>
-            </a:r>
-            <a:r>
-              <a:rPr lang="en-US" dirty="0" smtClean="0">
-                <a:solidFill>
-                  <a:schemeClr val="tx1"/>
-                </a:solidFill>
-              </a:rPr>
-              <a:t>overheads.</a:t>
+              <a:t>Haven overheads.</a:t>
             </a:r>
           </a:p>
           <a:p>
@@ -12072,15 +12269,7 @@
                   <a:schemeClr val="tx1"/>
                 </a:solidFill>
               </a:rPr>
-              <a:t>Web server, 55% slowdown compared to native</a:t>
-            </a:r>
-            <a:r>
-              <a:rPr lang="en-US" dirty="0" smtClean="0">
-                <a:solidFill>
-                  <a:schemeClr val="tx1"/>
-                </a:solidFill>
-              </a:rPr>
-              <a:t>.</a:t>
+              <a:t>Web server, 55% slowdown compared to native.</a:t>
             </a:r>
           </a:p>
           <a:p>
@@ -12096,11 +12285,6 @@
               </a:rPr>
               <a:t>We server, 25% slowdown compared to VM.</a:t>
             </a:r>
-            <a:endParaRPr lang="en-US" dirty="0" smtClean="0">
-              <a:solidFill>
-                <a:schemeClr val="tx1"/>
-              </a:solidFill>
-            </a:endParaRPr>
           </a:p>
           <a:p>
             <a:pPr lvl="2">
@@ -12196,11 +12380,6 @@
               </a:rPr>
               <a:t>But miss-predicted impact of EPC.</a:t>
             </a:r>
-            <a:endParaRPr lang="en-US" dirty="0" smtClean="0">
-              <a:solidFill>
-                <a:schemeClr val="tx1"/>
-              </a:solidFill>
-            </a:endParaRPr>
           </a:p>
           <a:p>
             <a:pPr lvl="2">
@@ -14616,242 +14795,6 @@
       </p:grpSpPr>
       <p:sp>
         <p:nvSpPr>
-          <p:cNvPr id="2" name="Title 1"/>
-          <p:cNvSpPr>
-            <a:spLocks noGrp="1"/>
-          </p:cNvSpPr>
-          <p:nvPr>
-            <p:ph type="title"/>
-          </p:nvPr>
-        </p:nvSpPr>
-        <p:spPr/>
-        <p:txBody>
-          <a:bodyPr/>
-          <a:lstStyle/>
-          <a:p>
-            <a:r>
-              <a:rPr lang="en-US" dirty="0" smtClean="0"/>
-              <a:t>	</a:t>
-            </a:r>
-            <a:r>
-              <a:rPr lang="en-US" dirty="0" err="1" smtClean="0"/>
-              <a:t>Exokernel</a:t>
-            </a:r>
-            <a:r>
-              <a:rPr lang="en-US" dirty="0" smtClean="0"/>
-              <a:t>: Evaluation</a:t>
-            </a:r>
-            <a:endParaRPr lang="en-US" dirty="0"/>
-          </a:p>
-        </p:txBody>
-      </p:sp>
-      <p:sp>
-        <p:nvSpPr>
-          <p:cNvPr id="3" name="Content Placeholder 2"/>
-          <p:cNvSpPr>
-            <a:spLocks noGrp="1"/>
-          </p:cNvSpPr>
-          <p:nvPr>
-            <p:ph idx="1"/>
-          </p:nvPr>
-        </p:nvSpPr>
-        <p:spPr/>
-        <p:txBody>
-          <a:bodyPr/>
-          <a:lstStyle/>
-          <a:p>
-            <a:pPr marL="0" indent="0">
-              <a:buNone/>
-            </a:pPr>
-            <a:r>
-              <a:rPr lang="en-US" dirty="0" smtClean="0"/>
-              <a:t>Aegis &amp; </a:t>
-            </a:r>
-            <a:r>
-              <a:rPr lang="en-US" dirty="0" err="1" smtClean="0"/>
-              <a:t>ExOS</a:t>
-            </a:r>
-            <a:r>
-              <a:rPr lang="en-US" dirty="0" smtClean="0"/>
-              <a:t> vs. a Monolithic OS (Ultrix):</a:t>
-            </a:r>
-          </a:p>
-          <a:p>
-            <a:pPr lvl="1"/>
-            <a:endParaRPr lang="en-US" dirty="0" smtClean="0"/>
-          </a:p>
-          <a:p>
-            <a:pPr lvl="1"/>
-            <a:r>
-              <a:rPr lang="en-US" dirty="0" smtClean="0"/>
-              <a:t>Aegis </a:t>
-            </a:r>
-            <a:r>
-              <a:rPr lang="en-US" dirty="0" err="1" smtClean="0"/>
-              <a:t>syscalls</a:t>
-            </a:r>
-            <a:r>
-              <a:rPr lang="en-US" dirty="0" smtClean="0"/>
-              <a:t> are at least </a:t>
-            </a:r>
-            <a:r>
-              <a:rPr lang="en-US" b="1" dirty="0" smtClean="0">
-                <a:solidFill>
-                  <a:schemeClr val="accent2"/>
-                </a:solidFill>
-              </a:rPr>
-              <a:t>an order of magnitude faster </a:t>
-            </a:r>
-            <a:r>
-              <a:rPr lang="en-US" dirty="0" smtClean="0"/>
-              <a:t>than Ultrix’s.</a:t>
-            </a:r>
-          </a:p>
-          <a:p>
-            <a:pPr lvl="1"/>
-            <a:r>
-              <a:rPr lang="en-US" dirty="0" smtClean="0"/>
-              <a:t>Aegis exception dispatch is </a:t>
-            </a:r>
-            <a:r>
-              <a:rPr lang="en-US" b="1" dirty="0" smtClean="0">
-                <a:solidFill>
-                  <a:schemeClr val="accent2"/>
-                </a:solidFill>
-              </a:rPr>
-              <a:t>5X faster </a:t>
-            </a:r>
-            <a:r>
-              <a:rPr lang="en-US" dirty="0" smtClean="0"/>
-              <a:t>than state-of-the-art.</a:t>
-            </a:r>
-          </a:p>
-          <a:p>
-            <a:pPr lvl="1"/>
-            <a:r>
-              <a:rPr lang="en-US" dirty="0" smtClean="0"/>
-              <a:t>Aegis control transfer is </a:t>
-            </a:r>
-            <a:r>
-              <a:rPr lang="en-US" b="1" dirty="0" smtClean="0">
-                <a:solidFill>
-                  <a:schemeClr val="accent2"/>
-                </a:solidFill>
-              </a:rPr>
-              <a:t>6.6X faster </a:t>
-            </a:r>
-            <a:r>
-              <a:rPr lang="en-US" dirty="0" smtClean="0"/>
-              <a:t>than state-of-the-art.</a:t>
-            </a:r>
-          </a:p>
-          <a:p>
-            <a:pPr lvl="1"/>
-            <a:endParaRPr lang="en-US" dirty="0"/>
-          </a:p>
-          <a:p>
-            <a:pPr lvl="1"/>
-            <a:r>
-              <a:rPr lang="en-US" dirty="0" err="1" smtClean="0"/>
-              <a:t>ExOS</a:t>
-            </a:r>
-            <a:r>
-              <a:rPr lang="en-US" dirty="0" smtClean="0"/>
-              <a:t> pipe is </a:t>
-            </a:r>
-            <a:r>
-              <a:rPr lang="en-US" b="1" dirty="0" smtClean="0">
-                <a:solidFill>
-                  <a:schemeClr val="accent2"/>
-                </a:solidFill>
-              </a:rPr>
-              <a:t>10X faster</a:t>
-            </a:r>
-            <a:r>
-              <a:rPr lang="en-US" dirty="0" smtClean="0"/>
-              <a:t> than Ultrix.</a:t>
-            </a:r>
-          </a:p>
-          <a:p>
-            <a:pPr lvl="1"/>
-            <a:r>
-              <a:rPr lang="en-US" dirty="0" err="1" smtClean="0"/>
-              <a:t>ExOS</a:t>
-            </a:r>
-            <a:r>
-              <a:rPr lang="en-US" dirty="0" smtClean="0"/>
-              <a:t> LRPC </a:t>
-            </a:r>
-            <a:r>
-              <a:rPr lang="en-US" b="1" dirty="0" smtClean="0">
-                <a:solidFill>
-                  <a:schemeClr val="accent2"/>
-                </a:solidFill>
-              </a:rPr>
-              <a:t>40 to 60X faster</a:t>
-            </a:r>
-            <a:r>
-              <a:rPr lang="en-US" dirty="0" smtClean="0"/>
-              <a:t> than Ultrix.</a:t>
-            </a:r>
-          </a:p>
-        </p:txBody>
-      </p:sp>
-      <p:sp>
-        <p:nvSpPr>
-          <p:cNvPr id="4" name="Slide Number Placeholder 3"/>
-          <p:cNvSpPr>
-            <a:spLocks noGrp="1"/>
-          </p:cNvSpPr>
-          <p:nvPr>
-            <p:ph type="sldNum" sz="quarter" idx="12"/>
-          </p:nvPr>
-        </p:nvSpPr>
-        <p:spPr/>
-        <p:txBody>
-          <a:bodyPr/>
-          <a:lstStyle/>
-          <a:p>
-            <a:fld id="{B46BA956-F633-F04E-BD9F-377F5F31FAB2}" type="slidenum">
-              <a:rPr lang="en-US" smtClean="0"/>
-              <a:t>8</a:t>
-            </a:fld>
-            <a:endParaRPr lang="en-US"/>
-          </a:p>
-        </p:txBody>
-      </p:sp>
-    </p:spTree>
-    <p:extLst>
-      <p:ext uri="{BB962C8B-B14F-4D97-AF65-F5344CB8AC3E}">
-        <p14:creationId xmlns:p14="http://schemas.microsoft.com/office/powerpoint/2010/main" val="1093022526"/>
-      </p:ext>
-    </p:extLst>
-  </p:cSld>
-  <p:clrMapOvr>
-    <a:masterClrMapping/>
-  </p:clrMapOvr>
-</p:sld>
-</file>
-
-<file path=ppt/slides/slide9.xml><?xml version="1.0" encoding="utf-8"?>
-<p:sld xmlns:a="http://schemas.openxmlformats.org/drawingml/2006/main" xmlns:r="http://schemas.openxmlformats.org/officeDocument/2006/relationships" xmlns:p="http://schemas.openxmlformats.org/presentationml/2006/main">
-  <p:cSld>
-    <p:spTree>
-      <p:nvGrpSpPr>
-        <p:cNvPr id="1" name=""/>
-        <p:cNvGrpSpPr/>
-        <p:nvPr/>
-      </p:nvGrpSpPr>
-      <p:grpSpPr>
-        <a:xfrm>
-          <a:off x="0" y="0"/>
-          <a:ext cx="0" cy="0"/>
-          <a:chOff x="0" y="0"/>
-          <a:chExt cx="0" cy="0"/>
-        </a:xfrm>
-      </p:grpSpPr>
-      <p:sp>
-        <p:nvSpPr>
           <p:cNvPr id="3" name="Slide Number Placeholder 2"/>
           <p:cNvSpPr>
             <a:spLocks noGrp="1"/>
@@ -14871,7 +14814,7 @@
                   <a:schemeClr val="tx1"/>
                 </a:solidFill>
               </a:rPr>
-              <a:t>9</a:t>
+              <a:t>8</a:t>
             </a:fld>
             <a:endParaRPr lang="en-US" dirty="0">
               <a:solidFill>
@@ -14915,6 +14858,262 @@
     <p:extLst>
       <p:ext uri="{BB962C8B-B14F-4D97-AF65-F5344CB8AC3E}">
         <p14:creationId xmlns:p14="http://schemas.microsoft.com/office/powerpoint/2010/main" val="40102426"/>
+      </p:ext>
+    </p:extLst>
+  </p:cSld>
+  <p:clrMapOvr>
+    <a:masterClrMapping/>
+  </p:clrMapOvr>
+  <p:timing>
+    <p:tnLst>
+      <p:par>
+        <p:cTn id="1" dur="indefinite" restart="never" nodeType="tmRoot"/>
+      </p:par>
+    </p:tnLst>
+  </p:timing>
+</p:sld>
+</file>
+
+<file path=ppt/slides/slide9.xml><?xml version="1.0" encoding="utf-8"?>
+<p:sld xmlns:a="http://schemas.openxmlformats.org/drawingml/2006/main" xmlns:r="http://schemas.openxmlformats.org/officeDocument/2006/relationships" xmlns:p="http://schemas.openxmlformats.org/presentationml/2006/main">
+  <p:cSld>
+    <p:spTree>
+      <p:nvGrpSpPr>
+        <p:cNvPr id="1" name=""/>
+        <p:cNvGrpSpPr/>
+        <p:nvPr/>
+      </p:nvGrpSpPr>
+      <p:grpSpPr>
+        <a:xfrm>
+          <a:off x="0" y="0"/>
+          <a:ext cx="0" cy="0"/>
+          <a:chOff x="0" y="0"/>
+          <a:chExt cx="0" cy="0"/>
+        </a:xfrm>
+      </p:grpSpPr>
+      <p:sp>
+        <p:nvSpPr>
+          <p:cNvPr id="2" name="Title 1"/>
+          <p:cNvSpPr>
+            <a:spLocks noGrp="1"/>
+          </p:cNvSpPr>
+          <p:nvPr>
+            <p:ph type="title"/>
+          </p:nvPr>
+        </p:nvSpPr>
+        <p:spPr/>
+        <p:txBody>
+          <a:bodyPr/>
+          <a:lstStyle/>
+          <a:p>
+            <a:pPr algn="ctr"/>
+            <a:r>
+              <a:rPr lang="en-US" dirty="0" err="1" smtClean="0"/>
+              <a:t>Unikernels</a:t>
+            </a:r>
+            <a:endParaRPr lang="en-US" dirty="0"/>
+          </a:p>
+        </p:txBody>
+      </p:sp>
+      <p:sp>
+        <p:nvSpPr>
+          <p:cNvPr id="3" name="Text Placeholder 2"/>
+          <p:cNvSpPr>
+            <a:spLocks noGrp="1"/>
+          </p:cNvSpPr>
+          <p:nvPr>
+            <p:ph type="body" idx="1"/>
+          </p:nvPr>
+        </p:nvSpPr>
+        <p:spPr/>
+        <p:txBody>
+          <a:bodyPr>
+            <a:normAutofit/>
+          </a:bodyPr>
+          <a:lstStyle/>
+          <a:p>
+            <a:pPr algn="ctr"/>
+            <a:r>
+              <a:rPr lang="en-US" sz="1600" dirty="0" smtClean="0">
+                <a:solidFill>
+                  <a:schemeClr val="tx1"/>
+                </a:solidFill>
+              </a:rPr>
+              <a:t>Anil </a:t>
+            </a:r>
+            <a:r>
+              <a:rPr lang="en-US" sz="1600" dirty="0" err="1">
+                <a:solidFill>
+                  <a:schemeClr val="tx1"/>
+                </a:solidFill>
+              </a:rPr>
+              <a:t>Madhavapeddy</a:t>
+            </a:r>
+            <a:r>
+              <a:rPr lang="en-US" sz="1600" dirty="0">
+                <a:solidFill>
+                  <a:schemeClr val="tx1"/>
+                </a:solidFill>
+              </a:rPr>
+              <a:t>, Richard </a:t>
+            </a:r>
+            <a:r>
+              <a:rPr lang="en-US" sz="1600" dirty="0" err="1" smtClean="0">
+                <a:solidFill>
+                  <a:schemeClr val="tx1"/>
+                </a:solidFill>
+              </a:rPr>
+              <a:t>Mortier</a:t>
+            </a:r>
+            <a:r>
+              <a:rPr lang="en-US" sz="1600" dirty="0" smtClean="0">
+                <a:solidFill>
+                  <a:schemeClr val="tx1"/>
+                </a:solidFill>
+              </a:rPr>
+              <a:t>, </a:t>
+            </a:r>
+            <a:r>
+              <a:rPr lang="en-US" sz="1600" dirty="0" err="1">
+                <a:solidFill>
+                  <a:schemeClr val="tx1"/>
+                </a:solidFill>
+              </a:rPr>
+              <a:t>Charalampos</a:t>
+            </a:r>
+            <a:r>
+              <a:rPr lang="en-US" sz="1600" dirty="0">
+                <a:solidFill>
+                  <a:schemeClr val="tx1"/>
+                </a:solidFill>
+              </a:rPr>
+              <a:t> </a:t>
+            </a:r>
+            <a:r>
+              <a:rPr lang="en-US" sz="1600" dirty="0" err="1">
+                <a:solidFill>
+                  <a:schemeClr val="tx1"/>
+                </a:solidFill>
+              </a:rPr>
+              <a:t>Rotsos</a:t>
+            </a:r>
+            <a:r>
+              <a:rPr lang="en-US" sz="1600" dirty="0">
+                <a:solidFill>
+                  <a:schemeClr val="tx1"/>
+                </a:solidFill>
+              </a:rPr>
+              <a:t>, David </a:t>
+            </a:r>
+            <a:r>
+              <a:rPr lang="en-US" sz="1600" dirty="0" smtClean="0">
+                <a:solidFill>
+                  <a:schemeClr val="tx1"/>
+                </a:solidFill>
+              </a:rPr>
+              <a:t>Scott, </a:t>
+            </a:r>
+            <a:r>
+              <a:rPr lang="en-US" sz="1600" dirty="0" err="1">
+                <a:solidFill>
+                  <a:schemeClr val="tx1"/>
+                </a:solidFill>
+              </a:rPr>
+              <a:t>Balraj</a:t>
+            </a:r>
+            <a:r>
+              <a:rPr lang="en-US" sz="1600" dirty="0">
+                <a:solidFill>
+                  <a:schemeClr val="tx1"/>
+                </a:solidFill>
+              </a:rPr>
+              <a:t> Singh, Thomas </a:t>
+            </a:r>
+            <a:r>
+              <a:rPr lang="en-US" sz="1600" dirty="0" err="1" smtClean="0">
+                <a:solidFill>
+                  <a:schemeClr val="tx1"/>
+                </a:solidFill>
+              </a:rPr>
+              <a:t>Gazagnaire</a:t>
+            </a:r>
+            <a:r>
+              <a:rPr lang="en-US" sz="1600" dirty="0" smtClean="0">
+                <a:solidFill>
+                  <a:schemeClr val="tx1"/>
+                </a:solidFill>
+              </a:rPr>
+              <a:t>, </a:t>
+            </a:r>
+            <a:r>
+              <a:rPr lang="en-US" sz="1600" dirty="0">
+                <a:solidFill>
+                  <a:schemeClr val="tx1"/>
+                </a:solidFill>
+              </a:rPr>
+              <a:t>Steven Smith, Steven Hand and Jon Crowcroft </a:t>
+            </a:r>
+            <a:endParaRPr lang="en-US" sz="1600" dirty="0" smtClean="0">
+              <a:solidFill>
+                <a:schemeClr val="tx1"/>
+              </a:solidFill>
+            </a:endParaRPr>
+          </a:p>
+          <a:p>
+            <a:pPr algn="ctr"/>
+            <a:r>
+              <a:rPr lang="en-US" sz="1600" dirty="0" smtClean="0">
+                <a:solidFill>
+                  <a:schemeClr val="tx1"/>
+                </a:solidFill>
+              </a:rPr>
+              <a:t>ASPLOS’13</a:t>
+            </a:r>
+          </a:p>
+          <a:p>
+            <a:endParaRPr lang="en-US" sz="1600" dirty="0">
+              <a:solidFill>
+                <a:schemeClr val="tx1"/>
+              </a:solidFill>
+            </a:endParaRPr>
+          </a:p>
+        </p:txBody>
+      </p:sp>
+      <p:sp>
+        <p:nvSpPr>
+          <p:cNvPr id="4" name="Slide Number Placeholder 3"/>
+          <p:cNvSpPr>
+            <a:spLocks noGrp="1"/>
+          </p:cNvSpPr>
+          <p:nvPr>
+            <p:ph type="sldNum" sz="quarter" idx="12"/>
+          </p:nvPr>
+        </p:nvSpPr>
+        <p:spPr/>
+        <p:txBody>
+          <a:bodyPr/>
+          <a:lstStyle/>
+          <a:p>
+            <a:fld id="{B46BA956-F633-F04E-BD9F-377F5F31FAB2}" type="slidenum">
+              <a:rPr lang="en-US" smtClean="0">
+                <a:solidFill>
+                  <a:schemeClr val="tx1"/>
+                </a:solidFill>
+              </a:rPr>
+              <a:t>9</a:t>
+            </a:fld>
+            <a:endParaRPr lang="en-US" dirty="0">
+              <a:solidFill>
+                <a:schemeClr val="tx1"/>
+              </a:solidFill>
+            </a:endParaRPr>
+          </a:p>
+        </p:txBody>
+      </p:sp>
+    </p:spTree>
+    <p:extLst>
+      <p:ext uri="{BB962C8B-B14F-4D97-AF65-F5344CB8AC3E}">
+        <p14:creationId xmlns:p14="http://schemas.microsoft.com/office/powerpoint/2010/main" val="266110107"/>
       </p:ext>
     </p:extLst>
   </p:cSld>

--- a/CE_presentation.pptx
+++ b/CE_presentation.pptx
@@ -3435,11 +3435,7 @@
             </a:r>
             <a:r>
               <a:rPr lang="en-US" baseline="0" dirty="0" smtClean="0"/>
-              <a:t>performance might be impacted by this </a:t>
-            </a:r>
-            <a:r>
-              <a:rPr lang="en-US" baseline="0" smtClean="0"/>
-              <a:t>policy choice. </a:t>
+              <a:t>performance might be impacted by this policy choice. </a:t>
             </a:r>
             <a:endParaRPr lang="en-US" baseline="0" dirty="0" smtClean="0"/>
           </a:p>
@@ -7457,7 +7453,7 @@
       </p:pic>
       <p:pic>
         <p:nvPicPr>
-          <p:cNvPr id="4" name="Picture 3"/>
+          <p:cNvPr id="5" name="Picture 4"/>
           <p:cNvPicPr>
             <a:picLocks noChangeAspect="1"/>
           </p:cNvPicPr>
@@ -7477,8 +7473,8 @@
         </p:blipFill>
         <p:spPr>
           <a:xfrm>
-            <a:off x="6282003" y="3515836"/>
-            <a:ext cx="3239731" cy="2606746"/>
+            <a:off x="6321861" y="3439655"/>
+            <a:ext cx="3160016" cy="2682927"/>
           </a:xfrm>
           <a:prstGeom prst="rect">
             <a:avLst/>

--- a/CE_presentation.pptx
+++ b/CE_presentation.pptx
@@ -2864,21 +2864,13 @@
           <a:p>
             <a:r>
               <a:rPr lang="en-US" baseline="0" dirty="0" smtClean="0"/>
-              <a:t>While attractive, such services raise important challenges</a:t>
-            </a:r>
+              <a:t>While attractive, such services raise important challenges.</a:t>
+            </a:r>
+          </a:p>
+          <a:p>
             <a:r>
               <a:rPr lang="en-US" baseline="0" dirty="0" smtClean="0"/>
-              <a:t>.</a:t>
-            </a:r>
-          </a:p>
-          <a:p>
-            <a:r>
-              <a:rPr lang="en-US" baseline="0" dirty="0" smtClean="0"/>
-              <a:t>Resources </a:t>
-            </a:r>
-            <a:r>
-              <a:rPr lang="en-US" baseline="0" dirty="0" smtClean="0"/>
-              <a:t>are rented. As a tenant, you therefore want to optimize your expenses.</a:t>
+              <a:t>Resources are rented. As a tenant, you therefore want to optimize your expenses.</a:t>
             </a:r>
           </a:p>
           <a:p>
@@ -2890,32 +2882,16 @@
           <a:p>
             <a:r>
               <a:rPr lang="en-US" baseline="0" dirty="0" smtClean="0"/>
-              <a:t>Second, </a:t>
-            </a:r>
+              <a:t>Second, we do not want the deployment environment to impede the application’s performance.</a:t>
+            </a:r>
+          </a:p>
+          <a:p>
+            <a:endParaRPr lang="en-US" baseline="0" dirty="0" smtClean="0"/>
+          </a:p>
+          <a:p>
             <a:r>
               <a:rPr lang="en-US" baseline="0" dirty="0" smtClean="0"/>
-              <a:t>we do not want the </a:t>
-            </a:r>
-            <a:r>
-              <a:rPr lang="en-US" baseline="0" dirty="0" smtClean="0"/>
-              <a:t>deployment environment to </a:t>
-            </a:r>
-            <a:r>
-              <a:rPr lang="en-US" baseline="0" dirty="0" smtClean="0"/>
-              <a:t>impede the application’s performance.</a:t>
-            </a:r>
-          </a:p>
-          <a:p>
-            <a:endParaRPr lang="en-US" baseline="0" dirty="0" smtClean="0"/>
-          </a:p>
-          <a:p>
-            <a:r>
-              <a:rPr lang="en-US" baseline="0" dirty="0" smtClean="0"/>
-              <a:t>Third, </a:t>
-            </a:r>
-            <a:r>
-              <a:rPr lang="en-US" baseline="0" dirty="0" smtClean="0"/>
-              <a:t>tenants have to think about security when deploying their applications on cloud services.</a:t>
+              <a:t>Third, tenants have to think about security when deploying their applications on cloud services.</a:t>
             </a:r>
           </a:p>
           <a:p>
@@ -3402,22 +3378,13 @@
           <a:p>
             <a:r>
               <a:rPr lang="en-US" baseline="0" dirty="0" smtClean="0"/>
-              <a:t>They both run on top of a monolithic OS, that fixes the implementation of OS </a:t>
-            </a:r>
+              <a:t>They both run on top of a monolithic OS, that fixes the implementation of OS abstractions, and more specifically the virtual memory abstraction.</a:t>
+            </a:r>
+          </a:p>
+          <a:p>
             <a:r>
               <a:rPr lang="en-US" baseline="0" dirty="0" smtClean="0"/>
-              <a:t>abstractions, and more specifically the virtual memory abstraction.</a:t>
-            </a:r>
-            <a:endParaRPr lang="en-US" baseline="0" dirty="0" smtClean="0"/>
-          </a:p>
-          <a:p>
-            <a:r>
-              <a:rPr lang="en-US" baseline="0" dirty="0" smtClean="0"/>
-              <a:t>The OS implements a LRU paging policy that cannot be modified by any of the applications</a:t>
-            </a:r>
-            <a:r>
-              <a:rPr lang="en-US" baseline="0" dirty="0" smtClean="0"/>
-              <a:t>.</a:t>
+              <a:t>The OS implements a LRU paging policy that cannot be modified by any of the applications.</a:t>
             </a:r>
           </a:p>
           <a:p>
@@ -3427,17 +3394,8 @@
             </a:r>
             <a:r>
               <a:rPr lang="en-US" baseline="0" dirty="0" smtClean="0"/>
-              <a:t> at the time was a real concern, and it is not a problem for the Hello World program , </a:t>
-            </a:r>
-            <a:r>
-              <a:rPr lang="en-US" baseline="0" dirty="0" smtClean="0"/>
-              <a:t>the GC </a:t>
-            </a:r>
-            <a:r>
-              <a:rPr lang="en-US" baseline="0" dirty="0" smtClean="0"/>
-              <a:t>performance might be impacted by this policy choice. </a:t>
-            </a:r>
-            <a:endParaRPr lang="en-US" baseline="0" dirty="0" smtClean="0"/>
+              <a:t> at the time was a real concern, and it is not a problem for the Hello World program , the GC performance might be impacted by this policy choice. </a:t>
+            </a:r>
           </a:p>
           <a:p>
             <a:r>
@@ -3592,19 +3550,11 @@
             </a:r>
             <a:r>
               <a:rPr lang="en-US" dirty="0" smtClean="0"/>
-              <a:t> adopts a radical </a:t>
-            </a:r>
-            <a:r>
-              <a:rPr lang="en-US" dirty="0" smtClean="0"/>
-              <a:t>approach, that proved to be efficient but </a:t>
+              <a:t> adopts a radical approach, that proved to be efficient but </a:t>
             </a:r>
             <a:r>
               <a:rPr lang="en-US" baseline="0" dirty="0" smtClean="0"/>
-              <a:t>is </a:t>
-            </a:r>
-            <a:r>
-              <a:rPr lang="en-US" baseline="0" dirty="0" smtClean="0"/>
-              <a:t>actually hard to implement in the way described by the authors.</a:t>
+              <a:t>is actually hard to implement in the way described by the authors.</a:t>
             </a:r>
           </a:p>
           <a:p>
@@ -7494,7 +7444,75 @@
   <p:timing>
     <p:tnLst>
       <p:par>
-        <p:cTn id="1" dur="indefinite" restart="never" nodeType="tmRoot"/>
+        <p:cTn id="1" dur="indefinite" restart="never" nodeType="tmRoot">
+          <p:childTnLst>
+            <p:seq concurrent="1" nextAc="seek">
+              <p:cTn id="2" dur="indefinite" nodeType="mainSeq">
+                <p:childTnLst>
+                  <p:par>
+                    <p:cTn id="3" fill="hold">
+                      <p:stCondLst>
+                        <p:cond delay="indefinite"/>
+                      </p:stCondLst>
+                      <p:childTnLst>
+                        <p:par>
+                          <p:cTn id="4" fill="hold">
+                            <p:stCondLst>
+                              <p:cond delay="0"/>
+                            </p:stCondLst>
+                            <p:childTnLst>
+                              <p:par>
+                                <p:cTn id="5" presetID="1" presetClass="entr" presetSubtype="0" fill="hold" nodeType="clickEffect">
+                                  <p:stCondLst>
+                                    <p:cond delay="0"/>
+                                  </p:stCondLst>
+                                  <p:childTnLst>
+                                    <p:set>
+                                      <p:cBhvr>
+                                        <p:cTn id="6" dur="1" fill="hold">
+                                          <p:stCondLst>
+                                            <p:cond delay="0"/>
+                                          </p:stCondLst>
+                                        </p:cTn>
+                                        <p:tgtEl>
+                                          <p:spTgt spid="5"/>
+                                        </p:tgtEl>
+                                        <p:attrNameLst>
+                                          <p:attrName>style.visibility</p:attrName>
+                                        </p:attrNameLst>
+                                      </p:cBhvr>
+                                      <p:to>
+                                        <p:strVal val="visible"/>
+                                      </p:to>
+                                    </p:set>
+                                  </p:childTnLst>
+                                </p:cTn>
+                              </p:par>
+                            </p:childTnLst>
+                          </p:cTn>
+                        </p:par>
+                      </p:childTnLst>
+                    </p:cTn>
+                  </p:par>
+                </p:childTnLst>
+              </p:cTn>
+              <p:prevCondLst>
+                <p:cond evt="onPrev" delay="0">
+                  <p:tgtEl>
+                    <p:sldTgt/>
+                  </p:tgtEl>
+                </p:cond>
+              </p:prevCondLst>
+              <p:nextCondLst>
+                <p:cond evt="onNext" delay="0">
+                  <p:tgtEl>
+                    <p:sldTgt/>
+                  </p:tgtEl>
+                </p:cond>
+              </p:nextCondLst>
+            </p:seq>
+          </p:childTnLst>
+        </p:cTn>
       </p:par>
     </p:tnLst>
   </p:timing>
@@ -9420,9 +9438,69 @@
           </a:prstGeom>
         </p:spPr>
       </p:pic>
+      <p:sp>
+        <p:nvSpPr>
+          <p:cNvPr id="8" name="TextBox 7"/>
+          <p:cNvSpPr txBox="1"/>
+          <p:nvPr/>
+        </p:nvSpPr>
+        <p:spPr>
+          <a:xfrm>
+            <a:off x="2564894" y="6011196"/>
+            <a:ext cx="1496564" cy="523220"/>
+          </a:xfrm>
+          <a:prstGeom prst="rect">
+            <a:avLst/>
+          </a:prstGeom>
+          <a:noFill/>
+        </p:spPr>
+        <p:txBody>
+          <a:bodyPr wrap="none" rtlCol="0">
+            <a:spAutoFit/>
+          </a:bodyPr>
+          <a:lstStyle/>
+          <a:p>
+            <a:r>
+              <a:rPr lang="en-US" sz="2800" dirty="0" smtClean="0"/>
+              <a:t>Standard</a:t>
+            </a:r>
+            <a:endParaRPr lang="en-US" sz="2800" dirty="0"/>
+          </a:p>
+        </p:txBody>
+      </p:sp>
+      <p:sp>
+        <p:nvSpPr>
+          <p:cNvPr id="9" name="TextBox 8"/>
+          <p:cNvSpPr txBox="1"/>
+          <p:nvPr/>
+        </p:nvSpPr>
+        <p:spPr>
+          <a:xfrm>
+            <a:off x="8060289" y="6011196"/>
+            <a:ext cx="1100622" cy="523220"/>
+          </a:xfrm>
+          <a:prstGeom prst="rect">
+            <a:avLst/>
+          </a:prstGeom>
+          <a:noFill/>
+        </p:spPr>
+        <p:txBody>
+          <a:bodyPr wrap="none" rtlCol="0">
+            <a:spAutoFit/>
+          </a:bodyPr>
+          <a:lstStyle/>
+          <a:p>
+            <a:r>
+              <a:rPr lang="en-US" sz="2800" smtClean="0"/>
+              <a:t>Haven</a:t>
+            </a:r>
+            <a:endParaRPr lang="en-US" sz="2800" dirty="0"/>
+          </a:p>
+        </p:txBody>
+      </p:sp>
       <p:pic>
         <p:nvPicPr>
-          <p:cNvPr id="7" name="Picture 6"/>
+          <p:cNvPr id="10" name="Picture 9"/>
           <p:cNvPicPr>
             <a:picLocks noChangeAspect="1"/>
           </p:cNvPicPr>
@@ -9442,74 +9520,14 @@
         </p:blipFill>
         <p:spPr>
           <a:xfrm>
-            <a:off x="7086600" y="1171210"/>
-            <a:ext cx="3048000" cy="4839986"/>
+            <a:off x="7070231" y="1120985"/>
+            <a:ext cx="3080737" cy="4891970"/>
           </a:xfrm>
           <a:prstGeom prst="rect">
             <a:avLst/>
           </a:prstGeom>
         </p:spPr>
       </p:pic>
-      <p:sp>
-        <p:nvSpPr>
-          <p:cNvPr id="8" name="TextBox 7"/>
-          <p:cNvSpPr txBox="1"/>
-          <p:nvPr/>
-        </p:nvSpPr>
-        <p:spPr>
-          <a:xfrm>
-            <a:off x="2564894" y="6011196"/>
-            <a:ext cx="1496564" cy="523220"/>
-          </a:xfrm>
-          <a:prstGeom prst="rect">
-            <a:avLst/>
-          </a:prstGeom>
-          <a:noFill/>
-        </p:spPr>
-        <p:txBody>
-          <a:bodyPr wrap="none" rtlCol="0">
-            <a:spAutoFit/>
-          </a:bodyPr>
-          <a:lstStyle/>
-          <a:p>
-            <a:r>
-              <a:rPr lang="en-US" sz="2800" dirty="0" smtClean="0"/>
-              <a:t>Standard</a:t>
-            </a:r>
-            <a:endParaRPr lang="en-US" sz="2800" dirty="0"/>
-          </a:p>
-        </p:txBody>
-      </p:sp>
-      <p:sp>
-        <p:nvSpPr>
-          <p:cNvPr id="9" name="TextBox 8"/>
-          <p:cNvSpPr txBox="1"/>
-          <p:nvPr/>
-        </p:nvSpPr>
-        <p:spPr>
-          <a:xfrm>
-            <a:off x="8060289" y="6011196"/>
-            <a:ext cx="1100622" cy="523220"/>
-          </a:xfrm>
-          <a:prstGeom prst="rect">
-            <a:avLst/>
-          </a:prstGeom>
-          <a:noFill/>
-        </p:spPr>
-        <p:txBody>
-          <a:bodyPr wrap="none" rtlCol="0">
-            <a:spAutoFit/>
-          </a:bodyPr>
-          <a:lstStyle/>
-          <a:p>
-            <a:r>
-              <a:rPr lang="en-US" sz="2800" smtClean="0"/>
-              <a:t>Haven</a:t>
-            </a:r>
-            <a:endParaRPr lang="en-US" sz="2800" dirty="0"/>
-          </a:p>
-        </p:txBody>
-      </p:sp>
     </p:spTree>
     <p:extLst>
       <p:ext uri="{BB962C8B-B14F-4D97-AF65-F5344CB8AC3E}">
@@ -9523,7 +9541,75 @@
   <p:timing>
     <p:tnLst>
       <p:par>
-        <p:cTn id="1" dur="indefinite" restart="never" nodeType="tmRoot"/>
+        <p:cTn id="1" dur="indefinite" restart="never" nodeType="tmRoot">
+          <p:childTnLst>
+            <p:seq concurrent="1" nextAc="seek">
+              <p:cTn id="2" dur="indefinite" nodeType="mainSeq">
+                <p:childTnLst>
+                  <p:par>
+                    <p:cTn id="3" fill="hold">
+                      <p:stCondLst>
+                        <p:cond delay="indefinite"/>
+                      </p:stCondLst>
+                      <p:childTnLst>
+                        <p:par>
+                          <p:cTn id="4" fill="hold">
+                            <p:stCondLst>
+                              <p:cond delay="0"/>
+                            </p:stCondLst>
+                            <p:childTnLst>
+                              <p:par>
+                                <p:cTn id="5" presetID="1" presetClass="entr" presetSubtype="0" fill="hold" nodeType="clickEffect">
+                                  <p:stCondLst>
+                                    <p:cond delay="0"/>
+                                  </p:stCondLst>
+                                  <p:childTnLst>
+                                    <p:set>
+                                      <p:cBhvr>
+                                        <p:cTn id="6" dur="1" fill="hold">
+                                          <p:stCondLst>
+                                            <p:cond delay="0"/>
+                                          </p:stCondLst>
+                                        </p:cTn>
+                                        <p:tgtEl>
+                                          <p:spTgt spid="10"/>
+                                        </p:tgtEl>
+                                        <p:attrNameLst>
+                                          <p:attrName>style.visibility</p:attrName>
+                                        </p:attrNameLst>
+                                      </p:cBhvr>
+                                      <p:to>
+                                        <p:strVal val="visible"/>
+                                      </p:to>
+                                    </p:set>
+                                  </p:childTnLst>
+                                </p:cTn>
+                              </p:par>
+                            </p:childTnLst>
+                          </p:cTn>
+                        </p:par>
+                      </p:childTnLst>
+                    </p:cTn>
+                  </p:par>
+                </p:childTnLst>
+              </p:cTn>
+              <p:prevCondLst>
+                <p:cond evt="onPrev" delay="0">
+                  <p:tgtEl>
+                    <p:sldTgt/>
+                  </p:tgtEl>
+                </p:cond>
+              </p:prevCondLst>
+              <p:nextCondLst>
+                <p:cond evt="onNext" delay="0">
+                  <p:tgtEl>
+                    <p:sldTgt/>
+                  </p:tgtEl>
+                </p:cond>
+              </p:nextCondLst>
+            </p:seq>
+          </p:childTnLst>
+        </p:cTn>
       </p:par>
     </p:tnLst>
   </p:timing>
@@ -11823,6 +11909,13 @@
   <p:clrMapOvr>
     <a:masterClrMapping/>
   </p:clrMapOvr>
+  <p:timing>
+    <p:tnLst>
+      <p:par>
+        <p:cTn id="1" dur="indefinite" restart="never" nodeType="tmRoot"/>
+      </p:par>
+    </p:tnLst>
+  </p:timing>
 </p:sld>
 </file>
 
@@ -14765,7 +14858,75 @@
   <p:timing>
     <p:tnLst>
       <p:par>
-        <p:cTn id="1" dur="indefinite" restart="never" nodeType="tmRoot"/>
+        <p:cTn id="1" dur="indefinite" restart="never" nodeType="tmRoot">
+          <p:childTnLst>
+            <p:seq concurrent="1" nextAc="seek">
+              <p:cTn id="2" dur="indefinite" nodeType="mainSeq">
+                <p:childTnLst>
+                  <p:par>
+                    <p:cTn id="3" fill="hold">
+                      <p:stCondLst>
+                        <p:cond delay="indefinite"/>
+                      </p:stCondLst>
+                      <p:childTnLst>
+                        <p:par>
+                          <p:cTn id="4" fill="hold">
+                            <p:stCondLst>
+                              <p:cond delay="0"/>
+                            </p:stCondLst>
+                            <p:childTnLst>
+                              <p:par>
+                                <p:cTn id="5" presetID="1" presetClass="entr" presetSubtype="0" fill="hold" nodeType="clickEffect">
+                                  <p:stCondLst>
+                                    <p:cond delay="0"/>
+                                  </p:stCondLst>
+                                  <p:childTnLst>
+                                    <p:set>
+                                      <p:cBhvr>
+                                        <p:cTn id="6" dur="1" fill="hold">
+                                          <p:stCondLst>
+                                            <p:cond delay="0"/>
+                                          </p:stCondLst>
+                                        </p:cTn>
+                                        <p:tgtEl>
+                                          <p:spTgt spid="8"/>
+                                        </p:tgtEl>
+                                        <p:attrNameLst>
+                                          <p:attrName>style.visibility</p:attrName>
+                                        </p:attrNameLst>
+                                      </p:cBhvr>
+                                      <p:to>
+                                        <p:strVal val="visible"/>
+                                      </p:to>
+                                    </p:set>
+                                  </p:childTnLst>
+                                </p:cTn>
+                              </p:par>
+                            </p:childTnLst>
+                          </p:cTn>
+                        </p:par>
+                      </p:childTnLst>
+                    </p:cTn>
+                  </p:par>
+                </p:childTnLst>
+              </p:cTn>
+              <p:prevCondLst>
+                <p:cond evt="onPrev" delay="0">
+                  <p:tgtEl>
+                    <p:sldTgt/>
+                  </p:tgtEl>
+                </p:cond>
+              </p:prevCondLst>
+              <p:nextCondLst>
+                <p:cond evt="onNext" delay="0">
+                  <p:tgtEl>
+                    <p:sldTgt/>
+                  </p:tgtEl>
+                </p:cond>
+              </p:nextCondLst>
+            </p:seq>
+          </p:childTnLst>
+        </p:cTn>
       </p:par>
     </p:tnLst>
   </p:timing>

--- a/CE_presentation.pptx
+++ b/CE_presentation.pptx
@@ -5,8 +5,11 @@
     <p:sldMasterId id="2147483648" r:id="rId1"/>
   </p:sldMasterIdLst>
   <p:notesMasterIdLst>
-    <p:notesMasterId r:id="rId29"/>
+    <p:notesMasterId r:id="rId30"/>
   </p:notesMasterIdLst>
+  <p:handoutMasterIdLst>
+    <p:handoutMasterId r:id="rId31"/>
+  </p:handoutMasterIdLst>
   <p:sldIdLst>
     <p:sldId id="256" r:id="rId2"/>
     <p:sldId id="257" r:id="rId3"/>
@@ -33,8 +36,9 @@
     <p:sldId id="280" r:id="rId24"/>
     <p:sldId id="278" r:id="rId25"/>
     <p:sldId id="279" r:id="rId26"/>
-    <p:sldId id="281" r:id="rId27"/>
-    <p:sldId id="282" r:id="rId28"/>
+    <p:sldId id="283" r:id="rId27"/>
+    <p:sldId id="281" r:id="rId28"/>
+    <p:sldId id="282" r:id="rId29"/>
   </p:sldIdLst>
   <p:sldSz cx="12192000" cy="6858000"/>
   <p:notesSz cx="6858000" cy="9144000"/>
@@ -141,6 +145,171 @@
 </p:presentation>
 </file>
 
+<file path=ppt/handoutMasters/handoutMaster1.xml><?xml version="1.0" encoding="utf-8"?>
+<p:handoutMaster xmlns:a="http://schemas.openxmlformats.org/drawingml/2006/main" xmlns:r="http://schemas.openxmlformats.org/officeDocument/2006/relationships" xmlns:p="http://schemas.openxmlformats.org/presentationml/2006/main">
+  <p:cSld>
+    <p:bg>
+      <p:bgRef idx="1001">
+        <a:schemeClr val="bg1"/>
+      </p:bgRef>
+    </p:bg>
+    <p:spTree>
+      <p:nvGrpSpPr>
+        <p:cNvPr id="1" name=""/>
+        <p:cNvGrpSpPr/>
+        <p:nvPr/>
+      </p:nvGrpSpPr>
+      <p:grpSpPr>
+        <a:xfrm>
+          <a:off x="0" y="0"/>
+          <a:ext cx="0" cy="0"/>
+          <a:chOff x="0" y="0"/>
+          <a:chExt cx="0" cy="0"/>
+        </a:xfrm>
+      </p:grpSpPr>
+      <p:sp>
+        <p:nvSpPr>
+          <p:cNvPr id="2" name="Header Placeholder 1"/>
+          <p:cNvSpPr>
+            <a:spLocks noGrp="1"/>
+          </p:cNvSpPr>
+          <p:nvPr>
+            <p:ph type="hdr" sz="quarter"/>
+          </p:nvPr>
+        </p:nvSpPr>
+        <p:spPr>
+          <a:xfrm>
+            <a:off x="0" y="0"/>
+            <a:ext cx="2971800" cy="458788"/>
+          </a:xfrm>
+          <a:prstGeom prst="rect">
+            <a:avLst/>
+          </a:prstGeom>
+        </p:spPr>
+        <p:txBody>
+          <a:bodyPr vert="horz" lIns="91440" tIns="45720" rIns="91440" bIns="45720" rtlCol="0"/>
+          <a:lstStyle>
+            <a:lvl1pPr algn="l">
+              <a:defRPr sz="1200"/>
+            </a:lvl1pPr>
+          </a:lstStyle>
+          <a:p>
+            <a:endParaRPr lang="en-US"/>
+          </a:p>
+        </p:txBody>
+      </p:sp>
+      <p:sp>
+        <p:nvSpPr>
+          <p:cNvPr id="3" name="Date Placeholder 2"/>
+          <p:cNvSpPr>
+            <a:spLocks noGrp="1"/>
+          </p:cNvSpPr>
+          <p:nvPr>
+            <p:ph type="dt" sz="quarter" idx="1"/>
+          </p:nvPr>
+        </p:nvSpPr>
+        <p:spPr>
+          <a:xfrm>
+            <a:off x="3884613" y="0"/>
+            <a:ext cx="2971800" cy="458788"/>
+          </a:xfrm>
+          <a:prstGeom prst="rect">
+            <a:avLst/>
+          </a:prstGeom>
+        </p:spPr>
+        <p:txBody>
+          <a:bodyPr vert="horz" lIns="91440" tIns="45720" rIns="91440" bIns="45720" rtlCol="0"/>
+          <a:lstStyle>
+            <a:lvl1pPr algn="r">
+              <a:defRPr sz="1200"/>
+            </a:lvl1pPr>
+          </a:lstStyle>
+          <a:p>
+            <a:fld id="{2D697061-38B8-424A-A69E-31F29108AB5A}" type="datetimeFigureOut">
+              <a:rPr lang="en-US" smtClean="0"/>
+              <a:t>6/28/17</a:t>
+            </a:fld>
+            <a:endParaRPr lang="en-US"/>
+          </a:p>
+        </p:txBody>
+      </p:sp>
+      <p:sp>
+        <p:nvSpPr>
+          <p:cNvPr id="4" name="Footer Placeholder 3"/>
+          <p:cNvSpPr>
+            <a:spLocks noGrp="1"/>
+          </p:cNvSpPr>
+          <p:nvPr>
+            <p:ph type="ftr" sz="quarter" idx="2"/>
+          </p:nvPr>
+        </p:nvSpPr>
+        <p:spPr>
+          <a:xfrm>
+            <a:off x="0" y="8685213"/>
+            <a:ext cx="2971800" cy="458787"/>
+          </a:xfrm>
+          <a:prstGeom prst="rect">
+            <a:avLst/>
+          </a:prstGeom>
+        </p:spPr>
+        <p:txBody>
+          <a:bodyPr vert="horz" lIns="91440" tIns="45720" rIns="91440" bIns="45720" rtlCol="0" anchor="b"/>
+          <a:lstStyle>
+            <a:lvl1pPr algn="l">
+              <a:defRPr sz="1200"/>
+            </a:lvl1pPr>
+          </a:lstStyle>
+          <a:p>
+            <a:endParaRPr lang="en-US"/>
+          </a:p>
+        </p:txBody>
+      </p:sp>
+      <p:sp>
+        <p:nvSpPr>
+          <p:cNvPr id="5" name="Slide Number Placeholder 4"/>
+          <p:cNvSpPr>
+            <a:spLocks noGrp="1"/>
+          </p:cNvSpPr>
+          <p:nvPr>
+            <p:ph type="sldNum" sz="quarter" idx="3"/>
+          </p:nvPr>
+        </p:nvSpPr>
+        <p:spPr>
+          <a:xfrm>
+            <a:off x="3884613" y="8685213"/>
+            <a:ext cx="2971800" cy="458787"/>
+          </a:xfrm>
+          <a:prstGeom prst="rect">
+            <a:avLst/>
+          </a:prstGeom>
+        </p:spPr>
+        <p:txBody>
+          <a:bodyPr vert="horz" lIns="91440" tIns="45720" rIns="91440" bIns="45720" rtlCol="0" anchor="b"/>
+          <a:lstStyle>
+            <a:lvl1pPr algn="r">
+              <a:defRPr sz="1200"/>
+            </a:lvl1pPr>
+          </a:lstStyle>
+          <a:p>
+            <a:fld id="{6A9576A8-578D-D74A-8AD5-34F0566FDFF4}" type="slidenum">
+              <a:rPr lang="en-US" smtClean="0"/>
+              <a:t>‹#›</a:t>
+            </a:fld>
+            <a:endParaRPr lang="en-US"/>
+          </a:p>
+        </p:txBody>
+      </p:sp>
+    </p:spTree>
+    <p:extLst>
+      <p:ext uri="{BB962C8B-B14F-4D97-AF65-F5344CB8AC3E}">
+        <p14:creationId xmlns:p14="http://schemas.microsoft.com/office/powerpoint/2010/main" val="292558117"/>
+      </p:ext>
+    </p:extLst>
+  </p:cSld>
+  <p:clrMap bg1="lt1" tx1="dk1" bg2="lt2" tx2="dk2" accent1="accent1" accent2="accent2" accent3="accent3" accent4="accent4" accent5="accent5" accent6="accent6" hlink="hlink" folHlink="folHlink"/>
+</p:handoutMaster>
+</file>
+
 <file path=ppt/notesMasters/notesMaster1.xml><?xml version="1.0" encoding="utf-8"?>
 <p:notesMaster xmlns:a="http://schemas.openxmlformats.org/drawingml/2006/main" xmlns:r="http://schemas.openxmlformats.org/officeDocument/2006/relationships" xmlns:p="http://schemas.openxmlformats.org/presentationml/2006/main">
   <p:cSld>
@@ -223,7 +392,7 @@
           <a:p>
             <a:fld id="{CE702E3E-BC69-0A48-B26D-D57F49177E51}" type="datetimeFigureOut">
               <a:rPr lang="en-US" smtClean="0"/>
-              <a:t>6/27/17</a:t>
+              <a:t>6/28/17</a:t>
             </a:fld>
             <a:endParaRPr lang="en-US"/>
           </a:p>
@@ -3855,7 +4024,7 @@
           <a:p>
             <a:fld id="{48A51378-ED5F-A842-B4BD-350ED1610978}" type="datetime1">
               <a:rPr lang="en-US" smtClean="0"/>
-              <a:t>6/27/17</a:t>
+              <a:t>6/28/17</a:t>
             </a:fld>
             <a:endParaRPr lang="en-US"/>
           </a:p>
@@ -4025,7 +4194,7 @@
           <a:p>
             <a:fld id="{B41C0A04-DC22-634D-9DEF-54D68390905F}" type="datetime1">
               <a:rPr lang="en-US" smtClean="0"/>
-              <a:t>6/27/17</a:t>
+              <a:t>6/28/17</a:t>
             </a:fld>
             <a:endParaRPr lang="en-US"/>
           </a:p>
@@ -4205,7 +4374,7 @@
           <a:p>
             <a:fld id="{7648D593-2EC9-7D41-B496-CD7B0C85C2AE}" type="datetime1">
               <a:rPr lang="en-US" smtClean="0"/>
-              <a:t>6/27/17</a:t>
+              <a:t>6/28/17</a:t>
             </a:fld>
             <a:endParaRPr lang="en-US"/>
           </a:p>
@@ -4380,7 +4549,7 @@
           <a:p>
             <a:fld id="{AE163ADF-232C-BB44-A2EB-133411987AE0}" type="datetime1">
               <a:rPr lang="en-US" smtClean="0"/>
-              <a:t>6/27/17</a:t>
+              <a:t>6/28/17</a:t>
             </a:fld>
             <a:endParaRPr lang="en-US"/>
           </a:p>
@@ -4626,7 +4795,7 @@
           <a:p>
             <a:fld id="{3BE07E9F-6EFC-9440-86DD-CCBABFD40191}" type="datetime1">
               <a:rPr lang="en-US" smtClean="0"/>
-              <a:t>6/27/17</a:t>
+              <a:t>6/28/17</a:t>
             </a:fld>
             <a:endParaRPr lang="en-US"/>
           </a:p>
@@ -4858,7 +5027,7 @@
           <a:p>
             <a:fld id="{F9E0C392-2489-FA4A-834E-F4D08B271C34}" type="datetime1">
               <a:rPr lang="en-US" smtClean="0"/>
-              <a:t>6/27/17</a:t>
+              <a:t>6/28/17</a:t>
             </a:fld>
             <a:endParaRPr lang="en-US"/>
           </a:p>
@@ -5225,7 +5394,7 @@
           <a:p>
             <a:fld id="{651BABA5-6B3D-114B-9F25-FE43FF7EA4F3}" type="datetime1">
               <a:rPr lang="en-US" smtClean="0"/>
-              <a:t>6/27/17</a:t>
+              <a:t>6/28/17</a:t>
             </a:fld>
             <a:endParaRPr lang="en-US"/>
           </a:p>
@@ -5343,7 +5512,7 @@
           <a:p>
             <a:fld id="{F9136DAE-CD4F-CA43-9C01-749967BEE775}" type="datetime1">
               <a:rPr lang="en-US" smtClean="0"/>
-              <a:t>6/27/17</a:t>
+              <a:t>6/28/17</a:t>
             </a:fld>
             <a:endParaRPr lang="en-US"/>
           </a:p>
@@ -5438,7 +5607,7 @@
           <a:p>
             <a:fld id="{BF69CA45-122D-4C49-BE5C-F7E8ACEAAFC3}" type="datetime1">
               <a:rPr lang="en-US" smtClean="0"/>
-              <a:t>6/27/17</a:t>
+              <a:t>6/28/17</a:t>
             </a:fld>
             <a:endParaRPr lang="en-US"/>
           </a:p>
@@ -5715,7 +5884,7 @@
           <a:p>
             <a:fld id="{72FDAF24-7A4F-A64E-9BEA-3E7C4FBAEA0E}" type="datetime1">
               <a:rPr lang="en-US" smtClean="0"/>
-              <a:t>6/27/17</a:t>
+              <a:t>6/28/17</a:t>
             </a:fld>
             <a:endParaRPr lang="en-US"/>
           </a:p>
@@ -5968,7 +6137,7 @@
           <a:p>
             <a:fld id="{95A4C3AA-2AD2-F54D-AEFF-FC88D2CDCD54}" type="datetime1">
               <a:rPr lang="en-US" smtClean="0"/>
-              <a:t>6/27/17</a:t>
+              <a:t>6/28/17</a:t>
             </a:fld>
             <a:endParaRPr lang="en-US"/>
           </a:p>
@@ -6184,7 +6353,7 @@
           <a:p>
             <a:fld id="{8F8B4402-578E-FF44-851F-343783F01DEA}" type="datetime1">
               <a:rPr lang="en-US" smtClean="0"/>
-              <a:t>6/27/17</a:t>
+              <a:t>6/28/17</a:t>
             </a:fld>
             <a:endParaRPr lang="en-US"/>
           </a:p>
@@ -7835,7 +8004,7 @@
                   <a:schemeClr val="accent6"/>
                 </a:solidFill>
               </a:rPr>
-              <a:t>Extra protections</a:t>
+              <a:t>Extra protections from PL</a:t>
             </a:r>
           </a:p>
           <a:p>
@@ -7897,12 +8066,20 @@
               <a:buChar char="-"/>
             </a:pPr>
             <a:r>
+              <a:rPr lang="en-US" smtClean="0">
+                <a:solidFill>
+                  <a:srgbClr val="FF0000"/>
+                </a:solidFill>
+              </a:rPr>
+              <a:t>Guest not protected </a:t>
+            </a:r>
+            <a:r>
               <a:rPr lang="en-US" dirty="0" smtClean="0">
                 <a:solidFill>
                   <a:srgbClr val="FF0000"/>
                 </a:solidFill>
               </a:rPr>
-              <a:t>No guest protected from host</a:t>
+              <a:t>from host</a:t>
             </a:r>
             <a:endParaRPr lang="en-US" dirty="0">
               <a:solidFill>
@@ -11143,7 +11320,23 @@
                   <a:schemeClr val="accent2"/>
                 </a:solidFill>
               </a:rPr>
-              <a:t>Performance</a:t>
+              <a:t>Comparable </a:t>
+            </a:r>
+            <a:r>
+              <a:rPr lang="en-US" dirty="0" err="1" smtClean="0">
+                <a:solidFill>
+                  <a:schemeClr val="accent2"/>
+                </a:solidFill>
+              </a:rPr>
+              <a:t>perfs</a:t>
+            </a:r>
+            <a:r>
+              <a:rPr lang="en-US" dirty="0" smtClean="0">
+                <a:solidFill>
+                  <a:schemeClr val="accent2"/>
+                </a:solidFill>
+              </a:rPr>
+              <a:t> with VMs</a:t>
             </a:r>
           </a:p>
           <a:p>
@@ -11247,7 +11440,7 @@
                   <a:schemeClr val="accent2"/>
                 </a:solidFill>
               </a:rPr>
-              <a:t>Extra protections</a:t>
+              <a:t>Extra protections from PL</a:t>
             </a:r>
           </a:p>
           <a:p>
@@ -12260,6 +12453,13 @@
   <p:clrMapOvr>
     <a:masterClrMapping/>
   </p:clrMapOvr>
+  <p:timing>
+    <p:tnLst>
+      <p:par>
+        <p:cTn id="1" dur="indefinite" restart="never" nodeType="tmRoot"/>
+      </p:par>
+    </p:tnLst>
+  </p:timing>
 </p:sld>
 </file>
 
@@ -12904,246 +13104,7 @@
       </p:grpSpPr>
       <p:sp>
         <p:nvSpPr>
-          <p:cNvPr id="2" name="Title 1"/>
-          <p:cNvSpPr>
-            <a:spLocks noGrp="1"/>
-          </p:cNvSpPr>
-          <p:nvPr>
-            <p:ph type="title"/>
-          </p:nvPr>
-        </p:nvSpPr>
-        <p:spPr/>
-        <p:txBody>
-          <a:bodyPr/>
-          <a:lstStyle/>
-          <a:p>
-            <a:r>
-              <a:rPr lang="en-US" dirty="0" smtClean="0"/>
-              <a:t>	</a:t>
-            </a:r>
-            <a:r>
-              <a:rPr lang="en-US" dirty="0" err="1" smtClean="0"/>
-              <a:t>Unikernel</a:t>
-            </a:r>
-            <a:r>
-              <a:rPr lang="en-US" dirty="0" smtClean="0"/>
-              <a:t>: Performance details.</a:t>
-            </a:r>
-            <a:endParaRPr lang="en-US" dirty="0"/>
-          </a:p>
-        </p:txBody>
-      </p:sp>
-      <p:sp>
-        <p:nvSpPr>
-          <p:cNvPr id="3" name="Content Placeholder 2"/>
-          <p:cNvSpPr>
-            <a:spLocks noGrp="1"/>
-          </p:cNvSpPr>
-          <p:nvPr>
-            <p:ph idx="1"/>
-          </p:nvPr>
-        </p:nvSpPr>
-        <p:spPr/>
-        <p:txBody>
-          <a:bodyPr/>
-          <a:lstStyle/>
-          <a:p>
-            <a:pPr marL="0" marR="0" lvl="0" indent="0" defTabSz="914400" eaLnBrk="1" fontAlgn="auto" latinLnBrk="0" hangingPunct="1">
-              <a:lnSpc>
-                <a:spcPct val="100000"/>
-              </a:lnSpc>
-              <a:spcBef>
-                <a:spcPts val="0"/>
-              </a:spcBef>
-              <a:spcAft>
-                <a:spcPts val="0"/>
-              </a:spcAft>
-              <a:buClrTx/>
-              <a:buSzTx/>
-              <a:buFontTx/>
-              <a:buNone/>
-              <a:tabLst/>
-              <a:defRPr/>
-            </a:pPr>
-            <a:r>
-              <a:rPr lang="en-US" dirty="0" smtClean="0">
-                <a:solidFill>
-                  <a:schemeClr val="tx1"/>
-                </a:solidFill>
-              </a:rPr>
-              <a:t>Networking &amp; Storage:</a:t>
-            </a:r>
-          </a:p>
-          <a:p>
-            <a:pPr>
-              <a:lnSpc>
-                <a:spcPct val="100000"/>
-              </a:lnSpc>
-              <a:spcBef>
-                <a:spcPts val="0"/>
-              </a:spcBef>
-            </a:pPr>
-            <a:r>
-              <a:rPr lang="en-US" dirty="0" smtClean="0">
-                <a:solidFill>
-                  <a:schemeClr val="tx1"/>
-                </a:solidFill>
-              </a:rPr>
-              <a:t>Flooding ping</a:t>
-            </a:r>
-          </a:p>
-          <a:p>
-            <a:pPr lvl="1">
-              <a:lnSpc>
-                <a:spcPct val="100000"/>
-              </a:lnSpc>
-              <a:spcBef>
-                <a:spcPts val="0"/>
-              </a:spcBef>
-            </a:pPr>
-            <a:r>
-              <a:rPr lang="en-US" dirty="0" smtClean="0">
-                <a:solidFill>
-                  <a:schemeClr val="tx1"/>
-                </a:solidFill>
-              </a:rPr>
-              <a:t>Mirage has 4-10% latency due to type-safety.</a:t>
-            </a:r>
-          </a:p>
-          <a:p>
-            <a:pPr>
-              <a:lnSpc>
-                <a:spcPct val="100000"/>
-              </a:lnSpc>
-              <a:spcBef>
-                <a:spcPts val="0"/>
-              </a:spcBef>
-            </a:pPr>
-            <a:r>
-              <a:rPr lang="en-US" dirty="0" smtClean="0">
-                <a:solidFill>
-                  <a:schemeClr val="tx1"/>
-                </a:solidFill>
-              </a:rPr>
-              <a:t>TCPv4 stack</a:t>
-            </a:r>
-          </a:p>
-          <a:p>
-            <a:pPr lvl="1">
-              <a:lnSpc>
-                <a:spcPct val="100000"/>
-              </a:lnSpc>
-              <a:spcBef>
-                <a:spcPts val="0"/>
-              </a:spcBef>
-            </a:pPr>
-            <a:r>
-              <a:rPr lang="en-US" dirty="0" smtClean="0">
-                <a:solidFill>
-                  <a:schemeClr val="tx1"/>
-                </a:solidFill>
-              </a:rPr>
-              <a:t>Comparable with Linux.</a:t>
-            </a:r>
-          </a:p>
-          <a:p>
-            <a:pPr lvl="1">
-              <a:lnSpc>
-                <a:spcPct val="100000"/>
-              </a:lnSpc>
-              <a:spcBef>
-                <a:spcPts val="0"/>
-              </a:spcBef>
-            </a:pPr>
-            <a:r>
-              <a:rPr lang="en-US" dirty="0" smtClean="0">
-                <a:solidFill>
-                  <a:schemeClr val="tx1"/>
-                </a:solidFill>
-              </a:rPr>
-              <a:t>Receive throughput slightly higher since 0-copy.</a:t>
-            </a:r>
-          </a:p>
-          <a:p>
-            <a:pPr lvl="1">
-              <a:lnSpc>
-                <a:spcPct val="100000"/>
-              </a:lnSpc>
-              <a:spcBef>
-                <a:spcPts val="0"/>
-              </a:spcBef>
-            </a:pPr>
-            <a:r>
-              <a:rPr lang="en-US" dirty="0" smtClean="0">
-                <a:solidFill>
-                  <a:schemeClr val="tx1"/>
-                </a:solidFill>
-              </a:rPr>
-              <a:t>Transmit throughput slightly lower due to higher CPU usage.</a:t>
-            </a:r>
-          </a:p>
-          <a:p>
-            <a:pPr>
-              <a:lnSpc>
-                <a:spcPct val="100000"/>
-              </a:lnSpc>
-              <a:spcBef>
-                <a:spcPts val="0"/>
-              </a:spcBef>
-            </a:pPr>
-            <a:r>
-              <a:rPr lang="en-US" dirty="0" smtClean="0">
-                <a:solidFill>
-                  <a:schemeClr val="tx1"/>
-                </a:solidFill>
-              </a:rPr>
-              <a:t>Storage access</a:t>
-            </a:r>
-          </a:p>
-          <a:p>
-            <a:pPr lvl="1">
-              <a:lnSpc>
-                <a:spcPct val="100000"/>
-              </a:lnSpc>
-              <a:spcBef>
-                <a:spcPts val="0"/>
-              </a:spcBef>
-            </a:pPr>
-            <a:r>
-              <a:rPr lang="en-US" dirty="0" smtClean="0">
-                <a:solidFill>
-                  <a:schemeClr val="tx1"/>
-                </a:solidFill>
-              </a:rPr>
-              <a:t>Comparable throughput with Linux direct </a:t>
-            </a:r>
-            <a:r>
-              <a:rPr lang="en-US" dirty="0">
-                <a:solidFill>
-                  <a:schemeClr val="tx1"/>
-                </a:solidFill>
-              </a:rPr>
-              <a:t>I</a:t>
-            </a:r>
-            <a:r>
-              <a:rPr lang="en-US" dirty="0" smtClean="0">
-                <a:solidFill>
-                  <a:schemeClr val="tx1"/>
-                </a:solidFill>
-              </a:rPr>
-              <a:t>/O.</a:t>
-            </a:r>
-            <a:endParaRPr lang="en-US" dirty="0">
-              <a:solidFill>
-                <a:schemeClr val="tx1"/>
-              </a:solidFill>
-            </a:endParaRPr>
-          </a:p>
-        </p:txBody>
-      </p:sp>
-      <p:sp>
-        <p:nvSpPr>
-          <p:cNvPr id="4" name="Slide Number Placeholder 3"/>
+          <p:cNvPr id="2" name="Slide Number Placeholder 1"/>
           <p:cNvSpPr>
             <a:spLocks noGrp="1"/>
           </p:cNvSpPr>
@@ -13157,25 +13118,47 @@
           <a:lstStyle/>
           <a:p>
             <a:fld id="{B46BA956-F633-F04E-BD9F-377F5F31FAB2}" type="slidenum">
-              <a:rPr lang="en-US" smtClean="0">
-                <a:solidFill>
-                  <a:schemeClr val="tx1"/>
-                </a:solidFill>
-              </a:rPr>
+              <a:rPr lang="en-US" smtClean="0"/>
               <a:t>26</a:t>
             </a:fld>
-            <a:endParaRPr lang="en-US" dirty="0">
-              <a:solidFill>
-                <a:schemeClr val="tx1"/>
-              </a:solidFill>
-            </a:endParaRPr>
-          </a:p>
-        </p:txBody>
-      </p:sp>
+            <a:endParaRPr lang="en-US"/>
+          </a:p>
+        </p:txBody>
+      </p:sp>
+      <p:pic>
+        <p:nvPicPr>
+          <p:cNvPr id="3" name="Picture 2"/>
+          <p:cNvPicPr>
+            <a:picLocks noChangeAspect="1"/>
+          </p:cNvPicPr>
+          <p:nvPr/>
+        </p:nvPicPr>
+        <p:blipFill>
+          <a:blip r:embed="rId2">
+            <a:extLst>
+              <a:ext uri="{28A0092B-C50C-407E-A947-70E740481C1C}">
+                <a14:useLocalDpi xmlns:a14="http://schemas.microsoft.com/office/drawing/2010/main" val="0"/>
+              </a:ext>
+            </a:extLst>
+          </a:blip>
+          <a:stretch>
+            <a:fillRect/>
+          </a:stretch>
+        </p:blipFill>
+        <p:spPr>
+          <a:xfrm>
+            <a:off x="2603501" y="0"/>
+            <a:ext cx="6007100" cy="5902107"/>
+          </a:xfrm>
+          <a:prstGeom prst="rect">
+            <a:avLst/>
+          </a:prstGeom>
+        </p:spPr>
+      </p:pic>
     </p:spTree>
     <p:extLst>
       <p:ext uri="{BB962C8B-B14F-4D97-AF65-F5344CB8AC3E}">
-        <p14:creationId xmlns:p14="http://schemas.microsoft.com/office/powerpoint/2010/main" val="1812278305"/>
+        <p14:creationId xmlns:p14="http://schemas.microsoft.com/office/powerpoint/2010/main" val="41416808"/>
       </p:ext>
     </p:extLst>
   </p:cSld>
@@ -13243,6 +13226,306 @@
             <p:ph idx="1"/>
           </p:nvPr>
         </p:nvSpPr>
+        <p:spPr/>
+        <p:txBody>
+          <a:bodyPr/>
+          <a:lstStyle/>
+          <a:p>
+            <a:pPr marL="0" marR="0" lvl="0" indent="0" defTabSz="914400" eaLnBrk="1" fontAlgn="auto" latinLnBrk="0" hangingPunct="1">
+              <a:lnSpc>
+                <a:spcPct val="100000"/>
+              </a:lnSpc>
+              <a:spcBef>
+                <a:spcPts val="0"/>
+              </a:spcBef>
+              <a:spcAft>
+                <a:spcPts val="0"/>
+              </a:spcAft>
+              <a:buClrTx/>
+              <a:buSzTx/>
+              <a:buFontTx/>
+              <a:buNone/>
+              <a:tabLst/>
+              <a:defRPr/>
+            </a:pPr>
+            <a:r>
+              <a:rPr lang="en-US" dirty="0" smtClean="0">
+                <a:solidFill>
+                  <a:schemeClr val="tx1"/>
+                </a:solidFill>
+              </a:rPr>
+              <a:t>Networking &amp; Storage:</a:t>
+            </a:r>
+          </a:p>
+          <a:p>
+            <a:pPr>
+              <a:lnSpc>
+                <a:spcPct val="100000"/>
+              </a:lnSpc>
+              <a:spcBef>
+                <a:spcPts val="0"/>
+              </a:spcBef>
+            </a:pPr>
+            <a:r>
+              <a:rPr lang="en-US" dirty="0" smtClean="0">
+                <a:solidFill>
+                  <a:schemeClr val="tx1"/>
+                </a:solidFill>
+              </a:rPr>
+              <a:t>Flooding ping</a:t>
+            </a:r>
+          </a:p>
+          <a:p>
+            <a:pPr lvl="1">
+              <a:lnSpc>
+                <a:spcPct val="100000"/>
+              </a:lnSpc>
+              <a:spcBef>
+                <a:spcPts val="0"/>
+              </a:spcBef>
+            </a:pPr>
+            <a:r>
+              <a:rPr lang="en-US" dirty="0" smtClean="0">
+                <a:solidFill>
+                  <a:schemeClr val="tx1"/>
+                </a:solidFill>
+              </a:rPr>
+              <a:t>Mirage has 4-10% latency due to type-safety.</a:t>
+            </a:r>
+          </a:p>
+          <a:p>
+            <a:pPr>
+              <a:lnSpc>
+                <a:spcPct val="100000"/>
+              </a:lnSpc>
+              <a:spcBef>
+                <a:spcPts val="0"/>
+              </a:spcBef>
+            </a:pPr>
+            <a:r>
+              <a:rPr lang="en-US" dirty="0" smtClean="0">
+                <a:solidFill>
+                  <a:schemeClr val="tx1"/>
+                </a:solidFill>
+              </a:rPr>
+              <a:t>TCPv4 stack</a:t>
+            </a:r>
+          </a:p>
+          <a:p>
+            <a:pPr lvl="1">
+              <a:lnSpc>
+                <a:spcPct val="100000"/>
+              </a:lnSpc>
+              <a:spcBef>
+                <a:spcPts val="0"/>
+              </a:spcBef>
+            </a:pPr>
+            <a:r>
+              <a:rPr lang="en-US" dirty="0" smtClean="0">
+                <a:solidFill>
+                  <a:schemeClr val="tx1"/>
+                </a:solidFill>
+              </a:rPr>
+              <a:t>Comparable with Linux.</a:t>
+            </a:r>
+          </a:p>
+          <a:p>
+            <a:pPr lvl="1">
+              <a:lnSpc>
+                <a:spcPct val="100000"/>
+              </a:lnSpc>
+              <a:spcBef>
+                <a:spcPts val="0"/>
+              </a:spcBef>
+            </a:pPr>
+            <a:r>
+              <a:rPr lang="en-US" dirty="0" smtClean="0">
+                <a:solidFill>
+                  <a:schemeClr val="tx1"/>
+                </a:solidFill>
+              </a:rPr>
+              <a:t>Receive throughput slightly higher since 0-copy.</a:t>
+            </a:r>
+          </a:p>
+          <a:p>
+            <a:pPr lvl="1">
+              <a:lnSpc>
+                <a:spcPct val="100000"/>
+              </a:lnSpc>
+              <a:spcBef>
+                <a:spcPts val="0"/>
+              </a:spcBef>
+            </a:pPr>
+            <a:r>
+              <a:rPr lang="en-US" dirty="0" smtClean="0">
+                <a:solidFill>
+                  <a:schemeClr val="tx1"/>
+                </a:solidFill>
+              </a:rPr>
+              <a:t>Transmit throughput slightly lower due to higher CPU usage.</a:t>
+            </a:r>
+          </a:p>
+          <a:p>
+            <a:pPr>
+              <a:lnSpc>
+                <a:spcPct val="100000"/>
+              </a:lnSpc>
+              <a:spcBef>
+                <a:spcPts val="0"/>
+              </a:spcBef>
+            </a:pPr>
+            <a:r>
+              <a:rPr lang="en-US" dirty="0" smtClean="0">
+                <a:solidFill>
+                  <a:schemeClr val="tx1"/>
+                </a:solidFill>
+              </a:rPr>
+              <a:t>Storage access</a:t>
+            </a:r>
+          </a:p>
+          <a:p>
+            <a:pPr lvl="1">
+              <a:lnSpc>
+                <a:spcPct val="100000"/>
+              </a:lnSpc>
+              <a:spcBef>
+                <a:spcPts val="0"/>
+              </a:spcBef>
+            </a:pPr>
+            <a:r>
+              <a:rPr lang="en-US" dirty="0" smtClean="0">
+                <a:solidFill>
+                  <a:schemeClr val="tx1"/>
+                </a:solidFill>
+              </a:rPr>
+              <a:t>Comparable throughput with Linux direct </a:t>
+            </a:r>
+            <a:r>
+              <a:rPr lang="en-US" dirty="0">
+                <a:solidFill>
+                  <a:schemeClr val="tx1"/>
+                </a:solidFill>
+              </a:rPr>
+              <a:t>I</a:t>
+            </a:r>
+            <a:r>
+              <a:rPr lang="en-US" dirty="0" smtClean="0">
+                <a:solidFill>
+                  <a:schemeClr val="tx1"/>
+                </a:solidFill>
+              </a:rPr>
+              <a:t>/O.</a:t>
+            </a:r>
+            <a:endParaRPr lang="en-US" dirty="0">
+              <a:solidFill>
+                <a:schemeClr val="tx1"/>
+              </a:solidFill>
+            </a:endParaRPr>
+          </a:p>
+        </p:txBody>
+      </p:sp>
+      <p:sp>
+        <p:nvSpPr>
+          <p:cNvPr id="4" name="Slide Number Placeholder 3"/>
+          <p:cNvSpPr>
+            <a:spLocks noGrp="1"/>
+          </p:cNvSpPr>
+          <p:nvPr>
+            <p:ph type="sldNum" sz="quarter" idx="12"/>
+          </p:nvPr>
+        </p:nvSpPr>
+        <p:spPr/>
+        <p:txBody>
+          <a:bodyPr/>
+          <a:lstStyle/>
+          <a:p>
+            <a:fld id="{B46BA956-F633-F04E-BD9F-377F5F31FAB2}" type="slidenum">
+              <a:rPr lang="en-US" smtClean="0">
+                <a:solidFill>
+                  <a:schemeClr val="tx1"/>
+                </a:solidFill>
+              </a:rPr>
+              <a:t>27</a:t>
+            </a:fld>
+            <a:endParaRPr lang="en-US" dirty="0">
+              <a:solidFill>
+                <a:schemeClr val="tx1"/>
+              </a:solidFill>
+            </a:endParaRPr>
+          </a:p>
+        </p:txBody>
+      </p:sp>
+    </p:spTree>
+    <p:extLst>
+      <p:ext uri="{BB962C8B-B14F-4D97-AF65-F5344CB8AC3E}">
+        <p14:creationId xmlns:p14="http://schemas.microsoft.com/office/powerpoint/2010/main" val="1812278305"/>
+      </p:ext>
+    </p:extLst>
+  </p:cSld>
+  <p:clrMapOvr>
+    <a:masterClrMapping/>
+  </p:clrMapOvr>
+</p:sld>
+</file>
+
+<file path=ppt/slides/slide28.xml><?xml version="1.0" encoding="utf-8"?>
+<p:sld xmlns:a="http://schemas.openxmlformats.org/drawingml/2006/main" xmlns:r="http://schemas.openxmlformats.org/officeDocument/2006/relationships" xmlns:p="http://schemas.openxmlformats.org/presentationml/2006/main">
+  <p:cSld>
+    <p:spTree>
+      <p:nvGrpSpPr>
+        <p:cNvPr id="1" name=""/>
+        <p:cNvGrpSpPr/>
+        <p:nvPr/>
+      </p:nvGrpSpPr>
+      <p:grpSpPr>
+        <a:xfrm>
+          <a:off x="0" y="0"/>
+          <a:ext cx="0" cy="0"/>
+          <a:chOff x="0" y="0"/>
+          <a:chExt cx="0" cy="0"/>
+        </a:xfrm>
+      </p:grpSpPr>
+      <p:sp>
+        <p:nvSpPr>
+          <p:cNvPr id="2" name="Title 1"/>
+          <p:cNvSpPr>
+            <a:spLocks noGrp="1"/>
+          </p:cNvSpPr>
+          <p:nvPr>
+            <p:ph type="title"/>
+          </p:nvPr>
+        </p:nvSpPr>
+        <p:spPr/>
+        <p:txBody>
+          <a:bodyPr/>
+          <a:lstStyle/>
+          <a:p>
+            <a:r>
+              <a:rPr lang="en-US" dirty="0" smtClean="0"/>
+              <a:t>	</a:t>
+            </a:r>
+            <a:r>
+              <a:rPr lang="en-US" dirty="0" err="1" smtClean="0"/>
+              <a:t>Unikernel</a:t>
+            </a:r>
+            <a:r>
+              <a:rPr lang="en-US" dirty="0" smtClean="0"/>
+              <a:t>: Performance details.</a:t>
+            </a:r>
+            <a:endParaRPr lang="en-US" dirty="0"/>
+          </a:p>
+        </p:txBody>
+      </p:sp>
+      <p:sp>
+        <p:nvSpPr>
+          <p:cNvPr id="3" name="Content Placeholder 2"/>
+          <p:cNvSpPr>
+            <a:spLocks noGrp="1"/>
+          </p:cNvSpPr>
+          <p:nvPr>
+            <p:ph idx="1"/>
+          </p:nvPr>
+        </p:nvSpPr>
         <p:spPr>
           <a:xfrm>
             <a:off x="838200" y="1516284"/>
@@ -13612,7 +13895,7 @@
                   <a:schemeClr val="tx1"/>
                 </a:solidFill>
               </a:rPr>
-              <a:t>27</a:t>
+              <a:t>28</a:t>
             </a:fld>
             <a:endParaRPr lang="en-US" dirty="0">
               <a:solidFill>
@@ -13758,12 +14041,9 @@
                   <a:schemeClr val="tx1"/>
                 </a:solidFill>
               </a:rPr>
-              <a:t>Consume less resources, e.g., memory</a:t>
-            </a:r>
-            <a:r>
-              <a:rPr lang="en-US" dirty="0" smtClean="0"/>
-              <a:t>.</a:t>
-            </a:r>
+              <a:t>Make the most out of what you pay for.</a:t>
+            </a:r>
+            <a:endParaRPr lang="en-US" dirty="0" smtClean="0"/>
           </a:p>
           <a:p>
             <a:r>
@@ -14421,12 +14701,20 @@
               <a:buNone/>
             </a:pPr>
             <a:r>
+              <a:rPr lang="en-US" smtClean="0">
+                <a:solidFill>
+                  <a:schemeClr val="tx1"/>
+                </a:solidFill>
+              </a:rPr>
+              <a:t>Traditional OSes </a:t>
+            </a:r>
+            <a:r>
               <a:rPr lang="en-US" dirty="0" smtClean="0">
                 <a:solidFill>
                   <a:schemeClr val="tx1"/>
                 </a:solidFill>
               </a:rPr>
-              <a:t>Traditional OS fix the interface and implementation of OS abstractions.</a:t>
+              <a:t>fix the interface and implementation of OS abstractions.</a:t>
             </a:r>
           </a:p>
           <a:p>
@@ -15807,4 +16095,265 @@
     </a:ext>
   </a:extLst>
 </a:theme>
+</file>
+
+<file path=ppt/theme/theme3.xml><?xml version="1.0" encoding="utf-8"?>
+<a:theme xmlns:a="http://schemas.openxmlformats.org/drawingml/2006/main" name="Office Theme">
+  <a:themeElements>
+    <a:clrScheme name="Office">
+      <a:dk1>
+        <a:sysClr val="windowText" lastClr="000000"/>
+      </a:dk1>
+      <a:lt1>
+        <a:sysClr val="window" lastClr="FFFFFF"/>
+      </a:lt1>
+      <a:dk2>
+        <a:srgbClr val="44546A"/>
+      </a:dk2>
+      <a:lt2>
+        <a:srgbClr val="E7E6E6"/>
+      </a:lt2>
+      <a:accent1>
+        <a:srgbClr val="4472C4"/>
+      </a:accent1>
+      <a:accent2>
+        <a:srgbClr val="ED7D31"/>
+      </a:accent2>
+      <a:accent3>
+        <a:srgbClr val="A5A5A5"/>
+      </a:accent3>
+      <a:accent4>
+        <a:srgbClr val="FFC000"/>
+      </a:accent4>
+      <a:accent5>
+        <a:srgbClr val="5B9BD5"/>
+      </a:accent5>
+      <a:accent6>
+        <a:srgbClr val="70AD47"/>
+      </a:accent6>
+      <a:hlink>
+        <a:srgbClr val="0563C1"/>
+      </a:hlink>
+      <a:folHlink>
+        <a:srgbClr val="954F72"/>
+      </a:folHlink>
+    </a:clrScheme>
+    <a:fontScheme name="Office">
+      <a:majorFont>
+        <a:latin typeface="Calibri Light" panose="020F0302020204030204"/>
+        <a:ea typeface=""/>
+        <a:cs typeface=""/>
+        <a:font script="Jpan" typeface="Yu Gothic Light"/>
+        <a:font script="Hang" typeface="맑은 고딕"/>
+        <a:font script="Hans" typeface="DengXian Light"/>
+        <a:font script="Hant" typeface="新細明體"/>
+        <a:font script="Arab" typeface="Times New Roman"/>
+        <a:font script="Hebr" typeface="Times New Roman"/>
+        <a:font script="Thai" typeface="Angsana New"/>
+        <a:font script="Ethi" typeface="Nyala"/>
+        <a:font script="Beng" typeface="Vrinda"/>
+        <a:font script="Gujr" typeface="Shruti"/>
+        <a:font script="Khmr" typeface="MoolBoran"/>
+        <a:font script="Knda" typeface="Tunga"/>
+        <a:font script="Guru" typeface="Raavi"/>
+        <a:font script="Cans" typeface="Euphemia"/>
+        <a:font script="Cher" typeface="Plantagenet Cherokee"/>
+        <a:font script="Yiii" typeface="Microsoft Yi Baiti"/>
+        <a:font script="Tibt" typeface="Microsoft Himalaya"/>
+        <a:font script="Thaa" typeface="MV Boli"/>
+        <a:font script="Deva" typeface="Mangal"/>
+        <a:font script="Telu" typeface="Gautami"/>
+        <a:font script="Taml" typeface="Latha"/>
+        <a:font script="Syrc" typeface="Estrangelo Edessa"/>
+        <a:font script="Orya" typeface="Kalinga"/>
+        <a:font script="Mlym" typeface="Kartika"/>
+        <a:font script="Laoo" typeface="DokChampa"/>
+        <a:font script="Sinh" typeface="Iskoola Pota"/>
+        <a:font script="Mong" typeface="Mongolian Baiti"/>
+        <a:font script="Viet" typeface="Times New Roman"/>
+        <a:font script="Uigh" typeface="Microsoft Uighur"/>
+        <a:font script="Geor" typeface="Sylfaen"/>
+      </a:majorFont>
+      <a:minorFont>
+        <a:latin typeface="Calibri" panose="020F0502020204030204"/>
+        <a:ea typeface=""/>
+        <a:cs typeface=""/>
+        <a:font script="Jpan" typeface="Yu Gothic"/>
+        <a:font script="Hang" typeface="맑은 고딕"/>
+        <a:font script="Hans" typeface="DengXian"/>
+        <a:font script="Hant" typeface="新細明體"/>
+        <a:font script="Arab" typeface="Arial"/>
+        <a:font script="Hebr" typeface="Arial"/>
+        <a:font script="Thai" typeface="Cordia New"/>
+        <a:font script="Ethi" typeface="Nyala"/>
+        <a:font script="Beng" typeface="Vrinda"/>
+        <a:font script="Gujr" typeface="Shruti"/>
+        <a:font script="Khmr" typeface="DaunPenh"/>
+        <a:font script="Knda" typeface="Tunga"/>
+        <a:font script="Guru" typeface="Raavi"/>
+        <a:font script="Cans" typeface="Euphemia"/>
+        <a:font script="Cher" typeface="Plantagenet Cherokee"/>
+        <a:font script="Yiii" typeface="Microsoft Yi Baiti"/>
+        <a:font script="Tibt" typeface="Microsoft Himalaya"/>
+        <a:font script="Thaa" typeface="MV Boli"/>
+        <a:font script="Deva" typeface="Mangal"/>
+        <a:font script="Telu" typeface="Gautami"/>
+        <a:font script="Taml" typeface="Latha"/>
+        <a:font script="Syrc" typeface="Estrangelo Edessa"/>
+        <a:font script="Orya" typeface="Kalinga"/>
+        <a:font script="Mlym" typeface="Kartika"/>
+        <a:font script="Laoo" typeface="DokChampa"/>
+        <a:font script="Sinh" typeface="Iskoola Pota"/>
+        <a:font script="Mong" typeface="Mongolian Baiti"/>
+        <a:font script="Viet" typeface="Arial"/>
+        <a:font script="Uigh" typeface="Microsoft Uighur"/>
+        <a:font script="Geor" typeface="Sylfaen"/>
+      </a:minorFont>
+    </a:fontScheme>
+    <a:fmtScheme name="Office">
+      <a:fillStyleLst>
+        <a:solidFill>
+          <a:schemeClr val="phClr"/>
+        </a:solidFill>
+        <a:gradFill rotWithShape="1">
+          <a:gsLst>
+            <a:gs pos="0">
+              <a:schemeClr val="phClr">
+                <a:lumMod val="110000"/>
+                <a:satMod val="105000"/>
+                <a:tint val="67000"/>
+              </a:schemeClr>
+            </a:gs>
+            <a:gs pos="50000">
+              <a:schemeClr val="phClr">
+                <a:lumMod val="105000"/>
+                <a:satMod val="103000"/>
+                <a:tint val="73000"/>
+              </a:schemeClr>
+            </a:gs>
+            <a:gs pos="100000">
+              <a:schemeClr val="phClr">
+                <a:lumMod val="105000"/>
+                <a:satMod val="109000"/>
+                <a:tint val="81000"/>
+              </a:schemeClr>
+            </a:gs>
+          </a:gsLst>
+          <a:lin ang="5400000" scaled="0"/>
+        </a:gradFill>
+        <a:gradFill rotWithShape="1">
+          <a:gsLst>
+            <a:gs pos="0">
+              <a:schemeClr val="phClr">
+                <a:satMod val="103000"/>
+                <a:lumMod val="102000"/>
+                <a:tint val="94000"/>
+              </a:schemeClr>
+            </a:gs>
+            <a:gs pos="50000">
+              <a:schemeClr val="phClr">
+                <a:satMod val="110000"/>
+                <a:lumMod val="100000"/>
+                <a:shade val="100000"/>
+              </a:schemeClr>
+            </a:gs>
+            <a:gs pos="100000">
+              <a:schemeClr val="phClr">
+                <a:lumMod val="99000"/>
+                <a:satMod val="120000"/>
+                <a:shade val="78000"/>
+              </a:schemeClr>
+            </a:gs>
+          </a:gsLst>
+          <a:lin ang="5400000" scaled="0"/>
+        </a:gradFill>
+      </a:fillStyleLst>
+      <a:lnStyleLst>
+        <a:ln w="6350" cap="flat" cmpd="sng" algn="ctr">
+          <a:solidFill>
+            <a:schemeClr val="phClr"/>
+          </a:solidFill>
+          <a:prstDash val="solid"/>
+          <a:miter lim="800000"/>
+        </a:ln>
+        <a:ln w="12700" cap="flat" cmpd="sng" algn="ctr">
+          <a:solidFill>
+            <a:schemeClr val="phClr"/>
+          </a:solidFill>
+          <a:prstDash val="solid"/>
+          <a:miter lim="800000"/>
+        </a:ln>
+        <a:ln w="19050" cap="flat" cmpd="sng" algn="ctr">
+          <a:solidFill>
+            <a:schemeClr val="phClr"/>
+          </a:solidFill>
+          <a:prstDash val="solid"/>
+          <a:miter lim="800000"/>
+        </a:ln>
+      </a:lnStyleLst>
+      <a:effectStyleLst>
+        <a:effectStyle>
+          <a:effectLst/>
+        </a:effectStyle>
+        <a:effectStyle>
+          <a:effectLst/>
+        </a:effectStyle>
+        <a:effectStyle>
+          <a:effectLst>
+            <a:outerShdw blurRad="57150" dist="19050" dir="5400000" algn="ctr" rotWithShape="0">
+              <a:srgbClr val="000000">
+                <a:alpha val="63000"/>
+              </a:srgbClr>
+            </a:outerShdw>
+          </a:effectLst>
+        </a:effectStyle>
+      </a:effectStyleLst>
+      <a:bgFillStyleLst>
+        <a:solidFill>
+          <a:schemeClr val="phClr"/>
+        </a:solidFill>
+        <a:solidFill>
+          <a:schemeClr val="phClr">
+            <a:tint val="95000"/>
+            <a:satMod val="170000"/>
+          </a:schemeClr>
+        </a:solidFill>
+        <a:gradFill rotWithShape="1">
+          <a:gsLst>
+            <a:gs pos="0">
+              <a:schemeClr val="phClr">
+                <a:tint val="93000"/>
+                <a:satMod val="150000"/>
+                <a:shade val="98000"/>
+                <a:lumMod val="102000"/>
+              </a:schemeClr>
+            </a:gs>
+            <a:gs pos="50000">
+              <a:schemeClr val="phClr">
+                <a:tint val="98000"/>
+                <a:satMod val="130000"/>
+                <a:shade val="90000"/>
+                <a:lumMod val="103000"/>
+              </a:schemeClr>
+            </a:gs>
+            <a:gs pos="100000">
+              <a:schemeClr val="phClr">
+                <a:shade val="63000"/>
+                <a:satMod val="120000"/>
+              </a:schemeClr>
+            </a:gs>
+          </a:gsLst>
+          <a:lin ang="5400000" scaled="0"/>
+        </a:gradFill>
+      </a:bgFillStyleLst>
+    </a:fmtScheme>
+  </a:themeElements>
+  <a:objectDefaults/>
+  <a:extraClrSchemeLst/>
+  <a:extLst>
+    <a:ext uri="{05A4C25C-085E-4340-85A3-A5531E510DB2}">
+      <thm15:themeFamily xmlns:thm15="http://schemas.microsoft.com/office/thememl/2012/main" name="Office Theme" id="{62F939B6-93AF-4DB8-9C6B-D6C7DFDC589F}" vid="{4A3C46E8-61CC-4603-A589-7422A47A8E4A}"/>
+    </a:ext>
+  </a:extLst>
+</a:theme>
 </file>